--- a/CS2225.BaoCaoCuoiKy.pptx
+++ b/CS2225.BaoCaoCuoiKy.pptx
@@ -12918,15 +12918,12 @@
             </a:pPr>
             <a:r>
               <a:rPr lang="en" sz="1600"/>
-              <a:t>Bước 1: thu thập dữ liệu.</a:t>
+              <a:t>Bước 1: thu thập dữ liệu ảnh.</a:t>
             </a:r>
             <a:endParaRPr sz="1600"/>
           </a:p>
           <a:p>
             <a:pPr indent="-330200" lvl="0" marL="457200" rtl="0" algn="l">
-              <a:lnSpc>
-                <a:spcPct val="115000"/>
-              </a:lnSpc>
               <a:spcBef>
                 <a:spcPts val="0"/>
               </a:spcBef>
@@ -12938,23 +12935,12 @@
             </a:pPr>
             <a:r>
               <a:rPr lang="en" sz="1600"/>
-              <a:t>Bước 2: sử dụng trang </a:t>
-            </a:r>
-            <a:r>
-              <a:rPr lang="en" sz="1600"/>
-              <a:t>roboflow</a:t>
-            </a:r>
-            <a:r>
-              <a:rPr lang="en" sz="1600"/>
-              <a:t> tăng cường thêm dữ liệu trên.</a:t>
+              <a:t>Bước 2: gán nhãn thủ công cho dữ liệu đã thu thập bằng roboflow.</a:t>
             </a:r>
             <a:endParaRPr sz="1600"/>
           </a:p>
           <a:p>
             <a:pPr indent="-330200" lvl="0" marL="457200" rtl="0" algn="l">
-              <a:lnSpc>
-                <a:spcPct val="115000"/>
-              </a:lnSpc>
               <a:spcBef>
                 <a:spcPts val="0"/>
               </a:spcBef>
@@ -12966,7 +12952,7 @@
             </a:pPr>
             <a:r>
               <a:rPr lang="en" sz="1600"/>
-              <a:t>Bước 3: gán nhãn cho dữ liệu đã thu thập bằng roboflow và trích xuất ra file TF-Record.</a:t>
+              <a:t>Bước 3: sử dụng trang roboflow tăng cường thêm dữ liệu trên và trích xuất file TF-Record.</a:t>
             </a:r>
             <a:endParaRPr sz="1600"/>
           </a:p>

--- a/CS2225.BaoCaoCuoiKy.pptx
+++ b/CS2225.BaoCaoCuoiKy.pptx
@@ -1,30 +1,31 @@
 
 <file path=ppt/presentation.xml><?xml version="1.0" encoding="utf-8"?>
-<p:presentation xmlns:a="http://schemas.openxmlformats.org/drawingml/2006/main" xmlns:r="http://schemas.openxmlformats.org/officeDocument/2006/relationships" xmlns:mc="http://schemas.openxmlformats.org/markup-compatibility/2006" xmlns:mv="urn:schemas-microsoft-com:mac:vml" xmlns:p="http://schemas.openxmlformats.org/presentationml/2006/main" xmlns:c="http://schemas.openxmlformats.org/drawingml/2006/chart" xmlns:dgm="http://schemas.openxmlformats.org/drawingml/2006/diagram" xmlns:o="urn:schemas-microsoft-com:office:office" xmlns:v="urn:schemas-microsoft-com:vml" xmlns:pvml="urn:schemas-microsoft-com:office:powerpoint" xmlns:com="http://schemas.openxmlformats.org/drawingml/2006/compatibility" xmlns:p14="http://schemas.microsoft.com/office/powerpoint/2010/main" xmlns:p15="http://schemas.microsoft.com/office/powerpoint/2012/main" xmlns:ahyp="http://schemas.microsoft.com/office/drawing/2018/hyperlinkcolor" autoCompressPictures="0" strictFirstAndLastChars="0" saveSubsetFonts="1">
+<p:presentation xmlns:a="http://schemas.openxmlformats.org/drawingml/2006/main" xmlns:r="http://schemas.openxmlformats.org/officeDocument/2006/relationships" xmlns:p="http://schemas.openxmlformats.org/presentationml/2006/main" strictFirstAndLastChars="0" saveSubsetFonts="1" autoCompressPictures="0">
   <p:sldMasterIdLst>
-    <p:sldMasterId id="2147483648" r:id="rId4"/>
+    <p:sldMasterId id="2147483648" r:id="rId1"/>
   </p:sldMasterIdLst>
   <p:notesMasterIdLst>
-    <p:notesMasterId r:id="rId5"/>
+    <p:notesMasterId r:id="rId15"/>
   </p:notesMasterIdLst>
   <p:sldIdLst>
-    <p:sldId id="256" r:id="rId6"/>
-    <p:sldId id="257" r:id="rId7"/>
-    <p:sldId id="258" r:id="rId8"/>
-    <p:sldId id="259" r:id="rId9"/>
-    <p:sldId id="260" r:id="rId10"/>
-    <p:sldId id="261" r:id="rId11"/>
-    <p:sldId id="262" r:id="rId12"/>
-    <p:sldId id="263" r:id="rId13"/>
-    <p:sldId id="264" r:id="rId14"/>
-    <p:sldId id="265" r:id="rId15"/>
-    <p:sldId id="266" r:id="rId16"/>
-    <p:sldId id="267" r:id="rId17"/>
+    <p:sldId id="256" r:id="rId2"/>
+    <p:sldId id="257" r:id="rId3"/>
+    <p:sldId id="258" r:id="rId4"/>
+    <p:sldId id="259" r:id="rId5"/>
+    <p:sldId id="260" r:id="rId6"/>
+    <p:sldId id="261" r:id="rId7"/>
+    <p:sldId id="268" r:id="rId8"/>
+    <p:sldId id="262" r:id="rId9"/>
+    <p:sldId id="263" r:id="rId10"/>
+    <p:sldId id="264" r:id="rId11"/>
+    <p:sldId id="265" r:id="rId12"/>
+    <p:sldId id="266" r:id="rId13"/>
+    <p:sldId id="267" r:id="rId14"/>
   </p:sldIdLst>
-  <p:sldSz cy="5143500" cx="9144000"/>
+  <p:sldSz cx="9144000" cy="5143500" type="screen16x9"/>
   <p:notesSz cx="6858000" cy="9144000"/>
   <p:defaultTextStyle>
-    <a:defPPr lvl="0" marR="0" rtl="0" algn="l">
+    <a:defPPr marR="0" lvl="0" algn="l" rtl="0">
       <a:lnSpc>
         <a:spcPct val="100000"/>
       </a:lnSpc>
@@ -35,7 +36,7 @@
         <a:spcPts val="0"/>
       </a:spcAft>
     </a:defPPr>
-    <a:lvl1pPr lvl="0" marR="0" rtl="0" algn="l">
+    <a:lvl1pPr marR="0" lvl="0" algn="l" rtl="0">
       <a:lnSpc>
         <a:spcPct val="100000"/>
       </a:lnSpc>
@@ -49,7 +50,7 @@
         <a:srgbClr val="000000"/>
       </a:buClr>
       <a:buFont typeface="Arial"/>
-      <a:defRPr b="0" i="0" sz="1400" u="none" cap="none" strike="noStrike">
+      <a:defRPr sz="1400" b="0" i="0" u="none" strike="noStrike" cap="none">
         <a:solidFill>
           <a:srgbClr val="000000"/>
         </a:solidFill>
@@ -59,7 +60,7 @@
         <a:sym typeface="Arial"/>
       </a:defRPr>
     </a:lvl1pPr>
-    <a:lvl2pPr lvl="1" marR="0" rtl="0" algn="l">
+    <a:lvl2pPr marR="0" lvl="1" algn="l" rtl="0">
       <a:lnSpc>
         <a:spcPct val="100000"/>
       </a:lnSpc>
@@ -73,7 +74,7 @@
         <a:srgbClr val="000000"/>
       </a:buClr>
       <a:buFont typeface="Arial"/>
-      <a:defRPr b="0" i="0" sz="1400" u="none" cap="none" strike="noStrike">
+      <a:defRPr sz="1400" b="0" i="0" u="none" strike="noStrike" cap="none">
         <a:solidFill>
           <a:srgbClr val="000000"/>
         </a:solidFill>
@@ -83,7 +84,7 @@
         <a:sym typeface="Arial"/>
       </a:defRPr>
     </a:lvl2pPr>
-    <a:lvl3pPr lvl="2" marR="0" rtl="0" algn="l">
+    <a:lvl3pPr marR="0" lvl="2" algn="l" rtl="0">
       <a:lnSpc>
         <a:spcPct val="100000"/>
       </a:lnSpc>
@@ -97,7 +98,7 @@
         <a:srgbClr val="000000"/>
       </a:buClr>
       <a:buFont typeface="Arial"/>
-      <a:defRPr b="0" i="0" sz="1400" u="none" cap="none" strike="noStrike">
+      <a:defRPr sz="1400" b="0" i="0" u="none" strike="noStrike" cap="none">
         <a:solidFill>
           <a:srgbClr val="000000"/>
         </a:solidFill>
@@ -107,7 +108,7 @@
         <a:sym typeface="Arial"/>
       </a:defRPr>
     </a:lvl3pPr>
-    <a:lvl4pPr lvl="3" marR="0" rtl="0" algn="l">
+    <a:lvl4pPr marR="0" lvl="3" algn="l" rtl="0">
       <a:lnSpc>
         <a:spcPct val="100000"/>
       </a:lnSpc>
@@ -121,7 +122,7 @@
         <a:srgbClr val="000000"/>
       </a:buClr>
       <a:buFont typeface="Arial"/>
-      <a:defRPr b="0" i="0" sz="1400" u="none" cap="none" strike="noStrike">
+      <a:defRPr sz="1400" b="0" i="0" u="none" strike="noStrike" cap="none">
         <a:solidFill>
           <a:srgbClr val="000000"/>
         </a:solidFill>
@@ -131,7 +132,7 @@
         <a:sym typeface="Arial"/>
       </a:defRPr>
     </a:lvl4pPr>
-    <a:lvl5pPr lvl="4" marR="0" rtl="0" algn="l">
+    <a:lvl5pPr marR="0" lvl="4" algn="l" rtl="0">
       <a:lnSpc>
         <a:spcPct val="100000"/>
       </a:lnSpc>
@@ -145,7 +146,7 @@
         <a:srgbClr val="000000"/>
       </a:buClr>
       <a:buFont typeface="Arial"/>
-      <a:defRPr b="0" i="0" sz="1400" u="none" cap="none" strike="noStrike">
+      <a:defRPr sz="1400" b="0" i="0" u="none" strike="noStrike" cap="none">
         <a:solidFill>
           <a:srgbClr val="000000"/>
         </a:solidFill>
@@ -155,7 +156,7 @@
         <a:sym typeface="Arial"/>
       </a:defRPr>
     </a:lvl5pPr>
-    <a:lvl6pPr lvl="5" marR="0" rtl="0" algn="l">
+    <a:lvl6pPr marR="0" lvl="5" algn="l" rtl="0">
       <a:lnSpc>
         <a:spcPct val="100000"/>
       </a:lnSpc>
@@ -169,7 +170,7 @@
         <a:srgbClr val="000000"/>
       </a:buClr>
       <a:buFont typeface="Arial"/>
-      <a:defRPr b="0" i="0" sz="1400" u="none" cap="none" strike="noStrike">
+      <a:defRPr sz="1400" b="0" i="0" u="none" strike="noStrike" cap="none">
         <a:solidFill>
           <a:srgbClr val="000000"/>
         </a:solidFill>
@@ -179,7 +180,7 @@
         <a:sym typeface="Arial"/>
       </a:defRPr>
     </a:lvl6pPr>
-    <a:lvl7pPr lvl="6" marR="0" rtl="0" algn="l">
+    <a:lvl7pPr marR="0" lvl="6" algn="l" rtl="0">
       <a:lnSpc>
         <a:spcPct val="100000"/>
       </a:lnSpc>
@@ -193,7 +194,7 @@
         <a:srgbClr val="000000"/>
       </a:buClr>
       <a:buFont typeface="Arial"/>
-      <a:defRPr b="0" i="0" sz="1400" u="none" cap="none" strike="noStrike">
+      <a:defRPr sz="1400" b="0" i="0" u="none" strike="noStrike" cap="none">
         <a:solidFill>
           <a:srgbClr val="000000"/>
         </a:solidFill>
@@ -203,7 +204,7 @@
         <a:sym typeface="Arial"/>
       </a:defRPr>
     </a:lvl7pPr>
-    <a:lvl8pPr lvl="7" marR="0" rtl="0" algn="l">
+    <a:lvl8pPr marR="0" lvl="7" algn="l" rtl="0">
       <a:lnSpc>
         <a:spcPct val="100000"/>
       </a:lnSpc>
@@ -217,7 +218,7 @@
         <a:srgbClr val="000000"/>
       </a:buClr>
       <a:buFont typeface="Arial"/>
-      <a:defRPr b="0" i="0" sz="1400" u="none" cap="none" strike="noStrike">
+      <a:defRPr sz="1400" b="0" i="0" u="none" strike="noStrike" cap="none">
         <a:solidFill>
           <a:srgbClr val="000000"/>
         </a:solidFill>
@@ -227,7 +228,7 @@
         <a:sym typeface="Arial"/>
       </a:defRPr>
     </a:lvl8pPr>
-    <a:lvl9pPr lvl="8" marR="0" rtl="0" algn="l">
+    <a:lvl9pPr marR="0" lvl="8" algn="l" rtl="0">
       <a:lnSpc>
         <a:spcPct val="100000"/>
       </a:lnSpc>
@@ -241,7 +242,7 @@
         <a:srgbClr val="000000"/>
       </a:buClr>
       <a:buFont typeface="Arial"/>
-      <a:defRPr b="0" i="0" sz="1400" u="none" cap="none" strike="noStrike">
+      <a:defRPr sz="1400" b="0" i="0" u="none" strike="noStrike" cap="none">
         <a:solidFill>
           <a:srgbClr val="000000"/>
         </a:solidFill>
@@ -254,7 +255,7 @@
   </p:defaultTextStyle>
   <p:extLst>
     <p:ext uri="{EFAFB233-063F-42B5-8137-9DF3F51BA10A}">
-      <p15:sldGuideLst>
+      <p15:sldGuideLst xmlns:p15="http://schemas.microsoft.com/office/powerpoint/2012/main">
         <p15:guide id="1" orient="horz" pos="1512">
           <p15:clr>
             <a:srgbClr val="9AA0A6"/>
@@ -273,18 +274,23 @@
       </p15:sldGuideLst>
     </p:ext>
     <p:ext uri="http://customooxmlschemas.google.com/">
-      <go:slidesCustomData xmlns:go="http://customooxmlschemas.google.com/" r:id="rId18" roundtripDataSignature="AMtx7mgr+2s9Qem9sYdsXEFZxyB27Gtptw=="/>
+      <go:slidesCustomData xmlns:go="http://customooxmlschemas.google.com/" xmlns:ahyp="http://schemas.microsoft.com/office/drawing/2018/hyperlinkcolor" xmlns:p15="http://schemas.microsoft.com/office/powerpoint/2012/main" xmlns:p14="http://schemas.microsoft.com/office/powerpoint/2010/main" xmlns:com="http://schemas.openxmlformats.org/drawingml/2006/compatibility" xmlns:pvml="urn:schemas-microsoft-com:office:powerpoint" xmlns:v="urn:schemas-microsoft-com:vml" xmlns:o="urn:schemas-microsoft-com:office:office" xmlns:dgm="http://schemas.openxmlformats.org/drawingml/2006/diagram" xmlns:c="http://schemas.openxmlformats.org/drawingml/2006/chart" xmlns:mv="urn:schemas-microsoft-com:mac:vml" xmlns:mc="http://schemas.openxmlformats.org/markup-compatibility/2006" xmlns="" r:id="rId18" roundtripDataSignature="AMtx7mgr+2s9Qem9sYdsXEFZxyB27Gtptw=="/>
     </p:ext>
   </p:extLst>
 </p:presentation>
 </file>
 
 <file path=ppt/notesMasters/notesMaster1.xml><?xml version="1.0" encoding="utf-8"?>
-<p:notesMaster xmlns:a="http://schemas.openxmlformats.org/drawingml/2006/main" xmlns:r="http://schemas.openxmlformats.org/officeDocument/2006/relationships" xmlns:mc="http://schemas.openxmlformats.org/markup-compatibility/2006" xmlns:mv="urn:schemas-microsoft-com:mac:vml" xmlns:p="http://schemas.openxmlformats.org/presentationml/2006/main" xmlns:c="http://schemas.openxmlformats.org/drawingml/2006/chart" xmlns:dgm="http://schemas.openxmlformats.org/drawingml/2006/diagram" xmlns:o="urn:schemas-microsoft-com:office:office" xmlns:v="urn:schemas-microsoft-com:vml" xmlns:pvml="urn:schemas-microsoft-com:office:powerpoint" xmlns:com="http://schemas.openxmlformats.org/drawingml/2006/compatibility" xmlns:p14="http://schemas.microsoft.com/office/powerpoint/2010/main" xmlns:p15="http://schemas.microsoft.com/office/powerpoint/2012/main" xmlns:ahyp="http://schemas.microsoft.com/office/drawing/2018/hyperlinkcolor">
+<p:notesMaster xmlns:a="http://schemas.openxmlformats.org/drawingml/2006/main" xmlns:r="http://schemas.openxmlformats.org/officeDocument/2006/relationships" xmlns:p="http://schemas.openxmlformats.org/presentationml/2006/main">
   <p:cSld>
+    <p:bg>
+      <p:bgRef idx="1001">
+        <a:schemeClr val="bg1"/>
+      </p:bgRef>
+    </p:bg>
     <p:spTree>
       <p:nvGrpSpPr>
-        <p:cNvPr id="2" name="Shape 2"/>
+        <p:cNvPr id="1" name="Shape 2"/>
         <p:cNvGrpSpPr/>
         <p:nvPr/>
       </p:nvGrpSpPr>
@@ -299,9 +305,11 @@
       <p:sp>
         <p:nvSpPr>
           <p:cNvPr id="3" name="Google Shape;3;n"/>
-          <p:cNvSpPr/>
+          <p:cNvSpPr>
+            <a:spLocks noGrp="1" noRot="1" noChangeAspect="1"/>
+          </p:cNvSpPr>
           <p:nvPr>
-            <p:ph idx="2" type="sldImg"/>
+            <p:ph type="sldImg" idx="2"/>
           </p:nvPr>
         </p:nvSpPr>
         <p:spPr>
@@ -310,9 +318,13 @@
             <a:ext cx="6096000" cy="3429000"/>
           </a:xfrm>
           <a:custGeom>
-            <a:rect b="b" l="l" r="r" t="t"/>
+            <a:avLst/>
+            <a:gdLst/>
+            <a:ahLst/>
+            <a:cxnLst/>
+            <a:rect l="l" t="t" r="r" b="b"/>
             <a:pathLst>
-              <a:path extrusionOk="0" h="120000" w="120000">
+              <a:path w="120000" h="120000" extrusionOk="0">
                 <a:moveTo>
                   <a:pt x="0" y="0"/>
                 </a:moveTo>
@@ -330,23 +342,25 @@
             </a:pathLst>
           </a:custGeom>
           <a:noFill/>
-          <a:ln cap="flat" cmpd="sng" w="9525">
+          <a:ln w="9525" cap="flat" cmpd="sng">
             <a:solidFill>
               <a:srgbClr val="000000"/>
             </a:solidFill>
             <a:prstDash val="solid"/>
             <a:round/>
-            <a:headEnd len="sm" w="sm" type="none"/>
-            <a:tailEnd len="sm" w="sm" type="none"/>
+            <a:headEnd type="none" w="sm" len="sm"/>
+            <a:tailEnd type="none" w="sm" len="sm"/>
           </a:ln>
         </p:spPr>
       </p:sp>
       <p:sp>
         <p:nvSpPr>
           <p:cNvPr id="4" name="Google Shape;4;n"/>
-          <p:cNvSpPr txBox="1"/>
+          <p:cNvSpPr txBox="1">
+            <a:spLocks noGrp="1"/>
+          </p:cNvSpPr>
           <p:nvPr>
-            <p:ph idx="1" type="body"/>
+            <p:ph type="body" idx="1"/>
           </p:nvPr>
         </p:nvSpPr>
         <p:spPr>
@@ -363,11 +377,11 @@
           </a:ln>
         </p:spPr>
         <p:txBody>
-          <a:bodyPr anchorCtr="0" anchor="t" bIns="91425" lIns="91425" spcFirstLastPara="1" rIns="91425" wrap="square" tIns="91425">
+          <a:bodyPr spcFirstLastPara="1" wrap="square" lIns="91425" tIns="91425" rIns="91425" bIns="91425" anchor="t" anchorCtr="0">
             <a:noAutofit/>
           </a:bodyPr>
           <a:lstStyle>
-            <a:lvl1pPr indent="-317500" lvl="0" marL="457200" marR="0" rtl="0" algn="l">
+            <a:lvl1pPr marL="457200" marR="0" lvl="0" indent="-317500" algn="l" rtl="0">
               <a:lnSpc>
                 <a:spcPct val="100000"/>
               </a:lnSpc>
@@ -383,7 +397,7 @@
               <a:buSzPts val="1400"/>
               <a:buFont typeface="Arial"/>
               <a:buChar char="●"/>
-              <a:defRPr b="0" i="0" sz="1100" u="none" cap="none" strike="noStrike">
+              <a:defRPr sz="1100" b="0" i="0" u="none" strike="noStrike" cap="none">
                 <a:solidFill>
                   <a:srgbClr val="000000"/>
                 </a:solidFill>
@@ -393,7 +407,7 @@
                 <a:sym typeface="Arial"/>
               </a:defRPr>
             </a:lvl1pPr>
-            <a:lvl2pPr indent="-317500" lvl="1" marL="914400" marR="0" rtl="0" algn="l">
+            <a:lvl2pPr marL="914400" marR="0" lvl="1" indent="-317500" algn="l" rtl="0">
               <a:lnSpc>
                 <a:spcPct val="100000"/>
               </a:lnSpc>
@@ -409,7 +423,7 @@
               <a:buSzPts val="1400"/>
               <a:buFont typeface="Arial"/>
               <a:buChar char="○"/>
-              <a:defRPr b="0" i="0" sz="1100" u="none" cap="none" strike="noStrike">
+              <a:defRPr sz="1100" b="0" i="0" u="none" strike="noStrike" cap="none">
                 <a:solidFill>
                   <a:srgbClr val="000000"/>
                 </a:solidFill>
@@ -419,7 +433,7 @@
                 <a:sym typeface="Arial"/>
               </a:defRPr>
             </a:lvl2pPr>
-            <a:lvl3pPr indent="-317500" lvl="2" marL="1371600" marR="0" rtl="0" algn="l">
+            <a:lvl3pPr marL="1371600" marR="0" lvl="2" indent="-317500" algn="l" rtl="0">
               <a:lnSpc>
                 <a:spcPct val="100000"/>
               </a:lnSpc>
@@ -435,7 +449,7 @@
               <a:buSzPts val="1400"/>
               <a:buFont typeface="Arial"/>
               <a:buChar char="■"/>
-              <a:defRPr b="0" i="0" sz="1100" u="none" cap="none" strike="noStrike">
+              <a:defRPr sz="1100" b="0" i="0" u="none" strike="noStrike" cap="none">
                 <a:solidFill>
                   <a:srgbClr val="000000"/>
                 </a:solidFill>
@@ -445,7 +459,7 @@
                 <a:sym typeface="Arial"/>
               </a:defRPr>
             </a:lvl3pPr>
-            <a:lvl4pPr indent="-317500" lvl="3" marL="1828800" marR="0" rtl="0" algn="l">
+            <a:lvl4pPr marL="1828800" marR="0" lvl="3" indent="-317500" algn="l" rtl="0">
               <a:lnSpc>
                 <a:spcPct val="100000"/>
               </a:lnSpc>
@@ -461,7 +475,7 @@
               <a:buSzPts val="1400"/>
               <a:buFont typeface="Arial"/>
               <a:buChar char="●"/>
-              <a:defRPr b="0" i="0" sz="1100" u="none" cap="none" strike="noStrike">
+              <a:defRPr sz="1100" b="0" i="0" u="none" strike="noStrike" cap="none">
                 <a:solidFill>
                   <a:srgbClr val="000000"/>
                 </a:solidFill>
@@ -471,7 +485,7 @@
                 <a:sym typeface="Arial"/>
               </a:defRPr>
             </a:lvl4pPr>
-            <a:lvl5pPr indent="-317500" lvl="4" marL="2286000" marR="0" rtl="0" algn="l">
+            <a:lvl5pPr marL="2286000" marR="0" lvl="4" indent="-317500" algn="l" rtl="0">
               <a:lnSpc>
                 <a:spcPct val="100000"/>
               </a:lnSpc>
@@ -487,7 +501,7 @@
               <a:buSzPts val="1400"/>
               <a:buFont typeface="Arial"/>
               <a:buChar char="○"/>
-              <a:defRPr b="0" i="0" sz="1100" u="none" cap="none" strike="noStrike">
+              <a:defRPr sz="1100" b="0" i="0" u="none" strike="noStrike" cap="none">
                 <a:solidFill>
                   <a:srgbClr val="000000"/>
                 </a:solidFill>
@@ -497,7 +511,7 @@
                 <a:sym typeface="Arial"/>
               </a:defRPr>
             </a:lvl5pPr>
-            <a:lvl6pPr indent="-317500" lvl="5" marL="2743200" marR="0" rtl="0" algn="l">
+            <a:lvl6pPr marL="2743200" marR="0" lvl="5" indent="-317500" algn="l" rtl="0">
               <a:lnSpc>
                 <a:spcPct val="100000"/>
               </a:lnSpc>
@@ -513,7 +527,7 @@
               <a:buSzPts val="1400"/>
               <a:buFont typeface="Arial"/>
               <a:buChar char="■"/>
-              <a:defRPr b="0" i="0" sz="1100" u="none" cap="none" strike="noStrike">
+              <a:defRPr sz="1100" b="0" i="0" u="none" strike="noStrike" cap="none">
                 <a:solidFill>
                   <a:srgbClr val="000000"/>
                 </a:solidFill>
@@ -523,7 +537,7 @@
                 <a:sym typeface="Arial"/>
               </a:defRPr>
             </a:lvl6pPr>
-            <a:lvl7pPr indent="-317500" lvl="6" marL="3200400" marR="0" rtl="0" algn="l">
+            <a:lvl7pPr marL="3200400" marR="0" lvl="6" indent="-317500" algn="l" rtl="0">
               <a:lnSpc>
                 <a:spcPct val="100000"/>
               </a:lnSpc>
@@ -539,7 +553,7 @@
               <a:buSzPts val="1400"/>
               <a:buFont typeface="Arial"/>
               <a:buChar char="●"/>
-              <a:defRPr b="0" i="0" sz="1100" u="none" cap="none" strike="noStrike">
+              <a:defRPr sz="1100" b="0" i="0" u="none" strike="noStrike" cap="none">
                 <a:solidFill>
                   <a:srgbClr val="000000"/>
                 </a:solidFill>
@@ -549,7 +563,7 @@
                 <a:sym typeface="Arial"/>
               </a:defRPr>
             </a:lvl7pPr>
-            <a:lvl8pPr indent="-317500" lvl="7" marL="3657600" marR="0" rtl="0" algn="l">
+            <a:lvl8pPr marL="3657600" marR="0" lvl="7" indent="-317500" algn="l" rtl="0">
               <a:lnSpc>
                 <a:spcPct val="100000"/>
               </a:lnSpc>
@@ -565,7 +579,7 @@
               <a:buSzPts val="1400"/>
               <a:buFont typeface="Arial"/>
               <a:buChar char="○"/>
-              <a:defRPr b="0" i="0" sz="1100" u="none" cap="none" strike="noStrike">
+              <a:defRPr sz="1100" b="0" i="0" u="none" strike="noStrike" cap="none">
                 <a:solidFill>
                   <a:srgbClr val="000000"/>
                 </a:solidFill>
@@ -575,7 +589,7 @@
                 <a:sym typeface="Arial"/>
               </a:defRPr>
             </a:lvl8pPr>
-            <a:lvl9pPr indent="-317500" lvl="8" marL="4114800" marR="0" rtl="0" algn="l">
+            <a:lvl9pPr marL="4114800" marR="0" lvl="8" indent="-317500" algn="l" rtl="0">
               <a:lnSpc>
                 <a:spcPct val="100000"/>
               </a:lnSpc>
@@ -591,7 +605,7 @@
               <a:buSzPts val="1400"/>
               <a:buFont typeface="Arial"/>
               <a:buChar char="■"/>
-              <a:defRPr b="0" i="0" sz="1100" u="none" cap="none" strike="noStrike">
+              <a:defRPr sz="1100" b="0" i="0" u="none" strike="noStrike" cap="none">
                 <a:solidFill>
                   <a:srgbClr val="000000"/>
                 </a:solidFill>
@@ -602,14 +616,16 @@
               </a:defRPr>
             </a:lvl9pPr>
           </a:lstStyle>
-          <a:p/>
+          <a:p>
+            <a:endParaRPr/>
+          </a:p>
         </p:txBody>
       </p:sp>
     </p:spTree>
   </p:cSld>
-  <p:clrMap accent1="accent1" accent2="accent2" accent3="accent3" accent4="accent4" accent5="accent5" accent6="accent6" bg1="lt1" bg2="dk2" tx1="dk1" tx2="lt2" folHlink="folHlink" hlink="hlink"/>
+  <p:clrMap bg1="lt1" tx1="dk1" bg2="dk2" tx2="lt2" accent1="accent1" accent2="accent2" accent3="accent3" accent4="accent4" accent5="accent5" accent6="accent6" hlink="hlink" folHlink="folHlink"/>
   <p:notesStyle>
-    <a:defPPr lvl="0" marR="0" rtl="0" algn="l">
+    <a:defPPr marR="0" lvl="0" algn="l" rtl="0">
       <a:lnSpc>
         <a:spcPct val="100000"/>
       </a:lnSpc>
@@ -620,7 +636,7 @@
         <a:spcPts val="0"/>
       </a:spcAft>
     </a:defPPr>
-    <a:lvl1pPr lvl="0" marR="0" rtl="0" algn="l">
+    <a:lvl1pPr marR="0" lvl="0" algn="l" rtl="0">
       <a:lnSpc>
         <a:spcPct val="100000"/>
       </a:lnSpc>
@@ -634,7 +650,7 @@
         <a:srgbClr val="000000"/>
       </a:buClr>
       <a:buFont typeface="Arial"/>
-      <a:defRPr b="0" i="0" sz="1400" u="none" cap="none" strike="noStrike">
+      <a:defRPr sz="1400" b="0" i="0" u="none" strike="noStrike" cap="none">
         <a:solidFill>
           <a:srgbClr val="000000"/>
         </a:solidFill>
@@ -644,7 +660,7 @@
         <a:sym typeface="Arial"/>
       </a:defRPr>
     </a:lvl1pPr>
-    <a:lvl2pPr lvl="1" marR="0" rtl="0" algn="l">
+    <a:lvl2pPr marR="0" lvl="1" algn="l" rtl="0">
       <a:lnSpc>
         <a:spcPct val="100000"/>
       </a:lnSpc>
@@ -658,7 +674,7 @@
         <a:srgbClr val="000000"/>
       </a:buClr>
       <a:buFont typeface="Arial"/>
-      <a:defRPr b="0" i="0" sz="1400" u="none" cap="none" strike="noStrike">
+      <a:defRPr sz="1400" b="0" i="0" u="none" strike="noStrike" cap="none">
         <a:solidFill>
           <a:srgbClr val="000000"/>
         </a:solidFill>
@@ -668,7 +684,7 @@
         <a:sym typeface="Arial"/>
       </a:defRPr>
     </a:lvl2pPr>
-    <a:lvl3pPr lvl="2" marR="0" rtl="0" algn="l">
+    <a:lvl3pPr marR="0" lvl="2" algn="l" rtl="0">
       <a:lnSpc>
         <a:spcPct val="100000"/>
       </a:lnSpc>
@@ -682,7 +698,7 @@
         <a:srgbClr val="000000"/>
       </a:buClr>
       <a:buFont typeface="Arial"/>
-      <a:defRPr b="0" i="0" sz="1400" u="none" cap="none" strike="noStrike">
+      <a:defRPr sz="1400" b="0" i="0" u="none" strike="noStrike" cap="none">
         <a:solidFill>
           <a:srgbClr val="000000"/>
         </a:solidFill>
@@ -692,7 +708,7 @@
         <a:sym typeface="Arial"/>
       </a:defRPr>
     </a:lvl3pPr>
-    <a:lvl4pPr lvl="3" marR="0" rtl="0" algn="l">
+    <a:lvl4pPr marR="0" lvl="3" algn="l" rtl="0">
       <a:lnSpc>
         <a:spcPct val="100000"/>
       </a:lnSpc>
@@ -706,7 +722,7 @@
         <a:srgbClr val="000000"/>
       </a:buClr>
       <a:buFont typeface="Arial"/>
-      <a:defRPr b="0" i="0" sz="1400" u="none" cap="none" strike="noStrike">
+      <a:defRPr sz="1400" b="0" i="0" u="none" strike="noStrike" cap="none">
         <a:solidFill>
           <a:srgbClr val="000000"/>
         </a:solidFill>
@@ -716,7 +732,7 @@
         <a:sym typeface="Arial"/>
       </a:defRPr>
     </a:lvl4pPr>
-    <a:lvl5pPr lvl="4" marR="0" rtl="0" algn="l">
+    <a:lvl5pPr marR="0" lvl="4" algn="l" rtl="0">
       <a:lnSpc>
         <a:spcPct val="100000"/>
       </a:lnSpc>
@@ -730,7 +746,7 @@
         <a:srgbClr val="000000"/>
       </a:buClr>
       <a:buFont typeface="Arial"/>
-      <a:defRPr b="0" i="0" sz="1400" u="none" cap="none" strike="noStrike">
+      <a:defRPr sz="1400" b="0" i="0" u="none" strike="noStrike" cap="none">
         <a:solidFill>
           <a:srgbClr val="000000"/>
         </a:solidFill>
@@ -740,7 +756,7 @@
         <a:sym typeface="Arial"/>
       </a:defRPr>
     </a:lvl5pPr>
-    <a:lvl6pPr lvl="5" marR="0" rtl="0" algn="l">
+    <a:lvl6pPr marR="0" lvl="5" algn="l" rtl="0">
       <a:lnSpc>
         <a:spcPct val="100000"/>
       </a:lnSpc>
@@ -754,7 +770,7 @@
         <a:srgbClr val="000000"/>
       </a:buClr>
       <a:buFont typeface="Arial"/>
-      <a:defRPr b="0" i="0" sz="1400" u="none" cap="none" strike="noStrike">
+      <a:defRPr sz="1400" b="0" i="0" u="none" strike="noStrike" cap="none">
         <a:solidFill>
           <a:srgbClr val="000000"/>
         </a:solidFill>
@@ -764,7 +780,7 @@
         <a:sym typeface="Arial"/>
       </a:defRPr>
     </a:lvl6pPr>
-    <a:lvl7pPr lvl="6" marR="0" rtl="0" algn="l">
+    <a:lvl7pPr marR="0" lvl="6" algn="l" rtl="0">
       <a:lnSpc>
         <a:spcPct val="100000"/>
       </a:lnSpc>
@@ -778,7 +794,7 @@
         <a:srgbClr val="000000"/>
       </a:buClr>
       <a:buFont typeface="Arial"/>
-      <a:defRPr b="0" i="0" sz="1400" u="none" cap="none" strike="noStrike">
+      <a:defRPr sz="1400" b="0" i="0" u="none" strike="noStrike" cap="none">
         <a:solidFill>
           <a:srgbClr val="000000"/>
         </a:solidFill>
@@ -788,7 +804,7 @@
         <a:sym typeface="Arial"/>
       </a:defRPr>
     </a:lvl7pPr>
-    <a:lvl8pPr lvl="7" marR="0" rtl="0" algn="l">
+    <a:lvl8pPr marR="0" lvl="7" algn="l" rtl="0">
       <a:lnSpc>
         <a:spcPct val="100000"/>
       </a:lnSpc>
@@ -802,7 +818,7 @@
         <a:srgbClr val="000000"/>
       </a:buClr>
       <a:buFont typeface="Arial"/>
-      <a:defRPr b="0" i="0" sz="1400" u="none" cap="none" strike="noStrike">
+      <a:defRPr sz="1400" b="0" i="0" u="none" strike="noStrike" cap="none">
         <a:solidFill>
           <a:srgbClr val="000000"/>
         </a:solidFill>
@@ -812,7 +828,7 @@
         <a:sym typeface="Arial"/>
       </a:defRPr>
     </a:lvl8pPr>
-    <a:lvl9pPr lvl="8" marR="0" rtl="0" algn="l">
+    <a:lvl9pPr marR="0" lvl="8" algn="l" rtl="0">
       <a:lnSpc>
         <a:spcPct val="100000"/>
       </a:lnSpc>
@@ -826,7 +842,7 @@
         <a:srgbClr val="000000"/>
       </a:buClr>
       <a:buFont typeface="Arial"/>
-      <a:defRPr b="0" i="0" sz="1400" u="none" cap="none" strike="noStrike">
+      <a:defRPr sz="1400" b="0" i="0" u="none" strike="noStrike" cap="none">
         <a:solidFill>
           <a:srgbClr val="000000"/>
         </a:solidFill>
@@ -841,11 +857,11 @@
 </file>
 
 <file path=ppt/notesSlides/notesSlide1.xml><?xml version="1.0" encoding="utf-8"?>
-<p:notes xmlns:a="http://schemas.openxmlformats.org/drawingml/2006/main" xmlns:r="http://schemas.openxmlformats.org/officeDocument/2006/relationships" xmlns:mc="http://schemas.openxmlformats.org/markup-compatibility/2006" xmlns:mv="urn:schemas-microsoft-com:mac:vml" xmlns:p="http://schemas.openxmlformats.org/presentationml/2006/main" xmlns:c="http://schemas.openxmlformats.org/drawingml/2006/chart" xmlns:dgm="http://schemas.openxmlformats.org/drawingml/2006/diagram" xmlns:o="urn:schemas-microsoft-com:office:office" xmlns:v="urn:schemas-microsoft-com:vml" xmlns:pvml="urn:schemas-microsoft-com:office:powerpoint" xmlns:com="http://schemas.openxmlformats.org/drawingml/2006/compatibility" xmlns:p14="http://schemas.microsoft.com/office/powerpoint/2010/main" xmlns:p15="http://schemas.microsoft.com/office/powerpoint/2012/main" xmlns:ahyp="http://schemas.microsoft.com/office/drawing/2018/hyperlinkcolor" showMasterPhAnim="0" showMasterSp="0">
+<p:notes xmlns:a="http://schemas.openxmlformats.org/drawingml/2006/main" xmlns:r="http://schemas.openxmlformats.org/officeDocument/2006/relationships" xmlns:p="http://schemas.openxmlformats.org/presentationml/2006/main" showMasterSp="0" showMasterPhAnim="0">
   <p:cSld>
     <p:spTree>
       <p:nvGrpSpPr>
-        <p:cNvPr id="62" name="Shape 62"/>
+        <p:cNvPr id="1" name="Shape 62"/>
         <p:cNvGrpSpPr/>
         <p:nvPr/>
       </p:nvGrpSpPr>
@@ -860,9 +876,11 @@
       <p:sp>
         <p:nvSpPr>
           <p:cNvPr id="63" name="Google Shape;63;p1:notes"/>
-          <p:cNvSpPr/>
+          <p:cNvSpPr>
+            <a:spLocks noGrp="1" noRot="1" noChangeAspect="1"/>
+          </p:cNvSpPr>
           <p:nvPr>
-            <p:ph idx="2" type="sldImg"/>
+            <p:ph type="sldImg" idx="2"/>
           </p:nvPr>
         </p:nvSpPr>
         <p:spPr>
@@ -871,9 +889,13 @@
             <a:ext cx="6096300" cy="3429000"/>
           </a:xfrm>
           <a:custGeom>
-            <a:rect b="b" l="l" r="r" t="t"/>
+            <a:avLst/>
+            <a:gdLst/>
+            <a:ahLst/>
+            <a:cxnLst/>
+            <a:rect l="l" t="t" r="r" b="b"/>
             <a:pathLst>
-              <a:path extrusionOk="0" h="120000" w="120000">
+              <a:path w="120000" h="120000" extrusionOk="0">
                 <a:moveTo>
                   <a:pt x="0" y="0"/>
                 </a:moveTo>
@@ -891,23 +913,25 @@
             </a:pathLst>
           </a:custGeom>
           <a:noFill/>
-          <a:ln cap="flat" cmpd="sng" w="9525">
+          <a:ln w="9525" cap="flat" cmpd="sng">
             <a:solidFill>
               <a:srgbClr val="000000"/>
             </a:solidFill>
             <a:prstDash val="solid"/>
             <a:round/>
-            <a:headEnd len="sm" w="sm" type="none"/>
-            <a:tailEnd len="sm" w="sm" type="none"/>
+            <a:headEnd type="none" w="sm" len="sm"/>
+            <a:tailEnd type="none" w="sm" len="sm"/>
           </a:ln>
         </p:spPr>
       </p:sp>
       <p:sp>
         <p:nvSpPr>
           <p:cNvPr id="64" name="Google Shape;64;p1:notes"/>
-          <p:cNvSpPr txBox="1"/>
+          <p:cNvSpPr txBox="1">
+            <a:spLocks noGrp="1"/>
+          </p:cNvSpPr>
           <p:nvPr>
-            <p:ph idx="1" type="body"/>
+            <p:ph type="body" idx="1"/>
           </p:nvPr>
         </p:nvSpPr>
         <p:spPr>
@@ -924,12 +948,12 @@
           </a:ln>
         </p:spPr>
         <p:txBody>
-          <a:bodyPr anchorCtr="0" anchor="t" bIns="91425" lIns="91425" spcFirstLastPara="1" rIns="91425" wrap="square" tIns="91425">
+          <a:bodyPr spcFirstLastPara="1" wrap="square" lIns="91425" tIns="91425" rIns="91425" bIns="91425" anchor="t" anchorCtr="0">
             <a:noAutofit/>
           </a:bodyPr>
           <a:lstStyle/>
           <a:p>
-            <a:pPr indent="0" lvl="0" marL="0" rtl="0" algn="l">
+            <a:pPr marL="0" lvl="0" indent="0" algn="l" rtl="0">
               <a:lnSpc>
                 <a:spcPct val="100000"/>
               </a:lnSpc>
@@ -942,9 +966,6 @@
               <a:buSzPts val="1400"/>
               <a:buNone/>
             </a:pPr>
-            <a:r>
-              <a:t/>
-            </a:r>
             <a:endParaRPr/>
           </a:p>
         </p:txBody>
@@ -958,11 +979,11 @@
 </file>
 
 <file path=ppt/notesSlides/notesSlide10.xml><?xml version="1.0" encoding="utf-8"?>
-<p:notes xmlns:a="http://schemas.openxmlformats.org/drawingml/2006/main" xmlns:r="http://schemas.openxmlformats.org/officeDocument/2006/relationships" xmlns:mc="http://schemas.openxmlformats.org/markup-compatibility/2006" xmlns:mv="urn:schemas-microsoft-com:mac:vml" xmlns:p="http://schemas.openxmlformats.org/presentationml/2006/main" xmlns:c="http://schemas.openxmlformats.org/drawingml/2006/chart" xmlns:dgm="http://schemas.openxmlformats.org/drawingml/2006/diagram" xmlns:o="urn:schemas-microsoft-com:office:office" xmlns:v="urn:schemas-microsoft-com:vml" xmlns:pvml="urn:schemas-microsoft-com:office:powerpoint" xmlns:com="http://schemas.openxmlformats.org/drawingml/2006/compatibility" xmlns:p14="http://schemas.microsoft.com/office/powerpoint/2010/main" xmlns:p15="http://schemas.microsoft.com/office/powerpoint/2012/main" xmlns:ahyp="http://schemas.microsoft.com/office/drawing/2018/hyperlinkcolor" showMasterPhAnim="0" showMasterSp="0">
+<p:notes xmlns:a="http://schemas.openxmlformats.org/drawingml/2006/main" xmlns:r="http://schemas.openxmlformats.org/officeDocument/2006/relationships" xmlns:p="http://schemas.openxmlformats.org/presentationml/2006/main" showMasterSp="0" showMasterPhAnim="0">
   <p:cSld>
     <p:spTree>
       <p:nvGrpSpPr>
-        <p:cNvPr id="118" name="Shape 118"/>
+        <p:cNvPr id="1" name="Shape 118"/>
         <p:cNvGrpSpPr/>
         <p:nvPr/>
       </p:nvGrpSpPr>
@@ -977,9 +998,11 @@
       <p:sp>
         <p:nvSpPr>
           <p:cNvPr id="119" name="Google Shape;119;ga95c1e85a4_0_19:notes"/>
-          <p:cNvSpPr/>
+          <p:cNvSpPr>
+            <a:spLocks noGrp="1" noRot="1" noChangeAspect="1"/>
+          </p:cNvSpPr>
           <p:nvPr>
-            <p:ph idx="2" type="sldImg"/>
+            <p:ph type="sldImg" idx="2"/>
           </p:nvPr>
         </p:nvSpPr>
         <p:spPr>
@@ -988,9 +1011,13 @@
             <a:ext cx="6096000" cy="3429000"/>
           </a:xfrm>
           <a:custGeom>
-            <a:rect b="b" l="l" r="r" t="t"/>
+            <a:avLst/>
+            <a:gdLst/>
+            <a:ahLst/>
+            <a:cxnLst/>
+            <a:rect l="l" t="t" r="r" b="b"/>
             <a:pathLst>
-              <a:path extrusionOk="0" h="120000" w="120000">
+              <a:path w="120000" h="120000" extrusionOk="0">
                 <a:moveTo>
                   <a:pt x="0" y="0"/>
                 </a:moveTo>
@@ -1012,9 +1039,11 @@
       <p:sp>
         <p:nvSpPr>
           <p:cNvPr id="120" name="Google Shape;120;ga95c1e85a4_0_19:notes"/>
-          <p:cNvSpPr txBox="1"/>
+          <p:cNvSpPr txBox="1">
+            <a:spLocks noGrp="1"/>
+          </p:cNvSpPr>
           <p:nvPr>
-            <p:ph idx="1" type="body"/>
+            <p:ph type="body" idx="1"/>
           </p:nvPr>
         </p:nvSpPr>
         <p:spPr>
@@ -1027,12 +1056,12 @@
           </a:prstGeom>
         </p:spPr>
         <p:txBody>
-          <a:bodyPr anchorCtr="0" anchor="t" bIns="91425" lIns="91425" spcFirstLastPara="1" rIns="91425" wrap="square" tIns="91425">
+          <a:bodyPr spcFirstLastPara="1" wrap="square" lIns="91425" tIns="91425" rIns="91425" bIns="91425" anchor="t" anchorCtr="0">
             <a:noAutofit/>
           </a:bodyPr>
           <a:lstStyle/>
           <a:p>
-            <a:pPr indent="0" lvl="0" marL="0" rtl="0" algn="l">
+            <a:pPr marL="0" lvl="0" indent="0" algn="l" rtl="0">
               <a:spcBef>
                 <a:spcPts val="0"/>
               </a:spcBef>
@@ -1041,9 +1070,6 @@
               </a:spcAft>
               <a:buNone/>
             </a:pPr>
-            <a:r>
-              <a:t/>
-            </a:r>
             <a:endParaRPr/>
           </a:p>
         </p:txBody>
@@ -1057,11 +1083,11 @@
 </file>
 
 <file path=ppt/notesSlides/notesSlide11.xml><?xml version="1.0" encoding="utf-8"?>
-<p:notes xmlns:a="http://schemas.openxmlformats.org/drawingml/2006/main" xmlns:r="http://schemas.openxmlformats.org/officeDocument/2006/relationships" xmlns:mc="http://schemas.openxmlformats.org/markup-compatibility/2006" xmlns:mv="urn:schemas-microsoft-com:mac:vml" xmlns:p="http://schemas.openxmlformats.org/presentationml/2006/main" xmlns:c="http://schemas.openxmlformats.org/drawingml/2006/chart" xmlns:dgm="http://schemas.openxmlformats.org/drawingml/2006/diagram" xmlns:o="urn:schemas-microsoft-com:office:office" xmlns:v="urn:schemas-microsoft-com:vml" xmlns:pvml="urn:schemas-microsoft-com:office:powerpoint" xmlns:com="http://schemas.openxmlformats.org/drawingml/2006/compatibility" xmlns:p14="http://schemas.microsoft.com/office/powerpoint/2010/main" xmlns:p15="http://schemas.microsoft.com/office/powerpoint/2012/main" xmlns:ahyp="http://schemas.microsoft.com/office/drawing/2018/hyperlinkcolor" showMasterPhAnim="0" showMasterSp="0">
+<p:notes xmlns:a="http://schemas.openxmlformats.org/drawingml/2006/main" xmlns:r="http://schemas.openxmlformats.org/officeDocument/2006/relationships" xmlns:p="http://schemas.openxmlformats.org/presentationml/2006/main" showMasterSp="0" showMasterPhAnim="0">
   <p:cSld>
     <p:spTree>
       <p:nvGrpSpPr>
-        <p:cNvPr id="124" name="Shape 124"/>
+        <p:cNvPr id="1" name="Shape 124"/>
         <p:cNvGrpSpPr/>
         <p:nvPr/>
       </p:nvGrpSpPr>
@@ -1076,9 +1102,11 @@
       <p:sp>
         <p:nvSpPr>
           <p:cNvPr id="125" name="Google Shape;125;gb23b97c7f9_0_16:notes"/>
-          <p:cNvSpPr/>
+          <p:cNvSpPr>
+            <a:spLocks noGrp="1" noRot="1" noChangeAspect="1"/>
+          </p:cNvSpPr>
           <p:nvPr>
-            <p:ph idx="2" type="sldImg"/>
+            <p:ph type="sldImg" idx="2"/>
           </p:nvPr>
         </p:nvSpPr>
         <p:spPr>
@@ -1087,9 +1115,13 @@
             <a:ext cx="6096300" cy="3429000"/>
           </a:xfrm>
           <a:custGeom>
-            <a:rect b="b" l="l" r="r" t="t"/>
+            <a:avLst/>
+            <a:gdLst/>
+            <a:ahLst/>
+            <a:cxnLst/>
+            <a:rect l="l" t="t" r="r" b="b"/>
             <a:pathLst>
-              <a:path extrusionOk="0" h="120000" w="120000">
+              <a:path w="120000" h="120000" extrusionOk="0">
                 <a:moveTo>
                   <a:pt x="0" y="0"/>
                 </a:moveTo>
@@ -1107,23 +1139,25 @@
             </a:pathLst>
           </a:custGeom>
           <a:noFill/>
-          <a:ln cap="flat" cmpd="sng" w="9525">
+          <a:ln w="9525" cap="flat" cmpd="sng">
             <a:solidFill>
               <a:srgbClr val="000000"/>
             </a:solidFill>
             <a:prstDash val="solid"/>
             <a:round/>
-            <a:headEnd len="sm" w="sm" type="none"/>
-            <a:tailEnd len="sm" w="sm" type="none"/>
+            <a:headEnd type="none" w="sm" len="sm"/>
+            <a:tailEnd type="none" w="sm" len="sm"/>
           </a:ln>
         </p:spPr>
       </p:sp>
       <p:sp>
         <p:nvSpPr>
           <p:cNvPr id="126" name="Google Shape;126;gb23b97c7f9_0_16:notes"/>
-          <p:cNvSpPr txBox="1"/>
+          <p:cNvSpPr txBox="1">
+            <a:spLocks noGrp="1"/>
+          </p:cNvSpPr>
           <p:nvPr>
-            <p:ph idx="1" type="body"/>
+            <p:ph type="body" idx="1"/>
           </p:nvPr>
         </p:nvSpPr>
         <p:spPr>
@@ -1140,12 +1174,12 @@
           </a:ln>
         </p:spPr>
         <p:txBody>
-          <a:bodyPr anchorCtr="0" anchor="t" bIns="91425" lIns="91425" spcFirstLastPara="1" rIns="91425" wrap="square" tIns="91425">
+          <a:bodyPr spcFirstLastPara="1" wrap="square" lIns="91425" tIns="91425" rIns="91425" bIns="91425" anchor="t" anchorCtr="0">
             <a:noAutofit/>
           </a:bodyPr>
           <a:lstStyle/>
           <a:p>
-            <a:pPr indent="0" lvl="0" marL="0" rtl="0" algn="l">
+            <a:pPr marL="0" lvl="0" indent="0" algn="l" rtl="0">
               <a:lnSpc>
                 <a:spcPct val="100000"/>
               </a:lnSpc>
@@ -1158,9 +1192,6 @@
               <a:buSzPts val="1400"/>
               <a:buNone/>
             </a:pPr>
-            <a:r>
-              <a:t/>
-            </a:r>
             <a:endParaRPr/>
           </a:p>
         </p:txBody>
@@ -1174,11 +1205,11 @@
 </file>
 
 <file path=ppt/notesSlides/notesSlide12.xml><?xml version="1.0" encoding="utf-8"?>
-<p:notes xmlns:a="http://schemas.openxmlformats.org/drawingml/2006/main" xmlns:r="http://schemas.openxmlformats.org/officeDocument/2006/relationships" xmlns:mc="http://schemas.openxmlformats.org/markup-compatibility/2006" xmlns:mv="urn:schemas-microsoft-com:mac:vml" xmlns:p="http://schemas.openxmlformats.org/presentationml/2006/main" xmlns:c="http://schemas.openxmlformats.org/drawingml/2006/chart" xmlns:dgm="http://schemas.openxmlformats.org/drawingml/2006/diagram" xmlns:o="urn:schemas-microsoft-com:office:office" xmlns:v="urn:schemas-microsoft-com:vml" xmlns:pvml="urn:schemas-microsoft-com:office:powerpoint" xmlns:com="http://schemas.openxmlformats.org/drawingml/2006/compatibility" xmlns:p14="http://schemas.microsoft.com/office/powerpoint/2010/main" xmlns:p15="http://schemas.microsoft.com/office/powerpoint/2012/main" xmlns:ahyp="http://schemas.microsoft.com/office/drawing/2018/hyperlinkcolor" showMasterPhAnim="0" showMasterSp="0">
+<p:notes xmlns:a="http://schemas.openxmlformats.org/drawingml/2006/main" xmlns:r="http://schemas.openxmlformats.org/officeDocument/2006/relationships" xmlns:p="http://schemas.openxmlformats.org/presentationml/2006/main" showMasterSp="0" showMasterPhAnim="0">
   <p:cSld>
     <p:spTree>
       <p:nvGrpSpPr>
-        <p:cNvPr id="130" name="Shape 130"/>
+        <p:cNvPr id="1" name="Shape 130"/>
         <p:cNvGrpSpPr/>
         <p:nvPr/>
       </p:nvGrpSpPr>
@@ -1193,9 +1224,11 @@
       <p:sp>
         <p:nvSpPr>
           <p:cNvPr id="131" name="Google Shape;131;gbb7498ad44_0_6:notes"/>
-          <p:cNvSpPr/>
+          <p:cNvSpPr>
+            <a:spLocks noGrp="1" noRot="1" noChangeAspect="1"/>
+          </p:cNvSpPr>
           <p:nvPr>
-            <p:ph idx="2" type="sldImg"/>
+            <p:ph type="sldImg" idx="2"/>
           </p:nvPr>
         </p:nvSpPr>
         <p:spPr>
@@ -1204,9 +1237,13 @@
             <a:ext cx="6096000" cy="3429000"/>
           </a:xfrm>
           <a:custGeom>
-            <a:rect b="b" l="l" r="r" t="t"/>
+            <a:avLst/>
+            <a:gdLst/>
+            <a:ahLst/>
+            <a:cxnLst/>
+            <a:rect l="l" t="t" r="r" b="b"/>
             <a:pathLst>
-              <a:path extrusionOk="0" h="120000" w="120000">
+              <a:path w="120000" h="120000" extrusionOk="0">
                 <a:moveTo>
                   <a:pt x="0" y="0"/>
                 </a:moveTo>
@@ -1228,9 +1265,11 @@
       <p:sp>
         <p:nvSpPr>
           <p:cNvPr id="132" name="Google Shape;132;gbb7498ad44_0_6:notes"/>
-          <p:cNvSpPr txBox="1"/>
+          <p:cNvSpPr txBox="1">
+            <a:spLocks noGrp="1"/>
+          </p:cNvSpPr>
           <p:nvPr>
-            <p:ph idx="1" type="body"/>
+            <p:ph type="body" idx="1"/>
           </p:nvPr>
         </p:nvSpPr>
         <p:spPr>
@@ -1243,12 +1282,12 @@
           </a:prstGeom>
         </p:spPr>
         <p:txBody>
-          <a:bodyPr anchorCtr="0" anchor="t" bIns="91425" lIns="91425" spcFirstLastPara="1" rIns="91425" wrap="square" tIns="91425">
+          <a:bodyPr spcFirstLastPara="1" wrap="square" lIns="91425" tIns="91425" rIns="91425" bIns="91425" anchor="t" anchorCtr="0">
             <a:noAutofit/>
           </a:bodyPr>
           <a:lstStyle/>
           <a:p>
-            <a:pPr indent="0" lvl="0" marL="0" rtl="0" algn="l">
+            <a:pPr marL="0" lvl="0" indent="0" algn="l" rtl="0">
               <a:spcBef>
                 <a:spcPts val="0"/>
               </a:spcBef>
@@ -1257,9 +1296,6 @@
               </a:spcAft>
               <a:buNone/>
             </a:pPr>
-            <a:r>
-              <a:t/>
-            </a:r>
             <a:endParaRPr/>
           </a:p>
         </p:txBody>
@@ -1273,11 +1309,11 @@
 </file>
 
 <file path=ppt/notesSlides/notesSlide2.xml><?xml version="1.0" encoding="utf-8"?>
-<p:notes xmlns:a="http://schemas.openxmlformats.org/drawingml/2006/main" xmlns:r="http://schemas.openxmlformats.org/officeDocument/2006/relationships" xmlns:mc="http://schemas.openxmlformats.org/markup-compatibility/2006" xmlns:mv="urn:schemas-microsoft-com:mac:vml" xmlns:p="http://schemas.openxmlformats.org/presentationml/2006/main" xmlns:c="http://schemas.openxmlformats.org/drawingml/2006/chart" xmlns:dgm="http://schemas.openxmlformats.org/drawingml/2006/diagram" xmlns:o="urn:schemas-microsoft-com:office:office" xmlns:v="urn:schemas-microsoft-com:vml" xmlns:pvml="urn:schemas-microsoft-com:office:powerpoint" xmlns:com="http://schemas.openxmlformats.org/drawingml/2006/compatibility" xmlns:p14="http://schemas.microsoft.com/office/powerpoint/2010/main" xmlns:p15="http://schemas.microsoft.com/office/powerpoint/2012/main" xmlns:ahyp="http://schemas.microsoft.com/office/drawing/2018/hyperlinkcolor" showMasterPhAnim="0" showMasterSp="0">
+<p:notes xmlns:a="http://schemas.openxmlformats.org/drawingml/2006/main" xmlns:r="http://schemas.openxmlformats.org/officeDocument/2006/relationships" xmlns:p="http://schemas.openxmlformats.org/presentationml/2006/main" showMasterSp="0" showMasterPhAnim="0">
   <p:cSld>
     <p:spTree>
       <p:nvGrpSpPr>
-        <p:cNvPr id="68" name="Shape 68"/>
+        <p:cNvPr id="1" name="Shape 68"/>
         <p:cNvGrpSpPr/>
         <p:nvPr/>
       </p:nvGrpSpPr>
@@ -1292,9 +1328,11 @@
       <p:sp>
         <p:nvSpPr>
           <p:cNvPr id="69" name="Google Shape;69;p3:notes"/>
-          <p:cNvSpPr/>
+          <p:cNvSpPr>
+            <a:spLocks noGrp="1" noRot="1" noChangeAspect="1"/>
+          </p:cNvSpPr>
           <p:nvPr>
-            <p:ph idx="2" type="sldImg"/>
+            <p:ph type="sldImg" idx="2"/>
           </p:nvPr>
         </p:nvSpPr>
         <p:spPr>
@@ -1303,9 +1341,13 @@
             <a:ext cx="6096300" cy="3429000"/>
           </a:xfrm>
           <a:custGeom>
-            <a:rect b="b" l="l" r="r" t="t"/>
+            <a:avLst/>
+            <a:gdLst/>
+            <a:ahLst/>
+            <a:cxnLst/>
+            <a:rect l="l" t="t" r="r" b="b"/>
             <a:pathLst>
-              <a:path extrusionOk="0" h="120000" w="120000">
+              <a:path w="120000" h="120000" extrusionOk="0">
                 <a:moveTo>
                   <a:pt x="0" y="0"/>
                 </a:moveTo>
@@ -1323,23 +1365,25 @@
             </a:pathLst>
           </a:custGeom>
           <a:noFill/>
-          <a:ln cap="flat" cmpd="sng" w="9525">
+          <a:ln w="9525" cap="flat" cmpd="sng">
             <a:solidFill>
               <a:srgbClr val="000000"/>
             </a:solidFill>
             <a:prstDash val="solid"/>
             <a:round/>
-            <a:headEnd len="sm" w="sm" type="none"/>
-            <a:tailEnd len="sm" w="sm" type="none"/>
+            <a:headEnd type="none" w="sm" len="sm"/>
+            <a:tailEnd type="none" w="sm" len="sm"/>
           </a:ln>
         </p:spPr>
       </p:sp>
       <p:sp>
         <p:nvSpPr>
           <p:cNvPr id="70" name="Google Shape;70;p3:notes"/>
-          <p:cNvSpPr txBox="1"/>
+          <p:cNvSpPr txBox="1">
+            <a:spLocks noGrp="1"/>
+          </p:cNvSpPr>
           <p:nvPr>
-            <p:ph idx="1" type="body"/>
+            <p:ph type="body" idx="1"/>
           </p:nvPr>
         </p:nvSpPr>
         <p:spPr>
@@ -1356,12 +1400,12 @@
           </a:ln>
         </p:spPr>
         <p:txBody>
-          <a:bodyPr anchorCtr="0" anchor="t" bIns="91425" lIns="91425" spcFirstLastPara="1" rIns="91425" wrap="square" tIns="91425">
+          <a:bodyPr spcFirstLastPara="1" wrap="square" lIns="91425" tIns="91425" rIns="91425" bIns="91425" anchor="t" anchorCtr="0">
             <a:noAutofit/>
           </a:bodyPr>
           <a:lstStyle/>
           <a:p>
-            <a:pPr indent="0" lvl="0" marL="0" rtl="0" algn="l">
+            <a:pPr marL="0" lvl="0" indent="0" algn="l" rtl="0">
               <a:lnSpc>
                 <a:spcPct val="100000"/>
               </a:lnSpc>
@@ -1374,9 +1418,6 @@
               <a:buSzPts val="1400"/>
               <a:buNone/>
             </a:pPr>
-            <a:r>
-              <a:t/>
-            </a:r>
             <a:endParaRPr/>
           </a:p>
         </p:txBody>
@@ -1390,11 +1431,11 @@
 </file>
 
 <file path=ppt/notesSlides/notesSlide3.xml><?xml version="1.0" encoding="utf-8"?>
-<p:notes xmlns:a="http://schemas.openxmlformats.org/drawingml/2006/main" xmlns:r="http://schemas.openxmlformats.org/officeDocument/2006/relationships" xmlns:mc="http://schemas.openxmlformats.org/markup-compatibility/2006" xmlns:mv="urn:schemas-microsoft-com:mac:vml" xmlns:p="http://schemas.openxmlformats.org/presentationml/2006/main" xmlns:c="http://schemas.openxmlformats.org/drawingml/2006/chart" xmlns:dgm="http://schemas.openxmlformats.org/drawingml/2006/diagram" xmlns:o="urn:schemas-microsoft-com:office:office" xmlns:v="urn:schemas-microsoft-com:vml" xmlns:pvml="urn:schemas-microsoft-com:office:powerpoint" xmlns:com="http://schemas.openxmlformats.org/drawingml/2006/compatibility" xmlns:p14="http://schemas.microsoft.com/office/powerpoint/2010/main" xmlns:p15="http://schemas.microsoft.com/office/powerpoint/2012/main" xmlns:ahyp="http://schemas.microsoft.com/office/drawing/2018/hyperlinkcolor" showMasterPhAnim="0" showMasterSp="0">
+<p:notes xmlns:a="http://schemas.openxmlformats.org/drawingml/2006/main" xmlns:r="http://schemas.openxmlformats.org/officeDocument/2006/relationships" xmlns:p="http://schemas.openxmlformats.org/presentationml/2006/main" showMasterSp="0" showMasterPhAnim="0">
   <p:cSld>
     <p:spTree>
       <p:nvGrpSpPr>
-        <p:cNvPr id="74" name="Shape 74"/>
+        <p:cNvPr id="1" name="Shape 74"/>
         <p:cNvGrpSpPr/>
         <p:nvPr/>
       </p:nvGrpSpPr>
@@ -1409,9 +1450,11 @@
       <p:sp>
         <p:nvSpPr>
           <p:cNvPr id="75" name="Google Shape;75;p4:notes"/>
-          <p:cNvSpPr/>
+          <p:cNvSpPr>
+            <a:spLocks noGrp="1" noRot="1" noChangeAspect="1"/>
+          </p:cNvSpPr>
           <p:nvPr>
-            <p:ph idx="2" type="sldImg"/>
+            <p:ph type="sldImg" idx="2"/>
           </p:nvPr>
         </p:nvSpPr>
         <p:spPr>
@@ -1420,9 +1463,13 @@
             <a:ext cx="6096300" cy="3429000"/>
           </a:xfrm>
           <a:custGeom>
-            <a:rect b="b" l="l" r="r" t="t"/>
+            <a:avLst/>
+            <a:gdLst/>
+            <a:ahLst/>
+            <a:cxnLst/>
+            <a:rect l="l" t="t" r="r" b="b"/>
             <a:pathLst>
-              <a:path extrusionOk="0" h="120000" w="120000">
+              <a:path w="120000" h="120000" extrusionOk="0">
                 <a:moveTo>
                   <a:pt x="0" y="0"/>
                 </a:moveTo>
@@ -1440,23 +1487,25 @@
             </a:pathLst>
           </a:custGeom>
           <a:noFill/>
-          <a:ln cap="flat" cmpd="sng" w="9525">
+          <a:ln w="9525" cap="flat" cmpd="sng">
             <a:solidFill>
               <a:srgbClr val="000000"/>
             </a:solidFill>
             <a:prstDash val="solid"/>
             <a:round/>
-            <a:headEnd len="sm" w="sm" type="none"/>
-            <a:tailEnd len="sm" w="sm" type="none"/>
+            <a:headEnd type="none" w="sm" len="sm"/>
+            <a:tailEnd type="none" w="sm" len="sm"/>
           </a:ln>
         </p:spPr>
       </p:sp>
       <p:sp>
         <p:nvSpPr>
           <p:cNvPr id="76" name="Google Shape;76;p4:notes"/>
-          <p:cNvSpPr txBox="1"/>
+          <p:cNvSpPr txBox="1">
+            <a:spLocks noGrp="1"/>
+          </p:cNvSpPr>
           <p:nvPr>
-            <p:ph idx="1" type="body"/>
+            <p:ph type="body" idx="1"/>
           </p:nvPr>
         </p:nvSpPr>
         <p:spPr>
@@ -1473,12 +1522,12 @@
           </a:ln>
         </p:spPr>
         <p:txBody>
-          <a:bodyPr anchorCtr="0" anchor="t" bIns="91425" lIns="91425" spcFirstLastPara="1" rIns="91425" wrap="square" tIns="91425">
+          <a:bodyPr spcFirstLastPara="1" wrap="square" lIns="91425" tIns="91425" rIns="91425" bIns="91425" anchor="t" anchorCtr="0">
             <a:noAutofit/>
           </a:bodyPr>
           <a:lstStyle/>
           <a:p>
-            <a:pPr indent="0" lvl="0" marL="0" rtl="0" algn="l">
+            <a:pPr marL="0" lvl="0" indent="0" algn="l" rtl="0">
               <a:lnSpc>
                 <a:spcPct val="100000"/>
               </a:lnSpc>
@@ -1491,9 +1540,6 @@
               <a:buSzPts val="1400"/>
               <a:buNone/>
             </a:pPr>
-            <a:r>
-              <a:t/>
-            </a:r>
             <a:endParaRPr/>
           </a:p>
         </p:txBody>
@@ -1507,11 +1553,11 @@
 </file>
 
 <file path=ppt/notesSlides/notesSlide4.xml><?xml version="1.0" encoding="utf-8"?>
-<p:notes xmlns:a="http://schemas.openxmlformats.org/drawingml/2006/main" xmlns:r="http://schemas.openxmlformats.org/officeDocument/2006/relationships" xmlns:mc="http://schemas.openxmlformats.org/markup-compatibility/2006" xmlns:mv="urn:schemas-microsoft-com:mac:vml" xmlns:p="http://schemas.openxmlformats.org/presentationml/2006/main" xmlns:c="http://schemas.openxmlformats.org/drawingml/2006/chart" xmlns:dgm="http://schemas.openxmlformats.org/drawingml/2006/diagram" xmlns:o="urn:schemas-microsoft-com:office:office" xmlns:v="urn:schemas-microsoft-com:vml" xmlns:pvml="urn:schemas-microsoft-com:office:powerpoint" xmlns:com="http://schemas.openxmlformats.org/drawingml/2006/compatibility" xmlns:p14="http://schemas.microsoft.com/office/powerpoint/2010/main" xmlns:p15="http://schemas.microsoft.com/office/powerpoint/2012/main" xmlns:ahyp="http://schemas.microsoft.com/office/drawing/2018/hyperlinkcolor" showMasterPhAnim="0" showMasterSp="0">
+<p:notes xmlns:a="http://schemas.openxmlformats.org/drawingml/2006/main" xmlns:r="http://schemas.openxmlformats.org/officeDocument/2006/relationships" xmlns:p="http://schemas.openxmlformats.org/presentationml/2006/main" showMasterSp="0" showMasterPhAnim="0">
   <p:cSld>
     <p:spTree>
       <p:nvGrpSpPr>
-        <p:cNvPr id="80" name="Shape 80"/>
+        <p:cNvPr id="1" name="Shape 80"/>
         <p:cNvGrpSpPr/>
         <p:nvPr/>
       </p:nvGrpSpPr>
@@ -1526,9 +1572,11 @@
       <p:sp>
         <p:nvSpPr>
           <p:cNvPr id="81" name="Google Shape;81;gbb7498ad44_0_16:notes"/>
-          <p:cNvSpPr/>
+          <p:cNvSpPr>
+            <a:spLocks noGrp="1" noRot="1" noChangeAspect="1"/>
+          </p:cNvSpPr>
           <p:nvPr>
-            <p:ph idx="2" type="sldImg"/>
+            <p:ph type="sldImg" idx="2"/>
           </p:nvPr>
         </p:nvSpPr>
         <p:spPr>
@@ -1537,9 +1585,13 @@
             <a:ext cx="6096000" cy="3429000"/>
           </a:xfrm>
           <a:custGeom>
-            <a:rect b="b" l="l" r="r" t="t"/>
+            <a:avLst/>
+            <a:gdLst/>
+            <a:ahLst/>
+            <a:cxnLst/>
+            <a:rect l="l" t="t" r="r" b="b"/>
             <a:pathLst>
-              <a:path extrusionOk="0" h="120000" w="120000">
+              <a:path w="120000" h="120000" extrusionOk="0">
                 <a:moveTo>
                   <a:pt x="0" y="0"/>
                 </a:moveTo>
@@ -1561,9 +1613,11 @@
       <p:sp>
         <p:nvSpPr>
           <p:cNvPr id="82" name="Google Shape;82;gbb7498ad44_0_16:notes"/>
-          <p:cNvSpPr txBox="1"/>
+          <p:cNvSpPr txBox="1">
+            <a:spLocks noGrp="1"/>
+          </p:cNvSpPr>
           <p:nvPr>
-            <p:ph idx="1" type="body"/>
+            <p:ph type="body" idx="1"/>
           </p:nvPr>
         </p:nvSpPr>
         <p:spPr>
@@ -1576,12 +1630,12 @@
           </a:prstGeom>
         </p:spPr>
         <p:txBody>
-          <a:bodyPr anchorCtr="0" anchor="t" bIns="91425" lIns="91425" spcFirstLastPara="1" rIns="91425" wrap="square" tIns="91425">
+          <a:bodyPr spcFirstLastPara="1" wrap="square" lIns="91425" tIns="91425" rIns="91425" bIns="91425" anchor="t" anchorCtr="0">
             <a:noAutofit/>
           </a:bodyPr>
           <a:lstStyle/>
           <a:p>
-            <a:pPr indent="0" lvl="0" marL="0" rtl="0" algn="l">
+            <a:pPr marL="0" lvl="0" indent="0" algn="l" rtl="0">
               <a:spcBef>
                 <a:spcPts val="0"/>
               </a:spcBef>
@@ -1590,9 +1644,6 @@
               </a:spcAft>
               <a:buNone/>
             </a:pPr>
-            <a:r>
-              <a:t/>
-            </a:r>
             <a:endParaRPr/>
           </a:p>
         </p:txBody>
@@ -1606,11 +1657,11 @@
 </file>
 
 <file path=ppt/notesSlides/notesSlide5.xml><?xml version="1.0" encoding="utf-8"?>
-<p:notes xmlns:a="http://schemas.openxmlformats.org/drawingml/2006/main" xmlns:r="http://schemas.openxmlformats.org/officeDocument/2006/relationships" xmlns:mc="http://schemas.openxmlformats.org/markup-compatibility/2006" xmlns:mv="urn:schemas-microsoft-com:mac:vml" xmlns:p="http://schemas.openxmlformats.org/presentationml/2006/main" xmlns:c="http://schemas.openxmlformats.org/drawingml/2006/chart" xmlns:dgm="http://schemas.openxmlformats.org/drawingml/2006/diagram" xmlns:o="urn:schemas-microsoft-com:office:office" xmlns:v="urn:schemas-microsoft-com:vml" xmlns:pvml="urn:schemas-microsoft-com:office:powerpoint" xmlns:com="http://schemas.openxmlformats.org/drawingml/2006/compatibility" xmlns:p14="http://schemas.microsoft.com/office/powerpoint/2010/main" xmlns:p15="http://schemas.microsoft.com/office/powerpoint/2012/main" xmlns:ahyp="http://schemas.microsoft.com/office/drawing/2018/hyperlinkcolor" showMasterPhAnim="0" showMasterSp="0">
+<p:notes xmlns:a="http://schemas.openxmlformats.org/drawingml/2006/main" xmlns:r="http://schemas.openxmlformats.org/officeDocument/2006/relationships" xmlns:p="http://schemas.openxmlformats.org/presentationml/2006/main" showMasterSp="0" showMasterPhAnim="0">
   <p:cSld>
     <p:spTree>
       <p:nvGrpSpPr>
-        <p:cNvPr id="87" name="Shape 87"/>
+        <p:cNvPr id="1" name="Shape 87"/>
         <p:cNvGrpSpPr/>
         <p:nvPr/>
       </p:nvGrpSpPr>
@@ -1625,9 +1676,11 @@
       <p:sp>
         <p:nvSpPr>
           <p:cNvPr id="88" name="Google Shape;88;p6:notes"/>
-          <p:cNvSpPr/>
+          <p:cNvSpPr>
+            <a:spLocks noGrp="1" noRot="1" noChangeAspect="1"/>
+          </p:cNvSpPr>
           <p:nvPr>
-            <p:ph idx="2" type="sldImg"/>
+            <p:ph type="sldImg" idx="2"/>
           </p:nvPr>
         </p:nvSpPr>
         <p:spPr>
@@ -1636,9 +1689,13 @@
             <a:ext cx="6096300" cy="3429000"/>
           </a:xfrm>
           <a:custGeom>
-            <a:rect b="b" l="l" r="r" t="t"/>
+            <a:avLst/>
+            <a:gdLst/>
+            <a:ahLst/>
+            <a:cxnLst/>
+            <a:rect l="l" t="t" r="r" b="b"/>
             <a:pathLst>
-              <a:path extrusionOk="0" h="120000" w="120000">
+              <a:path w="120000" h="120000" extrusionOk="0">
                 <a:moveTo>
                   <a:pt x="0" y="0"/>
                 </a:moveTo>
@@ -1656,23 +1713,25 @@
             </a:pathLst>
           </a:custGeom>
           <a:noFill/>
-          <a:ln cap="flat" cmpd="sng" w="9525">
+          <a:ln w="9525" cap="flat" cmpd="sng">
             <a:solidFill>
               <a:srgbClr val="000000"/>
             </a:solidFill>
             <a:prstDash val="solid"/>
             <a:round/>
-            <a:headEnd len="sm" w="sm" type="none"/>
-            <a:tailEnd len="sm" w="sm" type="none"/>
+            <a:headEnd type="none" w="sm" len="sm"/>
+            <a:tailEnd type="none" w="sm" len="sm"/>
           </a:ln>
         </p:spPr>
       </p:sp>
       <p:sp>
         <p:nvSpPr>
           <p:cNvPr id="89" name="Google Shape;89;p6:notes"/>
-          <p:cNvSpPr txBox="1"/>
+          <p:cNvSpPr txBox="1">
+            <a:spLocks noGrp="1"/>
+          </p:cNvSpPr>
           <p:nvPr>
-            <p:ph idx="1" type="body"/>
+            <p:ph type="body" idx="1"/>
           </p:nvPr>
         </p:nvSpPr>
         <p:spPr>
@@ -1689,12 +1748,12 @@
           </a:ln>
         </p:spPr>
         <p:txBody>
-          <a:bodyPr anchorCtr="0" anchor="t" bIns="91425" lIns="91425" spcFirstLastPara="1" rIns="91425" wrap="square" tIns="91425">
+          <a:bodyPr spcFirstLastPara="1" wrap="square" lIns="91425" tIns="91425" rIns="91425" bIns="91425" anchor="t" anchorCtr="0">
             <a:noAutofit/>
           </a:bodyPr>
           <a:lstStyle/>
           <a:p>
-            <a:pPr indent="0" lvl="0" marL="0" rtl="0" algn="l">
+            <a:pPr marL="0" lvl="0" indent="0" algn="l" rtl="0">
               <a:lnSpc>
                 <a:spcPct val="100000"/>
               </a:lnSpc>
@@ -1707,9 +1766,6 @@
               <a:buSzPts val="1400"/>
               <a:buNone/>
             </a:pPr>
-            <a:r>
-              <a:t/>
-            </a:r>
             <a:endParaRPr/>
           </a:p>
         </p:txBody>
@@ -1723,11 +1779,11 @@
 </file>
 
 <file path=ppt/notesSlides/notesSlide6.xml><?xml version="1.0" encoding="utf-8"?>
-<p:notes xmlns:a="http://schemas.openxmlformats.org/drawingml/2006/main" xmlns:r="http://schemas.openxmlformats.org/officeDocument/2006/relationships" xmlns:mc="http://schemas.openxmlformats.org/markup-compatibility/2006" xmlns:mv="urn:schemas-microsoft-com:mac:vml" xmlns:p="http://schemas.openxmlformats.org/presentationml/2006/main" xmlns:c="http://schemas.openxmlformats.org/drawingml/2006/chart" xmlns:dgm="http://schemas.openxmlformats.org/drawingml/2006/diagram" xmlns:o="urn:schemas-microsoft-com:office:office" xmlns:v="urn:schemas-microsoft-com:vml" xmlns:pvml="urn:schemas-microsoft-com:office:powerpoint" xmlns:com="http://schemas.openxmlformats.org/drawingml/2006/compatibility" xmlns:p14="http://schemas.microsoft.com/office/powerpoint/2010/main" xmlns:p15="http://schemas.microsoft.com/office/powerpoint/2012/main" xmlns:ahyp="http://schemas.microsoft.com/office/drawing/2018/hyperlinkcolor" showMasterPhAnim="0" showMasterSp="0">
+<p:notes xmlns:a="http://schemas.openxmlformats.org/drawingml/2006/main" xmlns:r="http://schemas.openxmlformats.org/officeDocument/2006/relationships" xmlns:p="http://schemas.openxmlformats.org/presentationml/2006/main" showMasterSp="0" showMasterPhAnim="0">
   <p:cSld>
     <p:spTree>
       <p:nvGrpSpPr>
-        <p:cNvPr id="93" name="Shape 93"/>
+        <p:cNvPr id="1" name="Shape 93"/>
         <p:cNvGrpSpPr/>
         <p:nvPr/>
       </p:nvGrpSpPr>
@@ -1742,20 +1798,26 @@
       <p:sp>
         <p:nvSpPr>
           <p:cNvPr id="94" name="Google Shape;94;gb23b97c7f9_0_1:notes"/>
-          <p:cNvSpPr/>
+          <p:cNvSpPr>
+            <a:spLocks noGrp="1" noRot="1" noChangeAspect="1"/>
+          </p:cNvSpPr>
           <p:nvPr>
-            <p:ph idx="2" type="sldImg"/>
+            <p:ph type="sldImg" idx="2"/>
           </p:nvPr>
         </p:nvSpPr>
         <p:spPr>
           <a:xfrm>
-            <a:off x="381175" y="685800"/>
-            <a:ext cx="6096300" cy="3429000"/>
+            <a:off x="381000" y="685800"/>
+            <a:ext cx="6096000" cy="3429000"/>
           </a:xfrm>
           <a:custGeom>
-            <a:rect b="b" l="l" r="r" t="t"/>
+            <a:avLst/>
+            <a:gdLst/>
+            <a:ahLst/>
+            <a:cxnLst/>
+            <a:rect l="l" t="t" r="r" b="b"/>
             <a:pathLst>
-              <a:path extrusionOk="0" h="120000" w="120000">
+              <a:path w="120000" h="120000" extrusionOk="0">
                 <a:moveTo>
                   <a:pt x="0" y="0"/>
                 </a:moveTo>
@@ -1773,23 +1835,25 @@
             </a:pathLst>
           </a:custGeom>
           <a:noFill/>
-          <a:ln cap="flat" cmpd="sng" w="9525">
+          <a:ln w="9525" cap="flat" cmpd="sng">
             <a:solidFill>
               <a:srgbClr val="000000"/>
             </a:solidFill>
             <a:prstDash val="solid"/>
             <a:round/>
-            <a:headEnd len="sm" w="sm" type="none"/>
-            <a:tailEnd len="sm" w="sm" type="none"/>
+            <a:headEnd type="none" w="sm" len="sm"/>
+            <a:tailEnd type="none" w="sm" len="sm"/>
           </a:ln>
         </p:spPr>
       </p:sp>
       <p:sp>
         <p:nvSpPr>
           <p:cNvPr id="95" name="Google Shape;95;gb23b97c7f9_0_1:notes"/>
-          <p:cNvSpPr txBox="1"/>
+          <p:cNvSpPr txBox="1">
+            <a:spLocks noGrp="1"/>
+          </p:cNvSpPr>
           <p:nvPr>
-            <p:ph idx="1" type="body"/>
+            <p:ph type="body" idx="1"/>
           </p:nvPr>
         </p:nvSpPr>
         <p:spPr>
@@ -1806,12 +1870,12 @@
           </a:ln>
         </p:spPr>
         <p:txBody>
-          <a:bodyPr anchorCtr="0" anchor="t" bIns="91425" lIns="91425" spcFirstLastPara="1" rIns="91425" wrap="square" tIns="91425">
+          <a:bodyPr spcFirstLastPara="1" wrap="square" lIns="91425" tIns="91425" rIns="91425" bIns="91425" anchor="t" anchorCtr="0">
             <a:noAutofit/>
           </a:bodyPr>
           <a:lstStyle/>
           <a:p>
-            <a:pPr indent="0" lvl="0" marL="0" rtl="0" algn="l">
+            <a:pPr marL="0" lvl="0" indent="0" algn="l" rtl="0">
               <a:lnSpc>
                 <a:spcPct val="100000"/>
               </a:lnSpc>
@@ -1824,9 +1888,6 @@
               <a:buSzPts val="1400"/>
               <a:buNone/>
             </a:pPr>
-            <a:r>
-              <a:t/>
-            </a:r>
             <a:endParaRPr/>
           </a:p>
         </p:txBody>
@@ -1840,11 +1901,11 @@
 </file>
 
 <file path=ppt/notesSlides/notesSlide7.xml><?xml version="1.0" encoding="utf-8"?>
-<p:notes xmlns:a="http://schemas.openxmlformats.org/drawingml/2006/main" xmlns:r="http://schemas.openxmlformats.org/officeDocument/2006/relationships" xmlns:mc="http://schemas.openxmlformats.org/markup-compatibility/2006" xmlns:mv="urn:schemas-microsoft-com:mac:vml" xmlns:p="http://schemas.openxmlformats.org/presentationml/2006/main" xmlns:c="http://schemas.openxmlformats.org/drawingml/2006/chart" xmlns:dgm="http://schemas.openxmlformats.org/drawingml/2006/diagram" xmlns:o="urn:schemas-microsoft-com:office:office" xmlns:v="urn:schemas-microsoft-com:vml" xmlns:pvml="urn:schemas-microsoft-com:office:powerpoint" xmlns:com="http://schemas.openxmlformats.org/drawingml/2006/compatibility" xmlns:p14="http://schemas.microsoft.com/office/powerpoint/2010/main" xmlns:p15="http://schemas.microsoft.com/office/powerpoint/2012/main" xmlns:ahyp="http://schemas.microsoft.com/office/drawing/2018/hyperlinkcolor" showMasterPhAnim="0" showMasterSp="0">
+<p:notes xmlns:a="http://schemas.openxmlformats.org/drawingml/2006/main" xmlns:r="http://schemas.openxmlformats.org/officeDocument/2006/relationships" xmlns:p="http://schemas.openxmlformats.org/presentationml/2006/main" showMasterSp="0" showMasterPhAnim="0">
   <p:cSld>
     <p:spTree>
       <p:nvGrpSpPr>
-        <p:cNvPr id="100" name="Shape 100"/>
+        <p:cNvPr id="1" name="Shape 100"/>
         <p:cNvGrpSpPr/>
         <p:nvPr/>
       </p:nvGrpSpPr>
@@ -1859,9 +1920,11 @@
       <p:sp>
         <p:nvSpPr>
           <p:cNvPr id="101" name="Google Shape;101;p9:notes"/>
-          <p:cNvSpPr/>
+          <p:cNvSpPr>
+            <a:spLocks noGrp="1" noRot="1" noChangeAspect="1"/>
+          </p:cNvSpPr>
           <p:nvPr>
-            <p:ph idx="2" type="sldImg"/>
+            <p:ph type="sldImg" idx="2"/>
           </p:nvPr>
         </p:nvSpPr>
         <p:spPr>
@@ -1870,9 +1933,13 @@
             <a:ext cx="6096300" cy="3429000"/>
           </a:xfrm>
           <a:custGeom>
-            <a:rect b="b" l="l" r="r" t="t"/>
+            <a:avLst/>
+            <a:gdLst/>
+            <a:ahLst/>
+            <a:cxnLst/>
+            <a:rect l="l" t="t" r="r" b="b"/>
             <a:pathLst>
-              <a:path extrusionOk="0" h="120000" w="120000">
+              <a:path w="120000" h="120000" extrusionOk="0">
                 <a:moveTo>
                   <a:pt x="0" y="0"/>
                 </a:moveTo>
@@ -1890,23 +1957,25 @@
             </a:pathLst>
           </a:custGeom>
           <a:noFill/>
-          <a:ln cap="flat" cmpd="sng" w="9525">
+          <a:ln w="9525" cap="flat" cmpd="sng">
             <a:solidFill>
               <a:srgbClr val="000000"/>
             </a:solidFill>
             <a:prstDash val="solid"/>
             <a:round/>
-            <a:headEnd len="sm" w="sm" type="none"/>
-            <a:tailEnd len="sm" w="sm" type="none"/>
+            <a:headEnd type="none" w="sm" len="sm"/>
+            <a:tailEnd type="none" w="sm" len="sm"/>
           </a:ln>
         </p:spPr>
       </p:sp>
       <p:sp>
         <p:nvSpPr>
           <p:cNvPr id="102" name="Google Shape;102;p9:notes"/>
-          <p:cNvSpPr txBox="1"/>
+          <p:cNvSpPr txBox="1">
+            <a:spLocks noGrp="1"/>
+          </p:cNvSpPr>
           <p:nvPr>
-            <p:ph idx="1" type="body"/>
+            <p:ph type="body" idx="1"/>
           </p:nvPr>
         </p:nvSpPr>
         <p:spPr>
@@ -1923,12 +1992,12 @@
           </a:ln>
         </p:spPr>
         <p:txBody>
-          <a:bodyPr anchorCtr="0" anchor="t" bIns="91425" lIns="91425" spcFirstLastPara="1" rIns="91425" wrap="square" tIns="91425">
+          <a:bodyPr spcFirstLastPara="1" wrap="square" lIns="91425" tIns="91425" rIns="91425" bIns="91425" anchor="t" anchorCtr="0">
             <a:noAutofit/>
           </a:bodyPr>
           <a:lstStyle/>
           <a:p>
-            <a:pPr indent="0" lvl="0" marL="0" rtl="0" algn="l">
+            <a:pPr marL="0" lvl="0" indent="0" algn="l" rtl="0">
               <a:lnSpc>
                 <a:spcPct val="100000"/>
               </a:lnSpc>
@@ -1941,9 +2010,6 @@
               <a:buSzPts val="1400"/>
               <a:buNone/>
             </a:pPr>
-            <a:r>
-              <a:t/>
-            </a:r>
             <a:endParaRPr/>
           </a:p>
         </p:txBody>
@@ -1957,11 +2023,11 @@
 </file>
 
 <file path=ppt/notesSlides/notesSlide8.xml><?xml version="1.0" encoding="utf-8"?>
-<p:notes xmlns:a="http://schemas.openxmlformats.org/drawingml/2006/main" xmlns:r="http://schemas.openxmlformats.org/officeDocument/2006/relationships" xmlns:mc="http://schemas.openxmlformats.org/markup-compatibility/2006" xmlns:mv="urn:schemas-microsoft-com:mac:vml" xmlns:p="http://schemas.openxmlformats.org/presentationml/2006/main" xmlns:c="http://schemas.openxmlformats.org/drawingml/2006/chart" xmlns:dgm="http://schemas.openxmlformats.org/drawingml/2006/diagram" xmlns:o="urn:schemas-microsoft-com:office:office" xmlns:v="urn:schemas-microsoft-com:vml" xmlns:pvml="urn:schemas-microsoft-com:office:powerpoint" xmlns:com="http://schemas.openxmlformats.org/drawingml/2006/compatibility" xmlns:p14="http://schemas.microsoft.com/office/powerpoint/2010/main" xmlns:p15="http://schemas.microsoft.com/office/powerpoint/2012/main" xmlns:ahyp="http://schemas.microsoft.com/office/drawing/2018/hyperlinkcolor" showMasterPhAnim="0" showMasterSp="0">
+<p:notes xmlns:a="http://schemas.openxmlformats.org/drawingml/2006/main" xmlns:r="http://schemas.openxmlformats.org/officeDocument/2006/relationships" xmlns:p="http://schemas.openxmlformats.org/presentationml/2006/main" showMasterSp="0" showMasterPhAnim="0">
   <p:cSld>
     <p:spTree>
       <p:nvGrpSpPr>
-        <p:cNvPr id="106" name="Shape 106"/>
+        <p:cNvPr id="1" name="Shape 106"/>
         <p:cNvGrpSpPr/>
         <p:nvPr/>
       </p:nvGrpSpPr>
@@ -1976,9 +2042,11 @@
       <p:sp>
         <p:nvSpPr>
           <p:cNvPr id="107" name="Google Shape;107;gb23b97c7f9_0_22:notes"/>
-          <p:cNvSpPr/>
+          <p:cNvSpPr>
+            <a:spLocks noGrp="1" noRot="1" noChangeAspect="1"/>
+          </p:cNvSpPr>
           <p:nvPr>
-            <p:ph idx="2" type="sldImg"/>
+            <p:ph type="sldImg" idx="2"/>
           </p:nvPr>
         </p:nvSpPr>
         <p:spPr>
@@ -1987,9 +2055,13 @@
             <a:ext cx="6096300" cy="3429000"/>
           </a:xfrm>
           <a:custGeom>
-            <a:rect b="b" l="l" r="r" t="t"/>
+            <a:avLst/>
+            <a:gdLst/>
+            <a:ahLst/>
+            <a:cxnLst/>
+            <a:rect l="l" t="t" r="r" b="b"/>
             <a:pathLst>
-              <a:path extrusionOk="0" h="120000" w="120000">
+              <a:path w="120000" h="120000" extrusionOk="0">
                 <a:moveTo>
                   <a:pt x="0" y="0"/>
                 </a:moveTo>
@@ -2007,23 +2079,25 @@
             </a:pathLst>
           </a:custGeom>
           <a:noFill/>
-          <a:ln cap="flat" cmpd="sng" w="9525">
+          <a:ln w="9525" cap="flat" cmpd="sng">
             <a:solidFill>
               <a:srgbClr val="000000"/>
             </a:solidFill>
             <a:prstDash val="solid"/>
             <a:round/>
-            <a:headEnd len="sm" w="sm" type="none"/>
-            <a:tailEnd len="sm" w="sm" type="none"/>
+            <a:headEnd type="none" w="sm" len="sm"/>
+            <a:tailEnd type="none" w="sm" len="sm"/>
           </a:ln>
         </p:spPr>
       </p:sp>
       <p:sp>
         <p:nvSpPr>
           <p:cNvPr id="108" name="Google Shape;108;gb23b97c7f9_0_22:notes"/>
-          <p:cNvSpPr txBox="1"/>
+          <p:cNvSpPr txBox="1">
+            <a:spLocks noGrp="1"/>
+          </p:cNvSpPr>
           <p:nvPr>
-            <p:ph idx="1" type="body"/>
+            <p:ph type="body" idx="1"/>
           </p:nvPr>
         </p:nvSpPr>
         <p:spPr>
@@ -2040,12 +2114,12 @@
           </a:ln>
         </p:spPr>
         <p:txBody>
-          <a:bodyPr anchorCtr="0" anchor="t" bIns="91425" lIns="91425" spcFirstLastPara="1" rIns="91425" wrap="square" tIns="91425">
+          <a:bodyPr spcFirstLastPara="1" wrap="square" lIns="91425" tIns="91425" rIns="91425" bIns="91425" anchor="t" anchorCtr="0">
             <a:noAutofit/>
           </a:bodyPr>
           <a:lstStyle/>
           <a:p>
-            <a:pPr indent="0" lvl="0" marL="0" rtl="0" algn="l">
+            <a:pPr marL="0" lvl="0" indent="0" algn="l" rtl="0">
               <a:lnSpc>
                 <a:spcPct val="100000"/>
               </a:lnSpc>
@@ -2058,9 +2132,6 @@
               <a:buSzPts val="1400"/>
               <a:buNone/>
             </a:pPr>
-            <a:r>
-              <a:t/>
-            </a:r>
             <a:endParaRPr/>
           </a:p>
         </p:txBody>
@@ -2074,11 +2145,11 @@
 </file>
 
 <file path=ppt/notesSlides/notesSlide9.xml><?xml version="1.0" encoding="utf-8"?>
-<p:notes xmlns:a="http://schemas.openxmlformats.org/drawingml/2006/main" xmlns:r="http://schemas.openxmlformats.org/officeDocument/2006/relationships" xmlns:mc="http://schemas.openxmlformats.org/markup-compatibility/2006" xmlns:mv="urn:schemas-microsoft-com:mac:vml" xmlns:p="http://schemas.openxmlformats.org/presentationml/2006/main" xmlns:c="http://schemas.openxmlformats.org/drawingml/2006/chart" xmlns:dgm="http://schemas.openxmlformats.org/drawingml/2006/diagram" xmlns:o="urn:schemas-microsoft-com:office:office" xmlns:v="urn:schemas-microsoft-com:vml" xmlns:pvml="urn:schemas-microsoft-com:office:powerpoint" xmlns:com="http://schemas.openxmlformats.org/drawingml/2006/compatibility" xmlns:p14="http://schemas.microsoft.com/office/powerpoint/2010/main" xmlns:p15="http://schemas.microsoft.com/office/powerpoint/2012/main" xmlns:ahyp="http://schemas.microsoft.com/office/drawing/2018/hyperlinkcolor" showMasterPhAnim="0" showMasterSp="0">
+<p:notes xmlns:a="http://schemas.openxmlformats.org/drawingml/2006/main" xmlns:r="http://schemas.openxmlformats.org/officeDocument/2006/relationships" xmlns:p="http://schemas.openxmlformats.org/presentationml/2006/main" showMasterSp="0" showMasterPhAnim="0">
   <p:cSld>
     <p:spTree>
       <p:nvGrpSpPr>
-        <p:cNvPr id="112" name="Shape 112"/>
+        <p:cNvPr id="1" name="Shape 112"/>
         <p:cNvGrpSpPr/>
         <p:nvPr/>
       </p:nvGrpSpPr>
@@ -2093,9 +2164,11 @@
       <p:sp>
         <p:nvSpPr>
           <p:cNvPr id="113" name="Google Shape;113;p8:notes"/>
-          <p:cNvSpPr/>
+          <p:cNvSpPr>
+            <a:spLocks noGrp="1" noRot="1" noChangeAspect="1"/>
+          </p:cNvSpPr>
           <p:nvPr>
-            <p:ph idx="2" type="sldImg"/>
+            <p:ph type="sldImg" idx="2"/>
           </p:nvPr>
         </p:nvSpPr>
         <p:spPr>
@@ -2104,9 +2177,13 @@
             <a:ext cx="6096300" cy="3429000"/>
           </a:xfrm>
           <a:custGeom>
-            <a:rect b="b" l="l" r="r" t="t"/>
+            <a:avLst/>
+            <a:gdLst/>
+            <a:ahLst/>
+            <a:cxnLst/>
+            <a:rect l="l" t="t" r="r" b="b"/>
             <a:pathLst>
-              <a:path extrusionOk="0" h="120000" w="120000">
+              <a:path w="120000" h="120000" extrusionOk="0">
                 <a:moveTo>
                   <a:pt x="0" y="0"/>
                 </a:moveTo>
@@ -2124,23 +2201,25 @@
             </a:pathLst>
           </a:custGeom>
           <a:noFill/>
-          <a:ln cap="flat" cmpd="sng" w="9525">
+          <a:ln w="9525" cap="flat" cmpd="sng">
             <a:solidFill>
               <a:srgbClr val="000000"/>
             </a:solidFill>
             <a:prstDash val="solid"/>
             <a:round/>
-            <a:headEnd len="sm" w="sm" type="none"/>
-            <a:tailEnd len="sm" w="sm" type="none"/>
+            <a:headEnd type="none" w="sm" len="sm"/>
+            <a:tailEnd type="none" w="sm" len="sm"/>
           </a:ln>
         </p:spPr>
       </p:sp>
       <p:sp>
         <p:nvSpPr>
           <p:cNvPr id="114" name="Google Shape;114;p8:notes"/>
-          <p:cNvSpPr txBox="1"/>
+          <p:cNvSpPr txBox="1">
+            <a:spLocks noGrp="1"/>
+          </p:cNvSpPr>
           <p:nvPr>
-            <p:ph idx="1" type="body"/>
+            <p:ph type="body" idx="1"/>
           </p:nvPr>
         </p:nvSpPr>
         <p:spPr>
@@ -2157,12 +2236,12 @@
           </a:ln>
         </p:spPr>
         <p:txBody>
-          <a:bodyPr anchorCtr="0" anchor="t" bIns="91425" lIns="91425" spcFirstLastPara="1" rIns="91425" wrap="square" tIns="91425">
+          <a:bodyPr spcFirstLastPara="1" wrap="square" lIns="91425" tIns="91425" rIns="91425" bIns="91425" anchor="t" anchorCtr="0">
             <a:noAutofit/>
           </a:bodyPr>
           <a:lstStyle/>
           <a:p>
-            <a:pPr indent="0" lvl="0" marL="0" rtl="0" algn="l">
+            <a:pPr marL="0" lvl="0" indent="0" algn="l" rtl="0">
               <a:lnSpc>
                 <a:spcPct val="100000"/>
               </a:lnSpc>
@@ -2175,9 +2254,6 @@
               <a:buSzPts val="1400"/>
               <a:buNone/>
             </a:pPr>
-            <a:r>
-              <a:t/>
-            </a:r>
             <a:endParaRPr/>
           </a:p>
         </p:txBody>
@@ -2191,11 +2267,11 @@
 </file>
 
 <file path=ppt/slideLayouts/slideLayout1.xml><?xml version="1.0" encoding="utf-8"?>
-<p:sldLayout xmlns:a="http://schemas.openxmlformats.org/drawingml/2006/main" xmlns:r="http://schemas.openxmlformats.org/officeDocument/2006/relationships" xmlns:mc="http://schemas.openxmlformats.org/markup-compatibility/2006" xmlns:mv="urn:schemas-microsoft-com:mac:vml" xmlns:p="http://schemas.openxmlformats.org/presentationml/2006/main" xmlns:c="http://schemas.openxmlformats.org/drawingml/2006/chart" xmlns:dgm="http://schemas.openxmlformats.org/drawingml/2006/diagram" xmlns:o="urn:schemas-microsoft-com:office:office" xmlns:v="urn:schemas-microsoft-com:vml" xmlns:pvml="urn:schemas-microsoft-com:office:powerpoint" xmlns:com="http://schemas.openxmlformats.org/drawingml/2006/compatibility" xmlns:p14="http://schemas.microsoft.com/office/powerpoint/2010/main" xmlns:p15="http://schemas.microsoft.com/office/powerpoint/2012/main" xmlns:ahyp="http://schemas.microsoft.com/office/drawing/2018/hyperlinkcolor" matchingName="Title slide - R01" type="title">
+<p:sldLayout xmlns:a="http://schemas.openxmlformats.org/drawingml/2006/main" xmlns:r="http://schemas.openxmlformats.org/officeDocument/2006/relationships" xmlns:p="http://schemas.openxmlformats.org/presentationml/2006/main" matchingName="Title slide - R01" type="title">
   <p:cSld name="TITLE">
     <p:spTree>
       <p:nvGrpSpPr>
-        <p:cNvPr id="9" name="Shape 9"/>
+        <p:cNvPr id="1" name="Shape 9"/>
         <p:cNvGrpSpPr/>
         <p:nvPr/>
       </p:nvGrpSpPr>
@@ -2229,12 +2305,12 @@
           </a:ln>
         </p:spPr>
         <p:txBody>
-          <a:bodyPr anchorCtr="0" anchor="ctr" bIns="91425" lIns="91425" spcFirstLastPara="1" rIns="91425" wrap="square" tIns="91425">
+          <a:bodyPr spcFirstLastPara="1" wrap="square" lIns="91425" tIns="91425" rIns="91425" bIns="91425" anchor="ctr" anchorCtr="0">
             <a:noAutofit/>
           </a:bodyPr>
           <a:lstStyle/>
           <a:p>
-            <a:pPr indent="0" lvl="0" marL="0" marR="0" rtl="0" algn="l">
+            <a:pPr marL="0" marR="0" lvl="0" indent="0" algn="l" rtl="0">
               <a:lnSpc>
                 <a:spcPct val="100000"/>
               </a:lnSpc>
@@ -2251,10 +2327,7 @@
               <a:buFont typeface="Arial"/>
               <a:buNone/>
             </a:pPr>
-            <a:r>
-              <a:t/>
-            </a:r>
-            <a:endParaRPr b="0" i="0" sz="1400" u="none" cap="none" strike="noStrike">
+            <a:endParaRPr sz="1400" b="0" i="0" u="none" strike="noStrike" cap="none">
               <a:solidFill>
                 <a:srgbClr val="000000"/>
               </a:solidFill>
@@ -2279,7 +2352,7 @@
           </a:xfrm>
           <a:prstGeom prst="round1Rect">
             <a:avLst>
-              <a:gd fmla="val 16667" name="adj"/>
+              <a:gd name="adj" fmla="val 16667"/>
             </a:avLst>
           </a:prstGeom>
           <a:solidFill>
@@ -2292,12 +2365,12 @@
           </a:ln>
         </p:spPr>
         <p:txBody>
-          <a:bodyPr anchorCtr="0" anchor="ctr" bIns="91425" lIns="91425" spcFirstLastPara="1" rIns="91425" wrap="square" tIns="91425">
+          <a:bodyPr spcFirstLastPara="1" wrap="square" lIns="91425" tIns="91425" rIns="91425" bIns="91425" anchor="ctr" anchorCtr="0">
             <a:noAutofit/>
           </a:bodyPr>
           <a:lstStyle/>
           <a:p>
-            <a:pPr indent="0" lvl="0" marL="0" marR="0" rtl="0" algn="l">
+            <a:pPr marL="0" marR="0" lvl="0" indent="0" algn="l" rtl="0">
               <a:lnSpc>
                 <a:spcPct val="100000"/>
               </a:lnSpc>
@@ -2314,10 +2387,7 @@
               <a:buFont typeface="Arial"/>
               <a:buNone/>
             </a:pPr>
-            <a:r>
-              <a:t/>
-            </a:r>
-            <a:endParaRPr b="0" i="0" sz="1400" u="none" cap="none" strike="noStrike">
+            <a:endParaRPr sz="1400" b="0" i="0" u="none" strike="noStrike" cap="none">
               <a:solidFill>
                 <a:srgbClr val="000000"/>
               </a:solidFill>
@@ -2332,7 +2402,9 @@
       <p:sp>
         <p:nvSpPr>
           <p:cNvPr id="12" name="Google Shape;12;p13"/>
-          <p:cNvSpPr txBox="1"/>
+          <p:cNvSpPr txBox="1">
+            <a:spLocks noGrp="1"/>
+          </p:cNvSpPr>
           <p:nvPr>
             <p:ph type="ctrTitle"/>
           </p:nvPr>
@@ -2351,7 +2423,7 @@
           </a:ln>
         </p:spPr>
         <p:txBody>
-          <a:bodyPr anchorCtr="0" anchor="b" bIns="91425" lIns="91425" spcFirstLastPara="1" rIns="91425" wrap="square" tIns="91425">
+          <a:bodyPr spcFirstLastPara="1" wrap="square" lIns="91425" tIns="91425" rIns="91425" bIns="91425" anchor="b" anchorCtr="0">
             <a:noAutofit/>
           </a:bodyPr>
           <a:lstStyle>
@@ -2482,15 +2554,19 @@
               <a:defRPr sz="4800"/>
             </a:lvl9pPr>
           </a:lstStyle>
-          <a:p/>
+          <a:p>
+            <a:endParaRPr/>
+          </a:p>
         </p:txBody>
       </p:sp>
       <p:sp>
         <p:nvSpPr>
           <p:cNvPr id="13" name="Google Shape;13;p13"/>
-          <p:cNvSpPr txBox="1"/>
+          <p:cNvSpPr txBox="1">
+            <a:spLocks noGrp="1"/>
+          </p:cNvSpPr>
           <p:nvPr>
-            <p:ph idx="1" type="subTitle"/>
+            <p:ph type="subTitle" idx="1"/>
           </p:nvPr>
         </p:nvSpPr>
         <p:spPr>
@@ -2507,7 +2583,7 @@
           </a:ln>
         </p:spPr>
         <p:txBody>
-          <a:bodyPr anchorCtr="0" anchor="t" bIns="91425" lIns="91425" spcFirstLastPara="1" rIns="91425" wrap="square" tIns="91425">
+          <a:bodyPr spcFirstLastPara="1" wrap="square" lIns="91425" tIns="91425" rIns="91425" bIns="91425" anchor="t" anchorCtr="0">
             <a:noAutofit/>
           </a:bodyPr>
           <a:lstStyle>
@@ -2701,7 +2777,9 @@
               </a:defRPr>
             </a:lvl9pPr>
           </a:lstStyle>
-          <a:p/>
+          <a:p>
+            <a:endParaRPr/>
+          </a:p>
         </p:txBody>
       </p:sp>
     </p:spTree>
@@ -2713,18 +2791,19 @@
 </file>
 
 <file path=ppt/slideLayouts/slideLayout10.xml><?xml version="1.0" encoding="utf-8"?>
-<p:sldLayout xmlns:a="http://schemas.openxmlformats.org/drawingml/2006/main" xmlns:r="http://schemas.openxmlformats.org/officeDocument/2006/relationships" xmlns:mc="http://schemas.openxmlformats.org/markup-compatibility/2006" xmlns:mv="urn:schemas-microsoft-com:mac:vml" xmlns:p="http://schemas.openxmlformats.org/presentationml/2006/main" xmlns:c="http://schemas.openxmlformats.org/drawingml/2006/chart" xmlns:dgm="http://schemas.openxmlformats.org/drawingml/2006/diagram" xmlns:o="urn:schemas-microsoft-com:office:office" xmlns:v="urn:schemas-microsoft-com:vml" xmlns:pvml="urn:schemas-microsoft-com:office:powerpoint" xmlns:com="http://schemas.openxmlformats.org/drawingml/2006/compatibility" xmlns:p14="http://schemas.microsoft.com/office/powerpoint/2010/main" xmlns:p15="http://schemas.microsoft.com/office/powerpoint/2012/main" xmlns:ahyp="http://schemas.microsoft.com/office/drawing/2018/hyperlinkcolor" matchingName="Big number">
+<p:sldLayout xmlns:a="http://schemas.openxmlformats.org/drawingml/2006/main" xmlns:r="http://schemas.openxmlformats.org/officeDocument/2006/relationships" xmlns:p="http://schemas.openxmlformats.org/presentationml/2006/main" matchingName="Big number">
   <p:cSld name="BIG_NUMBER">
     <p:bg>
       <p:bgPr>
         <a:solidFill>
           <a:schemeClr val="accent4"/>
         </a:solidFill>
+        <a:effectLst/>
       </p:bgPr>
     </p:bg>
     <p:spTree>
       <p:nvGrpSpPr>
-        <p:cNvPr id="56" name="Shape 56"/>
+        <p:cNvPr id="1" name="Shape 56"/>
         <p:cNvGrpSpPr/>
         <p:nvPr/>
       </p:nvGrpSpPr>
@@ -2739,9 +2818,11 @@
       <p:sp>
         <p:nvSpPr>
           <p:cNvPr id="57" name="Google Shape;57;p22"/>
-          <p:cNvSpPr txBox="1"/>
+          <p:cNvSpPr txBox="1">
+            <a:spLocks noGrp="1"/>
+          </p:cNvSpPr>
           <p:nvPr>
-            <p:ph hasCustomPrompt="1" type="title"/>
+            <p:ph type="title" hasCustomPrompt="1"/>
           </p:nvPr>
         </p:nvSpPr>
         <p:spPr>
@@ -2758,7 +2839,7 @@
           </a:ln>
         </p:spPr>
         <p:txBody>
-          <a:bodyPr anchorCtr="0" anchor="b" bIns="91425" lIns="91425" spcFirstLastPara="1" rIns="91425" wrap="square" tIns="91425">
+          <a:bodyPr spcFirstLastPara="1" wrap="square" lIns="91425" tIns="91425" rIns="91425" bIns="91425" anchor="b" anchorCtr="0">
             <a:noAutofit/>
           </a:bodyPr>
           <a:lstStyle>
@@ -2962,9 +3043,11 @@
       <p:sp>
         <p:nvSpPr>
           <p:cNvPr id="58" name="Google Shape;58;p22"/>
-          <p:cNvSpPr txBox="1"/>
+          <p:cNvSpPr txBox="1">
+            <a:spLocks noGrp="1"/>
+          </p:cNvSpPr>
           <p:nvPr>
-            <p:ph idx="1" type="body"/>
+            <p:ph type="body" idx="1"/>
           </p:nvPr>
         </p:nvSpPr>
         <p:spPr>
@@ -2981,11 +3064,11 @@
           </a:ln>
         </p:spPr>
         <p:txBody>
-          <a:bodyPr anchorCtr="0" anchor="t" bIns="91425" lIns="91425" spcFirstLastPara="1" rIns="91425" wrap="square" tIns="91425">
+          <a:bodyPr spcFirstLastPara="1" wrap="square" lIns="91425" tIns="91425" rIns="91425" bIns="91425" anchor="t" anchorCtr="0">
             <a:noAutofit/>
           </a:bodyPr>
           <a:lstStyle>
-            <a:lvl1pPr indent="-342900" lvl="0" marL="457200" algn="ctr">
+            <a:lvl1pPr marL="457200" lvl="0" indent="-342900" algn="ctr">
               <a:lnSpc>
                 <a:spcPct val="115000"/>
               </a:lnSpc>
@@ -2999,7 +3082,7 @@
               <a:buChar char="●"/>
               <a:defRPr/>
             </a:lvl1pPr>
-            <a:lvl2pPr indent="-317500" lvl="1" marL="914400" algn="ctr">
+            <a:lvl2pPr marL="914400" lvl="1" indent="-317500" algn="ctr">
               <a:lnSpc>
                 <a:spcPct val="115000"/>
               </a:lnSpc>
@@ -3013,7 +3096,7 @@
               <a:buChar char="○"/>
               <a:defRPr/>
             </a:lvl2pPr>
-            <a:lvl3pPr indent="-317500" lvl="2" marL="1371600" algn="ctr">
+            <a:lvl3pPr marL="1371600" lvl="2" indent="-317500" algn="ctr">
               <a:lnSpc>
                 <a:spcPct val="115000"/>
               </a:lnSpc>
@@ -3027,7 +3110,7 @@
               <a:buChar char="■"/>
               <a:defRPr/>
             </a:lvl3pPr>
-            <a:lvl4pPr indent="-317500" lvl="3" marL="1828800" algn="ctr">
+            <a:lvl4pPr marL="1828800" lvl="3" indent="-317500" algn="ctr">
               <a:lnSpc>
                 <a:spcPct val="115000"/>
               </a:lnSpc>
@@ -3041,7 +3124,7 @@
               <a:buChar char="●"/>
               <a:defRPr/>
             </a:lvl4pPr>
-            <a:lvl5pPr indent="-317500" lvl="4" marL="2286000" algn="ctr">
+            <a:lvl5pPr marL="2286000" lvl="4" indent="-317500" algn="ctr">
               <a:lnSpc>
                 <a:spcPct val="115000"/>
               </a:lnSpc>
@@ -3055,7 +3138,7 @@
               <a:buChar char="○"/>
               <a:defRPr/>
             </a:lvl5pPr>
-            <a:lvl6pPr indent="-317500" lvl="5" marL="2743200" algn="ctr">
+            <a:lvl6pPr marL="2743200" lvl="5" indent="-317500" algn="ctr">
               <a:lnSpc>
                 <a:spcPct val="115000"/>
               </a:lnSpc>
@@ -3069,7 +3152,7 @@
               <a:buChar char="■"/>
               <a:defRPr/>
             </a:lvl6pPr>
-            <a:lvl7pPr indent="-317500" lvl="6" marL="3200400" algn="ctr">
+            <a:lvl7pPr marL="3200400" lvl="6" indent="-317500" algn="ctr">
               <a:lnSpc>
                 <a:spcPct val="115000"/>
               </a:lnSpc>
@@ -3083,7 +3166,7 @@
               <a:buChar char="●"/>
               <a:defRPr/>
             </a:lvl7pPr>
-            <a:lvl8pPr indent="-317500" lvl="7" marL="3657600" algn="ctr">
+            <a:lvl8pPr marL="3657600" lvl="7" indent="-317500" algn="ctr">
               <a:lnSpc>
                 <a:spcPct val="115000"/>
               </a:lnSpc>
@@ -3097,7 +3180,7 @@
               <a:buChar char="○"/>
               <a:defRPr/>
             </a:lvl8pPr>
-            <a:lvl9pPr indent="-317500" lvl="8" marL="4114800" algn="ctr">
+            <a:lvl9pPr marL="4114800" lvl="8" indent="-317500" algn="ctr">
               <a:lnSpc>
                 <a:spcPct val="115000"/>
               </a:lnSpc>
@@ -3112,15 +3195,19 @@
               <a:defRPr/>
             </a:lvl9pPr>
           </a:lstStyle>
-          <a:p/>
+          <a:p>
+            <a:endParaRPr/>
+          </a:p>
         </p:txBody>
       </p:sp>
       <p:sp>
         <p:nvSpPr>
           <p:cNvPr id="59" name="Google Shape;59;p22"/>
-          <p:cNvSpPr txBox="1"/>
+          <p:cNvSpPr txBox="1">
+            <a:spLocks noGrp="1"/>
+          </p:cNvSpPr>
           <p:nvPr>
-            <p:ph idx="12" type="sldNum"/>
+            <p:ph type="sldNum" idx="12"/>
           </p:nvPr>
         </p:nvSpPr>
         <p:spPr>
@@ -3137,11 +3224,11 @@
           </a:ln>
         </p:spPr>
         <p:txBody>
-          <a:bodyPr anchorCtr="0" anchor="ctr" bIns="91425" lIns="91425" spcFirstLastPara="1" rIns="91425" wrap="square" tIns="91425">
+          <a:bodyPr spcFirstLastPara="1" wrap="square" lIns="91425" tIns="91425" rIns="91425" bIns="91425" anchor="ctr" anchorCtr="0">
             <a:noAutofit/>
           </a:bodyPr>
           <a:lstStyle>
-            <a:lvl1pPr indent="0" lvl="0" marL="0" marR="0" algn="r">
+            <a:lvl1pPr marL="0" marR="0" lvl="0" indent="0" algn="r">
               <a:lnSpc>
                 <a:spcPct val="100000"/>
               </a:lnSpc>
@@ -3157,7 +3244,7 @@
               <a:buSzPts val="1000"/>
               <a:buFont typeface="Arial"/>
               <a:buNone/>
-              <a:defRPr b="0" i="0" sz="1000" u="none" cap="none" strike="noStrike">
+              <a:defRPr sz="1000" b="0" i="0" u="none" strike="noStrike" cap="none">
                 <a:solidFill>
                   <a:schemeClr val="lt2"/>
                 </a:solidFill>
@@ -3167,7 +3254,7 @@
                 <a:sym typeface="Roboto"/>
               </a:defRPr>
             </a:lvl1pPr>
-            <a:lvl2pPr indent="0" lvl="1" marL="0" marR="0" algn="r">
+            <a:lvl2pPr marL="0" marR="0" lvl="1" indent="0" algn="r">
               <a:lnSpc>
                 <a:spcPct val="100000"/>
               </a:lnSpc>
@@ -3183,7 +3270,7 @@
               <a:buSzPts val="1000"/>
               <a:buFont typeface="Arial"/>
               <a:buNone/>
-              <a:defRPr b="0" i="0" sz="1000" u="none" cap="none" strike="noStrike">
+              <a:defRPr sz="1000" b="0" i="0" u="none" strike="noStrike" cap="none">
                 <a:solidFill>
                   <a:schemeClr val="lt2"/>
                 </a:solidFill>
@@ -3193,7 +3280,7 @@
                 <a:sym typeface="Roboto"/>
               </a:defRPr>
             </a:lvl2pPr>
-            <a:lvl3pPr indent="0" lvl="2" marL="0" marR="0" algn="r">
+            <a:lvl3pPr marL="0" marR="0" lvl="2" indent="0" algn="r">
               <a:lnSpc>
                 <a:spcPct val="100000"/>
               </a:lnSpc>
@@ -3209,7 +3296,7 @@
               <a:buSzPts val="1000"/>
               <a:buFont typeface="Arial"/>
               <a:buNone/>
-              <a:defRPr b="0" i="0" sz="1000" u="none" cap="none" strike="noStrike">
+              <a:defRPr sz="1000" b="0" i="0" u="none" strike="noStrike" cap="none">
                 <a:solidFill>
                   <a:schemeClr val="lt2"/>
                 </a:solidFill>
@@ -3219,7 +3306,7 @@
                 <a:sym typeface="Roboto"/>
               </a:defRPr>
             </a:lvl3pPr>
-            <a:lvl4pPr indent="0" lvl="3" marL="0" marR="0" algn="r">
+            <a:lvl4pPr marL="0" marR="0" lvl="3" indent="0" algn="r">
               <a:lnSpc>
                 <a:spcPct val="100000"/>
               </a:lnSpc>
@@ -3235,7 +3322,7 @@
               <a:buSzPts val="1000"/>
               <a:buFont typeface="Arial"/>
               <a:buNone/>
-              <a:defRPr b="0" i="0" sz="1000" u="none" cap="none" strike="noStrike">
+              <a:defRPr sz="1000" b="0" i="0" u="none" strike="noStrike" cap="none">
                 <a:solidFill>
                   <a:schemeClr val="lt2"/>
                 </a:solidFill>
@@ -3245,7 +3332,7 @@
                 <a:sym typeface="Roboto"/>
               </a:defRPr>
             </a:lvl4pPr>
-            <a:lvl5pPr indent="0" lvl="4" marL="0" marR="0" algn="r">
+            <a:lvl5pPr marL="0" marR="0" lvl="4" indent="0" algn="r">
               <a:lnSpc>
                 <a:spcPct val="100000"/>
               </a:lnSpc>
@@ -3261,7 +3348,7 @@
               <a:buSzPts val="1000"/>
               <a:buFont typeface="Arial"/>
               <a:buNone/>
-              <a:defRPr b="0" i="0" sz="1000" u="none" cap="none" strike="noStrike">
+              <a:defRPr sz="1000" b="0" i="0" u="none" strike="noStrike" cap="none">
                 <a:solidFill>
                   <a:schemeClr val="lt2"/>
                 </a:solidFill>
@@ -3271,7 +3358,7 @@
                 <a:sym typeface="Roboto"/>
               </a:defRPr>
             </a:lvl5pPr>
-            <a:lvl6pPr indent="0" lvl="5" marL="0" marR="0" algn="r">
+            <a:lvl6pPr marL="0" marR="0" lvl="5" indent="0" algn="r">
               <a:lnSpc>
                 <a:spcPct val="100000"/>
               </a:lnSpc>
@@ -3287,7 +3374,7 @@
               <a:buSzPts val="1000"/>
               <a:buFont typeface="Arial"/>
               <a:buNone/>
-              <a:defRPr b="0" i="0" sz="1000" u="none" cap="none" strike="noStrike">
+              <a:defRPr sz="1000" b="0" i="0" u="none" strike="noStrike" cap="none">
                 <a:solidFill>
                   <a:schemeClr val="lt2"/>
                 </a:solidFill>
@@ -3297,7 +3384,7 @@
                 <a:sym typeface="Roboto"/>
               </a:defRPr>
             </a:lvl6pPr>
-            <a:lvl7pPr indent="0" lvl="6" marL="0" marR="0" algn="r">
+            <a:lvl7pPr marL="0" marR="0" lvl="6" indent="0" algn="r">
               <a:lnSpc>
                 <a:spcPct val="100000"/>
               </a:lnSpc>
@@ -3313,7 +3400,7 @@
               <a:buSzPts val="1000"/>
               <a:buFont typeface="Arial"/>
               <a:buNone/>
-              <a:defRPr b="0" i="0" sz="1000" u="none" cap="none" strike="noStrike">
+              <a:defRPr sz="1000" b="0" i="0" u="none" strike="noStrike" cap="none">
                 <a:solidFill>
                   <a:schemeClr val="lt2"/>
                 </a:solidFill>
@@ -3323,7 +3410,7 @@
                 <a:sym typeface="Roboto"/>
               </a:defRPr>
             </a:lvl7pPr>
-            <a:lvl8pPr indent="0" lvl="7" marL="0" marR="0" algn="r">
+            <a:lvl8pPr marL="0" marR="0" lvl="7" indent="0" algn="r">
               <a:lnSpc>
                 <a:spcPct val="100000"/>
               </a:lnSpc>
@@ -3339,7 +3426,7 @@
               <a:buSzPts val="1000"/>
               <a:buFont typeface="Arial"/>
               <a:buNone/>
-              <a:defRPr b="0" i="0" sz="1000" u="none" cap="none" strike="noStrike">
+              <a:defRPr sz="1000" b="0" i="0" u="none" strike="noStrike" cap="none">
                 <a:solidFill>
                   <a:schemeClr val="lt2"/>
                 </a:solidFill>
@@ -3349,7 +3436,7 @@
                 <a:sym typeface="Roboto"/>
               </a:defRPr>
             </a:lvl8pPr>
-            <a:lvl9pPr indent="0" lvl="8" marL="0" marR="0" algn="r">
+            <a:lvl9pPr marL="0" marR="0" lvl="8" indent="0" algn="r">
               <a:lnSpc>
                 <a:spcPct val="100000"/>
               </a:lnSpc>
@@ -3365,7 +3452,7 @@
               <a:buSzPts val="1000"/>
               <a:buFont typeface="Arial"/>
               <a:buNone/>
-              <a:defRPr b="0" i="0" sz="1000" u="none" cap="none" strike="noStrike">
+              <a:defRPr sz="1000" b="0" i="0" u="none" strike="noStrike" cap="none">
                 <a:solidFill>
                   <a:schemeClr val="lt2"/>
                 </a:solidFill>
@@ -3377,7 +3464,7 @@
             </a:lvl9pPr>
           </a:lstStyle>
           <a:p>
-            <a:pPr indent="0" lvl="0" marL="0" rtl="0" algn="r">
+            <a:pPr marL="0" lvl="0" indent="0" algn="r" rtl="0">
               <a:spcBef>
                 <a:spcPts val="0"/>
               </a:spcBef>
@@ -3403,18 +3490,19 @@
 </file>
 
 <file path=ppt/slideLayouts/slideLayout11.xml><?xml version="1.0" encoding="utf-8"?>
-<p:sldLayout xmlns:a="http://schemas.openxmlformats.org/drawingml/2006/main" xmlns:r="http://schemas.openxmlformats.org/officeDocument/2006/relationships" xmlns:mc="http://schemas.openxmlformats.org/markup-compatibility/2006" xmlns:mv="urn:schemas-microsoft-com:mac:vml" xmlns:p="http://schemas.openxmlformats.org/presentationml/2006/main" xmlns:c="http://schemas.openxmlformats.org/drawingml/2006/chart" xmlns:dgm="http://schemas.openxmlformats.org/drawingml/2006/diagram" xmlns:o="urn:schemas-microsoft-com:office:office" xmlns:v="urn:schemas-microsoft-com:vml" xmlns:pvml="urn:schemas-microsoft-com:office:powerpoint" xmlns:com="http://schemas.openxmlformats.org/drawingml/2006/compatibility" xmlns:p14="http://schemas.microsoft.com/office/powerpoint/2010/main" xmlns:p15="http://schemas.microsoft.com/office/powerpoint/2012/main" xmlns:ahyp="http://schemas.microsoft.com/office/drawing/2018/hyperlinkcolor" matchingName="Blank" type="blank">
+<p:sldLayout xmlns:a="http://schemas.openxmlformats.org/drawingml/2006/main" xmlns:r="http://schemas.openxmlformats.org/officeDocument/2006/relationships" xmlns:p="http://schemas.openxmlformats.org/presentationml/2006/main" matchingName="Blank" type="blank">
   <p:cSld name="BLANK">
     <p:bg>
       <p:bgPr>
         <a:solidFill>
           <a:schemeClr val="accent4"/>
         </a:solidFill>
+        <a:effectLst/>
       </p:bgPr>
     </p:bg>
     <p:spTree>
       <p:nvGrpSpPr>
-        <p:cNvPr id="60" name="Shape 60"/>
+        <p:cNvPr id="1" name="Shape 60"/>
         <p:cNvGrpSpPr/>
         <p:nvPr/>
       </p:nvGrpSpPr>
@@ -3429,9 +3517,11 @@
       <p:sp>
         <p:nvSpPr>
           <p:cNvPr id="61" name="Google Shape;61;p23"/>
-          <p:cNvSpPr txBox="1"/>
+          <p:cNvSpPr txBox="1">
+            <a:spLocks noGrp="1"/>
+          </p:cNvSpPr>
           <p:nvPr>
-            <p:ph idx="12" type="sldNum"/>
+            <p:ph type="sldNum" idx="12"/>
           </p:nvPr>
         </p:nvSpPr>
         <p:spPr>
@@ -3448,11 +3538,11 @@
           </a:ln>
         </p:spPr>
         <p:txBody>
-          <a:bodyPr anchorCtr="0" anchor="ctr" bIns="91425" lIns="91425" spcFirstLastPara="1" rIns="91425" wrap="square" tIns="91425">
+          <a:bodyPr spcFirstLastPara="1" wrap="square" lIns="91425" tIns="91425" rIns="91425" bIns="91425" anchor="ctr" anchorCtr="0">
             <a:noAutofit/>
           </a:bodyPr>
           <a:lstStyle>
-            <a:lvl1pPr indent="0" lvl="0" marL="0" marR="0" algn="r">
+            <a:lvl1pPr marL="0" marR="0" lvl="0" indent="0" algn="r">
               <a:lnSpc>
                 <a:spcPct val="100000"/>
               </a:lnSpc>
@@ -3468,7 +3558,7 @@
               <a:buSzPts val="1000"/>
               <a:buFont typeface="Arial"/>
               <a:buNone/>
-              <a:defRPr b="0" i="0" sz="1000" u="none" cap="none" strike="noStrike">
+              <a:defRPr sz="1000" b="0" i="0" u="none" strike="noStrike" cap="none">
                 <a:solidFill>
                   <a:schemeClr val="lt2"/>
                 </a:solidFill>
@@ -3478,7 +3568,7 @@
                 <a:sym typeface="Roboto"/>
               </a:defRPr>
             </a:lvl1pPr>
-            <a:lvl2pPr indent="0" lvl="1" marL="0" marR="0" algn="r">
+            <a:lvl2pPr marL="0" marR="0" lvl="1" indent="0" algn="r">
               <a:lnSpc>
                 <a:spcPct val="100000"/>
               </a:lnSpc>
@@ -3494,7 +3584,7 @@
               <a:buSzPts val="1000"/>
               <a:buFont typeface="Arial"/>
               <a:buNone/>
-              <a:defRPr b="0" i="0" sz="1000" u="none" cap="none" strike="noStrike">
+              <a:defRPr sz="1000" b="0" i="0" u="none" strike="noStrike" cap="none">
                 <a:solidFill>
                   <a:schemeClr val="lt2"/>
                 </a:solidFill>
@@ -3504,7 +3594,7 @@
                 <a:sym typeface="Roboto"/>
               </a:defRPr>
             </a:lvl2pPr>
-            <a:lvl3pPr indent="0" lvl="2" marL="0" marR="0" algn="r">
+            <a:lvl3pPr marL="0" marR="0" lvl="2" indent="0" algn="r">
               <a:lnSpc>
                 <a:spcPct val="100000"/>
               </a:lnSpc>
@@ -3520,7 +3610,7 @@
               <a:buSzPts val="1000"/>
               <a:buFont typeface="Arial"/>
               <a:buNone/>
-              <a:defRPr b="0" i="0" sz="1000" u="none" cap="none" strike="noStrike">
+              <a:defRPr sz="1000" b="0" i="0" u="none" strike="noStrike" cap="none">
                 <a:solidFill>
                   <a:schemeClr val="lt2"/>
                 </a:solidFill>
@@ -3530,7 +3620,7 @@
                 <a:sym typeface="Roboto"/>
               </a:defRPr>
             </a:lvl3pPr>
-            <a:lvl4pPr indent="0" lvl="3" marL="0" marR="0" algn="r">
+            <a:lvl4pPr marL="0" marR="0" lvl="3" indent="0" algn="r">
               <a:lnSpc>
                 <a:spcPct val="100000"/>
               </a:lnSpc>
@@ -3546,7 +3636,7 @@
               <a:buSzPts val="1000"/>
               <a:buFont typeface="Arial"/>
               <a:buNone/>
-              <a:defRPr b="0" i="0" sz="1000" u="none" cap="none" strike="noStrike">
+              <a:defRPr sz="1000" b="0" i="0" u="none" strike="noStrike" cap="none">
                 <a:solidFill>
                   <a:schemeClr val="lt2"/>
                 </a:solidFill>
@@ -3556,7 +3646,7 @@
                 <a:sym typeface="Roboto"/>
               </a:defRPr>
             </a:lvl4pPr>
-            <a:lvl5pPr indent="0" lvl="4" marL="0" marR="0" algn="r">
+            <a:lvl5pPr marL="0" marR="0" lvl="4" indent="0" algn="r">
               <a:lnSpc>
                 <a:spcPct val="100000"/>
               </a:lnSpc>
@@ -3572,7 +3662,7 @@
               <a:buSzPts val="1000"/>
               <a:buFont typeface="Arial"/>
               <a:buNone/>
-              <a:defRPr b="0" i="0" sz="1000" u="none" cap="none" strike="noStrike">
+              <a:defRPr sz="1000" b="0" i="0" u="none" strike="noStrike" cap="none">
                 <a:solidFill>
                   <a:schemeClr val="lt2"/>
                 </a:solidFill>
@@ -3582,7 +3672,7 @@
                 <a:sym typeface="Roboto"/>
               </a:defRPr>
             </a:lvl5pPr>
-            <a:lvl6pPr indent="0" lvl="5" marL="0" marR="0" algn="r">
+            <a:lvl6pPr marL="0" marR="0" lvl="5" indent="0" algn="r">
               <a:lnSpc>
                 <a:spcPct val="100000"/>
               </a:lnSpc>
@@ -3598,7 +3688,7 @@
               <a:buSzPts val="1000"/>
               <a:buFont typeface="Arial"/>
               <a:buNone/>
-              <a:defRPr b="0" i="0" sz="1000" u="none" cap="none" strike="noStrike">
+              <a:defRPr sz="1000" b="0" i="0" u="none" strike="noStrike" cap="none">
                 <a:solidFill>
                   <a:schemeClr val="lt2"/>
                 </a:solidFill>
@@ -3608,7 +3698,7 @@
                 <a:sym typeface="Roboto"/>
               </a:defRPr>
             </a:lvl6pPr>
-            <a:lvl7pPr indent="0" lvl="6" marL="0" marR="0" algn="r">
+            <a:lvl7pPr marL="0" marR="0" lvl="6" indent="0" algn="r">
               <a:lnSpc>
                 <a:spcPct val="100000"/>
               </a:lnSpc>
@@ -3624,7 +3714,7 @@
               <a:buSzPts val="1000"/>
               <a:buFont typeface="Arial"/>
               <a:buNone/>
-              <a:defRPr b="0" i="0" sz="1000" u="none" cap="none" strike="noStrike">
+              <a:defRPr sz="1000" b="0" i="0" u="none" strike="noStrike" cap="none">
                 <a:solidFill>
                   <a:schemeClr val="lt2"/>
                 </a:solidFill>
@@ -3634,7 +3724,7 @@
                 <a:sym typeface="Roboto"/>
               </a:defRPr>
             </a:lvl7pPr>
-            <a:lvl8pPr indent="0" lvl="7" marL="0" marR="0" algn="r">
+            <a:lvl8pPr marL="0" marR="0" lvl="7" indent="0" algn="r">
               <a:lnSpc>
                 <a:spcPct val="100000"/>
               </a:lnSpc>
@@ -3650,7 +3740,7 @@
               <a:buSzPts val="1000"/>
               <a:buFont typeface="Arial"/>
               <a:buNone/>
-              <a:defRPr b="0" i="0" sz="1000" u="none" cap="none" strike="noStrike">
+              <a:defRPr sz="1000" b="0" i="0" u="none" strike="noStrike" cap="none">
                 <a:solidFill>
                   <a:schemeClr val="lt2"/>
                 </a:solidFill>
@@ -3660,7 +3750,7 @@
                 <a:sym typeface="Roboto"/>
               </a:defRPr>
             </a:lvl8pPr>
-            <a:lvl9pPr indent="0" lvl="8" marL="0" marR="0" algn="r">
+            <a:lvl9pPr marL="0" marR="0" lvl="8" indent="0" algn="r">
               <a:lnSpc>
                 <a:spcPct val="100000"/>
               </a:lnSpc>
@@ -3676,7 +3766,7 @@
               <a:buSzPts val="1000"/>
               <a:buFont typeface="Arial"/>
               <a:buNone/>
-              <a:defRPr b="0" i="0" sz="1000" u="none" cap="none" strike="noStrike">
+              <a:defRPr sz="1000" b="0" i="0" u="none" strike="noStrike" cap="none">
                 <a:solidFill>
                   <a:schemeClr val="lt2"/>
                 </a:solidFill>
@@ -3688,7 +3778,7 @@
             </a:lvl9pPr>
           </a:lstStyle>
           <a:p>
-            <a:pPr indent="0" lvl="0" marL="0" rtl="0" algn="r">
+            <a:pPr marL="0" lvl="0" indent="0" algn="r" rtl="0">
               <a:spcBef>
                 <a:spcPts val="0"/>
               </a:spcBef>
@@ -3714,11 +3804,11 @@
 </file>
 
 <file path=ppt/slideLayouts/slideLayout2.xml><?xml version="1.0" encoding="utf-8"?>
-<p:sldLayout xmlns:a="http://schemas.openxmlformats.org/drawingml/2006/main" xmlns:r="http://schemas.openxmlformats.org/officeDocument/2006/relationships" xmlns:mc="http://schemas.openxmlformats.org/markup-compatibility/2006" xmlns:mv="urn:schemas-microsoft-com:mac:vml" xmlns:p="http://schemas.openxmlformats.org/presentationml/2006/main" xmlns:c="http://schemas.openxmlformats.org/drawingml/2006/chart" xmlns:dgm="http://schemas.openxmlformats.org/drawingml/2006/diagram" xmlns:o="urn:schemas-microsoft-com:office:office" xmlns:v="urn:schemas-microsoft-com:vml" xmlns:pvml="urn:schemas-microsoft-com:office:powerpoint" xmlns:com="http://schemas.openxmlformats.org/drawingml/2006/compatibility" xmlns:p14="http://schemas.microsoft.com/office/powerpoint/2010/main" xmlns:p15="http://schemas.microsoft.com/office/powerpoint/2012/main" xmlns:ahyp="http://schemas.microsoft.com/office/drawing/2018/hyperlinkcolor" matchingName="Section header - R01" type="secHead">
+<p:sldLayout xmlns:a="http://schemas.openxmlformats.org/drawingml/2006/main" xmlns:r="http://schemas.openxmlformats.org/officeDocument/2006/relationships" xmlns:p="http://schemas.openxmlformats.org/presentationml/2006/main" matchingName="Section header - R01" type="secHead">
   <p:cSld name="SECTION_HEADER">
     <p:spTree>
       <p:nvGrpSpPr>
-        <p:cNvPr id="14" name="Shape 14"/>
+        <p:cNvPr id="1" name="Shape 14"/>
         <p:cNvGrpSpPr/>
         <p:nvPr/>
       </p:nvGrpSpPr>
@@ -3733,7 +3823,9 @@
       <p:sp>
         <p:nvSpPr>
           <p:cNvPr id="15" name="Google Shape;15;p14"/>
-          <p:cNvSpPr txBox="1"/>
+          <p:cNvSpPr txBox="1">
+            <a:spLocks noGrp="1"/>
+          </p:cNvSpPr>
           <p:nvPr>
             <p:ph type="title"/>
           </p:nvPr>
@@ -3752,7 +3844,7 @@
           </a:ln>
         </p:spPr>
         <p:txBody>
-          <a:bodyPr anchorCtr="0" anchor="ctr" bIns="91425" lIns="91425" spcFirstLastPara="1" rIns="91425" wrap="square" tIns="91425">
+          <a:bodyPr spcFirstLastPara="1" wrap="square" lIns="91425" tIns="91425" rIns="91425" bIns="91425" anchor="ctr" anchorCtr="0">
             <a:noAutofit/>
           </a:bodyPr>
           <a:lstStyle>
@@ -3883,7 +3975,9 @@
               <a:defRPr sz="4200"/>
             </a:lvl9pPr>
           </a:lstStyle>
-          <a:p/>
+          <a:p>
+            <a:endParaRPr/>
+          </a:p>
         </p:txBody>
       </p:sp>
     </p:spTree>
@@ -3895,11 +3989,11 @@
 </file>
 
 <file path=ppt/slideLayouts/slideLayout3.xml><?xml version="1.0" encoding="utf-8"?>
-<p:sldLayout xmlns:a="http://schemas.openxmlformats.org/drawingml/2006/main" xmlns:r="http://schemas.openxmlformats.org/officeDocument/2006/relationships" xmlns:mc="http://schemas.openxmlformats.org/markup-compatibility/2006" xmlns:mv="urn:schemas-microsoft-com:mac:vml" xmlns:p="http://schemas.openxmlformats.org/presentationml/2006/main" xmlns:c="http://schemas.openxmlformats.org/drawingml/2006/chart" xmlns:dgm="http://schemas.openxmlformats.org/drawingml/2006/diagram" xmlns:o="urn:schemas-microsoft-com:office:office" xmlns:v="urn:schemas-microsoft-com:vml" xmlns:pvml="urn:schemas-microsoft-com:office:powerpoint" xmlns:com="http://schemas.openxmlformats.org/drawingml/2006/compatibility" xmlns:p14="http://schemas.microsoft.com/office/powerpoint/2010/main" xmlns:p15="http://schemas.microsoft.com/office/powerpoint/2012/main" xmlns:ahyp="http://schemas.microsoft.com/office/drawing/2018/hyperlinkcolor" matchingName="Title and body - R01" type="tx">
+<p:sldLayout xmlns:a="http://schemas.openxmlformats.org/drawingml/2006/main" xmlns:r="http://schemas.openxmlformats.org/officeDocument/2006/relationships" xmlns:p="http://schemas.openxmlformats.org/presentationml/2006/main" matchingName="Title and body - R01" type="tx">
   <p:cSld name="TITLE_AND_BODY">
     <p:spTree>
       <p:nvGrpSpPr>
-        <p:cNvPr id="16" name="Shape 16"/>
+        <p:cNvPr id="1" name="Shape 16"/>
         <p:cNvGrpSpPr/>
         <p:nvPr/>
       </p:nvGrpSpPr>
@@ -3918,7 +4012,7 @@
           <p:nvPr/>
         </p:nvSpPr>
         <p:spPr>
-          <a:xfrm flipH="1" rot="10800000">
+          <a:xfrm rot="10800000" flipH="1">
             <a:off x="0" y="728400"/>
             <a:ext cx="9144000" cy="4085400"/>
           </a:xfrm>
@@ -3933,12 +4027,12 @@
           </a:ln>
         </p:spPr>
         <p:txBody>
-          <a:bodyPr anchorCtr="0" anchor="ctr" bIns="91425" lIns="91425" spcFirstLastPara="1" rIns="91425" wrap="square" tIns="91425">
+          <a:bodyPr spcFirstLastPara="1" wrap="square" lIns="91425" tIns="91425" rIns="91425" bIns="91425" anchor="ctr" anchorCtr="0">
             <a:noAutofit/>
           </a:bodyPr>
           <a:lstStyle/>
           <a:p>
-            <a:pPr indent="0" lvl="0" marL="0" marR="0" rtl="0" algn="l">
+            <a:pPr marL="0" marR="0" lvl="0" indent="0" algn="l" rtl="0">
               <a:lnSpc>
                 <a:spcPct val="100000"/>
               </a:lnSpc>
@@ -3955,10 +4049,7 @@
               <a:buFont typeface="Arial"/>
               <a:buNone/>
             </a:pPr>
-            <a:r>
-              <a:t/>
-            </a:r>
-            <a:endParaRPr b="0" i="0" sz="1400" u="none" cap="none" strike="noStrike">
+            <a:endParaRPr sz="1400" b="0" i="0" u="none" strike="noStrike" cap="none">
               <a:solidFill>
                 <a:srgbClr val="000000"/>
               </a:solidFill>
@@ -4006,12 +4097,12 @@
           </a:ln>
         </p:spPr>
         <p:txBody>
-          <a:bodyPr anchorCtr="0" anchor="ctr" bIns="91425" lIns="91425" spcFirstLastPara="1" rIns="91425" wrap="square" tIns="91425">
+          <a:bodyPr spcFirstLastPara="1" wrap="square" lIns="91425" tIns="91425" rIns="91425" bIns="91425" anchor="ctr" anchorCtr="0">
             <a:noAutofit/>
           </a:bodyPr>
           <a:lstStyle/>
           <a:p>
-            <a:pPr indent="0" lvl="0" marL="0" marR="0" rtl="0" algn="l">
+            <a:pPr marL="0" marR="0" lvl="0" indent="0" algn="l" rtl="0">
               <a:lnSpc>
                 <a:spcPct val="100000"/>
               </a:lnSpc>
@@ -4028,10 +4119,7 @@
               <a:buFont typeface="Arial"/>
               <a:buNone/>
             </a:pPr>
-            <a:r>
-              <a:t/>
-            </a:r>
-            <a:endParaRPr b="0" i="0" sz="1400" u="none" cap="none" strike="noStrike">
+            <a:endParaRPr sz="1400" b="0" i="0" u="none" strike="noStrike" cap="none">
               <a:solidFill>
                 <a:srgbClr val="000000"/>
               </a:solidFill>
@@ -4046,7 +4134,9 @@
       <p:sp>
         <p:nvSpPr>
           <p:cNvPr id="19" name="Google Shape;19;p15"/>
-          <p:cNvSpPr txBox="1"/>
+          <p:cNvSpPr txBox="1">
+            <a:spLocks noGrp="1"/>
+          </p:cNvSpPr>
           <p:nvPr>
             <p:ph type="title"/>
           </p:nvPr>
@@ -4065,7 +4155,7 @@
           </a:ln>
         </p:spPr>
         <p:txBody>
-          <a:bodyPr anchorCtr="0" anchor="b" bIns="91425" lIns="91425" spcFirstLastPara="1" rIns="91425" wrap="square" tIns="91425">
+          <a:bodyPr spcFirstLastPara="1" wrap="square" lIns="91425" tIns="91425" rIns="91425" bIns="91425" anchor="b" anchorCtr="0">
             <a:noAutofit/>
           </a:bodyPr>
           <a:lstStyle>
@@ -4196,15 +4286,19 @@
               <a:defRPr/>
             </a:lvl9pPr>
           </a:lstStyle>
-          <a:p/>
+          <a:p>
+            <a:endParaRPr/>
+          </a:p>
         </p:txBody>
       </p:sp>
       <p:sp>
         <p:nvSpPr>
           <p:cNvPr id="20" name="Google Shape;20;p15"/>
-          <p:cNvSpPr txBox="1"/>
+          <p:cNvSpPr txBox="1">
+            <a:spLocks noGrp="1"/>
+          </p:cNvSpPr>
           <p:nvPr>
-            <p:ph idx="1" type="body"/>
+            <p:ph type="body" idx="1"/>
           </p:nvPr>
         </p:nvSpPr>
         <p:spPr>
@@ -4221,11 +4315,11 @@
           </a:ln>
         </p:spPr>
         <p:txBody>
-          <a:bodyPr anchorCtr="0" anchor="t" bIns="91425" lIns="91425" spcFirstLastPara="1" rIns="91425" wrap="square" tIns="91425">
+          <a:bodyPr spcFirstLastPara="1" wrap="square" lIns="91425" tIns="91425" rIns="91425" bIns="91425" anchor="t" anchorCtr="0">
             <a:noAutofit/>
           </a:bodyPr>
           <a:lstStyle>
-            <a:lvl1pPr indent="-368300" lvl="0" marL="457200" algn="l">
+            <a:lvl1pPr marL="457200" lvl="0" indent="-368300" algn="l">
               <a:lnSpc>
                 <a:spcPct val="115000"/>
               </a:lnSpc>
@@ -4246,7 +4340,7 @@
                 </a:solidFill>
               </a:defRPr>
             </a:lvl1pPr>
-            <a:lvl2pPr indent="-355600" lvl="1" marL="914400" algn="l">
+            <a:lvl2pPr marL="914400" lvl="1" indent="-355600" algn="l">
               <a:lnSpc>
                 <a:spcPct val="115000"/>
               </a:lnSpc>
@@ -4267,7 +4361,7 @@
                 </a:solidFill>
               </a:defRPr>
             </a:lvl2pPr>
-            <a:lvl3pPr indent="-342900" lvl="2" marL="1371600" algn="l">
+            <a:lvl3pPr marL="1371600" lvl="2" indent="-342900" algn="l">
               <a:lnSpc>
                 <a:spcPct val="115000"/>
               </a:lnSpc>
@@ -4288,7 +4382,7 @@
                 </a:solidFill>
               </a:defRPr>
             </a:lvl3pPr>
-            <a:lvl4pPr indent="-330200" lvl="3" marL="1828800" algn="l">
+            <a:lvl4pPr marL="1828800" lvl="3" indent="-330200" algn="l">
               <a:lnSpc>
                 <a:spcPct val="115000"/>
               </a:lnSpc>
@@ -4309,7 +4403,7 @@
                 </a:solidFill>
               </a:defRPr>
             </a:lvl4pPr>
-            <a:lvl5pPr indent="-317500" lvl="4" marL="2286000" algn="l">
+            <a:lvl5pPr marL="2286000" lvl="4" indent="-317500" algn="l">
               <a:lnSpc>
                 <a:spcPct val="115000"/>
               </a:lnSpc>
@@ -4330,7 +4424,7 @@
                 </a:solidFill>
               </a:defRPr>
             </a:lvl5pPr>
-            <a:lvl6pPr indent="-317500" lvl="5" marL="2743200" algn="l">
+            <a:lvl6pPr marL="2743200" lvl="5" indent="-317500" algn="l">
               <a:lnSpc>
                 <a:spcPct val="115000"/>
               </a:lnSpc>
@@ -4351,7 +4445,7 @@
                 </a:solidFill>
               </a:defRPr>
             </a:lvl6pPr>
-            <a:lvl7pPr indent="-317500" lvl="6" marL="3200400" algn="l">
+            <a:lvl7pPr marL="3200400" lvl="6" indent="-317500" algn="l">
               <a:lnSpc>
                 <a:spcPct val="115000"/>
               </a:lnSpc>
@@ -4372,7 +4466,7 @@
                 </a:solidFill>
               </a:defRPr>
             </a:lvl7pPr>
-            <a:lvl8pPr indent="-317500" lvl="7" marL="3657600" algn="l">
+            <a:lvl8pPr marL="3657600" lvl="7" indent="-317500" algn="l">
               <a:lnSpc>
                 <a:spcPct val="115000"/>
               </a:lnSpc>
@@ -4393,7 +4487,7 @@
                 </a:solidFill>
               </a:defRPr>
             </a:lvl8pPr>
-            <a:lvl9pPr indent="-317500" lvl="8" marL="4114800" algn="l">
+            <a:lvl9pPr marL="4114800" lvl="8" indent="-317500" algn="l">
               <a:lnSpc>
                 <a:spcPct val="115000"/>
               </a:lnSpc>
@@ -4408,15 +4502,19 @@
               <a:defRPr/>
             </a:lvl9pPr>
           </a:lstStyle>
-          <a:p/>
+          <a:p>
+            <a:endParaRPr/>
+          </a:p>
         </p:txBody>
       </p:sp>
       <p:sp>
         <p:nvSpPr>
           <p:cNvPr id="21" name="Google Shape;21;p15"/>
-          <p:cNvSpPr txBox="1"/>
+          <p:cNvSpPr txBox="1">
+            <a:spLocks noGrp="1"/>
+          </p:cNvSpPr>
           <p:nvPr>
-            <p:ph idx="12" type="sldNum"/>
+            <p:ph type="sldNum" idx="12"/>
           </p:nvPr>
         </p:nvSpPr>
         <p:spPr>
@@ -4433,11 +4531,11 @@
           </a:ln>
         </p:spPr>
         <p:txBody>
-          <a:bodyPr anchorCtr="0" anchor="ctr" bIns="91425" lIns="91425" spcFirstLastPara="1" rIns="91425" wrap="square" tIns="91425">
+          <a:bodyPr spcFirstLastPara="1" wrap="square" lIns="91425" tIns="91425" rIns="91425" bIns="91425" anchor="ctr" anchorCtr="0">
             <a:noAutofit/>
           </a:bodyPr>
           <a:lstStyle>
-            <a:lvl1pPr indent="0" lvl="0" marL="0" marR="0" algn="r">
+            <a:lvl1pPr marL="0" marR="0" lvl="0" indent="0" algn="r">
               <a:lnSpc>
                 <a:spcPct val="100000"/>
               </a:lnSpc>
@@ -4453,7 +4551,7 @@
               <a:buSzPts val="1000"/>
               <a:buFont typeface="Arial"/>
               <a:buNone/>
-              <a:defRPr b="0" i="0" sz="1000" u="none" cap="none" strike="noStrike">
+              <a:defRPr sz="1000" b="0" i="0" u="none" strike="noStrike" cap="none">
                 <a:solidFill>
                   <a:schemeClr val="lt2"/>
                 </a:solidFill>
@@ -4463,7 +4561,7 @@
                 <a:sym typeface="Roboto"/>
               </a:defRPr>
             </a:lvl1pPr>
-            <a:lvl2pPr indent="0" lvl="1" marL="0" marR="0" algn="r">
+            <a:lvl2pPr marL="0" marR="0" lvl="1" indent="0" algn="r">
               <a:lnSpc>
                 <a:spcPct val="100000"/>
               </a:lnSpc>
@@ -4479,7 +4577,7 @@
               <a:buSzPts val="1000"/>
               <a:buFont typeface="Arial"/>
               <a:buNone/>
-              <a:defRPr b="0" i="0" sz="1000" u="none" cap="none" strike="noStrike">
+              <a:defRPr sz="1000" b="0" i="0" u="none" strike="noStrike" cap="none">
                 <a:solidFill>
                   <a:schemeClr val="lt2"/>
                 </a:solidFill>
@@ -4489,7 +4587,7 @@
                 <a:sym typeface="Roboto"/>
               </a:defRPr>
             </a:lvl2pPr>
-            <a:lvl3pPr indent="0" lvl="2" marL="0" marR="0" algn="r">
+            <a:lvl3pPr marL="0" marR="0" lvl="2" indent="0" algn="r">
               <a:lnSpc>
                 <a:spcPct val="100000"/>
               </a:lnSpc>
@@ -4505,7 +4603,7 @@
               <a:buSzPts val="1000"/>
               <a:buFont typeface="Arial"/>
               <a:buNone/>
-              <a:defRPr b="0" i="0" sz="1000" u="none" cap="none" strike="noStrike">
+              <a:defRPr sz="1000" b="0" i="0" u="none" strike="noStrike" cap="none">
                 <a:solidFill>
                   <a:schemeClr val="lt2"/>
                 </a:solidFill>
@@ -4515,7 +4613,7 @@
                 <a:sym typeface="Roboto"/>
               </a:defRPr>
             </a:lvl3pPr>
-            <a:lvl4pPr indent="0" lvl="3" marL="0" marR="0" algn="r">
+            <a:lvl4pPr marL="0" marR="0" lvl="3" indent="0" algn="r">
               <a:lnSpc>
                 <a:spcPct val="100000"/>
               </a:lnSpc>
@@ -4531,7 +4629,7 @@
               <a:buSzPts val="1000"/>
               <a:buFont typeface="Arial"/>
               <a:buNone/>
-              <a:defRPr b="0" i="0" sz="1000" u="none" cap="none" strike="noStrike">
+              <a:defRPr sz="1000" b="0" i="0" u="none" strike="noStrike" cap="none">
                 <a:solidFill>
                   <a:schemeClr val="lt2"/>
                 </a:solidFill>
@@ -4541,7 +4639,7 @@
                 <a:sym typeface="Roboto"/>
               </a:defRPr>
             </a:lvl4pPr>
-            <a:lvl5pPr indent="0" lvl="4" marL="0" marR="0" algn="r">
+            <a:lvl5pPr marL="0" marR="0" lvl="4" indent="0" algn="r">
               <a:lnSpc>
                 <a:spcPct val="100000"/>
               </a:lnSpc>
@@ -4557,7 +4655,7 @@
               <a:buSzPts val="1000"/>
               <a:buFont typeface="Arial"/>
               <a:buNone/>
-              <a:defRPr b="0" i="0" sz="1000" u="none" cap="none" strike="noStrike">
+              <a:defRPr sz="1000" b="0" i="0" u="none" strike="noStrike" cap="none">
                 <a:solidFill>
                   <a:schemeClr val="lt2"/>
                 </a:solidFill>
@@ -4567,7 +4665,7 @@
                 <a:sym typeface="Roboto"/>
               </a:defRPr>
             </a:lvl5pPr>
-            <a:lvl6pPr indent="0" lvl="5" marL="0" marR="0" algn="r">
+            <a:lvl6pPr marL="0" marR="0" lvl="5" indent="0" algn="r">
               <a:lnSpc>
                 <a:spcPct val="100000"/>
               </a:lnSpc>
@@ -4583,7 +4681,7 @@
               <a:buSzPts val="1000"/>
               <a:buFont typeface="Arial"/>
               <a:buNone/>
-              <a:defRPr b="0" i="0" sz="1000" u="none" cap="none" strike="noStrike">
+              <a:defRPr sz="1000" b="0" i="0" u="none" strike="noStrike" cap="none">
                 <a:solidFill>
                   <a:schemeClr val="lt2"/>
                 </a:solidFill>
@@ -4593,7 +4691,7 @@
                 <a:sym typeface="Roboto"/>
               </a:defRPr>
             </a:lvl6pPr>
-            <a:lvl7pPr indent="0" lvl="6" marL="0" marR="0" algn="r">
+            <a:lvl7pPr marL="0" marR="0" lvl="6" indent="0" algn="r">
               <a:lnSpc>
                 <a:spcPct val="100000"/>
               </a:lnSpc>
@@ -4609,7 +4707,7 @@
               <a:buSzPts val="1000"/>
               <a:buFont typeface="Arial"/>
               <a:buNone/>
-              <a:defRPr b="0" i="0" sz="1000" u="none" cap="none" strike="noStrike">
+              <a:defRPr sz="1000" b="0" i="0" u="none" strike="noStrike" cap="none">
                 <a:solidFill>
                   <a:schemeClr val="lt2"/>
                 </a:solidFill>
@@ -4619,7 +4717,7 @@
                 <a:sym typeface="Roboto"/>
               </a:defRPr>
             </a:lvl7pPr>
-            <a:lvl8pPr indent="0" lvl="7" marL="0" marR="0" algn="r">
+            <a:lvl8pPr marL="0" marR="0" lvl="7" indent="0" algn="r">
               <a:lnSpc>
                 <a:spcPct val="100000"/>
               </a:lnSpc>
@@ -4635,7 +4733,7 @@
               <a:buSzPts val="1000"/>
               <a:buFont typeface="Arial"/>
               <a:buNone/>
-              <a:defRPr b="0" i="0" sz="1000" u="none" cap="none" strike="noStrike">
+              <a:defRPr sz="1000" b="0" i="0" u="none" strike="noStrike" cap="none">
                 <a:solidFill>
                   <a:schemeClr val="lt2"/>
                 </a:solidFill>
@@ -4645,7 +4743,7 @@
                 <a:sym typeface="Roboto"/>
               </a:defRPr>
             </a:lvl8pPr>
-            <a:lvl9pPr indent="0" lvl="8" marL="0" marR="0" algn="r">
+            <a:lvl9pPr marL="0" marR="0" lvl="8" indent="0" algn="r">
               <a:lnSpc>
                 <a:spcPct val="100000"/>
               </a:lnSpc>
@@ -4661,7 +4759,7 @@
               <a:buSzPts val="1000"/>
               <a:buFont typeface="Arial"/>
               <a:buNone/>
-              <a:defRPr b="0" i="0" sz="1000" u="none" cap="none" strike="noStrike">
+              <a:defRPr sz="1000" b="0" i="0" u="none" strike="noStrike" cap="none">
                 <a:solidFill>
                   <a:schemeClr val="lt2"/>
                 </a:solidFill>
@@ -4673,7 +4771,7 @@
             </a:lvl9pPr>
           </a:lstStyle>
           <a:p>
-            <a:pPr indent="0" lvl="0" marL="0" rtl="0" algn="r">
+            <a:pPr marL="0" lvl="0" indent="0" algn="r" rtl="0">
               <a:spcBef>
                 <a:spcPts val="0"/>
               </a:spcBef>
@@ -4710,12 +4808,12 @@
           </a:ln>
         </p:spPr>
         <p:txBody>
-          <a:bodyPr anchorCtr="0" anchor="ctr" bIns="91425" lIns="91425" spcFirstLastPara="1" rIns="91425" wrap="square" tIns="91425">
+          <a:bodyPr spcFirstLastPara="1" wrap="square" lIns="91425" tIns="91425" rIns="91425" bIns="91425" anchor="ctr" anchorCtr="0">
             <a:noAutofit/>
           </a:bodyPr>
           <a:lstStyle/>
           <a:p>
-            <a:pPr indent="0" lvl="0" marL="0" marR="0" rtl="0" algn="l">
+            <a:pPr marL="0" marR="0" lvl="0" indent="0" algn="l" rtl="0">
               <a:lnSpc>
                 <a:spcPct val="100000"/>
               </a:lnSpc>
@@ -4733,7 +4831,7 @@
               <a:buNone/>
             </a:pPr>
             <a:r>
-              <a:rPr b="1" i="0" lang="en" sz="1400" u="none" cap="none" strike="noStrike">
+              <a:rPr lang="en" sz="1400" b="1" i="0" u="none" strike="noStrike" cap="none">
                 <a:solidFill>
                   <a:srgbClr val="FFFFFF"/>
                 </a:solidFill>
@@ -4744,7 +4842,7 @@
               </a:rPr>
               <a:t>CS2225.CH1501.FinalPresentation</a:t>
             </a:r>
-            <a:endParaRPr b="1" i="0" sz="1400" u="none" cap="none" strike="noStrike">
+            <a:endParaRPr sz="1400" b="1" i="0" u="none" strike="noStrike" cap="none">
               <a:solidFill>
                 <a:srgbClr val="FFFFFF"/>
               </a:solidFill>
@@ -4765,11 +4863,11 @@
 </file>
 
 <file path=ppt/slideLayouts/slideLayout4.xml><?xml version="1.0" encoding="utf-8"?>
-<p:sldLayout xmlns:a="http://schemas.openxmlformats.org/drawingml/2006/main" xmlns:r="http://schemas.openxmlformats.org/officeDocument/2006/relationships" xmlns:mc="http://schemas.openxmlformats.org/markup-compatibility/2006" xmlns:mv="urn:schemas-microsoft-com:mac:vml" xmlns:p="http://schemas.openxmlformats.org/presentationml/2006/main" xmlns:c="http://schemas.openxmlformats.org/drawingml/2006/chart" xmlns:dgm="http://schemas.openxmlformats.org/drawingml/2006/diagram" xmlns:o="urn:schemas-microsoft-com:office:office" xmlns:v="urn:schemas-microsoft-com:vml" xmlns:pvml="urn:schemas-microsoft-com:office:powerpoint" xmlns:com="http://schemas.openxmlformats.org/drawingml/2006/compatibility" xmlns:p14="http://schemas.microsoft.com/office/powerpoint/2010/main" xmlns:p15="http://schemas.microsoft.com/office/powerpoint/2012/main" xmlns:ahyp="http://schemas.microsoft.com/office/drawing/2018/hyperlinkcolor" matchingName="Title and two columns" type="twoColTx">
+<p:sldLayout xmlns:a="http://schemas.openxmlformats.org/drawingml/2006/main" xmlns:r="http://schemas.openxmlformats.org/officeDocument/2006/relationships" xmlns:p="http://schemas.openxmlformats.org/presentationml/2006/main" matchingName="Title and two columns" type="twoColTx">
   <p:cSld name="TITLE_AND_TWO_COLUMNS">
     <p:spTree>
       <p:nvGrpSpPr>
-        <p:cNvPr id="23" name="Shape 23"/>
+        <p:cNvPr id="1" name="Shape 23"/>
         <p:cNvGrpSpPr/>
         <p:nvPr/>
       </p:nvGrpSpPr>
@@ -4788,7 +4886,7 @@
           <p:nvPr/>
         </p:nvSpPr>
         <p:spPr>
-          <a:xfrm flipH="1" rot="10800000">
+          <a:xfrm rot="10800000" flipH="1">
             <a:off x="0" y="1686000"/>
             <a:ext cx="9144000" cy="3457500"/>
           </a:xfrm>
@@ -4803,12 +4901,12 @@
           </a:ln>
         </p:spPr>
         <p:txBody>
-          <a:bodyPr anchorCtr="0" anchor="ctr" bIns="91425" lIns="91425" spcFirstLastPara="1" rIns="91425" wrap="square" tIns="91425">
+          <a:bodyPr spcFirstLastPara="1" wrap="square" lIns="91425" tIns="91425" rIns="91425" bIns="91425" anchor="ctr" anchorCtr="0">
             <a:noAutofit/>
           </a:bodyPr>
           <a:lstStyle/>
           <a:p>
-            <a:pPr indent="0" lvl="0" marL="0" marR="0" rtl="0" algn="l">
+            <a:pPr marL="0" marR="0" lvl="0" indent="0" algn="l" rtl="0">
               <a:lnSpc>
                 <a:spcPct val="100000"/>
               </a:lnSpc>
@@ -4825,10 +4923,7 @@
               <a:buFont typeface="Arial"/>
               <a:buNone/>
             </a:pPr>
-            <a:r>
-              <a:t/>
-            </a:r>
-            <a:endParaRPr b="0" i="0" sz="1400" u="none" cap="none" strike="noStrike">
+            <a:endParaRPr sz="1400" b="0" i="0" u="none" strike="noStrike" cap="none">
               <a:solidFill>
                 <a:srgbClr val="000000"/>
               </a:solidFill>
@@ -4876,12 +4971,12 @@
           </a:ln>
         </p:spPr>
         <p:txBody>
-          <a:bodyPr anchorCtr="0" anchor="ctr" bIns="91425" lIns="91425" spcFirstLastPara="1" rIns="91425" wrap="square" tIns="91425">
+          <a:bodyPr spcFirstLastPara="1" wrap="square" lIns="91425" tIns="91425" rIns="91425" bIns="91425" anchor="ctr" anchorCtr="0">
             <a:noAutofit/>
           </a:bodyPr>
           <a:lstStyle/>
           <a:p>
-            <a:pPr indent="0" lvl="0" marL="0" marR="0" rtl="0" algn="l">
+            <a:pPr marL="0" marR="0" lvl="0" indent="0" algn="l" rtl="0">
               <a:lnSpc>
                 <a:spcPct val="100000"/>
               </a:lnSpc>
@@ -4898,10 +4993,7 @@
               <a:buFont typeface="Arial"/>
               <a:buNone/>
             </a:pPr>
-            <a:r>
-              <a:t/>
-            </a:r>
-            <a:endParaRPr b="0" i="0" sz="1400" u="none" cap="none" strike="noStrike">
+            <a:endParaRPr sz="1400" b="0" i="0" u="none" strike="noStrike" cap="none">
               <a:solidFill>
                 <a:srgbClr val="000000"/>
               </a:solidFill>
@@ -4916,7 +5008,9 @@
       <p:sp>
         <p:nvSpPr>
           <p:cNvPr id="26" name="Google Shape;26;p16"/>
-          <p:cNvSpPr txBox="1"/>
+          <p:cNvSpPr txBox="1">
+            <a:spLocks noGrp="1"/>
+          </p:cNvSpPr>
           <p:nvPr>
             <p:ph type="title"/>
           </p:nvPr>
@@ -4935,7 +5029,7 @@
           </a:ln>
         </p:spPr>
         <p:txBody>
-          <a:bodyPr anchorCtr="0" anchor="b" bIns="91425" lIns="91425" spcFirstLastPara="1" rIns="91425" wrap="square" tIns="91425">
+          <a:bodyPr spcFirstLastPara="1" wrap="square" lIns="91425" tIns="91425" rIns="91425" bIns="91425" anchor="b" anchorCtr="0">
             <a:noAutofit/>
           </a:bodyPr>
           <a:lstStyle>
@@ -5066,15 +5160,19 @@
               <a:defRPr/>
             </a:lvl9pPr>
           </a:lstStyle>
-          <a:p/>
+          <a:p>
+            <a:endParaRPr/>
+          </a:p>
         </p:txBody>
       </p:sp>
       <p:sp>
         <p:nvSpPr>
           <p:cNvPr id="27" name="Google Shape;27;p16"/>
-          <p:cNvSpPr txBox="1"/>
+          <p:cNvSpPr txBox="1">
+            <a:spLocks noGrp="1"/>
+          </p:cNvSpPr>
           <p:nvPr>
-            <p:ph idx="1" type="body"/>
+            <p:ph type="body" idx="1"/>
           </p:nvPr>
         </p:nvSpPr>
         <p:spPr>
@@ -5091,11 +5189,11 @@
           </a:ln>
         </p:spPr>
         <p:txBody>
-          <a:bodyPr anchorCtr="0" anchor="t" bIns="91425" lIns="91425" spcFirstLastPara="1" rIns="91425" wrap="square" tIns="91425">
+          <a:bodyPr spcFirstLastPara="1" wrap="square" lIns="91425" tIns="91425" rIns="91425" bIns="91425" anchor="t" anchorCtr="0">
             <a:noAutofit/>
           </a:bodyPr>
           <a:lstStyle>
-            <a:lvl1pPr indent="-317500" lvl="0" marL="457200" algn="l">
+            <a:lvl1pPr marL="457200" lvl="0" indent="-317500" algn="l">
               <a:lnSpc>
                 <a:spcPct val="115000"/>
               </a:lnSpc>
@@ -5109,7 +5207,7 @@
               <a:buChar char="●"/>
               <a:defRPr sz="1400"/>
             </a:lvl1pPr>
-            <a:lvl2pPr indent="-304800" lvl="1" marL="914400" algn="l">
+            <a:lvl2pPr marL="914400" lvl="1" indent="-304800" algn="l">
               <a:lnSpc>
                 <a:spcPct val="115000"/>
               </a:lnSpc>
@@ -5123,7 +5221,7 @@
               <a:buChar char="○"/>
               <a:defRPr sz="1200"/>
             </a:lvl2pPr>
-            <a:lvl3pPr indent="-304800" lvl="2" marL="1371600" algn="l">
+            <a:lvl3pPr marL="1371600" lvl="2" indent="-304800" algn="l">
               <a:lnSpc>
                 <a:spcPct val="115000"/>
               </a:lnSpc>
@@ -5137,7 +5235,7 @@
               <a:buChar char="■"/>
               <a:defRPr sz="1200"/>
             </a:lvl3pPr>
-            <a:lvl4pPr indent="-304800" lvl="3" marL="1828800" algn="l">
+            <a:lvl4pPr marL="1828800" lvl="3" indent="-304800" algn="l">
               <a:lnSpc>
                 <a:spcPct val="115000"/>
               </a:lnSpc>
@@ -5151,7 +5249,7 @@
               <a:buChar char="●"/>
               <a:defRPr sz="1200"/>
             </a:lvl4pPr>
-            <a:lvl5pPr indent="-304800" lvl="4" marL="2286000" algn="l">
+            <a:lvl5pPr marL="2286000" lvl="4" indent="-304800" algn="l">
               <a:lnSpc>
                 <a:spcPct val="115000"/>
               </a:lnSpc>
@@ -5165,7 +5263,7 @@
               <a:buChar char="○"/>
               <a:defRPr sz="1200"/>
             </a:lvl5pPr>
-            <a:lvl6pPr indent="-304800" lvl="5" marL="2743200" algn="l">
+            <a:lvl6pPr marL="2743200" lvl="5" indent="-304800" algn="l">
               <a:lnSpc>
                 <a:spcPct val="115000"/>
               </a:lnSpc>
@@ -5179,7 +5277,7 @@
               <a:buChar char="■"/>
               <a:defRPr sz="1200"/>
             </a:lvl6pPr>
-            <a:lvl7pPr indent="-304800" lvl="6" marL="3200400" algn="l">
+            <a:lvl7pPr marL="3200400" lvl="6" indent="-304800" algn="l">
               <a:lnSpc>
                 <a:spcPct val="115000"/>
               </a:lnSpc>
@@ -5193,7 +5291,7 @@
               <a:buChar char="●"/>
               <a:defRPr sz="1200"/>
             </a:lvl7pPr>
-            <a:lvl8pPr indent="-304800" lvl="7" marL="3657600" algn="l">
+            <a:lvl8pPr marL="3657600" lvl="7" indent="-304800" algn="l">
               <a:lnSpc>
                 <a:spcPct val="115000"/>
               </a:lnSpc>
@@ -5207,7 +5305,7 @@
               <a:buChar char="○"/>
               <a:defRPr sz="1200"/>
             </a:lvl8pPr>
-            <a:lvl9pPr indent="-304800" lvl="8" marL="4114800" algn="l">
+            <a:lvl9pPr marL="4114800" lvl="8" indent="-304800" algn="l">
               <a:lnSpc>
                 <a:spcPct val="115000"/>
               </a:lnSpc>
@@ -5222,15 +5320,19 @@
               <a:defRPr sz="1200"/>
             </a:lvl9pPr>
           </a:lstStyle>
-          <a:p/>
+          <a:p>
+            <a:endParaRPr/>
+          </a:p>
         </p:txBody>
       </p:sp>
       <p:sp>
         <p:nvSpPr>
           <p:cNvPr id="28" name="Google Shape;28;p16"/>
-          <p:cNvSpPr txBox="1"/>
+          <p:cNvSpPr txBox="1">
+            <a:spLocks noGrp="1"/>
+          </p:cNvSpPr>
           <p:nvPr>
-            <p:ph idx="2" type="body"/>
+            <p:ph type="body" idx="2"/>
           </p:nvPr>
         </p:nvSpPr>
         <p:spPr>
@@ -5247,11 +5349,11 @@
           </a:ln>
         </p:spPr>
         <p:txBody>
-          <a:bodyPr anchorCtr="0" anchor="t" bIns="91425" lIns="91425" spcFirstLastPara="1" rIns="91425" wrap="square" tIns="91425">
+          <a:bodyPr spcFirstLastPara="1" wrap="square" lIns="91425" tIns="91425" rIns="91425" bIns="91425" anchor="t" anchorCtr="0">
             <a:noAutofit/>
           </a:bodyPr>
           <a:lstStyle>
-            <a:lvl1pPr indent="-317500" lvl="0" marL="457200" algn="l">
+            <a:lvl1pPr marL="457200" lvl="0" indent="-317500" algn="l">
               <a:lnSpc>
                 <a:spcPct val="115000"/>
               </a:lnSpc>
@@ -5265,7 +5367,7 @@
               <a:buChar char="●"/>
               <a:defRPr sz="1400"/>
             </a:lvl1pPr>
-            <a:lvl2pPr indent="-304800" lvl="1" marL="914400" algn="l">
+            <a:lvl2pPr marL="914400" lvl="1" indent="-304800" algn="l">
               <a:lnSpc>
                 <a:spcPct val="115000"/>
               </a:lnSpc>
@@ -5279,7 +5381,7 @@
               <a:buChar char="○"/>
               <a:defRPr sz="1200"/>
             </a:lvl2pPr>
-            <a:lvl3pPr indent="-304800" lvl="2" marL="1371600" algn="l">
+            <a:lvl3pPr marL="1371600" lvl="2" indent="-304800" algn="l">
               <a:lnSpc>
                 <a:spcPct val="115000"/>
               </a:lnSpc>
@@ -5293,7 +5395,7 @@
               <a:buChar char="■"/>
               <a:defRPr sz="1200"/>
             </a:lvl3pPr>
-            <a:lvl4pPr indent="-304800" lvl="3" marL="1828800" algn="l">
+            <a:lvl4pPr marL="1828800" lvl="3" indent="-304800" algn="l">
               <a:lnSpc>
                 <a:spcPct val="115000"/>
               </a:lnSpc>
@@ -5307,7 +5409,7 @@
               <a:buChar char="●"/>
               <a:defRPr sz="1200"/>
             </a:lvl4pPr>
-            <a:lvl5pPr indent="-304800" lvl="4" marL="2286000" algn="l">
+            <a:lvl5pPr marL="2286000" lvl="4" indent="-304800" algn="l">
               <a:lnSpc>
                 <a:spcPct val="115000"/>
               </a:lnSpc>
@@ -5321,7 +5423,7 @@
               <a:buChar char="○"/>
               <a:defRPr sz="1200"/>
             </a:lvl5pPr>
-            <a:lvl6pPr indent="-304800" lvl="5" marL="2743200" algn="l">
+            <a:lvl6pPr marL="2743200" lvl="5" indent="-304800" algn="l">
               <a:lnSpc>
                 <a:spcPct val="115000"/>
               </a:lnSpc>
@@ -5335,7 +5437,7 @@
               <a:buChar char="■"/>
               <a:defRPr sz="1200"/>
             </a:lvl6pPr>
-            <a:lvl7pPr indent="-304800" lvl="6" marL="3200400" algn="l">
+            <a:lvl7pPr marL="3200400" lvl="6" indent="-304800" algn="l">
               <a:lnSpc>
                 <a:spcPct val="115000"/>
               </a:lnSpc>
@@ -5349,7 +5451,7 @@
               <a:buChar char="●"/>
               <a:defRPr sz="1200"/>
             </a:lvl7pPr>
-            <a:lvl8pPr indent="-304800" lvl="7" marL="3657600" algn="l">
+            <a:lvl8pPr marL="3657600" lvl="7" indent="-304800" algn="l">
               <a:lnSpc>
                 <a:spcPct val="115000"/>
               </a:lnSpc>
@@ -5363,7 +5465,7 @@
               <a:buChar char="○"/>
               <a:defRPr sz="1200"/>
             </a:lvl8pPr>
-            <a:lvl9pPr indent="-304800" lvl="8" marL="4114800" algn="l">
+            <a:lvl9pPr marL="4114800" lvl="8" indent="-304800" algn="l">
               <a:lnSpc>
                 <a:spcPct val="115000"/>
               </a:lnSpc>
@@ -5378,15 +5480,19 @@
               <a:defRPr sz="1200"/>
             </a:lvl9pPr>
           </a:lstStyle>
-          <a:p/>
+          <a:p>
+            <a:endParaRPr/>
+          </a:p>
         </p:txBody>
       </p:sp>
       <p:sp>
         <p:nvSpPr>
           <p:cNvPr id="29" name="Google Shape;29;p16"/>
-          <p:cNvSpPr txBox="1"/>
+          <p:cNvSpPr txBox="1">
+            <a:spLocks noGrp="1"/>
+          </p:cNvSpPr>
           <p:nvPr>
-            <p:ph idx="12" type="sldNum"/>
+            <p:ph type="sldNum" idx="12"/>
           </p:nvPr>
         </p:nvSpPr>
         <p:spPr>
@@ -5403,11 +5509,11 @@
           </a:ln>
         </p:spPr>
         <p:txBody>
-          <a:bodyPr anchorCtr="0" anchor="ctr" bIns="91425" lIns="91425" spcFirstLastPara="1" rIns="91425" wrap="square" tIns="91425">
+          <a:bodyPr spcFirstLastPara="1" wrap="square" lIns="91425" tIns="91425" rIns="91425" bIns="91425" anchor="ctr" anchorCtr="0">
             <a:noAutofit/>
           </a:bodyPr>
           <a:lstStyle>
-            <a:lvl1pPr indent="0" lvl="0" marL="0" marR="0" algn="r">
+            <a:lvl1pPr marL="0" marR="0" lvl="0" indent="0" algn="r">
               <a:lnSpc>
                 <a:spcPct val="100000"/>
               </a:lnSpc>
@@ -5423,7 +5529,7 @@
               <a:buSzPts val="1000"/>
               <a:buFont typeface="Arial"/>
               <a:buNone/>
-              <a:defRPr b="0" i="0" sz="1000" u="none" cap="none" strike="noStrike">
+              <a:defRPr sz="1000" b="0" i="0" u="none" strike="noStrike" cap="none">
                 <a:solidFill>
                   <a:schemeClr val="lt2"/>
                 </a:solidFill>
@@ -5433,7 +5539,7 @@
                 <a:sym typeface="Roboto"/>
               </a:defRPr>
             </a:lvl1pPr>
-            <a:lvl2pPr indent="0" lvl="1" marL="0" marR="0" algn="r">
+            <a:lvl2pPr marL="0" marR="0" lvl="1" indent="0" algn="r">
               <a:lnSpc>
                 <a:spcPct val="100000"/>
               </a:lnSpc>
@@ -5449,7 +5555,7 @@
               <a:buSzPts val="1000"/>
               <a:buFont typeface="Arial"/>
               <a:buNone/>
-              <a:defRPr b="0" i="0" sz="1000" u="none" cap="none" strike="noStrike">
+              <a:defRPr sz="1000" b="0" i="0" u="none" strike="noStrike" cap="none">
                 <a:solidFill>
                   <a:schemeClr val="lt2"/>
                 </a:solidFill>
@@ -5459,7 +5565,7 @@
                 <a:sym typeface="Roboto"/>
               </a:defRPr>
             </a:lvl2pPr>
-            <a:lvl3pPr indent="0" lvl="2" marL="0" marR="0" algn="r">
+            <a:lvl3pPr marL="0" marR="0" lvl="2" indent="0" algn="r">
               <a:lnSpc>
                 <a:spcPct val="100000"/>
               </a:lnSpc>
@@ -5475,7 +5581,7 @@
               <a:buSzPts val="1000"/>
               <a:buFont typeface="Arial"/>
               <a:buNone/>
-              <a:defRPr b="0" i="0" sz="1000" u="none" cap="none" strike="noStrike">
+              <a:defRPr sz="1000" b="0" i="0" u="none" strike="noStrike" cap="none">
                 <a:solidFill>
                   <a:schemeClr val="lt2"/>
                 </a:solidFill>
@@ -5485,7 +5591,7 @@
                 <a:sym typeface="Roboto"/>
               </a:defRPr>
             </a:lvl3pPr>
-            <a:lvl4pPr indent="0" lvl="3" marL="0" marR="0" algn="r">
+            <a:lvl4pPr marL="0" marR="0" lvl="3" indent="0" algn="r">
               <a:lnSpc>
                 <a:spcPct val="100000"/>
               </a:lnSpc>
@@ -5501,7 +5607,7 @@
               <a:buSzPts val="1000"/>
               <a:buFont typeface="Arial"/>
               <a:buNone/>
-              <a:defRPr b="0" i="0" sz="1000" u="none" cap="none" strike="noStrike">
+              <a:defRPr sz="1000" b="0" i="0" u="none" strike="noStrike" cap="none">
                 <a:solidFill>
                   <a:schemeClr val="lt2"/>
                 </a:solidFill>
@@ -5511,7 +5617,7 @@
                 <a:sym typeface="Roboto"/>
               </a:defRPr>
             </a:lvl4pPr>
-            <a:lvl5pPr indent="0" lvl="4" marL="0" marR="0" algn="r">
+            <a:lvl5pPr marL="0" marR="0" lvl="4" indent="0" algn="r">
               <a:lnSpc>
                 <a:spcPct val="100000"/>
               </a:lnSpc>
@@ -5527,7 +5633,7 @@
               <a:buSzPts val="1000"/>
               <a:buFont typeface="Arial"/>
               <a:buNone/>
-              <a:defRPr b="0" i="0" sz="1000" u="none" cap="none" strike="noStrike">
+              <a:defRPr sz="1000" b="0" i="0" u="none" strike="noStrike" cap="none">
                 <a:solidFill>
                   <a:schemeClr val="lt2"/>
                 </a:solidFill>
@@ -5537,7 +5643,7 @@
                 <a:sym typeface="Roboto"/>
               </a:defRPr>
             </a:lvl5pPr>
-            <a:lvl6pPr indent="0" lvl="5" marL="0" marR="0" algn="r">
+            <a:lvl6pPr marL="0" marR="0" lvl="5" indent="0" algn="r">
               <a:lnSpc>
                 <a:spcPct val="100000"/>
               </a:lnSpc>
@@ -5553,7 +5659,7 @@
               <a:buSzPts val="1000"/>
               <a:buFont typeface="Arial"/>
               <a:buNone/>
-              <a:defRPr b="0" i="0" sz="1000" u="none" cap="none" strike="noStrike">
+              <a:defRPr sz="1000" b="0" i="0" u="none" strike="noStrike" cap="none">
                 <a:solidFill>
                   <a:schemeClr val="lt2"/>
                 </a:solidFill>
@@ -5563,7 +5669,7 @@
                 <a:sym typeface="Roboto"/>
               </a:defRPr>
             </a:lvl6pPr>
-            <a:lvl7pPr indent="0" lvl="6" marL="0" marR="0" algn="r">
+            <a:lvl7pPr marL="0" marR="0" lvl="6" indent="0" algn="r">
               <a:lnSpc>
                 <a:spcPct val="100000"/>
               </a:lnSpc>
@@ -5579,7 +5685,7 @@
               <a:buSzPts val="1000"/>
               <a:buFont typeface="Arial"/>
               <a:buNone/>
-              <a:defRPr b="0" i="0" sz="1000" u="none" cap="none" strike="noStrike">
+              <a:defRPr sz="1000" b="0" i="0" u="none" strike="noStrike" cap="none">
                 <a:solidFill>
                   <a:schemeClr val="lt2"/>
                 </a:solidFill>
@@ -5589,7 +5695,7 @@
                 <a:sym typeface="Roboto"/>
               </a:defRPr>
             </a:lvl7pPr>
-            <a:lvl8pPr indent="0" lvl="7" marL="0" marR="0" algn="r">
+            <a:lvl8pPr marL="0" marR="0" lvl="7" indent="0" algn="r">
               <a:lnSpc>
                 <a:spcPct val="100000"/>
               </a:lnSpc>
@@ -5605,7 +5711,7 @@
               <a:buSzPts val="1000"/>
               <a:buFont typeface="Arial"/>
               <a:buNone/>
-              <a:defRPr b="0" i="0" sz="1000" u="none" cap="none" strike="noStrike">
+              <a:defRPr sz="1000" b="0" i="0" u="none" strike="noStrike" cap="none">
                 <a:solidFill>
                   <a:schemeClr val="lt2"/>
                 </a:solidFill>
@@ -5615,7 +5721,7 @@
                 <a:sym typeface="Roboto"/>
               </a:defRPr>
             </a:lvl8pPr>
-            <a:lvl9pPr indent="0" lvl="8" marL="0" marR="0" algn="r">
+            <a:lvl9pPr marL="0" marR="0" lvl="8" indent="0" algn="r">
               <a:lnSpc>
                 <a:spcPct val="100000"/>
               </a:lnSpc>
@@ -5631,7 +5737,7 @@
               <a:buSzPts val="1000"/>
               <a:buFont typeface="Arial"/>
               <a:buNone/>
-              <a:defRPr b="0" i="0" sz="1000" u="none" cap="none" strike="noStrike">
+              <a:defRPr sz="1000" b="0" i="0" u="none" strike="noStrike" cap="none">
                 <a:solidFill>
                   <a:schemeClr val="lt2"/>
                 </a:solidFill>
@@ -5643,7 +5749,7 @@
             </a:lvl9pPr>
           </a:lstStyle>
           <a:p>
-            <a:pPr indent="0" lvl="0" marL="0" rtl="0" algn="r">
+            <a:pPr marL="0" lvl="0" indent="0" algn="r" rtl="0">
               <a:spcBef>
                 <a:spcPts val="0"/>
               </a:spcBef>
@@ -5669,11 +5775,11 @@
 </file>
 
 <file path=ppt/slideLayouts/slideLayout5.xml><?xml version="1.0" encoding="utf-8"?>
-<p:sldLayout xmlns:a="http://schemas.openxmlformats.org/drawingml/2006/main" xmlns:r="http://schemas.openxmlformats.org/officeDocument/2006/relationships" xmlns:mc="http://schemas.openxmlformats.org/markup-compatibility/2006" xmlns:mv="urn:schemas-microsoft-com:mac:vml" xmlns:p="http://schemas.openxmlformats.org/presentationml/2006/main" xmlns:c="http://schemas.openxmlformats.org/drawingml/2006/chart" xmlns:dgm="http://schemas.openxmlformats.org/drawingml/2006/diagram" xmlns:o="urn:schemas-microsoft-com:office:office" xmlns:v="urn:schemas-microsoft-com:vml" xmlns:pvml="urn:schemas-microsoft-com:office:powerpoint" xmlns:com="http://schemas.openxmlformats.org/drawingml/2006/compatibility" xmlns:p14="http://schemas.microsoft.com/office/powerpoint/2010/main" xmlns:p15="http://schemas.microsoft.com/office/powerpoint/2012/main" xmlns:ahyp="http://schemas.microsoft.com/office/drawing/2018/hyperlinkcolor" matchingName="Title only" type="titleOnly">
+<p:sldLayout xmlns:a="http://schemas.openxmlformats.org/drawingml/2006/main" xmlns:r="http://schemas.openxmlformats.org/officeDocument/2006/relationships" xmlns:p="http://schemas.openxmlformats.org/presentationml/2006/main" matchingName="Title only" type="titleOnly">
   <p:cSld name="TITLE_ONLY">
     <p:spTree>
       <p:nvGrpSpPr>
-        <p:cNvPr id="30" name="Shape 30"/>
+        <p:cNvPr id="1" name="Shape 30"/>
         <p:cNvGrpSpPr/>
         <p:nvPr/>
       </p:nvGrpSpPr>
@@ -5692,7 +5798,7 @@
           <p:nvPr/>
         </p:nvSpPr>
         <p:spPr>
-          <a:xfrm flipH="1" rot="10800000">
+          <a:xfrm rot="10800000" flipH="1">
             <a:off x="0" y="656400"/>
             <a:ext cx="9144000" cy="4487100"/>
           </a:xfrm>
@@ -5707,12 +5813,12 @@
           </a:ln>
         </p:spPr>
         <p:txBody>
-          <a:bodyPr anchorCtr="0" anchor="ctr" bIns="91425" lIns="91425" spcFirstLastPara="1" rIns="91425" wrap="square" tIns="91425">
+          <a:bodyPr spcFirstLastPara="1" wrap="square" lIns="91425" tIns="91425" rIns="91425" bIns="91425" anchor="ctr" anchorCtr="0">
             <a:noAutofit/>
           </a:bodyPr>
           <a:lstStyle/>
           <a:p>
-            <a:pPr indent="0" lvl="0" marL="0" marR="0" rtl="0" algn="l">
+            <a:pPr marL="0" marR="0" lvl="0" indent="0" algn="l" rtl="0">
               <a:lnSpc>
                 <a:spcPct val="100000"/>
               </a:lnSpc>
@@ -5729,10 +5835,7 @@
               <a:buFont typeface="Arial"/>
               <a:buNone/>
             </a:pPr>
-            <a:r>
-              <a:t/>
-            </a:r>
-            <a:endParaRPr b="0" i="0" sz="1400" u="none" cap="none" strike="noStrike">
+            <a:endParaRPr sz="1400" b="0" i="0" u="none" strike="noStrike" cap="none">
               <a:solidFill>
                 <a:srgbClr val="000000"/>
               </a:solidFill>
@@ -5780,12 +5883,12 @@
           </a:ln>
         </p:spPr>
         <p:txBody>
-          <a:bodyPr anchorCtr="0" anchor="ctr" bIns="91425" lIns="91425" spcFirstLastPara="1" rIns="91425" wrap="square" tIns="91425">
+          <a:bodyPr spcFirstLastPara="1" wrap="square" lIns="91425" tIns="91425" rIns="91425" bIns="91425" anchor="ctr" anchorCtr="0">
             <a:noAutofit/>
           </a:bodyPr>
           <a:lstStyle/>
           <a:p>
-            <a:pPr indent="0" lvl="0" marL="0" marR="0" rtl="0" algn="l">
+            <a:pPr marL="0" marR="0" lvl="0" indent="0" algn="l" rtl="0">
               <a:lnSpc>
                 <a:spcPct val="100000"/>
               </a:lnSpc>
@@ -5802,10 +5905,7 @@
               <a:buFont typeface="Arial"/>
               <a:buNone/>
             </a:pPr>
-            <a:r>
-              <a:t/>
-            </a:r>
-            <a:endParaRPr b="0" i="0" sz="1400" u="none" cap="none" strike="noStrike">
+            <a:endParaRPr sz="1400" b="0" i="0" u="none" strike="noStrike" cap="none">
               <a:solidFill>
                 <a:srgbClr val="000000"/>
               </a:solidFill>
@@ -5820,7 +5920,9 @@
       <p:sp>
         <p:nvSpPr>
           <p:cNvPr id="33" name="Google Shape;33;p17"/>
-          <p:cNvSpPr txBox="1"/>
+          <p:cNvSpPr txBox="1">
+            <a:spLocks noGrp="1"/>
+          </p:cNvSpPr>
           <p:nvPr>
             <p:ph type="title"/>
           </p:nvPr>
@@ -5839,7 +5941,7 @@
           </a:ln>
         </p:spPr>
         <p:txBody>
-          <a:bodyPr anchorCtr="0" anchor="ctr" bIns="91425" lIns="91425" spcFirstLastPara="1" rIns="91425" wrap="square" tIns="91425">
+          <a:bodyPr spcFirstLastPara="1" wrap="square" lIns="91425" tIns="91425" rIns="91425" bIns="91425" anchor="ctr" anchorCtr="0">
             <a:noAutofit/>
           </a:bodyPr>
           <a:lstStyle>
@@ -5970,15 +6072,19 @@
               <a:defRPr sz="1800"/>
             </a:lvl9pPr>
           </a:lstStyle>
-          <a:p/>
+          <a:p>
+            <a:endParaRPr/>
+          </a:p>
         </p:txBody>
       </p:sp>
       <p:sp>
         <p:nvSpPr>
           <p:cNvPr id="34" name="Google Shape;34;p17"/>
-          <p:cNvSpPr txBox="1"/>
+          <p:cNvSpPr txBox="1">
+            <a:spLocks noGrp="1"/>
+          </p:cNvSpPr>
           <p:nvPr>
-            <p:ph idx="12" type="sldNum"/>
+            <p:ph type="sldNum" idx="12"/>
           </p:nvPr>
         </p:nvSpPr>
         <p:spPr>
@@ -5995,11 +6101,11 @@
           </a:ln>
         </p:spPr>
         <p:txBody>
-          <a:bodyPr anchorCtr="0" anchor="ctr" bIns="91425" lIns="91425" spcFirstLastPara="1" rIns="91425" wrap="square" tIns="91425">
+          <a:bodyPr spcFirstLastPara="1" wrap="square" lIns="91425" tIns="91425" rIns="91425" bIns="91425" anchor="ctr" anchorCtr="0">
             <a:noAutofit/>
           </a:bodyPr>
           <a:lstStyle>
-            <a:lvl1pPr indent="0" lvl="0" marL="0" marR="0" algn="r">
+            <a:lvl1pPr marL="0" marR="0" lvl="0" indent="0" algn="r">
               <a:lnSpc>
                 <a:spcPct val="100000"/>
               </a:lnSpc>
@@ -6015,7 +6121,7 @@
               <a:buSzPts val="1000"/>
               <a:buFont typeface="Arial"/>
               <a:buNone/>
-              <a:defRPr b="0" i="0" sz="1000" u="none" cap="none" strike="noStrike">
+              <a:defRPr sz="1000" b="0" i="0" u="none" strike="noStrike" cap="none">
                 <a:solidFill>
                   <a:schemeClr val="lt2"/>
                 </a:solidFill>
@@ -6025,7 +6131,7 @@
                 <a:sym typeface="Roboto"/>
               </a:defRPr>
             </a:lvl1pPr>
-            <a:lvl2pPr indent="0" lvl="1" marL="0" marR="0" algn="r">
+            <a:lvl2pPr marL="0" marR="0" lvl="1" indent="0" algn="r">
               <a:lnSpc>
                 <a:spcPct val="100000"/>
               </a:lnSpc>
@@ -6041,7 +6147,7 @@
               <a:buSzPts val="1000"/>
               <a:buFont typeface="Arial"/>
               <a:buNone/>
-              <a:defRPr b="0" i="0" sz="1000" u="none" cap="none" strike="noStrike">
+              <a:defRPr sz="1000" b="0" i="0" u="none" strike="noStrike" cap="none">
                 <a:solidFill>
                   <a:schemeClr val="lt2"/>
                 </a:solidFill>
@@ -6051,7 +6157,7 @@
                 <a:sym typeface="Roboto"/>
               </a:defRPr>
             </a:lvl2pPr>
-            <a:lvl3pPr indent="0" lvl="2" marL="0" marR="0" algn="r">
+            <a:lvl3pPr marL="0" marR="0" lvl="2" indent="0" algn="r">
               <a:lnSpc>
                 <a:spcPct val="100000"/>
               </a:lnSpc>
@@ -6067,7 +6173,7 @@
               <a:buSzPts val="1000"/>
               <a:buFont typeface="Arial"/>
               <a:buNone/>
-              <a:defRPr b="0" i="0" sz="1000" u="none" cap="none" strike="noStrike">
+              <a:defRPr sz="1000" b="0" i="0" u="none" strike="noStrike" cap="none">
                 <a:solidFill>
                   <a:schemeClr val="lt2"/>
                 </a:solidFill>
@@ -6077,7 +6183,7 @@
                 <a:sym typeface="Roboto"/>
               </a:defRPr>
             </a:lvl3pPr>
-            <a:lvl4pPr indent="0" lvl="3" marL="0" marR="0" algn="r">
+            <a:lvl4pPr marL="0" marR="0" lvl="3" indent="0" algn="r">
               <a:lnSpc>
                 <a:spcPct val="100000"/>
               </a:lnSpc>
@@ -6093,7 +6199,7 @@
               <a:buSzPts val="1000"/>
               <a:buFont typeface="Arial"/>
               <a:buNone/>
-              <a:defRPr b="0" i="0" sz="1000" u="none" cap="none" strike="noStrike">
+              <a:defRPr sz="1000" b="0" i="0" u="none" strike="noStrike" cap="none">
                 <a:solidFill>
                   <a:schemeClr val="lt2"/>
                 </a:solidFill>
@@ -6103,7 +6209,7 @@
                 <a:sym typeface="Roboto"/>
               </a:defRPr>
             </a:lvl4pPr>
-            <a:lvl5pPr indent="0" lvl="4" marL="0" marR="0" algn="r">
+            <a:lvl5pPr marL="0" marR="0" lvl="4" indent="0" algn="r">
               <a:lnSpc>
                 <a:spcPct val="100000"/>
               </a:lnSpc>
@@ -6119,7 +6225,7 @@
               <a:buSzPts val="1000"/>
               <a:buFont typeface="Arial"/>
               <a:buNone/>
-              <a:defRPr b="0" i="0" sz="1000" u="none" cap="none" strike="noStrike">
+              <a:defRPr sz="1000" b="0" i="0" u="none" strike="noStrike" cap="none">
                 <a:solidFill>
                   <a:schemeClr val="lt2"/>
                 </a:solidFill>
@@ -6129,7 +6235,7 @@
                 <a:sym typeface="Roboto"/>
               </a:defRPr>
             </a:lvl5pPr>
-            <a:lvl6pPr indent="0" lvl="5" marL="0" marR="0" algn="r">
+            <a:lvl6pPr marL="0" marR="0" lvl="5" indent="0" algn="r">
               <a:lnSpc>
                 <a:spcPct val="100000"/>
               </a:lnSpc>
@@ -6145,7 +6251,7 @@
               <a:buSzPts val="1000"/>
               <a:buFont typeface="Arial"/>
               <a:buNone/>
-              <a:defRPr b="0" i="0" sz="1000" u="none" cap="none" strike="noStrike">
+              <a:defRPr sz="1000" b="0" i="0" u="none" strike="noStrike" cap="none">
                 <a:solidFill>
                   <a:schemeClr val="lt2"/>
                 </a:solidFill>
@@ -6155,7 +6261,7 @@
                 <a:sym typeface="Roboto"/>
               </a:defRPr>
             </a:lvl6pPr>
-            <a:lvl7pPr indent="0" lvl="6" marL="0" marR="0" algn="r">
+            <a:lvl7pPr marL="0" marR="0" lvl="6" indent="0" algn="r">
               <a:lnSpc>
                 <a:spcPct val="100000"/>
               </a:lnSpc>
@@ -6171,7 +6277,7 @@
               <a:buSzPts val="1000"/>
               <a:buFont typeface="Arial"/>
               <a:buNone/>
-              <a:defRPr b="0" i="0" sz="1000" u="none" cap="none" strike="noStrike">
+              <a:defRPr sz="1000" b="0" i="0" u="none" strike="noStrike" cap="none">
                 <a:solidFill>
                   <a:schemeClr val="lt2"/>
                 </a:solidFill>
@@ -6181,7 +6287,7 @@
                 <a:sym typeface="Roboto"/>
               </a:defRPr>
             </a:lvl7pPr>
-            <a:lvl8pPr indent="0" lvl="7" marL="0" marR="0" algn="r">
+            <a:lvl8pPr marL="0" marR="0" lvl="7" indent="0" algn="r">
               <a:lnSpc>
                 <a:spcPct val="100000"/>
               </a:lnSpc>
@@ -6197,7 +6303,7 @@
               <a:buSzPts val="1000"/>
               <a:buFont typeface="Arial"/>
               <a:buNone/>
-              <a:defRPr b="0" i="0" sz="1000" u="none" cap="none" strike="noStrike">
+              <a:defRPr sz="1000" b="0" i="0" u="none" strike="noStrike" cap="none">
                 <a:solidFill>
                   <a:schemeClr val="lt2"/>
                 </a:solidFill>
@@ -6207,7 +6313,7 @@
                 <a:sym typeface="Roboto"/>
               </a:defRPr>
             </a:lvl8pPr>
-            <a:lvl9pPr indent="0" lvl="8" marL="0" marR="0" algn="r">
+            <a:lvl9pPr marL="0" marR="0" lvl="8" indent="0" algn="r">
               <a:lnSpc>
                 <a:spcPct val="100000"/>
               </a:lnSpc>
@@ -6223,7 +6329,7 @@
               <a:buSzPts val="1000"/>
               <a:buFont typeface="Arial"/>
               <a:buNone/>
-              <a:defRPr b="0" i="0" sz="1000" u="none" cap="none" strike="noStrike">
+              <a:defRPr sz="1000" b="0" i="0" u="none" strike="noStrike" cap="none">
                 <a:solidFill>
                   <a:schemeClr val="lt2"/>
                 </a:solidFill>
@@ -6235,7 +6341,7 @@
             </a:lvl9pPr>
           </a:lstStyle>
           <a:p>
-            <a:pPr indent="0" lvl="0" marL="0" rtl="0" algn="r">
+            <a:pPr marL="0" lvl="0" indent="0" algn="r" rtl="0">
               <a:spcBef>
                 <a:spcPts val="0"/>
               </a:spcBef>
@@ -6261,11 +6367,11 @@
 </file>
 
 <file path=ppt/slideLayouts/slideLayout6.xml><?xml version="1.0" encoding="utf-8"?>
-<p:sldLayout xmlns:a="http://schemas.openxmlformats.org/drawingml/2006/main" xmlns:r="http://schemas.openxmlformats.org/officeDocument/2006/relationships" xmlns:mc="http://schemas.openxmlformats.org/markup-compatibility/2006" xmlns:mv="urn:schemas-microsoft-com:mac:vml" xmlns:p="http://schemas.openxmlformats.org/presentationml/2006/main" xmlns:c="http://schemas.openxmlformats.org/drawingml/2006/chart" xmlns:dgm="http://schemas.openxmlformats.org/drawingml/2006/diagram" xmlns:o="urn:schemas-microsoft-com:office:office" xmlns:v="urn:schemas-microsoft-com:vml" xmlns:pvml="urn:schemas-microsoft-com:office:powerpoint" xmlns:com="http://schemas.openxmlformats.org/drawingml/2006/compatibility" xmlns:p14="http://schemas.microsoft.com/office/powerpoint/2010/main" xmlns:p15="http://schemas.microsoft.com/office/powerpoint/2012/main" xmlns:ahyp="http://schemas.microsoft.com/office/drawing/2018/hyperlinkcolor" matchingName="One column text">
+<p:sldLayout xmlns:a="http://schemas.openxmlformats.org/drawingml/2006/main" xmlns:r="http://schemas.openxmlformats.org/officeDocument/2006/relationships" xmlns:p="http://schemas.openxmlformats.org/presentationml/2006/main" matchingName="One column text">
   <p:cSld name="ONE_COLUMN_TEXT">
     <p:spTree>
       <p:nvGrpSpPr>
-        <p:cNvPr id="35" name="Shape 35"/>
+        <p:cNvPr id="1" name="Shape 35"/>
         <p:cNvGrpSpPr/>
         <p:nvPr/>
       </p:nvGrpSpPr>
@@ -6284,7 +6390,7 @@
           <p:nvPr/>
         </p:nvSpPr>
         <p:spPr>
-          <a:xfrm flipH="1" rot="10800000">
+          <a:xfrm rot="10800000" flipH="1">
             <a:off x="3276600" y="25"/>
             <a:ext cx="5867400" cy="5143500"/>
           </a:xfrm>
@@ -6299,12 +6405,12 @@
           </a:ln>
         </p:spPr>
         <p:txBody>
-          <a:bodyPr anchorCtr="0" anchor="ctr" bIns="91425" lIns="91425" spcFirstLastPara="1" rIns="91425" wrap="square" tIns="91425">
+          <a:bodyPr spcFirstLastPara="1" wrap="square" lIns="91425" tIns="91425" rIns="91425" bIns="91425" anchor="ctr" anchorCtr="0">
             <a:noAutofit/>
           </a:bodyPr>
           <a:lstStyle/>
           <a:p>
-            <a:pPr indent="0" lvl="0" marL="0" marR="0" rtl="0" algn="l">
+            <a:pPr marL="0" marR="0" lvl="0" indent="0" algn="l" rtl="0">
               <a:lnSpc>
                 <a:spcPct val="100000"/>
               </a:lnSpc>
@@ -6321,10 +6427,7 @@
               <a:buFont typeface="Arial"/>
               <a:buNone/>
             </a:pPr>
-            <a:r>
-              <a:t/>
-            </a:r>
-            <a:endParaRPr b="0" i="0" sz="1400" u="none" cap="none" strike="noStrike">
+            <a:endParaRPr sz="1400" b="0" i="0" u="none" strike="noStrike" cap="none">
               <a:solidFill>
                 <a:srgbClr val="000000"/>
               </a:solidFill>
@@ -6372,12 +6475,12 @@
           </a:ln>
         </p:spPr>
         <p:txBody>
-          <a:bodyPr anchorCtr="0" anchor="ctr" bIns="91425" lIns="91425" spcFirstLastPara="1" rIns="91425" wrap="square" tIns="91425">
+          <a:bodyPr spcFirstLastPara="1" wrap="square" lIns="91425" tIns="91425" rIns="91425" bIns="91425" anchor="ctr" anchorCtr="0">
             <a:noAutofit/>
           </a:bodyPr>
           <a:lstStyle/>
           <a:p>
-            <a:pPr indent="0" lvl="0" marL="0" marR="0" rtl="0" algn="l">
+            <a:pPr marL="0" marR="0" lvl="0" indent="0" algn="l" rtl="0">
               <a:lnSpc>
                 <a:spcPct val="100000"/>
               </a:lnSpc>
@@ -6394,10 +6497,7 @@
               <a:buFont typeface="Arial"/>
               <a:buNone/>
             </a:pPr>
-            <a:r>
-              <a:t/>
-            </a:r>
-            <a:endParaRPr b="0" i="0" sz="1400" u="none" cap="none" strike="noStrike">
+            <a:endParaRPr sz="1400" b="0" i="0" u="none" strike="noStrike" cap="none">
               <a:solidFill>
                 <a:srgbClr val="000000"/>
               </a:solidFill>
@@ -6412,7 +6512,9 @@
       <p:sp>
         <p:nvSpPr>
           <p:cNvPr id="38" name="Google Shape;38;p18"/>
-          <p:cNvSpPr txBox="1"/>
+          <p:cNvSpPr txBox="1">
+            <a:spLocks noGrp="1"/>
+          </p:cNvSpPr>
           <p:nvPr>
             <p:ph type="title"/>
           </p:nvPr>
@@ -6431,7 +6533,7 @@
           </a:ln>
         </p:spPr>
         <p:txBody>
-          <a:bodyPr anchorCtr="0" anchor="b" bIns="91425" lIns="91425" spcFirstLastPara="1" rIns="91425" wrap="square" tIns="91425">
+          <a:bodyPr spcFirstLastPara="1" wrap="square" lIns="91425" tIns="91425" rIns="91425" bIns="91425" anchor="b" anchorCtr="0">
             <a:noAutofit/>
           </a:bodyPr>
           <a:lstStyle>
@@ -6562,15 +6664,19 @@
               <a:defRPr sz="2400"/>
             </a:lvl9pPr>
           </a:lstStyle>
-          <a:p/>
+          <a:p>
+            <a:endParaRPr/>
+          </a:p>
         </p:txBody>
       </p:sp>
       <p:sp>
         <p:nvSpPr>
           <p:cNvPr id="39" name="Google Shape;39;p18"/>
-          <p:cNvSpPr txBox="1"/>
+          <p:cNvSpPr txBox="1">
+            <a:spLocks noGrp="1"/>
+          </p:cNvSpPr>
           <p:nvPr>
-            <p:ph idx="1" type="body"/>
+            <p:ph type="body" idx="1"/>
           </p:nvPr>
         </p:nvSpPr>
         <p:spPr>
@@ -6587,11 +6693,11 @@
           </a:ln>
         </p:spPr>
         <p:txBody>
-          <a:bodyPr anchorCtr="0" anchor="t" bIns="91425" lIns="91425" spcFirstLastPara="1" rIns="91425" wrap="square" tIns="91425">
+          <a:bodyPr spcFirstLastPara="1" wrap="square" lIns="91425" tIns="91425" rIns="91425" bIns="91425" anchor="t" anchorCtr="0">
             <a:noAutofit/>
           </a:bodyPr>
           <a:lstStyle>
-            <a:lvl1pPr indent="-304800" lvl="0" marL="457200" algn="l">
+            <a:lvl1pPr marL="457200" lvl="0" indent="-304800" algn="l">
               <a:lnSpc>
                 <a:spcPct val="115000"/>
               </a:lnSpc>
@@ -6612,7 +6718,7 @@
                 </a:solidFill>
               </a:defRPr>
             </a:lvl1pPr>
-            <a:lvl2pPr indent="-304800" lvl="1" marL="914400" algn="l">
+            <a:lvl2pPr marL="914400" lvl="1" indent="-304800" algn="l">
               <a:lnSpc>
                 <a:spcPct val="115000"/>
               </a:lnSpc>
@@ -6633,7 +6739,7 @@
                 </a:solidFill>
               </a:defRPr>
             </a:lvl2pPr>
-            <a:lvl3pPr indent="-304800" lvl="2" marL="1371600" algn="l">
+            <a:lvl3pPr marL="1371600" lvl="2" indent="-304800" algn="l">
               <a:lnSpc>
                 <a:spcPct val="115000"/>
               </a:lnSpc>
@@ -6654,7 +6760,7 @@
                 </a:solidFill>
               </a:defRPr>
             </a:lvl3pPr>
-            <a:lvl4pPr indent="-304800" lvl="3" marL="1828800" algn="l">
+            <a:lvl4pPr marL="1828800" lvl="3" indent="-304800" algn="l">
               <a:lnSpc>
                 <a:spcPct val="115000"/>
               </a:lnSpc>
@@ -6675,7 +6781,7 @@
                 </a:solidFill>
               </a:defRPr>
             </a:lvl4pPr>
-            <a:lvl5pPr indent="-304800" lvl="4" marL="2286000" algn="l">
+            <a:lvl5pPr marL="2286000" lvl="4" indent="-304800" algn="l">
               <a:lnSpc>
                 <a:spcPct val="115000"/>
               </a:lnSpc>
@@ -6696,7 +6802,7 @@
                 </a:solidFill>
               </a:defRPr>
             </a:lvl5pPr>
-            <a:lvl6pPr indent="-304800" lvl="5" marL="2743200" algn="l">
+            <a:lvl6pPr marL="2743200" lvl="5" indent="-304800" algn="l">
               <a:lnSpc>
                 <a:spcPct val="115000"/>
               </a:lnSpc>
@@ -6717,7 +6823,7 @@
                 </a:solidFill>
               </a:defRPr>
             </a:lvl6pPr>
-            <a:lvl7pPr indent="-304800" lvl="6" marL="3200400" algn="l">
+            <a:lvl7pPr marL="3200400" lvl="6" indent="-304800" algn="l">
               <a:lnSpc>
                 <a:spcPct val="115000"/>
               </a:lnSpc>
@@ -6738,7 +6844,7 @@
                 </a:solidFill>
               </a:defRPr>
             </a:lvl7pPr>
-            <a:lvl8pPr indent="-304800" lvl="7" marL="3657600" algn="l">
+            <a:lvl8pPr marL="3657600" lvl="7" indent="-304800" algn="l">
               <a:lnSpc>
                 <a:spcPct val="115000"/>
               </a:lnSpc>
@@ -6759,7 +6865,7 @@
                 </a:solidFill>
               </a:defRPr>
             </a:lvl8pPr>
-            <a:lvl9pPr indent="-304800" lvl="8" marL="4114800" algn="l">
+            <a:lvl9pPr marL="4114800" lvl="8" indent="-304800" algn="l">
               <a:lnSpc>
                 <a:spcPct val="115000"/>
               </a:lnSpc>
@@ -6781,15 +6887,19 @@
               </a:defRPr>
             </a:lvl9pPr>
           </a:lstStyle>
-          <a:p/>
+          <a:p>
+            <a:endParaRPr/>
+          </a:p>
         </p:txBody>
       </p:sp>
       <p:sp>
         <p:nvSpPr>
           <p:cNvPr id="40" name="Google Shape;40;p18"/>
-          <p:cNvSpPr txBox="1"/>
+          <p:cNvSpPr txBox="1">
+            <a:spLocks noGrp="1"/>
+          </p:cNvSpPr>
           <p:nvPr>
-            <p:ph idx="12" type="sldNum"/>
+            <p:ph type="sldNum" idx="12"/>
           </p:nvPr>
         </p:nvSpPr>
         <p:spPr>
@@ -6806,11 +6916,11 @@
           </a:ln>
         </p:spPr>
         <p:txBody>
-          <a:bodyPr anchorCtr="0" anchor="ctr" bIns="91425" lIns="91425" spcFirstLastPara="1" rIns="91425" wrap="square" tIns="91425">
+          <a:bodyPr spcFirstLastPara="1" wrap="square" lIns="91425" tIns="91425" rIns="91425" bIns="91425" anchor="ctr" anchorCtr="0">
             <a:noAutofit/>
           </a:bodyPr>
           <a:lstStyle>
-            <a:lvl1pPr indent="0" lvl="0" marL="0" marR="0" algn="r">
+            <a:lvl1pPr marL="0" marR="0" lvl="0" indent="0" algn="r">
               <a:lnSpc>
                 <a:spcPct val="100000"/>
               </a:lnSpc>
@@ -6826,7 +6936,7 @@
               <a:buSzPts val="1000"/>
               <a:buFont typeface="Arial"/>
               <a:buNone/>
-              <a:defRPr b="0" i="0" sz="1000" u="none" cap="none" strike="noStrike">
+              <a:defRPr sz="1000" b="0" i="0" u="none" strike="noStrike" cap="none">
                 <a:solidFill>
                   <a:schemeClr val="lt2"/>
                 </a:solidFill>
@@ -6836,7 +6946,7 @@
                 <a:sym typeface="Roboto"/>
               </a:defRPr>
             </a:lvl1pPr>
-            <a:lvl2pPr indent="0" lvl="1" marL="0" marR="0" algn="r">
+            <a:lvl2pPr marL="0" marR="0" lvl="1" indent="0" algn="r">
               <a:lnSpc>
                 <a:spcPct val="100000"/>
               </a:lnSpc>
@@ -6852,7 +6962,7 @@
               <a:buSzPts val="1000"/>
               <a:buFont typeface="Arial"/>
               <a:buNone/>
-              <a:defRPr b="0" i="0" sz="1000" u="none" cap="none" strike="noStrike">
+              <a:defRPr sz="1000" b="0" i="0" u="none" strike="noStrike" cap="none">
                 <a:solidFill>
                   <a:schemeClr val="lt2"/>
                 </a:solidFill>
@@ -6862,7 +6972,7 @@
                 <a:sym typeface="Roboto"/>
               </a:defRPr>
             </a:lvl2pPr>
-            <a:lvl3pPr indent="0" lvl="2" marL="0" marR="0" algn="r">
+            <a:lvl3pPr marL="0" marR="0" lvl="2" indent="0" algn="r">
               <a:lnSpc>
                 <a:spcPct val="100000"/>
               </a:lnSpc>
@@ -6878,7 +6988,7 @@
               <a:buSzPts val="1000"/>
               <a:buFont typeface="Arial"/>
               <a:buNone/>
-              <a:defRPr b="0" i="0" sz="1000" u="none" cap="none" strike="noStrike">
+              <a:defRPr sz="1000" b="0" i="0" u="none" strike="noStrike" cap="none">
                 <a:solidFill>
                   <a:schemeClr val="lt2"/>
                 </a:solidFill>
@@ -6888,7 +6998,7 @@
                 <a:sym typeface="Roboto"/>
               </a:defRPr>
             </a:lvl3pPr>
-            <a:lvl4pPr indent="0" lvl="3" marL="0" marR="0" algn="r">
+            <a:lvl4pPr marL="0" marR="0" lvl="3" indent="0" algn="r">
               <a:lnSpc>
                 <a:spcPct val="100000"/>
               </a:lnSpc>
@@ -6904,7 +7014,7 @@
               <a:buSzPts val="1000"/>
               <a:buFont typeface="Arial"/>
               <a:buNone/>
-              <a:defRPr b="0" i="0" sz="1000" u="none" cap="none" strike="noStrike">
+              <a:defRPr sz="1000" b="0" i="0" u="none" strike="noStrike" cap="none">
                 <a:solidFill>
                   <a:schemeClr val="lt2"/>
                 </a:solidFill>
@@ -6914,7 +7024,7 @@
                 <a:sym typeface="Roboto"/>
               </a:defRPr>
             </a:lvl4pPr>
-            <a:lvl5pPr indent="0" lvl="4" marL="0" marR="0" algn="r">
+            <a:lvl5pPr marL="0" marR="0" lvl="4" indent="0" algn="r">
               <a:lnSpc>
                 <a:spcPct val="100000"/>
               </a:lnSpc>
@@ -6930,7 +7040,7 @@
               <a:buSzPts val="1000"/>
               <a:buFont typeface="Arial"/>
               <a:buNone/>
-              <a:defRPr b="0" i="0" sz="1000" u="none" cap="none" strike="noStrike">
+              <a:defRPr sz="1000" b="0" i="0" u="none" strike="noStrike" cap="none">
                 <a:solidFill>
                   <a:schemeClr val="lt2"/>
                 </a:solidFill>
@@ -6940,7 +7050,7 @@
                 <a:sym typeface="Roboto"/>
               </a:defRPr>
             </a:lvl5pPr>
-            <a:lvl6pPr indent="0" lvl="5" marL="0" marR="0" algn="r">
+            <a:lvl6pPr marL="0" marR="0" lvl="5" indent="0" algn="r">
               <a:lnSpc>
                 <a:spcPct val="100000"/>
               </a:lnSpc>
@@ -6956,7 +7066,7 @@
               <a:buSzPts val="1000"/>
               <a:buFont typeface="Arial"/>
               <a:buNone/>
-              <a:defRPr b="0" i="0" sz="1000" u="none" cap="none" strike="noStrike">
+              <a:defRPr sz="1000" b="0" i="0" u="none" strike="noStrike" cap="none">
                 <a:solidFill>
                   <a:schemeClr val="lt2"/>
                 </a:solidFill>
@@ -6966,7 +7076,7 @@
                 <a:sym typeface="Roboto"/>
               </a:defRPr>
             </a:lvl6pPr>
-            <a:lvl7pPr indent="0" lvl="6" marL="0" marR="0" algn="r">
+            <a:lvl7pPr marL="0" marR="0" lvl="6" indent="0" algn="r">
               <a:lnSpc>
                 <a:spcPct val="100000"/>
               </a:lnSpc>
@@ -6982,7 +7092,7 @@
               <a:buSzPts val="1000"/>
               <a:buFont typeface="Arial"/>
               <a:buNone/>
-              <a:defRPr b="0" i="0" sz="1000" u="none" cap="none" strike="noStrike">
+              <a:defRPr sz="1000" b="0" i="0" u="none" strike="noStrike" cap="none">
                 <a:solidFill>
                   <a:schemeClr val="lt2"/>
                 </a:solidFill>
@@ -6992,7 +7102,7 @@
                 <a:sym typeface="Roboto"/>
               </a:defRPr>
             </a:lvl7pPr>
-            <a:lvl8pPr indent="0" lvl="7" marL="0" marR="0" algn="r">
+            <a:lvl8pPr marL="0" marR="0" lvl="7" indent="0" algn="r">
               <a:lnSpc>
                 <a:spcPct val="100000"/>
               </a:lnSpc>
@@ -7008,7 +7118,7 @@
               <a:buSzPts val="1000"/>
               <a:buFont typeface="Arial"/>
               <a:buNone/>
-              <a:defRPr b="0" i="0" sz="1000" u="none" cap="none" strike="noStrike">
+              <a:defRPr sz="1000" b="0" i="0" u="none" strike="noStrike" cap="none">
                 <a:solidFill>
                   <a:schemeClr val="lt2"/>
                 </a:solidFill>
@@ -7018,7 +7128,7 @@
                 <a:sym typeface="Roboto"/>
               </a:defRPr>
             </a:lvl8pPr>
-            <a:lvl9pPr indent="0" lvl="8" marL="0" marR="0" algn="r">
+            <a:lvl9pPr marL="0" marR="0" lvl="8" indent="0" algn="r">
               <a:lnSpc>
                 <a:spcPct val="100000"/>
               </a:lnSpc>
@@ -7034,7 +7144,7 @@
               <a:buSzPts val="1000"/>
               <a:buFont typeface="Arial"/>
               <a:buNone/>
-              <a:defRPr b="0" i="0" sz="1000" u="none" cap="none" strike="noStrike">
+              <a:defRPr sz="1000" b="0" i="0" u="none" strike="noStrike" cap="none">
                 <a:solidFill>
                   <a:schemeClr val="lt2"/>
                 </a:solidFill>
@@ -7046,7 +7156,7 @@
             </a:lvl9pPr>
           </a:lstStyle>
           <a:p>
-            <a:pPr indent="0" lvl="0" marL="0" rtl="0" algn="r">
+            <a:pPr marL="0" lvl="0" indent="0" algn="r" rtl="0">
               <a:spcBef>
                 <a:spcPts val="0"/>
               </a:spcBef>
@@ -7072,11 +7182,11 @@
 </file>
 
 <file path=ppt/slideLayouts/slideLayout7.xml><?xml version="1.0" encoding="utf-8"?>
-<p:sldLayout xmlns:a="http://schemas.openxmlformats.org/drawingml/2006/main" xmlns:r="http://schemas.openxmlformats.org/officeDocument/2006/relationships" xmlns:mc="http://schemas.openxmlformats.org/markup-compatibility/2006" xmlns:mv="urn:schemas-microsoft-com:mac:vml" xmlns:p="http://schemas.openxmlformats.org/presentationml/2006/main" xmlns:c="http://schemas.openxmlformats.org/drawingml/2006/chart" xmlns:dgm="http://schemas.openxmlformats.org/drawingml/2006/diagram" xmlns:o="urn:schemas-microsoft-com:office:office" xmlns:v="urn:schemas-microsoft-com:vml" xmlns:pvml="urn:schemas-microsoft-com:office:powerpoint" xmlns:com="http://schemas.openxmlformats.org/drawingml/2006/compatibility" xmlns:p14="http://schemas.microsoft.com/office/powerpoint/2010/main" xmlns:p15="http://schemas.microsoft.com/office/powerpoint/2012/main" xmlns:ahyp="http://schemas.microsoft.com/office/drawing/2018/hyperlinkcolor" matchingName="Main point">
+<p:sldLayout xmlns:a="http://schemas.openxmlformats.org/drawingml/2006/main" xmlns:r="http://schemas.openxmlformats.org/officeDocument/2006/relationships" xmlns:p="http://schemas.openxmlformats.org/presentationml/2006/main" matchingName="Main point">
   <p:cSld name="MAIN_POINT">
     <p:spTree>
       <p:nvGrpSpPr>
-        <p:cNvPr id="41" name="Shape 41"/>
+        <p:cNvPr id="1" name="Shape 41"/>
         <p:cNvGrpSpPr/>
         <p:nvPr/>
       </p:nvGrpSpPr>
@@ -7091,7 +7201,9 @@
       <p:sp>
         <p:nvSpPr>
           <p:cNvPr id="42" name="Google Shape;42;p19"/>
-          <p:cNvSpPr txBox="1"/>
+          <p:cNvSpPr txBox="1">
+            <a:spLocks noGrp="1"/>
+          </p:cNvSpPr>
           <p:nvPr>
             <p:ph type="title"/>
           </p:nvPr>
@@ -7110,7 +7222,7 @@
           </a:ln>
         </p:spPr>
         <p:txBody>
-          <a:bodyPr anchorCtr="0" anchor="ctr" bIns="91425" lIns="91425" spcFirstLastPara="1" rIns="91425" wrap="square" tIns="91425">
+          <a:bodyPr spcFirstLastPara="1" wrap="square" lIns="91425" tIns="91425" rIns="91425" bIns="91425" anchor="ctr" anchorCtr="0">
             <a:noAutofit/>
           </a:bodyPr>
           <a:lstStyle>
@@ -7241,15 +7353,19 @@
               <a:defRPr sz="6000"/>
             </a:lvl9pPr>
           </a:lstStyle>
-          <a:p/>
+          <a:p>
+            <a:endParaRPr/>
+          </a:p>
         </p:txBody>
       </p:sp>
       <p:sp>
         <p:nvSpPr>
           <p:cNvPr id="43" name="Google Shape;43;p19"/>
-          <p:cNvSpPr txBox="1"/>
+          <p:cNvSpPr txBox="1">
+            <a:spLocks noGrp="1"/>
+          </p:cNvSpPr>
           <p:nvPr>
-            <p:ph idx="12" type="sldNum"/>
+            <p:ph type="sldNum" idx="12"/>
           </p:nvPr>
         </p:nvSpPr>
         <p:spPr>
@@ -7266,11 +7382,11 @@
           </a:ln>
         </p:spPr>
         <p:txBody>
-          <a:bodyPr anchorCtr="0" anchor="ctr" bIns="91425" lIns="91425" spcFirstLastPara="1" rIns="91425" wrap="square" tIns="91425">
+          <a:bodyPr spcFirstLastPara="1" wrap="square" lIns="91425" tIns="91425" rIns="91425" bIns="91425" anchor="ctr" anchorCtr="0">
             <a:noAutofit/>
           </a:bodyPr>
           <a:lstStyle>
-            <a:lvl1pPr indent="0" lvl="0" marL="0" marR="0" algn="r">
+            <a:lvl1pPr marL="0" marR="0" lvl="0" indent="0" algn="r">
               <a:lnSpc>
                 <a:spcPct val="100000"/>
               </a:lnSpc>
@@ -7286,7 +7402,7 @@
               <a:buSzPts val="1000"/>
               <a:buFont typeface="Arial"/>
               <a:buNone/>
-              <a:defRPr b="0" i="0" sz="1000" u="none" cap="none" strike="noStrike">
+              <a:defRPr sz="1000" b="0" i="0" u="none" strike="noStrike" cap="none">
                 <a:solidFill>
                   <a:schemeClr val="lt1"/>
                 </a:solidFill>
@@ -7296,7 +7412,7 @@
                 <a:sym typeface="Roboto"/>
               </a:defRPr>
             </a:lvl1pPr>
-            <a:lvl2pPr indent="0" lvl="1" marL="0" marR="0" algn="r">
+            <a:lvl2pPr marL="0" marR="0" lvl="1" indent="0" algn="r">
               <a:lnSpc>
                 <a:spcPct val="100000"/>
               </a:lnSpc>
@@ -7312,7 +7428,7 @@
               <a:buSzPts val="1000"/>
               <a:buFont typeface="Arial"/>
               <a:buNone/>
-              <a:defRPr b="0" i="0" sz="1000" u="none" cap="none" strike="noStrike">
+              <a:defRPr sz="1000" b="0" i="0" u="none" strike="noStrike" cap="none">
                 <a:solidFill>
                   <a:schemeClr val="lt1"/>
                 </a:solidFill>
@@ -7322,7 +7438,7 @@
                 <a:sym typeface="Roboto"/>
               </a:defRPr>
             </a:lvl2pPr>
-            <a:lvl3pPr indent="0" lvl="2" marL="0" marR="0" algn="r">
+            <a:lvl3pPr marL="0" marR="0" lvl="2" indent="0" algn="r">
               <a:lnSpc>
                 <a:spcPct val="100000"/>
               </a:lnSpc>
@@ -7338,7 +7454,7 @@
               <a:buSzPts val="1000"/>
               <a:buFont typeface="Arial"/>
               <a:buNone/>
-              <a:defRPr b="0" i="0" sz="1000" u="none" cap="none" strike="noStrike">
+              <a:defRPr sz="1000" b="0" i="0" u="none" strike="noStrike" cap="none">
                 <a:solidFill>
                   <a:schemeClr val="lt1"/>
                 </a:solidFill>
@@ -7348,7 +7464,7 @@
                 <a:sym typeface="Roboto"/>
               </a:defRPr>
             </a:lvl3pPr>
-            <a:lvl4pPr indent="0" lvl="3" marL="0" marR="0" algn="r">
+            <a:lvl4pPr marL="0" marR="0" lvl="3" indent="0" algn="r">
               <a:lnSpc>
                 <a:spcPct val="100000"/>
               </a:lnSpc>
@@ -7364,7 +7480,7 @@
               <a:buSzPts val="1000"/>
               <a:buFont typeface="Arial"/>
               <a:buNone/>
-              <a:defRPr b="0" i="0" sz="1000" u="none" cap="none" strike="noStrike">
+              <a:defRPr sz="1000" b="0" i="0" u="none" strike="noStrike" cap="none">
                 <a:solidFill>
                   <a:schemeClr val="lt1"/>
                 </a:solidFill>
@@ -7374,7 +7490,7 @@
                 <a:sym typeface="Roboto"/>
               </a:defRPr>
             </a:lvl4pPr>
-            <a:lvl5pPr indent="0" lvl="4" marL="0" marR="0" algn="r">
+            <a:lvl5pPr marL="0" marR="0" lvl="4" indent="0" algn="r">
               <a:lnSpc>
                 <a:spcPct val="100000"/>
               </a:lnSpc>
@@ -7390,7 +7506,7 @@
               <a:buSzPts val="1000"/>
               <a:buFont typeface="Arial"/>
               <a:buNone/>
-              <a:defRPr b="0" i="0" sz="1000" u="none" cap="none" strike="noStrike">
+              <a:defRPr sz="1000" b="0" i="0" u="none" strike="noStrike" cap="none">
                 <a:solidFill>
                   <a:schemeClr val="lt1"/>
                 </a:solidFill>
@@ -7400,7 +7516,7 @@
                 <a:sym typeface="Roboto"/>
               </a:defRPr>
             </a:lvl5pPr>
-            <a:lvl6pPr indent="0" lvl="5" marL="0" marR="0" algn="r">
+            <a:lvl6pPr marL="0" marR="0" lvl="5" indent="0" algn="r">
               <a:lnSpc>
                 <a:spcPct val="100000"/>
               </a:lnSpc>
@@ -7416,7 +7532,7 @@
               <a:buSzPts val="1000"/>
               <a:buFont typeface="Arial"/>
               <a:buNone/>
-              <a:defRPr b="0" i="0" sz="1000" u="none" cap="none" strike="noStrike">
+              <a:defRPr sz="1000" b="0" i="0" u="none" strike="noStrike" cap="none">
                 <a:solidFill>
                   <a:schemeClr val="lt1"/>
                 </a:solidFill>
@@ -7426,7 +7542,7 @@
                 <a:sym typeface="Roboto"/>
               </a:defRPr>
             </a:lvl6pPr>
-            <a:lvl7pPr indent="0" lvl="6" marL="0" marR="0" algn="r">
+            <a:lvl7pPr marL="0" marR="0" lvl="6" indent="0" algn="r">
               <a:lnSpc>
                 <a:spcPct val="100000"/>
               </a:lnSpc>
@@ -7442,7 +7558,7 @@
               <a:buSzPts val="1000"/>
               <a:buFont typeface="Arial"/>
               <a:buNone/>
-              <a:defRPr b="0" i="0" sz="1000" u="none" cap="none" strike="noStrike">
+              <a:defRPr sz="1000" b="0" i="0" u="none" strike="noStrike" cap="none">
                 <a:solidFill>
                   <a:schemeClr val="lt1"/>
                 </a:solidFill>
@@ -7452,7 +7568,7 @@
                 <a:sym typeface="Roboto"/>
               </a:defRPr>
             </a:lvl7pPr>
-            <a:lvl8pPr indent="0" lvl="7" marL="0" marR="0" algn="r">
+            <a:lvl8pPr marL="0" marR="0" lvl="7" indent="0" algn="r">
               <a:lnSpc>
                 <a:spcPct val="100000"/>
               </a:lnSpc>
@@ -7468,7 +7584,7 @@
               <a:buSzPts val="1000"/>
               <a:buFont typeface="Arial"/>
               <a:buNone/>
-              <a:defRPr b="0" i="0" sz="1000" u="none" cap="none" strike="noStrike">
+              <a:defRPr sz="1000" b="0" i="0" u="none" strike="noStrike" cap="none">
                 <a:solidFill>
                   <a:schemeClr val="lt1"/>
                 </a:solidFill>
@@ -7478,7 +7594,7 @@
                 <a:sym typeface="Roboto"/>
               </a:defRPr>
             </a:lvl8pPr>
-            <a:lvl9pPr indent="0" lvl="8" marL="0" marR="0" algn="r">
+            <a:lvl9pPr marL="0" marR="0" lvl="8" indent="0" algn="r">
               <a:lnSpc>
                 <a:spcPct val="100000"/>
               </a:lnSpc>
@@ -7494,7 +7610,7 @@
               <a:buSzPts val="1000"/>
               <a:buFont typeface="Arial"/>
               <a:buNone/>
-              <a:defRPr b="0" i="0" sz="1000" u="none" cap="none" strike="noStrike">
+              <a:defRPr sz="1000" b="0" i="0" u="none" strike="noStrike" cap="none">
                 <a:solidFill>
                   <a:schemeClr val="lt1"/>
                 </a:solidFill>
@@ -7506,7 +7622,7 @@
             </a:lvl9pPr>
           </a:lstStyle>
           <a:p>
-            <a:pPr indent="0" lvl="0" marL="0" rtl="0" algn="r">
+            <a:pPr marL="0" lvl="0" indent="0" algn="r" rtl="0">
               <a:spcBef>
                 <a:spcPts val="0"/>
               </a:spcBef>
@@ -7532,11 +7648,11 @@
 </file>
 
 <file path=ppt/slideLayouts/slideLayout8.xml><?xml version="1.0" encoding="utf-8"?>
-<p:sldLayout xmlns:a="http://schemas.openxmlformats.org/drawingml/2006/main" xmlns:r="http://schemas.openxmlformats.org/officeDocument/2006/relationships" xmlns:mc="http://schemas.openxmlformats.org/markup-compatibility/2006" xmlns:mv="urn:schemas-microsoft-com:mac:vml" xmlns:p="http://schemas.openxmlformats.org/presentationml/2006/main" xmlns:c="http://schemas.openxmlformats.org/drawingml/2006/chart" xmlns:dgm="http://schemas.openxmlformats.org/drawingml/2006/diagram" xmlns:o="urn:schemas-microsoft-com:office:office" xmlns:v="urn:schemas-microsoft-com:vml" xmlns:pvml="urn:schemas-microsoft-com:office:powerpoint" xmlns:com="http://schemas.openxmlformats.org/drawingml/2006/compatibility" xmlns:p14="http://schemas.microsoft.com/office/powerpoint/2010/main" xmlns:p15="http://schemas.microsoft.com/office/powerpoint/2012/main" xmlns:ahyp="http://schemas.microsoft.com/office/drawing/2018/hyperlinkcolor" matchingName="Section title and description">
+<p:sldLayout xmlns:a="http://schemas.openxmlformats.org/drawingml/2006/main" xmlns:r="http://schemas.openxmlformats.org/officeDocument/2006/relationships" xmlns:p="http://schemas.openxmlformats.org/presentationml/2006/main" matchingName="Section title and description">
   <p:cSld name="SECTION_TITLE_AND_DESCRIPTION">
     <p:spTree>
       <p:nvGrpSpPr>
-        <p:cNvPr id="44" name="Shape 44"/>
+        <p:cNvPr id="1" name="Shape 44"/>
         <p:cNvGrpSpPr/>
         <p:nvPr/>
       </p:nvGrpSpPr>
@@ -7570,12 +7686,12 @@
           </a:ln>
         </p:spPr>
         <p:txBody>
-          <a:bodyPr anchorCtr="0" anchor="ctr" bIns="91425" lIns="91425" spcFirstLastPara="1" rIns="91425" wrap="square" tIns="91425">
+          <a:bodyPr spcFirstLastPara="1" wrap="square" lIns="91425" tIns="91425" rIns="91425" bIns="91425" anchor="ctr" anchorCtr="0">
             <a:noAutofit/>
           </a:bodyPr>
           <a:lstStyle/>
           <a:p>
-            <a:pPr indent="0" lvl="0" marL="0" marR="0" rtl="0" algn="l">
+            <a:pPr marL="0" marR="0" lvl="0" indent="0" algn="l" rtl="0">
               <a:lnSpc>
                 <a:spcPct val="100000"/>
               </a:lnSpc>
@@ -7592,10 +7708,7 @@
               <a:buFont typeface="Arial"/>
               <a:buNone/>
             </a:pPr>
-            <a:r>
-              <a:t/>
-            </a:r>
-            <a:endParaRPr b="0" i="0" sz="1400" u="none" cap="none" strike="noStrike">
+            <a:endParaRPr sz="1400" b="0" i="0" u="none" strike="noStrike" cap="none">
               <a:solidFill>
                 <a:srgbClr val="000000"/>
               </a:solidFill>
@@ -7643,12 +7756,12 @@
           </a:ln>
         </p:spPr>
         <p:txBody>
-          <a:bodyPr anchorCtr="0" anchor="ctr" bIns="91425" lIns="91425" spcFirstLastPara="1" rIns="91425" wrap="square" tIns="91425">
+          <a:bodyPr spcFirstLastPara="1" wrap="square" lIns="91425" tIns="91425" rIns="91425" bIns="91425" anchor="ctr" anchorCtr="0">
             <a:noAutofit/>
           </a:bodyPr>
           <a:lstStyle/>
           <a:p>
-            <a:pPr indent="0" lvl="0" marL="0" marR="0" rtl="0" algn="l">
+            <a:pPr marL="0" marR="0" lvl="0" indent="0" algn="l" rtl="0">
               <a:lnSpc>
                 <a:spcPct val="100000"/>
               </a:lnSpc>
@@ -7665,10 +7778,7 @@
               <a:buFont typeface="Arial"/>
               <a:buNone/>
             </a:pPr>
-            <a:r>
-              <a:t/>
-            </a:r>
-            <a:endParaRPr b="0" i="0" sz="1400" u="none" cap="none" strike="noStrike">
+            <a:endParaRPr sz="1400" b="0" i="0" u="none" strike="noStrike" cap="none">
               <a:solidFill>
                 <a:srgbClr val="000000"/>
               </a:solidFill>
@@ -7683,7 +7793,9 @@
       <p:sp>
         <p:nvSpPr>
           <p:cNvPr id="47" name="Google Shape;47;p20"/>
-          <p:cNvSpPr txBox="1"/>
+          <p:cNvSpPr txBox="1">
+            <a:spLocks noGrp="1"/>
+          </p:cNvSpPr>
           <p:nvPr>
             <p:ph type="title"/>
           </p:nvPr>
@@ -7702,7 +7814,7 @@
           </a:ln>
         </p:spPr>
         <p:txBody>
-          <a:bodyPr anchorCtr="0" anchor="b" bIns="91425" lIns="91425" spcFirstLastPara="1" rIns="91425" wrap="square" tIns="91425">
+          <a:bodyPr spcFirstLastPara="1" wrap="square" lIns="91425" tIns="91425" rIns="91425" bIns="91425" anchor="b" anchorCtr="0">
             <a:noAutofit/>
           </a:bodyPr>
           <a:lstStyle>
@@ -7896,15 +8008,19 @@
               </a:defRPr>
             </a:lvl9pPr>
           </a:lstStyle>
-          <a:p/>
+          <a:p>
+            <a:endParaRPr/>
+          </a:p>
         </p:txBody>
       </p:sp>
       <p:sp>
         <p:nvSpPr>
           <p:cNvPr id="48" name="Google Shape;48;p20"/>
-          <p:cNvSpPr txBox="1"/>
+          <p:cNvSpPr txBox="1">
+            <a:spLocks noGrp="1"/>
+          </p:cNvSpPr>
           <p:nvPr>
-            <p:ph idx="1" type="subTitle"/>
+            <p:ph type="subTitle" idx="1"/>
           </p:nvPr>
         </p:nvSpPr>
         <p:spPr>
@@ -7921,7 +8037,7 @@
           </a:ln>
         </p:spPr>
         <p:txBody>
-          <a:bodyPr anchorCtr="0" anchor="t" bIns="91425" lIns="91425" spcFirstLastPara="1" rIns="91425" wrap="square" tIns="91425">
+          <a:bodyPr spcFirstLastPara="1" wrap="square" lIns="91425" tIns="91425" rIns="91425" bIns="91425" anchor="t" anchorCtr="0">
             <a:noAutofit/>
           </a:bodyPr>
           <a:lstStyle>
@@ -8052,15 +8168,19 @@
               <a:defRPr sz="2100"/>
             </a:lvl9pPr>
           </a:lstStyle>
-          <a:p/>
+          <a:p>
+            <a:endParaRPr/>
+          </a:p>
         </p:txBody>
       </p:sp>
       <p:sp>
         <p:nvSpPr>
           <p:cNvPr id="49" name="Google Shape;49;p20"/>
-          <p:cNvSpPr txBox="1"/>
+          <p:cNvSpPr txBox="1">
+            <a:spLocks noGrp="1"/>
+          </p:cNvSpPr>
           <p:nvPr>
-            <p:ph idx="2" type="body"/>
+            <p:ph type="body" idx="2"/>
           </p:nvPr>
         </p:nvSpPr>
         <p:spPr>
@@ -8077,11 +8197,11 @@
           </a:ln>
         </p:spPr>
         <p:txBody>
-          <a:bodyPr anchorCtr="0" anchor="ctr" bIns="91425" lIns="91425" spcFirstLastPara="1" rIns="91425" wrap="square" tIns="91425">
+          <a:bodyPr spcFirstLastPara="1" wrap="square" lIns="91425" tIns="91425" rIns="91425" bIns="91425" anchor="ctr" anchorCtr="0">
             <a:noAutofit/>
           </a:bodyPr>
           <a:lstStyle>
-            <a:lvl1pPr indent="-342900" lvl="0" marL="457200" algn="l">
+            <a:lvl1pPr marL="457200" lvl="0" indent="-342900" algn="l">
               <a:lnSpc>
                 <a:spcPct val="115000"/>
               </a:lnSpc>
@@ -8102,7 +8222,7 @@
                 </a:solidFill>
               </a:defRPr>
             </a:lvl1pPr>
-            <a:lvl2pPr indent="-317500" lvl="1" marL="914400" algn="l">
+            <a:lvl2pPr marL="914400" lvl="1" indent="-317500" algn="l">
               <a:lnSpc>
                 <a:spcPct val="115000"/>
               </a:lnSpc>
@@ -8123,7 +8243,7 @@
                 </a:solidFill>
               </a:defRPr>
             </a:lvl2pPr>
-            <a:lvl3pPr indent="-317500" lvl="2" marL="1371600" algn="l">
+            <a:lvl3pPr marL="1371600" lvl="2" indent="-317500" algn="l">
               <a:lnSpc>
                 <a:spcPct val="115000"/>
               </a:lnSpc>
@@ -8144,7 +8264,7 @@
                 </a:solidFill>
               </a:defRPr>
             </a:lvl3pPr>
-            <a:lvl4pPr indent="-317500" lvl="3" marL="1828800" algn="l">
+            <a:lvl4pPr marL="1828800" lvl="3" indent="-317500" algn="l">
               <a:lnSpc>
                 <a:spcPct val="115000"/>
               </a:lnSpc>
@@ -8165,7 +8285,7 @@
                 </a:solidFill>
               </a:defRPr>
             </a:lvl4pPr>
-            <a:lvl5pPr indent="-317500" lvl="4" marL="2286000" algn="l">
+            <a:lvl5pPr marL="2286000" lvl="4" indent="-317500" algn="l">
               <a:lnSpc>
                 <a:spcPct val="115000"/>
               </a:lnSpc>
@@ -8186,7 +8306,7 @@
                 </a:solidFill>
               </a:defRPr>
             </a:lvl5pPr>
-            <a:lvl6pPr indent="-317500" lvl="5" marL="2743200" algn="l">
+            <a:lvl6pPr marL="2743200" lvl="5" indent="-317500" algn="l">
               <a:lnSpc>
                 <a:spcPct val="115000"/>
               </a:lnSpc>
@@ -8207,7 +8327,7 @@
                 </a:solidFill>
               </a:defRPr>
             </a:lvl6pPr>
-            <a:lvl7pPr indent="-317500" lvl="6" marL="3200400" algn="l">
+            <a:lvl7pPr marL="3200400" lvl="6" indent="-317500" algn="l">
               <a:lnSpc>
                 <a:spcPct val="115000"/>
               </a:lnSpc>
@@ -8228,7 +8348,7 @@
                 </a:solidFill>
               </a:defRPr>
             </a:lvl7pPr>
-            <a:lvl8pPr indent="-317500" lvl="7" marL="3657600" algn="l">
+            <a:lvl8pPr marL="3657600" lvl="7" indent="-317500" algn="l">
               <a:lnSpc>
                 <a:spcPct val="115000"/>
               </a:lnSpc>
@@ -8249,7 +8369,7 @@
                 </a:solidFill>
               </a:defRPr>
             </a:lvl8pPr>
-            <a:lvl9pPr indent="-317500" lvl="8" marL="4114800" algn="l">
+            <a:lvl9pPr marL="4114800" lvl="8" indent="-317500" algn="l">
               <a:lnSpc>
                 <a:spcPct val="115000"/>
               </a:lnSpc>
@@ -8271,15 +8391,19 @@
               </a:defRPr>
             </a:lvl9pPr>
           </a:lstStyle>
-          <a:p/>
+          <a:p>
+            <a:endParaRPr/>
+          </a:p>
         </p:txBody>
       </p:sp>
       <p:sp>
         <p:nvSpPr>
           <p:cNvPr id="50" name="Google Shape;50;p20"/>
-          <p:cNvSpPr txBox="1"/>
+          <p:cNvSpPr txBox="1">
+            <a:spLocks noGrp="1"/>
+          </p:cNvSpPr>
           <p:nvPr>
-            <p:ph idx="12" type="sldNum"/>
+            <p:ph type="sldNum" idx="12"/>
           </p:nvPr>
         </p:nvSpPr>
         <p:spPr>
@@ -8296,11 +8420,11 @@
           </a:ln>
         </p:spPr>
         <p:txBody>
-          <a:bodyPr anchorCtr="0" anchor="ctr" bIns="91425" lIns="91425" spcFirstLastPara="1" rIns="91425" wrap="square" tIns="91425">
+          <a:bodyPr spcFirstLastPara="1" wrap="square" lIns="91425" tIns="91425" rIns="91425" bIns="91425" anchor="ctr" anchorCtr="0">
             <a:noAutofit/>
           </a:bodyPr>
           <a:lstStyle>
-            <a:lvl1pPr indent="0" lvl="0" marL="0" marR="0" algn="r">
+            <a:lvl1pPr marL="0" marR="0" lvl="0" indent="0" algn="r">
               <a:lnSpc>
                 <a:spcPct val="100000"/>
               </a:lnSpc>
@@ -8316,7 +8440,7 @@
               <a:buSzPts val="1000"/>
               <a:buFont typeface="Arial"/>
               <a:buNone/>
-              <a:defRPr b="0" i="0" sz="1000" u="none" cap="none" strike="noStrike">
+              <a:defRPr sz="1000" b="0" i="0" u="none" strike="noStrike" cap="none">
                 <a:solidFill>
                   <a:schemeClr val="lt1"/>
                 </a:solidFill>
@@ -8326,7 +8450,7 @@
                 <a:sym typeface="Roboto"/>
               </a:defRPr>
             </a:lvl1pPr>
-            <a:lvl2pPr indent="0" lvl="1" marL="0" marR="0" algn="r">
+            <a:lvl2pPr marL="0" marR="0" lvl="1" indent="0" algn="r">
               <a:lnSpc>
                 <a:spcPct val="100000"/>
               </a:lnSpc>
@@ -8342,7 +8466,7 @@
               <a:buSzPts val="1000"/>
               <a:buFont typeface="Arial"/>
               <a:buNone/>
-              <a:defRPr b="0" i="0" sz="1000" u="none" cap="none" strike="noStrike">
+              <a:defRPr sz="1000" b="0" i="0" u="none" strike="noStrike" cap="none">
                 <a:solidFill>
                   <a:schemeClr val="lt1"/>
                 </a:solidFill>
@@ -8352,7 +8476,7 @@
                 <a:sym typeface="Roboto"/>
               </a:defRPr>
             </a:lvl2pPr>
-            <a:lvl3pPr indent="0" lvl="2" marL="0" marR="0" algn="r">
+            <a:lvl3pPr marL="0" marR="0" lvl="2" indent="0" algn="r">
               <a:lnSpc>
                 <a:spcPct val="100000"/>
               </a:lnSpc>
@@ -8368,7 +8492,7 @@
               <a:buSzPts val="1000"/>
               <a:buFont typeface="Arial"/>
               <a:buNone/>
-              <a:defRPr b="0" i="0" sz="1000" u="none" cap="none" strike="noStrike">
+              <a:defRPr sz="1000" b="0" i="0" u="none" strike="noStrike" cap="none">
                 <a:solidFill>
                   <a:schemeClr val="lt1"/>
                 </a:solidFill>
@@ -8378,7 +8502,7 @@
                 <a:sym typeface="Roboto"/>
               </a:defRPr>
             </a:lvl3pPr>
-            <a:lvl4pPr indent="0" lvl="3" marL="0" marR="0" algn="r">
+            <a:lvl4pPr marL="0" marR="0" lvl="3" indent="0" algn="r">
               <a:lnSpc>
                 <a:spcPct val="100000"/>
               </a:lnSpc>
@@ -8394,7 +8518,7 @@
               <a:buSzPts val="1000"/>
               <a:buFont typeface="Arial"/>
               <a:buNone/>
-              <a:defRPr b="0" i="0" sz="1000" u="none" cap="none" strike="noStrike">
+              <a:defRPr sz="1000" b="0" i="0" u="none" strike="noStrike" cap="none">
                 <a:solidFill>
                   <a:schemeClr val="lt1"/>
                 </a:solidFill>
@@ -8404,7 +8528,7 @@
                 <a:sym typeface="Roboto"/>
               </a:defRPr>
             </a:lvl4pPr>
-            <a:lvl5pPr indent="0" lvl="4" marL="0" marR="0" algn="r">
+            <a:lvl5pPr marL="0" marR="0" lvl="4" indent="0" algn="r">
               <a:lnSpc>
                 <a:spcPct val="100000"/>
               </a:lnSpc>
@@ -8420,7 +8544,7 @@
               <a:buSzPts val="1000"/>
               <a:buFont typeface="Arial"/>
               <a:buNone/>
-              <a:defRPr b="0" i="0" sz="1000" u="none" cap="none" strike="noStrike">
+              <a:defRPr sz="1000" b="0" i="0" u="none" strike="noStrike" cap="none">
                 <a:solidFill>
                   <a:schemeClr val="lt1"/>
                 </a:solidFill>
@@ -8430,7 +8554,7 @@
                 <a:sym typeface="Roboto"/>
               </a:defRPr>
             </a:lvl5pPr>
-            <a:lvl6pPr indent="0" lvl="5" marL="0" marR="0" algn="r">
+            <a:lvl6pPr marL="0" marR="0" lvl="5" indent="0" algn="r">
               <a:lnSpc>
                 <a:spcPct val="100000"/>
               </a:lnSpc>
@@ -8446,7 +8570,7 @@
               <a:buSzPts val="1000"/>
               <a:buFont typeface="Arial"/>
               <a:buNone/>
-              <a:defRPr b="0" i="0" sz="1000" u="none" cap="none" strike="noStrike">
+              <a:defRPr sz="1000" b="0" i="0" u="none" strike="noStrike" cap="none">
                 <a:solidFill>
                   <a:schemeClr val="lt1"/>
                 </a:solidFill>
@@ -8456,7 +8580,7 @@
                 <a:sym typeface="Roboto"/>
               </a:defRPr>
             </a:lvl6pPr>
-            <a:lvl7pPr indent="0" lvl="6" marL="0" marR="0" algn="r">
+            <a:lvl7pPr marL="0" marR="0" lvl="6" indent="0" algn="r">
               <a:lnSpc>
                 <a:spcPct val="100000"/>
               </a:lnSpc>
@@ -8472,7 +8596,7 @@
               <a:buSzPts val="1000"/>
               <a:buFont typeface="Arial"/>
               <a:buNone/>
-              <a:defRPr b="0" i="0" sz="1000" u="none" cap="none" strike="noStrike">
+              <a:defRPr sz="1000" b="0" i="0" u="none" strike="noStrike" cap="none">
                 <a:solidFill>
                   <a:schemeClr val="lt1"/>
                 </a:solidFill>
@@ -8482,7 +8606,7 @@
                 <a:sym typeface="Roboto"/>
               </a:defRPr>
             </a:lvl7pPr>
-            <a:lvl8pPr indent="0" lvl="7" marL="0" marR="0" algn="r">
+            <a:lvl8pPr marL="0" marR="0" lvl="7" indent="0" algn="r">
               <a:lnSpc>
                 <a:spcPct val="100000"/>
               </a:lnSpc>
@@ -8498,7 +8622,7 @@
               <a:buSzPts val="1000"/>
               <a:buFont typeface="Arial"/>
               <a:buNone/>
-              <a:defRPr b="0" i="0" sz="1000" u="none" cap="none" strike="noStrike">
+              <a:defRPr sz="1000" b="0" i="0" u="none" strike="noStrike" cap="none">
                 <a:solidFill>
                   <a:schemeClr val="lt1"/>
                 </a:solidFill>
@@ -8508,7 +8632,7 @@
                 <a:sym typeface="Roboto"/>
               </a:defRPr>
             </a:lvl8pPr>
-            <a:lvl9pPr indent="0" lvl="8" marL="0" marR="0" algn="r">
+            <a:lvl9pPr marL="0" marR="0" lvl="8" indent="0" algn="r">
               <a:lnSpc>
                 <a:spcPct val="100000"/>
               </a:lnSpc>
@@ -8524,7 +8648,7 @@
               <a:buSzPts val="1000"/>
               <a:buFont typeface="Arial"/>
               <a:buNone/>
-              <a:defRPr b="0" i="0" sz="1000" u="none" cap="none" strike="noStrike">
+              <a:defRPr sz="1000" b="0" i="0" u="none" strike="noStrike" cap="none">
                 <a:solidFill>
                   <a:schemeClr val="lt1"/>
                 </a:solidFill>
@@ -8536,7 +8660,7 @@
             </a:lvl9pPr>
           </a:lstStyle>
           <a:p>
-            <a:pPr indent="0" lvl="0" marL="0" rtl="0" algn="r">
+            <a:pPr marL="0" lvl="0" indent="0" algn="r" rtl="0">
               <a:spcBef>
                 <a:spcPts val="0"/>
               </a:spcBef>
@@ -8562,11 +8686,11 @@
 </file>
 
 <file path=ppt/slideLayouts/slideLayout9.xml><?xml version="1.0" encoding="utf-8"?>
-<p:sldLayout xmlns:a="http://schemas.openxmlformats.org/drawingml/2006/main" xmlns:r="http://schemas.openxmlformats.org/officeDocument/2006/relationships" xmlns:mc="http://schemas.openxmlformats.org/markup-compatibility/2006" xmlns:mv="urn:schemas-microsoft-com:mac:vml" xmlns:p="http://schemas.openxmlformats.org/presentationml/2006/main" xmlns:c="http://schemas.openxmlformats.org/drawingml/2006/chart" xmlns:dgm="http://schemas.openxmlformats.org/drawingml/2006/diagram" xmlns:o="urn:schemas-microsoft-com:office:office" xmlns:v="urn:schemas-microsoft-com:vml" xmlns:pvml="urn:schemas-microsoft-com:office:powerpoint" xmlns:com="http://schemas.openxmlformats.org/drawingml/2006/compatibility" xmlns:p14="http://schemas.microsoft.com/office/powerpoint/2010/main" xmlns:p15="http://schemas.microsoft.com/office/powerpoint/2012/main" xmlns:ahyp="http://schemas.microsoft.com/office/drawing/2018/hyperlinkcolor" matchingName="Caption">
+<p:sldLayout xmlns:a="http://schemas.openxmlformats.org/drawingml/2006/main" xmlns:r="http://schemas.openxmlformats.org/officeDocument/2006/relationships" xmlns:p="http://schemas.openxmlformats.org/presentationml/2006/main" matchingName="Caption">
   <p:cSld name="CAPTION_ONLY">
     <p:spTree>
       <p:nvGrpSpPr>
-        <p:cNvPr id="51" name="Shape 51"/>
+        <p:cNvPr id="1" name="Shape 51"/>
         <p:cNvGrpSpPr/>
         <p:nvPr/>
       </p:nvGrpSpPr>
@@ -8585,7 +8709,7 @@
           <p:nvPr/>
         </p:nvSpPr>
         <p:spPr>
-          <a:xfrm flipH="1" rot="10800000">
+          <a:xfrm rot="10800000" flipH="1">
             <a:off x="0" y="0"/>
             <a:ext cx="9144000" cy="4695900"/>
           </a:xfrm>
@@ -8600,12 +8724,12 @@
           </a:ln>
         </p:spPr>
         <p:txBody>
-          <a:bodyPr anchorCtr="0" anchor="ctr" bIns="91425" lIns="91425" spcFirstLastPara="1" rIns="91425" wrap="square" tIns="91425">
+          <a:bodyPr spcFirstLastPara="1" wrap="square" lIns="91425" tIns="91425" rIns="91425" bIns="91425" anchor="ctr" anchorCtr="0">
             <a:noAutofit/>
           </a:bodyPr>
           <a:lstStyle/>
           <a:p>
-            <a:pPr indent="0" lvl="0" marL="0" marR="0" rtl="0" algn="l">
+            <a:pPr marL="0" marR="0" lvl="0" indent="0" algn="l" rtl="0">
               <a:lnSpc>
                 <a:spcPct val="100000"/>
               </a:lnSpc>
@@ -8622,10 +8746,7 @@
               <a:buFont typeface="Arial"/>
               <a:buNone/>
             </a:pPr>
-            <a:r>
-              <a:t/>
-            </a:r>
-            <a:endParaRPr b="0" i="0" sz="1400" u="none" cap="none" strike="noStrike">
+            <a:endParaRPr sz="1400" b="0" i="0" u="none" strike="noStrike" cap="none">
               <a:solidFill>
                 <a:srgbClr val="000000"/>
               </a:solidFill>
@@ -8644,7 +8765,7 @@
           <p:nvPr/>
         </p:nvSpPr>
         <p:spPr>
-          <a:xfrm flipH="1" rot="10800000">
+          <a:xfrm rot="10800000" flipH="1">
             <a:off x="0" y="4622725"/>
             <a:ext cx="9144000" cy="74100"/>
           </a:xfrm>
@@ -8673,12 +8794,12 @@
           </a:ln>
         </p:spPr>
         <p:txBody>
-          <a:bodyPr anchorCtr="0" anchor="ctr" bIns="91425" lIns="91425" spcFirstLastPara="1" rIns="91425" wrap="square" tIns="91425">
+          <a:bodyPr spcFirstLastPara="1" wrap="square" lIns="91425" tIns="91425" rIns="91425" bIns="91425" anchor="ctr" anchorCtr="0">
             <a:noAutofit/>
           </a:bodyPr>
           <a:lstStyle/>
           <a:p>
-            <a:pPr indent="0" lvl="0" marL="0" marR="0" rtl="0" algn="l">
+            <a:pPr marL="0" marR="0" lvl="0" indent="0" algn="l" rtl="0">
               <a:lnSpc>
                 <a:spcPct val="100000"/>
               </a:lnSpc>
@@ -8695,10 +8816,7 @@
               <a:buFont typeface="Arial"/>
               <a:buNone/>
             </a:pPr>
-            <a:r>
-              <a:t/>
-            </a:r>
-            <a:endParaRPr b="0" i="0" sz="1400" u="none" cap="none" strike="noStrike">
+            <a:endParaRPr sz="1400" b="0" i="0" u="none" strike="noStrike" cap="none">
               <a:solidFill>
                 <a:srgbClr val="000000"/>
               </a:solidFill>
@@ -8713,9 +8831,11 @@
       <p:sp>
         <p:nvSpPr>
           <p:cNvPr id="54" name="Google Shape;54;p21"/>
-          <p:cNvSpPr txBox="1"/>
+          <p:cNvSpPr txBox="1">
+            <a:spLocks noGrp="1"/>
+          </p:cNvSpPr>
           <p:nvPr>
-            <p:ph idx="1" type="body"/>
+            <p:ph type="body" idx="1"/>
           </p:nvPr>
         </p:nvSpPr>
         <p:spPr>
@@ -8732,11 +8852,11 @@
           </a:ln>
         </p:spPr>
         <p:txBody>
-          <a:bodyPr anchorCtr="0" anchor="ctr" bIns="91425" lIns="91425" spcFirstLastPara="1" rIns="91425" wrap="square" tIns="91425">
+          <a:bodyPr spcFirstLastPara="1" wrap="square" lIns="91425" tIns="91425" rIns="91425" bIns="91425" anchor="ctr" anchorCtr="0">
             <a:noAutofit/>
           </a:bodyPr>
           <a:lstStyle>
-            <a:lvl1pPr indent="-228600" lvl="0" marL="457200" algn="l">
+            <a:lvl1pPr marL="457200" lvl="0" indent="-228600" algn="l">
               <a:lnSpc>
                 <a:spcPct val="100000"/>
               </a:lnSpc>
@@ -8758,15 +8878,19 @@
               </a:defRPr>
             </a:lvl1pPr>
           </a:lstStyle>
-          <a:p/>
+          <a:p>
+            <a:endParaRPr/>
+          </a:p>
         </p:txBody>
       </p:sp>
       <p:sp>
         <p:nvSpPr>
           <p:cNvPr id="55" name="Google Shape;55;p21"/>
-          <p:cNvSpPr txBox="1"/>
+          <p:cNvSpPr txBox="1">
+            <a:spLocks noGrp="1"/>
+          </p:cNvSpPr>
           <p:nvPr>
-            <p:ph idx="12" type="sldNum"/>
+            <p:ph type="sldNum" idx="12"/>
           </p:nvPr>
         </p:nvSpPr>
         <p:spPr>
@@ -8783,11 +8907,11 @@
           </a:ln>
         </p:spPr>
         <p:txBody>
-          <a:bodyPr anchorCtr="0" anchor="ctr" bIns="91425" lIns="91425" spcFirstLastPara="1" rIns="91425" wrap="square" tIns="91425">
+          <a:bodyPr spcFirstLastPara="1" wrap="square" lIns="91425" tIns="91425" rIns="91425" bIns="91425" anchor="ctr" anchorCtr="0">
             <a:noAutofit/>
           </a:bodyPr>
           <a:lstStyle>
-            <a:lvl1pPr indent="0" lvl="0" marL="0" marR="0" algn="r">
+            <a:lvl1pPr marL="0" marR="0" lvl="0" indent="0" algn="r">
               <a:lnSpc>
                 <a:spcPct val="100000"/>
               </a:lnSpc>
@@ -8803,7 +8927,7 @@
               <a:buSzPts val="1000"/>
               <a:buFont typeface="Arial"/>
               <a:buNone/>
-              <a:defRPr b="0" i="0" sz="1000" u="none" cap="none" strike="noStrike">
+              <a:defRPr sz="1000" b="0" i="0" u="none" strike="noStrike" cap="none">
                 <a:solidFill>
                   <a:schemeClr val="lt1"/>
                 </a:solidFill>
@@ -8813,7 +8937,7 @@
                 <a:sym typeface="Roboto"/>
               </a:defRPr>
             </a:lvl1pPr>
-            <a:lvl2pPr indent="0" lvl="1" marL="0" marR="0" algn="r">
+            <a:lvl2pPr marL="0" marR="0" lvl="1" indent="0" algn="r">
               <a:lnSpc>
                 <a:spcPct val="100000"/>
               </a:lnSpc>
@@ -8829,7 +8953,7 @@
               <a:buSzPts val="1000"/>
               <a:buFont typeface="Arial"/>
               <a:buNone/>
-              <a:defRPr b="0" i="0" sz="1000" u="none" cap="none" strike="noStrike">
+              <a:defRPr sz="1000" b="0" i="0" u="none" strike="noStrike" cap="none">
                 <a:solidFill>
                   <a:schemeClr val="lt1"/>
                 </a:solidFill>
@@ -8839,7 +8963,7 @@
                 <a:sym typeface="Roboto"/>
               </a:defRPr>
             </a:lvl2pPr>
-            <a:lvl3pPr indent="0" lvl="2" marL="0" marR="0" algn="r">
+            <a:lvl3pPr marL="0" marR="0" lvl="2" indent="0" algn="r">
               <a:lnSpc>
                 <a:spcPct val="100000"/>
               </a:lnSpc>
@@ -8855,7 +8979,7 @@
               <a:buSzPts val="1000"/>
               <a:buFont typeface="Arial"/>
               <a:buNone/>
-              <a:defRPr b="0" i="0" sz="1000" u="none" cap="none" strike="noStrike">
+              <a:defRPr sz="1000" b="0" i="0" u="none" strike="noStrike" cap="none">
                 <a:solidFill>
                   <a:schemeClr val="lt1"/>
                 </a:solidFill>
@@ -8865,7 +8989,7 @@
                 <a:sym typeface="Roboto"/>
               </a:defRPr>
             </a:lvl3pPr>
-            <a:lvl4pPr indent="0" lvl="3" marL="0" marR="0" algn="r">
+            <a:lvl4pPr marL="0" marR="0" lvl="3" indent="0" algn="r">
               <a:lnSpc>
                 <a:spcPct val="100000"/>
               </a:lnSpc>
@@ -8881,7 +9005,7 @@
               <a:buSzPts val="1000"/>
               <a:buFont typeface="Arial"/>
               <a:buNone/>
-              <a:defRPr b="0" i="0" sz="1000" u="none" cap="none" strike="noStrike">
+              <a:defRPr sz="1000" b="0" i="0" u="none" strike="noStrike" cap="none">
                 <a:solidFill>
                   <a:schemeClr val="lt1"/>
                 </a:solidFill>
@@ -8891,7 +9015,7 @@
                 <a:sym typeface="Roboto"/>
               </a:defRPr>
             </a:lvl4pPr>
-            <a:lvl5pPr indent="0" lvl="4" marL="0" marR="0" algn="r">
+            <a:lvl5pPr marL="0" marR="0" lvl="4" indent="0" algn="r">
               <a:lnSpc>
                 <a:spcPct val="100000"/>
               </a:lnSpc>
@@ -8907,7 +9031,7 @@
               <a:buSzPts val="1000"/>
               <a:buFont typeface="Arial"/>
               <a:buNone/>
-              <a:defRPr b="0" i="0" sz="1000" u="none" cap="none" strike="noStrike">
+              <a:defRPr sz="1000" b="0" i="0" u="none" strike="noStrike" cap="none">
                 <a:solidFill>
                   <a:schemeClr val="lt1"/>
                 </a:solidFill>
@@ -8917,7 +9041,7 @@
                 <a:sym typeface="Roboto"/>
               </a:defRPr>
             </a:lvl5pPr>
-            <a:lvl6pPr indent="0" lvl="5" marL="0" marR="0" algn="r">
+            <a:lvl6pPr marL="0" marR="0" lvl="5" indent="0" algn="r">
               <a:lnSpc>
                 <a:spcPct val="100000"/>
               </a:lnSpc>
@@ -8933,7 +9057,7 @@
               <a:buSzPts val="1000"/>
               <a:buFont typeface="Arial"/>
               <a:buNone/>
-              <a:defRPr b="0" i="0" sz="1000" u="none" cap="none" strike="noStrike">
+              <a:defRPr sz="1000" b="0" i="0" u="none" strike="noStrike" cap="none">
                 <a:solidFill>
                   <a:schemeClr val="lt1"/>
                 </a:solidFill>
@@ -8943,7 +9067,7 @@
                 <a:sym typeface="Roboto"/>
               </a:defRPr>
             </a:lvl6pPr>
-            <a:lvl7pPr indent="0" lvl="6" marL="0" marR="0" algn="r">
+            <a:lvl7pPr marL="0" marR="0" lvl="6" indent="0" algn="r">
               <a:lnSpc>
                 <a:spcPct val="100000"/>
               </a:lnSpc>
@@ -8959,7 +9083,7 @@
               <a:buSzPts val="1000"/>
               <a:buFont typeface="Arial"/>
               <a:buNone/>
-              <a:defRPr b="0" i="0" sz="1000" u="none" cap="none" strike="noStrike">
+              <a:defRPr sz="1000" b="0" i="0" u="none" strike="noStrike" cap="none">
                 <a:solidFill>
                   <a:schemeClr val="lt1"/>
                 </a:solidFill>
@@ -8969,7 +9093,7 @@
                 <a:sym typeface="Roboto"/>
               </a:defRPr>
             </a:lvl7pPr>
-            <a:lvl8pPr indent="0" lvl="7" marL="0" marR="0" algn="r">
+            <a:lvl8pPr marL="0" marR="0" lvl="7" indent="0" algn="r">
               <a:lnSpc>
                 <a:spcPct val="100000"/>
               </a:lnSpc>
@@ -8985,7 +9109,7 @@
               <a:buSzPts val="1000"/>
               <a:buFont typeface="Arial"/>
               <a:buNone/>
-              <a:defRPr b="0" i="0" sz="1000" u="none" cap="none" strike="noStrike">
+              <a:defRPr sz="1000" b="0" i="0" u="none" strike="noStrike" cap="none">
                 <a:solidFill>
                   <a:schemeClr val="lt1"/>
                 </a:solidFill>
@@ -8995,7 +9119,7 @@
                 <a:sym typeface="Roboto"/>
               </a:defRPr>
             </a:lvl8pPr>
-            <a:lvl9pPr indent="0" lvl="8" marL="0" marR="0" algn="r">
+            <a:lvl9pPr marL="0" marR="0" lvl="8" indent="0" algn="r">
               <a:lnSpc>
                 <a:spcPct val="100000"/>
               </a:lnSpc>
@@ -9011,7 +9135,7 @@
               <a:buSzPts val="1000"/>
               <a:buFont typeface="Arial"/>
               <a:buNone/>
-              <a:defRPr b="0" i="0" sz="1000" u="none" cap="none" strike="noStrike">
+              <a:defRPr sz="1000" b="0" i="0" u="none" strike="noStrike" cap="none">
                 <a:solidFill>
                   <a:schemeClr val="lt1"/>
                 </a:solidFill>
@@ -9023,7 +9147,7 @@
             </a:lvl9pPr>
           </a:lstStyle>
           <a:p>
-            <a:pPr indent="0" lvl="0" marL="0" rtl="0" algn="r">
+            <a:pPr marL="0" lvl="0" indent="0" algn="r" rtl="0">
               <a:spcBef>
                 <a:spcPts val="0"/>
               </a:spcBef>
@@ -9049,18 +9173,19 @@
 </file>
 
 <file path=ppt/slideMasters/slideMaster1.xml><?xml version="1.0" encoding="utf-8"?>
-<p:sldMaster xmlns:a="http://schemas.openxmlformats.org/drawingml/2006/main" xmlns:r="http://schemas.openxmlformats.org/officeDocument/2006/relationships" xmlns:mc="http://schemas.openxmlformats.org/markup-compatibility/2006" xmlns:mv="urn:schemas-microsoft-com:mac:vml" xmlns:p="http://schemas.openxmlformats.org/presentationml/2006/main" xmlns:c="http://schemas.openxmlformats.org/drawingml/2006/chart" xmlns:dgm="http://schemas.openxmlformats.org/drawingml/2006/diagram" xmlns:o="urn:schemas-microsoft-com:office:office" xmlns:v="urn:schemas-microsoft-com:vml" xmlns:pvml="urn:schemas-microsoft-com:office:powerpoint" xmlns:com="http://schemas.openxmlformats.org/drawingml/2006/compatibility" xmlns:p14="http://schemas.microsoft.com/office/powerpoint/2010/main" xmlns:p15="http://schemas.microsoft.com/office/powerpoint/2012/main" xmlns:ahyp="http://schemas.microsoft.com/office/drawing/2018/hyperlinkcolor">
+<p:sldMaster xmlns:a="http://schemas.openxmlformats.org/drawingml/2006/main" xmlns:r="http://schemas.openxmlformats.org/officeDocument/2006/relationships" xmlns:p="http://schemas.openxmlformats.org/presentationml/2006/main">
   <p:cSld name="material">
     <p:bg>
       <p:bgPr>
         <a:solidFill>
           <a:schemeClr val="dk1"/>
         </a:solidFill>
+        <a:effectLst/>
       </p:bgPr>
     </p:bg>
     <p:spTree>
       <p:nvGrpSpPr>
-        <p:cNvPr id="5" name="Shape 5"/>
+        <p:cNvPr id="1" name="Shape 5"/>
         <p:cNvGrpSpPr/>
         <p:nvPr/>
       </p:nvGrpSpPr>
@@ -9075,7 +9200,9 @@
       <p:sp>
         <p:nvSpPr>
           <p:cNvPr id="6" name="Google Shape;6;p12"/>
-          <p:cNvSpPr txBox="1"/>
+          <p:cNvSpPr txBox="1">
+            <a:spLocks noGrp="1"/>
+          </p:cNvSpPr>
           <p:nvPr>
             <p:ph type="title"/>
           </p:nvPr>
@@ -9094,11 +9221,11 @@
           </a:ln>
         </p:spPr>
         <p:txBody>
-          <a:bodyPr anchorCtr="0" anchor="b" bIns="91425" lIns="91425" spcFirstLastPara="1" rIns="91425" wrap="square" tIns="91425">
+          <a:bodyPr spcFirstLastPara="1" wrap="square" lIns="91425" tIns="91425" rIns="91425" bIns="91425" anchor="b" anchorCtr="0">
             <a:noAutofit/>
           </a:bodyPr>
           <a:lstStyle>
-            <a:lvl1pPr lvl="0" marR="0" rtl="0" algn="l">
+            <a:lvl1pPr marR="0" lvl="0" algn="l" rtl="0">
               <a:lnSpc>
                 <a:spcPct val="100000"/>
               </a:lnSpc>
@@ -9114,7 +9241,7 @@
               <a:buSzPts val="3200"/>
               <a:buFont typeface="Roboto"/>
               <a:buNone/>
-              <a:defRPr b="0" i="0" sz="3200" u="none" cap="none" strike="noStrike">
+              <a:defRPr sz="3200" b="0" i="0" u="none" strike="noStrike" cap="none">
                 <a:solidFill>
                   <a:schemeClr val="lt1"/>
                 </a:solidFill>
@@ -9124,7 +9251,7 @@
                 <a:sym typeface="Roboto"/>
               </a:defRPr>
             </a:lvl1pPr>
-            <a:lvl2pPr lvl="1" marR="0" rtl="0" algn="l">
+            <a:lvl2pPr marR="0" lvl="1" algn="l" rtl="0">
               <a:lnSpc>
                 <a:spcPct val="100000"/>
               </a:lnSpc>
@@ -9140,7 +9267,7 @@
               <a:buSzPts val="3200"/>
               <a:buFont typeface="Roboto"/>
               <a:buNone/>
-              <a:defRPr b="0" i="0" sz="3200" u="none" cap="none" strike="noStrike">
+              <a:defRPr sz="3200" b="0" i="0" u="none" strike="noStrike" cap="none">
                 <a:solidFill>
                   <a:schemeClr val="lt1"/>
                 </a:solidFill>
@@ -9150,7 +9277,7 @@
                 <a:sym typeface="Roboto"/>
               </a:defRPr>
             </a:lvl2pPr>
-            <a:lvl3pPr lvl="2" marR="0" rtl="0" algn="l">
+            <a:lvl3pPr marR="0" lvl="2" algn="l" rtl="0">
               <a:lnSpc>
                 <a:spcPct val="100000"/>
               </a:lnSpc>
@@ -9166,7 +9293,7 @@
               <a:buSzPts val="3200"/>
               <a:buFont typeface="Roboto"/>
               <a:buNone/>
-              <a:defRPr b="0" i="0" sz="3200" u="none" cap="none" strike="noStrike">
+              <a:defRPr sz="3200" b="0" i="0" u="none" strike="noStrike" cap="none">
                 <a:solidFill>
                   <a:schemeClr val="lt1"/>
                 </a:solidFill>
@@ -9176,7 +9303,7 @@
                 <a:sym typeface="Roboto"/>
               </a:defRPr>
             </a:lvl3pPr>
-            <a:lvl4pPr lvl="3" marR="0" rtl="0" algn="l">
+            <a:lvl4pPr marR="0" lvl="3" algn="l" rtl="0">
               <a:lnSpc>
                 <a:spcPct val="100000"/>
               </a:lnSpc>
@@ -9192,7 +9319,7 @@
               <a:buSzPts val="3200"/>
               <a:buFont typeface="Roboto"/>
               <a:buNone/>
-              <a:defRPr b="0" i="0" sz="3200" u="none" cap="none" strike="noStrike">
+              <a:defRPr sz="3200" b="0" i="0" u="none" strike="noStrike" cap="none">
                 <a:solidFill>
                   <a:schemeClr val="lt1"/>
                 </a:solidFill>
@@ -9202,7 +9329,7 @@
                 <a:sym typeface="Roboto"/>
               </a:defRPr>
             </a:lvl4pPr>
-            <a:lvl5pPr lvl="4" marR="0" rtl="0" algn="l">
+            <a:lvl5pPr marR="0" lvl="4" algn="l" rtl="0">
               <a:lnSpc>
                 <a:spcPct val="100000"/>
               </a:lnSpc>
@@ -9218,7 +9345,7 @@
               <a:buSzPts val="3200"/>
               <a:buFont typeface="Roboto"/>
               <a:buNone/>
-              <a:defRPr b="0" i="0" sz="3200" u="none" cap="none" strike="noStrike">
+              <a:defRPr sz="3200" b="0" i="0" u="none" strike="noStrike" cap="none">
                 <a:solidFill>
                   <a:schemeClr val="lt1"/>
                 </a:solidFill>
@@ -9228,7 +9355,7 @@
                 <a:sym typeface="Roboto"/>
               </a:defRPr>
             </a:lvl5pPr>
-            <a:lvl6pPr lvl="5" marR="0" rtl="0" algn="l">
+            <a:lvl6pPr marR="0" lvl="5" algn="l" rtl="0">
               <a:lnSpc>
                 <a:spcPct val="100000"/>
               </a:lnSpc>
@@ -9244,7 +9371,7 @@
               <a:buSzPts val="3200"/>
               <a:buFont typeface="Roboto"/>
               <a:buNone/>
-              <a:defRPr b="0" i="0" sz="3200" u="none" cap="none" strike="noStrike">
+              <a:defRPr sz="3200" b="0" i="0" u="none" strike="noStrike" cap="none">
                 <a:solidFill>
                   <a:schemeClr val="lt1"/>
                 </a:solidFill>
@@ -9254,7 +9381,7 @@
                 <a:sym typeface="Roboto"/>
               </a:defRPr>
             </a:lvl6pPr>
-            <a:lvl7pPr lvl="6" marR="0" rtl="0" algn="l">
+            <a:lvl7pPr marR="0" lvl="6" algn="l" rtl="0">
               <a:lnSpc>
                 <a:spcPct val="100000"/>
               </a:lnSpc>
@@ -9270,7 +9397,7 @@
               <a:buSzPts val="3200"/>
               <a:buFont typeface="Roboto"/>
               <a:buNone/>
-              <a:defRPr b="0" i="0" sz="3200" u="none" cap="none" strike="noStrike">
+              <a:defRPr sz="3200" b="0" i="0" u="none" strike="noStrike" cap="none">
                 <a:solidFill>
                   <a:schemeClr val="lt1"/>
                 </a:solidFill>
@@ -9280,7 +9407,7 @@
                 <a:sym typeface="Roboto"/>
               </a:defRPr>
             </a:lvl7pPr>
-            <a:lvl8pPr lvl="7" marR="0" rtl="0" algn="l">
+            <a:lvl8pPr marR="0" lvl="7" algn="l" rtl="0">
               <a:lnSpc>
                 <a:spcPct val="100000"/>
               </a:lnSpc>
@@ -9296,7 +9423,7 @@
               <a:buSzPts val="3200"/>
               <a:buFont typeface="Roboto"/>
               <a:buNone/>
-              <a:defRPr b="0" i="0" sz="3200" u="none" cap="none" strike="noStrike">
+              <a:defRPr sz="3200" b="0" i="0" u="none" strike="noStrike" cap="none">
                 <a:solidFill>
                   <a:schemeClr val="lt1"/>
                 </a:solidFill>
@@ -9306,7 +9433,7 @@
                 <a:sym typeface="Roboto"/>
               </a:defRPr>
             </a:lvl8pPr>
-            <a:lvl9pPr lvl="8" marR="0" rtl="0" algn="l">
+            <a:lvl9pPr marR="0" lvl="8" algn="l" rtl="0">
               <a:lnSpc>
                 <a:spcPct val="100000"/>
               </a:lnSpc>
@@ -9322,7 +9449,7 @@
               <a:buSzPts val="3200"/>
               <a:buFont typeface="Roboto"/>
               <a:buNone/>
-              <a:defRPr b="0" i="0" sz="3200" u="none" cap="none" strike="noStrike">
+              <a:defRPr sz="3200" b="0" i="0" u="none" strike="noStrike" cap="none">
                 <a:solidFill>
                   <a:schemeClr val="lt1"/>
                 </a:solidFill>
@@ -9333,15 +9460,19 @@
               </a:defRPr>
             </a:lvl9pPr>
           </a:lstStyle>
-          <a:p/>
+          <a:p>
+            <a:endParaRPr/>
+          </a:p>
         </p:txBody>
       </p:sp>
       <p:sp>
         <p:nvSpPr>
           <p:cNvPr id="7" name="Google Shape;7;p12"/>
-          <p:cNvSpPr txBox="1"/>
+          <p:cNvSpPr txBox="1">
+            <a:spLocks noGrp="1"/>
+          </p:cNvSpPr>
           <p:nvPr>
-            <p:ph idx="1" type="body"/>
+            <p:ph type="body" idx="1"/>
           </p:nvPr>
         </p:nvSpPr>
         <p:spPr>
@@ -9358,11 +9489,11 @@
           </a:ln>
         </p:spPr>
         <p:txBody>
-          <a:bodyPr anchorCtr="0" anchor="t" bIns="91425" lIns="91425" spcFirstLastPara="1" rIns="91425" wrap="square" tIns="91425">
+          <a:bodyPr spcFirstLastPara="1" wrap="square" lIns="91425" tIns="91425" rIns="91425" bIns="91425" anchor="t" anchorCtr="0">
             <a:noAutofit/>
           </a:bodyPr>
           <a:lstStyle>
-            <a:lvl1pPr indent="-342900" lvl="0" marL="457200" marR="0" rtl="0" algn="l">
+            <a:lvl1pPr marL="457200" marR="0" lvl="0" indent="-342900" algn="l" rtl="0">
               <a:lnSpc>
                 <a:spcPct val="115000"/>
               </a:lnSpc>
@@ -9378,7 +9509,7 @@
               <a:buSzPts val="1800"/>
               <a:buFont typeface="Roboto"/>
               <a:buChar char="●"/>
-              <a:defRPr b="0" i="0" sz="1800" u="none" cap="none" strike="noStrike">
+              <a:defRPr sz="1800" b="0" i="0" u="none" strike="noStrike" cap="none">
                 <a:solidFill>
                   <a:schemeClr val="lt2"/>
                 </a:solidFill>
@@ -9388,7 +9519,7 @@
                 <a:sym typeface="Roboto"/>
               </a:defRPr>
             </a:lvl1pPr>
-            <a:lvl2pPr indent="-317500" lvl="1" marL="914400" marR="0" rtl="0" algn="l">
+            <a:lvl2pPr marL="914400" marR="0" lvl="1" indent="-317500" algn="l" rtl="0">
               <a:lnSpc>
                 <a:spcPct val="115000"/>
               </a:lnSpc>
@@ -9404,7 +9535,7 @@
               <a:buSzPts val="1400"/>
               <a:buFont typeface="Roboto"/>
               <a:buChar char="○"/>
-              <a:defRPr b="0" i="0" sz="1400" u="none" cap="none" strike="noStrike">
+              <a:defRPr sz="1400" b="0" i="0" u="none" strike="noStrike" cap="none">
                 <a:solidFill>
                   <a:schemeClr val="lt2"/>
                 </a:solidFill>
@@ -9414,7 +9545,7 @@
                 <a:sym typeface="Roboto"/>
               </a:defRPr>
             </a:lvl2pPr>
-            <a:lvl3pPr indent="-317500" lvl="2" marL="1371600" marR="0" rtl="0" algn="l">
+            <a:lvl3pPr marL="1371600" marR="0" lvl="2" indent="-317500" algn="l" rtl="0">
               <a:lnSpc>
                 <a:spcPct val="115000"/>
               </a:lnSpc>
@@ -9430,7 +9561,7 @@
               <a:buSzPts val="1400"/>
               <a:buFont typeface="Roboto"/>
               <a:buChar char="■"/>
-              <a:defRPr b="0" i="0" sz="1400" u="none" cap="none" strike="noStrike">
+              <a:defRPr sz="1400" b="0" i="0" u="none" strike="noStrike" cap="none">
                 <a:solidFill>
                   <a:schemeClr val="lt2"/>
                 </a:solidFill>
@@ -9440,7 +9571,7 @@
                 <a:sym typeface="Roboto"/>
               </a:defRPr>
             </a:lvl3pPr>
-            <a:lvl4pPr indent="-317500" lvl="3" marL="1828800" marR="0" rtl="0" algn="l">
+            <a:lvl4pPr marL="1828800" marR="0" lvl="3" indent="-317500" algn="l" rtl="0">
               <a:lnSpc>
                 <a:spcPct val="115000"/>
               </a:lnSpc>
@@ -9456,7 +9587,7 @@
               <a:buSzPts val="1400"/>
               <a:buFont typeface="Roboto"/>
               <a:buChar char="●"/>
-              <a:defRPr b="0" i="0" sz="1400" u="none" cap="none" strike="noStrike">
+              <a:defRPr sz="1400" b="0" i="0" u="none" strike="noStrike" cap="none">
                 <a:solidFill>
                   <a:schemeClr val="lt2"/>
                 </a:solidFill>
@@ -9466,7 +9597,7 @@
                 <a:sym typeface="Roboto"/>
               </a:defRPr>
             </a:lvl4pPr>
-            <a:lvl5pPr indent="-317500" lvl="4" marL="2286000" marR="0" rtl="0" algn="l">
+            <a:lvl5pPr marL="2286000" marR="0" lvl="4" indent="-317500" algn="l" rtl="0">
               <a:lnSpc>
                 <a:spcPct val="115000"/>
               </a:lnSpc>
@@ -9482,7 +9613,7 @@
               <a:buSzPts val="1400"/>
               <a:buFont typeface="Roboto"/>
               <a:buChar char="○"/>
-              <a:defRPr b="0" i="0" sz="1400" u="none" cap="none" strike="noStrike">
+              <a:defRPr sz="1400" b="0" i="0" u="none" strike="noStrike" cap="none">
                 <a:solidFill>
                   <a:schemeClr val="lt2"/>
                 </a:solidFill>
@@ -9492,7 +9623,7 @@
                 <a:sym typeface="Roboto"/>
               </a:defRPr>
             </a:lvl5pPr>
-            <a:lvl6pPr indent="-317500" lvl="5" marL="2743200" marR="0" rtl="0" algn="l">
+            <a:lvl6pPr marL="2743200" marR="0" lvl="5" indent="-317500" algn="l" rtl="0">
               <a:lnSpc>
                 <a:spcPct val="115000"/>
               </a:lnSpc>
@@ -9508,7 +9639,7 @@
               <a:buSzPts val="1400"/>
               <a:buFont typeface="Roboto"/>
               <a:buChar char="■"/>
-              <a:defRPr b="0" i="0" sz="1400" u="none" cap="none" strike="noStrike">
+              <a:defRPr sz="1400" b="0" i="0" u="none" strike="noStrike" cap="none">
                 <a:solidFill>
                   <a:schemeClr val="lt2"/>
                 </a:solidFill>
@@ -9518,7 +9649,7 @@
                 <a:sym typeface="Roboto"/>
               </a:defRPr>
             </a:lvl6pPr>
-            <a:lvl7pPr indent="-317500" lvl="6" marL="3200400" marR="0" rtl="0" algn="l">
+            <a:lvl7pPr marL="3200400" marR="0" lvl="6" indent="-317500" algn="l" rtl="0">
               <a:lnSpc>
                 <a:spcPct val="115000"/>
               </a:lnSpc>
@@ -9534,7 +9665,7 @@
               <a:buSzPts val="1400"/>
               <a:buFont typeface="Roboto"/>
               <a:buChar char="●"/>
-              <a:defRPr b="0" i="0" sz="1400" u="none" cap="none" strike="noStrike">
+              <a:defRPr sz="1400" b="0" i="0" u="none" strike="noStrike" cap="none">
                 <a:solidFill>
                   <a:schemeClr val="lt2"/>
                 </a:solidFill>
@@ -9544,7 +9675,7 @@
                 <a:sym typeface="Roboto"/>
               </a:defRPr>
             </a:lvl7pPr>
-            <a:lvl8pPr indent="-317500" lvl="7" marL="3657600" marR="0" rtl="0" algn="l">
+            <a:lvl8pPr marL="3657600" marR="0" lvl="7" indent="-317500" algn="l" rtl="0">
               <a:lnSpc>
                 <a:spcPct val="115000"/>
               </a:lnSpc>
@@ -9560,7 +9691,7 @@
               <a:buSzPts val="1400"/>
               <a:buFont typeface="Roboto"/>
               <a:buChar char="○"/>
-              <a:defRPr b="0" i="0" sz="1400" u="none" cap="none" strike="noStrike">
+              <a:defRPr sz="1400" b="0" i="0" u="none" strike="noStrike" cap="none">
                 <a:solidFill>
                   <a:schemeClr val="lt2"/>
                 </a:solidFill>
@@ -9570,7 +9701,7 @@
                 <a:sym typeface="Roboto"/>
               </a:defRPr>
             </a:lvl8pPr>
-            <a:lvl9pPr indent="-317500" lvl="8" marL="4114800" marR="0" rtl="0" algn="l">
+            <a:lvl9pPr marL="4114800" marR="0" lvl="8" indent="-317500" algn="l" rtl="0">
               <a:lnSpc>
                 <a:spcPct val="115000"/>
               </a:lnSpc>
@@ -9586,7 +9717,7 @@
               <a:buSzPts val="1400"/>
               <a:buFont typeface="Roboto"/>
               <a:buChar char="■"/>
-              <a:defRPr b="0" i="0" sz="1400" u="none" cap="none" strike="noStrike">
+              <a:defRPr sz="1400" b="0" i="0" u="none" strike="noStrike" cap="none">
                 <a:solidFill>
                   <a:schemeClr val="lt2"/>
                 </a:solidFill>
@@ -9597,15 +9728,19 @@
               </a:defRPr>
             </a:lvl9pPr>
           </a:lstStyle>
-          <a:p/>
+          <a:p>
+            <a:endParaRPr/>
+          </a:p>
         </p:txBody>
       </p:sp>
       <p:sp>
         <p:nvSpPr>
           <p:cNvPr id="8" name="Google Shape;8;p12"/>
-          <p:cNvSpPr txBox="1"/>
+          <p:cNvSpPr txBox="1">
+            <a:spLocks noGrp="1"/>
+          </p:cNvSpPr>
           <p:nvPr>
-            <p:ph idx="12" type="sldNum"/>
+            <p:ph type="sldNum" idx="12"/>
           </p:nvPr>
         </p:nvSpPr>
         <p:spPr>
@@ -9622,11 +9757,11 @@
           </a:ln>
         </p:spPr>
         <p:txBody>
-          <a:bodyPr anchorCtr="0" anchor="ctr" bIns="91425" lIns="91425" spcFirstLastPara="1" rIns="91425" wrap="square" tIns="91425">
+          <a:bodyPr spcFirstLastPara="1" wrap="square" lIns="91425" tIns="91425" rIns="91425" bIns="91425" anchor="ctr" anchorCtr="0">
             <a:noAutofit/>
           </a:bodyPr>
           <a:lstStyle>
-            <a:lvl1pPr indent="0" lvl="0" marL="0" marR="0" rtl="0" algn="r">
+            <a:lvl1pPr marL="0" marR="0" lvl="0" indent="0" algn="r" rtl="0">
               <a:lnSpc>
                 <a:spcPct val="100000"/>
               </a:lnSpc>
@@ -9642,7 +9777,7 @@
               <a:buSzPts val="1000"/>
               <a:buFont typeface="Arial"/>
               <a:buNone/>
-              <a:defRPr b="0" i="0" sz="1000" u="none" cap="none" strike="noStrike">
+              <a:defRPr sz="1000" b="0" i="0" u="none" strike="noStrike" cap="none">
                 <a:solidFill>
                   <a:schemeClr val="lt2"/>
                 </a:solidFill>
@@ -9652,7 +9787,7 @@
                 <a:sym typeface="Roboto"/>
               </a:defRPr>
             </a:lvl1pPr>
-            <a:lvl2pPr indent="0" lvl="1" marL="0" marR="0" rtl="0" algn="r">
+            <a:lvl2pPr marL="0" marR="0" lvl="1" indent="0" algn="r" rtl="0">
               <a:lnSpc>
                 <a:spcPct val="100000"/>
               </a:lnSpc>
@@ -9668,7 +9803,7 @@
               <a:buSzPts val="1000"/>
               <a:buFont typeface="Arial"/>
               <a:buNone/>
-              <a:defRPr b="0" i="0" sz="1000" u="none" cap="none" strike="noStrike">
+              <a:defRPr sz="1000" b="0" i="0" u="none" strike="noStrike" cap="none">
                 <a:solidFill>
                   <a:schemeClr val="lt2"/>
                 </a:solidFill>
@@ -9678,7 +9813,7 @@
                 <a:sym typeface="Roboto"/>
               </a:defRPr>
             </a:lvl2pPr>
-            <a:lvl3pPr indent="0" lvl="2" marL="0" marR="0" rtl="0" algn="r">
+            <a:lvl3pPr marL="0" marR="0" lvl="2" indent="0" algn="r" rtl="0">
               <a:lnSpc>
                 <a:spcPct val="100000"/>
               </a:lnSpc>
@@ -9694,7 +9829,7 @@
               <a:buSzPts val="1000"/>
               <a:buFont typeface="Arial"/>
               <a:buNone/>
-              <a:defRPr b="0" i="0" sz="1000" u="none" cap="none" strike="noStrike">
+              <a:defRPr sz="1000" b="0" i="0" u="none" strike="noStrike" cap="none">
                 <a:solidFill>
                   <a:schemeClr val="lt2"/>
                 </a:solidFill>
@@ -9704,7 +9839,7 @@
                 <a:sym typeface="Roboto"/>
               </a:defRPr>
             </a:lvl3pPr>
-            <a:lvl4pPr indent="0" lvl="3" marL="0" marR="0" rtl="0" algn="r">
+            <a:lvl4pPr marL="0" marR="0" lvl="3" indent="0" algn="r" rtl="0">
               <a:lnSpc>
                 <a:spcPct val="100000"/>
               </a:lnSpc>
@@ -9720,7 +9855,7 @@
               <a:buSzPts val="1000"/>
               <a:buFont typeface="Arial"/>
               <a:buNone/>
-              <a:defRPr b="0" i="0" sz="1000" u="none" cap="none" strike="noStrike">
+              <a:defRPr sz="1000" b="0" i="0" u="none" strike="noStrike" cap="none">
                 <a:solidFill>
                   <a:schemeClr val="lt2"/>
                 </a:solidFill>
@@ -9730,7 +9865,7 @@
                 <a:sym typeface="Roboto"/>
               </a:defRPr>
             </a:lvl4pPr>
-            <a:lvl5pPr indent="0" lvl="4" marL="0" marR="0" rtl="0" algn="r">
+            <a:lvl5pPr marL="0" marR="0" lvl="4" indent="0" algn="r" rtl="0">
               <a:lnSpc>
                 <a:spcPct val="100000"/>
               </a:lnSpc>
@@ -9746,7 +9881,7 @@
               <a:buSzPts val="1000"/>
               <a:buFont typeface="Arial"/>
               <a:buNone/>
-              <a:defRPr b="0" i="0" sz="1000" u="none" cap="none" strike="noStrike">
+              <a:defRPr sz="1000" b="0" i="0" u="none" strike="noStrike" cap="none">
                 <a:solidFill>
                   <a:schemeClr val="lt2"/>
                 </a:solidFill>
@@ -9756,7 +9891,7 @@
                 <a:sym typeface="Roboto"/>
               </a:defRPr>
             </a:lvl5pPr>
-            <a:lvl6pPr indent="0" lvl="5" marL="0" marR="0" rtl="0" algn="r">
+            <a:lvl6pPr marL="0" marR="0" lvl="5" indent="0" algn="r" rtl="0">
               <a:lnSpc>
                 <a:spcPct val="100000"/>
               </a:lnSpc>
@@ -9772,7 +9907,7 @@
               <a:buSzPts val="1000"/>
               <a:buFont typeface="Arial"/>
               <a:buNone/>
-              <a:defRPr b="0" i="0" sz="1000" u="none" cap="none" strike="noStrike">
+              <a:defRPr sz="1000" b="0" i="0" u="none" strike="noStrike" cap="none">
                 <a:solidFill>
                   <a:schemeClr val="lt2"/>
                 </a:solidFill>
@@ -9782,7 +9917,7 @@
                 <a:sym typeface="Roboto"/>
               </a:defRPr>
             </a:lvl6pPr>
-            <a:lvl7pPr indent="0" lvl="6" marL="0" marR="0" rtl="0" algn="r">
+            <a:lvl7pPr marL="0" marR="0" lvl="6" indent="0" algn="r" rtl="0">
               <a:lnSpc>
                 <a:spcPct val="100000"/>
               </a:lnSpc>
@@ -9798,7 +9933,7 @@
               <a:buSzPts val="1000"/>
               <a:buFont typeface="Arial"/>
               <a:buNone/>
-              <a:defRPr b="0" i="0" sz="1000" u="none" cap="none" strike="noStrike">
+              <a:defRPr sz="1000" b="0" i="0" u="none" strike="noStrike" cap="none">
                 <a:solidFill>
                   <a:schemeClr val="lt2"/>
                 </a:solidFill>
@@ -9808,7 +9943,7 @@
                 <a:sym typeface="Roboto"/>
               </a:defRPr>
             </a:lvl7pPr>
-            <a:lvl8pPr indent="0" lvl="7" marL="0" marR="0" rtl="0" algn="r">
+            <a:lvl8pPr marL="0" marR="0" lvl="7" indent="0" algn="r" rtl="0">
               <a:lnSpc>
                 <a:spcPct val="100000"/>
               </a:lnSpc>
@@ -9824,7 +9959,7 @@
               <a:buSzPts val="1000"/>
               <a:buFont typeface="Arial"/>
               <a:buNone/>
-              <a:defRPr b="0" i="0" sz="1000" u="none" cap="none" strike="noStrike">
+              <a:defRPr sz="1000" b="0" i="0" u="none" strike="noStrike" cap="none">
                 <a:solidFill>
                   <a:schemeClr val="lt2"/>
                 </a:solidFill>
@@ -9834,7 +9969,7 @@
                 <a:sym typeface="Roboto"/>
               </a:defRPr>
             </a:lvl8pPr>
-            <a:lvl9pPr indent="0" lvl="8" marL="0" marR="0" rtl="0" algn="r">
+            <a:lvl9pPr marL="0" marR="0" lvl="8" indent="0" algn="r" rtl="0">
               <a:lnSpc>
                 <a:spcPct val="100000"/>
               </a:lnSpc>
@@ -9850,7 +9985,7 @@
               <a:buSzPts val="1000"/>
               <a:buFont typeface="Arial"/>
               <a:buNone/>
-              <a:defRPr b="0" i="0" sz="1000" u="none" cap="none" strike="noStrike">
+              <a:defRPr sz="1000" b="0" i="0" u="none" strike="noStrike" cap="none">
                 <a:solidFill>
                   <a:schemeClr val="lt2"/>
                 </a:solidFill>
@@ -9862,7 +9997,7 @@
             </a:lvl9pPr>
           </a:lstStyle>
           <a:p>
-            <a:pPr indent="0" lvl="0" marL="0" rtl="0" algn="r">
+            <a:pPr marL="0" lvl="0" indent="0" algn="r" rtl="0">
               <a:spcBef>
                 <a:spcPts val="0"/>
               </a:spcBef>
@@ -9881,7 +10016,7 @@
       </p:sp>
     </p:spTree>
   </p:cSld>
-  <p:clrMap accent1="accent1" accent2="accent2" accent3="accent3" accent4="accent4" accent5="accent5" accent6="accent6" bg1="lt1" bg2="dk2" tx1="dk1" tx2="lt2" folHlink="folHlink" hlink="hlink"/>
+  <p:clrMap bg1="lt1" tx1="dk1" bg2="dk2" tx2="lt2" accent1="accent1" accent2="accent2" accent3="accent3" accent4="accent4" accent5="accent5" accent6="accent6" hlink="hlink" folHlink="folHlink"/>
   <p:sldLayoutIdLst>
     <p:sldLayoutId id="2147483649" r:id="rId1"/>
     <p:sldLayoutId id="2147483650" r:id="rId2"/>
@@ -9895,10 +10030,10 @@
     <p:sldLayoutId id="2147483658" r:id="rId10"/>
     <p:sldLayoutId id="2147483659" r:id="rId11"/>
   </p:sldLayoutIdLst>
-  <p:hf dt="0" ftr="0" hdr="0" sldNum="0"/>
+  <p:hf sldNum="0" hdr="0" ftr="0" dt="0"/>
   <p:txStyles>
     <p:titleStyle>
-      <a:defPPr lvl="0" marR="0" rtl="0" algn="l">
+      <a:defPPr marR="0" lvl="0" algn="l" rtl="0">
         <a:lnSpc>
           <a:spcPct val="100000"/>
         </a:lnSpc>
@@ -9909,7 +10044,7 @@
           <a:spcPts val="0"/>
         </a:spcAft>
       </a:defPPr>
-      <a:lvl1pPr lvl="0" marR="0" rtl="0" algn="l">
+      <a:lvl1pPr marR="0" lvl="0" algn="l" rtl="0">
         <a:lnSpc>
           <a:spcPct val="100000"/>
         </a:lnSpc>
@@ -9923,7 +10058,7 @@
           <a:srgbClr val="000000"/>
         </a:buClr>
         <a:buFont typeface="Arial"/>
-        <a:defRPr b="0" i="0" sz="1400" u="none" cap="none" strike="noStrike">
+        <a:defRPr sz="1400" b="0" i="0" u="none" strike="noStrike" cap="none">
           <a:solidFill>
             <a:srgbClr val="000000"/>
           </a:solidFill>
@@ -9933,7 +10068,7 @@
           <a:sym typeface="Arial"/>
         </a:defRPr>
       </a:lvl1pPr>
-      <a:lvl2pPr lvl="1" marR="0" rtl="0" algn="l">
+      <a:lvl2pPr marR="0" lvl="1" algn="l" rtl="0">
         <a:lnSpc>
           <a:spcPct val="100000"/>
         </a:lnSpc>
@@ -9947,7 +10082,7 @@
           <a:srgbClr val="000000"/>
         </a:buClr>
         <a:buFont typeface="Arial"/>
-        <a:defRPr b="0" i="0" sz="1400" u="none" cap="none" strike="noStrike">
+        <a:defRPr sz="1400" b="0" i="0" u="none" strike="noStrike" cap="none">
           <a:solidFill>
             <a:srgbClr val="000000"/>
           </a:solidFill>
@@ -9957,7 +10092,7 @@
           <a:sym typeface="Arial"/>
         </a:defRPr>
       </a:lvl2pPr>
-      <a:lvl3pPr lvl="2" marR="0" rtl="0" algn="l">
+      <a:lvl3pPr marR="0" lvl="2" algn="l" rtl="0">
         <a:lnSpc>
           <a:spcPct val="100000"/>
         </a:lnSpc>
@@ -9971,7 +10106,7 @@
           <a:srgbClr val="000000"/>
         </a:buClr>
         <a:buFont typeface="Arial"/>
-        <a:defRPr b="0" i="0" sz="1400" u="none" cap="none" strike="noStrike">
+        <a:defRPr sz="1400" b="0" i="0" u="none" strike="noStrike" cap="none">
           <a:solidFill>
             <a:srgbClr val="000000"/>
           </a:solidFill>
@@ -9981,7 +10116,7 @@
           <a:sym typeface="Arial"/>
         </a:defRPr>
       </a:lvl3pPr>
-      <a:lvl4pPr lvl="3" marR="0" rtl="0" algn="l">
+      <a:lvl4pPr marR="0" lvl="3" algn="l" rtl="0">
         <a:lnSpc>
           <a:spcPct val="100000"/>
         </a:lnSpc>
@@ -9995,7 +10130,7 @@
           <a:srgbClr val="000000"/>
         </a:buClr>
         <a:buFont typeface="Arial"/>
-        <a:defRPr b="0" i="0" sz="1400" u="none" cap="none" strike="noStrike">
+        <a:defRPr sz="1400" b="0" i="0" u="none" strike="noStrike" cap="none">
           <a:solidFill>
             <a:srgbClr val="000000"/>
           </a:solidFill>
@@ -10005,7 +10140,7 @@
           <a:sym typeface="Arial"/>
         </a:defRPr>
       </a:lvl4pPr>
-      <a:lvl5pPr lvl="4" marR="0" rtl="0" algn="l">
+      <a:lvl5pPr marR="0" lvl="4" algn="l" rtl="0">
         <a:lnSpc>
           <a:spcPct val="100000"/>
         </a:lnSpc>
@@ -10019,7 +10154,7 @@
           <a:srgbClr val="000000"/>
         </a:buClr>
         <a:buFont typeface="Arial"/>
-        <a:defRPr b="0" i="0" sz="1400" u="none" cap="none" strike="noStrike">
+        <a:defRPr sz="1400" b="0" i="0" u="none" strike="noStrike" cap="none">
           <a:solidFill>
             <a:srgbClr val="000000"/>
           </a:solidFill>
@@ -10029,7 +10164,7 @@
           <a:sym typeface="Arial"/>
         </a:defRPr>
       </a:lvl5pPr>
-      <a:lvl6pPr lvl="5" marR="0" rtl="0" algn="l">
+      <a:lvl6pPr marR="0" lvl="5" algn="l" rtl="0">
         <a:lnSpc>
           <a:spcPct val="100000"/>
         </a:lnSpc>
@@ -10043,7 +10178,7 @@
           <a:srgbClr val="000000"/>
         </a:buClr>
         <a:buFont typeface="Arial"/>
-        <a:defRPr b="0" i="0" sz="1400" u="none" cap="none" strike="noStrike">
+        <a:defRPr sz="1400" b="0" i="0" u="none" strike="noStrike" cap="none">
           <a:solidFill>
             <a:srgbClr val="000000"/>
           </a:solidFill>
@@ -10053,7 +10188,7 @@
           <a:sym typeface="Arial"/>
         </a:defRPr>
       </a:lvl6pPr>
-      <a:lvl7pPr lvl="6" marR="0" rtl="0" algn="l">
+      <a:lvl7pPr marR="0" lvl="6" algn="l" rtl="0">
         <a:lnSpc>
           <a:spcPct val="100000"/>
         </a:lnSpc>
@@ -10067,7 +10202,7 @@
           <a:srgbClr val="000000"/>
         </a:buClr>
         <a:buFont typeface="Arial"/>
-        <a:defRPr b="0" i="0" sz="1400" u="none" cap="none" strike="noStrike">
+        <a:defRPr sz="1400" b="0" i="0" u="none" strike="noStrike" cap="none">
           <a:solidFill>
             <a:srgbClr val="000000"/>
           </a:solidFill>
@@ -10077,7 +10212,7 @@
           <a:sym typeface="Arial"/>
         </a:defRPr>
       </a:lvl7pPr>
-      <a:lvl8pPr lvl="7" marR="0" rtl="0" algn="l">
+      <a:lvl8pPr marR="0" lvl="7" algn="l" rtl="0">
         <a:lnSpc>
           <a:spcPct val="100000"/>
         </a:lnSpc>
@@ -10091,7 +10226,7 @@
           <a:srgbClr val="000000"/>
         </a:buClr>
         <a:buFont typeface="Arial"/>
-        <a:defRPr b="0" i="0" sz="1400" u="none" cap="none" strike="noStrike">
+        <a:defRPr sz="1400" b="0" i="0" u="none" strike="noStrike" cap="none">
           <a:solidFill>
             <a:srgbClr val="000000"/>
           </a:solidFill>
@@ -10101,7 +10236,7 @@
           <a:sym typeface="Arial"/>
         </a:defRPr>
       </a:lvl8pPr>
-      <a:lvl9pPr lvl="8" marR="0" rtl="0" algn="l">
+      <a:lvl9pPr marR="0" lvl="8" algn="l" rtl="0">
         <a:lnSpc>
           <a:spcPct val="100000"/>
         </a:lnSpc>
@@ -10115,7 +10250,7 @@
           <a:srgbClr val="000000"/>
         </a:buClr>
         <a:buFont typeface="Arial"/>
-        <a:defRPr b="0" i="0" sz="1400" u="none" cap="none" strike="noStrike">
+        <a:defRPr sz="1400" b="0" i="0" u="none" strike="noStrike" cap="none">
           <a:solidFill>
             <a:srgbClr val="000000"/>
           </a:solidFill>
@@ -10127,7 +10262,7 @@
       </a:lvl9pPr>
     </p:titleStyle>
     <p:bodyStyle>
-      <a:defPPr lvl="0" marR="0" rtl="0" algn="l">
+      <a:defPPr marR="0" lvl="0" algn="l" rtl="0">
         <a:lnSpc>
           <a:spcPct val="100000"/>
         </a:lnSpc>
@@ -10138,7 +10273,7 @@
           <a:spcPts val="0"/>
         </a:spcAft>
       </a:defPPr>
-      <a:lvl1pPr lvl="0" marR="0" rtl="0" algn="l">
+      <a:lvl1pPr marR="0" lvl="0" algn="l" rtl="0">
         <a:lnSpc>
           <a:spcPct val="100000"/>
         </a:lnSpc>
@@ -10152,7 +10287,7 @@
           <a:srgbClr val="000000"/>
         </a:buClr>
         <a:buFont typeface="Arial"/>
-        <a:defRPr b="0" i="0" sz="1400" u="none" cap="none" strike="noStrike">
+        <a:defRPr sz="1400" b="0" i="0" u="none" strike="noStrike" cap="none">
           <a:solidFill>
             <a:srgbClr val="000000"/>
           </a:solidFill>
@@ -10162,7 +10297,7 @@
           <a:sym typeface="Arial"/>
         </a:defRPr>
       </a:lvl1pPr>
-      <a:lvl2pPr lvl="1" marR="0" rtl="0" algn="l">
+      <a:lvl2pPr marR="0" lvl="1" algn="l" rtl="0">
         <a:lnSpc>
           <a:spcPct val="100000"/>
         </a:lnSpc>
@@ -10176,7 +10311,7 @@
           <a:srgbClr val="000000"/>
         </a:buClr>
         <a:buFont typeface="Arial"/>
-        <a:defRPr b="0" i="0" sz="1400" u="none" cap="none" strike="noStrike">
+        <a:defRPr sz="1400" b="0" i="0" u="none" strike="noStrike" cap="none">
           <a:solidFill>
             <a:srgbClr val="000000"/>
           </a:solidFill>
@@ -10186,7 +10321,7 @@
           <a:sym typeface="Arial"/>
         </a:defRPr>
       </a:lvl2pPr>
-      <a:lvl3pPr lvl="2" marR="0" rtl="0" algn="l">
+      <a:lvl3pPr marR="0" lvl="2" algn="l" rtl="0">
         <a:lnSpc>
           <a:spcPct val="100000"/>
         </a:lnSpc>
@@ -10200,7 +10335,7 @@
           <a:srgbClr val="000000"/>
         </a:buClr>
         <a:buFont typeface="Arial"/>
-        <a:defRPr b="0" i="0" sz="1400" u="none" cap="none" strike="noStrike">
+        <a:defRPr sz="1400" b="0" i="0" u="none" strike="noStrike" cap="none">
           <a:solidFill>
             <a:srgbClr val="000000"/>
           </a:solidFill>
@@ -10210,7 +10345,7 @@
           <a:sym typeface="Arial"/>
         </a:defRPr>
       </a:lvl3pPr>
-      <a:lvl4pPr lvl="3" marR="0" rtl="0" algn="l">
+      <a:lvl4pPr marR="0" lvl="3" algn="l" rtl="0">
         <a:lnSpc>
           <a:spcPct val="100000"/>
         </a:lnSpc>
@@ -10224,7 +10359,7 @@
           <a:srgbClr val="000000"/>
         </a:buClr>
         <a:buFont typeface="Arial"/>
-        <a:defRPr b="0" i="0" sz="1400" u="none" cap="none" strike="noStrike">
+        <a:defRPr sz="1400" b="0" i="0" u="none" strike="noStrike" cap="none">
           <a:solidFill>
             <a:srgbClr val="000000"/>
           </a:solidFill>
@@ -10234,7 +10369,7 @@
           <a:sym typeface="Arial"/>
         </a:defRPr>
       </a:lvl4pPr>
-      <a:lvl5pPr lvl="4" marR="0" rtl="0" algn="l">
+      <a:lvl5pPr marR="0" lvl="4" algn="l" rtl="0">
         <a:lnSpc>
           <a:spcPct val="100000"/>
         </a:lnSpc>
@@ -10248,7 +10383,7 @@
           <a:srgbClr val="000000"/>
         </a:buClr>
         <a:buFont typeface="Arial"/>
-        <a:defRPr b="0" i="0" sz="1400" u="none" cap="none" strike="noStrike">
+        <a:defRPr sz="1400" b="0" i="0" u="none" strike="noStrike" cap="none">
           <a:solidFill>
             <a:srgbClr val="000000"/>
           </a:solidFill>
@@ -10258,7 +10393,7 @@
           <a:sym typeface="Arial"/>
         </a:defRPr>
       </a:lvl5pPr>
-      <a:lvl6pPr lvl="5" marR="0" rtl="0" algn="l">
+      <a:lvl6pPr marR="0" lvl="5" algn="l" rtl="0">
         <a:lnSpc>
           <a:spcPct val="100000"/>
         </a:lnSpc>
@@ -10272,7 +10407,7 @@
           <a:srgbClr val="000000"/>
         </a:buClr>
         <a:buFont typeface="Arial"/>
-        <a:defRPr b="0" i="0" sz="1400" u="none" cap="none" strike="noStrike">
+        <a:defRPr sz="1400" b="0" i="0" u="none" strike="noStrike" cap="none">
           <a:solidFill>
             <a:srgbClr val="000000"/>
           </a:solidFill>
@@ -10282,7 +10417,7 @@
           <a:sym typeface="Arial"/>
         </a:defRPr>
       </a:lvl6pPr>
-      <a:lvl7pPr lvl="6" marR="0" rtl="0" algn="l">
+      <a:lvl7pPr marR="0" lvl="6" algn="l" rtl="0">
         <a:lnSpc>
           <a:spcPct val="100000"/>
         </a:lnSpc>
@@ -10296,7 +10431,7 @@
           <a:srgbClr val="000000"/>
         </a:buClr>
         <a:buFont typeface="Arial"/>
-        <a:defRPr b="0" i="0" sz="1400" u="none" cap="none" strike="noStrike">
+        <a:defRPr sz="1400" b="0" i="0" u="none" strike="noStrike" cap="none">
           <a:solidFill>
             <a:srgbClr val="000000"/>
           </a:solidFill>
@@ -10306,7 +10441,7 @@
           <a:sym typeface="Arial"/>
         </a:defRPr>
       </a:lvl7pPr>
-      <a:lvl8pPr lvl="7" marR="0" rtl="0" algn="l">
+      <a:lvl8pPr marR="0" lvl="7" algn="l" rtl="0">
         <a:lnSpc>
           <a:spcPct val="100000"/>
         </a:lnSpc>
@@ -10320,7 +10455,7 @@
           <a:srgbClr val="000000"/>
         </a:buClr>
         <a:buFont typeface="Arial"/>
-        <a:defRPr b="0" i="0" sz="1400" u="none" cap="none" strike="noStrike">
+        <a:defRPr sz="1400" b="0" i="0" u="none" strike="noStrike" cap="none">
           <a:solidFill>
             <a:srgbClr val="000000"/>
           </a:solidFill>
@@ -10330,7 +10465,7 @@
           <a:sym typeface="Arial"/>
         </a:defRPr>
       </a:lvl8pPr>
-      <a:lvl9pPr lvl="8" marR="0" rtl="0" algn="l">
+      <a:lvl9pPr marR="0" lvl="8" algn="l" rtl="0">
         <a:lnSpc>
           <a:spcPct val="100000"/>
         </a:lnSpc>
@@ -10344,7 +10479,7 @@
           <a:srgbClr val="000000"/>
         </a:buClr>
         <a:buFont typeface="Arial"/>
-        <a:defRPr b="0" i="0" sz="1400" u="none" cap="none" strike="noStrike">
+        <a:defRPr sz="1400" b="0" i="0" u="none" strike="noStrike" cap="none">
           <a:solidFill>
             <a:srgbClr val="000000"/>
           </a:solidFill>
@@ -10356,7 +10491,7 @@
       </a:lvl9pPr>
     </p:bodyStyle>
     <p:otherStyle>
-      <a:defPPr lvl="0" marR="0" rtl="0" algn="l">
+      <a:defPPr marR="0" lvl="0" algn="l" rtl="0">
         <a:lnSpc>
           <a:spcPct val="100000"/>
         </a:lnSpc>
@@ -10367,7 +10502,7 @@
           <a:spcPts val="0"/>
         </a:spcAft>
       </a:defPPr>
-      <a:lvl1pPr lvl="0" marR="0" rtl="0" algn="l">
+      <a:lvl1pPr marR="0" lvl="0" algn="l" rtl="0">
         <a:lnSpc>
           <a:spcPct val="100000"/>
         </a:lnSpc>
@@ -10381,7 +10516,7 @@
           <a:srgbClr val="000000"/>
         </a:buClr>
         <a:buFont typeface="Arial"/>
-        <a:defRPr b="0" i="0" sz="1400" u="none" cap="none" strike="noStrike">
+        <a:defRPr sz="1400" b="0" i="0" u="none" strike="noStrike" cap="none">
           <a:solidFill>
             <a:srgbClr val="000000"/>
           </a:solidFill>
@@ -10391,7 +10526,7 @@
           <a:sym typeface="Arial"/>
         </a:defRPr>
       </a:lvl1pPr>
-      <a:lvl2pPr lvl="1" marR="0" rtl="0" algn="l">
+      <a:lvl2pPr marR="0" lvl="1" algn="l" rtl="0">
         <a:lnSpc>
           <a:spcPct val="100000"/>
         </a:lnSpc>
@@ -10405,7 +10540,7 @@
           <a:srgbClr val="000000"/>
         </a:buClr>
         <a:buFont typeface="Arial"/>
-        <a:defRPr b="0" i="0" sz="1400" u="none" cap="none" strike="noStrike">
+        <a:defRPr sz="1400" b="0" i="0" u="none" strike="noStrike" cap="none">
           <a:solidFill>
             <a:srgbClr val="000000"/>
           </a:solidFill>
@@ -10415,7 +10550,7 @@
           <a:sym typeface="Arial"/>
         </a:defRPr>
       </a:lvl2pPr>
-      <a:lvl3pPr lvl="2" marR="0" rtl="0" algn="l">
+      <a:lvl3pPr marR="0" lvl="2" algn="l" rtl="0">
         <a:lnSpc>
           <a:spcPct val="100000"/>
         </a:lnSpc>
@@ -10429,7 +10564,7 @@
           <a:srgbClr val="000000"/>
         </a:buClr>
         <a:buFont typeface="Arial"/>
-        <a:defRPr b="0" i="0" sz="1400" u="none" cap="none" strike="noStrike">
+        <a:defRPr sz="1400" b="0" i="0" u="none" strike="noStrike" cap="none">
           <a:solidFill>
             <a:srgbClr val="000000"/>
           </a:solidFill>
@@ -10439,7 +10574,7 @@
           <a:sym typeface="Arial"/>
         </a:defRPr>
       </a:lvl3pPr>
-      <a:lvl4pPr lvl="3" marR="0" rtl="0" algn="l">
+      <a:lvl4pPr marR="0" lvl="3" algn="l" rtl="0">
         <a:lnSpc>
           <a:spcPct val="100000"/>
         </a:lnSpc>
@@ -10453,7 +10588,7 @@
           <a:srgbClr val="000000"/>
         </a:buClr>
         <a:buFont typeface="Arial"/>
-        <a:defRPr b="0" i="0" sz="1400" u="none" cap="none" strike="noStrike">
+        <a:defRPr sz="1400" b="0" i="0" u="none" strike="noStrike" cap="none">
           <a:solidFill>
             <a:srgbClr val="000000"/>
           </a:solidFill>
@@ -10463,7 +10598,7 @@
           <a:sym typeface="Arial"/>
         </a:defRPr>
       </a:lvl4pPr>
-      <a:lvl5pPr lvl="4" marR="0" rtl="0" algn="l">
+      <a:lvl5pPr marR="0" lvl="4" algn="l" rtl="0">
         <a:lnSpc>
           <a:spcPct val="100000"/>
         </a:lnSpc>
@@ -10477,7 +10612,7 @@
           <a:srgbClr val="000000"/>
         </a:buClr>
         <a:buFont typeface="Arial"/>
-        <a:defRPr b="0" i="0" sz="1400" u="none" cap="none" strike="noStrike">
+        <a:defRPr sz="1400" b="0" i="0" u="none" strike="noStrike" cap="none">
           <a:solidFill>
             <a:srgbClr val="000000"/>
           </a:solidFill>
@@ -10487,7 +10622,7 @@
           <a:sym typeface="Arial"/>
         </a:defRPr>
       </a:lvl5pPr>
-      <a:lvl6pPr lvl="5" marR="0" rtl="0" algn="l">
+      <a:lvl6pPr marR="0" lvl="5" algn="l" rtl="0">
         <a:lnSpc>
           <a:spcPct val="100000"/>
         </a:lnSpc>
@@ -10501,7 +10636,7 @@
           <a:srgbClr val="000000"/>
         </a:buClr>
         <a:buFont typeface="Arial"/>
-        <a:defRPr b="0" i="0" sz="1400" u="none" cap="none" strike="noStrike">
+        <a:defRPr sz="1400" b="0" i="0" u="none" strike="noStrike" cap="none">
           <a:solidFill>
             <a:srgbClr val="000000"/>
           </a:solidFill>
@@ -10511,7 +10646,7 @@
           <a:sym typeface="Arial"/>
         </a:defRPr>
       </a:lvl6pPr>
-      <a:lvl7pPr lvl="6" marR="0" rtl="0" algn="l">
+      <a:lvl7pPr marR="0" lvl="6" algn="l" rtl="0">
         <a:lnSpc>
           <a:spcPct val="100000"/>
         </a:lnSpc>
@@ -10525,7 +10660,7 @@
           <a:srgbClr val="000000"/>
         </a:buClr>
         <a:buFont typeface="Arial"/>
-        <a:defRPr b="0" i="0" sz="1400" u="none" cap="none" strike="noStrike">
+        <a:defRPr sz="1400" b="0" i="0" u="none" strike="noStrike" cap="none">
           <a:solidFill>
             <a:srgbClr val="000000"/>
           </a:solidFill>
@@ -10535,7 +10670,7 @@
           <a:sym typeface="Arial"/>
         </a:defRPr>
       </a:lvl7pPr>
-      <a:lvl8pPr lvl="7" marR="0" rtl="0" algn="l">
+      <a:lvl8pPr marR="0" lvl="7" algn="l" rtl="0">
         <a:lnSpc>
           <a:spcPct val="100000"/>
         </a:lnSpc>
@@ -10549,7 +10684,7 @@
           <a:srgbClr val="000000"/>
         </a:buClr>
         <a:buFont typeface="Arial"/>
-        <a:defRPr b="0" i="0" sz="1400" u="none" cap="none" strike="noStrike">
+        <a:defRPr sz="1400" b="0" i="0" u="none" strike="noStrike" cap="none">
           <a:solidFill>
             <a:srgbClr val="000000"/>
           </a:solidFill>
@@ -10559,7 +10694,7 @@
           <a:sym typeface="Arial"/>
         </a:defRPr>
       </a:lvl8pPr>
-      <a:lvl9pPr lvl="8" marR="0" rtl="0" algn="l">
+      <a:lvl9pPr marR="0" lvl="8" algn="l" rtl="0">
         <a:lnSpc>
           <a:spcPct val="100000"/>
         </a:lnSpc>
@@ -10573,7 +10708,7 @@
           <a:srgbClr val="000000"/>
         </a:buClr>
         <a:buFont typeface="Arial"/>
-        <a:defRPr b="0" i="0" sz="1400" u="none" cap="none" strike="noStrike">
+        <a:defRPr sz="1400" b="0" i="0" u="none" strike="noStrike" cap="none">
           <a:solidFill>
             <a:srgbClr val="000000"/>
           </a:solidFill>
@@ -10589,11 +10724,11 @@
 </file>
 
 <file path=ppt/slides/slide1.xml><?xml version="1.0" encoding="utf-8"?>
-<p:sld xmlns:a="http://schemas.openxmlformats.org/drawingml/2006/main" xmlns:r="http://schemas.openxmlformats.org/officeDocument/2006/relationships" xmlns:mc="http://schemas.openxmlformats.org/markup-compatibility/2006" xmlns:mv="urn:schemas-microsoft-com:mac:vml" xmlns:p="http://schemas.openxmlformats.org/presentationml/2006/main" xmlns:c="http://schemas.openxmlformats.org/drawingml/2006/chart" xmlns:dgm="http://schemas.openxmlformats.org/drawingml/2006/diagram" xmlns:o="urn:schemas-microsoft-com:office:office" xmlns:v="urn:schemas-microsoft-com:vml" xmlns:pvml="urn:schemas-microsoft-com:office:powerpoint" xmlns:com="http://schemas.openxmlformats.org/drawingml/2006/compatibility" xmlns:p14="http://schemas.microsoft.com/office/powerpoint/2010/main" xmlns:p15="http://schemas.microsoft.com/office/powerpoint/2012/main" xmlns:ahyp="http://schemas.microsoft.com/office/drawing/2018/hyperlinkcolor">
+<p:sld xmlns:a="http://schemas.openxmlformats.org/drawingml/2006/main" xmlns:r="http://schemas.openxmlformats.org/officeDocument/2006/relationships" xmlns:p="http://schemas.openxmlformats.org/presentationml/2006/main">
   <p:cSld>
     <p:spTree>
       <p:nvGrpSpPr>
-        <p:cNvPr id="65" name="Shape 65"/>
+        <p:cNvPr id="1" name="Shape 65"/>
         <p:cNvGrpSpPr/>
         <p:nvPr/>
       </p:nvGrpSpPr>
@@ -10608,7 +10743,9 @@
       <p:sp>
         <p:nvSpPr>
           <p:cNvPr id="66" name="Google Shape;66;p1"/>
-          <p:cNvSpPr txBox="1"/>
+          <p:cNvSpPr txBox="1">
+            <a:spLocks noGrp="1"/>
+          </p:cNvSpPr>
           <p:nvPr>
             <p:ph type="ctrTitle"/>
           </p:nvPr>
@@ -10627,12 +10764,12 @@
           </a:ln>
         </p:spPr>
         <p:txBody>
-          <a:bodyPr anchorCtr="0" anchor="ctr" bIns="91425" lIns="91425" spcFirstLastPara="1" rIns="91425" wrap="square" tIns="91425">
+          <a:bodyPr spcFirstLastPara="1" wrap="square" lIns="91425" tIns="91425" rIns="91425" bIns="91425" anchor="ctr" anchorCtr="0">
             <a:noAutofit/>
           </a:bodyPr>
           <a:lstStyle/>
           <a:p>
-            <a:pPr indent="0" lvl="0" marL="0" rtl="0" algn="l">
+            <a:pPr marL="0" lvl="0" indent="0" algn="l" rtl="0">
               <a:lnSpc>
                 <a:spcPct val="100000"/>
               </a:lnSpc>
@@ -10646,15 +10783,31 @@
               <a:buNone/>
             </a:pPr>
             <a:r>
-              <a:rPr b="1" lang="en"/>
+              <a:rPr lang="en" b="1"/>
               <a:t>BÁO CÁO GIỮA KỲ</a:t>
             </a:r>
             <a:endParaRPr b="1"/>
           </a:p>
           <a:p>
-            <a:pPr indent="0" lvl="0" marL="0" rtl="0" algn="l">
-              <a:lnSpc>
-                <a:spcPct val="100000"/>
+            <a:pPr marL="0" lvl="0" indent="0" algn="l" rtl="0">
+              <a:lnSpc>
+                <a:spcPct val="100000"/>
+              </a:lnSpc>
+              <a:spcBef>
+                <a:spcPts val="0"/>
+              </a:spcBef>
+              <a:spcAft>
+                <a:spcPts val="0"/>
+              </a:spcAft>
+              <a:buSzPts val="4800"/>
+              <a:buNone/>
+            </a:pPr>
+            <a:endParaRPr sz="3600" b="1"/>
+          </a:p>
+          <a:p>
+            <a:pPr marL="0" lvl="0" indent="0" algn="l" rtl="0">
+              <a:lnSpc>
+                <a:spcPct val="150000"/>
               </a:lnSpc>
               <a:spcBef>
                 <a:spcPts val="0"/>
@@ -10666,12 +10819,13 @@
               <a:buNone/>
             </a:pPr>
             <a:r>
-              <a:t/>
+              <a:rPr lang="en" sz="3200" b="1"/>
+              <a:t>Lớp: CS2225</a:t>
             </a:r>
-            <a:endParaRPr b="1" sz="3600"/>
+            <a:endParaRPr sz="3200" b="1"/>
           </a:p>
           <a:p>
-            <a:pPr indent="0" lvl="0" marL="0" rtl="0" algn="l">
+            <a:pPr marL="0" lvl="0" indent="0" algn="l" rtl="0">
               <a:lnSpc>
                 <a:spcPct val="150000"/>
               </a:lnSpc>
@@ -10685,39 +10839,21 @@
               <a:buNone/>
             </a:pPr>
             <a:r>
-              <a:rPr b="1" lang="en" sz="3200"/>
-              <a:t>Lớp: CS2225</a:t>
-            </a:r>
-            <a:endParaRPr b="1" sz="3200"/>
-          </a:p>
-          <a:p>
-            <a:pPr indent="0" lvl="0" marL="0" rtl="0" algn="l">
-              <a:lnSpc>
-                <a:spcPct val="150000"/>
-              </a:lnSpc>
-              <a:spcBef>
-                <a:spcPts val="0"/>
-              </a:spcBef>
-              <a:spcAft>
-                <a:spcPts val="0"/>
-              </a:spcAft>
-              <a:buSzPts val="4800"/>
-              <a:buNone/>
-            </a:pPr>
-            <a:r>
-              <a:rPr b="1" lang="en" sz="3200"/>
+              <a:rPr lang="en" sz="3200" b="1"/>
               <a:t>Môn: NHẬN DẠNG THỊ GIÁC VÀ ỨNG DỤNG</a:t>
             </a:r>
-            <a:endParaRPr b="1" sz="3200"/>
+            <a:endParaRPr sz="3200" b="1"/>
           </a:p>
         </p:txBody>
       </p:sp>
       <p:sp>
         <p:nvSpPr>
           <p:cNvPr id="67" name="Google Shape;67;p1"/>
-          <p:cNvSpPr txBox="1"/>
+          <p:cNvSpPr txBox="1">
+            <a:spLocks noGrp="1"/>
+          </p:cNvSpPr>
           <p:nvPr>
-            <p:ph idx="1" type="subTitle"/>
+            <p:ph type="subTitle" idx="1"/>
           </p:nvPr>
         </p:nvSpPr>
         <p:spPr>
@@ -10734,12 +10870,12 @@
           </a:ln>
         </p:spPr>
         <p:txBody>
-          <a:bodyPr anchorCtr="0" anchor="ctr" bIns="91425" lIns="91425" spcFirstLastPara="1" rIns="91425" wrap="square" tIns="91425">
+          <a:bodyPr spcFirstLastPara="1" wrap="square" lIns="91425" tIns="91425" rIns="91425" bIns="91425" anchor="ctr" anchorCtr="0">
             <a:noAutofit/>
           </a:bodyPr>
           <a:lstStyle/>
           <a:p>
-            <a:pPr indent="0" lvl="0" marL="0" rtl="0" algn="l">
+            <a:pPr marL="0" lvl="0" indent="0" algn="l" rtl="0">
               <a:lnSpc>
                 <a:spcPct val="100000"/>
               </a:lnSpc>
@@ -10753,13 +10889,13 @@
               <a:buNone/>
             </a:pPr>
             <a:r>
-              <a:rPr b="1" lang="en" sz="2400"/>
+              <a:rPr lang="en" sz="2400" b="1"/>
               <a:t>GV: PGS.TS Lê Đình Duy</a:t>
             </a:r>
-            <a:endParaRPr b="1" sz="2400"/>
+            <a:endParaRPr sz="2400" b="1"/>
           </a:p>
           <a:p>
-            <a:pPr indent="0" lvl="0" marL="0" rtl="0" algn="l">
+            <a:pPr marL="0" lvl="0" indent="0" algn="l" rtl="0">
               <a:lnSpc>
                 <a:spcPct val="100000"/>
               </a:lnSpc>
@@ -10773,7 +10909,7 @@
               <a:buNone/>
             </a:pPr>
             <a:r>
-              <a:rPr b="1" lang="en" sz="2400"/>
+              <a:rPr lang="en" sz="2400" b="1"/>
               <a:t>Trường ĐH Công Nghệ Thông Tin, ĐHQG-HCM</a:t>
             </a:r>
             <a:r>
@@ -10793,11 +10929,11 @@
 </file>
 
 <file path=ppt/slides/slide10.xml><?xml version="1.0" encoding="utf-8"?>
-<p:sld xmlns:a="http://schemas.openxmlformats.org/drawingml/2006/main" xmlns:r="http://schemas.openxmlformats.org/officeDocument/2006/relationships" xmlns:mc="http://schemas.openxmlformats.org/markup-compatibility/2006" xmlns:mv="urn:schemas-microsoft-com:mac:vml" xmlns:p="http://schemas.openxmlformats.org/presentationml/2006/main" xmlns:c="http://schemas.openxmlformats.org/drawingml/2006/chart" xmlns:dgm="http://schemas.openxmlformats.org/drawingml/2006/diagram" xmlns:o="urn:schemas-microsoft-com:office:office" xmlns:v="urn:schemas-microsoft-com:vml" xmlns:pvml="urn:schemas-microsoft-com:office:powerpoint" xmlns:com="http://schemas.openxmlformats.org/drawingml/2006/compatibility" xmlns:p14="http://schemas.microsoft.com/office/powerpoint/2010/main" xmlns:p15="http://schemas.microsoft.com/office/powerpoint/2012/main" xmlns:ahyp="http://schemas.microsoft.com/office/drawing/2018/hyperlinkcolor">
+<p:sld xmlns:a="http://schemas.openxmlformats.org/drawingml/2006/main" xmlns:r="http://schemas.openxmlformats.org/officeDocument/2006/relationships" xmlns:p="http://schemas.openxmlformats.org/presentationml/2006/main">
   <p:cSld>
     <p:spTree>
       <p:nvGrpSpPr>
-        <p:cNvPr id="121" name="Shape 121"/>
+        <p:cNvPr id="1" name="Shape 115"/>
         <p:cNvGrpSpPr/>
         <p:nvPr/>
       </p:nvGrpSpPr>
@@ -10811,179 +10947,10 @@
       </p:grpSpPr>
       <p:sp>
         <p:nvSpPr>
-          <p:cNvPr id="122" name="Google Shape;122;ga95c1e85a4_0_19"/>
-          <p:cNvSpPr txBox="1"/>
-          <p:nvPr>
-            <p:ph type="title"/>
-          </p:nvPr>
-        </p:nvSpPr>
-        <p:spPr>
-          <a:xfrm>
-            <a:off x="471900" y="57875"/>
-            <a:ext cx="8222100" cy="670500"/>
-          </a:xfrm>
-          <a:prstGeom prst="rect">
-            <a:avLst/>
-          </a:prstGeom>
-        </p:spPr>
-        <p:txBody>
-          <a:bodyPr anchorCtr="0" anchor="b" bIns="91425" lIns="91425" spcFirstLastPara="1" rIns="91425" wrap="square" tIns="91425">
-            <a:noAutofit/>
-          </a:bodyPr>
-          <a:lstStyle/>
-          <a:p>
-            <a:pPr indent="0" lvl="0" marL="0" rtl="0" algn="l">
-              <a:spcBef>
-                <a:spcPts val="0"/>
-              </a:spcBef>
-              <a:spcAft>
-                <a:spcPts val="0"/>
-              </a:spcAft>
-              <a:buNone/>
-            </a:pPr>
-            <a:r>
-              <a:rPr b="1" lang="en"/>
-              <a:t>Hướng phát triển</a:t>
-            </a:r>
-            <a:endParaRPr b="1"/>
-          </a:p>
-        </p:txBody>
-      </p:sp>
-      <p:sp>
-        <p:nvSpPr>
-          <p:cNvPr id="123" name="Google Shape;123;ga95c1e85a4_0_19"/>
-          <p:cNvSpPr txBox="1"/>
-          <p:nvPr>
-            <p:ph idx="1" type="body"/>
-          </p:nvPr>
-        </p:nvSpPr>
-        <p:spPr>
-          <a:xfrm>
-            <a:off x="471900" y="820500"/>
-            <a:ext cx="8222100" cy="3908400"/>
-          </a:xfrm>
-          <a:prstGeom prst="rect">
-            <a:avLst/>
-          </a:prstGeom>
-        </p:spPr>
-        <p:txBody>
-          <a:bodyPr anchorCtr="0" anchor="t" bIns="91425" lIns="91425" spcFirstLastPara="1" rIns="91425" wrap="square" tIns="91425">
-            <a:noAutofit/>
-          </a:bodyPr>
-          <a:lstStyle/>
-          <a:p>
-            <a:pPr indent="-368300" lvl="0" marL="457200" rtl="0" algn="l">
-              <a:spcBef>
-                <a:spcPts val="0"/>
-              </a:spcBef>
-              <a:spcAft>
-                <a:spcPts val="0"/>
-              </a:spcAft>
-              <a:buSzPts val="2200"/>
-              <a:buChar char="●"/>
-            </a:pPr>
-            <a:r>
-              <a:rPr lang="en"/>
-              <a:t>Cải thiện hệ thống bằng cách</a:t>
-            </a:r>
-            <a:r>
-              <a:rPr lang="en"/>
-              <a:t> b</a:t>
-            </a:r>
-            <a:r>
-              <a:rPr lang="en"/>
-              <a:t>ổ sung thêm dữ liệu đầu vào từ nhiều nguồn khác.</a:t>
-            </a:r>
-            <a:endParaRPr/>
-          </a:p>
-          <a:p>
-            <a:pPr indent="-368300" lvl="0" marL="457200" rtl="0" algn="l">
-              <a:spcBef>
-                <a:spcPts val="0"/>
-              </a:spcBef>
-              <a:spcAft>
-                <a:spcPts val="0"/>
-              </a:spcAft>
-              <a:buSzPts val="2200"/>
-              <a:buChar char="●"/>
-            </a:pPr>
-            <a:r>
-              <a:rPr lang="en"/>
-              <a:t>Xử </a:t>
-            </a:r>
-            <a:r>
-              <a:rPr lang="en"/>
-              <a:t>lý</a:t>
-            </a:r>
-            <a:r>
-              <a:rPr lang="en"/>
-              <a:t> thêm dữ liệu đầu vào là video.</a:t>
-            </a:r>
-            <a:endParaRPr/>
-          </a:p>
-          <a:p>
-            <a:pPr indent="-368300" lvl="0" marL="457200" rtl="0" algn="l">
-              <a:spcBef>
-                <a:spcPts val="0"/>
-              </a:spcBef>
-              <a:spcAft>
-                <a:spcPts val="0"/>
-              </a:spcAft>
-              <a:buSzPts val="2200"/>
-              <a:buChar char="●"/>
-            </a:pPr>
-            <a:r>
-              <a:rPr lang="en"/>
-              <a:t>Đánh giá với nhiều model và phương pháp khác đang hiện có.</a:t>
-            </a:r>
-            <a:endParaRPr/>
-          </a:p>
-          <a:p>
-            <a:pPr indent="0" lvl="0" marL="0" rtl="0" algn="l">
-              <a:spcBef>
-                <a:spcPts val="0"/>
-              </a:spcBef>
-              <a:spcAft>
-                <a:spcPts val="0"/>
-              </a:spcAft>
-              <a:buNone/>
-            </a:pPr>
-            <a:r>
-              <a:t/>
-            </a:r>
-            <a:endParaRPr/>
-          </a:p>
-        </p:txBody>
-      </p:sp>
-    </p:spTree>
-  </p:cSld>
-  <p:clrMapOvr>
-    <a:masterClrMapping/>
-  </p:clrMapOvr>
-</p:sld>
-</file>
-
-<file path=ppt/slides/slide11.xml><?xml version="1.0" encoding="utf-8"?>
-<p:sld xmlns:a="http://schemas.openxmlformats.org/drawingml/2006/main" xmlns:r="http://schemas.openxmlformats.org/officeDocument/2006/relationships" xmlns:mc="http://schemas.openxmlformats.org/markup-compatibility/2006" xmlns:mv="urn:schemas-microsoft-com:mac:vml" xmlns:p="http://schemas.openxmlformats.org/presentationml/2006/main" xmlns:c="http://schemas.openxmlformats.org/drawingml/2006/chart" xmlns:dgm="http://schemas.openxmlformats.org/drawingml/2006/diagram" xmlns:o="urn:schemas-microsoft-com:office:office" xmlns:v="urn:schemas-microsoft-com:vml" xmlns:pvml="urn:schemas-microsoft-com:office:powerpoint" xmlns:com="http://schemas.openxmlformats.org/drawingml/2006/compatibility" xmlns:p14="http://schemas.microsoft.com/office/powerpoint/2010/main" xmlns:p15="http://schemas.microsoft.com/office/powerpoint/2012/main" xmlns:ahyp="http://schemas.microsoft.com/office/drawing/2018/hyperlinkcolor">
-  <p:cSld>
-    <p:spTree>
-      <p:nvGrpSpPr>
-        <p:cNvPr id="127" name="Shape 127"/>
-        <p:cNvGrpSpPr/>
-        <p:nvPr/>
-      </p:nvGrpSpPr>
-      <p:grpSpPr>
-        <a:xfrm>
-          <a:off x="0" y="0"/>
-          <a:ext cx="0" cy="0"/>
-          <a:chOff x="0" y="0"/>
-          <a:chExt cx="0" cy="0"/>
-        </a:xfrm>
-      </p:grpSpPr>
-      <p:sp>
-        <p:nvSpPr>
-          <p:cNvPr id="128" name="Google Shape;128;gb23b97c7f9_0_16"/>
-          <p:cNvSpPr txBox="1"/>
+          <p:cNvPr id="116" name="Google Shape;116;p8"/>
+          <p:cNvSpPr txBox="1">
+            <a:spLocks noGrp="1"/>
+          </p:cNvSpPr>
           <p:nvPr>
             <p:ph type="title"/>
           </p:nvPr>
@@ -11002,12 +10969,12 @@
           </a:ln>
         </p:spPr>
         <p:txBody>
-          <a:bodyPr anchorCtr="0" anchor="ctr" bIns="91425" lIns="91425" spcFirstLastPara="1" rIns="91425" wrap="square" tIns="91425">
+          <a:bodyPr spcFirstLastPara="1" wrap="square" lIns="91425" tIns="91425" rIns="91425" bIns="91425" anchor="ctr" anchorCtr="0">
             <a:noAutofit/>
           </a:bodyPr>
           <a:lstStyle/>
           <a:p>
-            <a:pPr indent="0" lvl="0" marL="0" rtl="0" algn="l">
+            <a:pPr marL="0" lvl="0" indent="0" algn="l" rtl="0">
               <a:lnSpc>
                 <a:spcPct val="100000"/>
               </a:lnSpc>
@@ -11021,8 +10988,12 @@
               <a:buNone/>
             </a:pPr>
             <a:r>
-              <a:rPr b="1" lang="en"/>
-              <a:t>Đánh giá kết quả</a:t>
+              <a:rPr lang="en" b="1"/>
+              <a:t>Loại bài toán ML</a:t>
+            </a:r>
+            <a:r>
+              <a:rPr lang="en"/>
+              <a:t> </a:t>
             </a:r>
             <a:endParaRPr/>
           </a:p>
@@ -11030,10 +11001,12 @@
       </p:sp>
       <p:sp>
         <p:nvSpPr>
-          <p:cNvPr id="129" name="Google Shape;129;gb23b97c7f9_0_16"/>
-          <p:cNvSpPr txBox="1"/>
+          <p:cNvPr id="117" name="Google Shape;117;p8"/>
+          <p:cNvSpPr txBox="1">
+            <a:spLocks noGrp="1"/>
+          </p:cNvSpPr>
           <p:nvPr>
-            <p:ph idx="1" type="body"/>
+            <p:ph type="body" idx="1"/>
           </p:nvPr>
         </p:nvSpPr>
         <p:spPr>
@@ -11050,30 +11023,32 @@
           </a:ln>
         </p:spPr>
         <p:txBody>
-          <a:bodyPr anchorCtr="0" anchor="t" bIns="91425" lIns="91425" spcFirstLastPara="1" rIns="91425" wrap="square" tIns="91425">
+          <a:bodyPr spcFirstLastPara="1" wrap="square" lIns="91425" tIns="91425" rIns="91425" bIns="91425" anchor="t" anchorCtr="0">
             <a:noAutofit/>
           </a:bodyPr>
           <a:lstStyle/>
           <a:p>
-            <a:pPr indent="0" lvl="0" marL="457200" rtl="0" algn="l">
+            <a:pPr marL="457200" lvl="0" indent="-368300" algn="l" rtl="0">
               <a:lnSpc>
                 <a:spcPct val="115000"/>
               </a:lnSpc>
               <a:spcBef>
-                <a:spcPts val="1600"/>
-              </a:spcBef>
-              <a:spcAft>
-                <a:spcPts val="0"/>
-              </a:spcAft>
-              <a:buNone/>
+                <a:spcPts val="0"/>
+              </a:spcBef>
+              <a:spcAft>
+                <a:spcPts val="0"/>
+              </a:spcAft>
+              <a:buSzPts val="2200"/>
+              <a:buChar char="●"/>
             </a:pPr>
             <a:r>
-              <a:t/>
+              <a:rPr lang="en"/>
+              <a:t>Object Detection</a:t>
             </a:r>
             <a:endParaRPr/>
           </a:p>
           <a:p>
-            <a:pPr indent="0" lvl="0" marL="914400" rtl="0" algn="l">
+            <a:pPr marL="914400" lvl="0" indent="0" algn="l" rtl="0">
               <a:lnSpc>
                 <a:spcPct val="115000"/>
               </a:lnSpc>
@@ -11086,9 +11061,6 @@
               <a:buSzPts val="2200"/>
               <a:buNone/>
             </a:pPr>
-            <a:r>
-              <a:t/>
-            </a:r>
             <a:endParaRPr sz="1800"/>
           </a:p>
         </p:txBody>
@@ -11101,12 +11073,304 @@
 </p:sld>
 </file>
 
-<file path=ppt/slides/slide12.xml><?xml version="1.0" encoding="utf-8"?>
-<p:sld xmlns:a="http://schemas.openxmlformats.org/drawingml/2006/main" xmlns:r="http://schemas.openxmlformats.org/officeDocument/2006/relationships" xmlns:mc="http://schemas.openxmlformats.org/markup-compatibility/2006" xmlns:mv="urn:schemas-microsoft-com:mac:vml" xmlns:p="http://schemas.openxmlformats.org/presentationml/2006/main" xmlns:c="http://schemas.openxmlformats.org/drawingml/2006/chart" xmlns:dgm="http://schemas.openxmlformats.org/drawingml/2006/diagram" xmlns:o="urn:schemas-microsoft-com:office:office" xmlns:v="urn:schemas-microsoft-com:vml" xmlns:pvml="urn:schemas-microsoft-com:office:powerpoint" xmlns:com="http://schemas.openxmlformats.org/drawingml/2006/compatibility" xmlns:p14="http://schemas.microsoft.com/office/powerpoint/2010/main" xmlns:p15="http://schemas.microsoft.com/office/powerpoint/2012/main" xmlns:ahyp="http://schemas.microsoft.com/office/drawing/2018/hyperlinkcolor">
+<file path=ppt/slides/slide11.xml><?xml version="1.0" encoding="utf-8"?>
+<p:sld xmlns:a="http://schemas.openxmlformats.org/drawingml/2006/main" xmlns:r="http://schemas.openxmlformats.org/officeDocument/2006/relationships" xmlns:p="http://schemas.openxmlformats.org/presentationml/2006/main">
   <p:cSld>
     <p:spTree>
       <p:nvGrpSpPr>
-        <p:cNvPr id="133" name="Shape 133"/>
+        <p:cNvPr id="1" name="Shape 121"/>
+        <p:cNvGrpSpPr/>
+        <p:nvPr/>
+      </p:nvGrpSpPr>
+      <p:grpSpPr>
+        <a:xfrm>
+          <a:off x="0" y="0"/>
+          <a:ext cx="0" cy="0"/>
+          <a:chOff x="0" y="0"/>
+          <a:chExt cx="0" cy="0"/>
+        </a:xfrm>
+      </p:grpSpPr>
+      <p:sp>
+        <p:nvSpPr>
+          <p:cNvPr id="122" name="Google Shape;122;ga95c1e85a4_0_19"/>
+          <p:cNvSpPr txBox="1">
+            <a:spLocks noGrp="1"/>
+          </p:cNvSpPr>
+          <p:nvPr>
+            <p:ph type="title"/>
+          </p:nvPr>
+        </p:nvSpPr>
+        <p:spPr>
+          <a:xfrm>
+            <a:off x="471900" y="57875"/>
+            <a:ext cx="8222100" cy="670500"/>
+          </a:xfrm>
+          <a:prstGeom prst="rect">
+            <a:avLst/>
+          </a:prstGeom>
+        </p:spPr>
+        <p:txBody>
+          <a:bodyPr spcFirstLastPara="1" wrap="square" lIns="91425" tIns="91425" rIns="91425" bIns="91425" anchor="b" anchorCtr="0">
+            <a:noAutofit/>
+          </a:bodyPr>
+          <a:lstStyle/>
+          <a:p>
+            <a:pPr marL="0" lvl="0" indent="0" algn="l" rtl="0">
+              <a:spcBef>
+                <a:spcPts val="0"/>
+              </a:spcBef>
+              <a:spcAft>
+                <a:spcPts val="0"/>
+              </a:spcAft>
+              <a:buNone/>
+            </a:pPr>
+            <a:r>
+              <a:rPr lang="en" b="1"/>
+              <a:t>Hướng phát triển</a:t>
+            </a:r>
+            <a:endParaRPr b="1"/>
+          </a:p>
+        </p:txBody>
+      </p:sp>
+      <p:sp>
+        <p:nvSpPr>
+          <p:cNvPr id="123" name="Google Shape;123;ga95c1e85a4_0_19"/>
+          <p:cNvSpPr txBox="1">
+            <a:spLocks noGrp="1"/>
+          </p:cNvSpPr>
+          <p:nvPr>
+            <p:ph type="body" idx="1"/>
+          </p:nvPr>
+        </p:nvSpPr>
+        <p:spPr>
+          <a:xfrm>
+            <a:off x="471900" y="820500"/>
+            <a:ext cx="8222100" cy="3908400"/>
+          </a:xfrm>
+          <a:prstGeom prst="rect">
+            <a:avLst/>
+          </a:prstGeom>
+        </p:spPr>
+        <p:txBody>
+          <a:bodyPr spcFirstLastPara="1" wrap="square" lIns="91425" tIns="91425" rIns="91425" bIns="91425" anchor="t" anchorCtr="0">
+            <a:noAutofit/>
+          </a:bodyPr>
+          <a:lstStyle/>
+          <a:p>
+            <a:pPr marL="457200" lvl="0" indent="-368300" algn="l" rtl="0">
+              <a:spcBef>
+                <a:spcPts val="0"/>
+              </a:spcBef>
+              <a:spcAft>
+                <a:spcPts val="0"/>
+              </a:spcAft>
+              <a:buSzPts val="2200"/>
+              <a:buChar char="●"/>
+            </a:pPr>
+            <a:r>
+              <a:rPr lang="en"/>
+              <a:t>Cải thiện hệ thống bằng cách bổ sung thêm dữ liệu đầu vào từ nhiều nguồn khác.</a:t>
+            </a:r>
+            <a:endParaRPr/>
+          </a:p>
+          <a:p>
+            <a:pPr marL="457200" lvl="0" indent="-368300" algn="l" rtl="0">
+              <a:spcBef>
+                <a:spcPts val="0"/>
+              </a:spcBef>
+              <a:spcAft>
+                <a:spcPts val="0"/>
+              </a:spcAft>
+              <a:buSzPts val="2200"/>
+              <a:buChar char="●"/>
+            </a:pPr>
+            <a:r>
+              <a:rPr lang="en"/>
+              <a:t>Xử lý thêm dữ liệu đầu vào là video.</a:t>
+            </a:r>
+            <a:endParaRPr/>
+          </a:p>
+          <a:p>
+            <a:pPr marL="457200" lvl="0" indent="-368300" algn="l" rtl="0">
+              <a:spcBef>
+                <a:spcPts val="0"/>
+              </a:spcBef>
+              <a:spcAft>
+                <a:spcPts val="0"/>
+              </a:spcAft>
+              <a:buSzPts val="2200"/>
+              <a:buChar char="●"/>
+            </a:pPr>
+            <a:r>
+              <a:rPr lang="en"/>
+              <a:t>Đánh giá với nhiều model và phương pháp khác đang hiện có.</a:t>
+            </a:r>
+            <a:endParaRPr/>
+          </a:p>
+          <a:p>
+            <a:pPr marL="0" lvl="0" indent="0" algn="l" rtl="0">
+              <a:spcBef>
+                <a:spcPts val="0"/>
+              </a:spcBef>
+              <a:spcAft>
+                <a:spcPts val="0"/>
+              </a:spcAft>
+              <a:buNone/>
+            </a:pPr>
+            <a:endParaRPr/>
+          </a:p>
+        </p:txBody>
+      </p:sp>
+    </p:spTree>
+  </p:cSld>
+  <p:clrMapOvr>
+    <a:masterClrMapping/>
+  </p:clrMapOvr>
+</p:sld>
+</file>
+
+<file path=ppt/slides/slide12.xml><?xml version="1.0" encoding="utf-8"?>
+<p:sld xmlns:a="http://schemas.openxmlformats.org/drawingml/2006/main" xmlns:r="http://schemas.openxmlformats.org/officeDocument/2006/relationships" xmlns:p="http://schemas.openxmlformats.org/presentationml/2006/main">
+  <p:cSld>
+    <p:spTree>
+      <p:nvGrpSpPr>
+        <p:cNvPr id="1" name="Shape 127"/>
+        <p:cNvGrpSpPr/>
+        <p:nvPr/>
+      </p:nvGrpSpPr>
+      <p:grpSpPr>
+        <a:xfrm>
+          <a:off x="0" y="0"/>
+          <a:ext cx="0" cy="0"/>
+          <a:chOff x="0" y="0"/>
+          <a:chExt cx="0" cy="0"/>
+        </a:xfrm>
+      </p:grpSpPr>
+      <p:sp>
+        <p:nvSpPr>
+          <p:cNvPr id="128" name="Google Shape;128;gb23b97c7f9_0_16"/>
+          <p:cNvSpPr txBox="1">
+            <a:spLocks noGrp="1"/>
+          </p:cNvSpPr>
+          <p:nvPr>
+            <p:ph type="title"/>
+          </p:nvPr>
+        </p:nvSpPr>
+        <p:spPr>
+          <a:xfrm>
+            <a:off x="471900" y="57875"/>
+            <a:ext cx="8222100" cy="670500"/>
+          </a:xfrm>
+          <a:prstGeom prst="rect">
+            <a:avLst/>
+          </a:prstGeom>
+          <a:noFill/>
+          <a:ln>
+            <a:noFill/>
+          </a:ln>
+        </p:spPr>
+        <p:txBody>
+          <a:bodyPr spcFirstLastPara="1" wrap="square" lIns="91425" tIns="91425" rIns="91425" bIns="91425" anchor="ctr" anchorCtr="0">
+            <a:noAutofit/>
+          </a:bodyPr>
+          <a:lstStyle/>
+          <a:p>
+            <a:pPr marL="0" lvl="0" indent="0" algn="l" rtl="0">
+              <a:lnSpc>
+                <a:spcPct val="100000"/>
+              </a:lnSpc>
+              <a:spcBef>
+                <a:spcPts val="0"/>
+              </a:spcBef>
+              <a:spcAft>
+                <a:spcPts val="0"/>
+              </a:spcAft>
+              <a:buSzPts val="3200"/>
+              <a:buNone/>
+            </a:pPr>
+            <a:r>
+              <a:rPr lang="en" b="1"/>
+              <a:t>Đánh giá kết quả</a:t>
+            </a:r>
+            <a:endParaRPr/>
+          </a:p>
+        </p:txBody>
+      </p:sp>
+      <p:sp>
+        <p:nvSpPr>
+          <p:cNvPr id="129" name="Google Shape;129;gb23b97c7f9_0_16"/>
+          <p:cNvSpPr txBox="1">
+            <a:spLocks noGrp="1"/>
+          </p:cNvSpPr>
+          <p:nvPr>
+            <p:ph type="body" idx="1"/>
+          </p:nvPr>
+        </p:nvSpPr>
+        <p:spPr>
+          <a:xfrm>
+            <a:off x="471900" y="820500"/>
+            <a:ext cx="8222100" cy="3908400"/>
+          </a:xfrm>
+          <a:prstGeom prst="rect">
+            <a:avLst/>
+          </a:prstGeom>
+          <a:noFill/>
+          <a:ln>
+            <a:noFill/>
+          </a:ln>
+        </p:spPr>
+        <p:txBody>
+          <a:bodyPr spcFirstLastPara="1" wrap="square" lIns="91425" tIns="91425" rIns="91425" bIns="91425" anchor="t" anchorCtr="0">
+            <a:noAutofit/>
+          </a:bodyPr>
+          <a:lstStyle/>
+          <a:p>
+            <a:pPr marL="457200" lvl="0" indent="0" algn="l" rtl="0">
+              <a:lnSpc>
+                <a:spcPct val="115000"/>
+              </a:lnSpc>
+              <a:spcBef>
+                <a:spcPts val="1600"/>
+              </a:spcBef>
+              <a:spcAft>
+                <a:spcPts val="0"/>
+              </a:spcAft>
+              <a:buNone/>
+            </a:pPr>
+            <a:endParaRPr/>
+          </a:p>
+          <a:p>
+            <a:pPr marL="914400" lvl="0" indent="0" algn="l" rtl="0">
+              <a:lnSpc>
+                <a:spcPct val="115000"/>
+              </a:lnSpc>
+              <a:spcBef>
+                <a:spcPts val="1600"/>
+              </a:spcBef>
+              <a:spcAft>
+                <a:spcPts val="1600"/>
+              </a:spcAft>
+              <a:buSzPts val="2200"/>
+              <a:buNone/>
+            </a:pPr>
+            <a:endParaRPr sz="1800"/>
+          </a:p>
+        </p:txBody>
+      </p:sp>
+    </p:spTree>
+  </p:cSld>
+  <p:clrMapOvr>
+    <a:masterClrMapping/>
+  </p:clrMapOvr>
+</p:sld>
+</file>
+
+<file path=ppt/slides/slide13.xml><?xml version="1.0" encoding="utf-8"?>
+<p:sld xmlns:a="http://schemas.openxmlformats.org/drawingml/2006/main" xmlns:r="http://schemas.openxmlformats.org/officeDocument/2006/relationships" xmlns:p="http://schemas.openxmlformats.org/presentationml/2006/main">
+  <p:cSld>
+    <p:spTree>
+      <p:nvGrpSpPr>
+        <p:cNvPr id="1" name="Shape 133"/>
         <p:cNvGrpSpPr/>
         <p:nvPr/>
       </p:nvGrpSpPr>
@@ -11121,7 +11385,9 @@
       <p:sp>
         <p:nvSpPr>
           <p:cNvPr id="134" name="Google Shape;134;gbb7498ad44_0_6"/>
-          <p:cNvSpPr txBox="1"/>
+          <p:cNvSpPr txBox="1">
+            <a:spLocks noGrp="1"/>
+          </p:cNvSpPr>
           <p:nvPr>
             <p:ph type="title"/>
           </p:nvPr>
@@ -11136,12 +11402,12 @@
           </a:prstGeom>
         </p:spPr>
         <p:txBody>
-          <a:bodyPr anchorCtr="0" anchor="b" bIns="91425" lIns="91425" spcFirstLastPara="1" rIns="91425" wrap="square" tIns="91425">
+          <a:bodyPr spcFirstLastPara="1" wrap="square" lIns="91425" tIns="91425" rIns="91425" bIns="91425" anchor="b" anchorCtr="0">
             <a:noAutofit/>
           </a:bodyPr>
           <a:lstStyle/>
           <a:p>
-            <a:pPr indent="0" lvl="0" marL="0" rtl="0" algn="l">
+            <a:pPr marL="0" lvl="0" indent="0" algn="l" rtl="0">
               <a:spcBef>
                 <a:spcPts val="0"/>
               </a:spcBef>
@@ -11151,7 +11417,7 @@
               <a:buNone/>
             </a:pPr>
             <a:r>
-              <a:rPr b="1" lang="en"/>
+              <a:rPr lang="en" b="1"/>
               <a:t>Nguồn tài liệu</a:t>
             </a:r>
             <a:endParaRPr b="1"/>
@@ -11161,9 +11427,11 @@
       <p:sp>
         <p:nvSpPr>
           <p:cNvPr id="135" name="Google Shape;135;gbb7498ad44_0_6"/>
-          <p:cNvSpPr txBox="1"/>
+          <p:cNvSpPr txBox="1">
+            <a:spLocks noGrp="1"/>
+          </p:cNvSpPr>
           <p:nvPr>
-            <p:ph idx="1" type="body"/>
+            <p:ph type="body" idx="1"/>
           </p:nvPr>
         </p:nvSpPr>
         <p:spPr>
@@ -11176,12 +11444,12 @@
           </a:prstGeom>
         </p:spPr>
         <p:txBody>
-          <a:bodyPr anchorCtr="0" anchor="t" bIns="91425" lIns="91425" spcFirstLastPara="1" rIns="91425" wrap="square" tIns="91425">
+          <a:bodyPr spcFirstLastPara="1" wrap="square" lIns="91425" tIns="91425" rIns="91425" bIns="91425" anchor="t" anchorCtr="0">
             <a:noAutofit/>
           </a:bodyPr>
           <a:lstStyle/>
           <a:p>
-            <a:pPr indent="-330200" lvl="0" marL="457200" rtl="0" algn="l">
+            <a:pPr marL="457200" lvl="0" indent="-330200" algn="l" rtl="0">
               <a:spcBef>
                 <a:spcPts val="0"/>
               </a:spcBef>
@@ -11205,14 +11473,14 @@
                 <a:solidFill>
                   <a:schemeClr val="hlink"/>
                 </a:solidFill>
-                <a:hlinkClick r:id="rId4"/>
+                <a:hlinkClick r:id="rId3"/>
               </a:rPr>
               <a:t>et</a:t>
             </a:r>
             <a:endParaRPr sz="1600"/>
           </a:p>
           <a:p>
-            <a:pPr indent="-330200" lvl="0" marL="457200" rtl="0" algn="l">
+            <a:pPr marL="457200" lvl="0" indent="-330200" algn="l" rtl="0">
               <a:spcBef>
                 <a:spcPts val="0"/>
               </a:spcBef>
@@ -11231,7 +11499,7 @@
                 <a:ea typeface="Arial"/>
                 <a:cs typeface="Arial"/>
                 <a:sym typeface="Arial"/>
-                <a:hlinkClick r:id="rId5"/>
+                <a:hlinkClick r:id="rId4"/>
               </a:rPr>
               <a:t>https://blog.tensorflow.org/2020/07/tensorflow-2-meets-object-detection-api</a:t>
             </a:r>
@@ -11243,7 +11511,7 @@
             </a:endParaRPr>
           </a:p>
           <a:p>
-            <a:pPr indent="-330200" lvl="0" marL="457200" rtl="0" algn="l">
+            <a:pPr marL="457200" lvl="0" indent="-330200" algn="l" rtl="0">
               <a:spcBef>
                 <a:spcPts val="0"/>
               </a:spcBef>
@@ -11263,7 +11531,7 @@
                 <a:ea typeface="Arial"/>
                 <a:cs typeface="Arial"/>
                 <a:sym typeface="Arial"/>
-                <a:hlinkClick r:id="rId6"/>
+                <a:hlinkClick r:id="rId5"/>
               </a:rPr>
               <a:t>https://blog.roboflow.com/train-a-tensorflow2-object-detection-model/</a:t>
             </a:r>
@@ -11275,7 +11543,7 @@
             </a:endParaRPr>
           </a:p>
           <a:p>
-            <a:pPr indent="0" lvl="0" marL="0" rtl="0" algn="l">
+            <a:pPr marL="0" lvl="0" indent="0" algn="l" rtl="0">
               <a:spcBef>
                 <a:spcPts val="0"/>
               </a:spcBef>
@@ -11284,9 +11552,6 @@
               </a:spcAft>
               <a:buNone/>
             </a:pPr>
-            <a:r>
-              <a:t/>
-            </a:r>
             <a:endParaRPr sz="1600">
               <a:latin typeface="Arial"/>
               <a:ea typeface="Arial"/>
@@ -11305,11 +11570,11 @@
 </file>
 
 <file path=ppt/slides/slide2.xml><?xml version="1.0" encoding="utf-8"?>
-<p:sld xmlns:a="http://schemas.openxmlformats.org/drawingml/2006/main" xmlns:r="http://schemas.openxmlformats.org/officeDocument/2006/relationships" xmlns:mc="http://schemas.openxmlformats.org/markup-compatibility/2006" xmlns:mv="urn:schemas-microsoft-com:mac:vml" xmlns:p="http://schemas.openxmlformats.org/presentationml/2006/main" xmlns:c="http://schemas.openxmlformats.org/drawingml/2006/chart" xmlns:dgm="http://schemas.openxmlformats.org/drawingml/2006/diagram" xmlns:o="urn:schemas-microsoft-com:office:office" xmlns:v="urn:schemas-microsoft-com:vml" xmlns:pvml="urn:schemas-microsoft-com:office:powerpoint" xmlns:com="http://schemas.openxmlformats.org/drawingml/2006/compatibility" xmlns:p14="http://schemas.microsoft.com/office/powerpoint/2010/main" xmlns:p15="http://schemas.microsoft.com/office/powerpoint/2012/main" xmlns:ahyp="http://schemas.microsoft.com/office/drawing/2018/hyperlinkcolor">
+<p:sld xmlns:a="http://schemas.openxmlformats.org/drawingml/2006/main" xmlns:r="http://schemas.openxmlformats.org/officeDocument/2006/relationships" xmlns:p="http://schemas.openxmlformats.org/presentationml/2006/main">
   <p:cSld>
     <p:spTree>
       <p:nvGrpSpPr>
-        <p:cNvPr id="71" name="Shape 71"/>
+        <p:cNvPr id="1" name="Shape 71"/>
         <p:cNvGrpSpPr/>
         <p:nvPr/>
       </p:nvGrpSpPr>
@@ -11341,12 +11606,12 @@
           </a:ln>
         </p:spPr>
         <p:txBody>
-          <a:bodyPr anchorCtr="0" anchor="ctr" bIns="91425" lIns="91425" spcFirstLastPara="1" rIns="91425" wrap="square" tIns="91425">
+          <a:bodyPr spcFirstLastPara="1" wrap="square" lIns="91425" tIns="91425" rIns="91425" bIns="91425" anchor="ctr" anchorCtr="0">
             <a:noAutofit/>
           </a:bodyPr>
           <a:lstStyle/>
           <a:p>
-            <a:pPr indent="0" lvl="0" marL="0" marR="0" rtl="0" algn="ctr">
+            <a:pPr marL="0" marR="0" lvl="0" indent="0" algn="ctr" rtl="0">
               <a:lnSpc>
                 <a:spcPct val="100000"/>
               </a:lnSpc>
@@ -11364,7 +11629,7 @@
               <a:buNone/>
             </a:pPr>
             <a:r>
-              <a:rPr b="1" lang="en" sz="4800">
+              <a:rPr lang="en" sz="4800" b="1">
                 <a:solidFill>
                   <a:schemeClr val="lt1"/>
                 </a:solidFill>
@@ -11375,7 +11640,7 @@
               </a:rPr>
               <a:t>NHẬN DẠNG TRÁI CÂY DỰA TRÊN HÌNH ẢNH</a:t>
             </a:r>
-            <a:endParaRPr b="1" i="0" sz="4800" u="none" cap="none" strike="noStrike">
+            <a:endParaRPr sz="4800" b="1" i="0" u="none" strike="noStrike" cap="none">
               <a:solidFill>
                 <a:schemeClr val="lt1"/>
               </a:solidFill>
@@ -11407,12 +11672,12 @@
           </a:ln>
         </p:spPr>
         <p:txBody>
-          <a:bodyPr anchorCtr="0" anchor="ctr" bIns="91425" lIns="91425" spcFirstLastPara="1" rIns="91425" wrap="square" tIns="91425">
+          <a:bodyPr spcFirstLastPara="1" wrap="square" lIns="91425" tIns="91425" rIns="91425" bIns="91425" anchor="ctr" anchorCtr="0">
             <a:noAutofit/>
           </a:bodyPr>
           <a:lstStyle/>
           <a:p>
-            <a:pPr indent="0" lvl="0" marL="0" marR="0" rtl="0" algn="l">
+            <a:pPr marL="0" marR="0" lvl="0" indent="0" algn="l" rtl="0">
               <a:lnSpc>
                 <a:spcPct val="115000"/>
               </a:lnSpc>
@@ -11429,10 +11694,7 @@
               <a:buFont typeface="Arial"/>
               <a:buNone/>
             </a:pPr>
-            <a:r>
-              <a:t/>
-            </a:r>
-            <a:endParaRPr b="1" i="0" sz="2300" u="none" cap="none" strike="noStrike">
+            <a:endParaRPr sz="2300" b="1" i="0" u="none" strike="noStrike" cap="none">
               <a:solidFill>
                 <a:schemeClr val="lt1"/>
               </a:solidFill>
@@ -11443,7 +11705,7 @@
             </a:endParaRPr>
           </a:p>
           <a:p>
-            <a:pPr indent="0" lvl="0" marL="0" marR="0" rtl="0" algn="l">
+            <a:pPr marL="0" marR="0" lvl="0" indent="0" algn="l" rtl="0">
               <a:lnSpc>
                 <a:spcPct val="115000"/>
               </a:lnSpc>
@@ -11461,7 +11723,7 @@
               <a:buNone/>
             </a:pPr>
             <a:r>
-              <a:rPr b="1" lang="en" sz="2300">
+              <a:rPr lang="en" sz="2300" b="1">
                 <a:solidFill>
                   <a:schemeClr val="lt1"/>
                 </a:solidFill>
@@ -11472,7 +11734,7 @@
               </a:rPr>
               <a:t>Mai Phương Nga - CH20001010</a:t>
             </a:r>
-            <a:endParaRPr b="1" sz="2300">
+            <a:endParaRPr sz="2300" b="1">
               <a:solidFill>
                 <a:schemeClr val="lt1"/>
               </a:solidFill>
@@ -11483,7 +11745,7 @@
             </a:endParaRPr>
           </a:p>
           <a:p>
-            <a:pPr indent="0" lvl="0" marL="0" marR="0" rtl="0" algn="l">
+            <a:pPr marL="0" marR="0" lvl="0" indent="0" algn="l" rtl="0">
               <a:lnSpc>
                 <a:spcPct val="115000"/>
               </a:lnSpc>
@@ -11501,7 +11763,7 @@
               <a:buNone/>
             </a:pPr>
             <a:r>
-              <a:rPr b="1" lang="en" sz="2300">
+              <a:rPr lang="en" sz="2300" b="1">
                 <a:solidFill>
                   <a:schemeClr val="lt1"/>
                 </a:solidFill>
@@ -11512,7 +11774,7 @@
               </a:rPr>
               <a:t>Nguyễn Như Thanh - CH2001015</a:t>
             </a:r>
-            <a:endParaRPr b="1" sz="2300">
+            <a:endParaRPr sz="2300" b="1">
               <a:solidFill>
                 <a:schemeClr val="lt1"/>
               </a:solidFill>
@@ -11523,7 +11785,7 @@
             </a:endParaRPr>
           </a:p>
           <a:p>
-            <a:pPr indent="0" lvl="0" marL="0" marR="0" rtl="0" algn="l">
+            <a:pPr marL="0" marR="0" lvl="0" indent="0" algn="l" rtl="0">
               <a:lnSpc>
                 <a:spcPct val="115000"/>
               </a:lnSpc>
@@ -11541,7 +11803,7 @@
               <a:buNone/>
             </a:pPr>
             <a:r>
-              <a:rPr b="1" lang="en" sz="2300">
+              <a:rPr lang="en" sz="2300" b="1">
                 <a:solidFill>
                   <a:schemeClr val="lt1"/>
                 </a:solidFill>
@@ -11552,7 +11814,7 @@
               </a:rPr>
               <a:t>Trần Hiếu Đại - CH20001001</a:t>
             </a:r>
-            <a:endParaRPr b="1" sz="2300">
+            <a:endParaRPr sz="2300" b="1">
               <a:solidFill>
                 <a:schemeClr val="lt1"/>
               </a:solidFill>
@@ -11563,7 +11825,7 @@
             </a:endParaRPr>
           </a:p>
           <a:p>
-            <a:pPr indent="0" lvl="0" marL="0" marR="0" rtl="0" algn="l">
+            <a:pPr marL="0" marR="0" lvl="0" indent="0" algn="l" rtl="0">
               <a:lnSpc>
                 <a:spcPct val="115000"/>
               </a:lnSpc>
@@ -11581,7 +11843,7 @@
               <a:buNone/>
             </a:pPr>
             <a:r>
-              <a:rPr b="1" i="0" lang="en" sz="2300" u="none" cap="none" strike="noStrike">
+              <a:rPr lang="en" sz="2300" b="1" i="0" u="none" strike="noStrike" cap="none">
                 <a:solidFill>
                   <a:schemeClr val="lt1"/>
                 </a:solidFill>
@@ -11593,7 +11855,7 @@
               <a:t>Github:</a:t>
             </a:r>
             <a:r>
-              <a:rPr b="1" lang="en" sz="2300">
+              <a:rPr lang="en" sz="2300" b="1">
                 <a:solidFill>
                   <a:schemeClr val="lt1"/>
                 </a:solidFill>
@@ -11605,7 +11867,7 @@
               <a:t> </a:t>
             </a:r>
             <a:r>
-              <a:rPr b="1" i="0" lang="en" sz="2300" u="none" cap="none" strike="noStrike">
+              <a:rPr lang="en" sz="2300" b="1" i="0" u="none" strike="noStrike" cap="none">
                 <a:solidFill>
                   <a:schemeClr val="lt1"/>
                 </a:solidFill>
@@ -11616,7 +11878,7 @@
               </a:rPr>
               <a:t>https://github.com/MaiNga-uit/CS2225.CH1507</a:t>
             </a:r>
-            <a:endParaRPr b="0" i="0" sz="2300" u="none" cap="none" strike="noStrike">
+            <a:endParaRPr sz="2300" b="0" i="0" u="none" strike="noStrike" cap="none">
               <a:solidFill>
                 <a:schemeClr val="lt1"/>
               </a:solidFill>
@@ -11637,18 +11899,19 @@
 </file>
 
 <file path=ppt/slides/slide3.xml><?xml version="1.0" encoding="utf-8"?>
-<p:sld xmlns:a="http://schemas.openxmlformats.org/drawingml/2006/main" xmlns:r="http://schemas.openxmlformats.org/officeDocument/2006/relationships" xmlns:mc="http://schemas.openxmlformats.org/markup-compatibility/2006" xmlns:mv="urn:schemas-microsoft-com:mac:vml" xmlns:p="http://schemas.openxmlformats.org/presentationml/2006/main" xmlns:c="http://schemas.openxmlformats.org/drawingml/2006/chart" xmlns:dgm="http://schemas.openxmlformats.org/drawingml/2006/diagram" xmlns:o="urn:schemas-microsoft-com:office:office" xmlns:v="urn:schemas-microsoft-com:vml" xmlns:pvml="urn:schemas-microsoft-com:office:powerpoint" xmlns:com="http://schemas.openxmlformats.org/drawingml/2006/compatibility" xmlns:p14="http://schemas.microsoft.com/office/powerpoint/2010/main" xmlns:p15="http://schemas.microsoft.com/office/powerpoint/2012/main" xmlns:ahyp="http://schemas.microsoft.com/office/drawing/2018/hyperlinkcolor">
+<p:sld xmlns:a="http://schemas.openxmlformats.org/drawingml/2006/main" xmlns:r="http://schemas.openxmlformats.org/officeDocument/2006/relationships" xmlns:p="http://schemas.openxmlformats.org/presentationml/2006/main">
   <p:cSld>
     <p:bg>
       <p:bgPr>
         <a:solidFill>
           <a:srgbClr val="4A86E8"/>
         </a:solidFill>
+        <a:effectLst/>
       </p:bgPr>
     </p:bg>
     <p:spTree>
       <p:nvGrpSpPr>
-        <p:cNvPr id="77" name="Shape 77"/>
+        <p:cNvPr id="1" name="Shape 77"/>
         <p:cNvGrpSpPr/>
         <p:nvPr/>
       </p:nvGrpSpPr>
@@ -11663,7 +11926,9 @@
       <p:sp>
         <p:nvSpPr>
           <p:cNvPr id="78" name="Google Shape;78;p4"/>
-          <p:cNvSpPr txBox="1"/>
+          <p:cNvSpPr txBox="1">
+            <a:spLocks noGrp="1"/>
+          </p:cNvSpPr>
           <p:nvPr>
             <p:ph type="title"/>
           </p:nvPr>
@@ -11682,12 +11947,12 @@
           </a:ln>
         </p:spPr>
         <p:txBody>
-          <a:bodyPr anchorCtr="0" anchor="ctr" bIns="91425" lIns="91425" spcFirstLastPara="1" rIns="91425" wrap="square" tIns="91425">
+          <a:bodyPr spcFirstLastPara="1" wrap="square" lIns="91425" tIns="91425" rIns="91425" bIns="91425" anchor="ctr" anchorCtr="0">
             <a:noAutofit/>
           </a:bodyPr>
           <a:lstStyle/>
           <a:p>
-            <a:pPr indent="0" lvl="0" marL="0" rtl="0" algn="l">
+            <a:pPr marL="0" lvl="0" indent="0" algn="l" rtl="0">
               <a:lnSpc>
                 <a:spcPct val="100000"/>
               </a:lnSpc>
@@ -11701,7 +11966,7 @@
               <a:buNone/>
             </a:pPr>
             <a:r>
-              <a:rPr b="1" lang="en"/>
+              <a:rPr lang="en" b="1"/>
               <a:t>Tóm tắt</a:t>
             </a:r>
             <a:endParaRPr/>
@@ -11711,9 +11976,11 @@
       <p:sp>
         <p:nvSpPr>
           <p:cNvPr id="79" name="Google Shape;79;p4"/>
-          <p:cNvSpPr txBox="1"/>
+          <p:cNvSpPr txBox="1">
+            <a:spLocks noGrp="1"/>
+          </p:cNvSpPr>
           <p:nvPr>
-            <p:ph idx="1" type="body"/>
+            <p:ph type="body" idx="1"/>
           </p:nvPr>
         </p:nvSpPr>
         <p:spPr>
@@ -11730,12 +11997,12 @@
           </a:ln>
         </p:spPr>
         <p:txBody>
-          <a:bodyPr anchorCtr="0" anchor="t" bIns="91425" lIns="91425" spcFirstLastPara="1" rIns="91425" wrap="square" tIns="91425">
+          <a:bodyPr spcFirstLastPara="1" wrap="square" lIns="91425" tIns="91425" rIns="91425" bIns="91425" anchor="t" anchorCtr="0">
             <a:noAutofit/>
           </a:bodyPr>
           <a:lstStyle/>
           <a:p>
-            <a:pPr indent="-330200" lvl="0" marL="457200" rtl="0" algn="l">
+            <a:pPr marL="457200" lvl="0" indent="-330200" algn="l" rtl="0">
               <a:lnSpc>
                 <a:spcPct val="115000"/>
               </a:lnSpc>
@@ -11750,16 +12017,12 @@
             </a:pPr>
             <a:r>
               <a:rPr lang="en" sz="1600"/>
-              <a:t>Tên đề tài: Nhận d</a:t>
-            </a:r>
-            <a:r>
-              <a:rPr lang="en" sz="1600"/>
-              <a:t>ạng một vài loại trái cây dựa trên hình ảnh.</a:t>
+              <a:t>Tên đề tài: Nhận dạng một vài loại trái cây dựa trên hình ảnh.</a:t>
             </a:r>
             <a:endParaRPr sz="1600"/>
           </a:p>
           <a:p>
-            <a:pPr indent="-330200" lvl="0" marL="457200" rtl="0" algn="l">
+            <a:pPr marL="457200" lvl="0" indent="-330200" algn="l" rtl="0">
               <a:lnSpc>
                 <a:spcPct val="115000"/>
               </a:lnSpc>
@@ -11779,7 +12042,7 @@
             <a:endParaRPr sz="1600"/>
           </a:p>
           <a:p>
-            <a:pPr indent="-330200" lvl="1" marL="914400" rtl="0" algn="l">
+            <a:pPr marL="914400" lvl="1" indent="-330200" algn="l" rtl="0">
               <a:lnSpc>
                 <a:spcPct val="115000"/>
               </a:lnSpc>
@@ -11799,7 +12062,7 @@
             <a:endParaRPr sz="1600"/>
           </a:p>
           <a:p>
-            <a:pPr indent="-330200" lvl="1" marL="914400" rtl="0" algn="l">
+            <a:pPr marL="914400" lvl="1" indent="-330200" algn="l" rtl="0">
               <a:lnSpc>
                 <a:spcPct val="115000"/>
               </a:lnSpc>
@@ -11819,7 +12082,7 @@
             <a:endParaRPr sz="1600"/>
           </a:p>
           <a:p>
-            <a:pPr indent="-330200" lvl="1" marL="914400" rtl="0" algn="l">
+            <a:pPr marL="914400" lvl="1" indent="-330200" algn="l" rtl="0">
               <a:lnSpc>
                 <a:spcPct val="115000"/>
               </a:lnSpc>
@@ -11849,11 +12112,11 @@
 </file>
 
 <file path=ppt/slides/slide4.xml><?xml version="1.0" encoding="utf-8"?>
-<p:sld xmlns:a="http://schemas.openxmlformats.org/drawingml/2006/main" xmlns:r="http://schemas.openxmlformats.org/officeDocument/2006/relationships" xmlns:mc="http://schemas.openxmlformats.org/markup-compatibility/2006" xmlns:mv="urn:schemas-microsoft-com:mac:vml" xmlns:p="http://schemas.openxmlformats.org/presentationml/2006/main" xmlns:c="http://schemas.openxmlformats.org/drawingml/2006/chart" xmlns:dgm="http://schemas.openxmlformats.org/drawingml/2006/diagram" xmlns:o="urn:schemas-microsoft-com:office:office" xmlns:v="urn:schemas-microsoft-com:vml" xmlns:pvml="urn:schemas-microsoft-com:office:powerpoint" xmlns:com="http://schemas.openxmlformats.org/drawingml/2006/compatibility" xmlns:p14="http://schemas.microsoft.com/office/powerpoint/2010/main" xmlns:p15="http://schemas.microsoft.com/office/powerpoint/2012/main" xmlns:ahyp="http://schemas.microsoft.com/office/drawing/2018/hyperlinkcolor">
+<p:sld xmlns:a="http://schemas.openxmlformats.org/drawingml/2006/main" xmlns:r="http://schemas.openxmlformats.org/officeDocument/2006/relationships" xmlns:p="http://schemas.openxmlformats.org/presentationml/2006/main">
   <p:cSld>
     <p:spTree>
       <p:nvGrpSpPr>
-        <p:cNvPr id="83" name="Shape 83"/>
+        <p:cNvPr id="1" name="Shape 83"/>
         <p:cNvGrpSpPr/>
         <p:nvPr/>
       </p:nvGrpSpPr>
@@ -11868,7 +12131,9 @@
       <p:sp>
         <p:nvSpPr>
           <p:cNvPr id="84" name="Google Shape;84;gbb7498ad44_0_16"/>
-          <p:cNvSpPr txBox="1"/>
+          <p:cNvSpPr txBox="1">
+            <a:spLocks noGrp="1"/>
+          </p:cNvSpPr>
           <p:nvPr>
             <p:ph type="title"/>
           </p:nvPr>
@@ -11883,12 +12148,12 @@
           </a:prstGeom>
         </p:spPr>
         <p:txBody>
-          <a:bodyPr anchorCtr="0" anchor="b" bIns="91425" lIns="91425" spcFirstLastPara="1" rIns="91425" wrap="square" tIns="91425">
+          <a:bodyPr spcFirstLastPara="1" wrap="square" lIns="91425" tIns="91425" rIns="91425" bIns="91425" anchor="b" anchorCtr="0">
             <a:noAutofit/>
           </a:bodyPr>
           <a:lstStyle/>
           <a:p>
-            <a:pPr indent="0" lvl="0" marL="0" rtl="0" algn="l">
+            <a:pPr marL="0" lvl="0" indent="0" algn="l" rtl="0">
               <a:spcBef>
                 <a:spcPts val="0"/>
               </a:spcBef>
@@ -11898,7 +12163,7 @@
               <a:buNone/>
             </a:pPr>
             <a:r>
-              <a:rPr b="1" lang="en"/>
+              <a:rPr lang="en" b="1"/>
               <a:t>Tóm Tắt</a:t>
             </a:r>
             <a:endParaRPr b="1"/>
@@ -11908,9 +12173,11 @@
       <p:sp>
         <p:nvSpPr>
           <p:cNvPr id="85" name="Google Shape;85;gbb7498ad44_0_16"/>
-          <p:cNvSpPr txBox="1"/>
+          <p:cNvSpPr txBox="1">
+            <a:spLocks noGrp="1"/>
+          </p:cNvSpPr>
           <p:nvPr>
-            <p:ph idx="1" type="body"/>
+            <p:ph type="body" idx="1"/>
           </p:nvPr>
         </p:nvSpPr>
         <p:spPr>
@@ -11923,12 +12190,12 @@
           </a:prstGeom>
         </p:spPr>
         <p:txBody>
-          <a:bodyPr anchorCtr="0" anchor="t" bIns="91425" lIns="91425" spcFirstLastPara="1" rIns="91425" wrap="square" tIns="91425">
+          <a:bodyPr spcFirstLastPara="1" wrap="square" lIns="91425" tIns="91425" rIns="91425" bIns="91425" anchor="t" anchorCtr="0">
             <a:noAutofit/>
           </a:bodyPr>
           <a:lstStyle/>
           <a:p>
-            <a:pPr indent="-368300" lvl="0" marL="457200" rtl="0" algn="l">
+            <a:pPr marL="457200" lvl="0" indent="-368300" algn="l" rtl="0">
               <a:spcBef>
                 <a:spcPts val="0"/>
               </a:spcBef>
@@ -11983,11 +12250,11 @@
 </file>
 
 <file path=ppt/slides/slide5.xml><?xml version="1.0" encoding="utf-8"?>
-<p:sld xmlns:a="http://schemas.openxmlformats.org/drawingml/2006/main" xmlns:r="http://schemas.openxmlformats.org/officeDocument/2006/relationships" xmlns:mc="http://schemas.openxmlformats.org/markup-compatibility/2006" xmlns:mv="urn:schemas-microsoft-com:mac:vml" xmlns:p="http://schemas.openxmlformats.org/presentationml/2006/main" xmlns:c="http://schemas.openxmlformats.org/drawingml/2006/chart" xmlns:dgm="http://schemas.openxmlformats.org/drawingml/2006/diagram" xmlns:o="urn:schemas-microsoft-com:office:office" xmlns:v="urn:schemas-microsoft-com:vml" xmlns:pvml="urn:schemas-microsoft-com:office:powerpoint" xmlns:com="http://schemas.openxmlformats.org/drawingml/2006/compatibility" xmlns:p14="http://schemas.microsoft.com/office/powerpoint/2010/main" xmlns:p15="http://schemas.microsoft.com/office/powerpoint/2012/main" xmlns:ahyp="http://schemas.microsoft.com/office/drawing/2018/hyperlinkcolor">
+<p:sld xmlns:a="http://schemas.openxmlformats.org/drawingml/2006/main" xmlns:r="http://schemas.openxmlformats.org/officeDocument/2006/relationships" xmlns:p="http://schemas.openxmlformats.org/presentationml/2006/main">
   <p:cSld>
     <p:spTree>
       <p:nvGrpSpPr>
-        <p:cNvPr id="90" name="Shape 90"/>
+        <p:cNvPr id="1" name="Shape 90"/>
         <p:cNvGrpSpPr/>
         <p:nvPr/>
       </p:nvGrpSpPr>
@@ -12002,7 +12269,9 @@
       <p:sp>
         <p:nvSpPr>
           <p:cNvPr id="91" name="Google Shape;91;p6"/>
-          <p:cNvSpPr txBox="1"/>
+          <p:cNvSpPr txBox="1">
+            <a:spLocks noGrp="1"/>
+          </p:cNvSpPr>
           <p:nvPr>
             <p:ph type="title"/>
           </p:nvPr>
@@ -12021,12 +12290,12 @@
           </a:ln>
         </p:spPr>
         <p:txBody>
-          <a:bodyPr anchorCtr="0" anchor="ctr" bIns="91425" lIns="91425" spcFirstLastPara="1" rIns="91425" wrap="square" tIns="91425">
+          <a:bodyPr spcFirstLastPara="1" wrap="square" lIns="91425" tIns="91425" rIns="91425" bIns="91425" anchor="ctr" anchorCtr="0">
             <a:noAutofit/>
           </a:bodyPr>
           <a:lstStyle/>
           <a:p>
-            <a:pPr indent="0" lvl="0" marL="0" rtl="0" algn="l">
+            <a:pPr marL="0" lvl="0" indent="0" algn="l" rtl="0">
               <a:lnSpc>
                 <a:spcPct val="100000"/>
               </a:lnSpc>
@@ -12040,7 +12309,7 @@
               <a:buNone/>
             </a:pPr>
             <a:r>
-              <a:rPr b="1" lang="en"/>
+              <a:rPr lang="en" b="1"/>
               <a:t>Mô tả bài toán</a:t>
             </a:r>
             <a:r>
@@ -12054,9 +12323,11 @@
       <p:sp>
         <p:nvSpPr>
           <p:cNvPr id="92" name="Google Shape;92;p6"/>
-          <p:cNvSpPr txBox="1"/>
+          <p:cNvSpPr txBox="1">
+            <a:spLocks noGrp="1"/>
+          </p:cNvSpPr>
           <p:nvPr>
-            <p:ph idx="1" type="body"/>
+            <p:ph type="body" idx="1"/>
           </p:nvPr>
         </p:nvSpPr>
         <p:spPr>
@@ -12073,12 +12344,12 @@
           </a:ln>
         </p:spPr>
         <p:txBody>
-          <a:bodyPr anchorCtr="0" anchor="t" bIns="91425" lIns="91425" spcFirstLastPara="1" rIns="91425" wrap="square" tIns="91425">
+          <a:bodyPr spcFirstLastPara="1" wrap="square" lIns="91425" tIns="91425" rIns="91425" bIns="91425" anchor="t" anchorCtr="0">
             <a:noAutofit/>
           </a:bodyPr>
           <a:lstStyle/>
           <a:p>
-            <a:pPr indent="-330200" lvl="0" marL="457200" rtl="0" algn="l">
+            <a:pPr marL="457200" lvl="0" indent="-330200" algn="l" rtl="0">
               <a:lnSpc>
                 <a:spcPct val="115000"/>
               </a:lnSpc>
@@ -12093,20 +12364,12 @@
             </a:pPr>
             <a:r>
               <a:rPr lang="en" sz="1600"/>
-              <a:t>Input: ảnh ch</a:t>
-            </a:r>
-            <a:r>
-              <a:rPr lang="en" sz="1600"/>
-              <a:t>ứa 1 trong 6 loại trái cây sau: </a:t>
-            </a:r>
-            <a:r>
-              <a:rPr lang="en" sz="1600"/>
-              <a:t>thanh long, măng cụt, mận, ổi, xoài, khế.</a:t>
+              <a:t>Input: ảnh chứa 1 trong 6 loại trái cây sau: thanh long, măng cụt, mận, ổi, xoài, khế.</a:t>
             </a:r>
             <a:endParaRPr sz="1600"/>
           </a:p>
           <a:p>
-            <a:pPr indent="-330200" lvl="0" marL="457200" rtl="0" algn="l">
+            <a:pPr marL="457200" lvl="0" indent="-330200" algn="l" rtl="0">
               <a:lnSpc>
                 <a:spcPct val="115000"/>
               </a:lnSpc>
@@ -12121,16 +12384,12 @@
             </a:pPr>
             <a:r>
               <a:rPr lang="en" sz="1600"/>
-              <a:t>Output: </a:t>
-            </a:r>
-            <a:r>
-              <a:rPr lang="en" sz="1600"/>
-              <a:t>Bounding box của loại trái cây nhận diện được cùng với tên của loại trái cây đó.</a:t>
+              <a:t>Output: Bounding box của loại trái cây nhận diện được cùng với tên của loại trái cây đó.</a:t>
             </a:r>
             <a:endParaRPr sz="1600"/>
           </a:p>
           <a:p>
-            <a:pPr indent="-330200" lvl="0" marL="457200" rtl="0" algn="l">
+            <a:pPr marL="457200" lvl="0" indent="-330200" algn="l" rtl="0">
               <a:spcBef>
                 <a:spcPts val="0"/>
               </a:spcBef>
@@ -12147,7 +12406,7 @@
             <a:endParaRPr sz="1600"/>
           </a:p>
           <a:p>
-            <a:pPr indent="-330200" lvl="1" marL="914400" rtl="0" algn="l">
+            <a:pPr marL="914400" lvl="1" indent="-330200" algn="l" rtl="0">
               <a:spcBef>
                 <a:spcPts val="0"/>
               </a:spcBef>
@@ -12164,7 +12423,7 @@
             <a:endParaRPr sz="1600"/>
           </a:p>
           <a:p>
-            <a:pPr indent="-330200" lvl="1" marL="914400" rtl="0" algn="l">
+            <a:pPr marL="914400" lvl="1" indent="-330200" algn="l" rtl="0">
               <a:spcBef>
                 <a:spcPts val="0"/>
               </a:spcBef>
@@ -12181,7 +12440,7 @@
             <a:endParaRPr sz="1600"/>
           </a:p>
           <a:p>
-            <a:pPr indent="-330200" lvl="1" marL="914400" rtl="0" algn="l">
+            <a:pPr marL="914400" lvl="1" indent="-330200" algn="l" rtl="0">
               <a:spcBef>
                 <a:spcPts val="0"/>
               </a:spcBef>
@@ -12198,7 +12457,7 @@
             <a:endParaRPr sz="1600"/>
           </a:p>
           <a:p>
-            <a:pPr indent="-330200" lvl="0" marL="457200" rtl="0" algn="l">
+            <a:pPr marL="457200" lvl="0" indent="-330200" algn="l" rtl="0">
               <a:lnSpc>
                 <a:spcPct val="115000"/>
               </a:lnSpc>
@@ -12218,7 +12477,7 @@
             <a:endParaRPr sz="1600"/>
           </a:p>
           <a:p>
-            <a:pPr indent="-330200" lvl="1" marL="914400" rtl="0" algn="l">
+            <a:pPr marL="914400" lvl="1" indent="-330200" algn="l" rtl="0">
               <a:lnSpc>
                 <a:spcPct val="115000"/>
               </a:lnSpc>
@@ -12238,7 +12497,7 @@
             <a:endParaRPr sz="1600"/>
           </a:p>
           <a:p>
-            <a:pPr indent="-330200" lvl="1" marL="914400" rtl="0" algn="l">
+            <a:pPr marL="914400" lvl="1" indent="-330200" algn="l" rtl="0">
               <a:lnSpc>
                 <a:spcPct val="115000"/>
               </a:lnSpc>
@@ -12253,20 +12512,12 @@
             </a:pPr>
             <a:r>
               <a:rPr lang="en" sz="1600"/>
-              <a:t>Train EfficientDet - một loại model </a:t>
-            </a:r>
-            <a:r>
-              <a:rPr lang="en" sz="1600"/>
-              <a:t>trong Tensorflow v2 chuyên cho tác vụ Object Detection -</a:t>
-            </a:r>
-            <a:r>
-              <a:rPr lang="en" sz="1600"/>
-              <a:t> với tập dữ liệu đã thu thập.</a:t>
+              <a:t>Train EfficientDet - một loại model trong Tensorflow v2 chuyên cho tác vụ Object Detection - với tập dữ liệu đã thu thập.</a:t>
             </a:r>
             <a:endParaRPr sz="1600"/>
           </a:p>
           <a:p>
-            <a:pPr indent="-330200" lvl="1" marL="914400" rtl="0" algn="l">
+            <a:pPr marL="914400" lvl="1" indent="-330200" algn="l" rtl="0">
               <a:lnSpc>
                 <a:spcPct val="115000"/>
               </a:lnSpc>
@@ -12296,11 +12547,11 @@
 </file>
 
 <file path=ppt/slides/slide6.xml><?xml version="1.0" encoding="utf-8"?>
-<p:sld xmlns:a="http://schemas.openxmlformats.org/drawingml/2006/main" xmlns:r="http://schemas.openxmlformats.org/officeDocument/2006/relationships" xmlns:mc="http://schemas.openxmlformats.org/markup-compatibility/2006" xmlns:mv="urn:schemas-microsoft-com:mac:vml" xmlns:p="http://schemas.openxmlformats.org/presentationml/2006/main" xmlns:c="http://schemas.openxmlformats.org/drawingml/2006/chart" xmlns:dgm="http://schemas.openxmlformats.org/drawingml/2006/diagram" xmlns:o="urn:schemas-microsoft-com:office:office" xmlns:v="urn:schemas-microsoft-com:vml" xmlns:pvml="urn:schemas-microsoft-com:office:powerpoint" xmlns:com="http://schemas.openxmlformats.org/drawingml/2006/compatibility" xmlns:p14="http://schemas.microsoft.com/office/powerpoint/2010/main" xmlns:p15="http://schemas.microsoft.com/office/powerpoint/2012/main" xmlns:ahyp="http://schemas.microsoft.com/office/drawing/2018/hyperlinkcolor">
+<p:sld xmlns:a="http://schemas.openxmlformats.org/drawingml/2006/main" xmlns:r="http://schemas.openxmlformats.org/officeDocument/2006/relationships" xmlns:p="http://schemas.openxmlformats.org/presentationml/2006/main">
   <p:cSld>
     <p:spTree>
       <p:nvGrpSpPr>
-        <p:cNvPr id="96" name="Shape 96"/>
+        <p:cNvPr id="1" name="Shape 96"/>
         <p:cNvGrpSpPr/>
         <p:nvPr/>
       </p:nvGrpSpPr>
@@ -12315,7 +12566,9 @@
       <p:sp>
         <p:nvSpPr>
           <p:cNvPr id="97" name="Google Shape;97;gb23b97c7f9_0_1"/>
-          <p:cNvSpPr txBox="1"/>
+          <p:cNvSpPr txBox="1">
+            <a:spLocks noGrp="1"/>
+          </p:cNvSpPr>
           <p:nvPr>
             <p:ph type="title"/>
           </p:nvPr>
@@ -12334,12 +12587,12 @@
           </a:ln>
         </p:spPr>
         <p:txBody>
-          <a:bodyPr anchorCtr="0" anchor="ctr" bIns="91425" lIns="91425" spcFirstLastPara="1" rIns="91425" wrap="square" tIns="91425">
+          <a:bodyPr spcFirstLastPara="1" wrap="square" lIns="91425" tIns="91425" rIns="91425" bIns="91425" anchor="ctr" anchorCtr="0">
             <a:noAutofit/>
           </a:bodyPr>
           <a:lstStyle/>
           <a:p>
-            <a:pPr indent="0" lvl="0" marL="0" rtl="0" algn="l">
+            <a:pPr marL="0" lvl="0" indent="0" algn="l" rtl="0">
               <a:lnSpc>
                 <a:spcPct val="100000"/>
               </a:lnSpc>
@@ -12353,23 +12606,49 @@
               <a:buNone/>
             </a:pPr>
             <a:r>
-              <a:rPr b="1" lang="en"/>
-              <a:t>Mô tả bài toán</a:t>
+              <a:rPr lang="en" b="1" dirty="0" err="1"/>
+              <a:t>Mô</a:t>
             </a:r>
             <a:r>
-              <a:rPr lang="en"/>
+              <a:rPr lang="en" b="1" dirty="0"/>
               <a:t> </a:t>
             </a:r>
-            <a:endParaRPr/>
+            <a:r>
+              <a:rPr lang="en" b="1" dirty="0" err="1"/>
+              <a:t>tả</a:t>
+            </a:r>
+            <a:r>
+              <a:rPr lang="en" b="1" dirty="0"/>
+              <a:t> </a:t>
+            </a:r>
+            <a:r>
+              <a:rPr lang="en" b="1" dirty="0" err="1"/>
+              <a:t>bài</a:t>
+            </a:r>
+            <a:r>
+              <a:rPr lang="en" b="1" dirty="0"/>
+              <a:t> </a:t>
+            </a:r>
+            <a:r>
+              <a:rPr lang="en" b="1" dirty="0" err="1"/>
+              <a:t>toán</a:t>
+            </a:r>
+            <a:r>
+              <a:rPr lang="en" dirty="0"/>
+              <a:t> </a:t>
+            </a:r>
+            <a:endParaRPr dirty="0"/>
           </a:p>
         </p:txBody>
       </p:sp>
       <p:sp>
         <p:nvSpPr>
           <p:cNvPr id="98" name="Google Shape;98;gb23b97c7f9_0_1"/>
-          <p:cNvSpPr txBox="1"/>
+          <p:cNvSpPr txBox="1">
+            <a:spLocks noGrp="1"/>
+          </p:cNvSpPr>
           <p:nvPr>
-            <p:ph idx="1" type="body"/>
+            <p:ph type="body" idx="1"/>
           </p:nvPr>
         </p:nvSpPr>
         <p:spPr>
@@ -12386,12 +12665,12 @@
           </a:ln>
         </p:spPr>
         <p:txBody>
-          <a:bodyPr anchorCtr="0" anchor="t" bIns="91425" lIns="91425" spcFirstLastPara="1" rIns="91425" wrap="square" tIns="91425">
+          <a:bodyPr spcFirstLastPara="1" wrap="square" lIns="91425" tIns="91425" rIns="91425" bIns="91425" anchor="t" anchorCtr="0">
             <a:noAutofit/>
           </a:bodyPr>
           <a:lstStyle/>
           <a:p>
-            <a:pPr indent="-368300" lvl="0" marL="457200" rtl="0" algn="l">
+            <a:pPr marL="457200" lvl="0" indent="-368300" algn="l" rtl="0">
               <a:lnSpc>
                 <a:spcPct val="115000"/>
               </a:lnSpc>
@@ -12405,17 +12684,37 @@
               <a:buChar char="●"/>
             </a:pPr>
             <a:r>
-              <a:rPr lang="en"/>
-              <a:t>Minh hoạ </a:t>
+              <a:rPr lang="en" dirty="0"/>
+              <a:t>Minh </a:t>
             </a:r>
             <a:r>
-              <a:rPr lang="en"/>
-              <a:t>ứng dụng:</a:t>
+              <a:rPr lang="en" dirty="0" err="1"/>
+              <a:t>hoạ</a:t>
             </a:r>
-            <a:endParaRPr/>
+            <a:r>
+              <a:rPr lang="en" dirty="0"/>
+              <a:t> </a:t>
+            </a:r>
+            <a:r>
+              <a:rPr lang="en" dirty="0" err="1"/>
+              <a:t>ứng</a:t>
+            </a:r>
+            <a:r>
+              <a:rPr lang="en" dirty="0"/>
+              <a:t> </a:t>
+            </a:r>
+            <a:r>
+              <a:rPr lang="en" dirty="0" err="1"/>
+              <a:t>dụng</a:t>
+            </a:r>
+            <a:r>
+              <a:rPr lang="en" dirty="0"/>
+              <a:t>:</a:t>
+            </a:r>
+            <a:endParaRPr dirty="0"/>
           </a:p>
           <a:p>
-            <a:pPr indent="0" lvl="0" marL="457200" rtl="0" algn="l">
+            <a:pPr marL="457200" lvl="0" indent="0" algn="l" rtl="0">
               <a:lnSpc>
                 <a:spcPct val="115000"/>
               </a:lnSpc>
@@ -12428,13 +12727,10 @@
               <a:buSzPts val="2200"/>
               <a:buNone/>
             </a:pPr>
-            <a:r>
-              <a:t/>
-            </a:r>
-            <a:endParaRPr/>
+            <a:endParaRPr dirty="0"/>
           </a:p>
           <a:p>
-            <a:pPr indent="0" lvl="0" marL="914400" rtl="0" algn="l">
+            <a:pPr marL="914400" lvl="0" indent="0" algn="l" rtl="0">
               <a:lnSpc>
                 <a:spcPct val="115000"/>
               </a:lnSpc>
@@ -12447,10 +12743,7 @@
               <a:buSzPts val="2200"/>
               <a:buNone/>
             </a:pPr>
-            <a:r>
-              <a:t/>
-            </a:r>
-            <a:endParaRPr sz="1800"/>
+            <a:endParaRPr sz="1800" dirty="0"/>
           </a:p>
         </p:txBody>
       </p:sp>
@@ -12491,11 +12784,107 @@
 </file>
 
 <file path=ppt/slides/slide7.xml><?xml version="1.0" encoding="utf-8"?>
-<p:sld xmlns:a="http://schemas.openxmlformats.org/drawingml/2006/main" xmlns:r="http://schemas.openxmlformats.org/officeDocument/2006/relationships" xmlns:mc="http://schemas.openxmlformats.org/markup-compatibility/2006" xmlns:mv="urn:schemas-microsoft-com:mac:vml" xmlns:p="http://schemas.openxmlformats.org/presentationml/2006/main" xmlns:c="http://schemas.openxmlformats.org/drawingml/2006/chart" xmlns:dgm="http://schemas.openxmlformats.org/drawingml/2006/diagram" xmlns:o="urn:schemas-microsoft-com:office:office" xmlns:v="urn:schemas-microsoft-com:vml" xmlns:pvml="urn:schemas-microsoft-com:office:powerpoint" xmlns:com="http://schemas.openxmlformats.org/drawingml/2006/compatibility" xmlns:p14="http://schemas.microsoft.com/office/powerpoint/2010/main" xmlns:p15="http://schemas.microsoft.com/office/powerpoint/2012/main" xmlns:ahyp="http://schemas.microsoft.com/office/drawing/2018/hyperlinkcolor">
+<p:sld xmlns:a="http://schemas.openxmlformats.org/drawingml/2006/main" xmlns:r="http://schemas.openxmlformats.org/officeDocument/2006/relationships" xmlns:p="http://schemas.openxmlformats.org/presentationml/2006/main">
   <p:cSld>
     <p:spTree>
       <p:nvGrpSpPr>
-        <p:cNvPr id="103" name="Shape 103"/>
+        <p:cNvPr id="1" name=""/>
+        <p:cNvGrpSpPr/>
+        <p:nvPr/>
+      </p:nvGrpSpPr>
+      <p:grpSpPr>
+        <a:xfrm>
+          <a:off x="0" y="0"/>
+          <a:ext cx="0" cy="0"/>
+          <a:chOff x="0" y="0"/>
+          <a:chExt cx="0" cy="0"/>
+        </a:xfrm>
+      </p:grpSpPr>
+      <p:sp>
+        <p:nvSpPr>
+          <p:cNvPr id="2" name="Title 1">
+            <a:extLst>
+              <a:ext uri="{FF2B5EF4-FFF2-40B4-BE49-F238E27FC236}">
+                <a16:creationId xmlns:a16="http://schemas.microsoft.com/office/drawing/2014/main" id="{90B8D607-405C-5A41-A908-921C83DAD8EB}"/>
+              </a:ext>
+            </a:extLst>
+          </p:cNvPr>
+          <p:cNvSpPr>
+            <a:spLocks noGrp="1"/>
+          </p:cNvSpPr>
+          <p:nvPr>
+            <p:ph type="title"/>
+          </p:nvPr>
+        </p:nvSpPr>
+        <p:spPr/>
+        <p:txBody>
+          <a:bodyPr/>
+          <a:lstStyle/>
+          <a:p>
+            <a:r>
+              <a:rPr lang="en-VN" b="1" dirty="0"/>
+              <a:t>Mô tả bài toán</a:t>
+            </a:r>
+          </a:p>
+        </p:txBody>
+      </p:sp>
+      <p:sp>
+        <p:nvSpPr>
+          <p:cNvPr id="3" name="Text Placeholder 2">
+            <a:extLst>
+              <a:ext uri="{FF2B5EF4-FFF2-40B4-BE49-F238E27FC236}">
+                <a16:creationId xmlns:a16="http://schemas.microsoft.com/office/drawing/2014/main" id="{78E77121-1623-D34D-96EF-13077DAC43BD}"/>
+              </a:ext>
+            </a:extLst>
+          </p:cNvPr>
+          <p:cNvSpPr>
+            <a:spLocks noGrp="1"/>
+          </p:cNvSpPr>
+          <p:nvPr>
+            <p:ph type="body" idx="1"/>
+          </p:nvPr>
+        </p:nvSpPr>
+        <p:spPr/>
+        <p:txBody>
+          <a:bodyPr/>
+          <a:lstStyle/>
+          <a:p>
+            <a:r>
+              <a:rPr lang="en-VN" dirty="0"/>
+              <a:t>Demo: </a:t>
+            </a:r>
+            <a:r>
+              <a:rPr lang="en-US" dirty="0">
+                <a:hlinkClick r:id="rId2"/>
+              </a:rPr>
+              <a:t>https://www.youtube.com/watch?v=hhwftzrl_CQ</a:t>
+            </a:r>
+            <a:endParaRPr lang="en-US" dirty="0"/>
+          </a:p>
+          <a:p>
+            <a:endParaRPr lang="en-VN" dirty="0"/>
+          </a:p>
+        </p:txBody>
+      </p:sp>
+    </p:spTree>
+    <p:extLst>
+      <p:ext uri="{BB962C8B-B14F-4D97-AF65-F5344CB8AC3E}">
+        <p14:creationId xmlns:p14="http://schemas.microsoft.com/office/powerpoint/2010/main" val="1963280877"/>
+      </p:ext>
+    </p:extLst>
+  </p:cSld>
+  <p:clrMapOvr>
+    <a:masterClrMapping/>
+  </p:clrMapOvr>
+</p:sld>
+</file>
+
+<file path=ppt/slides/slide8.xml><?xml version="1.0" encoding="utf-8"?>
+<p:sld xmlns:a="http://schemas.openxmlformats.org/drawingml/2006/main" xmlns:r="http://schemas.openxmlformats.org/officeDocument/2006/relationships" xmlns:p="http://schemas.openxmlformats.org/presentationml/2006/main">
+  <p:cSld>
+    <p:spTree>
+      <p:nvGrpSpPr>
+        <p:cNvPr id="1" name="Shape 103"/>
         <p:cNvGrpSpPr/>
         <p:nvPr/>
       </p:nvGrpSpPr>
@@ -12510,7 +12899,9 @@
       <p:sp>
         <p:nvSpPr>
           <p:cNvPr id="104" name="Google Shape;104;p9"/>
-          <p:cNvSpPr txBox="1"/>
+          <p:cNvSpPr txBox="1">
+            <a:spLocks noGrp="1"/>
+          </p:cNvSpPr>
           <p:nvPr>
             <p:ph type="title"/>
           </p:nvPr>
@@ -12529,12 +12920,12 @@
           </a:ln>
         </p:spPr>
         <p:txBody>
-          <a:bodyPr anchorCtr="0" anchor="ctr" bIns="91425" lIns="91425" spcFirstLastPara="1" rIns="91425" wrap="square" tIns="91425">
+          <a:bodyPr spcFirstLastPara="1" wrap="square" lIns="91425" tIns="91425" rIns="91425" bIns="91425" anchor="ctr" anchorCtr="0">
             <a:noAutofit/>
           </a:bodyPr>
           <a:lstStyle/>
           <a:p>
-            <a:pPr indent="0" lvl="0" marL="0" rtl="0" algn="l">
+            <a:pPr marL="0" lvl="0" indent="0" algn="l" rtl="0">
               <a:lnSpc>
                 <a:spcPct val="100000"/>
               </a:lnSpc>
@@ -12548,7 +12939,7 @@
               <a:buNone/>
             </a:pPr>
             <a:r>
-              <a:rPr b="1" lang="en"/>
+              <a:rPr lang="en" b="1"/>
               <a:t>Dữ liệu</a:t>
             </a:r>
             <a:endParaRPr/>
@@ -12558,9 +12949,11 @@
       <p:sp>
         <p:nvSpPr>
           <p:cNvPr id="105" name="Google Shape;105;p9"/>
-          <p:cNvSpPr txBox="1"/>
+          <p:cNvSpPr txBox="1">
+            <a:spLocks noGrp="1"/>
+          </p:cNvSpPr>
           <p:nvPr>
-            <p:ph idx="1" type="body"/>
+            <p:ph type="body" idx="1"/>
           </p:nvPr>
         </p:nvSpPr>
         <p:spPr>
@@ -12577,12 +12970,12 @@
           </a:ln>
         </p:spPr>
         <p:txBody>
-          <a:bodyPr anchorCtr="0" anchor="t" bIns="91425" lIns="91425" spcFirstLastPara="1" rIns="91425" wrap="square" tIns="91425">
+          <a:bodyPr spcFirstLastPara="1" wrap="square" lIns="91425" tIns="91425" rIns="91425" bIns="91425" anchor="t" anchorCtr="0">
             <a:noAutofit/>
           </a:bodyPr>
           <a:lstStyle/>
           <a:p>
-            <a:pPr indent="-368300" lvl="0" marL="457200" rtl="0" algn="l">
+            <a:pPr marL="457200" lvl="0" indent="-368300" algn="l" rtl="0">
               <a:lnSpc>
                 <a:spcPct val="115000"/>
               </a:lnSpc>
@@ -12602,7 +12995,7 @@
             <a:endParaRPr/>
           </a:p>
           <a:p>
-            <a:pPr indent="-355600" lvl="1" marL="914400" rtl="0" algn="l">
+            <a:pPr marL="914400" lvl="1" indent="-355600" algn="l" rtl="0">
               <a:lnSpc>
                 <a:spcPct val="115000"/>
               </a:lnSpc>
@@ -12622,7 +13015,7 @@
             <a:endParaRPr/>
           </a:p>
           <a:p>
-            <a:pPr indent="-355600" lvl="1" marL="914400" rtl="0" algn="l">
+            <a:pPr marL="914400" lvl="1" indent="-355600" algn="l" rtl="0">
               <a:lnSpc>
                 <a:spcPct val="115000"/>
               </a:lnSpc>
@@ -12642,7 +13035,7 @@
             <a:endParaRPr/>
           </a:p>
           <a:p>
-            <a:pPr indent="-355600" lvl="1" marL="914400" rtl="0" algn="l">
+            <a:pPr marL="914400" lvl="1" indent="-355600" algn="l" rtl="0">
               <a:lnSpc>
                 <a:spcPct val="115000"/>
               </a:lnSpc>
@@ -12662,7 +13055,7 @@
             <a:endParaRPr/>
           </a:p>
           <a:p>
-            <a:pPr indent="-368300" lvl="0" marL="457200" rtl="0" algn="l">
+            <a:pPr marL="457200" lvl="0" indent="-368300" algn="l" rtl="0">
               <a:lnSpc>
                 <a:spcPct val="115000"/>
               </a:lnSpc>
@@ -12682,7 +13075,7 @@
             <a:endParaRPr/>
           </a:p>
           <a:p>
-            <a:pPr indent="-355600" lvl="1" marL="914400" rtl="0" algn="l">
+            <a:pPr marL="914400" lvl="1" indent="-355600" algn="l" rtl="0">
               <a:lnSpc>
                 <a:spcPct val="115000"/>
               </a:lnSpc>
@@ -12697,20 +13090,12 @@
             </a:pPr>
             <a:r>
               <a:rPr lang="en"/>
-              <a:t>Nguồn dữ liệu</a:t>
-            </a:r>
-            <a:r>
-              <a:rPr lang="en"/>
-              <a:t>: </a:t>
-            </a:r>
-            <a:r>
-              <a:rPr lang="en"/>
-              <a:t>ảnh tự chụp được, tìm kiếm bằng Google.</a:t>
+              <a:t>Nguồn dữ liệu: ảnh tự chụp được, tìm kiếm bằng Google.</a:t>
             </a:r>
             <a:endParaRPr/>
           </a:p>
           <a:p>
-            <a:pPr indent="-355600" lvl="1" marL="914400" rtl="0" algn="l">
+            <a:pPr marL="914400" lvl="1" indent="-355600" algn="l" rtl="0">
               <a:lnSpc>
                 <a:spcPct val="115000"/>
               </a:lnSpc>
@@ -12730,7 +13115,7 @@
             <a:endParaRPr/>
           </a:p>
           <a:p>
-            <a:pPr indent="-355600" lvl="1" marL="914400" rtl="0" algn="l">
+            <a:pPr marL="914400" lvl="1" indent="-355600" algn="l" rtl="0">
               <a:lnSpc>
                 <a:spcPct val="115000"/>
               </a:lnSpc>
@@ -12763,7 +13148,7 @@
             <a:endParaRPr/>
           </a:p>
           <a:p>
-            <a:pPr indent="-355600" lvl="1" marL="914400" rtl="0" algn="l">
+            <a:pPr marL="914400" lvl="1" indent="-355600" algn="l" rtl="0">
               <a:lnSpc>
                 <a:spcPct val="115000"/>
               </a:lnSpc>
@@ -12783,7 +13168,7 @@
             <a:endParaRPr/>
           </a:p>
           <a:p>
-            <a:pPr indent="0" lvl="0" marL="914400" rtl="0" algn="l">
+            <a:pPr marL="914400" lvl="0" indent="0" algn="l" rtl="0">
               <a:lnSpc>
                 <a:spcPct val="115000"/>
               </a:lnSpc>
@@ -12796,9 +13181,6 @@
               <a:buSzPts val="2200"/>
               <a:buNone/>
             </a:pPr>
-            <a:r>
-              <a:t/>
-            </a:r>
             <a:endParaRPr sz="1800"/>
           </a:p>
         </p:txBody>
@@ -12811,12 +13193,12 @@
 </p:sld>
 </file>
 
-<file path=ppt/slides/slide8.xml><?xml version="1.0" encoding="utf-8"?>
-<p:sld xmlns:a="http://schemas.openxmlformats.org/drawingml/2006/main" xmlns:r="http://schemas.openxmlformats.org/officeDocument/2006/relationships" xmlns:mc="http://schemas.openxmlformats.org/markup-compatibility/2006" xmlns:mv="urn:schemas-microsoft-com:mac:vml" xmlns:p="http://schemas.openxmlformats.org/presentationml/2006/main" xmlns:c="http://schemas.openxmlformats.org/drawingml/2006/chart" xmlns:dgm="http://schemas.openxmlformats.org/drawingml/2006/diagram" xmlns:o="urn:schemas-microsoft-com:office:office" xmlns:v="urn:schemas-microsoft-com:vml" xmlns:pvml="urn:schemas-microsoft-com:office:powerpoint" xmlns:com="http://schemas.openxmlformats.org/drawingml/2006/compatibility" xmlns:p14="http://schemas.microsoft.com/office/powerpoint/2010/main" xmlns:p15="http://schemas.microsoft.com/office/powerpoint/2012/main" xmlns:ahyp="http://schemas.microsoft.com/office/drawing/2018/hyperlinkcolor">
+<file path=ppt/slides/slide9.xml><?xml version="1.0" encoding="utf-8"?>
+<p:sld xmlns:a="http://schemas.openxmlformats.org/drawingml/2006/main" xmlns:r="http://schemas.openxmlformats.org/officeDocument/2006/relationships" xmlns:p="http://schemas.openxmlformats.org/presentationml/2006/main">
   <p:cSld>
     <p:spTree>
       <p:nvGrpSpPr>
-        <p:cNvPr id="109" name="Shape 109"/>
+        <p:cNvPr id="1" name="Shape 109"/>
         <p:cNvGrpSpPr/>
         <p:nvPr/>
       </p:nvGrpSpPr>
@@ -12831,7 +13213,9 @@
       <p:sp>
         <p:nvSpPr>
           <p:cNvPr id="110" name="Google Shape;110;gb23b97c7f9_0_22"/>
-          <p:cNvSpPr txBox="1"/>
+          <p:cNvSpPr txBox="1">
+            <a:spLocks noGrp="1"/>
+          </p:cNvSpPr>
           <p:nvPr>
             <p:ph type="title"/>
           </p:nvPr>
@@ -12850,12 +13234,12 @@
           </a:ln>
         </p:spPr>
         <p:txBody>
-          <a:bodyPr anchorCtr="0" anchor="ctr" bIns="91425" lIns="91425" spcFirstLastPara="1" rIns="91425" wrap="square" tIns="91425">
+          <a:bodyPr spcFirstLastPara="1" wrap="square" lIns="91425" tIns="91425" rIns="91425" bIns="91425" anchor="ctr" anchorCtr="0">
             <a:noAutofit/>
           </a:bodyPr>
           <a:lstStyle/>
           <a:p>
-            <a:pPr indent="0" lvl="0" marL="0" rtl="0" algn="l">
+            <a:pPr marL="0" lvl="0" indent="0" algn="l" rtl="0">
               <a:lnSpc>
                 <a:spcPct val="100000"/>
               </a:lnSpc>
@@ -12869,7 +13253,7 @@
               <a:buNone/>
             </a:pPr>
             <a:r>
-              <a:rPr b="1" lang="en"/>
+              <a:rPr lang="en" b="1"/>
               <a:t>Quy trình thực hiện</a:t>
             </a:r>
             <a:endParaRPr/>
@@ -12879,9 +13263,11 @@
       <p:sp>
         <p:nvSpPr>
           <p:cNvPr id="111" name="Google Shape;111;gb23b97c7f9_0_22"/>
-          <p:cNvSpPr txBox="1"/>
+          <p:cNvSpPr txBox="1">
+            <a:spLocks noGrp="1"/>
+          </p:cNvSpPr>
           <p:nvPr>
-            <p:ph idx="1" type="body"/>
+            <p:ph type="body" idx="1"/>
           </p:nvPr>
         </p:nvSpPr>
         <p:spPr>
@@ -12898,12 +13284,12 @@
           </a:ln>
         </p:spPr>
         <p:txBody>
-          <a:bodyPr anchorCtr="0" anchor="t" bIns="91425" lIns="91425" spcFirstLastPara="1" rIns="91425" wrap="square" tIns="91425">
+          <a:bodyPr spcFirstLastPara="1" wrap="square" lIns="91425" tIns="91425" rIns="91425" bIns="91425" anchor="t" anchorCtr="0">
             <a:noAutofit/>
           </a:bodyPr>
           <a:lstStyle/>
           <a:p>
-            <a:pPr indent="-330200" lvl="0" marL="457200" rtl="0" algn="l">
+            <a:pPr marL="457200" lvl="0" indent="-330200" algn="l" rtl="0">
               <a:lnSpc>
                 <a:spcPct val="115000"/>
               </a:lnSpc>
@@ -12923,7 +13309,7 @@
             <a:endParaRPr sz="1600"/>
           </a:p>
           <a:p>
-            <a:pPr indent="-330200" lvl="0" marL="457200" rtl="0" algn="l">
+            <a:pPr marL="457200" lvl="0" indent="-330200" algn="l" rtl="0">
               <a:spcBef>
                 <a:spcPts val="0"/>
               </a:spcBef>
@@ -12940,7 +13326,7 @@
             <a:endParaRPr sz="1600"/>
           </a:p>
           <a:p>
-            <a:pPr indent="-330200" lvl="0" marL="457200" rtl="0" algn="l">
+            <a:pPr marL="457200" lvl="0" indent="-330200" algn="l" rtl="0">
               <a:spcBef>
                 <a:spcPts val="0"/>
               </a:spcBef>
@@ -12957,7 +13343,7 @@
             <a:endParaRPr sz="1600"/>
           </a:p>
           <a:p>
-            <a:pPr indent="-330200" lvl="0" marL="457200" rtl="0" algn="l">
+            <a:pPr marL="457200" lvl="0" indent="-330200" algn="l" rtl="0">
               <a:lnSpc>
                 <a:spcPct val="115000"/>
               </a:lnSpc>
@@ -12977,7 +13363,7 @@
             <a:endParaRPr sz="1600"/>
           </a:p>
           <a:p>
-            <a:pPr indent="-330200" lvl="0" marL="457200" rtl="0" algn="l">
+            <a:pPr marL="457200" lvl="0" indent="-330200" algn="l" rtl="0">
               <a:spcBef>
                 <a:spcPts val="0"/>
               </a:spcBef>
@@ -12994,7 +13380,7 @@
             <a:endParaRPr sz="1600"/>
           </a:p>
           <a:p>
-            <a:pPr indent="-330200" lvl="0" marL="457200" rtl="0" algn="l">
+            <a:pPr marL="457200" lvl="0" indent="-330200" algn="l" rtl="0">
               <a:lnSpc>
                 <a:spcPct val="115000"/>
               </a:lnSpc>
@@ -13023,152 +13409,289 @@
 </p:sld>
 </file>
 
-<file path=ppt/slides/slide9.xml><?xml version="1.0" encoding="utf-8"?>
-<p:sld xmlns:a="http://schemas.openxmlformats.org/drawingml/2006/main" xmlns:r="http://schemas.openxmlformats.org/officeDocument/2006/relationships" xmlns:mc="http://schemas.openxmlformats.org/markup-compatibility/2006" xmlns:mv="urn:schemas-microsoft-com:mac:vml" xmlns:p="http://schemas.openxmlformats.org/presentationml/2006/main" xmlns:c="http://schemas.openxmlformats.org/drawingml/2006/chart" xmlns:dgm="http://schemas.openxmlformats.org/drawingml/2006/diagram" xmlns:o="urn:schemas-microsoft-com:office:office" xmlns:v="urn:schemas-microsoft-com:vml" xmlns:pvml="urn:schemas-microsoft-com:office:powerpoint" xmlns:com="http://schemas.openxmlformats.org/drawingml/2006/compatibility" xmlns:p14="http://schemas.microsoft.com/office/powerpoint/2010/main" xmlns:p15="http://schemas.microsoft.com/office/powerpoint/2012/main" xmlns:ahyp="http://schemas.microsoft.com/office/drawing/2018/hyperlinkcolor">
-  <p:cSld>
-    <p:spTree>
-      <p:nvGrpSpPr>
-        <p:cNvPr id="115" name="Shape 115"/>
-        <p:cNvGrpSpPr/>
-        <p:nvPr/>
-      </p:nvGrpSpPr>
-      <p:grpSpPr>
-        <a:xfrm>
-          <a:off x="0" y="0"/>
-          <a:ext cx="0" cy="0"/>
-          <a:chOff x="0" y="0"/>
-          <a:chExt cx="0" cy="0"/>
-        </a:xfrm>
-      </p:grpSpPr>
-      <p:sp>
-        <p:nvSpPr>
-          <p:cNvPr id="116" name="Google Shape;116;p8"/>
-          <p:cNvSpPr txBox="1"/>
-          <p:nvPr>
-            <p:ph type="title"/>
-          </p:nvPr>
-        </p:nvSpPr>
-        <p:spPr>
-          <a:xfrm>
-            <a:off x="471900" y="57875"/>
-            <a:ext cx="8222100" cy="670500"/>
-          </a:xfrm>
-          <a:prstGeom prst="rect">
-            <a:avLst/>
-          </a:prstGeom>
-          <a:noFill/>
-          <a:ln>
-            <a:noFill/>
-          </a:ln>
-        </p:spPr>
-        <p:txBody>
-          <a:bodyPr anchorCtr="0" anchor="ctr" bIns="91425" lIns="91425" spcFirstLastPara="1" rIns="91425" wrap="square" tIns="91425">
-            <a:noAutofit/>
-          </a:bodyPr>
-          <a:lstStyle/>
-          <a:p>
-            <a:pPr indent="0" lvl="0" marL="0" rtl="0" algn="l">
-              <a:lnSpc>
-                <a:spcPct val="100000"/>
-              </a:lnSpc>
-              <a:spcBef>
-                <a:spcPts val="0"/>
-              </a:spcBef>
-              <a:spcAft>
-                <a:spcPts val="0"/>
-              </a:spcAft>
-              <a:buSzPts val="3200"/>
-              <a:buNone/>
-            </a:pPr>
-            <a:r>
-              <a:rPr b="1" lang="en"/>
-              <a:t>Loại bài toán ML</a:t>
-            </a:r>
-            <a:r>
-              <a:rPr lang="en"/>
-              <a:t> </a:t>
-            </a:r>
-            <a:endParaRPr/>
-          </a:p>
-        </p:txBody>
-      </p:sp>
-      <p:sp>
-        <p:nvSpPr>
-          <p:cNvPr id="117" name="Google Shape;117;p8"/>
-          <p:cNvSpPr txBox="1"/>
-          <p:nvPr>
-            <p:ph idx="1" type="body"/>
-          </p:nvPr>
-        </p:nvSpPr>
-        <p:spPr>
-          <a:xfrm>
-            <a:off x="471900" y="820500"/>
-            <a:ext cx="8222100" cy="3908400"/>
-          </a:xfrm>
-          <a:prstGeom prst="rect">
-            <a:avLst/>
-          </a:prstGeom>
-          <a:noFill/>
-          <a:ln>
-            <a:noFill/>
-          </a:ln>
-        </p:spPr>
-        <p:txBody>
-          <a:bodyPr anchorCtr="0" anchor="t" bIns="91425" lIns="91425" spcFirstLastPara="1" rIns="91425" wrap="square" tIns="91425">
-            <a:noAutofit/>
-          </a:bodyPr>
-          <a:lstStyle/>
-          <a:p>
-            <a:pPr indent="-368300" lvl="0" marL="457200" rtl="0" algn="l">
-              <a:lnSpc>
-                <a:spcPct val="115000"/>
-              </a:lnSpc>
-              <a:spcBef>
-                <a:spcPts val="0"/>
-              </a:spcBef>
-              <a:spcAft>
-                <a:spcPts val="0"/>
-              </a:spcAft>
-              <a:buSzPts val="2200"/>
-              <a:buChar char="●"/>
-            </a:pPr>
-            <a:r>
-              <a:rPr lang="en"/>
-              <a:t>Object Detection</a:t>
-            </a:r>
-            <a:endParaRPr/>
-          </a:p>
-          <a:p>
-            <a:pPr indent="0" lvl="0" marL="914400" rtl="0" algn="l">
-              <a:lnSpc>
-                <a:spcPct val="115000"/>
-              </a:lnSpc>
-              <a:spcBef>
-                <a:spcPts val="1600"/>
-              </a:spcBef>
-              <a:spcAft>
-                <a:spcPts val="1600"/>
-              </a:spcAft>
-              <a:buSzPts val="2200"/>
-              <a:buNone/>
-            </a:pPr>
-            <a:r>
-              <a:t/>
-            </a:r>
-            <a:endParaRPr sz="1800"/>
-          </a:p>
-        </p:txBody>
-      </p:sp>
-    </p:spTree>
-  </p:cSld>
-  <p:clrMapOvr>
-    <a:masterClrMapping/>
-  </p:clrMapOvr>
-</p:sld>
+<file path=ppt/theme/theme1.xml><?xml version="1.0" encoding="utf-8"?>
+<a:theme xmlns:a="http://schemas.openxmlformats.org/drawingml/2006/main" name="Material - R01">
+  <a:themeElements>
+    <a:clrScheme name="Material">
+      <a:dk1>
+        <a:srgbClr val="4285F4"/>
+      </a:dk1>
+      <a:lt1>
+        <a:srgbClr val="FFFFFF"/>
+      </a:lt1>
+      <a:dk2>
+        <a:srgbClr val="424242"/>
+      </a:dk2>
+      <a:lt2>
+        <a:srgbClr val="737373"/>
+      </a:lt2>
+      <a:accent1>
+        <a:srgbClr val="0277BD"/>
+      </a:accent1>
+      <a:accent2>
+        <a:srgbClr val="0F9D58"/>
+      </a:accent2>
+      <a:accent3>
+        <a:srgbClr val="DB4437"/>
+      </a:accent3>
+      <a:accent4>
+        <a:srgbClr val="FAFAFA"/>
+      </a:accent4>
+      <a:accent5>
+        <a:srgbClr val="4FC3F7"/>
+      </a:accent5>
+      <a:accent6>
+        <a:srgbClr val="F4B400"/>
+      </a:accent6>
+      <a:hlink>
+        <a:srgbClr val="4FC3F7"/>
+      </a:hlink>
+      <a:folHlink>
+        <a:srgbClr val="4FC3F7"/>
+      </a:folHlink>
+    </a:clrScheme>
+    <a:fontScheme name="Office">
+      <a:majorFont>
+        <a:latin typeface="Arial"/>
+        <a:ea typeface=""/>
+        <a:cs typeface=""/>
+        <a:font script="Jpan" typeface="ＭＳ Ｐゴシック"/>
+        <a:font script="Hang" typeface="맑은 고딕"/>
+        <a:font script="Hans" typeface="宋体"/>
+        <a:font script="Hant" typeface="新細明體"/>
+        <a:font script="Arab" typeface="Times New Roman"/>
+        <a:font script="Hebr" typeface="Times New Roman"/>
+        <a:font script="Thai" typeface="Angsana New"/>
+        <a:font script="Ethi" typeface="Nyala"/>
+        <a:font script="Beng" typeface="Vrinda"/>
+        <a:font script="Gujr" typeface="Shruti"/>
+        <a:font script="Khmr" typeface="MoolBoran"/>
+        <a:font script="Knda" typeface="Tunga"/>
+        <a:font script="Guru" typeface="Raavi"/>
+        <a:font script="Cans" typeface="Euphemia"/>
+        <a:font script="Cher" typeface="Plantagenet Cherokee"/>
+        <a:font script="Yiii" typeface="Microsoft Yi Baiti"/>
+        <a:font script="Tibt" typeface="Microsoft Himalaya"/>
+        <a:font script="Thaa" typeface="MV Boli"/>
+        <a:font script="Deva" typeface="Mangal"/>
+        <a:font script="Telu" typeface="Gautami"/>
+        <a:font script="Taml" typeface="Latha"/>
+        <a:font script="Syrc" typeface="Estrangelo Edessa"/>
+        <a:font script="Orya" typeface="Kalinga"/>
+        <a:font script="Mlym" typeface="Kartika"/>
+        <a:font script="Laoo" typeface="DokChampa"/>
+        <a:font script="Sinh" typeface="Iskoola Pota"/>
+        <a:font script="Mong" typeface="Mongolian Baiti"/>
+        <a:font script="Viet" typeface="Times New Roman"/>
+        <a:font script="Uigh" typeface="Microsoft Uighur"/>
+        <a:font script="Geor" typeface="Sylfaen"/>
+      </a:majorFont>
+      <a:minorFont>
+        <a:latin typeface="Arial"/>
+        <a:ea typeface=""/>
+        <a:cs typeface=""/>
+        <a:font script="Jpan" typeface="ＭＳ Ｐゴシック"/>
+        <a:font script="Hang" typeface="맑은 고딕"/>
+        <a:font script="Hans" typeface="宋体"/>
+        <a:font script="Hant" typeface="新細明體"/>
+        <a:font script="Arab" typeface="Arial"/>
+        <a:font script="Hebr" typeface="Arial"/>
+        <a:font script="Thai" typeface="Cordia New"/>
+        <a:font script="Ethi" typeface="Nyala"/>
+        <a:font script="Beng" typeface="Vrinda"/>
+        <a:font script="Gujr" typeface="Shruti"/>
+        <a:font script="Khmr" typeface="DaunPenh"/>
+        <a:font script="Knda" typeface="Tunga"/>
+        <a:font script="Guru" typeface="Raavi"/>
+        <a:font script="Cans" typeface="Euphemia"/>
+        <a:font script="Cher" typeface="Plantagenet Cherokee"/>
+        <a:font script="Yiii" typeface="Microsoft Yi Baiti"/>
+        <a:font script="Tibt" typeface="Microsoft Himalaya"/>
+        <a:font script="Thaa" typeface="MV Boli"/>
+        <a:font script="Deva" typeface="Mangal"/>
+        <a:font script="Telu" typeface="Gautami"/>
+        <a:font script="Taml" typeface="Latha"/>
+        <a:font script="Syrc" typeface="Estrangelo Edessa"/>
+        <a:font script="Orya" typeface="Kalinga"/>
+        <a:font script="Mlym" typeface="Kartika"/>
+        <a:font script="Laoo" typeface="DokChampa"/>
+        <a:font script="Sinh" typeface="Iskoola Pota"/>
+        <a:font script="Mong" typeface="Mongolian Baiti"/>
+        <a:font script="Viet" typeface="Arial"/>
+        <a:font script="Uigh" typeface="Microsoft Uighur"/>
+        <a:font script="Geor" typeface="Sylfaen"/>
+      </a:minorFont>
+    </a:fontScheme>
+    <a:fmtScheme name="Office">
+      <a:fillStyleLst>
+        <a:solidFill>
+          <a:schemeClr val="phClr"/>
+        </a:solidFill>
+        <a:gradFill rotWithShape="1">
+          <a:gsLst>
+            <a:gs pos="0">
+              <a:schemeClr val="phClr">
+                <a:tint val="50000"/>
+                <a:satMod val="300000"/>
+              </a:schemeClr>
+            </a:gs>
+            <a:gs pos="35000">
+              <a:schemeClr val="phClr">
+                <a:tint val="37000"/>
+                <a:satMod val="300000"/>
+              </a:schemeClr>
+            </a:gs>
+            <a:gs pos="100000">
+              <a:schemeClr val="phClr">
+                <a:tint val="15000"/>
+                <a:satMod val="350000"/>
+              </a:schemeClr>
+            </a:gs>
+          </a:gsLst>
+          <a:lin ang="16200000" scaled="1"/>
+        </a:gradFill>
+        <a:gradFill rotWithShape="1">
+          <a:gsLst>
+            <a:gs pos="0">
+              <a:schemeClr val="phClr">
+                <a:tint val="100000"/>
+                <a:shade val="100000"/>
+                <a:satMod val="130000"/>
+              </a:schemeClr>
+            </a:gs>
+            <a:gs pos="100000">
+              <a:schemeClr val="phClr">
+                <a:tint val="50000"/>
+                <a:shade val="100000"/>
+                <a:satMod val="350000"/>
+              </a:schemeClr>
+            </a:gs>
+          </a:gsLst>
+          <a:lin ang="16200000" scaled="0"/>
+        </a:gradFill>
+      </a:fillStyleLst>
+      <a:lnStyleLst>
+        <a:ln w="9525" cap="flat" cmpd="sng" algn="ctr">
+          <a:solidFill>
+            <a:schemeClr val="phClr">
+              <a:shade val="95000"/>
+              <a:satMod val="105000"/>
+            </a:schemeClr>
+          </a:solidFill>
+          <a:prstDash val="solid"/>
+        </a:ln>
+        <a:ln w="25400" cap="flat" cmpd="sng" algn="ctr">
+          <a:solidFill>
+            <a:schemeClr val="phClr"/>
+          </a:solidFill>
+          <a:prstDash val="solid"/>
+        </a:ln>
+        <a:ln w="38100" cap="flat" cmpd="sng" algn="ctr">
+          <a:solidFill>
+            <a:schemeClr val="phClr"/>
+          </a:solidFill>
+          <a:prstDash val="solid"/>
+        </a:ln>
+      </a:lnStyleLst>
+      <a:effectStyleLst>
+        <a:effectStyle>
+          <a:effectLst>
+            <a:outerShdw blurRad="40000" dist="20000" dir="5400000" rotWithShape="0">
+              <a:srgbClr val="000000">
+                <a:alpha val="38000"/>
+              </a:srgbClr>
+            </a:outerShdw>
+          </a:effectLst>
+        </a:effectStyle>
+        <a:effectStyle>
+          <a:effectLst>
+            <a:outerShdw blurRad="40000" dist="23000" dir="5400000" rotWithShape="0">
+              <a:srgbClr val="000000">
+                <a:alpha val="35000"/>
+              </a:srgbClr>
+            </a:outerShdw>
+          </a:effectLst>
+        </a:effectStyle>
+        <a:effectStyle>
+          <a:effectLst>
+            <a:outerShdw blurRad="40000" dist="23000" dir="5400000" rotWithShape="0">
+              <a:srgbClr val="000000">
+                <a:alpha val="35000"/>
+              </a:srgbClr>
+            </a:outerShdw>
+          </a:effectLst>
+          <a:scene3d>
+            <a:camera prst="orthographicFront">
+              <a:rot lat="0" lon="0" rev="0"/>
+            </a:camera>
+            <a:lightRig rig="threePt" dir="t">
+              <a:rot lat="0" lon="0" rev="1200000"/>
+            </a:lightRig>
+          </a:scene3d>
+          <a:sp3d>
+            <a:bevelT w="63500" h="25400"/>
+          </a:sp3d>
+        </a:effectStyle>
+      </a:effectStyleLst>
+      <a:bgFillStyleLst>
+        <a:solidFill>
+          <a:schemeClr val="phClr"/>
+        </a:solidFill>
+        <a:gradFill rotWithShape="1">
+          <a:gsLst>
+            <a:gs pos="0">
+              <a:schemeClr val="phClr">
+                <a:tint val="40000"/>
+                <a:satMod val="350000"/>
+              </a:schemeClr>
+            </a:gs>
+            <a:gs pos="40000">
+              <a:schemeClr val="phClr">
+                <a:tint val="45000"/>
+                <a:shade val="99000"/>
+                <a:satMod val="350000"/>
+              </a:schemeClr>
+            </a:gs>
+            <a:gs pos="100000">
+              <a:schemeClr val="phClr">
+                <a:shade val="20000"/>
+                <a:satMod val="255000"/>
+              </a:schemeClr>
+            </a:gs>
+          </a:gsLst>
+          <a:path path="circle">
+            <a:fillToRect l="50000" t="-80000" r="50000" b="180000"/>
+          </a:path>
+        </a:gradFill>
+        <a:gradFill rotWithShape="1">
+          <a:gsLst>
+            <a:gs pos="0">
+              <a:schemeClr val="phClr">
+                <a:tint val="80000"/>
+                <a:satMod val="300000"/>
+              </a:schemeClr>
+            </a:gs>
+            <a:gs pos="100000">
+              <a:schemeClr val="phClr">
+                <a:shade val="30000"/>
+                <a:satMod val="200000"/>
+              </a:schemeClr>
+            </a:gs>
+          </a:gsLst>
+          <a:path path="circle">
+            <a:fillToRect l="50000" t="50000" r="50000" b="50000"/>
+          </a:path>
+        </a:gradFill>
+      </a:bgFillStyleLst>
+    </a:fmtScheme>
+  </a:themeElements>
+  <a:objectDefaults/>
+  <a:extraClrSchemeLst/>
+</a:theme>
 </file>
 
-<file path=ppt/theme/theme1.xml><?xml version="1.0" encoding="utf-8"?>
-<a:theme xmlns:a="http://schemas.openxmlformats.org/drawingml/2006/main" xmlns:r="http://schemas.openxmlformats.org/officeDocument/2006/relationships">
+<file path=ppt/theme/theme2.xml><?xml version="1.0" encoding="utf-8"?>
+<a:theme xmlns:a="http://schemas.openxmlformats.org/drawingml/2006/main">
   <a:themeElements>
     <a:clrScheme name="Default">
       <a:dk1>
@@ -13443,284 +13966,7 @@
       </a:bgFillStyleLst>
     </a:fmtScheme>
   </a:themeElements>
-</a:theme>
-</file>
-
-<file path=ppt/theme/theme2.xml><?xml version="1.0" encoding="utf-8"?>
-<a:theme xmlns:a="http://schemas.openxmlformats.org/drawingml/2006/main" xmlns:r="http://schemas.openxmlformats.org/officeDocument/2006/relationships" name="Material - R01">
-  <a:themeElements>
-    <a:clrScheme name="Material">
-      <a:dk1>
-        <a:srgbClr val="4285F4"/>
-      </a:dk1>
-      <a:lt1>
-        <a:srgbClr val="FFFFFF"/>
-      </a:lt1>
-      <a:dk2>
-        <a:srgbClr val="424242"/>
-      </a:dk2>
-      <a:lt2>
-        <a:srgbClr val="737373"/>
-      </a:lt2>
-      <a:accent1>
-        <a:srgbClr val="0277BD"/>
-      </a:accent1>
-      <a:accent2>
-        <a:srgbClr val="0F9D58"/>
-      </a:accent2>
-      <a:accent3>
-        <a:srgbClr val="DB4437"/>
-      </a:accent3>
-      <a:accent4>
-        <a:srgbClr val="FAFAFA"/>
-      </a:accent4>
-      <a:accent5>
-        <a:srgbClr val="4FC3F7"/>
-      </a:accent5>
-      <a:accent6>
-        <a:srgbClr val="F4B400"/>
-      </a:accent6>
-      <a:hlink>
-        <a:srgbClr val="4FC3F7"/>
-      </a:hlink>
-      <a:folHlink>
-        <a:srgbClr val="4FC3F7"/>
-      </a:folHlink>
-    </a:clrScheme>
-    <a:fontScheme name="Office">
-      <a:majorFont>
-        <a:latin typeface="Arial"/>
-        <a:ea typeface=""/>
-        <a:cs typeface=""/>
-        <a:font script="Jpan" typeface="ＭＳ Ｐゴシック"/>
-        <a:font script="Hang" typeface="맑은 고딕"/>
-        <a:font script="Hans" typeface="宋体"/>
-        <a:font script="Hant" typeface="新細明體"/>
-        <a:font script="Arab" typeface="Times New Roman"/>
-        <a:font script="Hebr" typeface="Times New Roman"/>
-        <a:font script="Thai" typeface="Angsana New"/>
-        <a:font script="Ethi" typeface="Nyala"/>
-        <a:font script="Beng" typeface="Vrinda"/>
-        <a:font script="Gujr" typeface="Shruti"/>
-        <a:font script="Khmr" typeface="MoolBoran"/>
-        <a:font script="Knda" typeface="Tunga"/>
-        <a:font script="Guru" typeface="Raavi"/>
-        <a:font script="Cans" typeface="Euphemia"/>
-        <a:font script="Cher" typeface="Plantagenet Cherokee"/>
-        <a:font script="Yiii" typeface="Microsoft Yi Baiti"/>
-        <a:font script="Tibt" typeface="Microsoft Himalaya"/>
-        <a:font script="Thaa" typeface="MV Boli"/>
-        <a:font script="Deva" typeface="Mangal"/>
-        <a:font script="Telu" typeface="Gautami"/>
-        <a:font script="Taml" typeface="Latha"/>
-        <a:font script="Syrc" typeface="Estrangelo Edessa"/>
-        <a:font script="Orya" typeface="Kalinga"/>
-        <a:font script="Mlym" typeface="Kartika"/>
-        <a:font script="Laoo" typeface="DokChampa"/>
-        <a:font script="Sinh" typeface="Iskoola Pota"/>
-        <a:font script="Mong" typeface="Mongolian Baiti"/>
-        <a:font script="Viet" typeface="Times New Roman"/>
-        <a:font script="Uigh" typeface="Microsoft Uighur"/>
-        <a:font script="Geor" typeface="Sylfaen"/>
-      </a:majorFont>
-      <a:minorFont>
-        <a:latin typeface="Arial"/>
-        <a:ea typeface=""/>
-        <a:cs typeface=""/>
-        <a:font script="Jpan" typeface="ＭＳ Ｐゴシック"/>
-        <a:font script="Hang" typeface="맑은 고딕"/>
-        <a:font script="Hans" typeface="宋体"/>
-        <a:font script="Hant" typeface="新細明體"/>
-        <a:font script="Arab" typeface="Arial"/>
-        <a:font script="Hebr" typeface="Arial"/>
-        <a:font script="Thai" typeface="Cordia New"/>
-        <a:font script="Ethi" typeface="Nyala"/>
-        <a:font script="Beng" typeface="Vrinda"/>
-        <a:font script="Gujr" typeface="Shruti"/>
-        <a:font script="Khmr" typeface="DaunPenh"/>
-        <a:font script="Knda" typeface="Tunga"/>
-        <a:font script="Guru" typeface="Raavi"/>
-        <a:font script="Cans" typeface="Euphemia"/>
-        <a:font script="Cher" typeface="Plantagenet Cherokee"/>
-        <a:font script="Yiii" typeface="Microsoft Yi Baiti"/>
-        <a:font script="Tibt" typeface="Microsoft Himalaya"/>
-        <a:font script="Thaa" typeface="MV Boli"/>
-        <a:font script="Deva" typeface="Mangal"/>
-        <a:font script="Telu" typeface="Gautami"/>
-        <a:font script="Taml" typeface="Latha"/>
-        <a:font script="Syrc" typeface="Estrangelo Edessa"/>
-        <a:font script="Orya" typeface="Kalinga"/>
-        <a:font script="Mlym" typeface="Kartika"/>
-        <a:font script="Laoo" typeface="DokChampa"/>
-        <a:font script="Sinh" typeface="Iskoola Pota"/>
-        <a:font script="Mong" typeface="Mongolian Baiti"/>
-        <a:font script="Viet" typeface="Arial"/>
-        <a:font script="Uigh" typeface="Microsoft Uighur"/>
-        <a:font script="Geor" typeface="Sylfaen"/>
-      </a:minorFont>
-    </a:fontScheme>
-    <a:fmtScheme name="Office">
-      <a:fillStyleLst>
-        <a:solidFill>
-          <a:schemeClr val="phClr"/>
-        </a:solidFill>
-        <a:gradFill rotWithShape="1">
-          <a:gsLst>
-            <a:gs pos="0">
-              <a:schemeClr val="phClr">
-                <a:tint val="50000"/>
-                <a:satMod val="300000"/>
-              </a:schemeClr>
-            </a:gs>
-            <a:gs pos="35000">
-              <a:schemeClr val="phClr">
-                <a:tint val="37000"/>
-                <a:satMod val="300000"/>
-              </a:schemeClr>
-            </a:gs>
-            <a:gs pos="100000">
-              <a:schemeClr val="phClr">
-                <a:tint val="15000"/>
-                <a:satMod val="350000"/>
-              </a:schemeClr>
-            </a:gs>
-          </a:gsLst>
-          <a:lin ang="16200000" scaled="1"/>
-        </a:gradFill>
-        <a:gradFill rotWithShape="1">
-          <a:gsLst>
-            <a:gs pos="0">
-              <a:schemeClr val="phClr">
-                <a:tint val="100000"/>
-                <a:shade val="100000"/>
-                <a:satMod val="130000"/>
-              </a:schemeClr>
-            </a:gs>
-            <a:gs pos="100000">
-              <a:schemeClr val="phClr">
-                <a:tint val="50000"/>
-                <a:shade val="100000"/>
-                <a:satMod val="350000"/>
-              </a:schemeClr>
-            </a:gs>
-          </a:gsLst>
-          <a:lin ang="16200000" scaled="0"/>
-        </a:gradFill>
-      </a:fillStyleLst>
-      <a:lnStyleLst>
-        <a:ln w="9525" cap="flat" cmpd="sng" algn="ctr">
-          <a:solidFill>
-            <a:schemeClr val="phClr">
-              <a:shade val="95000"/>
-              <a:satMod val="105000"/>
-            </a:schemeClr>
-          </a:solidFill>
-          <a:prstDash val="solid"/>
-        </a:ln>
-        <a:ln w="25400" cap="flat" cmpd="sng" algn="ctr">
-          <a:solidFill>
-            <a:schemeClr val="phClr"/>
-          </a:solidFill>
-          <a:prstDash val="solid"/>
-        </a:ln>
-        <a:ln w="38100" cap="flat" cmpd="sng" algn="ctr">
-          <a:solidFill>
-            <a:schemeClr val="phClr"/>
-          </a:solidFill>
-          <a:prstDash val="solid"/>
-        </a:ln>
-      </a:lnStyleLst>
-      <a:effectStyleLst>
-        <a:effectStyle>
-          <a:effectLst>
-            <a:outerShdw blurRad="40000" dist="20000" dir="5400000" rotWithShape="0">
-              <a:srgbClr val="000000">
-                <a:alpha val="38000"/>
-              </a:srgbClr>
-            </a:outerShdw>
-          </a:effectLst>
-        </a:effectStyle>
-        <a:effectStyle>
-          <a:effectLst>
-            <a:outerShdw blurRad="40000" dist="23000" dir="5400000" rotWithShape="0">
-              <a:srgbClr val="000000">
-                <a:alpha val="35000"/>
-              </a:srgbClr>
-            </a:outerShdw>
-          </a:effectLst>
-        </a:effectStyle>
-        <a:effectStyle>
-          <a:effectLst>
-            <a:outerShdw blurRad="40000" dist="23000" dir="5400000" rotWithShape="0">
-              <a:srgbClr val="000000">
-                <a:alpha val="35000"/>
-              </a:srgbClr>
-            </a:outerShdw>
-          </a:effectLst>
-          <a:scene3d>
-            <a:camera prst="orthographicFront">
-              <a:rot lat="0" lon="0" rev="0"/>
-            </a:camera>
-            <a:lightRig rig="threePt" dir="t">
-              <a:rot lat="0" lon="0" rev="1200000"/>
-            </a:lightRig>
-          </a:scene3d>
-          <a:sp3d>
-            <a:bevelT w="63500" h="25400"/>
-          </a:sp3d>
-        </a:effectStyle>
-      </a:effectStyleLst>
-      <a:bgFillStyleLst>
-        <a:solidFill>
-          <a:schemeClr val="phClr"/>
-        </a:solidFill>
-        <a:gradFill rotWithShape="1">
-          <a:gsLst>
-            <a:gs pos="0">
-              <a:schemeClr val="phClr">
-                <a:tint val="40000"/>
-                <a:satMod val="350000"/>
-              </a:schemeClr>
-            </a:gs>
-            <a:gs pos="40000">
-              <a:schemeClr val="phClr">
-                <a:tint val="45000"/>
-                <a:shade val="99000"/>
-                <a:satMod val="350000"/>
-              </a:schemeClr>
-            </a:gs>
-            <a:gs pos="100000">
-              <a:schemeClr val="phClr">
-                <a:shade val="20000"/>
-                <a:satMod val="255000"/>
-              </a:schemeClr>
-            </a:gs>
-          </a:gsLst>
-          <a:path path="circle">
-            <a:fillToRect l="50000" t="-80000" r="50000" b="180000"/>
-          </a:path>
-        </a:gradFill>
-        <a:gradFill rotWithShape="1">
-          <a:gsLst>
-            <a:gs pos="0">
-              <a:schemeClr val="phClr">
-                <a:tint val="80000"/>
-                <a:satMod val="300000"/>
-              </a:schemeClr>
-            </a:gs>
-            <a:gs pos="100000">
-              <a:schemeClr val="phClr">
-                <a:shade val="30000"/>
-                <a:satMod val="200000"/>
-              </a:schemeClr>
-            </a:gs>
-          </a:gsLst>
-          <a:path path="circle">
-            <a:fillToRect l="50000" t="50000" r="50000" b="50000"/>
-          </a:path>
-        </a:gradFill>
-      </a:bgFillStyleLst>
-    </a:fmtScheme>
-  </a:themeElements>
+  <a:objectDefaults/>
+  <a:extraClrSchemeLst/>
 </a:theme>
 </file>
--- a/CS2225.BaoCaoCuoiKy.pptx
+++ b/CS2225.BaoCaoCuoiKy.pptx
@@ -5,22 +5,21 @@
     <p:sldMasterId id="2147483648" r:id="rId1"/>
   </p:sldMasterIdLst>
   <p:notesMasterIdLst>
-    <p:notesMasterId r:id="rId15"/>
+    <p:notesMasterId r:id="rId14"/>
   </p:notesMasterIdLst>
   <p:sldIdLst>
     <p:sldId id="256" r:id="rId2"/>
     <p:sldId id="257" r:id="rId3"/>
     <p:sldId id="258" r:id="rId4"/>
-    <p:sldId id="259" r:id="rId5"/>
-    <p:sldId id="260" r:id="rId6"/>
-    <p:sldId id="261" r:id="rId7"/>
-    <p:sldId id="268" r:id="rId8"/>
-    <p:sldId id="262" r:id="rId9"/>
-    <p:sldId id="263" r:id="rId10"/>
-    <p:sldId id="264" r:id="rId11"/>
-    <p:sldId id="265" r:id="rId12"/>
-    <p:sldId id="266" r:id="rId13"/>
-    <p:sldId id="267" r:id="rId14"/>
+    <p:sldId id="260" r:id="rId5"/>
+    <p:sldId id="261" r:id="rId6"/>
+    <p:sldId id="268" r:id="rId7"/>
+    <p:sldId id="262" r:id="rId8"/>
+    <p:sldId id="263" r:id="rId9"/>
+    <p:sldId id="264" r:id="rId10"/>
+    <p:sldId id="265" r:id="rId11"/>
+    <p:sldId id="266" r:id="rId12"/>
+    <p:sldId id="267" r:id="rId13"/>
   </p:sldIdLst>
   <p:sldSz cx="9144000" cy="5143500" type="screen16x9"/>
   <p:notesSz cx="6858000" cy="9144000"/>
@@ -274,7 +273,7 @@
       </p15:sldGuideLst>
     </p:ext>
     <p:ext uri="http://customooxmlschemas.google.com/">
-      <go:slidesCustomData xmlns:go="http://customooxmlschemas.google.com/" xmlns:ahyp="http://schemas.microsoft.com/office/drawing/2018/hyperlinkcolor" xmlns:p15="http://schemas.microsoft.com/office/powerpoint/2012/main" xmlns:p14="http://schemas.microsoft.com/office/powerpoint/2010/main" xmlns:com="http://schemas.openxmlformats.org/drawingml/2006/compatibility" xmlns:pvml="urn:schemas-microsoft-com:office:powerpoint" xmlns:v="urn:schemas-microsoft-com:vml" xmlns:o="urn:schemas-microsoft-com:office:office" xmlns:dgm="http://schemas.openxmlformats.org/drawingml/2006/diagram" xmlns:c="http://schemas.openxmlformats.org/drawingml/2006/chart" xmlns:mv="urn:schemas-microsoft-com:mac:vml" xmlns:mc="http://schemas.openxmlformats.org/markup-compatibility/2006" xmlns="" r:id="rId18" roundtripDataSignature="AMtx7mgr+2s9Qem9sYdsXEFZxyB27Gtptw=="/>
+      <go:slidesCustomData xmlns="" xmlns:mc="http://schemas.openxmlformats.org/markup-compatibility/2006" xmlns:mv="urn:schemas-microsoft-com:mac:vml" xmlns:c="http://schemas.openxmlformats.org/drawingml/2006/chart" xmlns:dgm="http://schemas.openxmlformats.org/drawingml/2006/diagram" xmlns:o="urn:schemas-microsoft-com:office:office" xmlns:v="urn:schemas-microsoft-com:vml" xmlns:pvml="urn:schemas-microsoft-com:office:powerpoint" xmlns:com="http://schemas.openxmlformats.org/drawingml/2006/compatibility" xmlns:p14="http://schemas.microsoft.com/office/powerpoint/2010/main" xmlns:p15="http://schemas.microsoft.com/office/powerpoint/2012/main" xmlns:ahyp="http://schemas.microsoft.com/office/drawing/2018/hyperlinkcolor" xmlns:go="http://customooxmlschemas.google.com/" r:id="rId18" roundtripDataSignature="AMtx7mgr+2s9Qem9sYdsXEFZxyB27Gtptw=="/>
     </p:ext>
   </p:extLst>
 </p:presentation>
@@ -983,110 +982,6 @@
   <p:cSld>
     <p:spTree>
       <p:nvGrpSpPr>
-        <p:cNvPr id="1" name="Shape 118"/>
-        <p:cNvGrpSpPr/>
-        <p:nvPr/>
-      </p:nvGrpSpPr>
-      <p:grpSpPr>
-        <a:xfrm>
-          <a:off x="0" y="0"/>
-          <a:ext cx="0" cy="0"/>
-          <a:chOff x="0" y="0"/>
-          <a:chExt cx="0" cy="0"/>
-        </a:xfrm>
-      </p:grpSpPr>
-      <p:sp>
-        <p:nvSpPr>
-          <p:cNvPr id="119" name="Google Shape;119;ga95c1e85a4_0_19:notes"/>
-          <p:cNvSpPr>
-            <a:spLocks noGrp="1" noRot="1" noChangeAspect="1"/>
-          </p:cNvSpPr>
-          <p:nvPr>
-            <p:ph type="sldImg" idx="2"/>
-          </p:nvPr>
-        </p:nvSpPr>
-        <p:spPr>
-          <a:xfrm>
-            <a:off x="381309" y="685800"/>
-            <a:ext cx="6096000" cy="3429000"/>
-          </a:xfrm>
-          <a:custGeom>
-            <a:avLst/>
-            <a:gdLst/>
-            <a:ahLst/>
-            <a:cxnLst/>
-            <a:rect l="l" t="t" r="r" b="b"/>
-            <a:pathLst>
-              <a:path w="120000" h="120000" extrusionOk="0">
-                <a:moveTo>
-                  <a:pt x="0" y="0"/>
-                </a:moveTo>
-                <a:lnTo>
-                  <a:pt x="120000" y="0"/>
-                </a:lnTo>
-                <a:lnTo>
-                  <a:pt x="120000" y="120000"/>
-                </a:lnTo>
-                <a:lnTo>
-                  <a:pt x="0" y="120000"/>
-                </a:lnTo>
-                <a:close/>
-              </a:path>
-            </a:pathLst>
-          </a:custGeom>
-        </p:spPr>
-      </p:sp>
-      <p:sp>
-        <p:nvSpPr>
-          <p:cNvPr id="120" name="Google Shape;120;ga95c1e85a4_0_19:notes"/>
-          <p:cNvSpPr txBox="1">
-            <a:spLocks noGrp="1"/>
-          </p:cNvSpPr>
-          <p:nvPr>
-            <p:ph type="body" idx="1"/>
-          </p:nvPr>
-        </p:nvSpPr>
-        <p:spPr>
-          <a:xfrm>
-            <a:off x="685800" y="4343400"/>
-            <a:ext cx="5486400" cy="4114800"/>
-          </a:xfrm>
-          <a:prstGeom prst="rect">
-            <a:avLst/>
-          </a:prstGeom>
-        </p:spPr>
-        <p:txBody>
-          <a:bodyPr spcFirstLastPara="1" wrap="square" lIns="91425" tIns="91425" rIns="91425" bIns="91425" anchor="t" anchorCtr="0">
-            <a:noAutofit/>
-          </a:bodyPr>
-          <a:lstStyle/>
-          <a:p>
-            <a:pPr marL="0" lvl="0" indent="0" algn="l" rtl="0">
-              <a:spcBef>
-                <a:spcPts val="0"/>
-              </a:spcBef>
-              <a:spcAft>
-                <a:spcPts val="0"/>
-              </a:spcAft>
-              <a:buNone/>
-            </a:pPr>
-            <a:endParaRPr/>
-          </a:p>
-        </p:txBody>
-      </p:sp>
-    </p:spTree>
-  </p:cSld>
-  <p:clrMapOvr>
-    <a:masterClrMapping/>
-  </p:clrMapOvr>
-</p:notes>
-</file>
-
-<file path=ppt/notesSlides/notesSlide11.xml><?xml version="1.0" encoding="utf-8"?>
-<p:notes xmlns:a="http://schemas.openxmlformats.org/drawingml/2006/main" xmlns:r="http://schemas.openxmlformats.org/officeDocument/2006/relationships" xmlns:p="http://schemas.openxmlformats.org/presentationml/2006/main" showMasterSp="0" showMasterPhAnim="0">
-  <p:cSld>
-    <p:spTree>
-      <p:nvGrpSpPr>
         <p:cNvPr id="1" name="Shape 124"/>
         <p:cNvGrpSpPr/>
         <p:nvPr/>
@@ -1204,7 +1099,7 @@
 </p:notes>
 </file>
 
-<file path=ppt/notesSlides/notesSlide12.xml><?xml version="1.0" encoding="utf-8"?>
+<file path=ppt/notesSlides/notesSlide11.xml><?xml version="1.0" encoding="utf-8"?>
 <p:notes xmlns:a="http://schemas.openxmlformats.org/drawingml/2006/main" xmlns:r="http://schemas.openxmlformats.org/officeDocument/2006/relationships" xmlns:p="http://schemas.openxmlformats.org/presentationml/2006/main" showMasterSp="0" showMasterPhAnim="0">
   <p:cSld>
     <p:spTree>
@@ -1459,8 +1354,8 @@
         </p:nvSpPr>
         <p:spPr>
           <a:xfrm>
-            <a:off x="381175" y="685800"/>
-            <a:ext cx="6096300" cy="3429000"/>
+            <a:off x="381000" y="685800"/>
+            <a:ext cx="6096000" cy="3429000"/>
           </a:xfrm>
           <a:custGeom>
             <a:avLst/>
@@ -1557,110 +1452,6 @@
   <p:cSld>
     <p:spTree>
       <p:nvGrpSpPr>
-        <p:cNvPr id="1" name="Shape 80"/>
-        <p:cNvGrpSpPr/>
-        <p:nvPr/>
-      </p:nvGrpSpPr>
-      <p:grpSpPr>
-        <a:xfrm>
-          <a:off x="0" y="0"/>
-          <a:ext cx="0" cy="0"/>
-          <a:chOff x="0" y="0"/>
-          <a:chExt cx="0" cy="0"/>
-        </a:xfrm>
-      </p:grpSpPr>
-      <p:sp>
-        <p:nvSpPr>
-          <p:cNvPr id="81" name="Google Shape;81;gbb7498ad44_0_16:notes"/>
-          <p:cNvSpPr>
-            <a:spLocks noGrp="1" noRot="1" noChangeAspect="1"/>
-          </p:cNvSpPr>
-          <p:nvPr>
-            <p:ph type="sldImg" idx="2"/>
-          </p:nvPr>
-        </p:nvSpPr>
-        <p:spPr>
-          <a:xfrm>
-            <a:off x="381309" y="685800"/>
-            <a:ext cx="6096000" cy="3429000"/>
-          </a:xfrm>
-          <a:custGeom>
-            <a:avLst/>
-            <a:gdLst/>
-            <a:ahLst/>
-            <a:cxnLst/>
-            <a:rect l="l" t="t" r="r" b="b"/>
-            <a:pathLst>
-              <a:path w="120000" h="120000" extrusionOk="0">
-                <a:moveTo>
-                  <a:pt x="0" y="0"/>
-                </a:moveTo>
-                <a:lnTo>
-                  <a:pt x="120000" y="0"/>
-                </a:lnTo>
-                <a:lnTo>
-                  <a:pt x="120000" y="120000"/>
-                </a:lnTo>
-                <a:lnTo>
-                  <a:pt x="0" y="120000"/>
-                </a:lnTo>
-                <a:close/>
-              </a:path>
-            </a:pathLst>
-          </a:custGeom>
-        </p:spPr>
-      </p:sp>
-      <p:sp>
-        <p:nvSpPr>
-          <p:cNvPr id="82" name="Google Shape;82;gbb7498ad44_0_16:notes"/>
-          <p:cNvSpPr txBox="1">
-            <a:spLocks noGrp="1"/>
-          </p:cNvSpPr>
-          <p:nvPr>
-            <p:ph type="body" idx="1"/>
-          </p:nvPr>
-        </p:nvSpPr>
-        <p:spPr>
-          <a:xfrm>
-            <a:off x="685800" y="4343400"/>
-            <a:ext cx="5486400" cy="4114800"/>
-          </a:xfrm>
-          <a:prstGeom prst="rect">
-            <a:avLst/>
-          </a:prstGeom>
-        </p:spPr>
-        <p:txBody>
-          <a:bodyPr spcFirstLastPara="1" wrap="square" lIns="91425" tIns="91425" rIns="91425" bIns="91425" anchor="t" anchorCtr="0">
-            <a:noAutofit/>
-          </a:bodyPr>
-          <a:lstStyle/>
-          <a:p>
-            <a:pPr marL="0" lvl="0" indent="0" algn="l" rtl="0">
-              <a:spcBef>
-                <a:spcPts val="0"/>
-              </a:spcBef>
-              <a:spcAft>
-                <a:spcPts val="0"/>
-              </a:spcAft>
-              <a:buNone/>
-            </a:pPr>
-            <a:endParaRPr/>
-          </a:p>
-        </p:txBody>
-      </p:sp>
-    </p:spTree>
-  </p:cSld>
-  <p:clrMapOvr>
-    <a:masterClrMapping/>
-  </p:clrMapOvr>
-</p:notes>
-</file>
-
-<file path=ppt/notesSlides/notesSlide5.xml><?xml version="1.0" encoding="utf-8"?>
-<p:notes xmlns:a="http://schemas.openxmlformats.org/drawingml/2006/main" xmlns:r="http://schemas.openxmlformats.org/officeDocument/2006/relationships" xmlns:p="http://schemas.openxmlformats.org/presentationml/2006/main" showMasterSp="0" showMasterPhAnim="0">
-  <p:cSld>
-    <p:spTree>
-      <p:nvGrpSpPr>
         <p:cNvPr id="1" name="Shape 87"/>
         <p:cNvGrpSpPr/>
         <p:nvPr/>
@@ -1685,8 +1476,8 @@
         </p:nvSpPr>
         <p:spPr>
           <a:xfrm>
-            <a:off x="381175" y="685800"/>
-            <a:ext cx="6096300" cy="3429000"/>
+            <a:off x="381000" y="685800"/>
+            <a:ext cx="6096000" cy="3429000"/>
           </a:xfrm>
           <a:custGeom>
             <a:avLst/>
@@ -1778,7 +1569,7 @@
 </p:notes>
 </file>
 
-<file path=ppt/notesSlides/notesSlide6.xml><?xml version="1.0" encoding="utf-8"?>
+<file path=ppt/notesSlides/notesSlide5.xml><?xml version="1.0" encoding="utf-8"?>
 <p:notes xmlns:a="http://schemas.openxmlformats.org/drawingml/2006/main" xmlns:r="http://schemas.openxmlformats.org/officeDocument/2006/relationships" xmlns:p="http://schemas.openxmlformats.org/presentationml/2006/main" showMasterSp="0" showMasterPhAnim="0">
   <p:cSld>
     <p:spTree>
@@ -1900,7 +1691,7 @@
 </p:notes>
 </file>
 
-<file path=ppt/notesSlides/notesSlide7.xml><?xml version="1.0" encoding="utf-8"?>
+<file path=ppt/notesSlides/notesSlide6.xml><?xml version="1.0" encoding="utf-8"?>
 <p:notes xmlns:a="http://schemas.openxmlformats.org/drawingml/2006/main" xmlns:r="http://schemas.openxmlformats.org/officeDocument/2006/relationships" xmlns:p="http://schemas.openxmlformats.org/presentationml/2006/main" showMasterSp="0" showMasterPhAnim="0">
   <p:cSld>
     <p:spTree>
@@ -2022,7 +1813,7 @@
 </p:notes>
 </file>
 
-<file path=ppt/notesSlides/notesSlide8.xml><?xml version="1.0" encoding="utf-8"?>
+<file path=ppt/notesSlides/notesSlide7.xml><?xml version="1.0" encoding="utf-8"?>
 <p:notes xmlns:a="http://schemas.openxmlformats.org/drawingml/2006/main" xmlns:r="http://schemas.openxmlformats.org/officeDocument/2006/relationships" xmlns:p="http://schemas.openxmlformats.org/presentationml/2006/main" showMasterSp="0" showMasterPhAnim="0">
   <p:cSld>
     <p:spTree>
@@ -2051,8 +1842,8 @@
         </p:nvSpPr>
         <p:spPr>
           <a:xfrm>
-            <a:off x="381175" y="685800"/>
-            <a:ext cx="6096300" cy="3429000"/>
+            <a:off x="381000" y="685800"/>
+            <a:ext cx="6096000" cy="3429000"/>
           </a:xfrm>
           <a:custGeom>
             <a:avLst/>
@@ -2144,7 +1935,7 @@
 </p:notes>
 </file>
 
-<file path=ppt/notesSlides/notesSlide9.xml><?xml version="1.0" encoding="utf-8"?>
+<file path=ppt/notesSlides/notesSlide8.xml><?xml version="1.0" encoding="utf-8"?>
 <p:notes xmlns:a="http://schemas.openxmlformats.org/drawingml/2006/main" xmlns:r="http://schemas.openxmlformats.org/officeDocument/2006/relationships" xmlns:p="http://schemas.openxmlformats.org/presentationml/2006/main" showMasterSp="0" showMasterPhAnim="0">
   <p:cSld>
     <p:spTree>
@@ -2252,6 +2043,110 @@
                 <a:spcPts val="0"/>
               </a:spcAft>
               <a:buSzPts val="1400"/>
+              <a:buNone/>
+            </a:pPr>
+            <a:endParaRPr/>
+          </a:p>
+        </p:txBody>
+      </p:sp>
+    </p:spTree>
+  </p:cSld>
+  <p:clrMapOvr>
+    <a:masterClrMapping/>
+  </p:clrMapOvr>
+</p:notes>
+</file>
+
+<file path=ppt/notesSlides/notesSlide9.xml><?xml version="1.0" encoding="utf-8"?>
+<p:notes xmlns:a="http://schemas.openxmlformats.org/drawingml/2006/main" xmlns:r="http://schemas.openxmlformats.org/officeDocument/2006/relationships" xmlns:p="http://schemas.openxmlformats.org/presentationml/2006/main" showMasterSp="0" showMasterPhAnim="0">
+  <p:cSld>
+    <p:spTree>
+      <p:nvGrpSpPr>
+        <p:cNvPr id="1" name="Shape 118"/>
+        <p:cNvGrpSpPr/>
+        <p:nvPr/>
+      </p:nvGrpSpPr>
+      <p:grpSpPr>
+        <a:xfrm>
+          <a:off x="0" y="0"/>
+          <a:ext cx="0" cy="0"/>
+          <a:chOff x="0" y="0"/>
+          <a:chExt cx="0" cy="0"/>
+        </a:xfrm>
+      </p:grpSpPr>
+      <p:sp>
+        <p:nvSpPr>
+          <p:cNvPr id="119" name="Google Shape;119;ga95c1e85a4_0_19:notes"/>
+          <p:cNvSpPr>
+            <a:spLocks noGrp="1" noRot="1" noChangeAspect="1"/>
+          </p:cNvSpPr>
+          <p:nvPr>
+            <p:ph type="sldImg" idx="2"/>
+          </p:nvPr>
+        </p:nvSpPr>
+        <p:spPr>
+          <a:xfrm>
+            <a:off x="381309" y="685800"/>
+            <a:ext cx="6096000" cy="3429000"/>
+          </a:xfrm>
+          <a:custGeom>
+            <a:avLst/>
+            <a:gdLst/>
+            <a:ahLst/>
+            <a:cxnLst/>
+            <a:rect l="l" t="t" r="r" b="b"/>
+            <a:pathLst>
+              <a:path w="120000" h="120000" extrusionOk="0">
+                <a:moveTo>
+                  <a:pt x="0" y="0"/>
+                </a:moveTo>
+                <a:lnTo>
+                  <a:pt x="120000" y="0"/>
+                </a:lnTo>
+                <a:lnTo>
+                  <a:pt x="120000" y="120000"/>
+                </a:lnTo>
+                <a:lnTo>
+                  <a:pt x="0" y="120000"/>
+                </a:lnTo>
+                <a:close/>
+              </a:path>
+            </a:pathLst>
+          </a:custGeom>
+        </p:spPr>
+      </p:sp>
+      <p:sp>
+        <p:nvSpPr>
+          <p:cNvPr id="120" name="Google Shape;120;ga95c1e85a4_0_19:notes"/>
+          <p:cNvSpPr txBox="1">
+            <a:spLocks noGrp="1"/>
+          </p:cNvSpPr>
+          <p:nvPr>
+            <p:ph type="body" idx="1"/>
+          </p:nvPr>
+        </p:nvSpPr>
+        <p:spPr>
+          <a:xfrm>
+            <a:off x="685800" y="4343400"/>
+            <a:ext cx="5486400" cy="4114800"/>
+          </a:xfrm>
+          <a:prstGeom prst="rect">
+            <a:avLst/>
+          </a:prstGeom>
+        </p:spPr>
+        <p:txBody>
+          <a:bodyPr spcFirstLastPara="1" wrap="square" lIns="91425" tIns="91425" rIns="91425" bIns="91425" anchor="t" anchorCtr="0">
+            <a:noAutofit/>
+          </a:bodyPr>
+          <a:lstStyle/>
+          <a:p>
+            <a:pPr marL="0" lvl="0" indent="0" algn="l" rtl="0">
+              <a:spcBef>
+                <a:spcPts val="0"/>
+              </a:spcBef>
+              <a:spcAft>
+                <a:spcPts val="0"/>
+              </a:spcAft>
               <a:buNone/>
             </a:pPr>
             <a:endParaRPr/>
@@ -10933,151 +10828,6 @@
   <p:cSld>
     <p:spTree>
       <p:nvGrpSpPr>
-        <p:cNvPr id="1" name="Shape 115"/>
-        <p:cNvGrpSpPr/>
-        <p:nvPr/>
-      </p:nvGrpSpPr>
-      <p:grpSpPr>
-        <a:xfrm>
-          <a:off x="0" y="0"/>
-          <a:ext cx="0" cy="0"/>
-          <a:chOff x="0" y="0"/>
-          <a:chExt cx="0" cy="0"/>
-        </a:xfrm>
-      </p:grpSpPr>
-      <p:sp>
-        <p:nvSpPr>
-          <p:cNvPr id="116" name="Google Shape;116;p8"/>
-          <p:cNvSpPr txBox="1">
-            <a:spLocks noGrp="1"/>
-          </p:cNvSpPr>
-          <p:nvPr>
-            <p:ph type="title"/>
-          </p:nvPr>
-        </p:nvSpPr>
-        <p:spPr>
-          <a:xfrm>
-            <a:off x="471900" y="57875"/>
-            <a:ext cx="8222100" cy="670500"/>
-          </a:xfrm>
-          <a:prstGeom prst="rect">
-            <a:avLst/>
-          </a:prstGeom>
-          <a:noFill/>
-          <a:ln>
-            <a:noFill/>
-          </a:ln>
-        </p:spPr>
-        <p:txBody>
-          <a:bodyPr spcFirstLastPara="1" wrap="square" lIns="91425" tIns="91425" rIns="91425" bIns="91425" anchor="ctr" anchorCtr="0">
-            <a:noAutofit/>
-          </a:bodyPr>
-          <a:lstStyle/>
-          <a:p>
-            <a:pPr marL="0" lvl="0" indent="0" algn="l" rtl="0">
-              <a:lnSpc>
-                <a:spcPct val="100000"/>
-              </a:lnSpc>
-              <a:spcBef>
-                <a:spcPts val="0"/>
-              </a:spcBef>
-              <a:spcAft>
-                <a:spcPts val="0"/>
-              </a:spcAft>
-              <a:buSzPts val="3200"/>
-              <a:buNone/>
-            </a:pPr>
-            <a:r>
-              <a:rPr lang="en" b="1"/>
-              <a:t>Loại bài toán ML</a:t>
-            </a:r>
-            <a:r>
-              <a:rPr lang="en"/>
-              <a:t> </a:t>
-            </a:r>
-            <a:endParaRPr/>
-          </a:p>
-        </p:txBody>
-      </p:sp>
-      <p:sp>
-        <p:nvSpPr>
-          <p:cNvPr id="117" name="Google Shape;117;p8"/>
-          <p:cNvSpPr txBox="1">
-            <a:spLocks noGrp="1"/>
-          </p:cNvSpPr>
-          <p:nvPr>
-            <p:ph type="body" idx="1"/>
-          </p:nvPr>
-        </p:nvSpPr>
-        <p:spPr>
-          <a:xfrm>
-            <a:off x="471900" y="820500"/>
-            <a:ext cx="8222100" cy="3908400"/>
-          </a:xfrm>
-          <a:prstGeom prst="rect">
-            <a:avLst/>
-          </a:prstGeom>
-          <a:noFill/>
-          <a:ln>
-            <a:noFill/>
-          </a:ln>
-        </p:spPr>
-        <p:txBody>
-          <a:bodyPr spcFirstLastPara="1" wrap="square" lIns="91425" tIns="91425" rIns="91425" bIns="91425" anchor="t" anchorCtr="0">
-            <a:noAutofit/>
-          </a:bodyPr>
-          <a:lstStyle/>
-          <a:p>
-            <a:pPr marL="457200" lvl="0" indent="-368300" algn="l" rtl="0">
-              <a:lnSpc>
-                <a:spcPct val="115000"/>
-              </a:lnSpc>
-              <a:spcBef>
-                <a:spcPts val="0"/>
-              </a:spcBef>
-              <a:spcAft>
-                <a:spcPts val="0"/>
-              </a:spcAft>
-              <a:buSzPts val="2200"/>
-              <a:buChar char="●"/>
-            </a:pPr>
-            <a:r>
-              <a:rPr lang="en"/>
-              <a:t>Object Detection</a:t>
-            </a:r>
-            <a:endParaRPr/>
-          </a:p>
-          <a:p>
-            <a:pPr marL="914400" lvl="0" indent="0" algn="l" rtl="0">
-              <a:lnSpc>
-                <a:spcPct val="115000"/>
-              </a:lnSpc>
-              <a:spcBef>
-                <a:spcPts val="1600"/>
-              </a:spcBef>
-              <a:spcAft>
-                <a:spcPts val="1600"/>
-              </a:spcAft>
-              <a:buSzPts val="2200"/>
-              <a:buNone/>
-            </a:pPr>
-            <a:endParaRPr sz="1800"/>
-          </a:p>
-        </p:txBody>
-      </p:sp>
-    </p:spTree>
-  </p:cSld>
-  <p:clrMapOvr>
-    <a:masterClrMapping/>
-  </p:clrMapOvr>
-</p:sld>
-</file>
-
-<file path=ppt/slides/slide11.xml><?xml version="1.0" encoding="utf-8"?>
-<p:sld xmlns:a="http://schemas.openxmlformats.org/drawingml/2006/main" xmlns:r="http://schemas.openxmlformats.org/officeDocument/2006/relationships" xmlns:p="http://schemas.openxmlformats.org/presentationml/2006/main">
-  <p:cSld>
-    <p:spTree>
-      <p:nvGrpSpPr>
         <p:cNvPr id="1" name="Shape 121"/>
         <p:cNvGrpSpPr/>
         <p:nvPr/>
@@ -11229,7 +10979,7 @@
 </p:sld>
 </file>
 
-<file path=ppt/slides/slide12.xml><?xml version="1.0" encoding="utf-8"?>
+<file path=ppt/slides/slide11.xml><?xml version="1.0" encoding="utf-8"?>
 <p:sld xmlns:a="http://schemas.openxmlformats.org/drawingml/2006/main" xmlns:r="http://schemas.openxmlformats.org/officeDocument/2006/relationships" xmlns:p="http://schemas.openxmlformats.org/presentationml/2006/main">
   <p:cSld>
     <p:spTree>
@@ -11365,7 +11115,7 @@
 </p:sld>
 </file>
 
-<file path=ppt/slides/slide13.xml><?xml version="1.0" encoding="utf-8"?>
+<file path=ppt/slides/slide12.xml><?xml version="1.0" encoding="utf-8"?>
 <p:sld xmlns:a="http://schemas.openxmlformats.org/drawingml/2006/main" xmlns:r="http://schemas.openxmlformats.org/officeDocument/2006/relationships" xmlns:p="http://schemas.openxmlformats.org/presentationml/2006/main">
   <p:cSld>
     <p:spTree>
@@ -11466,16 +11216,7 @@
                 </a:solidFill>
                 <a:hlinkClick r:id="rId3"/>
               </a:rPr>
-              <a:t>https://blog.roboflow.com/breaking-down-efficientd</a:t>
-            </a:r>
-            <a:r>
-              <a:rPr lang="en" sz="1600" u="sng">
-                <a:solidFill>
-                  <a:schemeClr val="hlink"/>
-                </a:solidFill>
-                <a:hlinkClick r:id="rId3"/>
-              </a:rPr>
-              <a:t>et</a:t>
+              <a:t>https://blog.roboflow.com/breaking-down-efficientdet</a:t>
             </a:r>
             <a:endParaRPr sz="1600"/>
           </a:p>
@@ -12016,10 +11757,118 @@
               <a:buChar char="●"/>
             </a:pPr>
             <a:r>
-              <a:rPr lang="en" sz="1600"/>
-              <a:t>Tên đề tài: Nhận dạng một vài loại trái cây dựa trên hình ảnh.</a:t>
-            </a:r>
-            <a:endParaRPr sz="1600"/>
+              <a:rPr lang="en" sz="1600" dirty="0" err="1"/>
+              <a:t>Tên</a:t>
+            </a:r>
+            <a:r>
+              <a:rPr lang="en" sz="1600" dirty="0"/>
+              <a:t> </a:t>
+            </a:r>
+            <a:r>
+              <a:rPr lang="en" sz="1600" dirty="0" err="1"/>
+              <a:t>đề</a:t>
+            </a:r>
+            <a:r>
+              <a:rPr lang="en" sz="1600" dirty="0"/>
+              <a:t> </a:t>
+            </a:r>
+            <a:r>
+              <a:rPr lang="en" sz="1600" dirty="0" err="1"/>
+              <a:t>tài</a:t>
+            </a:r>
+            <a:r>
+              <a:rPr lang="en" sz="1600" dirty="0"/>
+              <a:t>: </a:t>
+            </a:r>
+            <a:r>
+              <a:rPr lang="en" sz="1600" dirty="0" err="1"/>
+              <a:t>Nhận</a:t>
+            </a:r>
+            <a:r>
+              <a:rPr lang="en" sz="1600" dirty="0"/>
+              <a:t> </a:t>
+            </a:r>
+            <a:r>
+              <a:rPr lang="en" sz="1600" dirty="0" err="1"/>
+              <a:t>dạng</a:t>
+            </a:r>
+            <a:r>
+              <a:rPr lang="en" sz="1600" dirty="0"/>
+              <a:t> </a:t>
+            </a:r>
+            <a:r>
+              <a:rPr lang="en" sz="1600" dirty="0" err="1"/>
+              <a:t>một</a:t>
+            </a:r>
+            <a:r>
+              <a:rPr lang="en" sz="1600" dirty="0"/>
+              <a:t> </a:t>
+            </a:r>
+            <a:r>
+              <a:rPr lang="en" sz="1600" dirty="0" err="1"/>
+              <a:t>vài</a:t>
+            </a:r>
+            <a:r>
+              <a:rPr lang="en" sz="1600" dirty="0"/>
+              <a:t> </a:t>
+            </a:r>
+            <a:r>
+              <a:rPr lang="en" sz="1600" dirty="0" err="1"/>
+              <a:t>loại</a:t>
+            </a:r>
+            <a:r>
+              <a:rPr lang="en" sz="1600" dirty="0"/>
+              <a:t> </a:t>
+            </a:r>
+            <a:r>
+              <a:rPr lang="en" sz="1600" dirty="0" err="1"/>
+              <a:t>trái</a:t>
+            </a:r>
+            <a:r>
+              <a:rPr lang="en" sz="1600" dirty="0"/>
+              <a:t> </a:t>
+            </a:r>
+            <a:r>
+              <a:rPr lang="en" sz="1600" dirty="0" err="1"/>
+              <a:t>cây</a:t>
+            </a:r>
+            <a:r>
+              <a:rPr lang="en" sz="1600" dirty="0"/>
+              <a:t> </a:t>
+            </a:r>
+            <a:r>
+              <a:rPr lang="en" sz="1600" dirty="0" err="1"/>
+              <a:t>dựa</a:t>
+            </a:r>
+            <a:r>
+              <a:rPr lang="en" sz="1600" dirty="0"/>
+              <a:t> </a:t>
+            </a:r>
+            <a:r>
+              <a:rPr lang="en" sz="1600" dirty="0" err="1"/>
+              <a:t>trên</a:t>
+            </a:r>
+            <a:r>
+              <a:rPr lang="en" sz="1600" dirty="0"/>
+              <a:t> </a:t>
+            </a:r>
+            <a:r>
+              <a:rPr lang="en" sz="1600" dirty="0" err="1"/>
+              <a:t>hình</a:t>
+            </a:r>
+            <a:r>
+              <a:rPr lang="en" sz="1600" dirty="0"/>
+              <a:t> </a:t>
+            </a:r>
+            <a:r>
+              <a:rPr lang="en" sz="1600" dirty="0" err="1"/>
+              <a:t>ảnh</a:t>
+            </a:r>
+            <a:r>
+              <a:rPr lang="en" sz="1600" dirty="0"/>
+              <a:t>.</a:t>
+            </a:r>
+            <a:endParaRPr sz="1600" dirty="0"/>
           </a:p>
           <a:p>
             <a:pPr marL="457200" lvl="0" indent="-330200" algn="l" rtl="0">
@@ -12036,10 +11885,86 @@
               <a:buChar char="●"/>
             </a:pPr>
             <a:r>
-              <a:rPr lang="en" sz="1600"/>
-              <a:t>Tóm tắt về đồ án và kết quả đạt được:</a:t>
-            </a:r>
-            <a:endParaRPr sz="1600"/>
+              <a:rPr lang="en" sz="1600" dirty="0" err="1"/>
+              <a:t>Tóm</a:t>
+            </a:r>
+            <a:r>
+              <a:rPr lang="en" sz="1600" dirty="0"/>
+              <a:t> </a:t>
+            </a:r>
+            <a:r>
+              <a:rPr lang="en" sz="1600" dirty="0" err="1"/>
+              <a:t>tắt</a:t>
+            </a:r>
+            <a:r>
+              <a:rPr lang="en" sz="1600" dirty="0"/>
+              <a:t> </a:t>
+            </a:r>
+            <a:r>
+              <a:rPr lang="en" sz="1600" dirty="0" err="1"/>
+              <a:t>về</a:t>
+            </a:r>
+            <a:r>
+              <a:rPr lang="en" sz="1600" dirty="0"/>
+              <a:t> </a:t>
+            </a:r>
+            <a:r>
+              <a:rPr lang="en" sz="1600" dirty="0" err="1"/>
+              <a:t>đồ</a:t>
+            </a:r>
+            <a:r>
+              <a:rPr lang="en" sz="1600" dirty="0"/>
+              <a:t> </a:t>
+            </a:r>
+            <a:r>
+              <a:rPr lang="en" sz="1600" dirty="0" err="1"/>
+              <a:t>án</a:t>
+            </a:r>
+            <a:r>
+              <a:rPr lang="en" sz="1600" dirty="0"/>
+              <a:t> </a:t>
+            </a:r>
+            <a:r>
+              <a:rPr lang="en" sz="1600" dirty="0" err="1"/>
+              <a:t>và</a:t>
+            </a:r>
+            <a:r>
+              <a:rPr lang="en" sz="1600" dirty="0"/>
+              <a:t> </a:t>
+            </a:r>
+            <a:r>
+              <a:rPr lang="en" sz="1600" dirty="0" err="1"/>
+              <a:t>kết</a:t>
+            </a:r>
+            <a:r>
+              <a:rPr lang="en" sz="1600" dirty="0"/>
+              <a:t> </a:t>
+            </a:r>
+            <a:r>
+              <a:rPr lang="en" sz="1600" dirty="0" err="1"/>
+              <a:t>quả</a:t>
+            </a:r>
+            <a:r>
+              <a:rPr lang="en" sz="1600" dirty="0"/>
+              <a:t> </a:t>
+            </a:r>
+            <a:r>
+              <a:rPr lang="en" sz="1600" dirty="0" err="1"/>
+              <a:t>đạt</a:t>
+            </a:r>
+            <a:r>
+              <a:rPr lang="en" sz="1600" dirty="0"/>
+              <a:t> </a:t>
+            </a:r>
+            <a:r>
+              <a:rPr lang="en" sz="1600" dirty="0" err="1"/>
+              <a:t>được</a:t>
+            </a:r>
+            <a:r>
+              <a:rPr lang="en" sz="1600" dirty="0"/>
+              <a:t>:</a:t>
+            </a:r>
+            <a:endParaRPr sz="1600" dirty="0"/>
           </a:p>
           <a:p>
             <a:pPr marL="914400" lvl="1" indent="-330200" algn="l" rtl="0">
@@ -12056,10 +11981,110 @@
               <a:buChar char="○"/>
             </a:pPr>
             <a:r>
-              <a:rPr lang="en" sz="1600"/>
-              <a:t>Ứng dụng: Nhận dạng loại trái cây dựa trên ảnh chụp bất kì.</a:t>
-            </a:r>
-            <a:endParaRPr sz="1600"/>
+              <a:rPr lang="en" sz="1600" dirty="0" err="1"/>
+              <a:t>Ứng</a:t>
+            </a:r>
+            <a:r>
+              <a:rPr lang="en" sz="1600" dirty="0"/>
+              <a:t> </a:t>
+            </a:r>
+            <a:r>
+              <a:rPr lang="en" sz="1600" dirty="0" err="1"/>
+              <a:t>dụng</a:t>
+            </a:r>
+            <a:r>
+              <a:rPr lang="en" sz="1600" dirty="0"/>
+              <a:t>: </a:t>
+            </a:r>
+            <a:r>
+              <a:rPr lang="en" sz="1600" dirty="0" err="1"/>
+              <a:t>Nhận</a:t>
+            </a:r>
+            <a:r>
+              <a:rPr lang="en" sz="1600" dirty="0"/>
+              <a:t> </a:t>
+            </a:r>
+            <a:r>
+              <a:rPr lang="en" sz="1600" dirty="0" err="1"/>
+              <a:t>dạng</a:t>
+            </a:r>
+            <a:r>
+              <a:rPr lang="en" sz="1600" dirty="0"/>
+              <a:t> </a:t>
+            </a:r>
+            <a:r>
+              <a:rPr lang="en" sz="1600" dirty="0" err="1"/>
+              <a:t>loại</a:t>
+            </a:r>
+            <a:r>
+              <a:rPr lang="en" sz="1600" dirty="0"/>
+              <a:t> </a:t>
+            </a:r>
+            <a:r>
+              <a:rPr lang="en" sz="1600" dirty="0" err="1"/>
+              <a:t>trái</a:t>
+            </a:r>
+            <a:r>
+              <a:rPr lang="en" sz="1600" dirty="0"/>
+              <a:t> </a:t>
+            </a:r>
+            <a:r>
+              <a:rPr lang="en" sz="1600" dirty="0" err="1"/>
+              <a:t>cây</a:t>
+            </a:r>
+            <a:r>
+              <a:rPr lang="en" sz="1600" dirty="0"/>
+              <a:t> </a:t>
+            </a:r>
+            <a:r>
+              <a:rPr lang="en" sz="1600" dirty="0" err="1"/>
+              <a:t>dựa</a:t>
+            </a:r>
+            <a:r>
+              <a:rPr lang="en" sz="1600" dirty="0"/>
+              <a:t> </a:t>
+            </a:r>
+            <a:r>
+              <a:rPr lang="en" sz="1600" dirty="0" err="1"/>
+              <a:t>trên</a:t>
+            </a:r>
+            <a:r>
+              <a:rPr lang="en" sz="1600" dirty="0"/>
+              <a:t> </a:t>
+            </a:r>
+            <a:r>
+              <a:rPr lang="en" sz="1600" dirty="0" err="1"/>
+              <a:t>ảnh</a:t>
+            </a:r>
+            <a:r>
+              <a:rPr lang="en" sz="1600" dirty="0"/>
+              <a:t> </a:t>
+            </a:r>
+            <a:r>
+              <a:rPr lang="en" sz="1600" dirty="0" err="1"/>
+              <a:t>chụp</a:t>
+            </a:r>
+            <a:r>
+              <a:rPr lang="en" sz="1600" dirty="0"/>
+              <a:t> </a:t>
+            </a:r>
+            <a:r>
+              <a:rPr lang="en" sz="1600" dirty="0" err="1"/>
+              <a:t>bất</a:t>
+            </a:r>
+            <a:r>
+              <a:rPr lang="en" sz="1600" dirty="0"/>
+              <a:t> </a:t>
+            </a:r>
+            <a:r>
+              <a:rPr lang="en" sz="1600" dirty="0" err="1"/>
+              <a:t>kì</a:t>
+            </a:r>
+            <a:r>
+              <a:rPr lang="en" sz="1600" dirty="0"/>
+              <a:t>.</a:t>
+            </a:r>
+            <a:endParaRPr sz="1600" dirty="0"/>
           </a:p>
           <a:p>
             <a:pPr marL="914400" lvl="1" indent="-330200" algn="l" rtl="0">
@@ -12076,10 +12101,46 @@
               <a:buChar char="○"/>
             </a:pPr>
             <a:r>
-              <a:rPr lang="en" sz="1600"/>
-              <a:t>Sử dụng: Tensorflow v2 cùng với EfficientDet model</a:t>
-            </a:r>
-            <a:endParaRPr sz="1600"/>
+              <a:rPr lang="en" sz="1600" dirty="0" err="1"/>
+              <a:t>Sử</a:t>
+            </a:r>
+            <a:r>
+              <a:rPr lang="en" sz="1600" dirty="0"/>
+              <a:t> </a:t>
+            </a:r>
+            <a:r>
+              <a:rPr lang="en" sz="1600" dirty="0" err="1"/>
+              <a:t>dụng</a:t>
+            </a:r>
+            <a:r>
+              <a:rPr lang="en" sz="1600" dirty="0"/>
+              <a:t>: </a:t>
+            </a:r>
+            <a:r>
+              <a:rPr lang="en" sz="1600" dirty="0" err="1"/>
+              <a:t>Tensorflow</a:t>
+            </a:r>
+            <a:r>
+              <a:rPr lang="en" sz="1600" dirty="0"/>
+              <a:t> v2 </a:t>
+            </a:r>
+            <a:r>
+              <a:rPr lang="en" sz="1600" dirty="0" err="1"/>
+              <a:t>cùng</a:t>
+            </a:r>
+            <a:r>
+              <a:rPr lang="en" sz="1600" dirty="0"/>
+              <a:t> </a:t>
+            </a:r>
+            <a:r>
+              <a:rPr lang="en" sz="1600" dirty="0" err="1"/>
+              <a:t>với</a:t>
+            </a:r>
+            <a:r>
+              <a:rPr lang="en" sz="1600" dirty="0"/>
+              <a:t> EfficientDet-d0 model</a:t>
+            </a:r>
+            <a:endParaRPr sz="1600" dirty="0"/>
           </a:p>
           <a:p>
             <a:pPr marL="914400" lvl="1" indent="-330200" algn="l" rtl="0">
@@ -12096,10 +12157,118 @@
               <a:buChar char="○"/>
             </a:pPr>
             <a:r>
-              <a:rPr lang="en" sz="1600"/>
-              <a:t>Kết quả: độ chính xác đạt được trong quá trình training và testing lần lượt là _________.</a:t>
-            </a:r>
-            <a:endParaRPr sz="1600"/>
+              <a:rPr lang="en" sz="1600" dirty="0" err="1"/>
+              <a:t>Kết</a:t>
+            </a:r>
+            <a:r>
+              <a:rPr lang="en" sz="1600" dirty="0"/>
+              <a:t> </a:t>
+            </a:r>
+            <a:r>
+              <a:rPr lang="en" sz="1600" dirty="0" err="1"/>
+              <a:t>quả</a:t>
+            </a:r>
+            <a:r>
+              <a:rPr lang="en" sz="1600" dirty="0"/>
+              <a:t>: </a:t>
+            </a:r>
+            <a:r>
+              <a:rPr lang="en" sz="1600" dirty="0" err="1"/>
+              <a:t>độ</a:t>
+            </a:r>
+            <a:r>
+              <a:rPr lang="en" sz="1600" dirty="0"/>
+              <a:t> </a:t>
+            </a:r>
+            <a:r>
+              <a:rPr lang="en" sz="1600" dirty="0" err="1"/>
+              <a:t>chính</a:t>
+            </a:r>
+            <a:r>
+              <a:rPr lang="en" sz="1600" dirty="0"/>
+              <a:t> </a:t>
+            </a:r>
+            <a:r>
+              <a:rPr lang="en" sz="1600" dirty="0" err="1"/>
+              <a:t>xác</a:t>
+            </a:r>
+            <a:r>
+              <a:rPr lang="en" sz="1600" dirty="0"/>
+              <a:t> </a:t>
+            </a:r>
+            <a:r>
+              <a:rPr lang="en" sz="1600" dirty="0" err="1"/>
+              <a:t>đạt</a:t>
+            </a:r>
+            <a:r>
+              <a:rPr lang="en" sz="1600" dirty="0"/>
+              <a:t> </a:t>
+            </a:r>
+            <a:r>
+              <a:rPr lang="en" sz="1600" dirty="0" err="1"/>
+              <a:t>được</a:t>
+            </a:r>
+            <a:r>
+              <a:rPr lang="en" sz="1600" dirty="0"/>
+              <a:t> </a:t>
+            </a:r>
+            <a:r>
+              <a:rPr lang="en" sz="1600" dirty="0" err="1"/>
+              <a:t>trong</a:t>
+            </a:r>
+            <a:r>
+              <a:rPr lang="en" sz="1600" dirty="0"/>
+              <a:t> </a:t>
+            </a:r>
+            <a:r>
+              <a:rPr lang="en" sz="1600" dirty="0" err="1"/>
+              <a:t>quá</a:t>
+            </a:r>
+            <a:r>
+              <a:rPr lang="en" sz="1600" dirty="0"/>
+              <a:t> </a:t>
+            </a:r>
+            <a:r>
+              <a:rPr lang="en" sz="1600" dirty="0" err="1"/>
+              <a:t>trình</a:t>
+            </a:r>
+            <a:r>
+              <a:rPr lang="en" sz="1600" dirty="0"/>
+              <a:t> training </a:t>
+            </a:r>
+            <a:r>
+              <a:rPr lang="en" sz="1600" dirty="0" err="1"/>
+              <a:t>và</a:t>
+            </a:r>
+            <a:r>
+              <a:rPr lang="en" sz="1600" dirty="0"/>
+              <a:t> testing </a:t>
+            </a:r>
+            <a:r>
+              <a:rPr lang="en" sz="1600" dirty="0" err="1"/>
+              <a:t>lần</a:t>
+            </a:r>
+            <a:r>
+              <a:rPr lang="en" sz="1600" dirty="0"/>
+              <a:t> </a:t>
+            </a:r>
+            <a:r>
+              <a:rPr lang="en" sz="1600" dirty="0" err="1"/>
+              <a:t>lượt</a:t>
+            </a:r>
+            <a:r>
+              <a:rPr lang="en" sz="1600" dirty="0"/>
+              <a:t> </a:t>
+            </a:r>
+            <a:r>
+              <a:rPr lang="en" sz="1600" dirty="0" err="1"/>
+              <a:t>là</a:t>
+            </a:r>
+            <a:r>
+              <a:rPr lang="en" sz="1600" dirty="0"/>
+              <a:t> _________.</a:t>
+            </a:r>
+            <a:endParaRPr sz="1600" dirty="0"/>
           </a:p>
         </p:txBody>
       </p:sp>
@@ -12112,144 +12281,6 @@
 </file>
 
 <file path=ppt/slides/slide4.xml><?xml version="1.0" encoding="utf-8"?>
-<p:sld xmlns:a="http://schemas.openxmlformats.org/drawingml/2006/main" xmlns:r="http://schemas.openxmlformats.org/officeDocument/2006/relationships" xmlns:p="http://schemas.openxmlformats.org/presentationml/2006/main">
-  <p:cSld>
-    <p:spTree>
-      <p:nvGrpSpPr>
-        <p:cNvPr id="1" name="Shape 83"/>
-        <p:cNvGrpSpPr/>
-        <p:nvPr/>
-      </p:nvGrpSpPr>
-      <p:grpSpPr>
-        <a:xfrm>
-          <a:off x="0" y="0"/>
-          <a:ext cx="0" cy="0"/>
-          <a:chOff x="0" y="0"/>
-          <a:chExt cx="0" cy="0"/>
-        </a:xfrm>
-      </p:grpSpPr>
-      <p:sp>
-        <p:nvSpPr>
-          <p:cNvPr id="84" name="Google Shape;84;gbb7498ad44_0_16"/>
-          <p:cNvSpPr txBox="1">
-            <a:spLocks noGrp="1"/>
-          </p:cNvSpPr>
-          <p:nvPr>
-            <p:ph type="title"/>
-          </p:nvPr>
-        </p:nvSpPr>
-        <p:spPr>
-          <a:xfrm>
-            <a:off x="471900" y="57875"/>
-            <a:ext cx="8222100" cy="670500"/>
-          </a:xfrm>
-          <a:prstGeom prst="rect">
-            <a:avLst/>
-          </a:prstGeom>
-        </p:spPr>
-        <p:txBody>
-          <a:bodyPr spcFirstLastPara="1" wrap="square" lIns="91425" tIns="91425" rIns="91425" bIns="91425" anchor="b" anchorCtr="0">
-            <a:noAutofit/>
-          </a:bodyPr>
-          <a:lstStyle/>
-          <a:p>
-            <a:pPr marL="0" lvl="0" indent="0" algn="l" rtl="0">
-              <a:spcBef>
-                <a:spcPts val="0"/>
-              </a:spcBef>
-              <a:spcAft>
-                <a:spcPts val="0"/>
-              </a:spcAft>
-              <a:buNone/>
-            </a:pPr>
-            <a:r>
-              <a:rPr lang="en" b="1"/>
-              <a:t>Tóm Tắt</a:t>
-            </a:r>
-            <a:endParaRPr b="1"/>
-          </a:p>
-        </p:txBody>
-      </p:sp>
-      <p:sp>
-        <p:nvSpPr>
-          <p:cNvPr id="85" name="Google Shape;85;gbb7498ad44_0_16"/>
-          <p:cNvSpPr txBox="1">
-            <a:spLocks noGrp="1"/>
-          </p:cNvSpPr>
-          <p:nvPr>
-            <p:ph type="body" idx="1"/>
-          </p:nvPr>
-        </p:nvSpPr>
-        <p:spPr>
-          <a:xfrm>
-            <a:off x="471900" y="820500"/>
-            <a:ext cx="8222100" cy="3908400"/>
-          </a:xfrm>
-          <a:prstGeom prst="rect">
-            <a:avLst/>
-          </a:prstGeom>
-        </p:spPr>
-        <p:txBody>
-          <a:bodyPr spcFirstLastPara="1" wrap="square" lIns="91425" tIns="91425" rIns="91425" bIns="91425" anchor="t" anchorCtr="0">
-            <a:noAutofit/>
-          </a:bodyPr>
-          <a:lstStyle/>
-          <a:p>
-            <a:pPr marL="457200" lvl="0" indent="-368300" algn="l" rtl="0">
-              <a:spcBef>
-                <a:spcPts val="0"/>
-              </a:spcBef>
-              <a:spcAft>
-                <a:spcPts val="0"/>
-              </a:spcAft>
-              <a:buSzPts val="2200"/>
-              <a:buChar char="●"/>
-            </a:pPr>
-            <a:r>
-              <a:rPr lang="en" sz="1600"/>
-              <a:t>EfficientDet được coi là state-of-the-art ở thời điểm hiện tại để giải quyết bài toán Object Detection.</a:t>
-            </a:r>
-            <a:endParaRPr/>
-          </a:p>
-        </p:txBody>
-      </p:sp>
-      <p:pic>
-        <p:nvPicPr>
-          <p:cNvPr id="86" name="Google Shape;86;gbb7498ad44_0_16"/>
-          <p:cNvPicPr preferRelativeResize="0"/>
-          <p:nvPr/>
-        </p:nvPicPr>
-        <p:blipFill>
-          <a:blip r:embed="rId3">
-            <a:alphaModFix/>
-          </a:blip>
-          <a:stretch>
-            <a:fillRect/>
-          </a:stretch>
-        </p:blipFill>
-        <p:spPr>
-          <a:xfrm>
-            <a:off x="2952750" y="1736225"/>
-            <a:ext cx="3238500" cy="2752725"/>
-          </a:xfrm>
-          <a:prstGeom prst="rect">
-            <a:avLst/>
-          </a:prstGeom>
-          <a:noFill/>
-          <a:ln>
-            <a:noFill/>
-          </a:ln>
-        </p:spPr>
-      </p:pic>
-    </p:spTree>
-  </p:cSld>
-  <p:clrMapOvr>
-    <a:masterClrMapping/>
-  </p:clrMapOvr>
-</p:sld>
-</file>
-
-<file path=ppt/slides/slide5.xml><?xml version="1.0" encoding="utf-8"?>
 <p:sld xmlns:a="http://schemas.openxmlformats.org/drawingml/2006/main" xmlns:r="http://schemas.openxmlformats.org/officeDocument/2006/relationships" xmlns:p="http://schemas.openxmlformats.org/presentationml/2006/main">
   <p:cSld>
     <p:spTree>
@@ -12363,10 +12394,122 @@
               <a:buChar char="●"/>
             </a:pPr>
             <a:r>
-              <a:rPr lang="en" sz="1600"/>
-              <a:t>Input: ảnh chứa 1 trong 6 loại trái cây sau: thanh long, măng cụt, mận, ổi, xoài, khế.</a:t>
-            </a:r>
-            <a:endParaRPr sz="1600"/>
+              <a:rPr lang="en" sz="1600" dirty="0"/>
+              <a:t>Input: </a:t>
+            </a:r>
+            <a:r>
+              <a:rPr lang="en" sz="1600" dirty="0" err="1"/>
+              <a:t>ảnh</a:t>
+            </a:r>
+            <a:r>
+              <a:rPr lang="en" sz="1600" dirty="0"/>
+              <a:t> </a:t>
+            </a:r>
+            <a:r>
+              <a:rPr lang="en" sz="1600" dirty="0" err="1"/>
+              <a:t>chứa</a:t>
+            </a:r>
+            <a:r>
+              <a:rPr lang="en" sz="1600" dirty="0"/>
+              <a:t> 1 </a:t>
+            </a:r>
+            <a:r>
+              <a:rPr lang="en" sz="1600" dirty="0" err="1"/>
+              <a:t>trong</a:t>
+            </a:r>
+            <a:r>
+              <a:rPr lang="en" sz="1600" dirty="0"/>
+              <a:t> 6 </a:t>
+            </a:r>
+            <a:r>
+              <a:rPr lang="en" sz="1600" dirty="0" err="1"/>
+              <a:t>loại</a:t>
+            </a:r>
+            <a:r>
+              <a:rPr lang="en" sz="1600" dirty="0"/>
+              <a:t> </a:t>
+            </a:r>
+            <a:r>
+              <a:rPr lang="en" sz="1600" dirty="0" err="1"/>
+              <a:t>trái</a:t>
+            </a:r>
+            <a:r>
+              <a:rPr lang="en" sz="1600" dirty="0"/>
+              <a:t> </a:t>
+            </a:r>
+            <a:r>
+              <a:rPr lang="en" sz="1600" dirty="0" err="1"/>
+              <a:t>cây</a:t>
+            </a:r>
+            <a:r>
+              <a:rPr lang="en" sz="1600" dirty="0"/>
+              <a:t> </a:t>
+            </a:r>
+            <a:r>
+              <a:rPr lang="en" sz="1600" dirty="0" err="1"/>
+              <a:t>sau</a:t>
+            </a:r>
+            <a:r>
+              <a:rPr lang="en" sz="1600" dirty="0"/>
+              <a:t>: </a:t>
+            </a:r>
+            <a:r>
+              <a:rPr lang="en" sz="1600" dirty="0" err="1"/>
+              <a:t>thanh</a:t>
+            </a:r>
+            <a:r>
+              <a:rPr lang="en" sz="1600" dirty="0"/>
+              <a:t> long, </a:t>
+            </a:r>
+            <a:r>
+              <a:rPr lang="en" sz="1600" dirty="0" err="1"/>
+              <a:t>măng</a:t>
+            </a:r>
+            <a:r>
+              <a:rPr lang="en" sz="1600" dirty="0"/>
+              <a:t> </a:t>
+            </a:r>
+            <a:r>
+              <a:rPr lang="en" sz="1600" dirty="0" err="1"/>
+              <a:t>cụt</a:t>
+            </a:r>
+            <a:r>
+              <a:rPr lang="en" sz="1600" dirty="0"/>
+              <a:t>, </a:t>
+            </a:r>
+            <a:r>
+              <a:rPr lang="en" sz="1600" dirty="0" err="1"/>
+              <a:t>mận</a:t>
+            </a:r>
+            <a:r>
+              <a:rPr lang="en" sz="1600" dirty="0"/>
+              <a:t>, </a:t>
+            </a:r>
+            <a:r>
+              <a:rPr lang="en" sz="1600" dirty="0" err="1"/>
+              <a:t>ổi</a:t>
+            </a:r>
+            <a:r>
+              <a:rPr lang="en" sz="1600" dirty="0"/>
+              <a:t>, </a:t>
+            </a:r>
+            <a:r>
+              <a:rPr lang="en" sz="1600" dirty="0" err="1"/>
+              <a:t>xoài</a:t>
+            </a:r>
+            <a:r>
+              <a:rPr lang="en" sz="1600" dirty="0"/>
+              <a:t>, </a:t>
+            </a:r>
+            <a:r>
+              <a:rPr lang="en" sz="1600" dirty="0" err="1"/>
+              <a:t>khế</a:t>
+            </a:r>
+            <a:r>
+              <a:rPr lang="en" sz="1600" dirty="0"/>
+              <a:t>.</a:t>
+            </a:r>
+            <a:endParaRPr sz="1600" dirty="0"/>
           </a:p>
           <a:p>
             <a:pPr marL="457200" lvl="0" indent="-330200" algn="l" rtl="0">
@@ -12383,10 +12526,130 @@
               <a:buChar char="●"/>
             </a:pPr>
             <a:r>
-              <a:rPr lang="en" sz="1600"/>
-              <a:t>Output: Bounding box của loại trái cây nhận diện được cùng với tên của loại trái cây đó.</a:t>
-            </a:r>
-            <a:endParaRPr sz="1600"/>
+              <a:rPr lang="en" sz="1600" dirty="0"/>
+              <a:t>Output: Bounding box </a:t>
+            </a:r>
+            <a:r>
+              <a:rPr lang="en" sz="1600" dirty="0" err="1"/>
+              <a:t>của</a:t>
+            </a:r>
+            <a:r>
+              <a:rPr lang="en" sz="1600" dirty="0"/>
+              <a:t> </a:t>
+            </a:r>
+            <a:r>
+              <a:rPr lang="en" sz="1600" dirty="0" err="1"/>
+              <a:t>loại</a:t>
+            </a:r>
+            <a:r>
+              <a:rPr lang="en" sz="1600" dirty="0"/>
+              <a:t> </a:t>
+            </a:r>
+            <a:r>
+              <a:rPr lang="en" sz="1600" dirty="0" err="1"/>
+              <a:t>trái</a:t>
+            </a:r>
+            <a:r>
+              <a:rPr lang="en" sz="1600" dirty="0"/>
+              <a:t> </a:t>
+            </a:r>
+            <a:r>
+              <a:rPr lang="en" sz="1600" dirty="0" err="1"/>
+              <a:t>cây</a:t>
+            </a:r>
+            <a:r>
+              <a:rPr lang="en" sz="1600" dirty="0"/>
+              <a:t> </a:t>
+            </a:r>
+            <a:r>
+              <a:rPr lang="en" sz="1600" dirty="0" err="1"/>
+              <a:t>nhận</a:t>
+            </a:r>
+            <a:r>
+              <a:rPr lang="en" sz="1600" dirty="0"/>
+              <a:t> </a:t>
+            </a:r>
+            <a:r>
+              <a:rPr lang="en" sz="1600" dirty="0" err="1"/>
+              <a:t>diện</a:t>
+            </a:r>
+            <a:r>
+              <a:rPr lang="en" sz="1600" dirty="0"/>
+              <a:t> </a:t>
+            </a:r>
+            <a:r>
+              <a:rPr lang="en" sz="1600" dirty="0" err="1"/>
+              <a:t>được</a:t>
+            </a:r>
+            <a:r>
+              <a:rPr lang="en" sz="1600" dirty="0"/>
+              <a:t> </a:t>
+            </a:r>
+            <a:r>
+              <a:rPr lang="en" sz="1600" dirty="0" err="1"/>
+              <a:t>cùng</a:t>
+            </a:r>
+            <a:r>
+              <a:rPr lang="en" sz="1600" dirty="0"/>
+              <a:t> </a:t>
+            </a:r>
+            <a:r>
+              <a:rPr lang="en" sz="1600" dirty="0" err="1"/>
+              <a:t>với</a:t>
+            </a:r>
+            <a:r>
+              <a:rPr lang="en" sz="1600" dirty="0"/>
+              <a:t> </a:t>
+            </a:r>
+            <a:r>
+              <a:rPr lang="en" sz="1600" dirty="0" err="1"/>
+              <a:t>tên</a:t>
+            </a:r>
+            <a:r>
+              <a:rPr lang="en" sz="1600" dirty="0"/>
+              <a:t> </a:t>
+            </a:r>
+            <a:r>
+              <a:rPr lang="en" sz="1600" dirty="0" err="1"/>
+              <a:t>của</a:t>
+            </a:r>
+            <a:r>
+              <a:rPr lang="en" sz="1600" dirty="0"/>
+              <a:t> </a:t>
+            </a:r>
+            <a:r>
+              <a:rPr lang="en" sz="1600" dirty="0" err="1"/>
+              <a:t>loại</a:t>
+            </a:r>
+            <a:r>
+              <a:rPr lang="en" sz="1600" dirty="0"/>
+              <a:t> </a:t>
+            </a:r>
+            <a:r>
+              <a:rPr lang="en" sz="1600" dirty="0" err="1"/>
+              <a:t>trái</a:t>
+            </a:r>
+            <a:r>
+              <a:rPr lang="en" sz="1600" dirty="0"/>
+              <a:t> </a:t>
+            </a:r>
+            <a:r>
+              <a:rPr lang="en" sz="1600" dirty="0" err="1"/>
+              <a:t>cây</a:t>
+            </a:r>
+            <a:r>
+              <a:rPr lang="en" sz="1600" dirty="0"/>
+              <a:t> </a:t>
+            </a:r>
+            <a:r>
+              <a:rPr lang="en" sz="1600" dirty="0" err="1"/>
+              <a:t>đó</a:t>
+            </a:r>
+            <a:r>
+              <a:rPr lang="en" sz="1600" dirty="0"/>
+              <a:t>.</a:t>
+            </a:r>
+            <a:endParaRPr sz="1600" dirty="0"/>
           </a:p>
           <a:p>
             <a:pPr marL="457200" lvl="0" indent="-330200" algn="l" rtl="0">
@@ -12400,10 +12663,46 @@
               <a:buChar char="●"/>
             </a:pPr>
             <a:r>
-              <a:rPr lang="en" sz="1600"/>
-              <a:t>Công cụ được sử dụng:</a:t>
-            </a:r>
-            <a:endParaRPr sz="1600"/>
+              <a:rPr lang="en" sz="1600" dirty="0" err="1"/>
+              <a:t>Công</a:t>
+            </a:r>
+            <a:r>
+              <a:rPr lang="en" sz="1600" dirty="0"/>
+              <a:t> </a:t>
+            </a:r>
+            <a:r>
+              <a:rPr lang="en" sz="1600" dirty="0" err="1"/>
+              <a:t>cụ</a:t>
+            </a:r>
+            <a:r>
+              <a:rPr lang="en" sz="1600" dirty="0"/>
+              <a:t> </a:t>
+            </a:r>
+            <a:r>
+              <a:rPr lang="en" sz="1600" dirty="0" err="1"/>
+              <a:t>được</a:t>
+            </a:r>
+            <a:r>
+              <a:rPr lang="en" sz="1600" dirty="0"/>
+              <a:t> </a:t>
+            </a:r>
+            <a:r>
+              <a:rPr lang="en" sz="1600" dirty="0" err="1"/>
+              <a:t>sử</a:t>
+            </a:r>
+            <a:r>
+              <a:rPr lang="en" sz="1600" dirty="0"/>
+              <a:t> </a:t>
+            </a:r>
+            <a:r>
+              <a:rPr lang="en" sz="1600" dirty="0" err="1"/>
+              <a:t>dụng</a:t>
+            </a:r>
+            <a:r>
+              <a:rPr lang="en" sz="1600" dirty="0"/>
+              <a:t>:</a:t>
+            </a:r>
+            <a:endParaRPr sz="1600" dirty="0"/>
           </a:p>
           <a:p>
             <a:pPr marL="914400" lvl="1" indent="-330200" algn="l" rtl="0">
@@ -12417,10 +12716,14 @@
               <a:buChar char="○"/>
             </a:pPr>
             <a:r>
-              <a:rPr lang="en" sz="1600"/>
-              <a:t>Tensorflow v2</a:t>
-            </a:r>
-            <a:endParaRPr sz="1600"/>
+              <a:rPr lang="en" sz="1600" dirty="0" err="1"/>
+              <a:t>Tensorflow</a:t>
+            </a:r>
+            <a:r>
+              <a:rPr lang="en" sz="1600" dirty="0"/>
+              <a:t> v2</a:t>
+            </a:r>
+            <a:endParaRPr sz="1600" dirty="0"/>
           </a:p>
           <a:p>
             <a:pPr marL="914400" lvl="1" indent="-330200" algn="l" rtl="0">
@@ -12434,10 +12737,10 @@
               <a:buChar char="○"/>
             </a:pPr>
             <a:r>
-              <a:rPr lang="en" sz="1600"/>
-              <a:t>EfficientDet model</a:t>
-            </a:r>
-            <a:endParaRPr sz="1600"/>
+              <a:rPr lang="en" sz="1600" dirty="0"/>
+              <a:t>EfficientDet-d0 model</a:t>
+            </a:r>
+            <a:endParaRPr sz="1600" dirty="0"/>
           </a:p>
           <a:p>
             <a:pPr marL="914400" lvl="1" indent="-330200" algn="l" rtl="0">
@@ -12451,10 +12754,14 @@
               <a:buChar char="○"/>
             </a:pPr>
             <a:r>
-              <a:rPr lang="en" sz="1600"/>
-              <a:t>Google Colab</a:t>
-            </a:r>
-            <a:endParaRPr sz="1600"/>
+              <a:rPr lang="en" sz="1600" dirty="0"/>
+              <a:t>Google </a:t>
+            </a:r>
+            <a:r>
+              <a:rPr lang="en" sz="1600" dirty="0" err="1"/>
+              <a:t>Colab</a:t>
+            </a:r>
+            <a:endParaRPr sz="1600" dirty="0"/>
           </a:p>
           <a:p>
             <a:pPr marL="457200" lvl="0" indent="-330200" algn="l" rtl="0">
@@ -12471,10 +12778,30 @@
               <a:buChar char="●"/>
             </a:pPr>
             <a:r>
-              <a:rPr lang="en" sz="1600"/>
-              <a:t>Hướng tiếp cận:</a:t>
-            </a:r>
-            <a:endParaRPr sz="1600"/>
+              <a:rPr lang="en" sz="1600" dirty="0" err="1"/>
+              <a:t>Hướng</a:t>
+            </a:r>
+            <a:r>
+              <a:rPr lang="en" sz="1600" dirty="0"/>
+              <a:t> </a:t>
+            </a:r>
+            <a:r>
+              <a:rPr lang="en" sz="1600" dirty="0" err="1"/>
+              <a:t>tiếp</a:t>
+            </a:r>
+            <a:r>
+              <a:rPr lang="en" sz="1600" dirty="0"/>
+              <a:t> </a:t>
+            </a:r>
+            <a:r>
+              <a:rPr lang="en" sz="1600" dirty="0" err="1"/>
+              <a:t>cận</a:t>
+            </a:r>
+            <a:r>
+              <a:rPr lang="en" sz="1600" dirty="0"/>
+              <a:t>:</a:t>
+            </a:r>
+            <a:endParaRPr sz="1600" dirty="0"/>
           </a:p>
           <a:p>
             <a:pPr marL="914400" lvl="1" indent="-330200" algn="l" rtl="0">
@@ -12491,10 +12818,82 @@
               <a:buChar char="○"/>
             </a:pPr>
             <a:r>
-              <a:rPr lang="en" sz="1600"/>
-              <a:t>Thu thập bộ dữ liệu gồm của 6 loại trái cây.</a:t>
-            </a:r>
-            <a:endParaRPr sz="1600"/>
+              <a:rPr lang="en" sz="1600" dirty="0"/>
+              <a:t>Thu </a:t>
+            </a:r>
+            <a:r>
+              <a:rPr lang="en" sz="1600" dirty="0" err="1"/>
+              <a:t>thập</a:t>
+            </a:r>
+            <a:r>
+              <a:rPr lang="en" sz="1600" dirty="0"/>
+              <a:t> </a:t>
+            </a:r>
+            <a:r>
+              <a:rPr lang="en" sz="1600" dirty="0" err="1"/>
+              <a:t>bộ</a:t>
+            </a:r>
+            <a:r>
+              <a:rPr lang="en" sz="1600" dirty="0"/>
+              <a:t> </a:t>
+            </a:r>
+            <a:r>
+              <a:rPr lang="en" sz="1600" dirty="0" err="1"/>
+              <a:t>dữ</a:t>
+            </a:r>
+            <a:r>
+              <a:rPr lang="en" sz="1600" dirty="0"/>
+              <a:t> </a:t>
+            </a:r>
+            <a:r>
+              <a:rPr lang="en" sz="1600" dirty="0" err="1"/>
+              <a:t>liệu</a:t>
+            </a:r>
+            <a:r>
+              <a:rPr lang="en" sz="1600" dirty="0"/>
+              <a:t> </a:t>
+            </a:r>
+            <a:r>
+              <a:rPr lang="en" sz="1600" dirty="0" err="1"/>
+              <a:t>gồm</a:t>
+            </a:r>
+            <a:r>
+              <a:rPr lang="en" sz="1600" dirty="0"/>
+              <a:t> </a:t>
+            </a:r>
+            <a:r>
+              <a:rPr lang="en" sz="1600" dirty="0" err="1"/>
+              <a:t>của</a:t>
+            </a:r>
+            <a:r>
+              <a:rPr lang="en" sz="1600" dirty="0"/>
+              <a:t> 6 </a:t>
+            </a:r>
+            <a:r>
+              <a:rPr lang="en" sz="1600" dirty="0" err="1"/>
+              <a:t>loại</a:t>
+            </a:r>
+            <a:r>
+              <a:rPr lang="en" sz="1600" dirty="0"/>
+              <a:t> </a:t>
+            </a:r>
+            <a:r>
+              <a:rPr lang="en" sz="1600" dirty="0" err="1"/>
+              <a:t>trái</a:t>
+            </a:r>
+            <a:r>
+              <a:rPr lang="en" sz="1600" dirty="0"/>
+              <a:t> </a:t>
+            </a:r>
+            <a:r>
+              <a:rPr lang="en" sz="1600" dirty="0" err="1"/>
+              <a:t>cây</a:t>
+            </a:r>
+            <a:r>
+              <a:rPr lang="en" sz="1600" dirty="0"/>
+              <a:t>.</a:t>
+            </a:r>
+            <a:endParaRPr sz="1600" dirty="0"/>
           </a:p>
           <a:p>
             <a:pPr marL="914400" lvl="1" indent="-330200" algn="l" rtl="0">
@@ -12511,10 +12910,130 @@
               <a:buChar char="○"/>
             </a:pPr>
             <a:r>
-              <a:rPr lang="en" sz="1600"/>
-              <a:t>Train EfficientDet - một loại model trong Tensorflow v2 chuyên cho tác vụ Object Detection - với tập dữ liệu đã thu thập.</a:t>
-            </a:r>
-            <a:endParaRPr sz="1600"/>
+              <a:rPr lang="en" sz="1600" dirty="0"/>
+              <a:t>Train EfficientDet-d0 - </a:t>
+            </a:r>
+            <a:r>
+              <a:rPr lang="en" sz="1600" dirty="0" err="1"/>
+              <a:t>một</a:t>
+            </a:r>
+            <a:r>
+              <a:rPr lang="en" sz="1600" dirty="0"/>
+              <a:t> </a:t>
+            </a:r>
+            <a:r>
+              <a:rPr lang="en" sz="1600" dirty="0" err="1"/>
+              <a:t>loại</a:t>
+            </a:r>
+            <a:r>
+              <a:rPr lang="en" sz="1600" dirty="0"/>
+              <a:t> model </a:t>
+            </a:r>
+            <a:r>
+              <a:rPr lang="en" sz="1600" dirty="0" err="1"/>
+              <a:t>trong</a:t>
+            </a:r>
+            <a:r>
+              <a:rPr lang="en" sz="1600" dirty="0"/>
+              <a:t> </a:t>
+            </a:r>
+            <a:r>
+              <a:rPr lang="en" sz="1600" dirty="0" err="1"/>
+              <a:t>Tensorflow</a:t>
+            </a:r>
+            <a:r>
+              <a:rPr lang="en" sz="1600" dirty="0"/>
+              <a:t> v2 </a:t>
+            </a:r>
+            <a:r>
+              <a:rPr lang="en" sz="1600" dirty="0" err="1"/>
+              <a:t>chuyên</a:t>
+            </a:r>
+            <a:r>
+              <a:rPr lang="en" sz="1600" dirty="0"/>
+              <a:t> </a:t>
+            </a:r>
+            <a:r>
+              <a:rPr lang="en" sz="1600" dirty="0" err="1"/>
+              <a:t>cho</a:t>
+            </a:r>
+            <a:r>
+              <a:rPr lang="en" sz="1600" dirty="0"/>
+              <a:t> </a:t>
+            </a:r>
+            <a:r>
+              <a:rPr lang="en" sz="1600" dirty="0" err="1"/>
+              <a:t>tác</a:t>
+            </a:r>
+            <a:r>
+              <a:rPr lang="en" sz="1600" dirty="0"/>
+              <a:t> </a:t>
+            </a:r>
+            <a:r>
+              <a:rPr lang="en" sz="1600" dirty="0" err="1"/>
+              <a:t>vụ</a:t>
+            </a:r>
+            <a:r>
+              <a:rPr lang="en" sz="1600" dirty="0"/>
+              <a:t> Object Detection - </a:t>
+            </a:r>
+            <a:r>
+              <a:rPr lang="en" sz="1600" dirty="0" err="1"/>
+              <a:t>với</a:t>
+            </a:r>
+            <a:r>
+              <a:rPr lang="en" sz="1600" dirty="0"/>
+              <a:t> </a:t>
+            </a:r>
+            <a:r>
+              <a:rPr lang="en" sz="1600" dirty="0" err="1"/>
+              <a:t>tập</a:t>
+            </a:r>
+            <a:r>
+              <a:rPr lang="en" sz="1600" dirty="0"/>
+              <a:t> </a:t>
+            </a:r>
+            <a:r>
+              <a:rPr lang="en" sz="1600" dirty="0" err="1"/>
+              <a:t>dữ</a:t>
+            </a:r>
+            <a:r>
+              <a:rPr lang="en" sz="1600" dirty="0"/>
+              <a:t> </a:t>
+            </a:r>
+            <a:r>
+              <a:rPr lang="en" sz="1600" dirty="0" err="1"/>
+              <a:t>liệu</a:t>
+            </a:r>
+            <a:r>
+              <a:rPr lang="en" sz="1600" dirty="0"/>
+              <a:t> </a:t>
+            </a:r>
+            <a:r>
+              <a:rPr lang="en" sz="1600" dirty="0" err="1"/>
+              <a:t>đã</a:t>
+            </a:r>
+            <a:r>
+              <a:rPr lang="en" sz="1600" dirty="0"/>
+              <a:t> </a:t>
+            </a:r>
+            <a:r>
+              <a:rPr lang="en" sz="1600" dirty="0" err="1"/>
+              <a:t>thu</a:t>
+            </a:r>
+            <a:r>
+              <a:rPr lang="en" sz="1600" dirty="0"/>
+              <a:t> </a:t>
+            </a:r>
+            <a:r>
+              <a:rPr lang="en" sz="1600" dirty="0" err="1"/>
+              <a:t>thập</a:t>
+            </a:r>
+            <a:r>
+              <a:rPr lang="en" sz="1600" dirty="0"/>
+              <a:t>.</a:t>
+            </a:r>
+            <a:endParaRPr sz="1600" dirty="0"/>
           </a:p>
           <a:p>
             <a:pPr marL="914400" lvl="1" indent="-330200" algn="l" rtl="0">
@@ -12531,10 +13050,62 @@
               <a:buChar char="○"/>
             </a:pPr>
             <a:r>
-              <a:rPr lang="en" sz="1600"/>
-              <a:t>Sử dụng output model để test ảnh trong thực tế.</a:t>
-            </a:r>
-            <a:endParaRPr sz="1200"/>
+              <a:rPr lang="en" sz="1600" dirty="0" err="1"/>
+              <a:t>Sử</a:t>
+            </a:r>
+            <a:r>
+              <a:rPr lang="en" sz="1600" dirty="0"/>
+              <a:t> </a:t>
+            </a:r>
+            <a:r>
+              <a:rPr lang="en" sz="1600" dirty="0" err="1"/>
+              <a:t>dụng</a:t>
+            </a:r>
+            <a:r>
+              <a:rPr lang="en" sz="1600" dirty="0"/>
+              <a:t> output model </a:t>
+            </a:r>
+            <a:r>
+              <a:rPr lang="en" sz="1600" dirty="0" err="1"/>
+              <a:t>để</a:t>
+            </a:r>
+            <a:r>
+              <a:rPr lang="en" sz="1600" dirty="0"/>
+              <a:t> test </a:t>
+            </a:r>
+            <a:r>
+              <a:rPr lang="en" sz="1600" dirty="0" err="1"/>
+              <a:t>ảnh</a:t>
+            </a:r>
+            <a:r>
+              <a:rPr lang="en" sz="1600" dirty="0"/>
+              <a:t> </a:t>
+            </a:r>
+            <a:r>
+              <a:rPr lang="en" sz="1600" dirty="0" err="1"/>
+              <a:t>trong</a:t>
+            </a:r>
+            <a:r>
+              <a:rPr lang="en" sz="1600" dirty="0"/>
+              <a:t> </a:t>
+            </a:r>
+            <a:r>
+              <a:rPr lang="en" sz="1600" dirty="0" err="1"/>
+              <a:t>thực</a:t>
+            </a:r>
+            <a:r>
+              <a:rPr lang="en" sz="1600" dirty="0"/>
+              <a:t> </a:t>
+            </a:r>
+            <a:r>
+              <a:rPr lang="en" sz="1600" dirty="0" err="1"/>
+              <a:t>tế</a:t>
+            </a:r>
+            <a:r>
+              <a:rPr lang="en" sz="1600" dirty="0"/>
+              <a:t>.</a:t>
+            </a:r>
+            <a:endParaRPr sz="1200" dirty="0"/>
           </a:p>
         </p:txBody>
       </p:sp>
@@ -12546,7 +13117,7 @@
 </p:sld>
 </file>
 
-<file path=ppt/slides/slide6.xml><?xml version="1.0" encoding="utf-8"?>
+<file path=ppt/slides/slide5.xml><?xml version="1.0" encoding="utf-8"?>
 <p:sld xmlns:a="http://schemas.openxmlformats.org/drawingml/2006/main" xmlns:r="http://schemas.openxmlformats.org/officeDocument/2006/relationships" xmlns:p="http://schemas.openxmlformats.org/presentationml/2006/main">
   <p:cSld>
     <p:spTree>
@@ -12783,7 +13354,7 @@
 </p:sld>
 </file>
 
-<file path=ppt/slides/slide7.xml><?xml version="1.0" encoding="utf-8"?>
+<file path=ppt/slides/slide6.xml><?xml version="1.0" encoding="utf-8"?>
 <p:sld xmlns:a="http://schemas.openxmlformats.org/drawingml/2006/main" xmlns:r="http://schemas.openxmlformats.org/officeDocument/2006/relationships" xmlns:p="http://schemas.openxmlformats.org/presentationml/2006/main">
   <p:cSld>
     <p:spTree>
@@ -12879,7 +13450,7 @@
 </p:sld>
 </file>
 
-<file path=ppt/slides/slide8.xml><?xml version="1.0" encoding="utf-8"?>
+<file path=ppt/slides/slide7.xml><?xml version="1.0" encoding="utf-8"?>
 <p:sld xmlns:a="http://schemas.openxmlformats.org/drawingml/2006/main" xmlns:r="http://schemas.openxmlformats.org/officeDocument/2006/relationships" xmlns:p="http://schemas.openxmlformats.org/presentationml/2006/main">
   <p:cSld>
     <p:spTree>
@@ -13193,7 +13764,7 @@
 </p:sld>
 </file>
 
-<file path=ppt/slides/slide9.xml><?xml version="1.0" encoding="utf-8"?>
+<file path=ppt/slides/slide8.xml><?xml version="1.0" encoding="utf-8"?>
 <p:sld xmlns:a="http://schemas.openxmlformats.org/drawingml/2006/main" xmlns:r="http://schemas.openxmlformats.org/officeDocument/2006/relationships" xmlns:p="http://schemas.openxmlformats.org/presentationml/2006/main">
   <p:cSld>
     <p:spTree>
@@ -13303,10 +13874,54 @@
               <a:buChar char="●"/>
             </a:pPr>
             <a:r>
-              <a:rPr lang="en" sz="1600"/>
-              <a:t>Bước 1: thu thập dữ liệu ảnh.</a:t>
-            </a:r>
-            <a:endParaRPr sz="1600"/>
+              <a:rPr lang="en" sz="1600" dirty="0" err="1"/>
+              <a:t>Bước</a:t>
+            </a:r>
+            <a:r>
+              <a:rPr lang="en" sz="1600" dirty="0"/>
+              <a:t> 1: </a:t>
+            </a:r>
+            <a:r>
+              <a:rPr lang="en" sz="1600" dirty="0" err="1"/>
+              <a:t>thu</a:t>
+            </a:r>
+            <a:r>
+              <a:rPr lang="en" sz="1600" dirty="0"/>
+              <a:t> </a:t>
+            </a:r>
+            <a:r>
+              <a:rPr lang="en" sz="1600" dirty="0" err="1"/>
+              <a:t>thập</a:t>
+            </a:r>
+            <a:r>
+              <a:rPr lang="en" sz="1600" dirty="0"/>
+              <a:t> </a:t>
+            </a:r>
+            <a:r>
+              <a:rPr lang="en" sz="1600" dirty="0" err="1"/>
+              <a:t>dữ</a:t>
+            </a:r>
+            <a:r>
+              <a:rPr lang="en" sz="1600" dirty="0"/>
+              <a:t> </a:t>
+            </a:r>
+            <a:r>
+              <a:rPr lang="en" sz="1600" dirty="0" err="1"/>
+              <a:t>liệu</a:t>
+            </a:r>
+            <a:r>
+              <a:rPr lang="en" sz="1600" dirty="0"/>
+              <a:t> </a:t>
+            </a:r>
+            <a:r>
+              <a:rPr lang="en" sz="1600" dirty="0" err="1"/>
+              <a:t>ảnh</a:t>
+            </a:r>
+            <a:r>
+              <a:rPr lang="en" sz="1600" dirty="0"/>
+              <a:t>.</a:t>
+            </a:r>
+            <a:endParaRPr sz="1600" dirty="0"/>
           </a:p>
           <a:p>
             <a:pPr marL="457200" lvl="0" indent="-330200" algn="l" rtl="0">
@@ -13320,10 +13935,110 @@
               <a:buChar char="●"/>
             </a:pPr>
             <a:r>
-              <a:rPr lang="en" sz="1600"/>
-              <a:t>Bước 2: gán nhãn thủ công cho dữ liệu đã thu thập bằng roboflow.</a:t>
-            </a:r>
-            <a:endParaRPr sz="1600"/>
+              <a:rPr lang="en" sz="1600" dirty="0" err="1"/>
+              <a:t>Bước</a:t>
+            </a:r>
+            <a:r>
+              <a:rPr lang="en" sz="1600" dirty="0"/>
+              <a:t> 2: </a:t>
+            </a:r>
+            <a:r>
+              <a:rPr lang="en" sz="1600" dirty="0" err="1"/>
+              <a:t>gán</a:t>
+            </a:r>
+            <a:r>
+              <a:rPr lang="en" sz="1600" dirty="0"/>
+              <a:t> </a:t>
+            </a:r>
+            <a:r>
+              <a:rPr lang="en" sz="1600" dirty="0" err="1"/>
+              <a:t>nhãn</a:t>
+            </a:r>
+            <a:r>
+              <a:rPr lang="en" sz="1600" dirty="0"/>
+              <a:t> </a:t>
+            </a:r>
+            <a:r>
+              <a:rPr lang="en" sz="1600" dirty="0" err="1"/>
+              <a:t>thủ</a:t>
+            </a:r>
+            <a:r>
+              <a:rPr lang="en" sz="1600" dirty="0"/>
+              <a:t> </a:t>
+            </a:r>
+            <a:r>
+              <a:rPr lang="en" sz="1600" dirty="0" err="1"/>
+              <a:t>công</a:t>
+            </a:r>
+            <a:r>
+              <a:rPr lang="en" sz="1600" dirty="0"/>
+              <a:t> </a:t>
+            </a:r>
+            <a:r>
+              <a:rPr lang="en" sz="1600" dirty="0" err="1"/>
+              <a:t>cho</a:t>
+            </a:r>
+            <a:r>
+              <a:rPr lang="en" sz="1600" dirty="0"/>
+              <a:t> </a:t>
+            </a:r>
+            <a:r>
+              <a:rPr lang="en" sz="1600" dirty="0" err="1"/>
+              <a:t>dữ</a:t>
+            </a:r>
+            <a:r>
+              <a:rPr lang="en" sz="1600" dirty="0"/>
+              <a:t> </a:t>
+            </a:r>
+            <a:r>
+              <a:rPr lang="en" sz="1600" dirty="0" err="1"/>
+              <a:t>liệu</a:t>
+            </a:r>
+            <a:r>
+              <a:rPr lang="en" sz="1600" dirty="0"/>
+              <a:t> </a:t>
+            </a:r>
+            <a:r>
+              <a:rPr lang="en" sz="1600" dirty="0" err="1"/>
+              <a:t>đã</a:t>
+            </a:r>
+            <a:r>
+              <a:rPr lang="en" sz="1600" dirty="0"/>
+              <a:t> </a:t>
+            </a:r>
+            <a:r>
+              <a:rPr lang="en" sz="1600" dirty="0" err="1"/>
+              <a:t>thu</a:t>
+            </a:r>
+            <a:r>
+              <a:rPr lang="en" sz="1600" dirty="0"/>
+              <a:t> </a:t>
+            </a:r>
+            <a:r>
+              <a:rPr lang="en" sz="1600" dirty="0" err="1"/>
+              <a:t>thập</a:t>
+            </a:r>
+            <a:r>
+              <a:rPr lang="en" sz="1600" dirty="0"/>
+              <a:t> </a:t>
+            </a:r>
+            <a:r>
+              <a:rPr lang="en" sz="1600" dirty="0" err="1"/>
+              <a:t>bằng</a:t>
+            </a:r>
+            <a:r>
+              <a:rPr lang="en" sz="1600" dirty="0"/>
+              <a:t> </a:t>
+            </a:r>
+            <a:r>
+              <a:rPr lang="en" sz="1600" dirty="0" err="1"/>
+              <a:t>roboflow</a:t>
+            </a:r>
+            <a:r>
+              <a:rPr lang="en" sz="1600" dirty="0"/>
+              <a:t>.</a:t>
+            </a:r>
+            <a:endParaRPr sz="1600" dirty="0"/>
           </a:p>
           <a:p>
             <a:pPr marL="457200" lvl="0" indent="-330200" algn="l" rtl="0">
@@ -13337,10 +14052,118 @@
               <a:buChar char="●"/>
             </a:pPr>
             <a:r>
-              <a:rPr lang="en" sz="1600"/>
-              <a:t>Bước 3: sử dụng trang roboflow tăng cường thêm dữ liệu trên và trích xuất file TF-Record.</a:t>
-            </a:r>
-            <a:endParaRPr sz="1600"/>
+              <a:rPr lang="en" sz="1600" dirty="0" err="1"/>
+              <a:t>Bước</a:t>
+            </a:r>
+            <a:r>
+              <a:rPr lang="en" sz="1600" dirty="0"/>
+              <a:t> 3: </a:t>
+            </a:r>
+            <a:r>
+              <a:rPr lang="en" sz="1600" dirty="0" err="1"/>
+              <a:t>sử</a:t>
+            </a:r>
+            <a:r>
+              <a:rPr lang="en" sz="1600" dirty="0"/>
+              <a:t> </a:t>
+            </a:r>
+            <a:r>
+              <a:rPr lang="en" sz="1600" dirty="0" err="1"/>
+              <a:t>dụng</a:t>
+            </a:r>
+            <a:r>
+              <a:rPr lang="en" sz="1600" dirty="0"/>
+              <a:t> </a:t>
+            </a:r>
+            <a:r>
+              <a:rPr lang="en" sz="1600" dirty="0" err="1"/>
+              <a:t>trang</a:t>
+            </a:r>
+            <a:r>
+              <a:rPr lang="en" sz="1600" dirty="0"/>
+              <a:t> </a:t>
+            </a:r>
+            <a:r>
+              <a:rPr lang="en" sz="1600" dirty="0" err="1"/>
+              <a:t>roboflow</a:t>
+            </a:r>
+            <a:r>
+              <a:rPr lang="en" sz="1600" dirty="0"/>
+              <a:t> </a:t>
+            </a:r>
+            <a:r>
+              <a:rPr lang="en" sz="1600" dirty="0" err="1"/>
+              <a:t>tăng</a:t>
+            </a:r>
+            <a:r>
+              <a:rPr lang="en" sz="1600" dirty="0"/>
+              <a:t> </a:t>
+            </a:r>
+            <a:r>
+              <a:rPr lang="en" sz="1600" dirty="0" err="1"/>
+              <a:t>cường</a:t>
+            </a:r>
+            <a:r>
+              <a:rPr lang="en" sz="1600" dirty="0"/>
+              <a:t> </a:t>
+            </a:r>
+            <a:r>
+              <a:rPr lang="en" sz="1600" dirty="0" err="1"/>
+              <a:t>thêm</a:t>
+            </a:r>
+            <a:r>
+              <a:rPr lang="en" sz="1600" dirty="0"/>
+              <a:t> </a:t>
+            </a:r>
+            <a:r>
+              <a:rPr lang="en" sz="1600" dirty="0" err="1"/>
+              <a:t>dữ</a:t>
+            </a:r>
+            <a:r>
+              <a:rPr lang="en" sz="1600" dirty="0"/>
+              <a:t> </a:t>
+            </a:r>
+            <a:r>
+              <a:rPr lang="en" sz="1600" dirty="0" err="1"/>
+              <a:t>liệu</a:t>
+            </a:r>
+            <a:r>
+              <a:rPr lang="en" sz="1600" dirty="0"/>
+              <a:t> </a:t>
+            </a:r>
+            <a:r>
+              <a:rPr lang="en" sz="1600" dirty="0" err="1"/>
+              <a:t>trên</a:t>
+            </a:r>
+            <a:r>
+              <a:rPr lang="en" sz="1600" dirty="0"/>
+              <a:t> </a:t>
+            </a:r>
+            <a:r>
+              <a:rPr lang="en" sz="1600" dirty="0" err="1"/>
+              <a:t>và</a:t>
+            </a:r>
+            <a:r>
+              <a:rPr lang="en" sz="1600" dirty="0"/>
+              <a:t> </a:t>
+            </a:r>
+            <a:r>
+              <a:rPr lang="en" sz="1600" dirty="0" err="1"/>
+              <a:t>trích</a:t>
+            </a:r>
+            <a:r>
+              <a:rPr lang="en" sz="1600" dirty="0"/>
+              <a:t> </a:t>
+            </a:r>
+            <a:r>
+              <a:rPr lang="en" sz="1600" dirty="0" err="1"/>
+              <a:t>xuất</a:t>
+            </a:r>
+            <a:r>
+              <a:rPr lang="en" sz="1600" dirty="0"/>
+              <a:t> file TF-Record.</a:t>
+            </a:r>
+            <a:endParaRPr sz="1600" dirty="0"/>
           </a:p>
           <a:p>
             <a:pPr marL="457200" lvl="0" indent="-330200" algn="l" rtl="0">
@@ -13357,10 +14180,62 @@
               <a:buChar char="●"/>
             </a:pPr>
             <a:r>
-              <a:rPr lang="en" sz="1600"/>
-              <a:t>Bước 4: thiết lập môi trường trong Google Colab.</a:t>
-            </a:r>
-            <a:endParaRPr sz="1600"/>
+              <a:rPr lang="en" sz="1600" dirty="0" err="1"/>
+              <a:t>Bước</a:t>
+            </a:r>
+            <a:r>
+              <a:rPr lang="en" sz="1600" dirty="0"/>
+              <a:t> 4: </a:t>
+            </a:r>
+            <a:r>
+              <a:rPr lang="en" sz="1600" dirty="0" err="1"/>
+              <a:t>thiết</a:t>
+            </a:r>
+            <a:r>
+              <a:rPr lang="en" sz="1600" dirty="0"/>
+              <a:t> </a:t>
+            </a:r>
+            <a:r>
+              <a:rPr lang="en" sz="1600" dirty="0" err="1"/>
+              <a:t>lập</a:t>
+            </a:r>
+            <a:r>
+              <a:rPr lang="en" sz="1600" dirty="0"/>
+              <a:t> </a:t>
+            </a:r>
+            <a:r>
+              <a:rPr lang="en" sz="1600" dirty="0" err="1"/>
+              <a:t>môi</a:t>
+            </a:r>
+            <a:r>
+              <a:rPr lang="en" sz="1600" dirty="0"/>
+              <a:t> </a:t>
+            </a:r>
+            <a:r>
+              <a:rPr lang="en" sz="1600" dirty="0" err="1"/>
+              <a:t>trường</a:t>
+            </a:r>
+            <a:r>
+              <a:rPr lang="en" sz="1600" dirty="0"/>
+              <a:t> </a:t>
+            </a:r>
+            <a:r>
+              <a:rPr lang="en" sz="1600" dirty="0" err="1"/>
+              <a:t>trong</a:t>
+            </a:r>
+            <a:r>
+              <a:rPr lang="en" sz="1600" dirty="0"/>
+              <a:t> Google </a:t>
+            </a:r>
+            <a:r>
+              <a:rPr lang="en" sz="1600" dirty="0" err="1"/>
+              <a:t>Colab</a:t>
+            </a:r>
+            <a:r>
+              <a:rPr lang="en" sz="1600" dirty="0"/>
+              <a:t>.</a:t>
+            </a:r>
+            <a:endParaRPr sz="1600" dirty="0"/>
           </a:p>
           <a:p>
             <a:pPr marL="457200" lvl="0" indent="-330200" algn="l" rtl="0">
@@ -13374,10 +14249,78 @@
               <a:buChar char="●"/>
             </a:pPr>
             <a:r>
-              <a:rPr lang="en" sz="1600"/>
-              <a:t>Bước 5: bắt đầu train EfficientDet model với file đã trích xuất ở bước 3</a:t>
-            </a:r>
-            <a:endParaRPr sz="1600"/>
+              <a:rPr lang="en" sz="1600" dirty="0" err="1"/>
+              <a:t>Bước</a:t>
+            </a:r>
+            <a:r>
+              <a:rPr lang="en" sz="1600" dirty="0"/>
+              <a:t> 5: </a:t>
+            </a:r>
+            <a:r>
+              <a:rPr lang="en" sz="1600" dirty="0" err="1"/>
+              <a:t>bắt</a:t>
+            </a:r>
+            <a:r>
+              <a:rPr lang="en" sz="1600" dirty="0"/>
+              <a:t> </a:t>
+            </a:r>
+            <a:r>
+              <a:rPr lang="en" sz="1600" dirty="0" err="1"/>
+              <a:t>đầu</a:t>
+            </a:r>
+            <a:r>
+              <a:rPr lang="en" sz="1600" dirty="0"/>
+              <a:t> train EfficientDet-d0 model </a:t>
+            </a:r>
+            <a:r>
+              <a:rPr lang="en" sz="1600" dirty="0" err="1"/>
+              <a:t>với</a:t>
+            </a:r>
+            <a:r>
+              <a:rPr lang="en" sz="1600" dirty="0"/>
+              <a:t> file </a:t>
+            </a:r>
+            <a:r>
+              <a:rPr lang="en" sz="1600" dirty="0" err="1"/>
+              <a:t>đã</a:t>
+            </a:r>
+            <a:r>
+              <a:rPr lang="en" sz="1600" dirty="0"/>
+              <a:t> </a:t>
+            </a:r>
+            <a:r>
+              <a:rPr lang="en" sz="1600" dirty="0" err="1"/>
+              <a:t>trích</a:t>
+            </a:r>
+            <a:r>
+              <a:rPr lang="en" sz="1600" dirty="0"/>
+              <a:t> </a:t>
+            </a:r>
+            <a:r>
+              <a:rPr lang="en" sz="1600" dirty="0" err="1"/>
+              <a:t>xuất</a:t>
+            </a:r>
+            <a:r>
+              <a:rPr lang="en" sz="1600" dirty="0"/>
+              <a:t> </a:t>
+            </a:r>
+            <a:r>
+              <a:rPr lang="en" sz="1600" dirty="0" err="1"/>
+              <a:t>ở</a:t>
+            </a:r>
+            <a:r>
+              <a:rPr lang="en" sz="1600" dirty="0"/>
+              <a:t> </a:t>
+            </a:r>
+            <a:r>
+              <a:rPr lang="en" sz="1600" dirty="0" err="1"/>
+              <a:t>bước</a:t>
+            </a:r>
+            <a:r>
+              <a:rPr lang="en" sz="1600" dirty="0"/>
+              <a:t> 3</a:t>
+            </a:r>
+            <a:endParaRPr sz="1600" dirty="0"/>
           </a:p>
           <a:p>
             <a:pPr marL="457200" lvl="0" indent="-330200" algn="l" rtl="0">
@@ -13394,9 +14337,214 @@
               <a:buChar char="●"/>
             </a:pPr>
             <a:r>
-              <a:rPr lang="en" sz="1600"/>
-              <a:t>Bước 6: thử nghiệm trên ảnh ngoài thực tế.</a:t>
-            </a:r>
+              <a:rPr lang="en" sz="1600" dirty="0" err="1"/>
+              <a:t>Bước</a:t>
+            </a:r>
+            <a:r>
+              <a:rPr lang="en" sz="1600" dirty="0"/>
+              <a:t> 6: </a:t>
+            </a:r>
+            <a:r>
+              <a:rPr lang="en" sz="1600" dirty="0" err="1"/>
+              <a:t>thử</a:t>
+            </a:r>
+            <a:r>
+              <a:rPr lang="en" sz="1600" dirty="0"/>
+              <a:t> </a:t>
+            </a:r>
+            <a:r>
+              <a:rPr lang="en" sz="1600" dirty="0" err="1"/>
+              <a:t>nghiệm</a:t>
+            </a:r>
+            <a:r>
+              <a:rPr lang="en" sz="1600" dirty="0"/>
+              <a:t> </a:t>
+            </a:r>
+            <a:r>
+              <a:rPr lang="en" sz="1600" dirty="0" err="1"/>
+              <a:t>trên</a:t>
+            </a:r>
+            <a:r>
+              <a:rPr lang="en" sz="1600" dirty="0"/>
+              <a:t> </a:t>
+            </a:r>
+            <a:r>
+              <a:rPr lang="en" sz="1600" dirty="0" err="1"/>
+              <a:t>ảnh</a:t>
+            </a:r>
+            <a:r>
+              <a:rPr lang="en" sz="1600" dirty="0"/>
+              <a:t> </a:t>
+            </a:r>
+            <a:r>
+              <a:rPr lang="en" sz="1600" dirty="0" err="1"/>
+              <a:t>ngoài</a:t>
+            </a:r>
+            <a:r>
+              <a:rPr lang="en" sz="1600" dirty="0"/>
+              <a:t> </a:t>
+            </a:r>
+            <a:r>
+              <a:rPr lang="en" sz="1600" dirty="0" err="1"/>
+              <a:t>thực</a:t>
+            </a:r>
+            <a:r>
+              <a:rPr lang="en" sz="1600" dirty="0"/>
+              <a:t> </a:t>
+            </a:r>
+            <a:r>
+              <a:rPr lang="en" sz="1600" dirty="0" err="1"/>
+              <a:t>tế</a:t>
+            </a:r>
+            <a:r>
+              <a:rPr lang="en" sz="1600" dirty="0"/>
+              <a:t>.</a:t>
+            </a:r>
+            <a:endParaRPr sz="1800" dirty="0"/>
+          </a:p>
+        </p:txBody>
+      </p:sp>
+    </p:spTree>
+  </p:cSld>
+  <p:clrMapOvr>
+    <a:masterClrMapping/>
+  </p:clrMapOvr>
+</p:sld>
+</file>
+
+<file path=ppt/slides/slide9.xml><?xml version="1.0" encoding="utf-8"?>
+<p:sld xmlns:a="http://schemas.openxmlformats.org/drawingml/2006/main" xmlns:r="http://schemas.openxmlformats.org/officeDocument/2006/relationships" xmlns:p="http://schemas.openxmlformats.org/presentationml/2006/main">
+  <p:cSld>
+    <p:spTree>
+      <p:nvGrpSpPr>
+        <p:cNvPr id="1" name="Shape 115"/>
+        <p:cNvGrpSpPr/>
+        <p:nvPr/>
+      </p:nvGrpSpPr>
+      <p:grpSpPr>
+        <a:xfrm>
+          <a:off x="0" y="0"/>
+          <a:ext cx="0" cy="0"/>
+          <a:chOff x="0" y="0"/>
+          <a:chExt cx="0" cy="0"/>
+        </a:xfrm>
+      </p:grpSpPr>
+      <p:sp>
+        <p:nvSpPr>
+          <p:cNvPr id="116" name="Google Shape;116;p8"/>
+          <p:cNvSpPr txBox="1">
+            <a:spLocks noGrp="1"/>
+          </p:cNvSpPr>
+          <p:nvPr>
+            <p:ph type="title"/>
+          </p:nvPr>
+        </p:nvSpPr>
+        <p:spPr>
+          <a:xfrm>
+            <a:off x="471900" y="57875"/>
+            <a:ext cx="8222100" cy="670500"/>
+          </a:xfrm>
+          <a:prstGeom prst="rect">
+            <a:avLst/>
+          </a:prstGeom>
+          <a:noFill/>
+          <a:ln>
+            <a:noFill/>
+          </a:ln>
+        </p:spPr>
+        <p:txBody>
+          <a:bodyPr spcFirstLastPara="1" wrap="square" lIns="91425" tIns="91425" rIns="91425" bIns="91425" anchor="ctr" anchorCtr="0">
+            <a:noAutofit/>
+          </a:bodyPr>
+          <a:lstStyle/>
+          <a:p>
+            <a:pPr marL="0" lvl="0" indent="0" algn="l" rtl="0">
+              <a:lnSpc>
+                <a:spcPct val="100000"/>
+              </a:lnSpc>
+              <a:spcBef>
+                <a:spcPts val="0"/>
+              </a:spcBef>
+              <a:spcAft>
+                <a:spcPts val="0"/>
+              </a:spcAft>
+              <a:buSzPts val="3200"/>
+              <a:buNone/>
+            </a:pPr>
+            <a:r>
+              <a:rPr lang="en" b="1"/>
+              <a:t>Loại bài toán ML</a:t>
+            </a:r>
+            <a:r>
+              <a:rPr lang="en"/>
+              <a:t> </a:t>
+            </a:r>
+            <a:endParaRPr/>
+          </a:p>
+        </p:txBody>
+      </p:sp>
+      <p:sp>
+        <p:nvSpPr>
+          <p:cNvPr id="117" name="Google Shape;117;p8"/>
+          <p:cNvSpPr txBox="1">
+            <a:spLocks noGrp="1"/>
+          </p:cNvSpPr>
+          <p:nvPr>
+            <p:ph type="body" idx="1"/>
+          </p:nvPr>
+        </p:nvSpPr>
+        <p:spPr>
+          <a:xfrm>
+            <a:off x="471900" y="820500"/>
+            <a:ext cx="8222100" cy="3908400"/>
+          </a:xfrm>
+          <a:prstGeom prst="rect">
+            <a:avLst/>
+          </a:prstGeom>
+          <a:noFill/>
+          <a:ln>
+            <a:noFill/>
+          </a:ln>
+        </p:spPr>
+        <p:txBody>
+          <a:bodyPr spcFirstLastPara="1" wrap="square" lIns="91425" tIns="91425" rIns="91425" bIns="91425" anchor="t" anchorCtr="0">
+            <a:noAutofit/>
+          </a:bodyPr>
+          <a:lstStyle/>
+          <a:p>
+            <a:pPr marL="457200" lvl="0" indent="-368300" algn="l" rtl="0">
+              <a:lnSpc>
+                <a:spcPct val="115000"/>
+              </a:lnSpc>
+              <a:spcBef>
+                <a:spcPts val="0"/>
+              </a:spcBef>
+              <a:spcAft>
+                <a:spcPts val="0"/>
+              </a:spcAft>
+              <a:buSzPts val="2200"/>
+              <a:buChar char="●"/>
+            </a:pPr>
+            <a:r>
+              <a:rPr lang="en"/>
+              <a:t>Object Detection</a:t>
+            </a:r>
+            <a:endParaRPr/>
+          </a:p>
+          <a:p>
+            <a:pPr marL="914400" lvl="0" indent="0" algn="l" rtl="0">
+              <a:lnSpc>
+                <a:spcPct val="115000"/>
+              </a:lnSpc>
+              <a:spcBef>
+                <a:spcPts val="1600"/>
+              </a:spcBef>
+              <a:spcAft>
+                <a:spcPts val="1600"/>
+              </a:spcAft>
+              <a:buSzPts val="2200"/>
+              <a:buNone/>
+            </a:pPr>
             <a:endParaRPr sz="1800"/>
           </a:p>
         </p:txBody>

--- a/CS2225.BaoCaoCuoiKy.pptx
+++ b/CS2225.BaoCaoCuoiKy.pptx
@@ -5,7 +5,7 @@
     <p:sldMasterId id="2147483648" r:id="rId1"/>
   </p:sldMasterIdLst>
   <p:notesMasterIdLst>
-    <p:notesMasterId r:id="rId14"/>
+    <p:notesMasterId r:id="rId17"/>
   </p:notesMasterIdLst>
   <p:sldIdLst>
     <p:sldId id="256" r:id="rId2"/>
@@ -15,11 +15,14 @@
     <p:sldId id="261" r:id="rId6"/>
     <p:sldId id="268" r:id="rId7"/>
     <p:sldId id="262" r:id="rId8"/>
-    <p:sldId id="263" r:id="rId9"/>
-    <p:sldId id="264" r:id="rId10"/>
-    <p:sldId id="265" r:id="rId11"/>
-    <p:sldId id="266" r:id="rId12"/>
-    <p:sldId id="267" r:id="rId13"/>
+    <p:sldId id="269" r:id="rId9"/>
+    <p:sldId id="263" r:id="rId10"/>
+    <p:sldId id="264" r:id="rId11"/>
+    <p:sldId id="265" r:id="rId12"/>
+    <p:sldId id="270" r:id="rId13"/>
+    <p:sldId id="266" r:id="rId14"/>
+    <p:sldId id="271" r:id="rId15"/>
+    <p:sldId id="267" r:id="rId16"/>
   </p:sldIdLst>
   <p:sldSz cx="9144000" cy="5143500" type="screen16x9"/>
   <p:notesSz cx="6858000" cy="9144000"/>
@@ -273,7 +276,7 @@
       </p15:sldGuideLst>
     </p:ext>
     <p:ext uri="http://customooxmlschemas.google.com/">
-      <go:slidesCustomData xmlns="" xmlns:mc="http://schemas.openxmlformats.org/markup-compatibility/2006" xmlns:mv="urn:schemas-microsoft-com:mac:vml" xmlns:c="http://schemas.openxmlformats.org/drawingml/2006/chart" xmlns:dgm="http://schemas.openxmlformats.org/drawingml/2006/diagram" xmlns:o="urn:schemas-microsoft-com:office:office" xmlns:v="urn:schemas-microsoft-com:vml" xmlns:pvml="urn:schemas-microsoft-com:office:powerpoint" xmlns:com="http://schemas.openxmlformats.org/drawingml/2006/compatibility" xmlns:p14="http://schemas.microsoft.com/office/powerpoint/2010/main" xmlns:p15="http://schemas.microsoft.com/office/powerpoint/2012/main" xmlns:ahyp="http://schemas.microsoft.com/office/drawing/2018/hyperlinkcolor" xmlns:go="http://customooxmlschemas.google.com/" r:id="rId18" roundtripDataSignature="AMtx7mgr+2s9Qem9sYdsXEFZxyB27Gtptw=="/>
+      <go:slidesCustomData xmlns:go="http://customooxmlschemas.google.com/" xmlns:ahyp="http://schemas.microsoft.com/office/drawing/2018/hyperlinkcolor" xmlns:p15="http://schemas.microsoft.com/office/powerpoint/2012/main" xmlns:p14="http://schemas.microsoft.com/office/powerpoint/2010/main" xmlns:com="http://schemas.openxmlformats.org/drawingml/2006/compatibility" xmlns:pvml="urn:schemas-microsoft-com:office:powerpoint" xmlns:v="urn:schemas-microsoft-com:vml" xmlns:o="urn:schemas-microsoft-com:office:office" xmlns:dgm="http://schemas.openxmlformats.org/drawingml/2006/diagram" xmlns:c="http://schemas.openxmlformats.org/drawingml/2006/chart" xmlns:mv="urn:schemas-microsoft-com:mac:vml" xmlns:mc="http://schemas.openxmlformats.org/markup-compatibility/2006" xmlns="" r:id="rId18" roundtripDataSignature="AMtx7mgr+2s9Qem9sYdsXEFZxyB27Gtptw=="/>
     </p:ext>
   </p:extLst>
 </p:presentation>
@@ -982,6 +985,110 @@
   <p:cSld>
     <p:spTree>
       <p:nvGrpSpPr>
+        <p:cNvPr id="1" name="Shape 118"/>
+        <p:cNvGrpSpPr/>
+        <p:nvPr/>
+      </p:nvGrpSpPr>
+      <p:grpSpPr>
+        <a:xfrm>
+          <a:off x="0" y="0"/>
+          <a:ext cx="0" cy="0"/>
+          <a:chOff x="0" y="0"/>
+          <a:chExt cx="0" cy="0"/>
+        </a:xfrm>
+      </p:grpSpPr>
+      <p:sp>
+        <p:nvSpPr>
+          <p:cNvPr id="119" name="Google Shape;119;ga95c1e85a4_0_19:notes"/>
+          <p:cNvSpPr>
+            <a:spLocks noGrp="1" noRot="1" noChangeAspect="1"/>
+          </p:cNvSpPr>
+          <p:nvPr>
+            <p:ph type="sldImg" idx="2"/>
+          </p:nvPr>
+        </p:nvSpPr>
+        <p:spPr>
+          <a:xfrm>
+            <a:off x="381000" y="685800"/>
+            <a:ext cx="6096000" cy="3429000"/>
+          </a:xfrm>
+          <a:custGeom>
+            <a:avLst/>
+            <a:gdLst/>
+            <a:ahLst/>
+            <a:cxnLst/>
+            <a:rect l="l" t="t" r="r" b="b"/>
+            <a:pathLst>
+              <a:path w="120000" h="120000" extrusionOk="0">
+                <a:moveTo>
+                  <a:pt x="0" y="0"/>
+                </a:moveTo>
+                <a:lnTo>
+                  <a:pt x="120000" y="0"/>
+                </a:lnTo>
+                <a:lnTo>
+                  <a:pt x="120000" y="120000"/>
+                </a:lnTo>
+                <a:lnTo>
+                  <a:pt x="0" y="120000"/>
+                </a:lnTo>
+                <a:close/>
+              </a:path>
+            </a:pathLst>
+          </a:custGeom>
+        </p:spPr>
+      </p:sp>
+      <p:sp>
+        <p:nvSpPr>
+          <p:cNvPr id="120" name="Google Shape;120;ga95c1e85a4_0_19:notes"/>
+          <p:cNvSpPr txBox="1">
+            <a:spLocks noGrp="1"/>
+          </p:cNvSpPr>
+          <p:nvPr>
+            <p:ph type="body" idx="1"/>
+          </p:nvPr>
+        </p:nvSpPr>
+        <p:spPr>
+          <a:xfrm>
+            <a:off x="685800" y="4343400"/>
+            <a:ext cx="5486400" cy="4114800"/>
+          </a:xfrm>
+          <a:prstGeom prst="rect">
+            <a:avLst/>
+          </a:prstGeom>
+        </p:spPr>
+        <p:txBody>
+          <a:bodyPr spcFirstLastPara="1" wrap="square" lIns="91425" tIns="91425" rIns="91425" bIns="91425" anchor="t" anchorCtr="0">
+            <a:noAutofit/>
+          </a:bodyPr>
+          <a:lstStyle/>
+          <a:p>
+            <a:pPr marL="0" lvl="0" indent="0" algn="l" rtl="0">
+              <a:spcBef>
+                <a:spcPts val="0"/>
+              </a:spcBef>
+              <a:spcAft>
+                <a:spcPts val="0"/>
+              </a:spcAft>
+              <a:buNone/>
+            </a:pPr>
+            <a:endParaRPr/>
+          </a:p>
+        </p:txBody>
+      </p:sp>
+    </p:spTree>
+  </p:cSld>
+  <p:clrMapOvr>
+    <a:masterClrMapping/>
+  </p:clrMapOvr>
+</p:notes>
+</file>
+
+<file path=ppt/notesSlides/notesSlide11.xml><?xml version="1.0" encoding="utf-8"?>
+<p:notes xmlns:a="http://schemas.openxmlformats.org/drawingml/2006/main" xmlns:r="http://schemas.openxmlformats.org/officeDocument/2006/relationships" xmlns:p="http://schemas.openxmlformats.org/presentationml/2006/main" showMasterSp="0" showMasterPhAnim="0">
+  <p:cSld>
+    <p:spTree>
+      <p:nvGrpSpPr>
         <p:cNvPr id="1" name="Shape 124"/>
         <p:cNvGrpSpPr/>
         <p:nvPr/>
@@ -1006,8 +1113,8 @@
         </p:nvSpPr>
         <p:spPr>
           <a:xfrm>
-            <a:off x="381175" y="685800"/>
-            <a:ext cx="6096300" cy="3429000"/>
+            <a:off x="381000" y="685800"/>
+            <a:ext cx="6096000" cy="3429000"/>
           </a:xfrm>
           <a:custGeom>
             <a:avLst/>
@@ -1092,6 +1199,11 @@
         </p:txBody>
       </p:sp>
     </p:spTree>
+    <p:extLst>
+      <p:ext uri="{BB962C8B-B14F-4D97-AF65-F5344CB8AC3E}">
+        <p14:creationId xmlns:p14="http://schemas.microsoft.com/office/powerpoint/2010/main" val="3727015183"/>
+      </p:ext>
+    </p:extLst>
   </p:cSld>
   <p:clrMapOvr>
     <a:masterClrMapping/>
@@ -1099,7 +1211,129 @@
 </p:notes>
 </file>
 
-<file path=ppt/notesSlides/notesSlide11.xml><?xml version="1.0" encoding="utf-8"?>
+<file path=ppt/notesSlides/notesSlide12.xml><?xml version="1.0" encoding="utf-8"?>
+<p:notes xmlns:a="http://schemas.openxmlformats.org/drawingml/2006/main" xmlns:r="http://schemas.openxmlformats.org/officeDocument/2006/relationships" xmlns:p="http://schemas.openxmlformats.org/presentationml/2006/main" showMasterSp="0" showMasterPhAnim="0">
+  <p:cSld>
+    <p:spTree>
+      <p:nvGrpSpPr>
+        <p:cNvPr id="1" name="Shape 124"/>
+        <p:cNvGrpSpPr/>
+        <p:nvPr/>
+      </p:nvGrpSpPr>
+      <p:grpSpPr>
+        <a:xfrm>
+          <a:off x="0" y="0"/>
+          <a:ext cx="0" cy="0"/>
+          <a:chOff x="0" y="0"/>
+          <a:chExt cx="0" cy="0"/>
+        </a:xfrm>
+      </p:grpSpPr>
+      <p:sp>
+        <p:nvSpPr>
+          <p:cNvPr id="125" name="Google Shape;125;gb23b97c7f9_0_16:notes"/>
+          <p:cNvSpPr>
+            <a:spLocks noGrp="1" noRot="1" noChangeAspect="1"/>
+          </p:cNvSpPr>
+          <p:nvPr>
+            <p:ph type="sldImg" idx="2"/>
+          </p:nvPr>
+        </p:nvSpPr>
+        <p:spPr>
+          <a:xfrm>
+            <a:off x="381000" y="685800"/>
+            <a:ext cx="6096000" cy="3429000"/>
+          </a:xfrm>
+          <a:custGeom>
+            <a:avLst/>
+            <a:gdLst/>
+            <a:ahLst/>
+            <a:cxnLst/>
+            <a:rect l="l" t="t" r="r" b="b"/>
+            <a:pathLst>
+              <a:path w="120000" h="120000" extrusionOk="0">
+                <a:moveTo>
+                  <a:pt x="0" y="0"/>
+                </a:moveTo>
+                <a:lnTo>
+                  <a:pt x="120000" y="0"/>
+                </a:lnTo>
+                <a:lnTo>
+                  <a:pt x="120000" y="120000"/>
+                </a:lnTo>
+                <a:lnTo>
+                  <a:pt x="0" y="120000"/>
+                </a:lnTo>
+                <a:close/>
+              </a:path>
+            </a:pathLst>
+          </a:custGeom>
+          <a:noFill/>
+          <a:ln w="9525" cap="flat" cmpd="sng">
+            <a:solidFill>
+              <a:srgbClr val="000000"/>
+            </a:solidFill>
+            <a:prstDash val="solid"/>
+            <a:round/>
+            <a:headEnd type="none" w="sm" len="sm"/>
+            <a:tailEnd type="none" w="sm" len="sm"/>
+          </a:ln>
+        </p:spPr>
+      </p:sp>
+      <p:sp>
+        <p:nvSpPr>
+          <p:cNvPr id="126" name="Google Shape;126;gb23b97c7f9_0_16:notes"/>
+          <p:cNvSpPr txBox="1">
+            <a:spLocks noGrp="1"/>
+          </p:cNvSpPr>
+          <p:nvPr>
+            <p:ph type="body" idx="1"/>
+          </p:nvPr>
+        </p:nvSpPr>
+        <p:spPr>
+          <a:xfrm>
+            <a:off x="685800" y="4343400"/>
+            <a:ext cx="5486400" cy="4114800"/>
+          </a:xfrm>
+          <a:prstGeom prst="rect">
+            <a:avLst/>
+          </a:prstGeom>
+          <a:noFill/>
+          <a:ln>
+            <a:noFill/>
+          </a:ln>
+        </p:spPr>
+        <p:txBody>
+          <a:bodyPr spcFirstLastPara="1" wrap="square" lIns="91425" tIns="91425" rIns="91425" bIns="91425" anchor="t" anchorCtr="0">
+            <a:noAutofit/>
+          </a:bodyPr>
+          <a:lstStyle/>
+          <a:p>
+            <a:pPr marL="0" lvl="0" indent="0" algn="l" rtl="0">
+              <a:lnSpc>
+                <a:spcPct val="100000"/>
+              </a:lnSpc>
+              <a:spcBef>
+                <a:spcPts val="0"/>
+              </a:spcBef>
+              <a:spcAft>
+                <a:spcPts val="0"/>
+              </a:spcAft>
+              <a:buSzPts val="1400"/>
+              <a:buNone/>
+            </a:pPr>
+            <a:endParaRPr/>
+          </a:p>
+        </p:txBody>
+      </p:sp>
+    </p:spTree>
+  </p:cSld>
+  <p:clrMapOvr>
+    <a:masterClrMapping/>
+  </p:clrMapOvr>
+</p:notes>
+</file>
+
+<file path=ppt/notesSlides/notesSlide13.xml><?xml version="1.0" encoding="utf-8"?>
 <p:notes xmlns:a="http://schemas.openxmlformats.org/drawingml/2006/main" xmlns:r="http://schemas.openxmlformats.org/officeDocument/2006/relationships" xmlns:p="http://schemas.openxmlformats.org/presentationml/2006/main" showMasterSp="0" showMasterPhAnim="0">
   <p:cSld>
     <p:spTree>
@@ -1720,8 +1954,8 @@
         </p:nvSpPr>
         <p:spPr>
           <a:xfrm>
-            <a:off x="381175" y="685800"/>
-            <a:ext cx="6096300" cy="3429000"/>
+            <a:off x="381000" y="685800"/>
+            <a:ext cx="6096000" cy="3429000"/>
           </a:xfrm>
           <a:custGeom>
             <a:avLst/>
@@ -1814,6 +2048,133 @@
 </file>
 
 <file path=ppt/notesSlides/notesSlide7.xml><?xml version="1.0" encoding="utf-8"?>
+<p:notes xmlns:a="http://schemas.openxmlformats.org/drawingml/2006/main" xmlns:r="http://schemas.openxmlformats.org/officeDocument/2006/relationships" xmlns:p="http://schemas.openxmlformats.org/presentationml/2006/main" showMasterSp="0" showMasterPhAnim="0">
+  <p:cSld>
+    <p:spTree>
+      <p:nvGrpSpPr>
+        <p:cNvPr id="1" name="Shape 100"/>
+        <p:cNvGrpSpPr/>
+        <p:nvPr/>
+      </p:nvGrpSpPr>
+      <p:grpSpPr>
+        <a:xfrm>
+          <a:off x="0" y="0"/>
+          <a:ext cx="0" cy="0"/>
+          <a:chOff x="0" y="0"/>
+          <a:chExt cx="0" cy="0"/>
+        </a:xfrm>
+      </p:grpSpPr>
+      <p:sp>
+        <p:nvSpPr>
+          <p:cNvPr id="101" name="Google Shape;101;p9:notes"/>
+          <p:cNvSpPr>
+            <a:spLocks noGrp="1" noRot="1" noChangeAspect="1"/>
+          </p:cNvSpPr>
+          <p:nvPr>
+            <p:ph type="sldImg" idx="2"/>
+          </p:nvPr>
+        </p:nvSpPr>
+        <p:spPr>
+          <a:xfrm>
+            <a:off x="381000" y="685800"/>
+            <a:ext cx="6096000" cy="3429000"/>
+          </a:xfrm>
+          <a:custGeom>
+            <a:avLst/>
+            <a:gdLst/>
+            <a:ahLst/>
+            <a:cxnLst/>
+            <a:rect l="l" t="t" r="r" b="b"/>
+            <a:pathLst>
+              <a:path w="120000" h="120000" extrusionOk="0">
+                <a:moveTo>
+                  <a:pt x="0" y="0"/>
+                </a:moveTo>
+                <a:lnTo>
+                  <a:pt x="120000" y="0"/>
+                </a:lnTo>
+                <a:lnTo>
+                  <a:pt x="120000" y="120000"/>
+                </a:lnTo>
+                <a:lnTo>
+                  <a:pt x="0" y="120000"/>
+                </a:lnTo>
+                <a:close/>
+              </a:path>
+            </a:pathLst>
+          </a:custGeom>
+          <a:noFill/>
+          <a:ln w="9525" cap="flat" cmpd="sng">
+            <a:solidFill>
+              <a:srgbClr val="000000"/>
+            </a:solidFill>
+            <a:prstDash val="solid"/>
+            <a:round/>
+            <a:headEnd type="none" w="sm" len="sm"/>
+            <a:tailEnd type="none" w="sm" len="sm"/>
+          </a:ln>
+        </p:spPr>
+      </p:sp>
+      <p:sp>
+        <p:nvSpPr>
+          <p:cNvPr id="102" name="Google Shape;102;p9:notes"/>
+          <p:cNvSpPr txBox="1">
+            <a:spLocks noGrp="1"/>
+          </p:cNvSpPr>
+          <p:nvPr>
+            <p:ph type="body" idx="1"/>
+          </p:nvPr>
+        </p:nvSpPr>
+        <p:spPr>
+          <a:xfrm>
+            <a:off x="685800" y="4343400"/>
+            <a:ext cx="5486400" cy="4114800"/>
+          </a:xfrm>
+          <a:prstGeom prst="rect">
+            <a:avLst/>
+          </a:prstGeom>
+          <a:noFill/>
+          <a:ln>
+            <a:noFill/>
+          </a:ln>
+        </p:spPr>
+        <p:txBody>
+          <a:bodyPr spcFirstLastPara="1" wrap="square" lIns="91425" tIns="91425" rIns="91425" bIns="91425" anchor="t" anchorCtr="0">
+            <a:noAutofit/>
+          </a:bodyPr>
+          <a:lstStyle/>
+          <a:p>
+            <a:pPr marL="0" lvl="0" indent="0" algn="l" rtl="0">
+              <a:lnSpc>
+                <a:spcPct val="100000"/>
+              </a:lnSpc>
+              <a:spcBef>
+                <a:spcPts val="0"/>
+              </a:spcBef>
+              <a:spcAft>
+                <a:spcPts val="0"/>
+              </a:spcAft>
+              <a:buSzPts val="1400"/>
+              <a:buNone/>
+            </a:pPr>
+            <a:endParaRPr/>
+          </a:p>
+        </p:txBody>
+      </p:sp>
+    </p:spTree>
+    <p:extLst>
+      <p:ext uri="{BB962C8B-B14F-4D97-AF65-F5344CB8AC3E}">
+        <p14:creationId xmlns:p14="http://schemas.microsoft.com/office/powerpoint/2010/main" val="1733157217"/>
+      </p:ext>
+    </p:extLst>
+  </p:cSld>
+  <p:clrMapOvr>
+    <a:masterClrMapping/>
+  </p:clrMapOvr>
+</p:notes>
+</file>
+
+<file path=ppt/notesSlides/notesSlide8.xml><?xml version="1.0" encoding="utf-8"?>
 <p:notes xmlns:a="http://schemas.openxmlformats.org/drawingml/2006/main" xmlns:r="http://schemas.openxmlformats.org/officeDocument/2006/relationships" xmlns:p="http://schemas.openxmlformats.org/presentationml/2006/main" showMasterSp="0" showMasterPhAnim="0">
   <p:cSld>
     <p:spTree>
@@ -1935,7 +2296,7 @@
 </p:notes>
 </file>
 
-<file path=ppt/notesSlides/notesSlide8.xml><?xml version="1.0" encoding="utf-8"?>
+<file path=ppt/notesSlides/notesSlide9.xml><?xml version="1.0" encoding="utf-8"?>
 <p:notes xmlns:a="http://schemas.openxmlformats.org/drawingml/2006/main" xmlns:r="http://schemas.openxmlformats.org/officeDocument/2006/relationships" xmlns:p="http://schemas.openxmlformats.org/presentationml/2006/main" showMasterSp="0" showMasterPhAnim="0">
   <p:cSld>
     <p:spTree>
@@ -1964,8 +2325,8 @@
         </p:nvSpPr>
         <p:spPr>
           <a:xfrm>
-            <a:off x="381175" y="685800"/>
-            <a:ext cx="6096300" cy="3429000"/>
+            <a:off x="381000" y="685800"/>
+            <a:ext cx="6096000" cy="3429000"/>
           </a:xfrm>
           <a:custGeom>
             <a:avLst/>
@@ -2043,110 +2404,6 @@
                 <a:spcPts val="0"/>
               </a:spcAft>
               <a:buSzPts val="1400"/>
-              <a:buNone/>
-            </a:pPr>
-            <a:endParaRPr/>
-          </a:p>
-        </p:txBody>
-      </p:sp>
-    </p:spTree>
-  </p:cSld>
-  <p:clrMapOvr>
-    <a:masterClrMapping/>
-  </p:clrMapOvr>
-</p:notes>
-</file>
-
-<file path=ppt/notesSlides/notesSlide9.xml><?xml version="1.0" encoding="utf-8"?>
-<p:notes xmlns:a="http://schemas.openxmlformats.org/drawingml/2006/main" xmlns:r="http://schemas.openxmlformats.org/officeDocument/2006/relationships" xmlns:p="http://schemas.openxmlformats.org/presentationml/2006/main" showMasterSp="0" showMasterPhAnim="0">
-  <p:cSld>
-    <p:spTree>
-      <p:nvGrpSpPr>
-        <p:cNvPr id="1" name="Shape 118"/>
-        <p:cNvGrpSpPr/>
-        <p:nvPr/>
-      </p:nvGrpSpPr>
-      <p:grpSpPr>
-        <a:xfrm>
-          <a:off x="0" y="0"/>
-          <a:ext cx="0" cy="0"/>
-          <a:chOff x="0" y="0"/>
-          <a:chExt cx="0" cy="0"/>
-        </a:xfrm>
-      </p:grpSpPr>
-      <p:sp>
-        <p:nvSpPr>
-          <p:cNvPr id="119" name="Google Shape;119;ga95c1e85a4_0_19:notes"/>
-          <p:cNvSpPr>
-            <a:spLocks noGrp="1" noRot="1" noChangeAspect="1"/>
-          </p:cNvSpPr>
-          <p:nvPr>
-            <p:ph type="sldImg" idx="2"/>
-          </p:nvPr>
-        </p:nvSpPr>
-        <p:spPr>
-          <a:xfrm>
-            <a:off x="381309" y="685800"/>
-            <a:ext cx="6096000" cy="3429000"/>
-          </a:xfrm>
-          <a:custGeom>
-            <a:avLst/>
-            <a:gdLst/>
-            <a:ahLst/>
-            <a:cxnLst/>
-            <a:rect l="l" t="t" r="r" b="b"/>
-            <a:pathLst>
-              <a:path w="120000" h="120000" extrusionOk="0">
-                <a:moveTo>
-                  <a:pt x="0" y="0"/>
-                </a:moveTo>
-                <a:lnTo>
-                  <a:pt x="120000" y="0"/>
-                </a:lnTo>
-                <a:lnTo>
-                  <a:pt x="120000" y="120000"/>
-                </a:lnTo>
-                <a:lnTo>
-                  <a:pt x="0" y="120000"/>
-                </a:lnTo>
-                <a:close/>
-              </a:path>
-            </a:pathLst>
-          </a:custGeom>
-        </p:spPr>
-      </p:sp>
-      <p:sp>
-        <p:nvSpPr>
-          <p:cNvPr id="120" name="Google Shape;120;ga95c1e85a4_0_19:notes"/>
-          <p:cNvSpPr txBox="1">
-            <a:spLocks noGrp="1"/>
-          </p:cNvSpPr>
-          <p:nvPr>
-            <p:ph type="body" idx="1"/>
-          </p:nvPr>
-        </p:nvSpPr>
-        <p:spPr>
-          <a:xfrm>
-            <a:off x="685800" y="4343400"/>
-            <a:ext cx="5486400" cy="4114800"/>
-          </a:xfrm>
-          <a:prstGeom prst="rect">
-            <a:avLst/>
-          </a:prstGeom>
-        </p:spPr>
-        <p:txBody>
-          <a:bodyPr spcFirstLastPara="1" wrap="square" lIns="91425" tIns="91425" rIns="91425" bIns="91425" anchor="t" anchorCtr="0">
-            <a:noAutofit/>
-          </a:bodyPr>
-          <a:lstStyle/>
-          <a:p>
-            <a:pPr marL="0" lvl="0" indent="0" algn="l" rtl="0">
-              <a:spcBef>
-                <a:spcPts val="0"/>
-              </a:spcBef>
-              <a:spcAft>
-                <a:spcPts val="0"/>
-              </a:spcAft>
               <a:buNone/>
             </a:pPr>
             <a:endParaRPr/>
@@ -10828,6 +11085,151 @@
   <p:cSld>
     <p:spTree>
       <p:nvGrpSpPr>
+        <p:cNvPr id="1" name="Shape 115"/>
+        <p:cNvGrpSpPr/>
+        <p:nvPr/>
+      </p:nvGrpSpPr>
+      <p:grpSpPr>
+        <a:xfrm>
+          <a:off x="0" y="0"/>
+          <a:ext cx="0" cy="0"/>
+          <a:chOff x="0" y="0"/>
+          <a:chExt cx="0" cy="0"/>
+        </a:xfrm>
+      </p:grpSpPr>
+      <p:sp>
+        <p:nvSpPr>
+          <p:cNvPr id="116" name="Google Shape;116;p8"/>
+          <p:cNvSpPr txBox="1">
+            <a:spLocks noGrp="1"/>
+          </p:cNvSpPr>
+          <p:nvPr>
+            <p:ph type="title"/>
+          </p:nvPr>
+        </p:nvSpPr>
+        <p:spPr>
+          <a:xfrm>
+            <a:off x="471900" y="57875"/>
+            <a:ext cx="8222100" cy="670500"/>
+          </a:xfrm>
+          <a:prstGeom prst="rect">
+            <a:avLst/>
+          </a:prstGeom>
+          <a:noFill/>
+          <a:ln>
+            <a:noFill/>
+          </a:ln>
+        </p:spPr>
+        <p:txBody>
+          <a:bodyPr spcFirstLastPara="1" wrap="square" lIns="91425" tIns="91425" rIns="91425" bIns="91425" anchor="ctr" anchorCtr="0">
+            <a:noAutofit/>
+          </a:bodyPr>
+          <a:lstStyle/>
+          <a:p>
+            <a:pPr marL="0" lvl="0" indent="0" algn="l" rtl="0">
+              <a:lnSpc>
+                <a:spcPct val="100000"/>
+              </a:lnSpc>
+              <a:spcBef>
+                <a:spcPts val="0"/>
+              </a:spcBef>
+              <a:spcAft>
+                <a:spcPts val="0"/>
+              </a:spcAft>
+              <a:buSzPts val="3200"/>
+              <a:buNone/>
+            </a:pPr>
+            <a:r>
+              <a:rPr lang="en" b="1"/>
+              <a:t>Loại bài toán ML</a:t>
+            </a:r>
+            <a:r>
+              <a:rPr lang="en"/>
+              <a:t> </a:t>
+            </a:r>
+            <a:endParaRPr/>
+          </a:p>
+        </p:txBody>
+      </p:sp>
+      <p:sp>
+        <p:nvSpPr>
+          <p:cNvPr id="117" name="Google Shape;117;p8"/>
+          <p:cNvSpPr txBox="1">
+            <a:spLocks noGrp="1"/>
+          </p:cNvSpPr>
+          <p:nvPr>
+            <p:ph type="body" idx="1"/>
+          </p:nvPr>
+        </p:nvSpPr>
+        <p:spPr>
+          <a:xfrm>
+            <a:off x="471900" y="820500"/>
+            <a:ext cx="8222100" cy="3908400"/>
+          </a:xfrm>
+          <a:prstGeom prst="rect">
+            <a:avLst/>
+          </a:prstGeom>
+          <a:noFill/>
+          <a:ln>
+            <a:noFill/>
+          </a:ln>
+        </p:spPr>
+        <p:txBody>
+          <a:bodyPr spcFirstLastPara="1" wrap="square" lIns="91425" tIns="91425" rIns="91425" bIns="91425" anchor="t" anchorCtr="0">
+            <a:noAutofit/>
+          </a:bodyPr>
+          <a:lstStyle/>
+          <a:p>
+            <a:pPr marL="457200" lvl="0" indent="-368300" algn="l" rtl="0">
+              <a:lnSpc>
+                <a:spcPct val="115000"/>
+              </a:lnSpc>
+              <a:spcBef>
+                <a:spcPts val="0"/>
+              </a:spcBef>
+              <a:spcAft>
+                <a:spcPts val="0"/>
+              </a:spcAft>
+              <a:buSzPts val="2200"/>
+              <a:buChar char="●"/>
+            </a:pPr>
+            <a:r>
+              <a:rPr lang="en" sz="1600" dirty="0"/>
+              <a:t>Object Detection</a:t>
+            </a:r>
+            <a:endParaRPr sz="1600" dirty="0"/>
+          </a:p>
+          <a:p>
+            <a:pPr marL="914400" lvl="0" indent="0" algn="l" rtl="0">
+              <a:lnSpc>
+                <a:spcPct val="115000"/>
+              </a:lnSpc>
+              <a:spcBef>
+                <a:spcPts val="1600"/>
+              </a:spcBef>
+              <a:spcAft>
+                <a:spcPts val="1600"/>
+              </a:spcAft>
+              <a:buSzPts val="2200"/>
+              <a:buNone/>
+            </a:pPr>
+            <a:endParaRPr sz="1600" dirty="0"/>
+          </a:p>
+        </p:txBody>
+      </p:sp>
+    </p:spTree>
+  </p:cSld>
+  <p:clrMapOvr>
+    <a:masterClrMapping/>
+  </p:clrMapOvr>
+</p:sld>
+</file>
+
+<file path=ppt/slides/slide11.xml><?xml version="1.0" encoding="utf-8"?>
+<p:sld xmlns:a="http://schemas.openxmlformats.org/drawingml/2006/main" xmlns:r="http://schemas.openxmlformats.org/officeDocument/2006/relationships" xmlns:p="http://schemas.openxmlformats.org/presentationml/2006/main">
+  <p:cSld>
+    <p:spTree>
+      <p:nvGrpSpPr>
         <p:cNvPr id="1" name="Shape 121"/>
         <p:cNvGrpSpPr/>
         <p:nvPr/>
@@ -10918,10 +11320,134 @@
               <a:buChar char="●"/>
             </a:pPr>
             <a:r>
-              <a:rPr lang="en"/>
-              <a:t>Cải thiện hệ thống bằng cách bổ sung thêm dữ liệu đầu vào từ nhiều nguồn khác.</a:t>
-            </a:r>
-            <a:endParaRPr/>
+              <a:rPr lang="en" sz="1600" dirty="0" err="1"/>
+              <a:t>Cải</a:t>
+            </a:r>
+            <a:r>
+              <a:rPr lang="en" sz="1600" dirty="0"/>
+              <a:t> </a:t>
+            </a:r>
+            <a:r>
+              <a:rPr lang="en" sz="1600" dirty="0" err="1"/>
+              <a:t>thiện</a:t>
+            </a:r>
+            <a:r>
+              <a:rPr lang="en" sz="1600" dirty="0"/>
+              <a:t> </a:t>
+            </a:r>
+            <a:r>
+              <a:rPr lang="en" sz="1600" dirty="0" err="1"/>
+              <a:t>hệ</a:t>
+            </a:r>
+            <a:r>
+              <a:rPr lang="en" sz="1600" dirty="0"/>
+              <a:t> </a:t>
+            </a:r>
+            <a:r>
+              <a:rPr lang="en" sz="1600" dirty="0" err="1"/>
+              <a:t>thống</a:t>
+            </a:r>
+            <a:r>
+              <a:rPr lang="en" sz="1600" dirty="0"/>
+              <a:t> </a:t>
+            </a:r>
+            <a:r>
+              <a:rPr lang="en" sz="1600" dirty="0" err="1"/>
+              <a:t>bằng</a:t>
+            </a:r>
+            <a:r>
+              <a:rPr lang="en" sz="1600" dirty="0"/>
+              <a:t> </a:t>
+            </a:r>
+            <a:r>
+              <a:rPr lang="en" sz="1600" dirty="0" err="1"/>
+              <a:t>cách</a:t>
+            </a:r>
+            <a:r>
+              <a:rPr lang="en" sz="1600" dirty="0"/>
+              <a:t> </a:t>
+            </a:r>
+            <a:r>
+              <a:rPr lang="en" sz="1600" dirty="0" err="1"/>
+              <a:t>bổ</a:t>
+            </a:r>
+            <a:r>
+              <a:rPr lang="en" sz="1600" dirty="0"/>
+              <a:t> sung </a:t>
+            </a:r>
+            <a:r>
+              <a:rPr lang="en" sz="1600" dirty="0" err="1"/>
+              <a:t>thêm</a:t>
+            </a:r>
+            <a:r>
+              <a:rPr lang="en" sz="1600" dirty="0"/>
+              <a:t> </a:t>
+            </a:r>
+            <a:r>
+              <a:rPr lang="en" sz="1600" dirty="0" err="1"/>
+              <a:t>dữ</a:t>
+            </a:r>
+            <a:r>
+              <a:rPr lang="en" sz="1600" dirty="0"/>
+              <a:t> </a:t>
+            </a:r>
+            <a:r>
+              <a:rPr lang="en" sz="1600" dirty="0" err="1"/>
+              <a:t>liệu</a:t>
+            </a:r>
+            <a:r>
+              <a:rPr lang="en" sz="1600" dirty="0"/>
+              <a:t> </a:t>
+            </a:r>
+            <a:r>
+              <a:rPr lang="en" sz="1600" dirty="0" err="1"/>
+              <a:t>đầu</a:t>
+            </a:r>
+            <a:r>
+              <a:rPr lang="en" sz="1600" dirty="0"/>
+              <a:t> </a:t>
+            </a:r>
+            <a:r>
+              <a:rPr lang="en" sz="1600" dirty="0" err="1"/>
+              <a:t>vào</a:t>
+            </a:r>
+            <a:r>
+              <a:rPr lang="en" sz="1600" dirty="0"/>
+              <a:t> </a:t>
+            </a:r>
+            <a:r>
+              <a:rPr lang="en" sz="1600" dirty="0" err="1"/>
+              <a:t>từ</a:t>
+            </a:r>
+            <a:r>
+              <a:rPr lang="en" sz="1600" dirty="0"/>
+              <a:t> </a:t>
+            </a:r>
+            <a:r>
+              <a:rPr lang="en" sz="1600" dirty="0" err="1"/>
+              <a:t>nhiều</a:t>
+            </a:r>
+            <a:r>
+              <a:rPr lang="en" sz="1600" dirty="0"/>
+              <a:t> </a:t>
+            </a:r>
+            <a:r>
+              <a:rPr lang="en" sz="1600" dirty="0" err="1"/>
+              <a:t>nguồn</a:t>
+            </a:r>
+            <a:r>
+              <a:rPr lang="en" sz="1600" dirty="0"/>
+              <a:t> </a:t>
+            </a:r>
+            <a:r>
+              <a:rPr lang="en" sz="1600" dirty="0" err="1"/>
+              <a:t>khác</a:t>
+            </a:r>
+            <a:r>
+              <a:rPr lang="en" sz="1600" dirty="0"/>
+              <a:t>.</a:t>
+            </a:r>
+            <a:endParaRPr sz="1600" dirty="0"/>
           </a:p>
           <a:p>
             <a:pPr marL="457200" lvl="0" indent="-368300" algn="l" rtl="0">
@@ -10935,10 +11461,70 @@
               <a:buChar char="●"/>
             </a:pPr>
             <a:r>
-              <a:rPr lang="en"/>
-              <a:t>Xử lý thêm dữ liệu đầu vào là video.</a:t>
-            </a:r>
-            <a:endParaRPr/>
+              <a:rPr lang="en" sz="1600" dirty="0" err="1"/>
+              <a:t>Xử</a:t>
+            </a:r>
+            <a:r>
+              <a:rPr lang="en" sz="1600" dirty="0"/>
+              <a:t> </a:t>
+            </a:r>
+            <a:r>
+              <a:rPr lang="en" sz="1600" dirty="0" err="1"/>
+              <a:t>lý</a:t>
+            </a:r>
+            <a:r>
+              <a:rPr lang="en" sz="1600" dirty="0"/>
+              <a:t> </a:t>
+            </a:r>
+            <a:r>
+              <a:rPr lang="en" sz="1600" dirty="0" err="1"/>
+              <a:t>thêm</a:t>
+            </a:r>
+            <a:r>
+              <a:rPr lang="en" sz="1600" dirty="0"/>
+              <a:t> </a:t>
+            </a:r>
+            <a:r>
+              <a:rPr lang="en" sz="1600" dirty="0" err="1"/>
+              <a:t>dữ</a:t>
+            </a:r>
+            <a:r>
+              <a:rPr lang="en" sz="1600" dirty="0"/>
+              <a:t> </a:t>
+            </a:r>
+            <a:r>
+              <a:rPr lang="en" sz="1600" dirty="0" err="1"/>
+              <a:t>liệu</a:t>
+            </a:r>
+            <a:r>
+              <a:rPr lang="en" sz="1600" dirty="0"/>
+              <a:t> </a:t>
+            </a:r>
+            <a:r>
+              <a:rPr lang="en" sz="1600" dirty="0" err="1"/>
+              <a:t>đầu</a:t>
+            </a:r>
+            <a:r>
+              <a:rPr lang="en" sz="1600" dirty="0"/>
+              <a:t> </a:t>
+            </a:r>
+            <a:r>
+              <a:rPr lang="en" sz="1600" dirty="0" err="1"/>
+              <a:t>vào</a:t>
+            </a:r>
+            <a:r>
+              <a:rPr lang="en" sz="1600" dirty="0"/>
+              <a:t> </a:t>
+            </a:r>
+            <a:r>
+              <a:rPr lang="en" sz="1600" dirty="0" err="1"/>
+              <a:t>là</a:t>
+            </a:r>
+            <a:r>
+              <a:rPr lang="en" sz="1600" dirty="0"/>
+              <a:t> video.</a:t>
+            </a:r>
+            <a:endParaRPr sz="1600" dirty="0"/>
           </a:p>
           <a:p>
             <a:pPr marL="457200" lvl="0" indent="-368300" algn="l" rtl="0">
@@ -10952,10 +11538,94 @@
               <a:buChar char="●"/>
             </a:pPr>
             <a:r>
-              <a:rPr lang="en"/>
-              <a:t>Đánh giá với nhiều model và phương pháp khác đang hiện có.</a:t>
-            </a:r>
-            <a:endParaRPr/>
+              <a:rPr lang="en" sz="1600" dirty="0" err="1"/>
+              <a:t>Đánh</a:t>
+            </a:r>
+            <a:r>
+              <a:rPr lang="en" sz="1600" dirty="0"/>
+              <a:t> </a:t>
+            </a:r>
+            <a:r>
+              <a:rPr lang="en" sz="1600" dirty="0" err="1"/>
+              <a:t>giá</a:t>
+            </a:r>
+            <a:r>
+              <a:rPr lang="en" sz="1600" dirty="0"/>
+              <a:t> </a:t>
+            </a:r>
+            <a:r>
+              <a:rPr lang="en" sz="1600" dirty="0" err="1"/>
+              <a:t>với</a:t>
+            </a:r>
+            <a:r>
+              <a:rPr lang="en" sz="1600" dirty="0"/>
+              <a:t> </a:t>
+            </a:r>
+            <a:r>
+              <a:rPr lang="en" sz="1600" dirty="0" err="1"/>
+              <a:t>nhiều</a:t>
+            </a:r>
+            <a:r>
+              <a:rPr lang="en" sz="1600" dirty="0"/>
+              <a:t> model </a:t>
+            </a:r>
+            <a:r>
+              <a:rPr lang="en" sz="1600" dirty="0" err="1"/>
+              <a:t>và</a:t>
+            </a:r>
+            <a:r>
+              <a:rPr lang="en" sz="1600" dirty="0"/>
+              <a:t> </a:t>
+            </a:r>
+            <a:r>
+              <a:rPr lang="en" sz="1600" dirty="0" err="1"/>
+              <a:t>phương</a:t>
+            </a:r>
+            <a:r>
+              <a:rPr lang="en" sz="1600" dirty="0"/>
+              <a:t> </a:t>
+            </a:r>
+            <a:r>
+              <a:rPr lang="en" sz="1600" dirty="0" err="1"/>
+              <a:t>pháp</a:t>
+            </a:r>
+            <a:r>
+              <a:rPr lang="en" sz="1600" dirty="0"/>
+              <a:t> </a:t>
+            </a:r>
+            <a:r>
+              <a:rPr lang="en" sz="1600" dirty="0" err="1"/>
+              <a:t>khác</a:t>
+            </a:r>
+            <a:r>
+              <a:rPr lang="en" sz="1600" dirty="0"/>
+              <a:t> </a:t>
+            </a:r>
+            <a:r>
+              <a:rPr lang="en" sz="1600" dirty="0" err="1"/>
+              <a:t>đang</a:t>
+            </a:r>
+            <a:r>
+              <a:rPr lang="en" sz="1600" dirty="0"/>
+              <a:t> </a:t>
+            </a:r>
+            <a:r>
+              <a:rPr lang="en" sz="1600" dirty="0" err="1"/>
+              <a:t>hiện</a:t>
+            </a:r>
+            <a:r>
+              <a:rPr lang="en" sz="1600" dirty="0"/>
+              <a:t> </a:t>
+            </a:r>
+            <a:r>
+              <a:rPr lang="en" sz="1600" dirty="0" err="1"/>
+              <a:t>có</a:t>
+            </a:r>
+            <a:r>
+              <a:rPr lang="en" sz="1600" dirty="0"/>
+              <a:t>.</a:t>
+            </a:r>
+            <a:endParaRPr sz="1600" dirty="0"/>
           </a:p>
           <a:p>
             <a:pPr marL="0" lvl="0" indent="0" algn="l" rtl="0">
@@ -10967,7 +11637,7 @@
               </a:spcAft>
               <a:buNone/>
             </a:pPr>
-            <a:endParaRPr/>
+            <a:endParaRPr sz="1600" dirty="0"/>
           </a:p>
         </p:txBody>
       </p:sp>
@@ -10979,7 +11649,7 @@
 </p:sld>
 </file>
 
-<file path=ppt/slides/slide11.xml><?xml version="1.0" encoding="utf-8"?>
+<file path=ppt/slides/slide12.xml><?xml version="1.0" encoding="utf-8"?>
 <p:sld xmlns:a="http://schemas.openxmlformats.org/drawingml/2006/main" xmlns:r="http://schemas.openxmlformats.org/officeDocument/2006/relationships" xmlns:p="http://schemas.openxmlformats.org/presentationml/2006/main">
   <p:cSld>
     <p:spTree>
@@ -11107,6 +11777,231 @@
           </a:p>
         </p:txBody>
       </p:sp>
+      <p:pic>
+        <p:nvPicPr>
+          <p:cNvPr id="4" name="Picture 3" descr="A picture containing text, screenshot, stationary, writing implement&#10;&#10;Description automatically generated">
+            <a:extLst>
+              <a:ext uri="{FF2B5EF4-FFF2-40B4-BE49-F238E27FC236}">
+                <a16:creationId xmlns:a16="http://schemas.microsoft.com/office/drawing/2014/main" id="{656E1860-C840-1D4B-ACC0-4B2E76F27A07}"/>
+              </a:ext>
+            </a:extLst>
+          </p:cNvPr>
+          <p:cNvPicPr>
+            <a:picLocks noChangeAspect="1"/>
+          </p:cNvPicPr>
+          <p:nvPr/>
+        </p:nvPicPr>
+        <p:blipFill>
+          <a:blip r:embed="rId3"/>
+          <a:stretch>
+            <a:fillRect/>
+          </a:stretch>
+        </p:blipFill>
+        <p:spPr>
+          <a:xfrm>
+            <a:off x="0" y="683315"/>
+            <a:ext cx="9144000" cy="3776870"/>
+          </a:xfrm>
+          <a:prstGeom prst="rect">
+            <a:avLst/>
+          </a:prstGeom>
+        </p:spPr>
+      </p:pic>
+    </p:spTree>
+    <p:extLst>
+      <p:ext uri="{BB962C8B-B14F-4D97-AF65-F5344CB8AC3E}">
+        <p14:creationId xmlns:p14="http://schemas.microsoft.com/office/powerpoint/2010/main" val="1607805153"/>
+      </p:ext>
+    </p:extLst>
+  </p:cSld>
+  <p:clrMapOvr>
+    <a:masterClrMapping/>
+  </p:clrMapOvr>
+</p:sld>
+</file>
+
+<file path=ppt/slides/slide13.xml><?xml version="1.0" encoding="utf-8"?>
+<p:sld xmlns:a="http://schemas.openxmlformats.org/drawingml/2006/main" xmlns:r="http://schemas.openxmlformats.org/officeDocument/2006/relationships" xmlns:p="http://schemas.openxmlformats.org/presentationml/2006/main">
+  <p:cSld>
+    <p:spTree>
+      <p:nvGrpSpPr>
+        <p:cNvPr id="1" name="Shape 127"/>
+        <p:cNvGrpSpPr/>
+        <p:nvPr/>
+      </p:nvGrpSpPr>
+      <p:grpSpPr>
+        <a:xfrm>
+          <a:off x="0" y="0"/>
+          <a:ext cx="0" cy="0"/>
+          <a:chOff x="0" y="0"/>
+          <a:chExt cx="0" cy="0"/>
+        </a:xfrm>
+      </p:grpSpPr>
+      <p:sp>
+        <p:nvSpPr>
+          <p:cNvPr id="128" name="Google Shape;128;gb23b97c7f9_0_16"/>
+          <p:cNvSpPr txBox="1">
+            <a:spLocks noGrp="1"/>
+          </p:cNvSpPr>
+          <p:nvPr>
+            <p:ph type="title"/>
+          </p:nvPr>
+        </p:nvSpPr>
+        <p:spPr>
+          <a:xfrm>
+            <a:off x="471900" y="57875"/>
+            <a:ext cx="8222100" cy="670500"/>
+          </a:xfrm>
+          <a:prstGeom prst="rect">
+            <a:avLst/>
+          </a:prstGeom>
+          <a:noFill/>
+          <a:ln>
+            <a:noFill/>
+          </a:ln>
+        </p:spPr>
+        <p:txBody>
+          <a:bodyPr spcFirstLastPara="1" wrap="square" lIns="91425" tIns="91425" rIns="91425" bIns="91425" anchor="ctr" anchorCtr="0">
+            <a:noAutofit/>
+          </a:bodyPr>
+          <a:lstStyle/>
+          <a:p>
+            <a:pPr marL="0" lvl="0" indent="0" algn="l" rtl="0">
+              <a:lnSpc>
+                <a:spcPct val="100000"/>
+              </a:lnSpc>
+              <a:spcBef>
+                <a:spcPts val="0"/>
+              </a:spcBef>
+              <a:spcAft>
+                <a:spcPts val="0"/>
+              </a:spcAft>
+              <a:buSzPts val="3200"/>
+              <a:buNone/>
+            </a:pPr>
+            <a:r>
+              <a:rPr lang="en" b="1" dirty="0" err="1"/>
+              <a:t>Đánh</a:t>
+            </a:r>
+            <a:r>
+              <a:rPr lang="en" b="1" dirty="0"/>
+              <a:t> </a:t>
+            </a:r>
+            <a:r>
+              <a:rPr lang="en" b="1" dirty="0" err="1"/>
+              <a:t>giá</a:t>
+            </a:r>
+            <a:r>
+              <a:rPr lang="en" b="1" dirty="0"/>
+              <a:t> </a:t>
+            </a:r>
+            <a:r>
+              <a:rPr lang="en" b="1" dirty="0" err="1"/>
+              <a:t>kết</a:t>
+            </a:r>
+            <a:r>
+              <a:rPr lang="en" b="1" dirty="0"/>
+              <a:t> </a:t>
+            </a:r>
+            <a:r>
+              <a:rPr lang="en" b="1" dirty="0" err="1"/>
+              <a:t>quả</a:t>
+            </a:r>
+            <a:endParaRPr dirty="0"/>
+          </a:p>
+        </p:txBody>
+      </p:sp>
+      <p:sp>
+        <p:nvSpPr>
+          <p:cNvPr id="129" name="Google Shape;129;gb23b97c7f9_0_16"/>
+          <p:cNvSpPr txBox="1">
+            <a:spLocks noGrp="1"/>
+          </p:cNvSpPr>
+          <p:nvPr>
+            <p:ph type="body" idx="1"/>
+          </p:nvPr>
+        </p:nvSpPr>
+        <p:spPr>
+          <a:xfrm>
+            <a:off x="471900" y="820500"/>
+            <a:ext cx="8222100" cy="3908400"/>
+          </a:xfrm>
+          <a:prstGeom prst="rect">
+            <a:avLst/>
+          </a:prstGeom>
+          <a:noFill/>
+          <a:ln>
+            <a:noFill/>
+          </a:ln>
+        </p:spPr>
+        <p:txBody>
+          <a:bodyPr spcFirstLastPara="1" wrap="square" lIns="91425" tIns="91425" rIns="91425" bIns="91425" anchor="t" anchorCtr="0">
+            <a:noAutofit/>
+          </a:bodyPr>
+          <a:lstStyle/>
+          <a:p>
+            <a:pPr marL="457200" lvl="0" indent="0" algn="l" rtl="0">
+              <a:lnSpc>
+                <a:spcPct val="115000"/>
+              </a:lnSpc>
+              <a:spcBef>
+                <a:spcPts val="1600"/>
+              </a:spcBef>
+              <a:spcAft>
+                <a:spcPts val="0"/>
+              </a:spcAft>
+              <a:buNone/>
+            </a:pPr>
+            <a:endParaRPr/>
+          </a:p>
+          <a:p>
+            <a:pPr marL="914400" lvl="0" indent="0" algn="l" rtl="0">
+              <a:lnSpc>
+                <a:spcPct val="115000"/>
+              </a:lnSpc>
+              <a:spcBef>
+                <a:spcPts val="1600"/>
+              </a:spcBef>
+              <a:spcAft>
+                <a:spcPts val="1600"/>
+              </a:spcAft>
+              <a:buSzPts val="2200"/>
+              <a:buNone/>
+            </a:pPr>
+            <a:endParaRPr sz="1800"/>
+          </a:p>
+        </p:txBody>
+      </p:sp>
+      <p:pic>
+        <p:nvPicPr>
+          <p:cNvPr id="3" name="Picture 2" descr="Chart, bar chart&#10;&#10;Description automatically generated">
+            <a:extLst>
+              <a:ext uri="{FF2B5EF4-FFF2-40B4-BE49-F238E27FC236}">
+                <a16:creationId xmlns:a16="http://schemas.microsoft.com/office/drawing/2014/main" id="{EA50487A-7D54-AF47-9B4A-2273B5EA77AE}"/>
+              </a:ext>
+            </a:extLst>
+          </p:cNvPr>
+          <p:cNvPicPr>
+            <a:picLocks noChangeAspect="1"/>
+          </p:cNvPicPr>
+          <p:nvPr/>
+        </p:nvPicPr>
+        <p:blipFill>
+          <a:blip r:embed="rId3"/>
+          <a:stretch>
+            <a:fillRect/>
+          </a:stretch>
+        </p:blipFill>
+        <p:spPr>
+          <a:xfrm>
+            <a:off x="0" y="683315"/>
+            <a:ext cx="9144000" cy="3776870"/>
+          </a:xfrm>
+          <a:prstGeom prst="rect">
+            <a:avLst/>
+          </a:prstGeom>
+        </p:spPr>
+      </p:pic>
     </p:spTree>
   </p:cSld>
   <p:clrMapOvr>
@@ -11115,7 +12010,118 @@
 </p:sld>
 </file>
 
-<file path=ppt/slides/slide12.xml><?xml version="1.0" encoding="utf-8"?>
+<file path=ppt/slides/slide14.xml><?xml version="1.0" encoding="utf-8"?>
+<p:sld xmlns:a="http://schemas.openxmlformats.org/drawingml/2006/main" xmlns:r="http://schemas.openxmlformats.org/officeDocument/2006/relationships" xmlns:p="http://schemas.openxmlformats.org/presentationml/2006/main">
+  <p:cSld>
+    <p:spTree>
+      <p:nvGrpSpPr>
+        <p:cNvPr id="1" name=""/>
+        <p:cNvGrpSpPr/>
+        <p:nvPr/>
+      </p:nvGrpSpPr>
+      <p:grpSpPr>
+        <a:xfrm>
+          <a:off x="0" y="0"/>
+          <a:ext cx="0" cy="0"/>
+          <a:chOff x="0" y="0"/>
+          <a:chExt cx="0" cy="0"/>
+        </a:xfrm>
+      </p:grpSpPr>
+      <p:sp>
+        <p:nvSpPr>
+          <p:cNvPr id="2" name="Title 1">
+            <a:extLst>
+              <a:ext uri="{FF2B5EF4-FFF2-40B4-BE49-F238E27FC236}">
+                <a16:creationId xmlns:a16="http://schemas.microsoft.com/office/drawing/2014/main" id="{AE67D863-0F0E-A34A-834D-70743D4BE76A}"/>
+              </a:ext>
+            </a:extLst>
+          </p:cNvPr>
+          <p:cNvSpPr>
+            <a:spLocks noGrp="1"/>
+          </p:cNvSpPr>
+          <p:nvPr>
+            <p:ph type="title"/>
+          </p:nvPr>
+        </p:nvSpPr>
+        <p:spPr/>
+        <p:txBody>
+          <a:bodyPr/>
+          <a:lstStyle/>
+          <a:p>
+            <a:r>
+              <a:rPr lang="en" b="1" dirty="0" err="1"/>
+              <a:t>Đánh</a:t>
+            </a:r>
+            <a:r>
+              <a:rPr lang="en" b="1" dirty="0"/>
+              <a:t> </a:t>
+            </a:r>
+            <a:r>
+              <a:rPr lang="en" b="1" dirty="0" err="1"/>
+              <a:t>giá</a:t>
+            </a:r>
+            <a:r>
+              <a:rPr lang="en" b="1" dirty="0"/>
+              <a:t> </a:t>
+            </a:r>
+            <a:r>
+              <a:rPr lang="en" b="1" dirty="0" err="1"/>
+              <a:t>kết</a:t>
+            </a:r>
+            <a:r>
+              <a:rPr lang="en" b="1" dirty="0"/>
+              <a:t> </a:t>
+            </a:r>
+            <a:r>
+              <a:rPr lang="en" b="1" dirty="0" err="1"/>
+              <a:t>quả</a:t>
+            </a:r>
+            <a:endParaRPr lang="en-VN" dirty="0"/>
+          </a:p>
+        </p:txBody>
+      </p:sp>
+      <p:sp>
+        <p:nvSpPr>
+          <p:cNvPr id="3" name="Text Placeholder 2">
+            <a:extLst>
+              <a:ext uri="{FF2B5EF4-FFF2-40B4-BE49-F238E27FC236}">
+                <a16:creationId xmlns:a16="http://schemas.microsoft.com/office/drawing/2014/main" id="{05A20B97-C2EC-E443-B644-341B7FBCA26A}"/>
+              </a:ext>
+            </a:extLst>
+          </p:cNvPr>
+          <p:cNvSpPr>
+            <a:spLocks noGrp="1"/>
+          </p:cNvSpPr>
+          <p:nvPr>
+            <p:ph type="body" idx="1"/>
+          </p:nvPr>
+        </p:nvSpPr>
+        <p:spPr/>
+        <p:txBody>
+          <a:bodyPr/>
+          <a:lstStyle/>
+          <a:p>
+            <a:r>
+              <a:rPr lang="en-VN" sz="1600" dirty="0"/>
+              <a:t>Theo như biểu đồ model được train với ảnh có kích thước 416x416 (1) có độ chính xác kém hơn những ảnh 150x150 (2) và 226x226 (3) tuy nhiên khi sử dụng thực tế thì model (1) lại có kết quả tốt hơn (2) và (3).</a:t>
+            </a:r>
+          </a:p>
+        </p:txBody>
+      </p:sp>
+    </p:spTree>
+    <p:extLst>
+      <p:ext uri="{BB962C8B-B14F-4D97-AF65-F5344CB8AC3E}">
+        <p14:creationId xmlns:p14="http://schemas.microsoft.com/office/powerpoint/2010/main" val="995897128"/>
+      </p:ext>
+    </p:extLst>
+  </p:cSld>
+  <p:clrMapOvr>
+    <a:masterClrMapping/>
+  </p:clrMapOvr>
+</p:sld>
+</file>
+
+<file path=ppt/slides/slide15.xml><?xml version="1.0" encoding="utf-8"?>
 <p:sld xmlns:a="http://schemas.openxmlformats.org/drawingml/2006/main" xmlns:r="http://schemas.openxmlformats.org/officeDocument/2006/relationships" xmlns:p="http://schemas.openxmlformats.org/presentationml/2006/main">
   <p:cSld>
     <p:spTree>
@@ -11210,7 +12216,7 @@
               <a:buChar char="●"/>
             </a:pPr>
             <a:r>
-              <a:rPr lang="en" sz="1600" u="sng">
+              <a:rPr lang="en" sz="1600" u="sng" dirty="0">
                 <a:solidFill>
                   <a:schemeClr val="hlink"/>
                 </a:solidFill>
@@ -11218,7 +12224,7 @@
               </a:rPr>
               <a:t>https://blog.roboflow.com/breaking-down-efficientdet</a:t>
             </a:r>
-            <a:endParaRPr sz="1600"/>
+            <a:endParaRPr sz="1600" dirty="0"/>
           </a:p>
           <a:p>
             <a:pPr marL="457200" lvl="0" indent="-330200" algn="l" rtl="0">
@@ -11232,7 +12238,7 @@
               <a:buChar char="●"/>
             </a:pPr>
             <a:r>
-              <a:rPr lang="en" sz="1600" u="sng">
+              <a:rPr lang="en" sz="1600" u="sng" dirty="0">
                 <a:solidFill>
                   <a:schemeClr val="hlink"/>
                 </a:solidFill>
@@ -11244,7 +12250,7 @@
               </a:rPr>
               <a:t>https://blog.tensorflow.org/2020/07/tensorflow-2-meets-object-detection-api</a:t>
             </a:r>
-            <a:endParaRPr sz="1600">
+            <a:endParaRPr sz="1600" dirty="0">
               <a:latin typeface="Arial"/>
               <a:ea typeface="Arial"/>
               <a:cs typeface="Arial"/>
@@ -11264,7 +12270,7 @@
               <a:buChar char="●"/>
             </a:pPr>
             <a:r>
-              <a:rPr lang="en" sz="1600" u="sng">
+              <a:rPr lang="en" sz="1600" u="sng" dirty="0">
                 <a:solidFill>
                   <a:schemeClr val="hlink"/>
                 </a:solidFill>
@@ -11276,7 +12282,7 @@
               </a:rPr>
               <a:t>https://blog.roboflow.com/train-a-tensorflow2-object-detection-model/</a:t>
             </a:r>
-            <a:endParaRPr sz="1600">
+            <a:endParaRPr sz="1600" dirty="0">
               <a:latin typeface="Arial"/>
               <a:ea typeface="Arial"/>
               <a:cs typeface="Arial"/>
@@ -11293,7 +12299,7 @@
               </a:spcAft>
               <a:buNone/>
             </a:pPr>
-            <a:endParaRPr sz="1600">
+            <a:endParaRPr sz="1600" dirty="0">
               <a:latin typeface="Arial"/>
               <a:ea typeface="Arial"/>
               <a:cs typeface="Arial"/>
@@ -12138,135 +13144,7 @@
             </a:r>
             <a:r>
               <a:rPr lang="en" sz="1600" dirty="0"/>
-              <a:t> EfficientDet-d0 model</a:t>
-            </a:r>
-            <a:endParaRPr sz="1600" dirty="0"/>
-          </a:p>
-          <a:p>
-            <a:pPr marL="914400" lvl="1" indent="-330200" algn="l" rtl="0">
-              <a:lnSpc>
-                <a:spcPct val="115000"/>
-              </a:lnSpc>
-              <a:spcBef>
-                <a:spcPts val="0"/>
-              </a:spcBef>
-              <a:spcAft>
-                <a:spcPts val="0"/>
-              </a:spcAft>
-              <a:buSzPts val="1600"/>
-              <a:buChar char="○"/>
-            </a:pPr>
-            <a:r>
-              <a:rPr lang="en" sz="1600" dirty="0" err="1"/>
-              <a:t>Kết</a:t>
-            </a:r>
-            <a:r>
-              <a:rPr lang="en" sz="1600" dirty="0"/>
-              <a:t> </a:t>
-            </a:r>
-            <a:r>
-              <a:rPr lang="en" sz="1600" dirty="0" err="1"/>
-              <a:t>quả</a:t>
-            </a:r>
-            <a:r>
-              <a:rPr lang="en" sz="1600" dirty="0"/>
-              <a:t>: </a:t>
-            </a:r>
-            <a:r>
-              <a:rPr lang="en" sz="1600" dirty="0" err="1"/>
-              <a:t>độ</a:t>
-            </a:r>
-            <a:r>
-              <a:rPr lang="en" sz="1600" dirty="0"/>
-              <a:t> </a:t>
-            </a:r>
-            <a:r>
-              <a:rPr lang="en" sz="1600" dirty="0" err="1"/>
-              <a:t>chính</a:t>
-            </a:r>
-            <a:r>
-              <a:rPr lang="en" sz="1600" dirty="0"/>
-              <a:t> </a:t>
-            </a:r>
-            <a:r>
-              <a:rPr lang="en" sz="1600" dirty="0" err="1"/>
-              <a:t>xác</a:t>
-            </a:r>
-            <a:r>
-              <a:rPr lang="en" sz="1600" dirty="0"/>
-              <a:t> </a:t>
-            </a:r>
-            <a:r>
-              <a:rPr lang="en" sz="1600" dirty="0" err="1"/>
-              <a:t>đạt</a:t>
-            </a:r>
-            <a:r>
-              <a:rPr lang="en" sz="1600" dirty="0"/>
-              <a:t> </a:t>
-            </a:r>
-            <a:r>
-              <a:rPr lang="en" sz="1600" dirty="0" err="1"/>
-              <a:t>được</a:t>
-            </a:r>
-            <a:r>
-              <a:rPr lang="en" sz="1600" dirty="0"/>
-              <a:t> </a:t>
-            </a:r>
-            <a:r>
-              <a:rPr lang="en" sz="1600" dirty="0" err="1"/>
-              <a:t>trong</a:t>
-            </a:r>
-            <a:r>
-              <a:rPr lang="en" sz="1600" dirty="0"/>
-              <a:t> </a:t>
-            </a:r>
-            <a:r>
-              <a:rPr lang="en" sz="1600" dirty="0" err="1"/>
-              <a:t>quá</a:t>
-            </a:r>
-            <a:r>
-              <a:rPr lang="en" sz="1600" dirty="0"/>
-              <a:t> </a:t>
-            </a:r>
-            <a:r>
-              <a:rPr lang="en" sz="1600" dirty="0" err="1"/>
-              <a:t>trình</a:t>
-            </a:r>
-            <a:r>
-              <a:rPr lang="en" sz="1600" dirty="0"/>
-              <a:t> training </a:t>
-            </a:r>
-            <a:r>
-              <a:rPr lang="en" sz="1600" dirty="0" err="1"/>
-              <a:t>và</a:t>
-            </a:r>
-            <a:r>
-              <a:rPr lang="en" sz="1600" dirty="0"/>
-              <a:t> testing </a:t>
-            </a:r>
-            <a:r>
-              <a:rPr lang="en" sz="1600" dirty="0" err="1"/>
-              <a:t>lần</a:t>
-            </a:r>
-            <a:r>
-              <a:rPr lang="en" sz="1600" dirty="0"/>
-              <a:t> </a:t>
-            </a:r>
-            <a:r>
-              <a:rPr lang="en" sz="1600" dirty="0" err="1"/>
-              <a:t>lượt</a:t>
-            </a:r>
-            <a:r>
-              <a:rPr lang="en" sz="1600" dirty="0"/>
-              <a:t> </a:t>
-            </a:r>
-            <a:r>
-              <a:rPr lang="en" sz="1600" dirty="0" err="1"/>
-              <a:t>là</a:t>
-            </a:r>
-            <a:r>
-              <a:rPr lang="en" sz="1600" dirty="0"/>
-              <a:t> _________.</a:t>
+              <a:t> EfficientDet-d0 model.</a:t>
             </a:r>
             <a:endParaRPr sz="1600" dirty="0"/>
           </a:p>
@@ -13421,19 +14299,19 @@
           <a:lstStyle/>
           <a:p>
             <a:r>
-              <a:rPr lang="en-VN" dirty="0"/>
+              <a:rPr lang="en-VN" sz="1600" dirty="0"/>
               <a:t>Demo: </a:t>
             </a:r>
             <a:r>
-              <a:rPr lang="en-US" dirty="0">
+              <a:rPr lang="en-US" sz="1600" dirty="0">
                 <a:hlinkClick r:id="rId2"/>
               </a:rPr>
               <a:t>https://www.youtube.com/watch?v=hhwftzrl_CQ</a:t>
             </a:r>
-            <a:endParaRPr lang="en-US" dirty="0"/>
+            <a:endParaRPr lang="en-US" sz="1600" dirty="0"/>
           </a:p>
           <a:p>
-            <a:endParaRPr lang="en-VN" dirty="0"/>
+            <a:endParaRPr lang="en-VN" sz="1600" dirty="0"/>
           </a:p>
         </p:txBody>
       </p:sp>
@@ -13510,10 +14388,18 @@
               <a:buNone/>
             </a:pPr>
             <a:r>
-              <a:rPr lang="en" b="1"/>
-              <a:t>Dữ liệu</a:t>
-            </a:r>
-            <a:endParaRPr/>
+              <a:rPr lang="en" b="1" dirty="0" err="1"/>
+              <a:t>Dữ</a:t>
+            </a:r>
+            <a:r>
+              <a:rPr lang="en" b="1" dirty="0"/>
+              <a:t> </a:t>
+            </a:r>
+            <a:r>
+              <a:rPr lang="en" b="1" dirty="0" err="1"/>
+              <a:t>liệu</a:t>
+            </a:r>
+            <a:endParaRPr dirty="0"/>
           </a:p>
         </p:txBody>
       </p:sp>
@@ -13560,10 +14446,346 @@
               <a:buChar char="●"/>
             </a:pPr>
             <a:r>
-              <a:rPr lang="en"/>
-              <a:t>Tổng số mẫu: 624</a:t>
-            </a:r>
-            <a:endParaRPr/>
+              <a:rPr lang="en" sz="1600" dirty="0" err="1"/>
+              <a:t>Tổng</a:t>
+            </a:r>
+            <a:r>
+              <a:rPr lang="en" sz="1600" dirty="0"/>
+              <a:t> </a:t>
+            </a:r>
+            <a:r>
+              <a:rPr lang="en" sz="1600" dirty="0" err="1"/>
+              <a:t>số</a:t>
+            </a:r>
+            <a:r>
+              <a:rPr lang="en" sz="1600" dirty="0"/>
+              <a:t> </a:t>
+            </a:r>
+            <a:r>
+              <a:rPr lang="en" sz="1600" dirty="0" err="1"/>
+              <a:t>ảnh</a:t>
+            </a:r>
+            <a:r>
+              <a:rPr lang="en" sz="1600" dirty="0"/>
+              <a:t>: 1706 </a:t>
+            </a:r>
+            <a:r>
+              <a:rPr lang="en" sz="1600" dirty="0" err="1"/>
+              <a:t>ảnh</a:t>
+            </a:r>
+            <a:endParaRPr sz="1600" dirty="0"/>
+          </a:p>
+          <a:p>
+            <a:pPr lvl="1">
+              <a:spcBef>
+                <a:spcPts val="0"/>
+              </a:spcBef>
+            </a:pPr>
+            <a:r>
+              <a:rPr lang="en" sz="1600" dirty="0"/>
+              <a:t>Training: 1566 </a:t>
+            </a:r>
+            <a:r>
+              <a:rPr lang="en" sz="1600" dirty="0" err="1"/>
+              <a:t>ảnh</a:t>
+            </a:r>
+            <a:r>
+              <a:rPr lang="en" sz="1600" dirty="0"/>
+              <a:t> </a:t>
+            </a:r>
+            <a:r>
+              <a:rPr lang="en" sz="1600" dirty="0" err="1"/>
+              <a:t>trong</a:t>
+            </a:r>
+            <a:r>
+              <a:rPr lang="en" sz="1600" dirty="0"/>
+              <a:t> </a:t>
+            </a:r>
+            <a:r>
+              <a:rPr lang="en" sz="1600" dirty="0" err="1"/>
+              <a:t>đó</a:t>
+            </a:r>
+            <a:r>
+              <a:rPr lang="en" sz="1600" dirty="0"/>
+              <a:t> 1054 </a:t>
+            </a:r>
+            <a:r>
+              <a:rPr lang="en" sz="1600" dirty="0" err="1"/>
+              <a:t>ảnh</a:t>
+            </a:r>
+            <a:r>
+              <a:rPr lang="en" sz="1600" dirty="0"/>
+              <a:t> </a:t>
+            </a:r>
+            <a:r>
+              <a:rPr lang="en" sz="1600" dirty="0" err="1"/>
+              <a:t>được</a:t>
+            </a:r>
+            <a:r>
+              <a:rPr lang="en" sz="1600" dirty="0"/>
+              <a:t> </a:t>
+            </a:r>
+            <a:r>
+              <a:rPr lang="en" sz="1600" dirty="0" err="1"/>
+              <a:t>tạo</a:t>
+            </a:r>
+            <a:r>
+              <a:rPr lang="en" sz="1600" dirty="0"/>
+              <a:t> ra </a:t>
+            </a:r>
+            <a:r>
+              <a:rPr lang="en" sz="1600" dirty="0" err="1"/>
+              <a:t>sau</a:t>
+            </a:r>
+            <a:r>
+              <a:rPr lang="en" sz="1600" dirty="0"/>
+              <a:t> </a:t>
+            </a:r>
+            <a:r>
+              <a:rPr lang="en" sz="1600" dirty="0" err="1"/>
+              <a:t>khi</a:t>
+            </a:r>
+            <a:r>
+              <a:rPr lang="en" sz="1600" dirty="0"/>
+              <a:t> </a:t>
+            </a:r>
+            <a:r>
+              <a:rPr lang="en" sz="1600" dirty="0" err="1"/>
+              <a:t>sử</a:t>
+            </a:r>
+            <a:r>
+              <a:rPr lang="en" sz="1600" dirty="0"/>
+              <a:t> d</a:t>
+            </a:r>
+            <a:r>
+              <a:rPr lang="en-US" sz="1600" dirty="0" err="1"/>
+              <a:t>ụng</a:t>
+            </a:r>
+            <a:r>
+              <a:rPr lang="en-US" sz="1600" dirty="0"/>
+              <a:t> </a:t>
+            </a:r>
+            <a:r>
+              <a:rPr lang="en-US" sz="1600" dirty="0" err="1"/>
+              <a:t>augumented</a:t>
+            </a:r>
+            <a:r>
+              <a:rPr lang="en-US" sz="1600" dirty="0"/>
+              <a:t> </a:t>
+            </a:r>
+            <a:r>
+              <a:rPr lang="en-US" sz="1600" dirty="0" err="1"/>
+              <a:t>trên</a:t>
+            </a:r>
+            <a:r>
+              <a:rPr lang="en-US" sz="1600" dirty="0"/>
+              <a:t> 512 </a:t>
+            </a:r>
+            <a:r>
+              <a:rPr lang="en-US" sz="1600" dirty="0" err="1"/>
+              <a:t>ảnh</a:t>
+            </a:r>
+            <a:r>
+              <a:rPr lang="en-US" sz="1600" dirty="0"/>
+              <a:t> </a:t>
+            </a:r>
+            <a:r>
+              <a:rPr lang="en-US" sz="1600" dirty="0" err="1"/>
+              <a:t>gốc</a:t>
+            </a:r>
+            <a:r>
+              <a:rPr lang="en" sz="1600" dirty="0"/>
+              <a:t> </a:t>
+            </a:r>
+            <a:r>
+              <a:rPr lang="en-US" sz="1600" dirty="0" err="1"/>
+              <a:t>theo</a:t>
+            </a:r>
+            <a:r>
+              <a:rPr lang="en-US" sz="1600" dirty="0"/>
+              <a:t> </a:t>
+            </a:r>
+            <a:r>
+              <a:rPr lang="en-US" sz="1600" dirty="0" err="1"/>
+              <a:t>cấu</a:t>
+            </a:r>
+            <a:r>
+              <a:rPr lang="en-US" sz="1600" dirty="0"/>
+              <a:t> </a:t>
+            </a:r>
+            <a:r>
+              <a:rPr lang="en-US" sz="1600" dirty="0" err="1"/>
+              <a:t>hình</a:t>
+            </a:r>
+            <a:r>
+              <a:rPr lang="en-US" sz="1600" dirty="0"/>
+              <a:t> </a:t>
+            </a:r>
+            <a:r>
+              <a:rPr lang="en-US" sz="1600" dirty="0" err="1"/>
+              <a:t>như</a:t>
+            </a:r>
+            <a:r>
+              <a:rPr lang="en-US" sz="1600" dirty="0"/>
+              <a:t> </a:t>
+            </a:r>
+            <a:r>
+              <a:rPr lang="en-US" sz="1600" dirty="0" err="1"/>
+              <a:t>sau</a:t>
+            </a:r>
+            <a:r>
+              <a:rPr lang="en-US" sz="1600" dirty="0"/>
+              <a:t>:</a:t>
+            </a:r>
+          </a:p>
+          <a:p>
+            <a:pPr lvl="2">
+              <a:spcBef>
+                <a:spcPts val="0"/>
+              </a:spcBef>
+            </a:pPr>
+            <a:r>
+              <a:rPr lang="en-US" sz="1600" dirty="0"/>
+              <a:t>Size: 416 x 416</a:t>
+            </a:r>
+          </a:p>
+          <a:p>
+            <a:pPr lvl="2">
+              <a:spcBef>
+                <a:spcPts val="0"/>
+              </a:spcBef>
+            </a:pPr>
+            <a:r>
+              <a:rPr lang="en-US" sz="1600" dirty="0"/>
+              <a:t>Rotation: </a:t>
+            </a:r>
+            <a:r>
+              <a:rPr lang="en-US" sz="1600" dirty="0" err="1"/>
+              <a:t>từ</a:t>
+            </a:r>
+            <a:r>
+              <a:rPr lang="en-US" sz="1600" dirty="0"/>
+              <a:t> -45 </a:t>
+            </a:r>
+            <a:r>
+              <a:rPr lang="en-US" sz="1600" dirty="0" err="1"/>
+              <a:t>độ</a:t>
+            </a:r>
+            <a:r>
+              <a:rPr lang="en-US" sz="1600" dirty="0"/>
+              <a:t> </a:t>
+            </a:r>
+            <a:r>
+              <a:rPr lang="en-US" sz="1600" dirty="0" err="1"/>
+              <a:t>đến</a:t>
+            </a:r>
+            <a:r>
+              <a:rPr lang="en-US" sz="1600" dirty="0"/>
+              <a:t> 45 </a:t>
+            </a:r>
+            <a:r>
+              <a:rPr lang="en-US" sz="1600" dirty="0" err="1"/>
+              <a:t>độ</a:t>
+            </a:r>
+            <a:endParaRPr lang="en-US" sz="1600" dirty="0"/>
+          </a:p>
+          <a:p>
+            <a:pPr lvl="2">
+              <a:spcBef>
+                <a:spcPts val="0"/>
+              </a:spcBef>
+            </a:pPr>
+            <a:r>
+              <a:rPr lang="en-US" sz="1600" dirty="0"/>
+              <a:t>Shear: horizontal </a:t>
+            </a:r>
+            <a:r>
+              <a:rPr lang="en-US" sz="1600" dirty="0" err="1"/>
+              <a:t>và</a:t>
+            </a:r>
+            <a:r>
+              <a:rPr lang="en-US" sz="1600" dirty="0"/>
+              <a:t> vertical </a:t>
+            </a:r>
+            <a:r>
+              <a:rPr lang="en-US" sz="1600" dirty="0" err="1"/>
+              <a:t>từ</a:t>
+            </a:r>
+            <a:r>
+              <a:rPr lang="en-US" sz="1600" dirty="0"/>
+              <a:t> -15 </a:t>
+            </a:r>
+            <a:r>
+              <a:rPr lang="en-US" sz="1600" dirty="0" err="1"/>
+              <a:t>độ</a:t>
+            </a:r>
+            <a:r>
+              <a:rPr lang="en-US" sz="1600" dirty="0"/>
+              <a:t> </a:t>
+            </a:r>
+            <a:r>
+              <a:rPr lang="en-US" sz="1600" dirty="0" err="1"/>
+              <a:t>đến</a:t>
+            </a:r>
+            <a:r>
+              <a:rPr lang="en-US" sz="1600" dirty="0"/>
+              <a:t> 15 </a:t>
+            </a:r>
+            <a:r>
+              <a:rPr lang="en-US" sz="1600" dirty="0" err="1"/>
+              <a:t>độ</a:t>
+            </a:r>
+            <a:endParaRPr lang="en-US" sz="1600" dirty="0"/>
+          </a:p>
+          <a:p>
+            <a:pPr lvl="2">
+              <a:spcBef>
+                <a:spcPts val="0"/>
+              </a:spcBef>
+            </a:pPr>
+            <a:r>
+              <a:rPr lang="en-US" sz="1600" dirty="0"/>
+              <a:t>Brightness: </a:t>
+            </a:r>
+            <a:r>
+              <a:rPr lang="en-US" sz="1600" dirty="0" err="1"/>
+              <a:t>từ</a:t>
+            </a:r>
+            <a:r>
+              <a:rPr lang="en-US" sz="1600" dirty="0"/>
+              <a:t> -20% </a:t>
+            </a:r>
+            <a:r>
+              <a:rPr lang="en-US" sz="1600" dirty="0" err="1"/>
+              <a:t>đến</a:t>
+            </a:r>
+            <a:r>
+              <a:rPr lang="en-US" sz="1600" dirty="0"/>
+              <a:t> 20%</a:t>
+            </a:r>
+          </a:p>
+          <a:p>
+            <a:pPr lvl="2">
+              <a:spcBef>
+                <a:spcPts val="0"/>
+              </a:spcBef>
+            </a:pPr>
+            <a:r>
+              <a:rPr lang="vi-VN" sz="1600" dirty="0"/>
+              <a:t>Blur: từ 0px đến 5px</a:t>
+            </a:r>
+          </a:p>
+          <a:p>
+            <a:pPr lvl="2">
+              <a:spcBef>
+                <a:spcPts val="0"/>
+              </a:spcBef>
+            </a:pPr>
+            <a:r>
+              <a:rPr lang="vi-VN" sz="1600" dirty="0"/>
+              <a:t>Noise: từ 0% đến 5%</a:t>
+            </a:r>
+            <a:endParaRPr sz="1600" dirty="0"/>
           </a:p>
           <a:p>
             <a:pPr marL="914400" lvl="1" indent="-355600" algn="l" rtl="0">
@@ -13580,179 +14802,74 @@
               <a:buChar char="○"/>
             </a:pPr>
             <a:r>
-              <a:rPr lang="en"/>
-              <a:t>Training:</a:t>
-            </a:r>
-            <a:endParaRPr/>
+              <a:rPr lang="en" sz="1600" dirty="0"/>
+              <a:t>Testing: 130 </a:t>
+            </a:r>
+            <a:r>
+              <a:rPr lang="en" sz="1600" dirty="0" err="1"/>
+              <a:t>ảnh</a:t>
+            </a:r>
+            <a:endParaRPr lang="en" sz="1600" dirty="0"/>
           </a:p>
           <a:p>
-            <a:pPr marL="914400" lvl="1" indent="-355600" algn="l" rtl="0">
-              <a:lnSpc>
-                <a:spcPct val="115000"/>
-              </a:lnSpc>
-              <a:spcBef>
-                <a:spcPts val="0"/>
-              </a:spcBef>
-              <a:spcAft>
-                <a:spcPts val="0"/>
-              </a:spcAft>
-              <a:buSzPts val="2000"/>
-              <a:buChar char="○"/>
+            <a:pPr lvl="1">
+              <a:spcBef>
+                <a:spcPts val="0"/>
+              </a:spcBef>
             </a:pPr>
             <a:r>
-              <a:rPr lang="en"/>
-              <a:t>Testing:</a:t>
-            </a:r>
-            <a:endParaRPr/>
+              <a:rPr lang="en" sz="1600" dirty="0"/>
+              <a:t>Dataset: </a:t>
+            </a:r>
+            <a:r>
+              <a:rPr lang="en-US" sz="1600" dirty="0">
+                <a:hlinkClick r:id="rId3"/>
+              </a:rPr>
+              <a:t>https://github.com/MaiNga-uit/CS2225.CH1507/tree/master/dataset</a:t>
+            </a:r>
+            <a:endParaRPr lang="en-US" sz="1600" dirty="0"/>
           </a:p>
           <a:p>
-            <a:pPr marL="914400" lvl="1" indent="-355600" algn="l" rtl="0">
-              <a:lnSpc>
-                <a:spcPct val="115000"/>
-              </a:lnSpc>
-              <a:spcBef>
-                <a:spcPts val="0"/>
-              </a:spcBef>
-              <a:spcAft>
-                <a:spcPts val="0"/>
-              </a:spcAft>
-              <a:buSzPts val="2000"/>
-              <a:buChar char="○"/>
+            <a:pPr lvl="1">
+              <a:spcBef>
+                <a:spcPts val="0"/>
+              </a:spcBef>
             </a:pPr>
             <a:r>
-              <a:rPr lang="en"/>
-              <a:t>Evaluating</a:t>
-            </a:r>
-            <a:endParaRPr/>
+              <a:rPr lang="en-US" sz="1600" dirty="0"/>
+              <a:t>TF-record </a:t>
+            </a:r>
+            <a:r>
+              <a:rPr lang="en-US" sz="1600" dirty="0" err="1"/>
+              <a:t>từ</a:t>
+            </a:r>
+            <a:r>
+              <a:rPr lang="en-US" sz="1600" dirty="0"/>
+              <a:t> dataset: </a:t>
+            </a:r>
+            <a:r>
+              <a:rPr lang="en-US" sz="1600" dirty="0">
+                <a:hlinkClick r:id="rId4"/>
+              </a:rPr>
+              <a:t>https://app.roboflow.com/ds/6kyOg1KHvY?key=9NoENEKLqj</a:t>
+            </a:r>
+            <a:endParaRPr lang="en-US" sz="1600" dirty="0"/>
           </a:p>
           <a:p>
-            <a:pPr marL="457200" lvl="0" indent="-368300" algn="l" rtl="0">
-              <a:lnSpc>
-                <a:spcPct val="115000"/>
-              </a:lnSpc>
-              <a:spcBef>
-                <a:spcPts val="0"/>
-              </a:spcBef>
-              <a:spcAft>
-                <a:spcPts val="0"/>
-              </a:spcAft>
-              <a:buSzPts val="2200"/>
-              <a:buChar char="●"/>
+            <a:pPr lvl="1">
+              <a:spcBef>
+                <a:spcPts val="0"/>
+              </a:spcBef>
             </a:pPr>
-            <a:r>
-              <a:rPr lang="en"/>
-              <a:t>Cách thu thập</a:t>
-            </a:r>
-            <a:endParaRPr/>
+            <a:endParaRPr lang="en-US" sz="1600" dirty="0"/>
           </a:p>
           <a:p>
-            <a:pPr marL="914400" lvl="1" indent="-355600" algn="l" rtl="0">
-              <a:lnSpc>
-                <a:spcPct val="115000"/>
-              </a:lnSpc>
-              <a:spcBef>
-                <a:spcPts val="0"/>
-              </a:spcBef>
-              <a:spcAft>
-                <a:spcPts val="0"/>
-              </a:spcAft>
-              <a:buSzPts val="2000"/>
-              <a:buChar char="○"/>
+            <a:pPr lvl="1">
+              <a:spcBef>
+                <a:spcPts val="0"/>
+              </a:spcBef>
             </a:pPr>
-            <a:r>
-              <a:rPr lang="en"/>
-              <a:t>Nguồn dữ liệu: ảnh tự chụp được, tìm kiếm bằng Google.</a:t>
-            </a:r>
-            <a:endParaRPr/>
-          </a:p>
-          <a:p>
-            <a:pPr marL="914400" lvl="1" indent="-355600" algn="l" rtl="0">
-              <a:lnSpc>
-                <a:spcPct val="115000"/>
-              </a:lnSpc>
-              <a:spcBef>
-                <a:spcPts val="0"/>
-              </a:spcBef>
-              <a:spcAft>
-                <a:spcPts val="0"/>
-              </a:spcAft>
-              <a:buSzPts val="2000"/>
-              <a:buChar char="○"/>
-            </a:pPr>
-            <a:r>
-              <a:rPr lang="en"/>
-              <a:t>Gán nhãn: thủ công bằng roboflow.</a:t>
-            </a:r>
-            <a:endParaRPr/>
-          </a:p>
-          <a:p>
-            <a:pPr marL="914400" lvl="1" indent="-355600" algn="l" rtl="0">
-              <a:lnSpc>
-                <a:spcPct val="115000"/>
-              </a:lnSpc>
-              <a:spcBef>
-                <a:spcPts val="0"/>
-              </a:spcBef>
-              <a:spcAft>
-                <a:spcPts val="0"/>
-              </a:spcAft>
-              <a:buSzPts val="2000"/>
-              <a:buChar char="○"/>
-            </a:pPr>
-            <a:r>
-              <a:rPr lang="en"/>
-              <a:t>Sử dụng phương pháp </a:t>
-            </a:r>
-            <a:r>
-              <a:rPr lang="en">
-                <a:latin typeface="Arial"/>
-                <a:ea typeface="Arial"/>
-                <a:cs typeface="Arial"/>
-                <a:sym typeface="Arial"/>
-              </a:rPr>
-              <a:t>augmented trên tập dữ liệu đã thu thập để tạo sự đa dạng cho dữ liệu</a:t>
-            </a:r>
-            <a:r>
-              <a:rPr lang="en"/>
-              <a:t>.</a:t>
-            </a:r>
-            <a:endParaRPr/>
-          </a:p>
-          <a:p>
-            <a:pPr marL="914400" lvl="1" indent="-355600" algn="l" rtl="0">
-              <a:lnSpc>
-                <a:spcPct val="115000"/>
-              </a:lnSpc>
-              <a:spcBef>
-                <a:spcPts val="0"/>
-              </a:spcBef>
-              <a:spcAft>
-                <a:spcPts val="0"/>
-              </a:spcAft>
-              <a:buSzPts val="2000"/>
-              <a:buChar char="○"/>
-            </a:pPr>
-            <a:r>
-              <a:rPr lang="en"/>
-              <a:t>Số nhãn: 6 (loại trái cây).</a:t>
-            </a:r>
-            <a:endParaRPr/>
-          </a:p>
-          <a:p>
-            <a:pPr marL="914400" lvl="0" indent="0" algn="l" rtl="0">
-              <a:lnSpc>
-                <a:spcPct val="115000"/>
-              </a:lnSpc>
-              <a:spcBef>
-                <a:spcPts val="1600"/>
-              </a:spcBef>
-              <a:spcAft>
-                <a:spcPts val="1600"/>
-              </a:spcAft>
-              <a:buSzPts val="2200"/>
-              <a:buNone/>
-            </a:pPr>
-            <a:endParaRPr sz="1800"/>
+            <a:endParaRPr lang="en" sz="1600" dirty="0"/>
           </a:p>
         </p:txBody>
       </p:sp>
@@ -13765,6 +14882,688 @@
 </file>
 
 <file path=ppt/slides/slide8.xml><?xml version="1.0" encoding="utf-8"?>
+<p:sld xmlns:a="http://schemas.openxmlformats.org/drawingml/2006/main" xmlns:r="http://schemas.openxmlformats.org/officeDocument/2006/relationships" xmlns:p="http://schemas.openxmlformats.org/presentationml/2006/main">
+  <p:cSld>
+    <p:spTree>
+      <p:nvGrpSpPr>
+        <p:cNvPr id="1" name="Shape 103"/>
+        <p:cNvGrpSpPr/>
+        <p:nvPr/>
+      </p:nvGrpSpPr>
+      <p:grpSpPr>
+        <a:xfrm>
+          <a:off x="0" y="0"/>
+          <a:ext cx="0" cy="0"/>
+          <a:chOff x="0" y="0"/>
+          <a:chExt cx="0" cy="0"/>
+        </a:xfrm>
+      </p:grpSpPr>
+      <p:sp>
+        <p:nvSpPr>
+          <p:cNvPr id="104" name="Google Shape;104;p9"/>
+          <p:cNvSpPr txBox="1">
+            <a:spLocks noGrp="1"/>
+          </p:cNvSpPr>
+          <p:nvPr>
+            <p:ph type="title"/>
+          </p:nvPr>
+        </p:nvSpPr>
+        <p:spPr>
+          <a:xfrm>
+            <a:off x="471900" y="57875"/>
+            <a:ext cx="8222100" cy="670500"/>
+          </a:xfrm>
+          <a:prstGeom prst="rect">
+            <a:avLst/>
+          </a:prstGeom>
+          <a:noFill/>
+          <a:ln>
+            <a:noFill/>
+          </a:ln>
+        </p:spPr>
+        <p:txBody>
+          <a:bodyPr spcFirstLastPara="1" wrap="square" lIns="91425" tIns="91425" rIns="91425" bIns="91425" anchor="ctr" anchorCtr="0">
+            <a:noAutofit/>
+          </a:bodyPr>
+          <a:lstStyle/>
+          <a:p>
+            <a:pPr marL="0" lvl="0" indent="0" algn="l" rtl="0">
+              <a:lnSpc>
+                <a:spcPct val="100000"/>
+              </a:lnSpc>
+              <a:spcBef>
+                <a:spcPts val="0"/>
+              </a:spcBef>
+              <a:spcAft>
+                <a:spcPts val="0"/>
+              </a:spcAft>
+              <a:buSzPts val="3200"/>
+              <a:buNone/>
+            </a:pPr>
+            <a:r>
+              <a:rPr lang="en" b="1" dirty="0" err="1"/>
+              <a:t>Dữ</a:t>
+            </a:r>
+            <a:r>
+              <a:rPr lang="en" b="1" dirty="0"/>
+              <a:t> </a:t>
+            </a:r>
+            <a:r>
+              <a:rPr lang="en" b="1" dirty="0" err="1"/>
+              <a:t>liệu</a:t>
+            </a:r>
+            <a:endParaRPr dirty="0"/>
+          </a:p>
+        </p:txBody>
+      </p:sp>
+      <p:sp>
+        <p:nvSpPr>
+          <p:cNvPr id="105" name="Google Shape;105;p9"/>
+          <p:cNvSpPr txBox="1">
+            <a:spLocks noGrp="1"/>
+          </p:cNvSpPr>
+          <p:nvPr>
+            <p:ph type="body" idx="1"/>
+          </p:nvPr>
+        </p:nvSpPr>
+        <p:spPr>
+          <a:xfrm>
+            <a:off x="471900" y="820500"/>
+            <a:ext cx="8222100" cy="3908400"/>
+          </a:xfrm>
+          <a:prstGeom prst="rect">
+            <a:avLst/>
+          </a:prstGeom>
+          <a:noFill/>
+          <a:ln>
+            <a:noFill/>
+          </a:ln>
+        </p:spPr>
+        <p:txBody>
+          <a:bodyPr spcFirstLastPara="1" wrap="square" lIns="91425" tIns="91425" rIns="91425" bIns="91425" anchor="t" anchorCtr="0">
+            <a:noAutofit/>
+          </a:bodyPr>
+          <a:lstStyle/>
+          <a:p>
+            <a:r>
+              <a:rPr lang="en" sz="1600" dirty="0" err="1"/>
+              <a:t>Cách</a:t>
+            </a:r>
+            <a:r>
+              <a:rPr lang="en" sz="1600" dirty="0"/>
+              <a:t> </a:t>
+            </a:r>
+            <a:r>
+              <a:rPr lang="en" sz="1600" dirty="0" err="1"/>
+              <a:t>thu</a:t>
+            </a:r>
+            <a:r>
+              <a:rPr lang="en" sz="1600" dirty="0"/>
+              <a:t> </a:t>
+            </a:r>
+            <a:r>
+              <a:rPr lang="en" sz="1600" dirty="0" err="1"/>
+              <a:t>thập</a:t>
+            </a:r>
+            <a:r>
+              <a:rPr lang="en" sz="1600" dirty="0"/>
+              <a:t>:</a:t>
+            </a:r>
+            <a:endParaRPr sz="1600" dirty="0"/>
+          </a:p>
+          <a:p>
+            <a:pPr marL="914400" lvl="1" indent="-355600" algn="l" rtl="0">
+              <a:lnSpc>
+                <a:spcPct val="115000"/>
+              </a:lnSpc>
+              <a:spcBef>
+                <a:spcPts val="0"/>
+              </a:spcBef>
+              <a:spcAft>
+                <a:spcPts val="0"/>
+              </a:spcAft>
+              <a:buSzPts val="2000"/>
+              <a:buChar char="○"/>
+            </a:pPr>
+            <a:r>
+              <a:rPr lang="en" sz="1600" dirty="0" err="1"/>
+              <a:t>Nguồn</a:t>
+            </a:r>
+            <a:r>
+              <a:rPr lang="en" sz="1600" dirty="0"/>
+              <a:t> </a:t>
+            </a:r>
+            <a:r>
+              <a:rPr lang="en" sz="1600" dirty="0" err="1"/>
+              <a:t>dữ</a:t>
+            </a:r>
+            <a:r>
+              <a:rPr lang="en" sz="1600" dirty="0"/>
+              <a:t> </a:t>
+            </a:r>
+            <a:r>
+              <a:rPr lang="en" sz="1600" dirty="0" err="1"/>
+              <a:t>liệu</a:t>
+            </a:r>
+            <a:r>
+              <a:rPr lang="en" sz="1600" dirty="0"/>
+              <a:t>: </a:t>
+            </a:r>
+            <a:r>
+              <a:rPr lang="en" sz="1600" dirty="0" err="1"/>
+              <a:t>ảnh</a:t>
+            </a:r>
+            <a:r>
+              <a:rPr lang="en" sz="1600" dirty="0"/>
+              <a:t> </a:t>
+            </a:r>
+            <a:r>
+              <a:rPr lang="en" sz="1600" dirty="0" err="1"/>
+              <a:t>tự</a:t>
+            </a:r>
+            <a:r>
+              <a:rPr lang="en" sz="1600" dirty="0"/>
+              <a:t> </a:t>
+            </a:r>
+            <a:r>
+              <a:rPr lang="en" sz="1600" dirty="0" err="1"/>
+              <a:t>chụp</a:t>
+            </a:r>
+            <a:r>
+              <a:rPr lang="en" sz="1600" dirty="0"/>
+              <a:t> </a:t>
+            </a:r>
+            <a:r>
+              <a:rPr lang="en" sz="1600" dirty="0" err="1"/>
+              <a:t>được</a:t>
+            </a:r>
+            <a:r>
+              <a:rPr lang="en" sz="1600" dirty="0"/>
+              <a:t>, </a:t>
+            </a:r>
+            <a:r>
+              <a:rPr lang="en" sz="1600" dirty="0" err="1"/>
+              <a:t>tìm</a:t>
+            </a:r>
+            <a:r>
+              <a:rPr lang="en" sz="1600" dirty="0"/>
+              <a:t> </a:t>
+            </a:r>
+            <a:r>
+              <a:rPr lang="en" sz="1600" dirty="0" err="1"/>
+              <a:t>kiếm</a:t>
+            </a:r>
+            <a:r>
+              <a:rPr lang="en" sz="1600" dirty="0"/>
+              <a:t> </a:t>
+            </a:r>
+            <a:r>
+              <a:rPr lang="en" sz="1600" dirty="0" err="1"/>
+              <a:t>bằng</a:t>
+            </a:r>
+            <a:r>
+              <a:rPr lang="en" sz="1600" dirty="0"/>
+              <a:t> Google.</a:t>
+            </a:r>
+            <a:endParaRPr sz="1600" dirty="0"/>
+          </a:p>
+          <a:p>
+            <a:pPr marL="914400" lvl="1" indent="-355600" algn="l" rtl="0">
+              <a:lnSpc>
+                <a:spcPct val="115000"/>
+              </a:lnSpc>
+              <a:spcBef>
+                <a:spcPts val="0"/>
+              </a:spcBef>
+              <a:spcAft>
+                <a:spcPts val="0"/>
+              </a:spcAft>
+              <a:buSzPts val="2000"/>
+              <a:buChar char="○"/>
+            </a:pPr>
+            <a:r>
+              <a:rPr lang="en" sz="1600" dirty="0" err="1"/>
+              <a:t>Gán</a:t>
+            </a:r>
+            <a:r>
+              <a:rPr lang="en" sz="1600" dirty="0"/>
+              <a:t> </a:t>
+            </a:r>
+            <a:r>
+              <a:rPr lang="en" sz="1600" dirty="0" err="1"/>
+              <a:t>nhãn</a:t>
+            </a:r>
+            <a:r>
+              <a:rPr lang="en" sz="1600" dirty="0"/>
+              <a:t>: </a:t>
+            </a:r>
+            <a:r>
+              <a:rPr lang="en" sz="1600" dirty="0" err="1"/>
+              <a:t>thủ</a:t>
+            </a:r>
+            <a:r>
+              <a:rPr lang="en" sz="1600" dirty="0"/>
+              <a:t> </a:t>
+            </a:r>
+            <a:r>
+              <a:rPr lang="en" sz="1600" dirty="0" err="1"/>
+              <a:t>công</a:t>
+            </a:r>
+            <a:r>
+              <a:rPr lang="en" sz="1600" dirty="0"/>
+              <a:t> </a:t>
+            </a:r>
+            <a:r>
+              <a:rPr lang="en" sz="1600" dirty="0" err="1"/>
+              <a:t>bằng</a:t>
+            </a:r>
+            <a:r>
+              <a:rPr lang="en" sz="1600" dirty="0"/>
+              <a:t> </a:t>
+            </a:r>
+            <a:r>
+              <a:rPr lang="en" sz="1600" dirty="0" err="1"/>
+              <a:t>roboflow</a:t>
+            </a:r>
+            <a:r>
+              <a:rPr lang="en" sz="1600" dirty="0"/>
+              <a:t>.</a:t>
+            </a:r>
+            <a:endParaRPr sz="1600" dirty="0"/>
+          </a:p>
+          <a:p>
+            <a:pPr marL="914400" lvl="1" indent="-355600" algn="l" rtl="0">
+              <a:lnSpc>
+                <a:spcPct val="115000"/>
+              </a:lnSpc>
+              <a:spcBef>
+                <a:spcPts val="0"/>
+              </a:spcBef>
+              <a:spcAft>
+                <a:spcPts val="0"/>
+              </a:spcAft>
+              <a:buSzPts val="2000"/>
+              <a:buChar char="○"/>
+            </a:pPr>
+            <a:r>
+              <a:rPr lang="en" sz="1600" dirty="0" err="1"/>
+              <a:t>Sử</a:t>
+            </a:r>
+            <a:r>
+              <a:rPr lang="en" sz="1600" dirty="0"/>
+              <a:t> </a:t>
+            </a:r>
+            <a:r>
+              <a:rPr lang="en" sz="1600" dirty="0" err="1"/>
+              <a:t>dụng</a:t>
+            </a:r>
+            <a:r>
+              <a:rPr lang="en" sz="1600" dirty="0"/>
+              <a:t> </a:t>
+            </a:r>
+            <a:r>
+              <a:rPr lang="en" sz="1600" dirty="0" err="1"/>
+              <a:t>phương</a:t>
+            </a:r>
+            <a:r>
+              <a:rPr lang="en" sz="1600" dirty="0"/>
+              <a:t> </a:t>
+            </a:r>
+            <a:r>
+              <a:rPr lang="en" sz="1600" dirty="0" err="1"/>
+              <a:t>pháp</a:t>
+            </a:r>
+            <a:r>
+              <a:rPr lang="en" sz="1600" dirty="0"/>
+              <a:t> </a:t>
+            </a:r>
+            <a:r>
+              <a:rPr lang="en" sz="1600" dirty="0">
+                <a:latin typeface="Arial"/>
+                <a:ea typeface="Arial"/>
+                <a:cs typeface="Arial"/>
+                <a:sym typeface="Arial"/>
+              </a:rPr>
+              <a:t>augmented </a:t>
+            </a:r>
+            <a:r>
+              <a:rPr lang="en" sz="1600" dirty="0" err="1">
+                <a:latin typeface="Arial"/>
+                <a:ea typeface="Arial"/>
+                <a:cs typeface="Arial"/>
+                <a:sym typeface="Arial"/>
+              </a:rPr>
+              <a:t>trên</a:t>
+            </a:r>
+            <a:r>
+              <a:rPr lang="en" sz="1600" dirty="0">
+                <a:latin typeface="Arial"/>
+                <a:ea typeface="Arial"/>
+                <a:cs typeface="Arial"/>
+                <a:sym typeface="Arial"/>
+              </a:rPr>
+              <a:t> </a:t>
+            </a:r>
+            <a:r>
+              <a:rPr lang="en" sz="1600" dirty="0" err="1">
+                <a:latin typeface="Arial"/>
+                <a:ea typeface="Arial"/>
+                <a:cs typeface="Arial"/>
+                <a:sym typeface="Arial"/>
+              </a:rPr>
+              <a:t>tập</a:t>
+            </a:r>
+            <a:r>
+              <a:rPr lang="en" sz="1600" dirty="0">
+                <a:latin typeface="Arial"/>
+                <a:ea typeface="Arial"/>
+                <a:cs typeface="Arial"/>
+                <a:sym typeface="Arial"/>
+              </a:rPr>
+              <a:t> </a:t>
+            </a:r>
+            <a:r>
+              <a:rPr lang="en" sz="1600" dirty="0" err="1">
+                <a:latin typeface="Arial"/>
+                <a:ea typeface="Arial"/>
+                <a:cs typeface="Arial"/>
+                <a:sym typeface="Arial"/>
+              </a:rPr>
+              <a:t>dữ</a:t>
+            </a:r>
+            <a:r>
+              <a:rPr lang="en" sz="1600" dirty="0">
+                <a:latin typeface="Arial"/>
+                <a:ea typeface="Arial"/>
+                <a:cs typeface="Arial"/>
+                <a:sym typeface="Arial"/>
+              </a:rPr>
+              <a:t> </a:t>
+            </a:r>
+            <a:r>
+              <a:rPr lang="en" sz="1600" dirty="0" err="1">
+                <a:latin typeface="Arial"/>
+                <a:ea typeface="Arial"/>
+                <a:cs typeface="Arial"/>
+                <a:sym typeface="Arial"/>
+              </a:rPr>
+              <a:t>liệu</a:t>
+            </a:r>
+            <a:r>
+              <a:rPr lang="en" sz="1600" dirty="0">
+                <a:latin typeface="Arial"/>
+                <a:ea typeface="Arial"/>
+                <a:cs typeface="Arial"/>
+                <a:sym typeface="Arial"/>
+              </a:rPr>
+              <a:t> </a:t>
+            </a:r>
+            <a:r>
+              <a:rPr lang="en" sz="1600" dirty="0" err="1">
+                <a:latin typeface="Arial"/>
+                <a:ea typeface="Arial"/>
+                <a:cs typeface="Arial"/>
+                <a:sym typeface="Arial"/>
+              </a:rPr>
+              <a:t>đã</a:t>
+            </a:r>
+            <a:r>
+              <a:rPr lang="en" sz="1600" dirty="0">
+                <a:latin typeface="Arial"/>
+                <a:ea typeface="Arial"/>
+                <a:cs typeface="Arial"/>
+                <a:sym typeface="Arial"/>
+              </a:rPr>
+              <a:t> </a:t>
+            </a:r>
+            <a:r>
+              <a:rPr lang="en" sz="1600" dirty="0" err="1">
+                <a:latin typeface="Arial"/>
+                <a:ea typeface="Arial"/>
+                <a:cs typeface="Arial"/>
+                <a:sym typeface="Arial"/>
+              </a:rPr>
+              <a:t>thu</a:t>
+            </a:r>
+            <a:r>
+              <a:rPr lang="en" sz="1600" dirty="0">
+                <a:latin typeface="Arial"/>
+                <a:ea typeface="Arial"/>
+                <a:cs typeface="Arial"/>
+                <a:sym typeface="Arial"/>
+              </a:rPr>
+              <a:t> </a:t>
+            </a:r>
+            <a:r>
+              <a:rPr lang="en" sz="1600" dirty="0" err="1">
+                <a:latin typeface="Arial"/>
+                <a:ea typeface="Arial"/>
+                <a:cs typeface="Arial"/>
+                <a:sym typeface="Arial"/>
+              </a:rPr>
+              <a:t>thập</a:t>
+            </a:r>
+            <a:r>
+              <a:rPr lang="en" sz="1600" dirty="0">
+                <a:latin typeface="Arial"/>
+                <a:ea typeface="Arial"/>
+                <a:cs typeface="Arial"/>
+                <a:sym typeface="Arial"/>
+              </a:rPr>
+              <a:t> </a:t>
+            </a:r>
+            <a:r>
+              <a:rPr lang="en" sz="1600" dirty="0" err="1">
+                <a:latin typeface="Arial"/>
+                <a:ea typeface="Arial"/>
+                <a:cs typeface="Arial"/>
+                <a:sym typeface="Arial"/>
+              </a:rPr>
+              <a:t>để</a:t>
+            </a:r>
+            <a:r>
+              <a:rPr lang="en" sz="1600" dirty="0">
+                <a:latin typeface="Arial"/>
+                <a:ea typeface="Arial"/>
+                <a:cs typeface="Arial"/>
+                <a:sym typeface="Arial"/>
+              </a:rPr>
+              <a:t> </a:t>
+            </a:r>
+            <a:r>
+              <a:rPr lang="en" sz="1600" dirty="0" err="1">
+                <a:latin typeface="Arial"/>
+                <a:ea typeface="Arial"/>
+                <a:cs typeface="Arial"/>
+                <a:sym typeface="Arial"/>
+              </a:rPr>
+              <a:t>tạo</a:t>
+            </a:r>
+            <a:r>
+              <a:rPr lang="en" sz="1600" dirty="0">
+                <a:latin typeface="Arial"/>
+                <a:ea typeface="Arial"/>
+                <a:cs typeface="Arial"/>
+                <a:sym typeface="Arial"/>
+              </a:rPr>
+              <a:t> </a:t>
+            </a:r>
+            <a:r>
+              <a:rPr lang="en" sz="1600" dirty="0" err="1">
+                <a:latin typeface="Arial"/>
+                <a:ea typeface="Arial"/>
+                <a:cs typeface="Arial"/>
+                <a:sym typeface="Arial"/>
+              </a:rPr>
+              <a:t>sự</a:t>
+            </a:r>
+            <a:r>
+              <a:rPr lang="en" sz="1600" dirty="0">
+                <a:latin typeface="Arial"/>
+                <a:ea typeface="Arial"/>
+                <a:cs typeface="Arial"/>
+                <a:sym typeface="Arial"/>
+              </a:rPr>
+              <a:t> </a:t>
+            </a:r>
+            <a:r>
+              <a:rPr lang="en" sz="1600" dirty="0" err="1">
+                <a:latin typeface="Arial"/>
+                <a:ea typeface="Arial"/>
+                <a:cs typeface="Arial"/>
+                <a:sym typeface="Arial"/>
+              </a:rPr>
+              <a:t>đa</a:t>
+            </a:r>
+            <a:r>
+              <a:rPr lang="en" sz="1600" dirty="0">
+                <a:latin typeface="Arial"/>
+                <a:ea typeface="Arial"/>
+                <a:cs typeface="Arial"/>
+                <a:sym typeface="Arial"/>
+              </a:rPr>
+              <a:t> </a:t>
+            </a:r>
+            <a:r>
+              <a:rPr lang="en" sz="1600" dirty="0" err="1">
+                <a:latin typeface="Arial"/>
+                <a:ea typeface="Arial"/>
+                <a:cs typeface="Arial"/>
+                <a:sym typeface="Arial"/>
+              </a:rPr>
+              <a:t>dạng</a:t>
+            </a:r>
+            <a:r>
+              <a:rPr lang="en" sz="1600" dirty="0">
+                <a:latin typeface="Arial"/>
+                <a:ea typeface="Arial"/>
+                <a:cs typeface="Arial"/>
+                <a:sym typeface="Arial"/>
+              </a:rPr>
+              <a:t> </a:t>
+            </a:r>
+            <a:r>
+              <a:rPr lang="en" sz="1600" dirty="0" err="1">
+                <a:latin typeface="Arial"/>
+                <a:ea typeface="Arial"/>
+                <a:cs typeface="Arial"/>
+                <a:sym typeface="Arial"/>
+              </a:rPr>
+              <a:t>cho</a:t>
+            </a:r>
+            <a:r>
+              <a:rPr lang="en" sz="1600" dirty="0">
+                <a:latin typeface="Arial"/>
+                <a:ea typeface="Arial"/>
+                <a:cs typeface="Arial"/>
+                <a:sym typeface="Arial"/>
+              </a:rPr>
+              <a:t> </a:t>
+            </a:r>
+            <a:r>
+              <a:rPr lang="en" sz="1600" dirty="0" err="1">
+                <a:latin typeface="Arial"/>
+                <a:ea typeface="Arial"/>
+                <a:cs typeface="Arial"/>
+                <a:sym typeface="Arial"/>
+              </a:rPr>
+              <a:t>dữ</a:t>
+            </a:r>
+            <a:r>
+              <a:rPr lang="en" sz="1600" dirty="0">
+                <a:latin typeface="Arial"/>
+                <a:ea typeface="Arial"/>
+                <a:cs typeface="Arial"/>
+                <a:sym typeface="Arial"/>
+              </a:rPr>
+              <a:t> </a:t>
+            </a:r>
+            <a:r>
+              <a:rPr lang="en" sz="1600" dirty="0" err="1">
+                <a:latin typeface="Arial"/>
+                <a:ea typeface="Arial"/>
+                <a:cs typeface="Arial"/>
+                <a:sym typeface="Arial"/>
+              </a:rPr>
+              <a:t>liệu</a:t>
+            </a:r>
+            <a:r>
+              <a:rPr lang="en" sz="1600" dirty="0"/>
+              <a:t>.</a:t>
+            </a:r>
+            <a:endParaRPr sz="1600" dirty="0"/>
+          </a:p>
+          <a:p>
+            <a:pPr marL="914400" lvl="1" indent="-355600" algn="l" rtl="0">
+              <a:lnSpc>
+                <a:spcPct val="115000"/>
+              </a:lnSpc>
+              <a:spcBef>
+                <a:spcPts val="0"/>
+              </a:spcBef>
+              <a:spcAft>
+                <a:spcPts val="0"/>
+              </a:spcAft>
+              <a:buSzPts val="2000"/>
+              <a:buChar char="○"/>
+            </a:pPr>
+            <a:r>
+              <a:rPr lang="en" sz="1600" dirty="0" err="1"/>
+              <a:t>Số</a:t>
+            </a:r>
+            <a:r>
+              <a:rPr lang="en" sz="1600" dirty="0"/>
+              <a:t> </a:t>
+            </a:r>
+            <a:r>
+              <a:rPr lang="en" sz="1600" dirty="0" err="1"/>
+              <a:t>nhãn</a:t>
+            </a:r>
+            <a:r>
+              <a:rPr lang="en" sz="1600" dirty="0"/>
+              <a:t>: 6 (</a:t>
+            </a:r>
+            <a:r>
+              <a:rPr lang="en" sz="1600" dirty="0" err="1"/>
+              <a:t>loại</a:t>
+            </a:r>
+            <a:r>
+              <a:rPr lang="en" sz="1600" dirty="0"/>
+              <a:t> </a:t>
+            </a:r>
+            <a:r>
+              <a:rPr lang="en" sz="1600" dirty="0" err="1"/>
+              <a:t>trái</a:t>
+            </a:r>
+            <a:r>
+              <a:rPr lang="en" sz="1600" dirty="0"/>
+              <a:t> </a:t>
+            </a:r>
+            <a:r>
+              <a:rPr lang="en" sz="1600" dirty="0" err="1"/>
+              <a:t>cây</a:t>
+            </a:r>
+            <a:r>
+              <a:rPr lang="en" sz="1600" dirty="0"/>
+              <a:t>).</a:t>
+            </a:r>
+          </a:p>
+        </p:txBody>
+      </p:sp>
+    </p:spTree>
+    <p:extLst>
+      <p:ext uri="{BB962C8B-B14F-4D97-AF65-F5344CB8AC3E}">
+        <p14:creationId xmlns:p14="http://schemas.microsoft.com/office/powerpoint/2010/main" val="573065521"/>
+      </p:ext>
+    </p:extLst>
+  </p:cSld>
+  <p:clrMapOvr>
+    <a:masterClrMapping/>
+  </p:clrMapOvr>
+</p:sld>
+</file>
+
+<file path=ppt/slides/slide9.xml><?xml version="1.0" encoding="utf-8"?>
 <p:sld xmlns:a="http://schemas.openxmlformats.org/drawingml/2006/main" xmlns:r="http://schemas.openxmlformats.org/officeDocument/2006/relationships" xmlns:p="http://schemas.openxmlformats.org/presentationml/2006/main">
   <p:cSld>
     <p:spTree>
@@ -14401,151 +16200,6 @@
               <a:t>.</a:t>
             </a:r>
             <a:endParaRPr sz="1800" dirty="0"/>
-          </a:p>
-        </p:txBody>
-      </p:sp>
-    </p:spTree>
-  </p:cSld>
-  <p:clrMapOvr>
-    <a:masterClrMapping/>
-  </p:clrMapOvr>
-</p:sld>
-</file>
-
-<file path=ppt/slides/slide9.xml><?xml version="1.0" encoding="utf-8"?>
-<p:sld xmlns:a="http://schemas.openxmlformats.org/drawingml/2006/main" xmlns:r="http://schemas.openxmlformats.org/officeDocument/2006/relationships" xmlns:p="http://schemas.openxmlformats.org/presentationml/2006/main">
-  <p:cSld>
-    <p:spTree>
-      <p:nvGrpSpPr>
-        <p:cNvPr id="1" name="Shape 115"/>
-        <p:cNvGrpSpPr/>
-        <p:nvPr/>
-      </p:nvGrpSpPr>
-      <p:grpSpPr>
-        <a:xfrm>
-          <a:off x="0" y="0"/>
-          <a:ext cx="0" cy="0"/>
-          <a:chOff x="0" y="0"/>
-          <a:chExt cx="0" cy="0"/>
-        </a:xfrm>
-      </p:grpSpPr>
-      <p:sp>
-        <p:nvSpPr>
-          <p:cNvPr id="116" name="Google Shape;116;p8"/>
-          <p:cNvSpPr txBox="1">
-            <a:spLocks noGrp="1"/>
-          </p:cNvSpPr>
-          <p:nvPr>
-            <p:ph type="title"/>
-          </p:nvPr>
-        </p:nvSpPr>
-        <p:spPr>
-          <a:xfrm>
-            <a:off x="471900" y="57875"/>
-            <a:ext cx="8222100" cy="670500"/>
-          </a:xfrm>
-          <a:prstGeom prst="rect">
-            <a:avLst/>
-          </a:prstGeom>
-          <a:noFill/>
-          <a:ln>
-            <a:noFill/>
-          </a:ln>
-        </p:spPr>
-        <p:txBody>
-          <a:bodyPr spcFirstLastPara="1" wrap="square" lIns="91425" tIns="91425" rIns="91425" bIns="91425" anchor="ctr" anchorCtr="0">
-            <a:noAutofit/>
-          </a:bodyPr>
-          <a:lstStyle/>
-          <a:p>
-            <a:pPr marL="0" lvl="0" indent="0" algn="l" rtl="0">
-              <a:lnSpc>
-                <a:spcPct val="100000"/>
-              </a:lnSpc>
-              <a:spcBef>
-                <a:spcPts val="0"/>
-              </a:spcBef>
-              <a:spcAft>
-                <a:spcPts val="0"/>
-              </a:spcAft>
-              <a:buSzPts val="3200"/>
-              <a:buNone/>
-            </a:pPr>
-            <a:r>
-              <a:rPr lang="en" b="1"/>
-              <a:t>Loại bài toán ML</a:t>
-            </a:r>
-            <a:r>
-              <a:rPr lang="en"/>
-              <a:t> </a:t>
-            </a:r>
-            <a:endParaRPr/>
-          </a:p>
-        </p:txBody>
-      </p:sp>
-      <p:sp>
-        <p:nvSpPr>
-          <p:cNvPr id="117" name="Google Shape;117;p8"/>
-          <p:cNvSpPr txBox="1">
-            <a:spLocks noGrp="1"/>
-          </p:cNvSpPr>
-          <p:nvPr>
-            <p:ph type="body" idx="1"/>
-          </p:nvPr>
-        </p:nvSpPr>
-        <p:spPr>
-          <a:xfrm>
-            <a:off x="471900" y="820500"/>
-            <a:ext cx="8222100" cy="3908400"/>
-          </a:xfrm>
-          <a:prstGeom prst="rect">
-            <a:avLst/>
-          </a:prstGeom>
-          <a:noFill/>
-          <a:ln>
-            <a:noFill/>
-          </a:ln>
-        </p:spPr>
-        <p:txBody>
-          <a:bodyPr spcFirstLastPara="1" wrap="square" lIns="91425" tIns="91425" rIns="91425" bIns="91425" anchor="t" anchorCtr="0">
-            <a:noAutofit/>
-          </a:bodyPr>
-          <a:lstStyle/>
-          <a:p>
-            <a:pPr marL="457200" lvl="0" indent="-368300" algn="l" rtl="0">
-              <a:lnSpc>
-                <a:spcPct val="115000"/>
-              </a:lnSpc>
-              <a:spcBef>
-                <a:spcPts val="0"/>
-              </a:spcBef>
-              <a:spcAft>
-                <a:spcPts val="0"/>
-              </a:spcAft>
-              <a:buSzPts val="2200"/>
-              <a:buChar char="●"/>
-            </a:pPr>
-            <a:r>
-              <a:rPr lang="en"/>
-              <a:t>Object Detection</a:t>
-            </a:r>
-            <a:endParaRPr/>
-          </a:p>
-          <a:p>
-            <a:pPr marL="914400" lvl="0" indent="0" algn="l" rtl="0">
-              <a:lnSpc>
-                <a:spcPct val="115000"/>
-              </a:lnSpc>
-              <a:spcBef>
-                <a:spcPts val="1600"/>
-              </a:spcBef>
-              <a:spcAft>
-                <a:spcPts val="1600"/>
-              </a:spcAft>
-              <a:buSzPts val="2200"/>
-              <a:buNone/>
-            </a:pPr>
-            <a:endParaRPr sz="1800"/>
           </a:p>
         </p:txBody>
       </p:sp>

--- a/CS2225.BaoCaoCuoiKy.pptx
+++ b/CS2225.BaoCaoCuoiKy.pptx
@@ -276,7 +276,7 @@
       </p15:sldGuideLst>
     </p:ext>
     <p:ext uri="http://customooxmlschemas.google.com/">
-      <go:slidesCustomData xmlns:go="http://customooxmlschemas.google.com/" xmlns:ahyp="http://schemas.microsoft.com/office/drawing/2018/hyperlinkcolor" xmlns:p15="http://schemas.microsoft.com/office/powerpoint/2012/main" xmlns:p14="http://schemas.microsoft.com/office/powerpoint/2010/main" xmlns:com="http://schemas.openxmlformats.org/drawingml/2006/compatibility" xmlns:pvml="urn:schemas-microsoft-com:office:powerpoint" xmlns:v="urn:schemas-microsoft-com:vml" xmlns:o="urn:schemas-microsoft-com:office:office" xmlns:dgm="http://schemas.openxmlformats.org/drawingml/2006/diagram" xmlns:c="http://schemas.openxmlformats.org/drawingml/2006/chart" xmlns:mv="urn:schemas-microsoft-com:mac:vml" xmlns:mc="http://schemas.openxmlformats.org/markup-compatibility/2006" xmlns="" r:id="rId18" roundtripDataSignature="AMtx7mgr+2s9Qem9sYdsXEFZxyB27Gtptw=="/>
+      <go:slidesCustomData xmlns="" xmlns:mc="http://schemas.openxmlformats.org/markup-compatibility/2006" xmlns:mv="urn:schemas-microsoft-com:mac:vml" xmlns:c="http://schemas.openxmlformats.org/drawingml/2006/chart" xmlns:dgm="http://schemas.openxmlformats.org/drawingml/2006/diagram" xmlns:o="urn:schemas-microsoft-com:office:office" xmlns:v="urn:schemas-microsoft-com:vml" xmlns:pvml="urn:schemas-microsoft-com:office:powerpoint" xmlns:com="http://schemas.openxmlformats.org/drawingml/2006/compatibility" xmlns:p14="http://schemas.microsoft.com/office/powerpoint/2010/main" xmlns:p15="http://schemas.microsoft.com/office/powerpoint/2012/main" xmlns:ahyp="http://schemas.microsoft.com/office/drawing/2018/hyperlinkcolor" xmlns:go="http://customooxmlschemas.google.com/" r:id="rId18" roundtripDataSignature="AMtx7mgr+2s9Qem9sYdsXEFZxyB27Gtptw=="/>
     </p:ext>
   </p:extLst>
 </p:presentation>
@@ -11779,10 +11779,10 @@
       </p:sp>
       <p:pic>
         <p:nvPicPr>
-          <p:cNvPr id="4" name="Picture 3" descr="A picture containing text, screenshot, stationary, writing implement&#10;&#10;Description automatically generated">
+          <p:cNvPr id="6" name="Picture 5" descr="A screenshot of a website&#10;&#10;Description automatically generated with medium confidence">
             <a:extLst>
               <a:ext uri="{FF2B5EF4-FFF2-40B4-BE49-F238E27FC236}">
-                <a16:creationId xmlns:a16="http://schemas.microsoft.com/office/drawing/2014/main" id="{656E1860-C840-1D4B-ACC0-4B2E76F27A07}"/>
+                <a16:creationId xmlns:a16="http://schemas.microsoft.com/office/drawing/2014/main" id="{EFFF0CB1-D8CE-E244-858E-640638DFDEA0}"/>
               </a:ext>
             </a:extLst>
           </p:cNvPr>
@@ -11974,10 +11974,10 @@
       </p:sp>
       <p:pic>
         <p:nvPicPr>
-          <p:cNvPr id="3" name="Picture 2" descr="Chart, bar chart&#10;&#10;Description automatically generated">
+          <p:cNvPr id="4" name="Picture 3" descr="Chart, bar chart&#10;&#10;Description automatically generated">
             <a:extLst>
               <a:ext uri="{FF2B5EF4-FFF2-40B4-BE49-F238E27FC236}">
-                <a16:creationId xmlns:a16="http://schemas.microsoft.com/office/drawing/2014/main" id="{EA50487A-7D54-AF47-9B4A-2273B5EA77AE}"/>
+                <a16:creationId xmlns:a16="http://schemas.microsoft.com/office/drawing/2014/main" id="{9A63D017-9A83-2F42-8F39-89273BB66D13}"/>
               </a:ext>
             </a:extLst>
           </p:cNvPr>

--- a/CS2225.BaoCaoCuoiKy.pptx
+++ b/CS2225.BaoCaoCuoiKy.pptx
@@ -5,24 +5,25 @@
     <p:sldMasterId id="2147483648" r:id="rId1"/>
   </p:sldMasterIdLst>
   <p:notesMasterIdLst>
-    <p:notesMasterId r:id="rId17"/>
+    <p:notesMasterId r:id="rId18"/>
   </p:notesMasterIdLst>
   <p:sldIdLst>
     <p:sldId id="256" r:id="rId2"/>
     <p:sldId id="257" r:id="rId3"/>
     <p:sldId id="258" r:id="rId4"/>
-    <p:sldId id="260" r:id="rId5"/>
-    <p:sldId id="261" r:id="rId6"/>
-    <p:sldId id="268" r:id="rId7"/>
-    <p:sldId id="262" r:id="rId8"/>
-    <p:sldId id="269" r:id="rId9"/>
-    <p:sldId id="263" r:id="rId10"/>
-    <p:sldId id="264" r:id="rId11"/>
-    <p:sldId id="265" r:id="rId12"/>
-    <p:sldId id="270" r:id="rId13"/>
-    <p:sldId id="266" r:id="rId14"/>
-    <p:sldId id="271" r:id="rId15"/>
-    <p:sldId id="267" r:id="rId16"/>
+    <p:sldId id="272" r:id="rId5"/>
+    <p:sldId id="260" r:id="rId6"/>
+    <p:sldId id="261" r:id="rId7"/>
+    <p:sldId id="268" r:id="rId8"/>
+    <p:sldId id="262" r:id="rId9"/>
+    <p:sldId id="269" r:id="rId10"/>
+    <p:sldId id="263" r:id="rId11"/>
+    <p:sldId id="264" r:id="rId12"/>
+    <p:sldId id="265" r:id="rId13"/>
+    <p:sldId id="270" r:id="rId14"/>
+    <p:sldId id="266" r:id="rId15"/>
+    <p:sldId id="271" r:id="rId16"/>
+    <p:sldId id="267" r:id="rId17"/>
   </p:sldIdLst>
   <p:sldSz cx="9144000" cy="5143500" type="screen16x9"/>
   <p:notesSz cx="6858000" cy="9144000"/>
@@ -276,7 +277,7 @@
       </p15:sldGuideLst>
     </p:ext>
     <p:ext uri="http://customooxmlschemas.google.com/">
-      <go:slidesCustomData xmlns="" xmlns:mc="http://schemas.openxmlformats.org/markup-compatibility/2006" xmlns:mv="urn:schemas-microsoft-com:mac:vml" xmlns:c="http://schemas.openxmlformats.org/drawingml/2006/chart" xmlns:dgm="http://schemas.openxmlformats.org/drawingml/2006/diagram" xmlns:o="urn:schemas-microsoft-com:office:office" xmlns:v="urn:schemas-microsoft-com:vml" xmlns:pvml="urn:schemas-microsoft-com:office:powerpoint" xmlns:com="http://schemas.openxmlformats.org/drawingml/2006/compatibility" xmlns:p14="http://schemas.microsoft.com/office/powerpoint/2010/main" xmlns:p15="http://schemas.microsoft.com/office/powerpoint/2012/main" xmlns:ahyp="http://schemas.microsoft.com/office/drawing/2018/hyperlinkcolor" xmlns:go="http://customooxmlschemas.google.com/" r:id="rId18" roundtripDataSignature="AMtx7mgr+2s9Qem9sYdsXEFZxyB27Gtptw=="/>
+      <go:slidesCustomData xmlns:go="http://customooxmlschemas.google.com/" xmlns:ahyp="http://schemas.microsoft.com/office/drawing/2018/hyperlinkcolor" xmlns:p15="http://schemas.microsoft.com/office/powerpoint/2012/main" xmlns:p14="http://schemas.microsoft.com/office/powerpoint/2010/main" xmlns:com="http://schemas.openxmlformats.org/drawingml/2006/compatibility" xmlns:pvml="urn:schemas-microsoft-com:office:powerpoint" xmlns:v="urn:schemas-microsoft-com:vml" xmlns:o="urn:schemas-microsoft-com:office:office" xmlns:dgm="http://schemas.openxmlformats.org/drawingml/2006/diagram" xmlns:c="http://schemas.openxmlformats.org/drawingml/2006/chart" xmlns:mv="urn:schemas-microsoft-com:mac:vml" xmlns:mc="http://schemas.openxmlformats.org/markup-compatibility/2006" xmlns="" r:id="rId19" roundtripDataSignature="AMtx7mgr+2s9Qem9sYdsXEFZxyB27Gtptw=="/>
     </p:ext>
   </p:extLst>
 </p:presentation>
@@ -11085,6 +11086,654 @@
   <p:cSld>
     <p:spTree>
       <p:nvGrpSpPr>
+        <p:cNvPr id="1" name="Shape 109"/>
+        <p:cNvGrpSpPr/>
+        <p:nvPr/>
+      </p:nvGrpSpPr>
+      <p:grpSpPr>
+        <a:xfrm>
+          <a:off x="0" y="0"/>
+          <a:ext cx="0" cy="0"/>
+          <a:chOff x="0" y="0"/>
+          <a:chExt cx="0" cy="0"/>
+        </a:xfrm>
+      </p:grpSpPr>
+      <p:sp>
+        <p:nvSpPr>
+          <p:cNvPr id="110" name="Google Shape;110;gb23b97c7f9_0_22"/>
+          <p:cNvSpPr txBox="1">
+            <a:spLocks noGrp="1"/>
+          </p:cNvSpPr>
+          <p:nvPr>
+            <p:ph type="title"/>
+          </p:nvPr>
+        </p:nvSpPr>
+        <p:spPr>
+          <a:xfrm>
+            <a:off x="471900" y="57875"/>
+            <a:ext cx="8222100" cy="670500"/>
+          </a:xfrm>
+          <a:prstGeom prst="rect">
+            <a:avLst/>
+          </a:prstGeom>
+          <a:noFill/>
+          <a:ln>
+            <a:noFill/>
+          </a:ln>
+        </p:spPr>
+        <p:txBody>
+          <a:bodyPr spcFirstLastPara="1" wrap="square" lIns="91425" tIns="91425" rIns="91425" bIns="91425" anchor="ctr" anchorCtr="0">
+            <a:noAutofit/>
+          </a:bodyPr>
+          <a:lstStyle/>
+          <a:p>
+            <a:pPr marL="0" lvl="0" indent="0" algn="l" rtl="0">
+              <a:lnSpc>
+                <a:spcPct val="100000"/>
+              </a:lnSpc>
+              <a:spcBef>
+                <a:spcPts val="0"/>
+              </a:spcBef>
+              <a:spcAft>
+                <a:spcPts val="0"/>
+              </a:spcAft>
+              <a:buSzPts val="3200"/>
+              <a:buNone/>
+            </a:pPr>
+            <a:r>
+              <a:rPr lang="en" b="1"/>
+              <a:t>Quy trình thực hiện</a:t>
+            </a:r>
+            <a:endParaRPr/>
+          </a:p>
+        </p:txBody>
+      </p:sp>
+      <p:sp>
+        <p:nvSpPr>
+          <p:cNvPr id="111" name="Google Shape;111;gb23b97c7f9_0_22"/>
+          <p:cNvSpPr txBox="1">
+            <a:spLocks noGrp="1"/>
+          </p:cNvSpPr>
+          <p:nvPr>
+            <p:ph type="body" idx="1"/>
+          </p:nvPr>
+        </p:nvSpPr>
+        <p:spPr>
+          <a:xfrm>
+            <a:off x="471900" y="820500"/>
+            <a:ext cx="8222100" cy="3908400"/>
+          </a:xfrm>
+          <a:prstGeom prst="rect">
+            <a:avLst/>
+          </a:prstGeom>
+          <a:noFill/>
+          <a:ln>
+            <a:noFill/>
+          </a:ln>
+        </p:spPr>
+        <p:txBody>
+          <a:bodyPr spcFirstLastPara="1" wrap="square" lIns="91425" tIns="91425" rIns="91425" bIns="91425" anchor="t" anchorCtr="0">
+            <a:noAutofit/>
+          </a:bodyPr>
+          <a:lstStyle/>
+          <a:p>
+            <a:pPr marL="457200" lvl="0" indent="-330200" algn="l" rtl="0">
+              <a:lnSpc>
+                <a:spcPct val="115000"/>
+              </a:lnSpc>
+              <a:spcBef>
+                <a:spcPts val="0"/>
+              </a:spcBef>
+              <a:spcAft>
+                <a:spcPts val="0"/>
+              </a:spcAft>
+              <a:buSzPts val="1600"/>
+              <a:buChar char="●"/>
+            </a:pPr>
+            <a:r>
+              <a:rPr lang="en" sz="1600" dirty="0" err="1"/>
+              <a:t>Bước</a:t>
+            </a:r>
+            <a:r>
+              <a:rPr lang="en" sz="1600" dirty="0"/>
+              <a:t> 1: </a:t>
+            </a:r>
+            <a:r>
+              <a:rPr lang="en" sz="1600" dirty="0" err="1"/>
+              <a:t>thu</a:t>
+            </a:r>
+            <a:r>
+              <a:rPr lang="en" sz="1600" dirty="0"/>
+              <a:t> </a:t>
+            </a:r>
+            <a:r>
+              <a:rPr lang="en" sz="1600" dirty="0" err="1"/>
+              <a:t>thập</a:t>
+            </a:r>
+            <a:r>
+              <a:rPr lang="en" sz="1600" dirty="0"/>
+              <a:t> </a:t>
+            </a:r>
+            <a:r>
+              <a:rPr lang="en" sz="1600" dirty="0" err="1"/>
+              <a:t>dữ</a:t>
+            </a:r>
+            <a:r>
+              <a:rPr lang="en" sz="1600" dirty="0"/>
+              <a:t> </a:t>
+            </a:r>
+            <a:r>
+              <a:rPr lang="en" sz="1600" dirty="0" err="1"/>
+              <a:t>liệu</a:t>
+            </a:r>
+            <a:r>
+              <a:rPr lang="en" sz="1600" dirty="0"/>
+              <a:t> </a:t>
+            </a:r>
+            <a:r>
+              <a:rPr lang="en" sz="1600" dirty="0" err="1"/>
+              <a:t>ảnh</a:t>
+            </a:r>
+            <a:r>
+              <a:rPr lang="en" sz="1600" dirty="0"/>
+              <a:t>.</a:t>
+            </a:r>
+            <a:endParaRPr sz="1600" dirty="0"/>
+          </a:p>
+          <a:p>
+            <a:pPr marL="457200" lvl="0" indent="-330200" algn="l" rtl="0">
+              <a:spcBef>
+                <a:spcPts val="0"/>
+              </a:spcBef>
+              <a:spcAft>
+                <a:spcPts val="0"/>
+              </a:spcAft>
+              <a:buSzPts val="1600"/>
+              <a:buChar char="●"/>
+            </a:pPr>
+            <a:r>
+              <a:rPr lang="en" sz="1600" dirty="0" err="1"/>
+              <a:t>Bước</a:t>
+            </a:r>
+            <a:r>
+              <a:rPr lang="en" sz="1600" dirty="0"/>
+              <a:t> 2: </a:t>
+            </a:r>
+            <a:r>
+              <a:rPr lang="en" sz="1600" dirty="0" err="1"/>
+              <a:t>gán</a:t>
+            </a:r>
+            <a:r>
+              <a:rPr lang="en" sz="1600" dirty="0"/>
+              <a:t> </a:t>
+            </a:r>
+            <a:r>
+              <a:rPr lang="en" sz="1600" dirty="0" err="1"/>
+              <a:t>nhãn</a:t>
+            </a:r>
+            <a:r>
+              <a:rPr lang="en" sz="1600" dirty="0"/>
+              <a:t> </a:t>
+            </a:r>
+            <a:r>
+              <a:rPr lang="en" sz="1600" dirty="0" err="1"/>
+              <a:t>thủ</a:t>
+            </a:r>
+            <a:r>
+              <a:rPr lang="en" sz="1600" dirty="0"/>
+              <a:t> </a:t>
+            </a:r>
+            <a:r>
+              <a:rPr lang="en" sz="1600" dirty="0" err="1"/>
+              <a:t>công</a:t>
+            </a:r>
+            <a:r>
+              <a:rPr lang="en" sz="1600" dirty="0"/>
+              <a:t> </a:t>
+            </a:r>
+            <a:r>
+              <a:rPr lang="en" sz="1600" dirty="0" err="1"/>
+              <a:t>cho</a:t>
+            </a:r>
+            <a:r>
+              <a:rPr lang="en" sz="1600" dirty="0"/>
+              <a:t> </a:t>
+            </a:r>
+            <a:r>
+              <a:rPr lang="en" sz="1600" dirty="0" err="1"/>
+              <a:t>dữ</a:t>
+            </a:r>
+            <a:r>
+              <a:rPr lang="en" sz="1600" dirty="0"/>
+              <a:t> </a:t>
+            </a:r>
+            <a:r>
+              <a:rPr lang="en" sz="1600" dirty="0" err="1"/>
+              <a:t>liệu</a:t>
+            </a:r>
+            <a:r>
+              <a:rPr lang="en" sz="1600" dirty="0"/>
+              <a:t> </a:t>
+            </a:r>
+            <a:r>
+              <a:rPr lang="en" sz="1600" dirty="0" err="1"/>
+              <a:t>đã</a:t>
+            </a:r>
+            <a:r>
+              <a:rPr lang="en" sz="1600" dirty="0"/>
+              <a:t> </a:t>
+            </a:r>
+            <a:r>
+              <a:rPr lang="en" sz="1600" dirty="0" err="1"/>
+              <a:t>thu</a:t>
+            </a:r>
+            <a:r>
+              <a:rPr lang="en" sz="1600" dirty="0"/>
+              <a:t> </a:t>
+            </a:r>
+            <a:r>
+              <a:rPr lang="en" sz="1600" dirty="0" err="1"/>
+              <a:t>thập</a:t>
+            </a:r>
+            <a:r>
+              <a:rPr lang="en" sz="1600" dirty="0"/>
+              <a:t> </a:t>
+            </a:r>
+            <a:r>
+              <a:rPr lang="en" sz="1600" dirty="0" err="1"/>
+              <a:t>bằng</a:t>
+            </a:r>
+            <a:r>
+              <a:rPr lang="en" sz="1600" dirty="0"/>
+              <a:t> </a:t>
+            </a:r>
+            <a:r>
+              <a:rPr lang="en" sz="1600" dirty="0" err="1"/>
+              <a:t>roboflow</a:t>
+            </a:r>
+            <a:r>
+              <a:rPr lang="en" sz="1600" dirty="0"/>
+              <a:t>.</a:t>
+            </a:r>
+            <a:endParaRPr sz="1600" dirty="0"/>
+          </a:p>
+          <a:p>
+            <a:pPr marL="457200" lvl="0" indent="-330200" algn="l" rtl="0">
+              <a:spcBef>
+                <a:spcPts val="0"/>
+              </a:spcBef>
+              <a:spcAft>
+                <a:spcPts val="0"/>
+              </a:spcAft>
+              <a:buSzPts val="1600"/>
+              <a:buChar char="●"/>
+            </a:pPr>
+            <a:r>
+              <a:rPr lang="en" sz="1600" dirty="0" err="1"/>
+              <a:t>Bước</a:t>
+            </a:r>
+            <a:r>
+              <a:rPr lang="en" sz="1600" dirty="0"/>
+              <a:t> 3: </a:t>
+            </a:r>
+            <a:r>
+              <a:rPr lang="en" sz="1600" dirty="0" err="1"/>
+              <a:t>sử</a:t>
+            </a:r>
+            <a:r>
+              <a:rPr lang="en" sz="1600" dirty="0"/>
+              <a:t> </a:t>
+            </a:r>
+            <a:r>
+              <a:rPr lang="en" sz="1600" dirty="0" err="1"/>
+              <a:t>dụng</a:t>
+            </a:r>
+            <a:r>
+              <a:rPr lang="en" sz="1600" dirty="0"/>
+              <a:t> </a:t>
+            </a:r>
+            <a:r>
+              <a:rPr lang="en" sz="1600" dirty="0" err="1"/>
+              <a:t>trang</a:t>
+            </a:r>
+            <a:r>
+              <a:rPr lang="en" sz="1600" dirty="0"/>
+              <a:t> </a:t>
+            </a:r>
+            <a:r>
+              <a:rPr lang="en" sz="1600" dirty="0" err="1"/>
+              <a:t>roboflow</a:t>
+            </a:r>
+            <a:r>
+              <a:rPr lang="en" sz="1600" dirty="0"/>
+              <a:t> </a:t>
+            </a:r>
+            <a:r>
+              <a:rPr lang="en" sz="1600" dirty="0" err="1"/>
+              <a:t>tăng</a:t>
+            </a:r>
+            <a:r>
+              <a:rPr lang="en" sz="1600" dirty="0"/>
+              <a:t> </a:t>
+            </a:r>
+            <a:r>
+              <a:rPr lang="en" sz="1600" dirty="0" err="1"/>
+              <a:t>cường</a:t>
+            </a:r>
+            <a:r>
+              <a:rPr lang="en" sz="1600" dirty="0"/>
+              <a:t> </a:t>
+            </a:r>
+            <a:r>
+              <a:rPr lang="en" sz="1600" dirty="0" err="1"/>
+              <a:t>thêm</a:t>
+            </a:r>
+            <a:r>
+              <a:rPr lang="en" sz="1600" dirty="0"/>
+              <a:t> </a:t>
+            </a:r>
+            <a:r>
+              <a:rPr lang="en" sz="1600" dirty="0" err="1"/>
+              <a:t>dữ</a:t>
+            </a:r>
+            <a:r>
+              <a:rPr lang="en" sz="1600" dirty="0"/>
+              <a:t> </a:t>
+            </a:r>
+            <a:r>
+              <a:rPr lang="en" sz="1600" dirty="0" err="1"/>
+              <a:t>liệu</a:t>
+            </a:r>
+            <a:r>
+              <a:rPr lang="en" sz="1600" dirty="0"/>
+              <a:t> </a:t>
+            </a:r>
+            <a:r>
+              <a:rPr lang="en" sz="1600" dirty="0" err="1"/>
+              <a:t>trên</a:t>
+            </a:r>
+            <a:r>
+              <a:rPr lang="en" sz="1600" dirty="0"/>
+              <a:t> </a:t>
+            </a:r>
+            <a:r>
+              <a:rPr lang="en" sz="1600" dirty="0" err="1"/>
+              <a:t>và</a:t>
+            </a:r>
+            <a:r>
+              <a:rPr lang="en" sz="1600" dirty="0"/>
+              <a:t> </a:t>
+            </a:r>
+            <a:r>
+              <a:rPr lang="en" sz="1600" dirty="0" err="1"/>
+              <a:t>trích</a:t>
+            </a:r>
+            <a:r>
+              <a:rPr lang="en" sz="1600" dirty="0"/>
+              <a:t> </a:t>
+            </a:r>
+            <a:r>
+              <a:rPr lang="en" sz="1600" dirty="0" err="1"/>
+              <a:t>xuất</a:t>
+            </a:r>
+            <a:r>
+              <a:rPr lang="en" sz="1600" dirty="0"/>
+              <a:t> file TF-Record.</a:t>
+            </a:r>
+            <a:endParaRPr sz="1600" dirty="0"/>
+          </a:p>
+          <a:p>
+            <a:pPr marL="457200" lvl="0" indent="-330200" algn="l" rtl="0">
+              <a:lnSpc>
+                <a:spcPct val="115000"/>
+              </a:lnSpc>
+              <a:spcBef>
+                <a:spcPts val="0"/>
+              </a:spcBef>
+              <a:spcAft>
+                <a:spcPts val="0"/>
+              </a:spcAft>
+              <a:buSzPts val="1600"/>
+              <a:buChar char="●"/>
+            </a:pPr>
+            <a:r>
+              <a:rPr lang="en" sz="1600" dirty="0" err="1"/>
+              <a:t>Bước</a:t>
+            </a:r>
+            <a:r>
+              <a:rPr lang="en" sz="1600" dirty="0"/>
+              <a:t> 4: </a:t>
+            </a:r>
+            <a:r>
+              <a:rPr lang="en" sz="1600" dirty="0" err="1"/>
+              <a:t>thiết</a:t>
+            </a:r>
+            <a:r>
+              <a:rPr lang="en" sz="1600" dirty="0"/>
+              <a:t> </a:t>
+            </a:r>
+            <a:r>
+              <a:rPr lang="en" sz="1600" dirty="0" err="1"/>
+              <a:t>lập</a:t>
+            </a:r>
+            <a:r>
+              <a:rPr lang="en" sz="1600" dirty="0"/>
+              <a:t> </a:t>
+            </a:r>
+            <a:r>
+              <a:rPr lang="en" sz="1600" dirty="0" err="1"/>
+              <a:t>môi</a:t>
+            </a:r>
+            <a:r>
+              <a:rPr lang="en" sz="1600" dirty="0"/>
+              <a:t> </a:t>
+            </a:r>
+            <a:r>
+              <a:rPr lang="en" sz="1600" dirty="0" err="1"/>
+              <a:t>trường</a:t>
+            </a:r>
+            <a:r>
+              <a:rPr lang="en" sz="1600" dirty="0"/>
+              <a:t> </a:t>
+            </a:r>
+            <a:r>
+              <a:rPr lang="en" sz="1600" dirty="0" err="1"/>
+              <a:t>trong</a:t>
+            </a:r>
+            <a:r>
+              <a:rPr lang="en" sz="1600" dirty="0"/>
+              <a:t> Google </a:t>
+            </a:r>
+            <a:r>
+              <a:rPr lang="en" sz="1600" dirty="0" err="1"/>
+              <a:t>Colab</a:t>
+            </a:r>
+            <a:r>
+              <a:rPr lang="en" sz="1600" dirty="0"/>
+              <a:t>.</a:t>
+            </a:r>
+            <a:endParaRPr sz="1600" dirty="0"/>
+          </a:p>
+          <a:p>
+            <a:pPr marL="457200" lvl="0" indent="-330200" algn="l" rtl="0">
+              <a:spcBef>
+                <a:spcPts val="0"/>
+              </a:spcBef>
+              <a:spcAft>
+                <a:spcPts val="0"/>
+              </a:spcAft>
+              <a:buSzPts val="1600"/>
+              <a:buChar char="●"/>
+            </a:pPr>
+            <a:r>
+              <a:rPr lang="en" sz="1600" dirty="0" err="1"/>
+              <a:t>Bước</a:t>
+            </a:r>
+            <a:r>
+              <a:rPr lang="en" sz="1600" dirty="0"/>
+              <a:t> 5: </a:t>
+            </a:r>
+            <a:r>
+              <a:rPr lang="en" sz="1600" dirty="0" err="1"/>
+              <a:t>bắt</a:t>
+            </a:r>
+            <a:r>
+              <a:rPr lang="en" sz="1600" dirty="0"/>
+              <a:t> </a:t>
+            </a:r>
+            <a:r>
+              <a:rPr lang="en" sz="1600" dirty="0" err="1"/>
+              <a:t>đầu</a:t>
+            </a:r>
+            <a:r>
+              <a:rPr lang="en" sz="1600" dirty="0"/>
+              <a:t> train EfficientDet-d0 model </a:t>
+            </a:r>
+            <a:r>
+              <a:rPr lang="en" sz="1600" dirty="0" err="1"/>
+              <a:t>với</a:t>
+            </a:r>
+            <a:r>
+              <a:rPr lang="en" sz="1600" dirty="0"/>
+              <a:t> file </a:t>
+            </a:r>
+            <a:r>
+              <a:rPr lang="en" sz="1600" dirty="0" err="1"/>
+              <a:t>đã</a:t>
+            </a:r>
+            <a:r>
+              <a:rPr lang="en" sz="1600" dirty="0"/>
+              <a:t> </a:t>
+            </a:r>
+            <a:r>
+              <a:rPr lang="en" sz="1600" dirty="0" err="1"/>
+              <a:t>trích</a:t>
+            </a:r>
+            <a:r>
+              <a:rPr lang="en" sz="1600" dirty="0"/>
+              <a:t> </a:t>
+            </a:r>
+            <a:r>
+              <a:rPr lang="en" sz="1600" dirty="0" err="1"/>
+              <a:t>xuất</a:t>
+            </a:r>
+            <a:r>
+              <a:rPr lang="en" sz="1600" dirty="0"/>
+              <a:t> </a:t>
+            </a:r>
+            <a:r>
+              <a:rPr lang="en" sz="1600" dirty="0" err="1"/>
+              <a:t>ở</a:t>
+            </a:r>
+            <a:r>
+              <a:rPr lang="en" sz="1600" dirty="0"/>
+              <a:t> </a:t>
+            </a:r>
+            <a:r>
+              <a:rPr lang="en" sz="1600" dirty="0" err="1"/>
+              <a:t>bước</a:t>
+            </a:r>
+            <a:r>
+              <a:rPr lang="en" sz="1600" dirty="0"/>
+              <a:t> 3</a:t>
+            </a:r>
+            <a:endParaRPr sz="1600" dirty="0"/>
+          </a:p>
+          <a:p>
+            <a:pPr marL="457200" lvl="0" indent="-330200" algn="l" rtl="0">
+              <a:lnSpc>
+                <a:spcPct val="115000"/>
+              </a:lnSpc>
+              <a:spcBef>
+                <a:spcPts val="0"/>
+              </a:spcBef>
+              <a:spcAft>
+                <a:spcPts val="0"/>
+              </a:spcAft>
+              <a:buSzPts val="1600"/>
+              <a:buChar char="●"/>
+            </a:pPr>
+            <a:r>
+              <a:rPr lang="en" sz="1600" dirty="0" err="1"/>
+              <a:t>Bước</a:t>
+            </a:r>
+            <a:r>
+              <a:rPr lang="en" sz="1600" dirty="0"/>
+              <a:t> 6: </a:t>
+            </a:r>
+            <a:r>
+              <a:rPr lang="en" sz="1600" dirty="0" err="1"/>
+              <a:t>thử</a:t>
+            </a:r>
+            <a:r>
+              <a:rPr lang="en" sz="1600" dirty="0"/>
+              <a:t> </a:t>
+            </a:r>
+            <a:r>
+              <a:rPr lang="en" sz="1600" dirty="0" err="1"/>
+              <a:t>nghiệm</a:t>
+            </a:r>
+            <a:r>
+              <a:rPr lang="en" sz="1600" dirty="0"/>
+              <a:t> </a:t>
+            </a:r>
+            <a:r>
+              <a:rPr lang="en" sz="1600" dirty="0" err="1"/>
+              <a:t>trên</a:t>
+            </a:r>
+            <a:r>
+              <a:rPr lang="en" sz="1600" dirty="0"/>
+              <a:t> </a:t>
+            </a:r>
+            <a:r>
+              <a:rPr lang="en" sz="1600" dirty="0" err="1"/>
+              <a:t>ảnh</a:t>
+            </a:r>
+            <a:r>
+              <a:rPr lang="en" sz="1600" dirty="0"/>
+              <a:t> </a:t>
+            </a:r>
+            <a:r>
+              <a:rPr lang="en" sz="1600" dirty="0" err="1"/>
+              <a:t>ngoài</a:t>
+            </a:r>
+            <a:r>
+              <a:rPr lang="en" sz="1600" dirty="0"/>
+              <a:t> </a:t>
+            </a:r>
+            <a:r>
+              <a:rPr lang="en" sz="1600" dirty="0" err="1"/>
+              <a:t>thực</a:t>
+            </a:r>
+            <a:r>
+              <a:rPr lang="en" sz="1600" dirty="0"/>
+              <a:t> </a:t>
+            </a:r>
+            <a:r>
+              <a:rPr lang="en" sz="1600" dirty="0" err="1"/>
+              <a:t>tế</a:t>
+            </a:r>
+            <a:r>
+              <a:rPr lang="en" sz="1600" dirty="0"/>
+              <a:t>.</a:t>
+            </a:r>
+            <a:endParaRPr sz="1800" dirty="0"/>
+          </a:p>
+        </p:txBody>
+      </p:sp>
+    </p:spTree>
+  </p:cSld>
+  <p:clrMapOvr>
+    <a:masterClrMapping/>
+  </p:clrMapOvr>
+</p:sld>
+</file>
+
+<file path=ppt/slides/slide11.xml><?xml version="1.0" encoding="utf-8"?>
+<p:sld xmlns:a="http://schemas.openxmlformats.org/drawingml/2006/main" xmlns:r="http://schemas.openxmlformats.org/officeDocument/2006/relationships" xmlns:p="http://schemas.openxmlformats.org/presentationml/2006/main">
+  <p:cSld>
+    <p:spTree>
+      <p:nvGrpSpPr>
         <p:cNvPr id="1" name="Shape 115"/>
         <p:cNvGrpSpPr/>
         <p:nvPr/>
@@ -11225,7 +11874,7 @@
 </p:sld>
 </file>
 
-<file path=ppt/slides/slide11.xml><?xml version="1.0" encoding="utf-8"?>
+<file path=ppt/slides/slide12.xml><?xml version="1.0" encoding="utf-8"?>
 <p:sld xmlns:a="http://schemas.openxmlformats.org/drawingml/2006/main" xmlns:r="http://schemas.openxmlformats.org/officeDocument/2006/relationships" xmlns:p="http://schemas.openxmlformats.org/presentationml/2006/main">
   <p:cSld>
     <p:spTree>
@@ -11642,177 +12291,6 @@
         </p:txBody>
       </p:sp>
     </p:spTree>
-  </p:cSld>
-  <p:clrMapOvr>
-    <a:masterClrMapping/>
-  </p:clrMapOvr>
-</p:sld>
-</file>
-
-<file path=ppt/slides/slide12.xml><?xml version="1.0" encoding="utf-8"?>
-<p:sld xmlns:a="http://schemas.openxmlformats.org/drawingml/2006/main" xmlns:r="http://schemas.openxmlformats.org/officeDocument/2006/relationships" xmlns:p="http://schemas.openxmlformats.org/presentationml/2006/main">
-  <p:cSld>
-    <p:spTree>
-      <p:nvGrpSpPr>
-        <p:cNvPr id="1" name="Shape 127"/>
-        <p:cNvGrpSpPr/>
-        <p:nvPr/>
-      </p:nvGrpSpPr>
-      <p:grpSpPr>
-        <a:xfrm>
-          <a:off x="0" y="0"/>
-          <a:ext cx="0" cy="0"/>
-          <a:chOff x="0" y="0"/>
-          <a:chExt cx="0" cy="0"/>
-        </a:xfrm>
-      </p:grpSpPr>
-      <p:sp>
-        <p:nvSpPr>
-          <p:cNvPr id="128" name="Google Shape;128;gb23b97c7f9_0_16"/>
-          <p:cNvSpPr txBox="1">
-            <a:spLocks noGrp="1"/>
-          </p:cNvSpPr>
-          <p:nvPr>
-            <p:ph type="title"/>
-          </p:nvPr>
-        </p:nvSpPr>
-        <p:spPr>
-          <a:xfrm>
-            <a:off x="471900" y="57875"/>
-            <a:ext cx="8222100" cy="670500"/>
-          </a:xfrm>
-          <a:prstGeom prst="rect">
-            <a:avLst/>
-          </a:prstGeom>
-          <a:noFill/>
-          <a:ln>
-            <a:noFill/>
-          </a:ln>
-        </p:spPr>
-        <p:txBody>
-          <a:bodyPr spcFirstLastPara="1" wrap="square" lIns="91425" tIns="91425" rIns="91425" bIns="91425" anchor="ctr" anchorCtr="0">
-            <a:noAutofit/>
-          </a:bodyPr>
-          <a:lstStyle/>
-          <a:p>
-            <a:pPr marL="0" lvl="0" indent="0" algn="l" rtl="0">
-              <a:lnSpc>
-                <a:spcPct val="100000"/>
-              </a:lnSpc>
-              <a:spcBef>
-                <a:spcPts val="0"/>
-              </a:spcBef>
-              <a:spcAft>
-                <a:spcPts val="0"/>
-              </a:spcAft>
-              <a:buSzPts val="3200"/>
-              <a:buNone/>
-            </a:pPr>
-            <a:r>
-              <a:rPr lang="en" b="1"/>
-              <a:t>Đánh giá kết quả</a:t>
-            </a:r>
-            <a:endParaRPr/>
-          </a:p>
-        </p:txBody>
-      </p:sp>
-      <p:sp>
-        <p:nvSpPr>
-          <p:cNvPr id="129" name="Google Shape;129;gb23b97c7f9_0_16"/>
-          <p:cNvSpPr txBox="1">
-            <a:spLocks noGrp="1"/>
-          </p:cNvSpPr>
-          <p:nvPr>
-            <p:ph type="body" idx="1"/>
-          </p:nvPr>
-        </p:nvSpPr>
-        <p:spPr>
-          <a:xfrm>
-            <a:off x="471900" y="820500"/>
-            <a:ext cx="8222100" cy="3908400"/>
-          </a:xfrm>
-          <a:prstGeom prst="rect">
-            <a:avLst/>
-          </a:prstGeom>
-          <a:noFill/>
-          <a:ln>
-            <a:noFill/>
-          </a:ln>
-        </p:spPr>
-        <p:txBody>
-          <a:bodyPr spcFirstLastPara="1" wrap="square" lIns="91425" tIns="91425" rIns="91425" bIns="91425" anchor="t" anchorCtr="0">
-            <a:noAutofit/>
-          </a:bodyPr>
-          <a:lstStyle/>
-          <a:p>
-            <a:pPr marL="457200" lvl="0" indent="0" algn="l" rtl="0">
-              <a:lnSpc>
-                <a:spcPct val="115000"/>
-              </a:lnSpc>
-              <a:spcBef>
-                <a:spcPts val="1600"/>
-              </a:spcBef>
-              <a:spcAft>
-                <a:spcPts val="0"/>
-              </a:spcAft>
-              <a:buNone/>
-            </a:pPr>
-            <a:endParaRPr/>
-          </a:p>
-          <a:p>
-            <a:pPr marL="914400" lvl="0" indent="0" algn="l" rtl="0">
-              <a:lnSpc>
-                <a:spcPct val="115000"/>
-              </a:lnSpc>
-              <a:spcBef>
-                <a:spcPts val="1600"/>
-              </a:spcBef>
-              <a:spcAft>
-                <a:spcPts val="1600"/>
-              </a:spcAft>
-              <a:buSzPts val="2200"/>
-              <a:buNone/>
-            </a:pPr>
-            <a:endParaRPr sz="1800"/>
-          </a:p>
-        </p:txBody>
-      </p:sp>
-      <p:pic>
-        <p:nvPicPr>
-          <p:cNvPr id="6" name="Picture 5" descr="A screenshot of a website&#10;&#10;Description automatically generated with medium confidence">
-            <a:extLst>
-              <a:ext uri="{FF2B5EF4-FFF2-40B4-BE49-F238E27FC236}">
-                <a16:creationId xmlns:a16="http://schemas.microsoft.com/office/drawing/2014/main" id="{EFFF0CB1-D8CE-E244-858E-640638DFDEA0}"/>
-              </a:ext>
-            </a:extLst>
-          </p:cNvPr>
-          <p:cNvPicPr>
-            <a:picLocks noChangeAspect="1"/>
-          </p:cNvPicPr>
-          <p:nvPr/>
-        </p:nvPicPr>
-        <p:blipFill>
-          <a:blip r:embed="rId3"/>
-          <a:stretch>
-            <a:fillRect/>
-          </a:stretch>
-        </p:blipFill>
-        <p:spPr>
-          <a:xfrm>
-            <a:off x="0" y="683315"/>
-            <a:ext cx="9144000" cy="3776870"/>
-          </a:xfrm>
-          <a:prstGeom prst="rect">
-            <a:avLst/>
-          </a:prstGeom>
-        </p:spPr>
-      </p:pic>
-    </p:spTree>
-    <p:extLst>
-      <p:ext uri="{BB962C8B-B14F-4D97-AF65-F5344CB8AC3E}">
-        <p14:creationId xmlns:p14="http://schemas.microsoft.com/office/powerpoint/2010/main" val="1607805153"/>
-      </p:ext>
-    </p:extLst>
   </p:cSld>
   <p:clrMapOvr>
     <a:masterClrMapping/>
@@ -11880,6 +12358,177 @@
               <a:buNone/>
             </a:pPr>
             <a:r>
+              <a:rPr lang="en" b="1"/>
+              <a:t>Đánh giá kết quả</a:t>
+            </a:r>
+            <a:endParaRPr/>
+          </a:p>
+        </p:txBody>
+      </p:sp>
+      <p:sp>
+        <p:nvSpPr>
+          <p:cNvPr id="129" name="Google Shape;129;gb23b97c7f9_0_16"/>
+          <p:cNvSpPr txBox="1">
+            <a:spLocks noGrp="1"/>
+          </p:cNvSpPr>
+          <p:nvPr>
+            <p:ph type="body" idx="1"/>
+          </p:nvPr>
+        </p:nvSpPr>
+        <p:spPr>
+          <a:xfrm>
+            <a:off x="471900" y="820500"/>
+            <a:ext cx="8222100" cy="3908400"/>
+          </a:xfrm>
+          <a:prstGeom prst="rect">
+            <a:avLst/>
+          </a:prstGeom>
+          <a:noFill/>
+          <a:ln>
+            <a:noFill/>
+          </a:ln>
+        </p:spPr>
+        <p:txBody>
+          <a:bodyPr spcFirstLastPara="1" wrap="square" lIns="91425" tIns="91425" rIns="91425" bIns="91425" anchor="t" anchorCtr="0">
+            <a:noAutofit/>
+          </a:bodyPr>
+          <a:lstStyle/>
+          <a:p>
+            <a:pPr marL="457200" lvl="0" indent="0" algn="l" rtl="0">
+              <a:lnSpc>
+                <a:spcPct val="115000"/>
+              </a:lnSpc>
+              <a:spcBef>
+                <a:spcPts val="1600"/>
+              </a:spcBef>
+              <a:spcAft>
+                <a:spcPts val="0"/>
+              </a:spcAft>
+              <a:buNone/>
+            </a:pPr>
+            <a:endParaRPr/>
+          </a:p>
+          <a:p>
+            <a:pPr marL="914400" lvl="0" indent="0" algn="l" rtl="0">
+              <a:lnSpc>
+                <a:spcPct val="115000"/>
+              </a:lnSpc>
+              <a:spcBef>
+                <a:spcPts val="1600"/>
+              </a:spcBef>
+              <a:spcAft>
+                <a:spcPts val="1600"/>
+              </a:spcAft>
+              <a:buSzPts val="2200"/>
+              <a:buNone/>
+            </a:pPr>
+            <a:endParaRPr sz="1800"/>
+          </a:p>
+        </p:txBody>
+      </p:sp>
+      <p:pic>
+        <p:nvPicPr>
+          <p:cNvPr id="6" name="Picture 5" descr="A screenshot of a website&#10;&#10;Description automatically generated with medium confidence">
+            <a:extLst>
+              <a:ext uri="{FF2B5EF4-FFF2-40B4-BE49-F238E27FC236}">
+                <a16:creationId xmlns:a16="http://schemas.microsoft.com/office/drawing/2014/main" id="{EFFF0CB1-D8CE-E244-858E-640638DFDEA0}"/>
+              </a:ext>
+            </a:extLst>
+          </p:cNvPr>
+          <p:cNvPicPr>
+            <a:picLocks noChangeAspect="1"/>
+          </p:cNvPicPr>
+          <p:nvPr/>
+        </p:nvPicPr>
+        <p:blipFill>
+          <a:blip r:embed="rId3"/>
+          <a:stretch>
+            <a:fillRect/>
+          </a:stretch>
+        </p:blipFill>
+        <p:spPr>
+          <a:xfrm>
+            <a:off x="0" y="683315"/>
+            <a:ext cx="9144000" cy="3776870"/>
+          </a:xfrm>
+          <a:prstGeom prst="rect">
+            <a:avLst/>
+          </a:prstGeom>
+        </p:spPr>
+      </p:pic>
+    </p:spTree>
+    <p:extLst>
+      <p:ext uri="{BB962C8B-B14F-4D97-AF65-F5344CB8AC3E}">
+        <p14:creationId xmlns:p14="http://schemas.microsoft.com/office/powerpoint/2010/main" val="1607805153"/>
+      </p:ext>
+    </p:extLst>
+  </p:cSld>
+  <p:clrMapOvr>
+    <a:masterClrMapping/>
+  </p:clrMapOvr>
+</p:sld>
+</file>
+
+<file path=ppt/slides/slide14.xml><?xml version="1.0" encoding="utf-8"?>
+<p:sld xmlns:a="http://schemas.openxmlformats.org/drawingml/2006/main" xmlns:r="http://schemas.openxmlformats.org/officeDocument/2006/relationships" xmlns:p="http://schemas.openxmlformats.org/presentationml/2006/main">
+  <p:cSld>
+    <p:spTree>
+      <p:nvGrpSpPr>
+        <p:cNvPr id="1" name="Shape 127"/>
+        <p:cNvGrpSpPr/>
+        <p:nvPr/>
+      </p:nvGrpSpPr>
+      <p:grpSpPr>
+        <a:xfrm>
+          <a:off x="0" y="0"/>
+          <a:ext cx="0" cy="0"/>
+          <a:chOff x="0" y="0"/>
+          <a:chExt cx="0" cy="0"/>
+        </a:xfrm>
+      </p:grpSpPr>
+      <p:sp>
+        <p:nvSpPr>
+          <p:cNvPr id="128" name="Google Shape;128;gb23b97c7f9_0_16"/>
+          <p:cNvSpPr txBox="1">
+            <a:spLocks noGrp="1"/>
+          </p:cNvSpPr>
+          <p:nvPr>
+            <p:ph type="title"/>
+          </p:nvPr>
+        </p:nvSpPr>
+        <p:spPr>
+          <a:xfrm>
+            <a:off x="471900" y="57875"/>
+            <a:ext cx="8222100" cy="670500"/>
+          </a:xfrm>
+          <a:prstGeom prst="rect">
+            <a:avLst/>
+          </a:prstGeom>
+          <a:noFill/>
+          <a:ln>
+            <a:noFill/>
+          </a:ln>
+        </p:spPr>
+        <p:txBody>
+          <a:bodyPr spcFirstLastPara="1" wrap="square" lIns="91425" tIns="91425" rIns="91425" bIns="91425" anchor="ctr" anchorCtr="0">
+            <a:noAutofit/>
+          </a:bodyPr>
+          <a:lstStyle/>
+          <a:p>
+            <a:pPr marL="0" lvl="0" indent="0" algn="l" rtl="0">
+              <a:lnSpc>
+                <a:spcPct val="100000"/>
+              </a:lnSpc>
+              <a:spcBef>
+                <a:spcPts val="0"/>
+              </a:spcBef>
+              <a:spcAft>
+                <a:spcPts val="0"/>
+              </a:spcAft>
+              <a:buSzPts val="3200"/>
+              <a:buNone/>
+            </a:pPr>
+            <a:r>
               <a:rPr lang="en" b="1" dirty="0" err="1"/>
               <a:t>Đánh</a:t>
             </a:r>
@@ -12010,7 +12659,7 @@
 </p:sld>
 </file>
 
-<file path=ppt/slides/slide14.xml><?xml version="1.0" encoding="utf-8"?>
+<file path=ppt/slides/slide15.xml><?xml version="1.0" encoding="utf-8"?>
 <p:sld xmlns:a="http://schemas.openxmlformats.org/drawingml/2006/main" xmlns:r="http://schemas.openxmlformats.org/officeDocument/2006/relationships" xmlns:p="http://schemas.openxmlformats.org/presentationml/2006/main">
   <p:cSld>
     <p:spTree>
@@ -12121,7 +12770,7 @@
 </p:sld>
 </file>
 
-<file path=ppt/slides/slide15.xml><?xml version="1.0" encoding="utf-8"?>
+<file path=ppt/slides/slide16.xml><?xml version="1.0" encoding="utf-8"?>
 <p:sld xmlns:a="http://schemas.openxmlformats.org/drawingml/2006/main" xmlns:r="http://schemas.openxmlformats.org/officeDocument/2006/relationships" xmlns:p="http://schemas.openxmlformats.org/presentationml/2006/main">
   <p:cSld>
     <p:spTree>
@@ -13163,6 +13812,1253 @@
   <p:cSld>
     <p:spTree>
       <p:nvGrpSpPr>
+        <p:cNvPr id="1" name=""/>
+        <p:cNvGrpSpPr/>
+        <p:nvPr/>
+      </p:nvGrpSpPr>
+      <p:grpSpPr>
+        <a:xfrm>
+          <a:off x="0" y="0"/>
+          <a:ext cx="0" cy="0"/>
+          <a:chOff x="0" y="0"/>
+          <a:chExt cx="0" cy="0"/>
+        </a:xfrm>
+      </p:grpSpPr>
+      <p:sp>
+        <p:nvSpPr>
+          <p:cNvPr id="2" name="Title 1">
+            <a:extLst>
+              <a:ext uri="{FF2B5EF4-FFF2-40B4-BE49-F238E27FC236}">
+                <a16:creationId xmlns:a16="http://schemas.microsoft.com/office/drawing/2014/main" id="{A7396707-2D5D-914F-8E58-EA2CA7713AE9}"/>
+              </a:ext>
+            </a:extLst>
+          </p:cNvPr>
+          <p:cNvSpPr>
+            <a:spLocks noGrp="1"/>
+          </p:cNvSpPr>
+          <p:nvPr>
+            <p:ph type="title"/>
+          </p:nvPr>
+        </p:nvSpPr>
+        <p:spPr/>
+        <p:txBody>
+          <a:bodyPr/>
+          <a:lstStyle/>
+          <a:p>
+            <a:r>
+              <a:rPr lang="en-US" b="1" dirty="0" err="1"/>
+              <a:t>Ảnh</a:t>
+            </a:r>
+            <a:r>
+              <a:rPr lang="en-US" b="1" dirty="0"/>
+              <a:t> </a:t>
+            </a:r>
+            <a:r>
+              <a:rPr lang="en-US" b="1" dirty="0" err="1"/>
+              <a:t>của</a:t>
+            </a:r>
+            <a:r>
+              <a:rPr lang="en-US" b="1" dirty="0"/>
+              <a:t> </a:t>
+            </a:r>
+            <a:r>
+              <a:rPr lang="en-US" b="1" dirty="0" err="1"/>
+              <a:t>các</a:t>
+            </a:r>
+            <a:r>
+              <a:rPr lang="en-US" b="1" dirty="0"/>
+              <a:t> </a:t>
+            </a:r>
+            <a:r>
+              <a:rPr lang="en-US" b="1" dirty="0" err="1"/>
+              <a:t>thành</a:t>
+            </a:r>
+            <a:r>
+              <a:rPr lang="en-US" b="1" dirty="0"/>
+              <a:t> </a:t>
+            </a:r>
+            <a:r>
+              <a:rPr lang="en-US" b="1" dirty="0" err="1"/>
+              <a:t>viên</a:t>
+            </a:r>
+            <a:r>
+              <a:rPr lang="en-US" b="1" dirty="0"/>
+              <a:t> </a:t>
+            </a:r>
+            <a:r>
+              <a:rPr lang="en-US" b="1" dirty="0" err="1"/>
+              <a:t>của</a:t>
+            </a:r>
+            <a:r>
+              <a:rPr lang="en-US" b="1" dirty="0"/>
+              <a:t> </a:t>
+            </a:r>
+            <a:r>
+              <a:rPr lang="en-US" b="1" dirty="0" err="1"/>
+              <a:t>nhóm</a:t>
+            </a:r>
+            <a:r>
+              <a:rPr lang="en-US" b="1" dirty="0"/>
+              <a:t> </a:t>
+            </a:r>
+            <a:br>
+              <a:rPr lang="en-US" b="1" dirty="0"/>
+            </a:br>
+            <a:br>
+              <a:rPr lang="en-US" b="1" dirty="0"/>
+            </a:br>
+            <a:br>
+              <a:rPr lang="en-US" b="1" dirty="0"/>
+            </a:br>
+            <a:r>
+              <a:rPr lang="en-US" b="1" dirty="0" err="1"/>
+              <a:t>Ảnh</a:t>
+            </a:r>
+            <a:r>
+              <a:rPr lang="en-US" b="1" dirty="0"/>
+              <a:t> </a:t>
+            </a:r>
+            <a:r>
+              <a:rPr lang="en-US" b="1" dirty="0" err="1"/>
+              <a:t>của</a:t>
+            </a:r>
+            <a:r>
+              <a:rPr lang="en-US" b="1" dirty="0"/>
+              <a:t> </a:t>
+            </a:r>
+            <a:r>
+              <a:rPr lang="en-US" b="1" dirty="0" err="1"/>
+              <a:t>các</a:t>
+            </a:r>
+            <a:r>
+              <a:rPr lang="en-US" b="1" dirty="0"/>
+              <a:t> </a:t>
+            </a:r>
+            <a:r>
+              <a:rPr lang="en-US" b="1" dirty="0" err="1"/>
+              <a:t>thành</a:t>
+            </a:r>
+            <a:r>
+              <a:rPr lang="en-US" b="1" dirty="0"/>
+              <a:t> </a:t>
+            </a:r>
+            <a:r>
+              <a:rPr lang="en-US" b="1" dirty="0" err="1"/>
+              <a:t>viên</a:t>
+            </a:r>
+            <a:r>
+              <a:rPr lang="en-US" b="1" dirty="0"/>
+              <a:t> </a:t>
+            </a:r>
+            <a:r>
+              <a:rPr lang="en-US" b="1" dirty="0" err="1"/>
+              <a:t>của</a:t>
+            </a:r>
+            <a:r>
+              <a:rPr lang="en-US" b="1" dirty="0"/>
+              <a:t> </a:t>
+            </a:r>
+            <a:r>
+              <a:rPr lang="en-US" b="1" dirty="0" err="1"/>
+              <a:t>nhóm</a:t>
+            </a:r>
+            <a:r>
+              <a:rPr lang="en-US" b="1" dirty="0"/>
+              <a:t> </a:t>
+            </a:r>
+            <a:br>
+              <a:rPr lang="en-US" b="1" dirty="0"/>
+            </a:br>
+            <a:br>
+              <a:rPr lang="en-US" b="1" dirty="0"/>
+            </a:br>
+            <a:br>
+              <a:rPr lang="en-US" b="1" dirty="0"/>
+            </a:br>
+            <a:r>
+              <a:rPr lang="en-US" b="1" dirty="0" err="1"/>
+              <a:t>Ảnh</a:t>
+            </a:r>
+            <a:r>
+              <a:rPr lang="en-US" b="1" dirty="0"/>
+              <a:t> </a:t>
+            </a:r>
+            <a:r>
+              <a:rPr lang="en-US" b="1" dirty="0" err="1"/>
+              <a:t>của</a:t>
+            </a:r>
+            <a:r>
+              <a:rPr lang="en-US" b="1" dirty="0"/>
+              <a:t> </a:t>
+            </a:r>
+            <a:r>
+              <a:rPr lang="en-US" b="1" dirty="0" err="1"/>
+              <a:t>các</a:t>
+            </a:r>
+            <a:r>
+              <a:rPr lang="en-US" b="1" dirty="0"/>
+              <a:t> </a:t>
+            </a:r>
+            <a:r>
+              <a:rPr lang="en-US" b="1" dirty="0" err="1"/>
+              <a:t>thành</a:t>
+            </a:r>
+            <a:r>
+              <a:rPr lang="en-US" b="1" dirty="0"/>
+              <a:t> </a:t>
+            </a:r>
+            <a:r>
+              <a:rPr lang="en-US" b="1" dirty="0" err="1"/>
+              <a:t>viên</a:t>
+            </a:r>
+            <a:r>
+              <a:rPr lang="en-US" b="1" dirty="0"/>
+              <a:t> </a:t>
+            </a:r>
+            <a:r>
+              <a:rPr lang="en-US" b="1" dirty="0" err="1"/>
+              <a:t>của</a:t>
+            </a:r>
+            <a:r>
+              <a:rPr lang="en-US" b="1" dirty="0"/>
+              <a:t> </a:t>
+            </a:r>
+            <a:r>
+              <a:rPr lang="en-US" b="1" dirty="0" err="1"/>
+              <a:t>nhóm</a:t>
+            </a:r>
+            <a:r>
+              <a:rPr lang="en-US" b="1" dirty="0"/>
+              <a:t> </a:t>
+            </a:r>
+            <a:br>
+              <a:rPr lang="en-US" b="1" dirty="0"/>
+            </a:br>
+            <a:br>
+              <a:rPr lang="en-US" b="1" dirty="0"/>
+            </a:br>
+            <a:br>
+              <a:rPr lang="en-US" b="1" dirty="0"/>
+            </a:br>
+            <a:r>
+              <a:rPr lang="en-US" b="1" dirty="0" err="1"/>
+              <a:t>Ảnh</a:t>
+            </a:r>
+            <a:r>
+              <a:rPr lang="en-US" b="1" dirty="0"/>
+              <a:t> </a:t>
+            </a:r>
+            <a:r>
+              <a:rPr lang="en-US" b="1" dirty="0" err="1"/>
+              <a:t>của</a:t>
+            </a:r>
+            <a:r>
+              <a:rPr lang="en-US" b="1" dirty="0"/>
+              <a:t> </a:t>
+            </a:r>
+            <a:r>
+              <a:rPr lang="en-US" b="1" dirty="0" err="1"/>
+              <a:t>các</a:t>
+            </a:r>
+            <a:r>
+              <a:rPr lang="en-US" b="1" dirty="0"/>
+              <a:t> </a:t>
+            </a:r>
+            <a:r>
+              <a:rPr lang="en-US" b="1" dirty="0" err="1"/>
+              <a:t>thành</a:t>
+            </a:r>
+            <a:r>
+              <a:rPr lang="en-US" b="1" dirty="0"/>
+              <a:t> </a:t>
+            </a:r>
+            <a:r>
+              <a:rPr lang="en-US" b="1" dirty="0" err="1"/>
+              <a:t>viên</a:t>
+            </a:r>
+            <a:r>
+              <a:rPr lang="en-US" b="1" dirty="0"/>
+              <a:t> </a:t>
+            </a:r>
+            <a:r>
+              <a:rPr lang="en-US" b="1" dirty="0" err="1"/>
+              <a:t>của</a:t>
+            </a:r>
+            <a:r>
+              <a:rPr lang="en-US" b="1" dirty="0"/>
+              <a:t> </a:t>
+            </a:r>
+            <a:r>
+              <a:rPr lang="en-US" b="1" dirty="0" err="1"/>
+              <a:t>nhóm</a:t>
+            </a:r>
+            <a:r>
+              <a:rPr lang="en-US" b="1" dirty="0"/>
+              <a:t> </a:t>
+            </a:r>
+            <a:br>
+              <a:rPr lang="en-US" b="1" dirty="0"/>
+            </a:br>
+            <a:br>
+              <a:rPr lang="en-US" b="1" dirty="0"/>
+            </a:br>
+            <a:br>
+              <a:rPr lang="en-US" b="1" dirty="0"/>
+            </a:br>
+            <a:r>
+              <a:rPr lang="en-US" b="1" dirty="0" err="1"/>
+              <a:t>Ảnh</a:t>
+            </a:r>
+            <a:r>
+              <a:rPr lang="en-US" b="1" dirty="0"/>
+              <a:t> </a:t>
+            </a:r>
+            <a:r>
+              <a:rPr lang="en-US" b="1" dirty="0" err="1"/>
+              <a:t>của</a:t>
+            </a:r>
+            <a:r>
+              <a:rPr lang="en-US" b="1" dirty="0"/>
+              <a:t> </a:t>
+            </a:r>
+            <a:r>
+              <a:rPr lang="en-US" b="1" dirty="0" err="1"/>
+              <a:t>các</a:t>
+            </a:r>
+            <a:r>
+              <a:rPr lang="en-US" b="1" dirty="0"/>
+              <a:t> </a:t>
+            </a:r>
+            <a:r>
+              <a:rPr lang="en-US" b="1" dirty="0" err="1"/>
+              <a:t>thành</a:t>
+            </a:r>
+            <a:r>
+              <a:rPr lang="en-US" b="1" dirty="0"/>
+              <a:t> </a:t>
+            </a:r>
+            <a:r>
+              <a:rPr lang="en-US" b="1" dirty="0" err="1"/>
+              <a:t>viên</a:t>
+            </a:r>
+            <a:r>
+              <a:rPr lang="en-US" b="1" dirty="0"/>
+              <a:t> </a:t>
+            </a:r>
+            <a:r>
+              <a:rPr lang="en-US" b="1" dirty="0" err="1"/>
+              <a:t>của</a:t>
+            </a:r>
+            <a:r>
+              <a:rPr lang="en-US" b="1" dirty="0"/>
+              <a:t> </a:t>
+            </a:r>
+            <a:r>
+              <a:rPr lang="en-US" b="1" dirty="0" err="1"/>
+              <a:t>nhóm</a:t>
+            </a:r>
+            <a:r>
+              <a:rPr lang="en-US" b="1" dirty="0"/>
+              <a:t> </a:t>
+            </a:r>
+            <a:br>
+              <a:rPr lang="en-US" b="1" dirty="0"/>
+            </a:br>
+            <a:br>
+              <a:rPr lang="en-US" b="1" dirty="0"/>
+            </a:br>
+            <a:br>
+              <a:rPr lang="en-US" b="1" dirty="0"/>
+            </a:br>
+            <a:r>
+              <a:rPr lang="en-US" b="1" dirty="0" err="1"/>
+              <a:t>Ảnh</a:t>
+            </a:r>
+            <a:r>
+              <a:rPr lang="en-US" b="1" dirty="0"/>
+              <a:t> </a:t>
+            </a:r>
+            <a:r>
+              <a:rPr lang="en-US" b="1" dirty="0" err="1"/>
+              <a:t>của</a:t>
+            </a:r>
+            <a:r>
+              <a:rPr lang="en-US" b="1" dirty="0"/>
+              <a:t> </a:t>
+            </a:r>
+            <a:r>
+              <a:rPr lang="en-US" b="1" dirty="0" err="1"/>
+              <a:t>các</a:t>
+            </a:r>
+            <a:r>
+              <a:rPr lang="en-US" b="1" dirty="0"/>
+              <a:t> </a:t>
+            </a:r>
+            <a:r>
+              <a:rPr lang="en-US" b="1" dirty="0" err="1"/>
+              <a:t>thành</a:t>
+            </a:r>
+            <a:r>
+              <a:rPr lang="en-US" b="1" dirty="0"/>
+              <a:t> </a:t>
+            </a:r>
+            <a:r>
+              <a:rPr lang="en-US" b="1" dirty="0" err="1"/>
+              <a:t>viên</a:t>
+            </a:r>
+            <a:r>
+              <a:rPr lang="en-US" b="1" dirty="0"/>
+              <a:t> </a:t>
+            </a:r>
+            <a:r>
+              <a:rPr lang="en-US" b="1" dirty="0" err="1"/>
+              <a:t>của</a:t>
+            </a:r>
+            <a:r>
+              <a:rPr lang="en-US" b="1" dirty="0"/>
+              <a:t> </a:t>
+            </a:r>
+            <a:r>
+              <a:rPr lang="en-US" b="1" dirty="0" err="1"/>
+              <a:t>nhóm</a:t>
+            </a:r>
+            <a:r>
+              <a:rPr lang="en-US" b="1" dirty="0"/>
+              <a:t> </a:t>
+            </a:r>
+            <a:br>
+              <a:rPr lang="en-US" b="1" dirty="0"/>
+            </a:br>
+            <a:br>
+              <a:rPr lang="en-US" b="1" dirty="0"/>
+            </a:br>
+            <a:br>
+              <a:rPr lang="en-US" b="1" dirty="0"/>
+            </a:br>
+            <a:r>
+              <a:rPr lang="en-US" b="1" dirty="0" err="1"/>
+              <a:t>Ảnh</a:t>
+            </a:r>
+            <a:r>
+              <a:rPr lang="en-US" b="1" dirty="0"/>
+              <a:t> </a:t>
+            </a:r>
+            <a:r>
+              <a:rPr lang="en-US" b="1" dirty="0" err="1"/>
+              <a:t>của</a:t>
+            </a:r>
+            <a:r>
+              <a:rPr lang="en-US" b="1" dirty="0"/>
+              <a:t> </a:t>
+            </a:r>
+            <a:r>
+              <a:rPr lang="en-US" b="1" dirty="0" err="1"/>
+              <a:t>các</a:t>
+            </a:r>
+            <a:r>
+              <a:rPr lang="en-US" b="1" dirty="0"/>
+              <a:t> </a:t>
+            </a:r>
+            <a:r>
+              <a:rPr lang="en-US" b="1" dirty="0" err="1"/>
+              <a:t>thành</a:t>
+            </a:r>
+            <a:r>
+              <a:rPr lang="en-US" b="1" dirty="0"/>
+              <a:t> </a:t>
+            </a:r>
+            <a:r>
+              <a:rPr lang="en-US" b="1" dirty="0" err="1"/>
+              <a:t>viên</a:t>
+            </a:r>
+            <a:r>
+              <a:rPr lang="en-US" b="1" dirty="0"/>
+              <a:t> </a:t>
+            </a:r>
+            <a:r>
+              <a:rPr lang="en-US" b="1" dirty="0" err="1"/>
+              <a:t>của</a:t>
+            </a:r>
+            <a:r>
+              <a:rPr lang="en-US" b="1" dirty="0"/>
+              <a:t> </a:t>
+            </a:r>
+            <a:r>
+              <a:rPr lang="en-US" b="1" dirty="0" err="1"/>
+              <a:t>nhóm</a:t>
+            </a:r>
+            <a:r>
+              <a:rPr lang="en-US" b="1" dirty="0"/>
+              <a:t> </a:t>
+            </a:r>
+            <a:br>
+              <a:rPr lang="en-US" b="1" dirty="0"/>
+            </a:br>
+            <a:br>
+              <a:rPr lang="en-US" b="1" dirty="0"/>
+            </a:br>
+            <a:br>
+              <a:rPr lang="en-US" b="1" dirty="0"/>
+            </a:br>
+            <a:r>
+              <a:rPr lang="en-US" b="1" dirty="0" err="1"/>
+              <a:t>Ảnh</a:t>
+            </a:r>
+            <a:r>
+              <a:rPr lang="en-US" b="1" dirty="0"/>
+              <a:t> </a:t>
+            </a:r>
+            <a:r>
+              <a:rPr lang="en-US" b="1" dirty="0" err="1"/>
+              <a:t>của</a:t>
+            </a:r>
+            <a:r>
+              <a:rPr lang="en-US" b="1" dirty="0"/>
+              <a:t> </a:t>
+            </a:r>
+            <a:r>
+              <a:rPr lang="en-US" b="1" dirty="0" err="1"/>
+              <a:t>các</a:t>
+            </a:r>
+            <a:r>
+              <a:rPr lang="en-US" b="1" dirty="0"/>
+              <a:t> </a:t>
+            </a:r>
+            <a:r>
+              <a:rPr lang="en-US" b="1" dirty="0" err="1"/>
+              <a:t>thành</a:t>
+            </a:r>
+            <a:r>
+              <a:rPr lang="en-US" b="1" dirty="0"/>
+              <a:t> </a:t>
+            </a:r>
+            <a:r>
+              <a:rPr lang="en-US" b="1" dirty="0" err="1"/>
+              <a:t>viên</a:t>
+            </a:r>
+            <a:r>
+              <a:rPr lang="en-US" b="1" dirty="0"/>
+              <a:t> </a:t>
+            </a:r>
+            <a:r>
+              <a:rPr lang="en-US" b="1" dirty="0" err="1"/>
+              <a:t>của</a:t>
+            </a:r>
+            <a:r>
+              <a:rPr lang="en-US" b="1" dirty="0"/>
+              <a:t> </a:t>
+            </a:r>
+            <a:r>
+              <a:rPr lang="en-US" b="1" dirty="0" err="1"/>
+              <a:t>nhóm</a:t>
+            </a:r>
+            <a:r>
+              <a:rPr lang="en-US" b="1" dirty="0"/>
+              <a:t> </a:t>
+            </a:r>
+            <a:br>
+              <a:rPr lang="en-US" b="1" dirty="0"/>
+            </a:br>
+            <a:br>
+              <a:rPr lang="en-US" b="1" dirty="0"/>
+            </a:br>
+            <a:br>
+              <a:rPr lang="en-US" b="1" dirty="0"/>
+            </a:br>
+            <a:r>
+              <a:rPr lang="en-US" b="1" dirty="0" err="1"/>
+              <a:t>Ảnh</a:t>
+            </a:r>
+            <a:r>
+              <a:rPr lang="en-US" b="1" dirty="0"/>
+              <a:t> </a:t>
+            </a:r>
+            <a:r>
+              <a:rPr lang="en-US" b="1" dirty="0" err="1"/>
+              <a:t>của</a:t>
+            </a:r>
+            <a:r>
+              <a:rPr lang="en-US" b="1" dirty="0"/>
+              <a:t> </a:t>
+            </a:r>
+            <a:r>
+              <a:rPr lang="en-US" b="1" dirty="0" err="1"/>
+              <a:t>các</a:t>
+            </a:r>
+            <a:r>
+              <a:rPr lang="en-US" b="1" dirty="0"/>
+              <a:t> </a:t>
+            </a:r>
+            <a:r>
+              <a:rPr lang="en-US" b="1" dirty="0" err="1"/>
+              <a:t>thành</a:t>
+            </a:r>
+            <a:r>
+              <a:rPr lang="en-US" b="1" dirty="0"/>
+              <a:t> </a:t>
+            </a:r>
+            <a:r>
+              <a:rPr lang="en-US" b="1" dirty="0" err="1"/>
+              <a:t>viên</a:t>
+            </a:r>
+            <a:r>
+              <a:rPr lang="en-US" b="1" dirty="0"/>
+              <a:t> </a:t>
+            </a:r>
+            <a:r>
+              <a:rPr lang="en-US" b="1" dirty="0" err="1"/>
+              <a:t>của</a:t>
+            </a:r>
+            <a:r>
+              <a:rPr lang="en-US" b="1" dirty="0"/>
+              <a:t> </a:t>
+            </a:r>
+            <a:r>
+              <a:rPr lang="en-US" b="1" dirty="0" err="1"/>
+              <a:t>nhóm</a:t>
+            </a:r>
+            <a:r>
+              <a:rPr lang="en-US" b="1" dirty="0"/>
+              <a:t> </a:t>
+            </a:r>
+            <a:br>
+              <a:rPr lang="en-US" b="1" dirty="0"/>
+            </a:br>
+            <a:br>
+              <a:rPr lang="en-US" b="1" dirty="0"/>
+            </a:br>
+            <a:br>
+              <a:rPr lang="en-US" b="1" dirty="0"/>
+            </a:br>
+            <a:r>
+              <a:rPr lang="en-US" b="1" dirty="0" err="1"/>
+              <a:t>Ảnh</a:t>
+            </a:r>
+            <a:r>
+              <a:rPr lang="en-US" b="1" dirty="0"/>
+              <a:t> </a:t>
+            </a:r>
+            <a:r>
+              <a:rPr lang="en-US" b="1" dirty="0" err="1"/>
+              <a:t>của</a:t>
+            </a:r>
+            <a:r>
+              <a:rPr lang="en-US" b="1" dirty="0"/>
+              <a:t> </a:t>
+            </a:r>
+            <a:r>
+              <a:rPr lang="en-US" b="1" dirty="0" err="1"/>
+              <a:t>các</a:t>
+            </a:r>
+            <a:r>
+              <a:rPr lang="en-US" b="1" dirty="0"/>
+              <a:t> </a:t>
+            </a:r>
+            <a:r>
+              <a:rPr lang="en-US" b="1" dirty="0" err="1"/>
+              <a:t>thành</a:t>
+            </a:r>
+            <a:r>
+              <a:rPr lang="en-US" b="1" dirty="0"/>
+              <a:t> </a:t>
+            </a:r>
+            <a:r>
+              <a:rPr lang="en-US" b="1" dirty="0" err="1"/>
+              <a:t>viên</a:t>
+            </a:r>
+            <a:r>
+              <a:rPr lang="en-US" b="1" dirty="0"/>
+              <a:t> </a:t>
+            </a:r>
+            <a:r>
+              <a:rPr lang="en-US" b="1" dirty="0" err="1"/>
+              <a:t>của</a:t>
+            </a:r>
+            <a:r>
+              <a:rPr lang="en-US" b="1" dirty="0"/>
+              <a:t> </a:t>
+            </a:r>
+            <a:r>
+              <a:rPr lang="en-US" b="1" dirty="0" err="1"/>
+              <a:t>nhóm</a:t>
+            </a:r>
+            <a:r>
+              <a:rPr lang="en-US" b="1" dirty="0"/>
+              <a:t> </a:t>
+            </a:r>
+            <a:br>
+              <a:rPr lang="en-US" b="1" dirty="0"/>
+            </a:br>
+            <a:br>
+              <a:rPr lang="en-US" b="1" dirty="0"/>
+            </a:br>
+            <a:br>
+              <a:rPr lang="en-US" b="1" dirty="0"/>
+            </a:br>
+            <a:r>
+              <a:rPr lang="en-US" b="1" dirty="0" err="1"/>
+              <a:t>Ảnh</a:t>
+            </a:r>
+            <a:r>
+              <a:rPr lang="en-US" b="1" dirty="0"/>
+              <a:t> </a:t>
+            </a:r>
+            <a:r>
+              <a:rPr lang="en-US" b="1" dirty="0" err="1"/>
+              <a:t>của</a:t>
+            </a:r>
+            <a:r>
+              <a:rPr lang="en-US" b="1" dirty="0"/>
+              <a:t> </a:t>
+            </a:r>
+            <a:r>
+              <a:rPr lang="en-US" b="1" dirty="0" err="1"/>
+              <a:t>các</a:t>
+            </a:r>
+            <a:r>
+              <a:rPr lang="en-US" b="1" dirty="0"/>
+              <a:t> </a:t>
+            </a:r>
+            <a:r>
+              <a:rPr lang="en-US" b="1" dirty="0" err="1"/>
+              <a:t>thành</a:t>
+            </a:r>
+            <a:r>
+              <a:rPr lang="en-US" b="1" dirty="0"/>
+              <a:t> </a:t>
+            </a:r>
+            <a:r>
+              <a:rPr lang="en-US" b="1" dirty="0" err="1"/>
+              <a:t>viên</a:t>
+            </a:r>
+            <a:r>
+              <a:rPr lang="en-US" b="1" dirty="0"/>
+              <a:t> </a:t>
+            </a:r>
+            <a:r>
+              <a:rPr lang="en-US" b="1" dirty="0" err="1"/>
+              <a:t>của</a:t>
+            </a:r>
+            <a:r>
+              <a:rPr lang="en-US" b="1" dirty="0"/>
+              <a:t> </a:t>
+            </a:r>
+            <a:r>
+              <a:rPr lang="en-US" b="1" dirty="0" err="1"/>
+              <a:t>nhóm</a:t>
+            </a:r>
+            <a:r>
+              <a:rPr lang="en-US" b="1" dirty="0"/>
+              <a:t> </a:t>
+            </a:r>
+            <a:br>
+              <a:rPr lang="en-US" b="1" dirty="0"/>
+            </a:br>
+            <a:br>
+              <a:rPr lang="en-US" b="1" dirty="0"/>
+            </a:br>
+            <a:br>
+              <a:rPr lang="en-US" b="1" dirty="0"/>
+            </a:br>
+            <a:r>
+              <a:rPr lang="en-US" b="1" dirty="0" err="1"/>
+              <a:t>Ảnh</a:t>
+            </a:r>
+            <a:r>
+              <a:rPr lang="en-US" b="1" dirty="0"/>
+              <a:t> </a:t>
+            </a:r>
+            <a:r>
+              <a:rPr lang="en-US" b="1" dirty="0" err="1"/>
+              <a:t>của</a:t>
+            </a:r>
+            <a:r>
+              <a:rPr lang="en-US" b="1" dirty="0"/>
+              <a:t> </a:t>
+            </a:r>
+            <a:r>
+              <a:rPr lang="en-US" b="1" dirty="0" err="1"/>
+              <a:t>các</a:t>
+            </a:r>
+            <a:r>
+              <a:rPr lang="en-US" b="1" dirty="0"/>
+              <a:t> </a:t>
+            </a:r>
+            <a:r>
+              <a:rPr lang="en-US" b="1" dirty="0" err="1"/>
+              <a:t>thành</a:t>
+            </a:r>
+            <a:r>
+              <a:rPr lang="en-US" b="1" dirty="0"/>
+              <a:t> </a:t>
+            </a:r>
+            <a:r>
+              <a:rPr lang="en-US" b="1" dirty="0" err="1"/>
+              <a:t>viên</a:t>
+            </a:r>
+            <a:r>
+              <a:rPr lang="en-US" b="1" dirty="0"/>
+              <a:t> </a:t>
+            </a:r>
+            <a:r>
+              <a:rPr lang="en-US" b="1" dirty="0" err="1"/>
+              <a:t>của</a:t>
+            </a:r>
+            <a:r>
+              <a:rPr lang="en-US" b="1" dirty="0"/>
+              <a:t> </a:t>
+            </a:r>
+            <a:r>
+              <a:rPr lang="en-US" b="1" dirty="0" err="1"/>
+              <a:t>nhóm</a:t>
+            </a:r>
+            <a:r>
+              <a:rPr lang="en-US" b="1" dirty="0"/>
+              <a:t> </a:t>
+            </a:r>
+            <a:br>
+              <a:rPr lang="en-US" b="1" dirty="0"/>
+            </a:br>
+            <a:br>
+              <a:rPr lang="en-US" b="1" dirty="0"/>
+            </a:br>
+            <a:br>
+              <a:rPr lang="en-US" b="1" dirty="0"/>
+            </a:br>
+            <a:r>
+              <a:rPr lang="en-US" b="1" dirty="0" err="1">
+                <a:solidFill>
+                  <a:srgbClr val="FFFFFF"/>
+                </a:solidFill>
+              </a:rPr>
+              <a:t>Ảnh</a:t>
+            </a:r>
+            <a:r>
+              <a:rPr lang="en-US" b="1" dirty="0">
+                <a:solidFill>
+                  <a:srgbClr val="FFFFFF"/>
+                </a:solidFill>
+              </a:rPr>
+              <a:t> </a:t>
+            </a:r>
+            <a:r>
+              <a:rPr lang="en-US" b="1" dirty="0" err="1">
+                <a:solidFill>
+                  <a:srgbClr val="FFFFFF"/>
+                </a:solidFill>
+              </a:rPr>
+              <a:t>của</a:t>
+            </a:r>
+            <a:r>
+              <a:rPr lang="en-US" b="1" dirty="0">
+                <a:solidFill>
+                  <a:srgbClr val="FFFFFF"/>
+                </a:solidFill>
+              </a:rPr>
+              <a:t> </a:t>
+            </a:r>
+            <a:r>
+              <a:rPr lang="en-US" b="1" dirty="0" err="1">
+                <a:solidFill>
+                  <a:srgbClr val="FFFFFF"/>
+                </a:solidFill>
+              </a:rPr>
+              <a:t>các</a:t>
+            </a:r>
+            <a:r>
+              <a:rPr lang="en-US" b="1" dirty="0">
+                <a:solidFill>
+                  <a:srgbClr val="FFFFFF"/>
+                </a:solidFill>
+              </a:rPr>
+              <a:t> </a:t>
+            </a:r>
+            <a:r>
+              <a:rPr lang="en-US" b="1" dirty="0" err="1">
+                <a:solidFill>
+                  <a:srgbClr val="FFFFFF"/>
+                </a:solidFill>
+              </a:rPr>
+              <a:t>thành</a:t>
+            </a:r>
+            <a:r>
+              <a:rPr lang="en-US" b="1" dirty="0">
+                <a:solidFill>
+                  <a:srgbClr val="FFFFFF"/>
+                </a:solidFill>
+              </a:rPr>
+              <a:t> </a:t>
+            </a:r>
+            <a:r>
+              <a:rPr lang="en-US" b="1" dirty="0" err="1">
+                <a:solidFill>
+                  <a:srgbClr val="FFFFFF"/>
+                </a:solidFill>
+              </a:rPr>
+              <a:t>viên</a:t>
+            </a:r>
+            <a:r>
+              <a:rPr lang="en-US" b="1" dirty="0">
+                <a:solidFill>
+                  <a:srgbClr val="FFFFFF"/>
+                </a:solidFill>
+              </a:rPr>
+              <a:t> </a:t>
+            </a:r>
+            <a:r>
+              <a:rPr lang="en-US" b="1" dirty="0" err="1">
+                <a:solidFill>
+                  <a:srgbClr val="FFFFFF"/>
+                </a:solidFill>
+              </a:rPr>
+              <a:t>của</a:t>
+            </a:r>
+            <a:r>
+              <a:rPr lang="en-US" b="1" dirty="0">
+                <a:solidFill>
+                  <a:srgbClr val="FFFFFF"/>
+                </a:solidFill>
+              </a:rPr>
+              <a:t> </a:t>
+            </a:r>
+            <a:r>
+              <a:rPr lang="en-US" b="1" dirty="0" err="1">
+                <a:solidFill>
+                  <a:srgbClr val="FFFFFF"/>
+                </a:solidFill>
+              </a:rPr>
+              <a:t>nhóm</a:t>
+            </a:r>
+            <a:r>
+              <a:rPr lang="en-US" b="1" dirty="0">
+                <a:solidFill>
+                  <a:srgbClr val="FFFFFF"/>
+                </a:solidFill>
+              </a:rPr>
+              <a:t> </a:t>
+            </a:r>
+            <a:br>
+              <a:rPr lang="en-US" b="1" dirty="0">
+                <a:solidFill>
+                  <a:srgbClr val="000000"/>
+                </a:solidFill>
+              </a:rPr>
+            </a:br>
+            <a:br>
+              <a:rPr lang="en-US" b="1" dirty="0"/>
+            </a:br>
+            <a:br>
+              <a:rPr lang="en-US" b="1" dirty="0"/>
+            </a:br>
+            <a:r>
+              <a:rPr lang="en-US" b="1" dirty="0" err="1"/>
+              <a:t>Ảnh</a:t>
+            </a:r>
+            <a:r>
+              <a:rPr lang="en-US" b="1" dirty="0"/>
+              <a:t> </a:t>
+            </a:r>
+            <a:r>
+              <a:rPr lang="en-US" b="1" dirty="0" err="1"/>
+              <a:t>các</a:t>
+            </a:r>
+            <a:r>
+              <a:rPr lang="en-US" b="1" dirty="0"/>
+              <a:t> </a:t>
+            </a:r>
+            <a:r>
+              <a:rPr lang="en-US" b="1" dirty="0" err="1"/>
+              <a:t>thành</a:t>
+            </a:r>
+            <a:r>
+              <a:rPr lang="en-US" b="1" dirty="0"/>
+              <a:t> </a:t>
+            </a:r>
+            <a:r>
+              <a:rPr lang="en-US" b="1" dirty="0" err="1"/>
+              <a:t>viên</a:t>
+            </a:r>
+            <a:r>
+              <a:rPr lang="en-US" b="1" dirty="0"/>
+              <a:t> </a:t>
+            </a:r>
+            <a:r>
+              <a:rPr lang="en-US" b="1" dirty="0" err="1"/>
+              <a:t>nhóm</a:t>
+            </a:r>
+            <a:endParaRPr lang="en-VN" b="1" dirty="0"/>
+          </a:p>
+        </p:txBody>
+      </p:sp>
+      <p:pic>
+        <p:nvPicPr>
+          <p:cNvPr id="5" name="Picture 4" descr="A person standing in front of a window posing for the camera&#10;&#10;Description automatically generated with medium confidence">
+            <a:extLst>
+              <a:ext uri="{FF2B5EF4-FFF2-40B4-BE49-F238E27FC236}">
+                <a16:creationId xmlns:a16="http://schemas.microsoft.com/office/drawing/2014/main" id="{722ECD61-9C20-284A-9D68-4C2CFA32B7A6}"/>
+              </a:ext>
+            </a:extLst>
+          </p:cNvPr>
+          <p:cNvPicPr>
+            <a:picLocks noChangeAspect="1"/>
+          </p:cNvPicPr>
+          <p:nvPr/>
+        </p:nvPicPr>
+        <p:blipFill>
+          <a:blip r:embed="rId2"/>
+          <a:stretch>
+            <a:fillRect/>
+          </a:stretch>
+        </p:blipFill>
+        <p:spPr>
+          <a:xfrm>
+            <a:off x="3143829" y="1783080"/>
+            <a:ext cx="2145640" cy="2793492"/>
+          </a:xfrm>
+          <a:prstGeom prst="rect">
+            <a:avLst/>
+          </a:prstGeom>
+        </p:spPr>
+      </p:pic>
+      <p:pic>
+        <p:nvPicPr>
+          <p:cNvPr id="7" name="Picture 6" descr="A person wearing glasses&#10;&#10;Description automatically generated with medium confidence">
+            <a:extLst>
+              <a:ext uri="{FF2B5EF4-FFF2-40B4-BE49-F238E27FC236}">
+                <a16:creationId xmlns:a16="http://schemas.microsoft.com/office/drawing/2014/main" id="{2101786A-A2EB-554D-8277-9C1EE006E7BA}"/>
+              </a:ext>
+            </a:extLst>
+          </p:cNvPr>
+          <p:cNvPicPr>
+            <a:picLocks noChangeAspect="1"/>
+          </p:cNvPicPr>
+          <p:nvPr/>
+        </p:nvPicPr>
+        <p:blipFill>
+          <a:blip r:embed="rId3"/>
+          <a:stretch>
+            <a:fillRect/>
+          </a:stretch>
+        </p:blipFill>
+        <p:spPr>
+          <a:xfrm>
+            <a:off x="471900" y="1771182"/>
+            <a:ext cx="2082790" cy="2805390"/>
+          </a:xfrm>
+          <a:prstGeom prst="rect">
+            <a:avLst/>
+          </a:prstGeom>
+        </p:spPr>
+      </p:pic>
+      <p:pic>
+        <p:nvPicPr>
+          <p:cNvPr id="9" name="Picture 8" descr="A person standing on a balcony&#10;&#10;Description automatically generated with low confidence">
+            <a:extLst>
+              <a:ext uri="{FF2B5EF4-FFF2-40B4-BE49-F238E27FC236}">
+                <a16:creationId xmlns:a16="http://schemas.microsoft.com/office/drawing/2014/main" id="{34E4EA58-A374-CA49-922C-C7A0034A18A0}"/>
+              </a:ext>
+            </a:extLst>
+          </p:cNvPr>
+          <p:cNvPicPr>
+            <a:picLocks noChangeAspect="1"/>
+          </p:cNvPicPr>
+          <p:nvPr/>
+        </p:nvPicPr>
+        <p:blipFill>
+          <a:blip r:embed="rId4"/>
+          <a:stretch>
+            <a:fillRect/>
+          </a:stretch>
+        </p:blipFill>
+        <p:spPr>
+          <a:xfrm>
+            <a:off x="5878608" y="1783080"/>
+            <a:ext cx="2793492" cy="2793492"/>
+          </a:xfrm>
+          <a:prstGeom prst="rect">
+            <a:avLst/>
+          </a:prstGeom>
+        </p:spPr>
+      </p:pic>
+      <p:sp>
+        <p:nvSpPr>
+          <p:cNvPr id="10" name="TextBox 9">
+            <a:extLst>
+              <a:ext uri="{FF2B5EF4-FFF2-40B4-BE49-F238E27FC236}">
+                <a16:creationId xmlns:a16="http://schemas.microsoft.com/office/drawing/2014/main" id="{321C6B9A-0931-AE40-B193-9C154DD58924}"/>
+              </a:ext>
+            </a:extLst>
+          </p:cNvPr>
+          <p:cNvSpPr txBox="1"/>
+          <p:nvPr/>
+        </p:nvSpPr>
+        <p:spPr>
+          <a:xfrm>
+            <a:off x="386789" y="988168"/>
+            <a:ext cx="2253011" cy="634533"/>
+          </a:xfrm>
+          <a:prstGeom prst="rect">
+            <a:avLst/>
+          </a:prstGeom>
+          <a:noFill/>
+        </p:spPr>
+        <p:txBody>
+          <a:bodyPr wrap="square" rtlCol="0">
+            <a:spAutoFit/>
+          </a:bodyPr>
+          <a:lstStyle/>
+          <a:p>
+            <a:pPr marL="127000">
+              <a:lnSpc>
+                <a:spcPct val="115000"/>
+              </a:lnSpc>
+              <a:buSzPts val="1600"/>
+            </a:pPr>
+            <a:r>
+              <a:rPr lang="en-VN" sz="1600" dirty="0">
+                <a:latin typeface="Roboto"/>
+                <a:sym typeface="Roboto"/>
+              </a:rPr>
+              <a:t>Nguyễn Như Thanh</a:t>
+            </a:r>
+          </a:p>
+          <a:p>
+            <a:pPr marL="127000">
+              <a:lnSpc>
+                <a:spcPct val="115000"/>
+              </a:lnSpc>
+              <a:buSzPts val="1600"/>
+            </a:pPr>
+            <a:r>
+              <a:rPr lang="en-VN" sz="1600" dirty="0">
+                <a:latin typeface="Roboto"/>
+                <a:sym typeface="Roboto"/>
+              </a:rPr>
+              <a:t>CH2001015</a:t>
+            </a:r>
+          </a:p>
+        </p:txBody>
+      </p:sp>
+      <p:sp>
+        <p:nvSpPr>
+          <p:cNvPr id="11" name="TextBox 10">
+            <a:extLst>
+              <a:ext uri="{FF2B5EF4-FFF2-40B4-BE49-F238E27FC236}">
+                <a16:creationId xmlns:a16="http://schemas.microsoft.com/office/drawing/2014/main" id="{D2462910-469D-CF43-82E9-856F0AA20BB6}"/>
+              </a:ext>
+            </a:extLst>
+          </p:cNvPr>
+          <p:cNvSpPr txBox="1"/>
+          <p:nvPr/>
+        </p:nvSpPr>
+        <p:spPr>
+          <a:xfrm>
+            <a:off x="3175254" y="988784"/>
+            <a:ext cx="2082790" cy="634533"/>
+          </a:xfrm>
+          <a:prstGeom prst="rect">
+            <a:avLst/>
+          </a:prstGeom>
+          <a:noFill/>
+        </p:spPr>
+        <p:txBody>
+          <a:bodyPr wrap="square" rtlCol="0">
+            <a:spAutoFit/>
+          </a:bodyPr>
+          <a:lstStyle/>
+          <a:p>
+            <a:pPr marL="127000">
+              <a:lnSpc>
+                <a:spcPct val="115000"/>
+              </a:lnSpc>
+              <a:buSzPts val="1600"/>
+            </a:pPr>
+            <a:r>
+              <a:rPr lang="en-VN" sz="1600" dirty="0">
+                <a:latin typeface="Roboto"/>
+              </a:rPr>
+              <a:t>Mai Phương Nga</a:t>
+            </a:r>
+          </a:p>
+          <a:p>
+            <a:pPr marL="127000">
+              <a:lnSpc>
+                <a:spcPct val="115000"/>
+              </a:lnSpc>
+              <a:buSzPts val="1600"/>
+            </a:pPr>
+            <a:r>
+              <a:rPr lang="en-VN" sz="1600" dirty="0">
+                <a:latin typeface="Roboto"/>
+              </a:rPr>
+              <a:t>CH2001010</a:t>
+            </a:r>
+          </a:p>
+        </p:txBody>
+      </p:sp>
+      <p:sp>
+        <p:nvSpPr>
+          <p:cNvPr id="12" name="TextBox 11">
+            <a:extLst>
+              <a:ext uri="{FF2B5EF4-FFF2-40B4-BE49-F238E27FC236}">
+                <a16:creationId xmlns:a16="http://schemas.microsoft.com/office/drawing/2014/main" id="{98A07FA2-847D-FD48-96A5-2D816601D850}"/>
+              </a:ext>
+            </a:extLst>
+          </p:cNvPr>
+          <p:cNvSpPr txBox="1"/>
+          <p:nvPr/>
+        </p:nvSpPr>
+        <p:spPr>
+          <a:xfrm>
+            <a:off x="6543667" y="1013046"/>
+            <a:ext cx="1463373" cy="584775"/>
+          </a:xfrm>
+          <a:prstGeom prst="rect">
+            <a:avLst/>
+          </a:prstGeom>
+          <a:noFill/>
+        </p:spPr>
+        <p:txBody>
+          <a:bodyPr wrap="square" rtlCol="0">
+            <a:spAutoFit/>
+          </a:bodyPr>
+          <a:lstStyle/>
+          <a:p>
+            <a:r>
+              <a:rPr lang="en-VN" sz="1600" dirty="0">
+                <a:latin typeface="Roboto"/>
+              </a:rPr>
+              <a:t>Trần Hiếu Đại</a:t>
+            </a:r>
+          </a:p>
+          <a:p>
+            <a:r>
+              <a:rPr lang="en-VN" sz="1600" dirty="0">
+                <a:latin typeface="Roboto"/>
+              </a:rPr>
+              <a:t>CH2001001</a:t>
+            </a:r>
+          </a:p>
+        </p:txBody>
+      </p:sp>
+    </p:spTree>
+    <p:extLst>
+      <p:ext uri="{BB962C8B-B14F-4D97-AF65-F5344CB8AC3E}">
+        <p14:creationId xmlns:p14="http://schemas.microsoft.com/office/powerpoint/2010/main" val="632984330"/>
+      </p:ext>
+    </p:extLst>
+  </p:cSld>
+  <p:clrMapOvr>
+    <a:masterClrMapping/>
+  </p:clrMapOvr>
+</p:sld>
+</file>
+
+<file path=ppt/slides/slide5.xml><?xml version="1.0" encoding="utf-8"?>
+<p:sld xmlns:a="http://schemas.openxmlformats.org/drawingml/2006/main" xmlns:r="http://schemas.openxmlformats.org/officeDocument/2006/relationships" xmlns:p="http://schemas.openxmlformats.org/presentationml/2006/main">
+  <p:cSld>
+    <p:spTree>
+      <p:nvGrpSpPr>
         <p:cNvPr id="1" name="Shape 90"/>
         <p:cNvGrpSpPr/>
         <p:nvPr/>
@@ -13995,7 +15891,7 @@
 </p:sld>
 </file>
 
-<file path=ppt/slides/slide5.xml><?xml version="1.0" encoding="utf-8"?>
+<file path=ppt/slides/slide6.xml><?xml version="1.0" encoding="utf-8"?>
 <p:sld xmlns:a="http://schemas.openxmlformats.org/drawingml/2006/main" xmlns:r="http://schemas.openxmlformats.org/officeDocument/2006/relationships" xmlns:p="http://schemas.openxmlformats.org/presentationml/2006/main">
   <p:cSld>
     <p:spTree>
@@ -14232,7 +16128,7 @@
 </p:sld>
 </file>
 
-<file path=ppt/slides/slide6.xml><?xml version="1.0" encoding="utf-8"?>
+<file path=ppt/slides/slide7.xml><?xml version="1.0" encoding="utf-8"?>
 <p:sld xmlns:a="http://schemas.openxmlformats.org/drawingml/2006/main" xmlns:r="http://schemas.openxmlformats.org/officeDocument/2006/relationships" xmlns:p="http://schemas.openxmlformats.org/presentationml/2006/main">
   <p:cSld>
     <p:spTree>
@@ -14321,559 +16217,6 @@
         <p14:creationId xmlns:p14="http://schemas.microsoft.com/office/powerpoint/2010/main" val="1963280877"/>
       </p:ext>
     </p:extLst>
-  </p:cSld>
-  <p:clrMapOvr>
-    <a:masterClrMapping/>
-  </p:clrMapOvr>
-</p:sld>
-</file>
-
-<file path=ppt/slides/slide7.xml><?xml version="1.0" encoding="utf-8"?>
-<p:sld xmlns:a="http://schemas.openxmlformats.org/drawingml/2006/main" xmlns:r="http://schemas.openxmlformats.org/officeDocument/2006/relationships" xmlns:p="http://schemas.openxmlformats.org/presentationml/2006/main">
-  <p:cSld>
-    <p:spTree>
-      <p:nvGrpSpPr>
-        <p:cNvPr id="1" name="Shape 103"/>
-        <p:cNvGrpSpPr/>
-        <p:nvPr/>
-      </p:nvGrpSpPr>
-      <p:grpSpPr>
-        <a:xfrm>
-          <a:off x="0" y="0"/>
-          <a:ext cx="0" cy="0"/>
-          <a:chOff x="0" y="0"/>
-          <a:chExt cx="0" cy="0"/>
-        </a:xfrm>
-      </p:grpSpPr>
-      <p:sp>
-        <p:nvSpPr>
-          <p:cNvPr id="104" name="Google Shape;104;p9"/>
-          <p:cNvSpPr txBox="1">
-            <a:spLocks noGrp="1"/>
-          </p:cNvSpPr>
-          <p:nvPr>
-            <p:ph type="title"/>
-          </p:nvPr>
-        </p:nvSpPr>
-        <p:spPr>
-          <a:xfrm>
-            <a:off x="471900" y="57875"/>
-            <a:ext cx="8222100" cy="670500"/>
-          </a:xfrm>
-          <a:prstGeom prst="rect">
-            <a:avLst/>
-          </a:prstGeom>
-          <a:noFill/>
-          <a:ln>
-            <a:noFill/>
-          </a:ln>
-        </p:spPr>
-        <p:txBody>
-          <a:bodyPr spcFirstLastPara="1" wrap="square" lIns="91425" tIns="91425" rIns="91425" bIns="91425" anchor="ctr" anchorCtr="0">
-            <a:noAutofit/>
-          </a:bodyPr>
-          <a:lstStyle/>
-          <a:p>
-            <a:pPr marL="0" lvl="0" indent="0" algn="l" rtl="0">
-              <a:lnSpc>
-                <a:spcPct val="100000"/>
-              </a:lnSpc>
-              <a:spcBef>
-                <a:spcPts val="0"/>
-              </a:spcBef>
-              <a:spcAft>
-                <a:spcPts val="0"/>
-              </a:spcAft>
-              <a:buSzPts val="3200"/>
-              <a:buNone/>
-            </a:pPr>
-            <a:r>
-              <a:rPr lang="en" b="1" dirty="0" err="1"/>
-              <a:t>Dữ</a:t>
-            </a:r>
-            <a:r>
-              <a:rPr lang="en" b="1" dirty="0"/>
-              <a:t> </a:t>
-            </a:r>
-            <a:r>
-              <a:rPr lang="en" b="1" dirty="0" err="1"/>
-              <a:t>liệu</a:t>
-            </a:r>
-            <a:endParaRPr dirty="0"/>
-          </a:p>
-        </p:txBody>
-      </p:sp>
-      <p:sp>
-        <p:nvSpPr>
-          <p:cNvPr id="105" name="Google Shape;105;p9"/>
-          <p:cNvSpPr txBox="1">
-            <a:spLocks noGrp="1"/>
-          </p:cNvSpPr>
-          <p:nvPr>
-            <p:ph type="body" idx="1"/>
-          </p:nvPr>
-        </p:nvSpPr>
-        <p:spPr>
-          <a:xfrm>
-            <a:off x="471900" y="820500"/>
-            <a:ext cx="8222100" cy="3908400"/>
-          </a:xfrm>
-          <a:prstGeom prst="rect">
-            <a:avLst/>
-          </a:prstGeom>
-          <a:noFill/>
-          <a:ln>
-            <a:noFill/>
-          </a:ln>
-        </p:spPr>
-        <p:txBody>
-          <a:bodyPr spcFirstLastPara="1" wrap="square" lIns="91425" tIns="91425" rIns="91425" bIns="91425" anchor="t" anchorCtr="0">
-            <a:noAutofit/>
-          </a:bodyPr>
-          <a:lstStyle/>
-          <a:p>
-            <a:pPr marL="457200" lvl="0" indent="-368300" algn="l" rtl="0">
-              <a:lnSpc>
-                <a:spcPct val="115000"/>
-              </a:lnSpc>
-              <a:spcBef>
-                <a:spcPts val="0"/>
-              </a:spcBef>
-              <a:spcAft>
-                <a:spcPts val="0"/>
-              </a:spcAft>
-              <a:buSzPts val="2200"/>
-              <a:buChar char="●"/>
-            </a:pPr>
-            <a:r>
-              <a:rPr lang="en" sz="1600" dirty="0" err="1"/>
-              <a:t>Tổng</a:t>
-            </a:r>
-            <a:r>
-              <a:rPr lang="en" sz="1600" dirty="0"/>
-              <a:t> </a:t>
-            </a:r>
-            <a:r>
-              <a:rPr lang="en" sz="1600" dirty="0" err="1"/>
-              <a:t>số</a:t>
-            </a:r>
-            <a:r>
-              <a:rPr lang="en" sz="1600" dirty="0"/>
-              <a:t> </a:t>
-            </a:r>
-            <a:r>
-              <a:rPr lang="en" sz="1600" dirty="0" err="1"/>
-              <a:t>ảnh</a:t>
-            </a:r>
-            <a:r>
-              <a:rPr lang="en" sz="1600" dirty="0"/>
-              <a:t>: 1706 </a:t>
-            </a:r>
-            <a:r>
-              <a:rPr lang="en" sz="1600" dirty="0" err="1"/>
-              <a:t>ảnh</a:t>
-            </a:r>
-            <a:endParaRPr sz="1600" dirty="0"/>
-          </a:p>
-          <a:p>
-            <a:pPr lvl="1">
-              <a:spcBef>
-                <a:spcPts val="0"/>
-              </a:spcBef>
-            </a:pPr>
-            <a:r>
-              <a:rPr lang="en" sz="1600" dirty="0"/>
-              <a:t>Training: 1566 </a:t>
-            </a:r>
-            <a:r>
-              <a:rPr lang="en" sz="1600" dirty="0" err="1"/>
-              <a:t>ảnh</a:t>
-            </a:r>
-            <a:r>
-              <a:rPr lang="en" sz="1600" dirty="0"/>
-              <a:t> </a:t>
-            </a:r>
-            <a:r>
-              <a:rPr lang="en" sz="1600" dirty="0" err="1"/>
-              <a:t>trong</a:t>
-            </a:r>
-            <a:r>
-              <a:rPr lang="en" sz="1600" dirty="0"/>
-              <a:t> </a:t>
-            </a:r>
-            <a:r>
-              <a:rPr lang="en" sz="1600" dirty="0" err="1"/>
-              <a:t>đó</a:t>
-            </a:r>
-            <a:r>
-              <a:rPr lang="en" sz="1600" dirty="0"/>
-              <a:t> 1054 </a:t>
-            </a:r>
-            <a:r>
-              <a:rPr lang="en" sz="1600" dirty="0" err="1"/>
-              <a:t>ảnh</a:t>
-            </a:r>
-            <a:r>
-              <a:rPr lang="en" sz="1600" dirty="0"/>
-              <a:t> </a:t>
-            </a:r>
-            <a:r>
-              <a:rPr lang="en" sz="1600" dirty="0" err="1"/>
-              <a:t>được</a:t>
-            </a:r>
-            <a:r>
-              <a:rPr lang="en" sz="1600" dirty="0"/>
-              <a:t> </a:t>
-            </a:r>
-            <a:r>
-              <a:rPr lang="en" sz="1600" dirty="0" err="1"/>
-              <a:t>tạo</a:t>
-            </a:r>
-            <a:r>
-              <a:rPr lang="en" sz="1600" dirty="0"/>
-              <a:t> ra </a:t>
-            </a:r>
-            <a:r>
-              <a:rPr lang="en" sz="1600" dirty="0" err="1"/>
-              <a:t>sau</a:t>
-            </a:r>
-            <a:r>
-              <a:rPr lang="en" sz="1600" dirty="0"/>
-              <a:t> </a:t>
-            </a:r>
-            <a:r>
-              <a:rPr lang="en" sz="1600" dirty="0" err="1"/>
-              <a:t>khi</a:t>
-            </a:r>
-            <a:r>
-              <a:rPr lang="en" sz="1600" dirty="0"/>
-              <a:t> </a:t>
-            </a:r>
-            <a:r>
-              <a:rPr lang="en" sz="1600" dirty="0" err="1"/>
-              <a:t>sử</a:t>
-            </a:r>
-            <a:r>
-              <a:rPr lang="en" sz="1600" dirty="0"/>
-              <a:t> d</a:t>
-            </a:r>
-            <a:r>
-              <a:rPr lang="en-US" sz="1600" dirty="0" err="1"/>
-              <a:t>ụng</a:t>
-            </a:r>
-            <a:r>
-              <a:rPr lang="en-US" sz="1600" dirty="0"/>
-              <a:t> </a:t>
-            </a:r>
-            <a:r>
-              <a:rPr lang="en-US" sz="1600" dirty="0" err="1"/>
-              <a:t>augumented</a:t>
-            </a:r>
-            <a:r>
-              <a:rPr lang="en-US" sz="1600" dirty="0"/>
-              <a:t> </a:t>
-            </a:r>
-            <a:r>
-              <a:rPr lang="en-US" sz="1600" dirty="0" err="1"/>
-              <a:t>trên</a:t>
-            </a:r>
-            <a:r>
-              <a:rPr lang="en-US" sz="1600" dirty="0"/>
-              <a:t> 512 </a:t>
-            </a:r>
-            <a:r>
-              <a:rPr lang="en-US" sz="1600" dirty="0" err="1"/>
-              <a:t>ảnh</a:t>
-            </a:r>
-            <a:r>
-              <a:rPr lang="en-US" sz="1600" dirty="0"/>
-              <a:t> </a:t>
-            </a:r>
-            <a:r>
-              <a:rPr lang="en-US" sz="1600" dirty="0" err="1"/>
-              <a:t>gốc</a:t>
-            </a:r>
-            <a:r>
-              <a:rPr lang="en" sz="1600" dirty="0"/>
-              <a:t> </a:t>
-            </a:r>
-            <a:r>
-              <a:rPr lang="en-US" sz="1600" dirty="0" err="1"/>
-              <a:t>theo</a:t>
-            </a:r>
-            <a:r>
-              <a:rPr lang="en-US" sz="1600" dirty="0"/>
-              <a:t> </a:t>
-            </a:r>
-            <a:r>
-              <a:rPr lang="en-US" sz="1600" dirty="0" err="1"/>
-              <a:t>cấu</a:t>
-            </a:r>
-            <a:r>
-              <a:rPr lang="en-US" sz="1600" dirty="0"/>
-              <a:t> </a:t>
-            </a:r>
-            <a:r>
-              <a:rPr lang="en-US" sz="1600" dirty="0" err="1"/>
-              <a:t>hình</a:t>
-            </a:r>
-            <a:r>
-              <a:rPr lang="en-US" sz="1600" dirty="0"/>
-              <a:t> </a:t>
-            </a:r>
-            <a:r>
-              <a:rPr lang="en-US" sz="1600" dirty="0" err="1"/>
-              <a:t>như</a:t>
-            </a:r>
-            <a:r>
-              <a:rPr lang="en-US" sz="1600" dirty="0"/>
-              <a:t> </a:t>
-            </a:r>
-            <a:r>
-              <a:rPr lang="en-US" sz="1600" dirty="0" err="1"/>
-              <a:t>sau</a:t>
-            </a:r>
-            <a:r>
-              <a:rPr lang="en-US" sz="1600" dirty="0"/>
-              <a:t>:</a:t>
-            </a:r>
-          </a:p>
-          <a:p>
-            <a:pPr lvl="2">
-              <a:spcBef>
-                <a:spcPts val="0"/>
-              </a:spcBef>
-            </a:pPr>
-            <a:r>
-              <a:rPr lang="en-US" sz="1600" dirty="0"/>
-              <a:t>Size: 416 x 416</a:t>
-            </a:r>
-          </a:p>
-          <a:p>
-            <a:pPr lvl="2">
-              <a:spcBef>
-                <a:spcPts val="0"/>
-              </a:spcBef>
-            </a:pPr>
-            <a:r>
-              <a:rPr lang="en-US" sz="1600" dirty="0"/>
-              <a:t>Rotation: </a:t>
-            </a:r>
-            <a:r>
-              <a:rPr lang="en-US" sz="1600" dirty="0" err="1"/>
-              <a:t>từ</a:t>
-            </a:r>
-            <a:r>
-              <a:rPr lang="en-US" sz="1600" dirty="0"/>
-              <a:t> -45 </a:t>
-            </a:r>
-            <a:r>
-              <a:rPr lang="en-US" sz="1600" dirty="0" err="1"/>
-              <a:t>độ</a:t>
-            </a:r>
-            <a:r>
-              <a:rPr lang="en-US" sz="1600" dirty="0"/>
-              <a:t> </a:t>
-            </a:r>
-            <a:r>
-              <a:rPr lang="en-US" sz="1600" dirty="0" err="1"/>
-              <a:t>đến</a:t>
-            </a:r>
-            <a:r>
-              <a:rPr lang="en-US" sz="1600" dirty="0"/>
-              <a:t> 45 </a:t>
-            </a:r>
-            <a:r>
-              <a:rPr lang="en-US" sz="1600" dirty="0" err="1"/>
-              <a:t>độ</a:t>
-            </a:r>
-            <a:endParaRPr lang="en-US" sz="1600" dirty="0"/>
-          </a:p>
-          <a:p>
-            <a:pPr lvl="2">
-              <a:spcBef>
-                <a:spcPts val="0"/>
-              </a:spcBef>
-            </a:pPr>
-            <a:r>
-              <a:rPr lang="en-US" sz="1600" dirty="0"/>
-              <a:t>Shear: horizontal </a:t>
-            </a:r>
-            <a:r>
-              <a:rPr lang="en-US" sz="1600" dirty="0" err="1"/>
-              <a:t>và</a:t>
-            </a:r>
-            <a:r>
-              <a:rPr lang="en-US" sz="1600" dirty="0"/>
-              <a:t> vertical </a:t>
-            </a:r>
-            <a:r>
-              <a:rPr lang="en-US" sz="1600" dirty="0" err="1"/>
-              <a:t>từ</a:t>
-            </a:r>
-            <a:r>
-              <a:rPr lang="en-US" sz="1600" dirty="0"/>
-              <a:t> -15 </a:t>
-            </a:r>
-            <a:r>
-              <a:rPr lang="en-US" sz="1600" dirty="0" err="1"/>
-              <a:t>độ</a:t>
-            </a:r>
-            <a:r>
-              <a:rPr lang="en-US" sz="1600" dirty="0"/>
-              <a:t> </a:t>
-            </a:r>
-            <a:r>
-              <a:rPr lang="en-US" sz="1600" dirty="0" err="1"/>
-              <a:t>đến</a:t>
-            </a:r>
-            <a:r>
-              <a:rPr lang="en-US" sz="1600" dirty="0"/>
-              <a:t> 15 </a:t>
-            </a:r>
-            <a:r>
-              <a:rPr lang="en-US" sz="1600" dirty="0" err="1"/>
-              <a:t>độ</a:t>
-            </a:r>
-            <a:endParaRPr lang="en-US" sz="1600" dirty="0"/>
-          </a:p>
-          <a:p>
-            <a:pPr lvl="2">
-              <a:spcBef>
-                <a:spcPts val="0"/>
-              </a:spcBef>
-            </a:pPr>
-            <a:r>
-              <a:rPr lang="en-US" sz="1600" dirty="0"/>
-              <a:t>Brightness: </a:t>
-            </a:r>
-            <a:r>
-              <a:rPr lang="en-US" sz="1600" dirty="0" err="1"/>
-              <a:t>từ</a:t>
-            </a:r>
-            <a:r>
-              <a:rPr lang="en-US" sz="1600" dirty="0"/>
-              <a:t> -20% </a:t>
-            </a:r>
-            <a:r>
-              <a:rPr lang="en-US" sz="1600" dirty="0" err="1"/>
-              <a:t>đến</a:t>
-            </a:r>
-            <a:r>
-              <a:rPr lang="en-US" sz="1600" dirty="0"/>
-              <a:t> 20%</a:t>
-            </a:r>
-          </a:p>
-          <a:p>
-            <a:pPr lvl="2">
-              <a:spcBef>
-                <a:spcPts val="0"/>
-              </a:spcBef>
-            </a:pPr>
-            <a:r>
-              <a:rPr lang="vi-VN" sz="1600" dirty="0"/>
-              <a:t>Blur: từ 0px đến 5px</a:t>
-            </a:r>
-          </a:p>
-          <a:p>
-            <a:pPr lvl="2">
-              <a:spcBef>
-                <a:spcPts val="0"/>
-              </a:spcBef>
-            </a:pPr>
-            <a:r>
-              <a:rPr lang="vi-VN" sz="1600" dirty="0"/>
-              <a:t>Noise: từ 0% đến 5%</a:t>
-            </a:r>
-            <a:endParaRPr sz="1600" dirty="0"/>
-          </a:p>
-          <a:p>
-            <a:pPr marL="914400" lvl="1" indent="-355600" algn="l" rtl="0">
-              <a:lnSpc>
-                <a:spcPct val="115000"/>
-              </a:lnSpc>
-              <a:spcBef>
-                <a:spcPts val="0"/>
-              </a:spcBef>
-              <a:spcAft>
-                <a:spcPts val="0"/>
-              </a:spcAft>
-              <a:buSzPts val="2000"/>
-              <a:buChar char="○"/>
-            </a:pPr>
-            <a:r>
-              <a:rPr lang="en" sz="1600" dirty="0"/>
-              <a:t>Testing: 130 </a:t>
-            </a:r>
-            <a:r>
-              <a:rPr lang="en" sz="1600" dirty="0" err="1"/>
-              <a:t>ảnh</a:t>
-            </a:r>
-            <a:endParaRPr lang="en" sz="1600" dirty="0"/>
-          </a:p>
-          <a:p>
-            <a:pPr lvl="1">
-              <a:spcBef>
-                <a:spcPts val="0"/>
-              </a:spcBef>
-            </a:pPr>
-            <a:r>
-              <a:rPr lang="en" sz="1600" dirty="0"/>
-              <a:t>Dataset: </a:t>
-            </a:r>
-            <a:r>
-              <a:rPr lang="en-US" sz="1600" dirty="0">
-                <a:hlinkClick r:id="rId3"/>
-              </a:rPr>
-              <a:t>https://github.com/MaiNga-uit/CS2225.CH1507/tree/master/dataset</a:t>
-            </a:r>
-            <a:endParaRPr lang="en-US" sz="1600" dirty="0"/>
-          </a:p>
-          <a:p>
-            <a:pPr lvl="1">
-              <a:spcBef>
-                <a:spcPts val="0"/>
-              </a:spcBef>
-            </a:pPr>
-            <a:r>
-              <a:rPr lang="en-US" sz="1600" dirty="0"/>
-              <a:t>TF-record </a:t>
-            </a:r>
-            <a:r>
-              <a:rPr lang="en-US" sz="1600" dirty="0" err="1"/>
-              <a:t>từ</a:t>
-            </a:r>
-            <a:r>
-              <a:rPr lang="en-US" sz="1600" dirty="0"/>
-              <a:t> dataset: </a:t>
-            </a:r>
-            <a:r>
-              <a:rPr lang="en-US" sz="1600" dirty="0">
-                <a:hlinkClick r:id="rId4"/>
-              </a:rPr>
-              <a:t>https://app.roboflow.com/ds/6kyOg1KHvY?key=9NoENEKLqj</a:t>
-            </a:r>
-            <a:endParaRPr lang="en-US" sz="1600" dirty="0"/>
-          </a:p>
-          <a:p>
-            <a:pPr lvl="1">
-              <a:spcBef>
-                <a:spcPts val="0"/>
-              </a:spcBef>
-            </a:pPr>
-            <a:endParaRPr lang="en-US" sz="1600" dirty="0"/>
-          </a:p>
-          <a:p>
-            <a:pPr lvl="1">
-              <a:spcBef>
-                <a:spcPts val="0"/>
-              </a:spcBef>
-            </a:pPr>
-            <a:endParaRPr lang="en" sz="1600" dirty="0"/>
-          </a:p>
-        </p:txBody>
-      </p:sp>
-    </p:spTree>
   </p:cSld>
   <p:clrMapOvr>
     <a:masterClrMapping/>
@@ -14985,29 +16328,358 @@
           </a:bodyPr>
           <a:lstStyle/>
           <a:p>
-            <a:r>
-              <a:rPr lang="en" sz="1600" dirty="0" err="1"/>
-              <a:t>Cách</a:t>
-            </a:r>
-            <a:r>
-              <a:rPr lang="en" sz="1600" dirty="0"/>
-              <a:t> </a:t>
-            </a:r>
-            <a:r>
-              <a:rPr lang="en" sz="1600" dirty="0" err="1"/>
-              <a:t>thu</a:t>
-            </a:r>
-            <a:r>
-              <a:rPr lang="en" sz="1600" dirty="0"/>
-              <a:t> </a:t>
-            </a:r>
-            <a:r>
-              <a:rPr lang="en" sz="1600" dirty="0" err="1"/>
-              <a:t>thập</a:t>
-            </a:r>
-            <a:r>
-              <a:rPr lang="en" sz="1600" dirty="0"/>
+            <a:pPr marL="457200" lvl="0" indent="-368300" algn="l" rtl="0">
+              <a:lnSpc>
+                <a:spcPct val="115000"/>
+              </a:lnSpc>
+              <a:spcBef>
+                <a:spcPts val="0"/>
+              </a:spcBef>
+              <a:spcAft>
+                <a:spcPts val="0"/>
+              </a:spcAft>
+              <a:buSzPts val="2200"/>
+              <a:buChar char="●"/>
+            </a:pPr>
+            <a:r>
+              <a:rPr lang="en" sz="1600" dirty="0" err="1"/>
+              <a:t>Tổng</a:t>
+            </a:r>
+            <a:r>
+              <a:rPr lang="en" sz="1600" dirty="0"/>
+              <a:t> </a:t>
+            </a:r>
+            <a:r>
+              <a:rPr lang="en" sz="1600" dirty="0" err="1"/>
+              <a:t>số</a:t>
+            </a:r>
+            <a:r>
+              <a:rPr lang="en" sz="1600" dirty="0"/>
+              <a:t> </a:t>
+            </a:r>
+            <a:r>
+              <a:rPr lang="en" sz="1600" dirty="0" err="1"/>
+              <a:t>ảnh</a:t>
+            </a:r>
+            <a:r>
+              <a:rPr lang="en" sz="1600" dirty="0"/>
+              <a:t>: 1706 </a:t>
+            </a:r>
+            <a:r>
+              <a:rPr lang="en" sz="1600" dirty="0" err="1"/>
+              <a:t>ảnh</a:t>
+            </a:r>
+            <a:endParaRPr sz="1600" dirty="0"/>
+          </a:p>
+          <a:p>
+            <a:pPr lvl="1">
+              <a:spcBef>
+                <a:spcPts val="0"/>
+              </a:spcBef>
+            </a:pPr>
+            <a:r>
+              <a:rPr lang="en" sz="1600" dirty="0"/>
+              <a:t>Training: 1566 </a:t>
+            </a:r>
+            <a:r>
+              <a:rPr lang="en" sz="1600" dirty="0" err="1"/>
+              <a:t>ảnh</a:t>
+            </a:r>
+            <a:r>
+              <a:rPr lang="en" sz="1600" dirty="0"/>
+              <a:t> </a:t>
+            </a:r>
+            <a:r>
+              <a:rPr lang="en" sz="1600" dirty="0" err="1"/>
+              <a:t>trong</a:t>
+            </a:r>
+            <a:r>
+              <a:rPr lang="en" sz="1600" dirty="0"/>
+              <a:t> </a:t>
+            </a:r>
+            <a:r>
+              <a:rPr lang="en" sz="1600" dirty="0" err="1"/>
+              <a:t>đó</a:t>
+            </a:r>
+            <a:r>
+              <a:rPr lang="en" sz="1600" dirty="0"/>
+              <a:t> 1054 </a:t>
+            </a:r>
+            <a:r>
+              <a:rPr lang="en" sz="1600" dirty="0" err="1"/>
+              <a:t>ảnh</a:t>
+            </a:r>
+            <a:r>
+              <a:rPr lang="en" sz="1600" dirty="0"/>
+              <a:t> </a:t>
+            </a:r>
+            <a:r>
+              <a:rPr lang="en" sz="1600" dirty="0" err="1"/>
+              <a:t>được</a:t>
+            </a:r>
+            <a:r>
+              <a:rPr lang="en" sz="1600" dirty="0"/>
+              <a:t> </a:t>
+            </a:r>
+            <a:r>
+              <a:rPr lang="en" sz="1600" dirty="0" err="1"/>
+              <a:t>tạo</a:t>
+            </a:r>
+            <a:r>
+              <a:rPr lang="en" sz="1600" dirty="0"/>
+              <a:t> ra </a:t>
+            </a:r>
+            <a:r>
+              <a:rPr lang="en" sz="1600" dirty="0" err="1"/>
+              <a:t>sau</a:t>
+            </a:r>
+            <a:r>
+              <a:rPr lang="en" sz="1600" dirty="0"/>
+              <a:t> </a:t>
+            </a:r>
+            <a:r>
+              <a:rPr lang="en" sz="1600" dirty="0" err="1"/>
+              <a:t>khi</a:t>
+            </a:r>
+            <a:r>
+              <a:rPr lang="en" sz="1600" dirty="0"/>
+              <a:t> </a:t>
+            </a:r>
+            <a:r>
+              <a:rPr lang="en" sz="1600" dirty="0" err="1"/>
+              <a:t>sử</a:t>
+            </a:r>
+            <a:r>
+              <a:rPr lang="en" sz="1600" dirty="0"/>
+              <a:t> d</a:t>
+            </a:r>
+            <a:r>
+              <a:rPr lang="en-US" sz="1600" dirty="0" err="1"/>
+              <a:t>ụng</a:t>
+            </a:r>
+            <a:r>
+              <a:rPr lang="en-US" sz="1600" dirty="0"/>
+              <a:t> </a:t>
+            </a:r>
+            <a:r>
+              <a:rPr lang="en-US" sz="1600" dirty="0" err="1"/>
+              <a:t>augumented</a:t>
+            </a:r>
+            <a:r>
+              <a:rPr lang="en-US" sz="1600" dirty="0"/>
+              <a:t> </a:t>
+            </a:r>
+            <a:r>
+              <a:rPr lang="en-US" sz="1600" dirty="0" err="1"/>
+              <a:t>trên</a:t>
+            </a:r>
+            <a:r>
+              <a:rPr lang="en-US" sz="1600" dirty="0"/>
+              <a:t> 512 </a:t>
+            </a:r>
+            <a:r>
+              <a:rPr lang="en-US" sz="1600" dirty="0" err="1"/>
+              <a:t>ảnh</a:t>
+            </a:r>
+            <a:r>
+              <a:rPr lang="en-US" sz="1600" dirty="0"/>
+              <a:t> </a:t>
+            </a:r>
+            <a:r>
+              <a:rPr lang="en-US" sz="1600" dirty="0" err="1"/>
+              <a:t>gốc</a:t>
+            </a:r>
+            <a:r>
+              <a:rPr lang="en" sz="1600" dirty="0"/>
+              <a:t> </a:t>
+            </a:r>
+            <a:r>
+              <a:rPr lang="en-US" sz="1600" dirty="0" err="1"/>
+              <a:t>theo</a:t>
+            </a:r>
+            <a:r>
+              <a:rPr lang="en-US" sz="1600" dirty="0"/>
+              <a:t> </a:t>
+            </a:r>
+            <a:r>
+              <a:rPr lang="en-US" sz="1600" dirty="0" err="1"/>
+              <a:t>cấu</a:t>
+            </a:r>
+            <a:r>
+              <a:rPr lang="en-US" sz="1600" dirty="0"/>
+              <a:t> </a:t>
+            </a:r>
+            <a:r>
+              <a:rPr lang="en-US" sz="1600" dirty="0" err="1"/>
+              <a:t>hình</a:t>
+            </a:r>
+            <a:r>
+              <a:rPr lang="en-US" sz="1600" dirty="0"/>
+              <a:t> </a:t>
+            </a:r>
+            <a:r>
+              <a:rPr lang="en-US" sz="1600" dirty="0" err="1"/>
+              <a:t>như</a:t>
+            </a:r>
+            <a:r>
+              <a:rPr lang="en-US" sz="1600" dirty="0"/>
+              <a:t> </a:t>
+            </a:r>
+            <a:r>
+              <a:rPr lang="en-US" sz="1600" dirty="0" err="1"/>
+              <a:t>sau</a:t>
+            </a:r>
+            <a:r>
+              <a:rPr lang="en-US" sz="1600" dirty="0"/>
               <a:t>:</a:t>
+            </a:r>
+          </a:p>
+          <a:p>
+            <a:pPr lvl="2">
+              <a:spcBef>
+                <a:spcPts val="0"/>
+              </a:spcBef>
+            </a:pPr>
+            <a:r>
+              <a:rPr lang="en-US" sz="1600" dirty="0"/>
+              <a:t>Size: 416 x 416</a:t>
+            </a:r>
+          </a:p>
+          <a:p>
+            <a:pPr lvl="2">
+              <a:spcBef>
+                <a:spcPts val="0"/>
+              </a:spcBef>
+            </a:pPr>
+            <a:r>
+              <a:rPr lang="en-US" sz="1600" dirty="0"/>
+              <a:t>Rotation: </a:t>
+            </a:r>
+            <a:r>
+              <a:rPr lang="en-US" sz="1600" dirty="0" err="1"/>
+              <a:t>từ</a:t>
+            </a:r>
+            <a:r>
+              <a:rPr lang="en-US" sz="1600" dirty="0"/>
+              <a:t> -45 </a:t>
+            </a:r>
+            <a:r>
+              <a:rPr lang="en-US" sz="1600" dirty="0" err="1"/>
+              <a:t>độ</a:t>
+            </a:r>
+            <a:r>
+              <a:rPr lang="en-US" sz="1600" dirty="0"/>
+              <a:t> </a:t>
+            </a:r>
+            <a:r>
+              <a:rPr lang="en-US" sz="1600" dirty="0" err="1"/>
+              <a:t>đến</a:t>
+            </a:r>
+            <a:r>
+              <a:rPr lang="en-US" sz="1600" dirty="0"/>
+              <a:t> 45 </a:t>
+            </a:r>
+            <a:r>
+              <a:rPr lang="en-US" sz="1600" dirty="0" err="1"/>
+              <a:t>độ</a:t>
+            </a:r>
+            <a:endParaRPr lang="en-US" sz="1600" dirty="0"/>
+          </a:p>
+          <a:p>
+            <a:pPr lvl="2">
+              <a:spcBef>
+                <a:spcPts val="0"/>
+              </a:spcBef>
+            </a:pPr>
+            <a:r>
+              <a:rPr lang="en-US" sz="1600" dirty="0"/>
+              <a:t>Shear: horizontal </a:t>
+            </a:r>
+            <a:r>
+              <a:rPr lang="en-US" sz="1600" dirty="0" err="1"/>
+              <a:t>và</a:t>
+            </a:r>
+            <a:r>
+              <a:rPr lang="en-US" sz="1600" dirty="0"/>
+              <a:t> vertical </a:t>
+            </a:r>
+            <a:r>
+              <a:rPr lang="en-US" sz="1600" dirty="0" err="1"/>
+              <a:t>từ</a:t>
+            </a:r>
+            <a:r>
+              <a:rPr lang="en-US" sz="1600" dirty="0"/>
+              <a:t> -15 </a:t>
+            </a:r>
+            <a:r>
+              <a:rPr lang="en-US" sz="1600" dirty="0" err="1"/>
+              <a:t>độ</a:t>
+            </a:r>
+            <a:r>
+              <a:rPr lang="en-US" sz="1600" dirty="0"/>
+              <a:t> </a:t>
+            </a:r>
+            <a:r>
+              <a:rPr lang="en-US" sz="1600" dirty="0" err="1"/>
+              <a:t>đến</a:t>
+            </a:r>
+            <a:r>
+              <a:rPr lang="en-US" sz="1600" dirty="0"/>
+              <a:t> 15 </a:t>
+            </a:r>
+            <a:r>
+              <a:rPr lang="en-US" sz="1600" dirty="0" err="1"/>
+              <a:t>độ</a:t>
+            </a:r>
+            <a:endParaRPr lang="en-US" sz="1600" dirty="0"/>
+          </a:p>
+          <a:p>
+            <a:pPr lvl="2">
+              <a:spcBef>
+                <a:spcPts val="0"/>
+              </a:spcBef>
+            </a:pPr>
+            <a:r>
+              <a:rPr lang="en-US" sz="1600" dirty="0"/>
+              <a:t>Brightness: </a:t>
+            </a:r>
+            <a:r>
+              <a:rPr lang="en-US" sz="1600" dirty="0" err="1"/>
+              <a:t>từ</a:t>
+            </a:r>
+            <a:r>
+              <a:rPr lang="en-US" sz="1600" dirty="0"/>
+              <a:t> -20% </a:t>
+            </a:r>
+            <a:r>
+              <a:rPr lang="en-US" sz="1600" dirty="0" err="1"/>
+              <a:t>đến</a:t>
+            </a:r>
+            <a:r>
+              <a:rPr lang="en-US" sz="1600" dirty="0"/>
+              <a:t> 20%</a:t>
+            </a:r>
+          </a:p>
+          <a:p>
+            <a:pPr lvl="2">
+              <a:spcBef>
+                <a:spcPts val="0"/>
+              </a:spcBef>
+            </a:pPr>
+            <a:r>
+              <a:rPr lang="vi-VN" sz="1600" dirty="0"/>
+              <a:t>Blur: từ 0px đến 5px</a:t>
+            </a:r>
+          </a:p>
+          <a:p>
+            <a:pPr lvl="2">
+              <a:spcBef>
+                <a:spcPts val="0"/>
+              </a:spcBef>
+            </a:pPr>
+            <a:r>
+              <a:rPr lang="vi-VN" sz="1600" dirty="0"/>
+              <a:t>Noise: từ 0% đến 5%</a:t>
             </a:r>
             <a:endParaRPr sz="1600" dirty="0"/>
           </a:p>
@@ -15026,536 +16698,78 @@
               <a:buChar char="○"/>
             </a:pPr>
             <a:r>
-              <a:rPr lang="en" sz="1600" dirty="0" err="1"/>
-              <a:t>Nguồn</a:t>
-            </a:r>
-            <a:r>
-              <a:rPr lang="en" sz="1600" dirty="0"/>
-              <a:t> </a:t>
-            </a:r>
-            <a:r>
-              <a:rPr lang="en" sz="1600" dirty="0" err="1"/>
-              <a:t>dữ</a:t>
-            </a:r>
-            <a:r>
-              <a:rPr lang="en" sz="1600" dirty="0"/>
-              <a:t> </a:t>
-            </a:r>
-            <a:r>
-              <a:rPr lang="en" sz="1600" dirty="0" err="1"/>
-              <a:t>liệu</a:t>
-            </a:r>
-            <a:r>
-              <a:rPr lang="en" sz="1600" dirty="0"/>
-              <a:t>: </a:t>
+              <a:rPr lang="en" sz="1600" dirty="0"/>
+              <a:t>Testing: 130 </a:t>
             </a:r>
             <a:r>
               <a:rPr lang="en" sz="1600" dirty="0" err="1"/>
               <a:t>ảnh</a:t>
             </a:r>
-            <a:r>
-              <a:rPr lang="en" sz="1600" dirty="0"/>
-              <a:t> </a:t>
-            </a:r>
-            <a:r>
-              <a:rPr lang="en" sz="1600" dirty="0" err="1"/>
-              <a:t>tự</a:t>
-            </a:r>
-            <a:r>
-              <a:rPr lang="en" sz="1600" dirty="0"/>
-              <a:t> </a:t>
-            </a:r>
-            <a:r>
-              <a:rPr lang="en" sz="1600" dirty="0" err="1"/>
-              <a:t>chụp</a:t>
-            </a:r>
-            <a:r>
-              <a:rPr lang="en" sz="1600" dirty="0"/>
-              <a:t> </a:t>
-            </a:r>
-            <a:r>
-              <a:rPr lang="en" sz="1600" dirty="0" err="1"/>
-              <a:t>được</a:t>
-            </a:r>
-            <a:r>
-              <a:rPr lang="en" sz="1600" dirty="0"/>
-              <a:t>, </a:t>
-            </a:r>
-            <a:r>
-              <a:rPr lang="en" sz="1600" dirty="0" err="1"/>
-              <a:t>tìm</a:t>
-            </a:r>
-            <a:r>
-              <a:rPr lang="en" sz="1600" dirty="0"/>
-              <a:t> </a:t>
-            </a:r>
-            <a:r>
-              <a:rPr lang="en" sz="1600" dirty="0" err="1"/>
-              <a:t>kiếm</a:t>
-            </a:r>
-            <a:r>
-              <a:rPr lang="en" sz="1600" dirty="0"/>
-              <a:t> </a:t>
-            </a:r>
-            <a:r>
-              <a:rPr lang="en" sz="1600" dirty="0" err="1"/>
-              <a:t>bằng</a:t>
-            </a:r>
-            <a:r>
-              <a:rPr lang="en" sz="1600" dirty="0"/>
-              <a:t> Google.</a:t>
-            </a:r>
-            <a:endParaRPr sz="1600" dirty="0"/>
+            <a:endParaRPr lang="en" sz="1600" dirty="0"/>
           </a:p>
           <a:p>
-            <a:pPr marL="914400" lvl="1" indent="-355600" algn="l" rtl="0">
-              <a:lnSpc>
-                <a:spcPct val="115000"/>
-              </a:lnSpc>
-              <a:spcBef>
-                <a:spcPts val="0"/>
-              </a:spcBef>
-              <a:spcAft>
-                <a:spcPts val="0"/>
-              </a:spcAft>
-              <a:buSzPts val="2000"/>
-              <a:buChar char="○"/>
+            <a:pPr lvl="1">
+              <a:spcBef>
+                <a:spcPts val="0"/>
+              </a:spcBef>
             </a:pPr>
             <a:r>
-              <a:rPr lang="en" sz="1600" dirty="0" err="1"/>
-              <a:t>Gán</a:t>
-            </a:r>
-            <a:r>
-              <a:rPr lang="en" sz="1600" dirty="0"/>
-              <a:t> </a:t>
-            </a:r>
-            <a:r>
-              <a:rPr lang="en" sz="1600" dirty="0" err="1"/>
-              <a:t>nhãn</a:t>
-            </a:r>
-            <a:r>
-              <a:rPr lang="en" sz="1600" dirty="0"/>
-              <a:t>: </a:t>
-            </a:r>
-            <a:r>
-              <a:rPr lang="en" sz="1600" dirty="0" err="1"/>
-              <a:t>thủ</a:t>
-            </a:r>
-            <a:r>
-              <a:rPr lang="en" sz="1600" dirty="0"/>
-              <a:t> </a:t>
-            </a:r>
-            <a:r>
-              <a:rPr lang="en" sz="1600" dirty="0" err="1"/>
-              <a:t>công</a:t>
-            </a:r>
-            <a:r>
-              <a:rPr lang="en" sz="1600" dirty="0"/>
-              <a:t> </a:t>
-            </a:r>
-            <a:r>
-              <a:rPr lang="en" sz="1600" dirty="0" err="1"/>
-              <a:t>bằng</a:t>
-            </a:r>
-            <a:r>
-              <a:rPr lang="en" sz="1600" dirty="0"/>
-              <a:t> </a:t>
-            </a:r>
-            <a:r>
-              <a:rPr lang="en" sz="1600" dirty="0" err="1"/>
-              <a:t>roboflow</a:t>
-            </a:r>
-            <a:r>
-              <a:rPr lang="en" sz="1600" dirty="0"/>
-              <a:t>.</a:t>
-            </a:r>
-            <a:endParaRPr sz="1600" dirty="0"/>
+              <a:rPr lang="en" sz="1600" dirty="0"/>
+              <a:t>Dataset: </a:t>
+            </a:r>
+            <a:r>
+              <a:rPr lang="en-US" sz="1600" dirty="0">
+                <a:hlinkClick r:id="rId3"/>
+              </a:rPr>
+              <a:t>https://github.com/MaiNga-uit/CS2225.CH1507/tree/master/dataset</a:t>
+            </a:r>
+            <a:endParaRPr lang="en-US" sz="1600" dirty="0"/>
           </a:p>
           <a:p>
-            <a:pPr marL="914400" lvl="1" indent="-355600" algn="l" rtl="0">
-              <a:lnSpc>
-                <a:spcPct val="115000"/>
-              </a:lnSpc>
-              <a:spcBef>
-                <a:spcPts val="0"/>
-              </a:spcBef>
-              <a:spcAft>
-                <a:spcPts val="0"/>
-              </a:spcAft>
-              <a:buSzPts val="2000"/>
-              <a:buChar char="○"/>
+            <a:pPr lvl="1">
+              <a:spcBef>
+                <a:spcPts val="0"/>
+              </a:spcBef>
             </a:pPr>
             <a:r>
-              <a:rPr lang="en" sz="1600" dirty="0" err="1"/>
-              <a:t>Sử</a:t>
-            </a:r>
-            <a:r>
-              <a:rPr lang="en" sz="1600" dirty="0"/>
-              <a:t> </a:t>
-            </a:r>
-            <a:r>
-              <a:rPr lang="en" sz="1600" dirty="0" err="1"/>
-              <a:t>dụng</a:t>
-            </a:r>
-            <a:r>
-              <a:rPr lang="en" sz="1600" dirty="0"/>
-              <a:t> </a:t>
-            </a:r>
-            <a:r>
-              <a:rPr lang="en" sz="1600" dirty="0" err="1"/>
-              <a:t>phương</a:t>
-            </a:r>
-            <a:r>
-              <a:rPr lang="en" sz="1600" dirty="0"/>
-              <a:t> </a:t>
-            </a:r>
-            <a:r>
-              <a:rPr lang="en" sz="1600" dirty="0" err="1"/>
-              <a:t>pháp</a:t>
-            </a:r>
-            <a:r>
-              <a:rPr lang="en" sz="1600" dirty="0"/>
-              <a:t> </a:t>
-            </a:r>
-            <a:r>
-              <a:rPr lang="en" sz="1600" dirty="0">
-                <a:latin typeface="Arial"/>
-                <a:ea typeface="Arial"/>
-                <a:cs typeface="Arial"/>
-                <a:sym typeface="Arial"/>
+              <a:rPr lang="en-US" sz="1600" dirty="0"/>
+              <a:t>TF-record </a:t>
+            </a:r>
+            <a:r>
+              <a:rPr lang="en-US" sz="1600" dirty="0" err="1"/>
+              <a:t>từ</a:t>
+            </a:r>
+            <a:r>
+              <a:rPr lang="en-US" sz="1600" dirty="0"/>
+              <a:t> dataset: </a:t>
+            </a:r>
+            <a:r>
+              <a:rPr lang="en-US" sz="1600" dirty="0">
+                <a:hlinkClick r:id="rId4"/>
               </a:rPr>
-              <a:t>augmented </a:t>
-            </a:r>
-            <a:r>
-              <a:rPr lang="en" sz="1600" dirty="0" err="1">
-                <a:latin typeface="Arial"/>
-                <a:ea typeface="Arial"/>
-                <a:cs typeface="Arial"/>
-                <a:sym typeface="Arial"/>
-              </a:rPr>
-              <a:t>trên</a:t>
-            </a:r>
-            <a:r>
-              <a:rPr lang="en" sz="1600" dirty="0">
-                <a:latin typeface="Arial"/>
-                <a:ea typeface="Arial"/>
-                <a:cs typeface="Arial"/>
-                <a:sym typeface="Arial"/>
-              </a:rPr>
-              <a:t> </a:t>
-            </a:r>
-            <a:r>
-              <a:rPr lang="en" sz="1600" dirty="0" err="1">
-                <a:latin typeface="Arial"/>
-                <a:ea typeface="Arial"/>
-                <a:cs typeface="Arial"/>
-                <a:sym typeface="Arial"/>
-              </a:rPr>
-              <a:t>tập</a:t>
-            </a:r>
-            <a:r>
-              <a:rPr lang="en" sz="1600" dirty="0">
-                <a:latin typeface="Arial"/>
-                <a:ea typeface="Arial"/>
-                <a:cs typeface="Arial"/>
-                <a:sym typeface="Arial"/>
-              </a:rPr>
-              <a:t> </a:t>
-            </a:r>
-            <a:r>
-              <a:rPr lang="en" sz="1600" dirty="0" err="1">
-                <a:latin typeface="Arial"/>
-                <a:ea typeface="Arial"/>
-                <a:cs typeface="Arial"/>
-                <a:sym typeface="Arial"/>
-              </a:rPr>
-              <a:t>dữ</a:t>
-            </a:r>
-            <a:r>
-              <a:rPr lang="en" sz="1600" dirty="0">
-                <a:latin typeface="Arial"/>
-                <a:ea typeface="Arial"/>
-                <a:cs typeface="Arial"/>
-                <a:sym typeface="Arial"/>
-              </a:rPr>
-              <a:t> </a:t>
-            </a:r>
-            <a:r>
-              <a:rPr lang="en" sz="1600" dirty="0" err="1">
-                <a:latin typeface="Arial"/>
-                <a:ea typeface="Arial"/>
-                <a:cs typeface="Arial"/>
-                <a:sym typeface="Arial"/>
-              </a:rPr>
-              <a:t>liệu</a:t>
-            </a:r>
-            <a:r>
-              <a:rPr lang="en" sz="1600" dirty="0">
-                <a:latin typeface="Arial"/>
-                <a:ea typeface="Arial"/>
-                <a:cs typeface="Arial"/>
-                <a:sym typeface="Arial"/>
-              </a:rPr>
-              <a:t> </a:t>
-            </a:r>
-            <a:r>
-              <a:rPr lang="en" sz="1600" dirty="0" err="1">
-                <a:latin typeface="Arial"/>
-                <a:ea typeface="Arial"/>
-                <a:cs typeface="Arial"/>
-                <a:sym typeface="Arial"/>
-              </a:rPr>
-              <a:t>đã</a:t>
-            </a:r>
-            <a:r>
-              <a:rPr lang="en" sz="1600" dirty="0">
-                <a:latin typeface="Arial"/>
-                <a:ea typeface="Arial"/>
-                <a:cs typeface="Arial"/>
-                <a:sym typeface="Arial"/>
-              </a:rPr>
-              <a:t> </a:t>
-            </a:r>
-            <a:r>
-              <a:rPr lang="en" sz="1600" dirty="0" err="1">
-                <a:latin typeface="Arial"/>
-                <a:ea typeface="Arial"/>
-                <a:cs typeface="Arial"/>
-                <a:sym typeface="Arial"/>
-              </a:rPr>
-              <a:t>thu</a:t>
-            </a:r>
-            <a:r>
-              <a:rPr lang="en" sz="1600" dirty="0">
-                <a:latin typeface="Arial"/>
-                <a:ea typeface="Arial"/>
-                <a:cs typeface="Arial"/>
-                <a:sym typeface="Arial"/>
-              </a:rPr>
-              <a:t> </a:t>
-            </a:r>
-            <a:r>
-              <a:rPr lang="en" sz="1600" dirty="0" err="1">
-                <a:latin typeface="Arial"/>
-                <a:ea typeface="Arial"/>
-                <a:cs typeface="Arial"/>
-                <a:sym typeface="Arial"/>
-              </a:rPr>
-              <a:t>thập</a:t>
-            </a:r>
-            <a:r>
-              <a:rPr lang="en" sz="1600" dirty="0">
-                <a:latin typeface="Arial"/>
-                <a:ea typeface="Arial"/>
-                <a:cs typeface="Arial"/>
-                <a:sym typeface="Arial"/>
-              </a:rPr>
-              <a:t> </a:t>
-            </a:r>
-            <a:r>
-              <a:rPr lang="en" sz="1600" dirty="0" err="1">
-                <a:latin typeface="Arial"/>
-                <a:ea typeface="Arial"/>
-                <a:cs typeface="Arial"/>
-                <a:sym typeface="Arial"/>
-              </a:rPr>
-              <a:t>để</a:t>
-            </a:r>
-            <a:r>
-              <a:rPr lang="en" sz="1600" dirty="0">
-                <a:latin typeface="Arial"/>
-                <a:ea typeface="Arial"/>
-                <a:cs typeface="Arial"/>
-                <a:sym typeface="Arial"/>
-              </a:rPr>
-              <a:t> </a:t>
-            </a:r>
-            <a:r>
-              <a:rPr lang="en" sz="1600" dirty="0" err="1">
-                <a:latin typeface="Arial"/>
-                <a:ea typeface="Arial"/>
-                <a:cs typeface="Arial"/>
-                <a:sym typeface="Arial"/>
-              </a:rPr>
-              <a:t>tạo</a:t>
-            </a:r>
-            <a:r>
-              <a:rPr lang="en" sz="1600" dirty="0">
-                <a:latin typeface="Arial"/>
-                <a:ea typeface="Arial"/>
-                <a:cs typeface="Arial"/>
-                <a:sym typeface="Arial"/>
-              </a:rPr>
-              <a:t> </a:t>
-            </a:r>
-            <a:r>
-              <a:rPr lang="en" sz="1600" dirty="0" err="1">
-                <a:latin typeface="Arial"/>
-                <a:ea typeface="Arial"/>
-                <a:cs typeface="Arial"/>
-                <a:sym typeface="Arial"/>
-              </a:rPr>
-              <a:t>sự</a:t>
-            </a:r>
-            <a:r>
-              <a:rPr lang="en" sz="1600" dirty="0">
-                <a:latin typeface="Arial"/>
-                <a:ea typeface="Arial"/>
-                <a:cs typeface="Arial"/>
-                <a:sym typeface="Arial"/>
-              </a:rPr>
-              <a:t> </a:t>
-            </a:r>
-            <a:r>
-              <a:rPr lang="en" sz="1600" dirty="0" err="1">
-                <a:latin typeface="Arial"/>
-                <a:ea typeface="Arial"/>
-                <a:cs typeface="Arial"/>
-                <a:sym typeface="Arial"/>
-              </a:rPr>
-              <a:t>đa</a:t>
-            </a:r>
-            <a:r>
-              <a:rPr lang="en" sz="1600" dirty="0">
-                <a:latin typeface="Arial"/>
-                <a:ea typeface="Arial"/>
-                <a:cs typeface="Arial"/>
-                <a:sym typeface="Arial"/>
-              </a:rPr>
-              <a:t> </a:t>
-            </a:r>
-            <a:r>
-              <a:rPr lang="en" sz="1600" dirty="0" err="1">
-                <a:latin typeface="Arial"/>
-                <a:ea typeface="Arial"/>
-                <a:cs typeface="Arial"/>
-                <a:sym typeface="Arial"/>
-              </a:rPr>
-              <a:t>dạng</a:t>
-            </a:r>
-            <a:r>
-              <a:rPr lang="en" sz="1600" dirty="0">
-                <a:latin typeface="Arial"/>
-                <a:ea typeface="Arial"/>
-                <a:cs typeface="Arial"/>
-                <a:sym typeface="Arial"/>
-              </a:rPr>
-              <a:t> </a:t>
-            </a:r>
-            <a:r>
-              <a:rPr lang="en" sz="1600" dirty="0" err="1">
-                <a:latin typeface="Arial"/>
-                <a:ea typeface="Arial"/>
-                <a:cs typeface="Arial"/>
-                <a:sym typeface="Arial"/>
-              </a:rPr>
-              <a:t>cho</a:t>
-            </a:r>
-            <a:r>
-              <a:rPr lang="en" sz="1600" dirty="0">
-                <a:latin typeface="Arial"/>
-                <a:ea typeface="Arial"/>
-                <a:cs typeface="Arial"/>
-                <a:sym typeface="Arial"/>
-              </a:rPr>
-              <a:t> </a:t>
-            </a:r>
-            <a:r>
-              <a:rPr lang="en" sz="1600" dirty="0" err="1">
-                <a:latin typeface="Arial"/>
-                <a:ea typeface="Arial"/>
-                <a:cs typeface="Arial"/>
-                <a:sym typeface="Arial"/>
-              </a:rPr>
-              <a:t>dữ</a:t>
-            </a:r>
-            <a:r>
-              <a:rPr lang="en" sz="1600" dirty="0">
-                <a:latin typeface="Arial"/>
-                <a:ea typeface="Arial"/>
-                <a:cs typeface="Arial"/>
-                <a:sym typeface="Arial"/>
-              </a:rPr>
-              <a:t> </a:t>
-            </a:r>
-            <a:r>
-              <a:rPr lang="en" sz="1600" dirty="0" err="1">
-                <a:latin typeface="Arial"/>
-                <a:ea typeface="Arial"/>
-                <a:cs typeface="Arial"/>
-                <a:sym typeface="Arial"/>
-              </a:rPr>
-              <a:t>liệu</a:t>
-            </a:r>
-            <a:r>
-              <a:rPr lang="en" sz="1600" dirty="0"/>
-              <a:t>.</a:t>
-            </a:r>
-            <a:endParaRPr sz="1600" dirty="0"/>
+              <a:t>https://app.roboflow.com/ds/6kyOg1KHvY?key=9NoENEKLqj</a:t>
+            </a:r>
+            <a:endParaRPr lang="en-US" sz="1600" dirty="0"/>
           </a:p>
           <a:p>
-            <a:pPr marL="914400" lvl="1" indent="-355600" algn="l" rtl="0">
-              <a:lnSpc>
-                <a:spcPct val="115000"/>
-              </a:lnSpc>
-              <a:spcBef>
-                <a:spcPts val="0"/>
-              </a:spcBef>
-              <a:spcAft>
-                <a:spcPts val="0"/>
-              </a:spcAft>
-              <a:buSzPts val="2000"/>
-              <a:buChar char="○"/>
+            <a:pPr lvl="1">
+              <a:spcBef>
+                <a:spcPts val="0"/>
+              </a:spcBef>
             </a:pPr>
-            <a:r>
-              <a:rPr lang="en" sz="1600" dirty="0" err="1"/>
-              <a:t>Số</a:t>
-            </a:r>
-            <a:r>
-              <a:rPr lang="en" sz="1600" dirty="0"/>
-              <a:t> </a:t>
-            </a:r>
-            <a:r>
-              <a:rPr lang="en" sz="1600" dirty="0" err="1"/>
-              <a:t>nhãn</a:t>
-            </a:r>
-            <a:r>
-              <a:rPr lang="en" sz="1600" dirty="0"/>
-              <a:t>: 6 (</a:t>
-            </a:r>
-            <a:r>
-              <a:rPr lang="en" sz="1600" dirty="0" err="1"/>
-              <a:t>loại</a:t>
-            </a:r>
-            <a:r>
-              <a:rPr lang="en" sz="1600" dirty="0"/>
-              <a:t> </a:t>
-            </a:r>
-            <a:r>
-              <a:rPr lang="en" sz="1600" dirty="0" err="1"/>
-              <a:t>trái</a:t>
-            </a:r>
-            <a:r>
-              <a:rPr lang="en" sz="1600" dirty="0"/>
-              <a:t> </a:t>
-            </a:r>
-            <a:r>
-              <a:rPr lang="en" sz="1600" dirty="0" err="1"/>
-              <a:t>cây</a:t>
-            </a:r>
-            <a:r>
-              <a:rPr lang="en" sz="1600" dirty="0"/>
-              <a:t>).</a:t>
-            </a:r>
+            <a:endParaRPr lang="en-US" sz="1600" dirty="0"/>
+          </a:p>
+          <a:p>
+            <a:pPr lvl="1">
+              <a:spcBef>
+                <a:spcPts val="0"/>
+              </a:spcBef>
+            </a:pPr>
+            <a:endParaRPr lang="en" sz="1600" dirty="0"/>
           </a:p>
         </p:txBody>
       </p:sp>
     </p:spTree>
-    <p:extLst>
-      <p:ext uri="{BB962C8B-B14F-4D97-AF65-F5344CB8AC3E}">
-        <p14:creationId xmlns:p14="http://schemas.microsoft.com/office/powerpoint/2010/main" val="573065521"/>
-      </p:ext>
-    </p:extLst>
   </p:cSld>
   <p:clrMapOvr>
     <a:masterClrMapping/>
@@ -15568,7 +16782,7 @@
   <p:cSld>
     <p:spTree>
       <p:nvGrpSpPr>
-        <p:cNvPr id="1" name="Shape 109"/>
+        <p:cNvPr id="1" name="Shape 103"/>
         <p:cNvGrpSpPr/>
         <p:nvPr/>
       </p:nvGrpSpPr>
@@ -15582,7 +16796,7 @@
       </p:grpSpPr>
       <p:sp>
         <p:nvSpPr>
-          <p:cNvPr id="110" name="Google Shape;110;gb23b97c7f9_0_22"/>
+          <p:cNvPr id="104" name="Google Shape;104;p9"/>
           <p:cNvSpPr txBox="1">
             <a:spLocks noGrp="1"/>
           </p:cNvSpPr>
@@ -15623,16 +16837,24 @@
               <a:buNone/>
             </a:pPr>
             <a:r>
-              <a:rPr lang="en" b="1"/>
-              <a:t>Quy trình thực hiện</a:t>
-            </a:r>
-            <a:endParaRPr/>
+              <a:rPr lang="en" b="1" dirty="0" err="1"/>
+              <a:t>Dữ</a:t>
+            </a:r>
+            <a:r>
+              <a:rPr lang="en" b="1" dirty="0"/>
+              <a:t> </a:t>
+            </a:r>
+            <a:r>
+              <a:rPr lang="en" b="1" dirty="0" err="1"/>
+              <a:t>liệu</a:t>
+            </a:r>
+            <a:endParaRPr dirty="0"/>
           </a:p>
         </p:txBody>
       </p:sp>
       <p:sp>
         <p:nvSpPr>
-          <p:cNvPr id="111" name="Google Shape;111;gb23b97c7f9_0_22"/>
+          <p:cNvPr id="105" name="Google Shape;105;p9"/>
           <p:cNvSpPr txBox="1">
             <a:spLocks noGrp="1"/>
           </p:cNvSpPr>
@@ -15659,26 +16881,13 @@
           </a:bodyPr>
           <a:lstStyle/>
           <a:p>
-            <a:pPr marL="457200" lvl="0" indent="-330200" algn="l" rtl="0">
-              <a:lnSpc>
-                <a:spcPct val="115000"/>
-              </a:lnSpc>
-              <a:spcBef>
-                <a:spcPts val="0"/>
-              </a:spcBef>
-              <a:spcAft>
-                <a:spcPts val="0"/>
-              </a:spcAft>
-              <a:buSzPts val="1600"/>
-              <a:buChar char="●"/>
-            </a:pPr>
-            <a:r>
-              <a:rPr lang="en" sz="1600" dirty="0" err="1"/>
-              <a:t>Bước</a:t>
-            </a:r>
-            <a:r>
-              <a:rPr lang="en" sz="1600" dirty="0"/>
-              <a:t> 1: </a:t>
+            <a:r>
+              <a:rPr lang="en" sz="1600" dirty="0" err="1"/>
+              <a:t>Cách</a:t>
+            </a:r>
+            <a:r>
+              <a:rPr lang="en" sz="1600" dirty="0"/>
+              <a:t> </a:t>
             </a:r>
             <a:r>
               <a:rPr lang="en" sz="1600" dirty="0" err="1"/>
@@ -15694,88 +16903,27 @@
             </a:r>
             <a:r>
               <a:rPr lang="en" sz="1600" dirty="0"/>
-              <a:t> </a:t>
-            </a:r>
-            <a:r>
-              <a:rPr lang="en" sz="1600" dirty="0" err="1"/>
-              <a:t>dữ</a:t>
-            </a:r>
-            <a:r>
-              <a:rPr lang="en" sz="1600" dirty="0"/>
-              <a:t> </a:t>
-            </a:r>
-            <a:r>
-              <a:rPr lang="en" sz="1600" dirty="0" err="1"/>
-              <a:t>liệu</a:t>
-            </a:r>
-            <a:r>
-              <a:rPr lang="en" sz="1600" dirty="0"/>
-              <a:t> </a:t>
-            </a:r>
-            <a:r>
-              <a:rPr lang="en" sz="1600" dirty="0" err="1"/>
-              <a:t>ảnh</a:t>
-            </a:r>
-            <a:r>
-              <a:rPr lang="en" sz="1600" dirty="0"/>
-              <a:t>.</a:t>
+              <a:t>:</a:t>
             </a:r>
             <a:endParaRPr sz="1600" dirty="0"/>
           </a:p>
           <a:p>
-            <a:pPr marL="457200" lvl="0" indent="-330200" algn="l" rtl="0">
-              <a:spcBef>
-                <a:spcPts val="0"/>
-              </a:spcBef>
-              <a:spcAft>
-                <a:spcPts val="0"/>
-              </a:spcAft>
-              <a:buSzPts val="1600"/>
-              <a:buChar char="●"/>
+            <a:pPr marL="914400" lvl="1" indent="-355600" algn="l" rtl="0">
+              <a:lnSpc>
+                <a:spcPct val="115000"/>
+              </a:lnSpc>
+              <a:spcBef>
+                <a:spcPts val="0"/>
+              </a:spcBef>
+              <a:spcAft>
+                <a:spcPts val="0"/>
+              </a:spcAft>
+              <a:buSzPts val="2000"/>
+              <a:buChar char="○"/>
             </a:pPr>
             <a:r>
               <a:rPr lang="en" sz="1600" dirty="0" err="1"/>
-              <a:t>Bước</a:t>
-            </a:r>
-            <a:r>
-              <a:rPr lang="en" sz="1600" dirty="0"/>
-              <a:t> 2: </a:t>
-            </a:r>
-            <a:r>
-              <a:rPr lang="en" sz="1600" dirty="0" err="1"/>
-              <a:t>gán</a:t>
-            </a:r>
-            <a:r>
-              <a:rPr lang="en" sz="1600" dirty="0"/>
-              <a:t> </a:t>
-            </a:r>
-            <a:r>
-              <a:rPr lang="en" sz="1600" dirty="0" err="1"/>
-              <a:t>nhãn</a:t>
-            </a:r>
-            <a:r>
-              <a:rPr lang="en" sz="1600" dirty="0"/>
-              <a:t> </a:t>
-            </a:r>
-            <a:r>
-              <a:rPr lang="en" sz="1600" dirty="0" err="1"/>
-              <a:t>thủ</a:t>
-            </a:r>
-            <a:r>
-              <a:rPr lang="en" sz="1600" dirty="0"/>
-              <a:t> </a:t>
-            </a:r>
-            <a:r>
-              <a:rPr lang="en" sz="1600" dirty="0" err="1"/>
-              <a:t>công</a:t>
-            </a:r>
-            <a:r>
-              <a:rPr lang="en" sz="1600" dirty="0"/>
-              <a:t> </a:t>
-            </a:r>
-            <a:r>
-              <a:rPr lang="en" sz="1600" dirty="0" err="1"/>
-              <a:t>cho</a:t>
+              <a:t>Nguồn</a:t>
             </a:r>
             <a:r>
               <a:rPr lang="en" sz="1600" dirty="0"/>
@@ -15795,27 +16943,51 @@
             </a:r>
             <a:r>
               <a:rPr lang="en" sz="1600" dirty="0"/>
-              <a:t> </a:t>
-            </a:r>
-            <a:r>
-              <a:rPr lang="en" sz="1600" dirty="0" err="1"/>
-              <a:t>đã</a:t>
-            </a:r>
-            <a:r>
-              <a:rPr lang="en" sz="1600" dirty="0"/>
-              <a:t> </a:t>
-            </a:r>
-            <a:r>
-              <a:rPr lang="en" sz="1600" dirty="0" err="1"/>
-              <a:t>thu</a:t>
-            </a:r>
-            <a:r>
-              <a:rPr lang="en" sz="1600" dirty="0"/>
-              <a:t> </a:t>
-            </a:r>
-            <a:r>
-              <a:rPr lang="en" sz="1600" dirty="0" err="1"/>
-              <a:t>thập</a:t>
+              <a:t>: </a:t>
+            </a:r>
+            <a:r>
+              <a:rPr lang="en" sz="1600" dirty="0" err="1"/>
+              <a:t>ảnh</a:t>
+            </a:r>
+            <a:r>
+              <a:rPr lang="en" sz="1600" dirty="0"/>
+              <a:t> </a:t>
+            </a:r>
+            <a:r>
+              <a:rPr lang="en" sz="1600" dirty="0" err="1"/>
+              <a:t>tự</a:t>
+            </a:r>
+            <a:r>
+              <a:rPr lang="en" sz="1600" dirty="0"/>
+              <a:t> </a:t>
+            </a:r>
+            <a:r>
+              <a:rPr lang="en" sz="1600" dirty="0" err="1"/>
+              <a:t>chụp</a:t>
+            </a:r>
+            <a:r>
+              <a:rPr lang="en" sz="1600" dirty="0"/>
+              <a:t> </a:t>
+            </a:r>
+            <a:r>
+              <a:rPr lang="en" sz="1600" dirty="0" err="1"/>
+              <a:t>được</a:t>
+            </a:r>
+            <a:r>
+              <a:rPr lang="en" sz="1600" dirty="0"/>
+              <a:t>, </a:t>
+            </a:r>
+            <a:r>
+              <a:rPr lang="en" sz="1600" dirty="0" err="1"/>
+              <a:t>tìm</a:t>
+            </a:r>
+            <a:r>
+              <a:rPr lang="en" sz="1600" dirty="0"/>
+              <a:t> </a:t>
+            </a:r>
+            <a:r>
+              <a:rPr lang="en" sz="1600" dirty="0" err="1"/>
+              <a:t>kiếm</a:t>
             </a:r>
             <a:r>
               <a:rPr lang="en" sz="1600" dirty="0"/>
@@ -15827,56 +16999,59 @@
             </a:r>
             <a:r>
               <a:rPr lang="en" sz="1600" dirty="0"/>
-              <a:t> </a:t>
-            </a:r>
-            <a:r>
-              <a:rPr lang="en" sz="1600" dirty="0" err="1"/>
-              <a:t>roboflow</a:t>
-            </a:r>
-            <a:r>
-              <a:rPr lang="en" sz="1600" dirty="0"/>
-              <a:t>.</a:t>
+              <a:t> Google.</a:t>
             </a:r>
             <a:endParaRPr sz="1600" dirty="0"/>
           </a:p>
           <a:p>
-            <a:pPr marL="457200" lvl="0" indent="-330200" algn="l" rtl="0">
-              <a:spcBef>
-                <a:spcPts val="0"/>
-              </a:spcBef>
-              <a:spcAft>
-                <a:spcPts val="0"/>
-              </a:spcAft>
-              <a:buSzPts val="1600"/>
-              <a:buChar char="●"/>
+            <a:pPr marL="914400" lvl="1" indent="-355600" algn="l" rtl="0">
+              <a:lnSpc>
+                <a:spcPct val="115000"/>
+              </a:lnSpc>
+              <a:spcBef>
+                <a:spcPts val="0"/>
+              </a:spcBef>
+              <a:spcAft>
+                <a:spcPts val="0"/>
+              </a:spcAft>
+              <a:buSzPts val="2000"/>
+              <a:buChar char="○"/>
             </a:pPr>
             <a:r>
               <a:rPr lang="en" sz="1600" dirty="0" err="1"/>
-              <a:t>Bước</a:t>
-            </a:r>
-            <a:r>
-              <a:rPr lang="en" sz="1600" dirty="0"/>
-              <a:t> 3: </a:t>
-            </a:r>
-            <a:r>
-              <a:rPr lang="en" sz="1600" dirty="0" err="1"/>
-              <a:t>sử</a:t>
-            </a:r>
-            <a:r>
-              <a:rPr lang="en" sz="1600" dirty="0"/>
-              <a:t> </a:t>
-            </a:r>
-            <a:r>
-              <a:rPr lang="en" sz="1600" dirty="0" err="1"/>
-              <a:t>dụng</a:t>
-            </a:r>
-            <a:r>
-              <a:rPr lang="en" sz="1600" dirty="0"/>
-              <a:t> </a:t>
-            </a:r>
-            <a:r>
-              <a:rPr lang="en" sz="1600" dirty="0" err="1"/>
-              <a:t>trang</a:t>
+              <a:t>Gán</a:t>
+            </a:r>
+            <a:r>
+              <a:rPr lang="en" sz="1600" dirty="0"/>
+              <a:t> </a:t>
+            </a:r>
+            <a:r>
+              <a:rPr lang="en" sz="1600" dirty="0" err="1"/>
+              <a:t>nhãn</a:t>
+            </a:r>
+            <a:r>
+              <a:rPr lang="en" sz="1600" dirty="0"/>
+              <a:t>: </a:t>
+            </a:r>
+            <a:r>
+              <a:rPr lang="en" sz="1600" dirty="0" err="1"/>
+              <a:t>thủ</a:t>
+            </a:r>
+            <a:r>
+              <a:rPr lang="en" sz="1600" dirty="0"/>
+              <a:t> </a:t>
+            </a:r>
+            <a:r>
+              <a:rPr lang="en" sz="1600" dirty="0" err="1"/>
+              <a:t>công</a:t>
+            </a:r>
+            <a:r>
+              <a:rPr lang="en" sz="1600" dirty="0"/>
+              <a:t> </a:t>
+            </a:r>
+            <a:r>
+              <a:rPr lang="en" sz="1600" dirty="0" err="1"/>
+              <a:t>bằng</a:t>
             </a:r>
             <a:r>
               <a:rPr lang="en" sz="1600" dirty="0"/>
@@ -15888,84 +17063,12 @@
             </a:r>
             <a:r>
               <a:rPr lang="en" sz="1600" dirty="0"/>
-              <a:t> </a:t>
-            </a:r>
-            <a:r>
-              <a:rPr lang="en" sz="1600" dirty="0" err="1"/>
-              <a:t>tăng</a:t>
-            </a:r>
-            <a:r>
-              <a:rPr lang="en" sz="1600" dirty="0"/>
-              <a:t> </a:t>
-            </a:r>
-            <a:r>
-              <a:rPr lang="en" sz="1600" dirty="0" err="1"/>
-              <a:t>cường</a:t>
-            </a:r>
-            <a:r>
-              <a:rPr lang="en" sz="1600" dirty="0"/>
-              <a:t> </a:t>
-            </a:r>
-            <a:r>
-              <a:rPr lang="en" sz="1600" dirty="0" err="1"/>
-              <a:t>thêm</a:t>
-            </a:r>
-            <a:r>
-              <a:rPr lang="en" sz="1600" dirty="0"/>
-              <a:t> </a:t>
-            </a:r>
-            <a:r>
-              <a:rPr lang="en" sz="1600" dirty="0" err="1"/>
-              <a:t>dữ</a:t>
-            </a:r>
-            <a:r>
-              <a:rPr lang="en" sz="1600" dirty="0"/>
-              <a:t> </a:t>
-            </a:r>
-            <a:r>
-              <a:rPr lang="en" sz="1600" dirty="0" err="1"/>
-              <a:t>liệu</a:t>
-            </a:r>
-            <a:r>
-              <a:rPr lang="en" sz="1600" dirty="0"/>
-              <a:t> </a:t>
-            </a:r>
-            <a:r>
-              <a:rPr lang="en" sz="1600" dirty="0" err="1"/>
-              <a:t>trên</a:t>
-            </a:r>
-            <a:r>
-              <a:rPr lang="en" sz="1600" dirty="0"/>
-              <a:t> </a:t>
-            </a:r>
-            <a:r>
-              <a:rPr lang="en" sz="1600" dirty="0" err="1"/>
-              <a:t>và</a:t>
-            </a:r>
-            <a:r>
-              <a:rPr lang="en" sz="1600" dirty="0"/>
-              <a:t> </a:t>
-            </a:r>
-            <a:r>
-              <a:rPr lang="en" sz="1600" dirty="0" err="1"/>
-              <a:t>trích</a:t>
-            </a:r>
-            <a:r>
-              <a:rPr lang="en" sz="1600" dirty="0"/>
-              <a:t> </a:t>
-            </a:r>
-            <a:r>
-              <a:rPr lang="en" sz="1600" dirty="0" err="1"/>
-              <a:t>xuất</a:t>
-            </a:r>
-            <a:r>
-              <a:rPr lang="en" sz="1600" dirty="0"/>
-              <a:t> file TF-Record.</a:t>
+              <a:t>.</a:t>
             </a:r>
             <a:endParaRPr sz="1600" dirty="0"/>
           </a:p>
           <a:p>
-            <a:pPr marL="457200" lvl="0" indent="-330200" algn="l" rtl="0">
+            <a:pPr marL="914400" lvl="1" indent="-355600" algn="l" rtl="0">
               <a:lnSpc>
                 <a:spcPct val="115000"/>
               </a:lnSpc>
@@ -15975,60 +17078,310 @@
               <a:spcAft>
                 <a:spcPts val="0"/>
               </a:spcAft>
-              <a:buSzPts val="1600"/>
-              <a:buChar char="●"/>
+              <a:buSzPts val="2000"/>
+              <a:buChar char="○"/>
             </a:pPr>
             <a:r>
               <a:rPr lang="en" sz="1600" dirty="0" err="1"/>
-              <a:t>Bước</a:t>
-            </a:r>
-            <a:r>
-              <a:rPr lang="en" sz="1600" dirty="0"/>
-              <a:t> 4: </a:t>
-            </a:r>
-            <a:r>
-              <a:rPr lang="en" sz="1600" dirty="0" err="1"/>
-              <a:t>thiết</a:t>
-            </a:r>
-            <a:r>
-              <a:rPr lang="en" sz="1600" dirty="0"/>
-              <a:t> </a:t>
-            </a:r>
-            <a:r>
-              <a:rPr lang="en" sz="1600" dirty="0" err="1"/>
-              <a:t>lập</a:t>
-            </a:r>
-            <a:r>
-              <a:rPr lang="en" sz="1600" dirty="0"/>
-              <a:t> </a:t>
-            </a:r>
-            <a:r>
-              <a:rPr lang="en" sz="1600" dirty="0" err="1"/>
-              <a:t>môi</a:t>
-            </a:r>
-            <a:r>
-              <a:rPr lang="en" sz="1600" dirty="0"/>
-              <a:t> </a:t>
-            </a:r>
-            <a:r>
-              <a:rPr lang="en" sz="1600" dirty="0" err="1"/>
-              <a:t>trường</a:t>
-            </a:r>
-            <a:r>
-              <a:rPr lang="en" sz="1600" dirty="0"/>
-              <a:t> </a:t>
-            </a:r>
-            <a:r>
-              <a:rPr lang="en" sz="1600" dirty="0" err="1"/>
-              <a:t>trong</a:t>
-            </a:r>
-            <a:r>
-              <a:rPr lang="en" sz="1600" dirty="0"/>
-              <a:t> Google </a:t>
-            </a:r>
-            <a:r>
-              <a:rPr lang="en" sz="1600" dirty="0" err="1"/>
-              <a:t>Colab</a:t>
+              <a:t>Sử</a:t>
+            </a:r>
+            <a:r>
+              <a:rPr lang="en" sz="1600" dirty="0"/>
+              <a:t> </a:t>
+            </a:r>
+            <a:r>
+              <a:rPr lang="en" sz="1600" dirty="0" err="1"/>
+              <a:t>dụng</a:t>
+            </a:r>
+            <a:r>
+              <a:rPr lang="en" sz="1600" dirty="0"/>
+              <a:t> </a:t>
+            </a:r>
+            <a:r>
+              <a:rPr lang="en" sz="1600" dirty="0" err="1"/>
+              <a:t>phương</a:t>
+            </a:r>
+            <a:r>
+              <a:rPr lang="en" sz="1600" dirty="0"/>
+              <a:t> </a:t>
+            </a:r>
+            <a:r>
+              <a:rPr lang="en" sz="1600" dirty="0" err="1"/>
+              <a:t>pháp</a:t>
+            </a:r>
+            <a:r>
+              <a:rPr lang="en" sz="1600" dirty="0"/>
+              <a:t> </a:t>
+            </a:r>
+            <a:r>
+              <a:rPr lang="en" sz="1600" dirty="0">
+                <a:latin typeface="Arial"/>
+                <a:ea typeface="Arial"/>
+                <a:cs typeface="Arial"/>
+                <a:sym typeface="Arial"/>
+              </a:rPr>
+              <a:t>augmented </a:t>
+            </a:r>
+            <a:r>
+              <a:rPr lang="en" sz="1600" dirty="0" err="1">
+                <a:latin typeface="Arial"/>
+                <a:ea typeface="Arial"/>
+                <a:cs typeface="Arial"/>
+                <a:sym typeface="Arial"/>
+              </a:rPr>
+              <a:t>trên</a:t>
+            </a:r>
+            <a:r>
+              <a:rPr lang="en" sz="1600" dirty="0">
+                <a:latin typeface="Arial"/>
+                <a:ea typeface="Arial"/>
+                <a:cs typeface="Arial"/>
+                <a:sym typeface="Arial"/>
+              </a:rPr>
+              <a:t> </a:t>
+            </a:r>
+            <a:r>
+              <a:rPr lang="en" sz="1600" dirty="0" err="1">
+                <a:latin typeface="Arial"/>
+                <a:ea typeface="Arial"/>
+                <a:cs typeface="Arial"/>
+                <a:sym typeface="Arial"/>
+              </a:rPr>
+              <a:t>tập</a:t>
+            </a:r>
+            <a:r>
+              <a:rPr lang="en" sz="1600" dirty="0">
+                <a:latin typeface="Arial"/>
+                <a:ea typeface="Arial"/>
+                <a:cs typeface="Arial"/>
+                <a:sym typeface="Arial"/>
+              </a:rPr>
+              <a:t> </a:t>
+            </a:r>
+            <a:r>
+              <a:rPr lang="en" sz="1600" dirty="0" err="1">
+                <a:latin typeface="Arial"/>
+                <a:ea typeface="Arial"/>
+                <a:cs typeface="Arial"/>
+                <a:sym typeface="Arial"/>
+              </a:rPr>
+              <a:t>dữ</a:t>
+            </a:r>
+            <a:r>
+              <a:rPr lang="en" sz="1600" dirty="0">
+                <a:latin typeface="Arial"/>
+                <a:ea typeface="Arial"/>
+                <a:cs typeface="Arial"/>
+                <a:sym typeface="Arial"/>
+              </a:rPr>
+              <a:t> </a:t>
+            </a:r>
+            <a:r>
+              <a:rPr lang="en" sz="1600" dirty="0" err="1">
+                <a:latin typeface="Arial"/>
+                <a:ea typeface="Arial"/>
+                <a:cs typeface="Arial"/>
+                <a:sym typeface="Arial"/>
+              </a:rPr>
+              <a:t>liệu</a:t>
+            </a:r>
+            <a:r>
+              <a:rPr lang="en" sz="1600" dirty="0">
+                <a:latin typeface="Arial"/>
+                <a:ea typeface="Arial"/>
+                <a:cs typeface="Arial"/>
+                <a:sym typeface="Arial"/>
+              </a:rPr>
+              <a:t> </a:t>
+            </a:r>
+            <a:r>
+              <a:rPr lang="en" sz="1600" dirty="0" err="1">
+                <a:latin typeface="Arial"/>
+                <a:ea typeface="Arial"/>
+                <a:cs typeface="Arial"/>
+                <a:sym typeface="Arial"/>
+              </a:rPr>
+              <a:t>đã</a:t>
+            </a:r>
+            <a:r>
+              <a:rPr lang="en" sz="1600" dirty="0">
+                <a:latin typeface="Arial"/>
+                <a:ea typeface="Arial"/>
+                <a:cs typeface="Arial"/>
+                <a:sym typeface="Arial"/>
+              </a:rPr>
+              <a:t> </a:t>
+            </a:r>
+            <a:r>
+              <a:rPr lang="en" sz="1600" dirty="0" err="1">
+                <a:latin typeface="Arial"/>
+                <a:ea typeface="Arial"/>
+                <a:cs typeface="Arial"/>
+                <a:sym typeface="Arial"/>
+              </a:rPr>
+              <a:t>thu</a:t>
+            </a:r>
+            <a:r>
+              <a:rPr lang="en" sz="1600" dirty="0">
+                <a:latin typeface="Arial"/>
+                <a:ea typeface="Arial"/>
+                <a:cs typeface="Arial"/>
+                <a:sym typeface="Arial"/>
+              </a:rPr>
+              <a:t> </a:t>
+            </a:r>
+            <a:r>
+              <a:rPr lang="en" sz="1600" dirty="0" err="1">
+                <a:latin typeface="Arial"/>
+                <a:ea typeface="Arial"/>
+                <a:cs typeface="Arial"/>
+                <a:sym typeface="Arial"/>
+              </a:rPr>
+              <a:t>thập</a:t>
+            </a:r>
+            <a:r>
+              <a:rPr lang="en" sz="1600" dirty="0">
+                <a:latin typeface="Arial"/>
+                <a:ea typeface="Arial"/>
+                <a:cs typeface="Arial"/>
+                <a:sym typeface="Arial"/>
+              </a:rPr>
+              <a:t> </a:t>
+            </a:r>
+            <a:r>
+              <a:rPr lang="en" sz="1600" dirty="0" err="1">
+                <a:latin typeface="Arial"/>
+                <a:ea typeface="Arial"/>
+                <a:cs typeface="Arial"/>
+                <a:sym typeface="Arial"/>
+              </a:rPr>
+              <a:t>để</a:t>
+            </a:r>
+            <a:r>
+              <a:rPr lang="en" sz="1600" dirty="0">
+                <a:latin typeface="Arial"/>
+                <a:ea typeface="Arial"/>
+                <a:cs typeface="Arial"/>
+                <a:sym typeface="Arial"/>
+              </a:rPr>
+              <a:t> </a:t>
+            </a:r>
+            <a:r>
+              <a:rPr lang="en" sz="1600" dirty="0" err="1">
+                <a:latin typeface="Arial"/>
+                <a:ea typeface="Arial"/>
+                <a:cs typeface="Arial"/>
+                <a:sym typeface="Arial"/>
+              </a:rPr>
+              <a:t>tạo</a:t>
+            </a:r>
+            <a:r>
+              <a:rPr lang="en" sz="1600" dirty="0">
+                <a:latin typeface="Arial"/>
+                <a:ea typeface="Arial"/>
+                <a:cs typeface="Arial"/>
+                <a:sym typeface="Arial"/>
+              </a:rPr>
+              <a:t> </a:t>
+            </a:r>
+            <a:r>
+              <a:rPr lang="en" sz="1600" dirty="0" err="1">
+                <a:latin typeface="Arial"/>
+                <a:ea typeface="Arial"/>
+                <a:cs typeface="Arial"/>
+                <a:sym typeface="Arial"/>
+              </a:rPr>
+              <a:t>sự</a:t>
+            </a:r>
+            <a:r>
+              <a:rPr lang="en" sz="1600" dirty="0">
+                <a:latin typeface="Arial"/>
+                <a:ea typeface="Arial"/>
+                <a:cs typeface="Arial"/>
+                <a:sym typeface="Arial"/>
+              </a:rPr>
+              <a:t> </a:t>
+            </a:r>
+            <a:r>
+              <a:rPr lang="en" sz="1600" dirty="0" err="1">
+                <a:latin typeface="Arial"/>
+                <a:ea typeface="Arial"/>
+                <a:cs typeface="Arial"/>
+                <a:sym typeface="Arial"/>
+              </a:rPr>
+              <a:t>đa</a:t>
+            </a:r>
+            <a:r>
+              <a:rPr lang="en" sz="1600" dirty="0">
+                <a:latin typeface="Arial"/>
+                <a:ea typeface="Arial"/>
+                <a:cs typeface="Arial"/>
+                <a:sym typeface="Arial"/>
+              </a:rPr>
+              <a:t> </a:t>
+            </a:r>
+            <a:r>
+              <a:rPr lang="en" sz="1600" dirty="0" err="1">
+                <a:latin typeface="Arial"/>
+                <a:ea typeface="Arial"/>
+                <a:cs typeface="Arial"/>
+                <a:sym typeface="Arial"/>
+              </a:rPr>
+              <a:t>dạng</a:t>
+            </a:r>
+            <a:r>
+              <a:rPr lang="en" sz="1600" dirty="0">
+                <a:latin typeface="Arial"/>
+                <a:ea typeface="Arial"/>
+                <a:cs typeface="Arial"/>
+                <a:sym typeface="Arial"/>
+              </a:rPr>
+              <a:t> </a:t>
+            </a:r>
+            <a:r>
+              <a:rPr lang="en" sz="1600" dirty="0" err="1">
+                <a:latin typeface="Arial"/>
+                <a:ea typeface="Arial"/>
+                <a:cs typeface="Arial"/>
+                <a:sym typeface="Arial"/>
+              </a:rPr>
+              <a:t>cho</a:t>
+            </a:r>
+            <a:r>
+              <a:rPr lang="en" sz="1600" dirty="0">
+                <a:latin typeface="Arial"/>
+                <a:ea typeface="Arial"/>
+                <a:cs typeface="Arial"/>
+                <a:sym typeface="Arial"/>
+              </a:rPr>
+              <a:t> </a:t>
+            </a:r>
+            <a:r>
+              <a:rPr lang="en" sz="1600" dirty="0" err="1">
+                <a:latin typeface="Arial"/>
+                <a:ea typeface="Arial"/>
+                <a:cs typeface="Arial"/>
+                <a:sym typeface="Arial"/>
+              </a:rPr>
+              <a:t>dữ</a:t>
+            </a:r>
+            <a:r>
+              <a:rPr lang="en" sz="1600" dirty="0">
+                <a:latin typeface="Arial"/>
+                <a:ea typeface="Arial"/>
+                <a:cs typeface="Arial"/>
+                <a:sym typeface="Arial"/>
+              </a:rPr>
+              <a:t> </a:t>
+            </a:r>
+            <a:r>
+              <a:rPr lang="en" sz="1600" dirty="0" err="1">
+                <a:latin typeface="Arial"/>
+                <a:ea typeface="Arial"/>
+                <a:cs typeface="Arial"/>
+                <a:sym typeface="Arial"/>
+              </a:rPr>
+              <a:t>liệu</a:t>
             </a:r>
             <a:r>
               <a:rPr lang="en" sz="1600" dirty="0"/>
@@ -16037,173 +17390,68 @@
             <a:endParaRPr sz="1600" dirty="0"/>
           </a:p>
           <a:p>
-            <a:pPr marL="457200" lvl="0" indent="-330200" algn="l" rtl="0">
-              <a:spcBef>
-                <a:spcPts val="0"/>
-              </a:spcBef>
-              <a:spcAft>
-                <a:spcPts val="0"/>
-              </a:spcAft>
-              <a:buSzPts val="1600"/>
-              <a:buChar char="●"/>
+            <a:pPr marL="914400" lvl="1" indent="-355600" algn="l" rtl="0">
+              <a:lnSpc>
+                <a:spcPct val="115000"/>
+              </a:lnSpc>
+              <a:spcBef>
+                <a:spcPts val="0"/>
+              </a:spcBef>
+              <a:spcAft>
+                <a:spcPts val="0"/>
+              </a:spcAft>
+              <a:buSzPts val="2000"/>
+              <a:buChar char="○"/>
             </a:pPr>
             <a:r>
               <a:rPr lang="en" sz="1600" dirty="0" err="1"/>
-              <a:t>Bước</a:t>
-            </a:r>
-            <a:r>
-              <a:rPr lang="en" sz="1600" dirty="0"/>
-              <a:t> 5: </a:t>
-            </a:r>
-            <a:r>
-              <a:rPr lang="en" sz="1600" dirty="0" err="1"/>
-              <a:t>bắt</a:t>
-            </a:r>
-            <a:r>
-              <a:rPr lang="en" sz="1600" dirty="0"/>
-              <a:t> </a:t>
-            </a:r>
-            <a:r>
-              <a:rPr lang="en" sz="1600" dirty="0" err="1"/>
-              <a:t>đầu</a:t>
-            </a:r>
-            <a:r>
-              <a:rPr lang="en" sz="1600" dirty="0"/>
-              <a:t> train EfficientDet-d0 model </a:t>
-            </a:r>
-            <a:r>
-              <a:rPr lang="en" sz="1600" dirty="0" err="1"/>
-              <a:t>với</a:t>
-            </a:r>
-            <a:r>
-              <a:rPr lang="en" sz="1600" dirty="0"/>
-              <a:t> file </a:t>
-            </a:r>
-            <a:r>
-              <a:rPr lang="en" sz="1600" dirty="0" err="1"/>
-              <a:t>đã</a:t>
-            </a:r>
-            <a:r>
-              <a:rPr lang="en" sz="1600" dirty="0"/>
-              <a:t> </a:t>
-            </a:r>
-            <a:r>
-              <a:rPr lang="en" sz="1600" dirty="0" err="1"/>
-              <a:t>trích</a:t>
-            </a:r>
-            <a:r>
-              <a:rPr lang="en" sz="1600" dirty="0"/>
-              <a:t> </a:t>
-            </a:r>
-            <a:r>
-              <a:rPr lang="en" sz="1600" dirty="0" err="1"/>
-              <a:t>xuất</a:t>
-            </a:r>
-            <a:r>
-              <a:rPr lang="en" sz="1600" dirty="0"/>
-              <a:t> </a:t>
-            </a:r>
-            <a:r>
-              <a:rPr lang="en" sz="1600" dirty="0" err="1"/>
-              <a:t>ở</a:t>
-            </a:r>
-            <a:r>
-              <a:rPr lang="en" sz="1600" dirty="0"/>
-              <a:t> </a:t>
-            </a:r>
-            <a:r>
-              <a:rPr lang="en" sz="1600" dirty="0" err="1"/>
-              <a:t>bước</a:t>
-            </a:r>
-            <a:r>
-              <a:rPr lang="en" sz="1600" dirty="0"/>
-              <a:t> 3</a:t>
-            </a:r>
-            <a:endParaRPr sz="1600" dirty="0"/>
-          </a:p>
-          <a:p>
-            <a:pPr marL="457200" lvl="0" indent="-330200" algn="l" rtl="0">
-              <a:lnSpc>
-                <a:spcPct val="115000"/>
-              </a:lnSpc>
-              <a:spcBef>
-                <a:spcPts val="0"/>
-              </a:spcBef>
-              <a:spcAft>
-                <a:spcPts val="0"/>
-              </a:spcAft>
-              <a:buSzPts val="1600"/>
-              <a:buChar char="●"/>
-            </a:pPr>
-            <a:r>
-              <a:rPr lang="en" sz="1600" dirty="0" err="1"/>
-              <a:t>Bước</a:t>
-            </a:r>
-            <a:r>
-              <a:rPr lang="en" sz="1600" dirty="0"/>
-              <a:t> 6: </a:t>
-            </a:r>
-            <a:r>
-              <a:rPr lang="en" sz="1600" dirty="0" err="1"/>
-              <a:t>thử</a:t>
-            </a:r>
-            <a:r>
-              <a:rPr lang="en" sz="1600" dirty="0"/>
-              <a:t> </a:t>
-            </a:r>
-            <a:r>
-              <a:rPr lang="en" sz="1600" dirty="0" err="1"/>
-              <a:t>nghiệm</a:t>
-            </a:r>
-            <a:r>
-              <a:rPr lang="en" sz="1600" dirty="0"/>
-              <a:t> </a:t>
-            </a:r>
-            <a:r>
-              <a:rPr lang="en" sz="1600" dirty="0" err="1"/>
-              <a:t>trên</a:t>
-            </a:r>
-            <a:r>
-              <a:rPr lang="en" sz="1600" dirty="0"/>
-              <a:t> </a:t>
-            </a:r>
-            <a:r>
-              <a:rPr lang="en" sz="1600" dirty="0" err="1"/>
-              <a:t>ảnh</a:t>
-            </a:r>
-            <a:r>
-              <a:rPr lang="en" sz="1600" dirty="0"/>
-              <a:t> </a:t>
-            </a:r>
-            <a:r>
-              <a:rPr lang="en" sz="1600" dirty="0" err="1"/>
-              <a:t>ngoài</a:t>
-            </a:r>
-            <a:r>
-              <a:rPr lang="en" sz="1600" dirty="0"/>
-              <a:t> </a:t>
-            </a:r>
-            <a:r>
-              <a:rPr lang="en" sz="1600" dirty="0" err="1"/>
-              <a:t>thực</a:t>
-            </a:r>
-            <a:r>
-              <a:rPr lang="en" sz="1600" dirty="0"/>
-              <a:t> </a:t>
-            </a:r>
-            <a:r>
-              <a:rPr lang="en" sz="1600" dirty="0" err="1"/>
-              <a:t>tế</a:t>
-            </a:r>
-            <a:r>
-              <a:rPr lang="en" sz="1600" dirty="0"/>
-              <a:t>.</a:t>
-            </a:r>
-            <a:endParaRPr sz="1800" dirty="0"/>
+              <a:t>Số</a:t>
+            </a:r>
+            <a:r>
+              <a:rPr lang="en" sz="1600" dirty="0"/>
+              <a:t> </a:t>
+            </a:r>
+            <a:r>
+              <a:rPr lang="en" sz="1600" dirty="0" err="1"/>
+              <a:t>nhãn</a:t>
+            </a:r>
+            <a:r>
+              <a:rPr lang="en" sz="1600" dirty="0"/>
+              <a:t>: 6 (</a:t>
+            </a:r>
+            <a:r>
+              <a:rPr lang="en" sz="1600" dirty="0" err="1"/>
+              <a:t>loại</a:t>
+            </a:r>
+            <a:r>
+              <a:rPr lang="en" sz="1600" dirty="0"/>
+              <a:t> </a:t>
+            </a:r>
+            <a:r>
+              <a:rPr lang="en" sz="1600" dirty="0" err="1"/>
+              <a:t>trái</a:t>
+            </a:r>
+            <a:r>
+              <a:rPr lang="en" sz="1600" dirty="0"/>
+              <a:t> </a:t>
+            </a:r>
+            <a:r>
+              <a:rPr lang="en" sz="1600" dirty="0" err="1"/>
+              <a:t>cây</a:t>
+            </a:r>
+            <a:r>
+              <a:rPr lang="en" sz="1600" dirty="0"/>
+              <a:t>).</a:t>
+            </a:r>
           </a:p>
         </p:txBody>
       </p:sp>
     </p:spTree>
+    <p:extLst>
+      <p:ext uri="{BB962C8B-B14F-4D97-AF65-F5344CB8AC3E}">
+        <p14:creationId xmlns:p14="http://schemas.microsoft.com/office/powerpoint/2010/main" val="573065521"/>
+      </p:ext>
+    </p:extLst>
   </p:cSld>
   <p:clrMapOvr>
     <a:masterClrMapping/>
